--- a/invariant_synthesis/Invariant Synthesis.pptx
+++ b/invariant_synthesis/Invariant Synthesis.pptx
@@ -104,6 +104,11 @@
       </a:defRPr>
     </a:lvl9pPr>
   </p:defaultTextStyle>
+  <p:extLst>
+    <p:ext uri="{EFAFB233-063F-42B5-8137-9DF3F51BA10A}">
+      <p15:sldGuideLst xmlns:p15="http://schemas.microsoft.com/office/powerpoint/2012/main"/>
+    </p:ext>
+  </p:extLst>
 </p:presentation>
 </file>
 
@@ -238,7 +243,7 @@
           <a:p>
             <a:fld id="{EBF2BB3E-5D50-4F04-8F1B-6C2E8367B5FD}" type="datetimeFigureOut">
               <a:rPr lang="fr-FR" smtClean="0"/>
-              <a:t>27/05/2018</a:t>
+              <a:t>30/05/2018</a:t>
             </a:fld>
             <a:endParaRPr lang="fr-FR"/>
           </a:p>
@@ -408,7 +413,7 @@
           <a:p>
             <a:fld id="{EBF2BB3E-5D50-4F04-8F1B-6C2E8367B5FD}" type="datetimeFigureOut">
               <a:rPr lang="fr-FR" smtClean="0"/>
-              <a:t>27/05/2018</a:t>
+              <a:t>30/05/2018</a:t>
             </a:fld>
             <a:endParaRPr lang="fr-FR"/>
           </a:p>
@@ -588,7 +593,7 @@
           <a:p>
             <a:fld id="{EBF2BB3E-5D50-4F04-8F1B-6C2E8367B5FD}" type="datetimeFigureOut">
               <a:rPr lang="fr-FR" smtClean="0"/>
-              <a:t>27/05/2018</a:t>
+              <a:t>30/05/2018</a:t>
             </a:fld>
             <a:endParaRPr lang="fr-FR"/>
           </a:p>
@@ -758,7 +763,7 @@
           <a:p>
             <a:fld id="{EBF2BB3E-5D50-4F04-8F1B-6C2E8367B5FD}" type="datetimeFigureOut">
               <a:rPr lang="fr-FR" smtClean="0"/>
-              <a:t>27/05/2018</a:t>
+              <a:t>30/05/2018</a:t>
             </a:fld>
             <a:endParaRPr lang="fr-FR"/>
           </a:p>
@@ -1004,7 +1009,7 @@
           <a:p>
             <a:fld id="{EBF2BB3E-5D50-4F04-8F1B-6C2E8367B5FD}" type="datetimeFigureOut">
               <a:rPr lang="fr-FR" smtClean="0"/>
-              <a:t>27/05/2018</a:t>
+              <a:t>30/05/2018</a:t>
             </a:fld>
             <a:endParaRPr lang="fr-FR"/>
           </a:p>
@@ -1236,7 +1241,7 @@
           <a:p>
             <a:fld id="{EBF2BB3E-5D50-4F04-8F1B-6C2E8367B5FD}" type="datetimeFigureOut">
               <a:rPr lang="fr-FR" smtClean="0"/>
-              <a:t>27/05/2018</a:t>
+              <a:t>30/05/2018</a:t>
             </a:fld>
             <a:endParaRPr lang="fr-FR"/>
           </a:p>
@@ -1603,7 +1608,7 @@
           <a:p>
             <a:fld id="{EBF2BB3E-5D50-4F04-8F1B-6C2E8367B5FD}" type="datetimeFigureOut">
               <a:rPr lang="fr-FR" smtClean="0"/>
-              <a:t>27/05/2018</a:t>
+              <a:t>30/05/2018</a:t>
             </a:fld>
             <a:endParaRPr lang="fr-FR"/>
           </a:p>
@@ -1721,7 +1726,7 @@
           <a:p>
             <a:fld id="{EBF2BB3E-5D50-4F04-8F1B-6C2E8367B5FD}" type="datetimeFigureOut">
               <a:rPr lang="fr-FR" smtClean="0"/>
-              <a:t>27/05/2018</a:t>
+              <a:t>30/05/2018</a:t>
             </a:fld>
             <a:endParaRPr lang="fr-FR"/>
           </a:p>
@@ -1816,7 +1821,7 @@
           <a:p>
             <a:fld id="{EBF2BB3E-5D50-4F04-8F1B-6C2E8367B5FD}" type="datetimeFigureOut">
               <a:rPr lang="fr-FR" smtClean="0"/>
-              <a:t>27/05/2018</a:t>
+              <a:t>30/05/2018</a:t>
             </a:fld>
             <a:endParaRPr lang="fr-FR"/>
           </a:p>
@@ -2093,7 +2098,7 @@
           <a:p>
             <a:fld id="{EBF2BB3E-5D50-4F04-8F1B-6C2E8367B5FD}" type="datetimeFigureOut">
               <a:rPr lang="fr-FR" smtClean="0"/>
-              <a:t>27/05/2018</a:t>
+              <a:t>30/05/2018</a:t>
             </a:fld>
             <a:endParaRPr lang="fr-FR"/>
           </a:p>
@@ -2346,7 +2351,7 @@
           <a:p>
             <a:fld id="{EBF2BB3E-5D50-4F04-8F1B-6C2E8367B5FD}" type="datetimeFigureOut">
               <a:rPr lang="fr-FR" smtClean="0"/>
-              <a:t>27/05/2018</a:t>
+              <a:t>30/05/2018</a:t>
             </a:fld>
             <a:endParaRPr lang="fr-FR"/>
           </a:p>
@@ -2559,7 +2564,7 @@
           <a:p>
             <a:fld id="{EBF2BB3E-5D50-4F04-8F1B-6C2E8367B5FD}" type="datetimeFigureOut">
               <a:rPr lang="fr-FR" smtClean="0"/>
-              <a:t>27/05/2018</a:t>
+              <a:t>30/05/2018</a:t>
             </a:fld>
             <a:endParaRPr lang="fr-FR"/>
           </a:p>
@@ -2979,7 +2984,15 @@
           <a:bodyPr/>
           <a:lstStyle/>
           <a:p>
-            <a:endParaRPr lang="fr-FR"/>
+            <a:r>
+              <a:rPr lang="fr-FR" dirty="0" smtClean="0"/>
+              <a:t>Invariant </a:t>
+            </a:r>
+            <a:r>
+              <a:rPr lang="fr-FR" dirty="0" err="1" smtClean="0"/>
+              <a:t>Synthesis</a:t>
+            </a:r>
+            <a:endParaRPr lang="fr-FR" dirty="0"/>
           </a:p>
         </p:txBody>
       </p:sp>
@@ -2998,6 +3011,26 @@
           <a:bodyPr/>
           <a:lstStyle/>
           <a:p>
+            <a:r>
+              <a:rPr lang="fr-FR" dirty="0" err="1" smtClean="0"/>
+              <a:t>Using</a:t>
+            </a:r>
+            <a:r>
+              <a:rPr lang="fr-FR" dirty="0" smtClean="0"/>
+              <a:t> </a:t>
+            </a:r>
+            <a:r>
+              <a:rPr lang="fr-FR" dirty="0" err="1" smtClean="0"/>
+              <a:t>Counterexample</a:t>
+            </a:r>
+            <a:r>
+              <a:rPr lang="fr-FR" dirty="0" smtClean="0"/>
+              <a:t> </a:t>
+            </a:r>
+            <a:r>
+              <a:rPr lang="fr-FR" smtClean="0"/>
+              <a:t>Generalization</a:t>
+            </a:r>
             <a:endParaRPr lang="fr-FR"/>
           </a:p>
         </p:txBody>

--- a/invariant_synthesis/Invariant Synthesis.pptx
+++ b/invariant_synthesis/Invariant Synthesis.pptx
@@ -6,6 +6,13 @@
   </p:sldMasterIdLst>
   <p:sldIdLst>
     <p:sldId id="256" r:id="rId2"/>
+    <p:sldId id="257" r:id="rId3"/>
+    <p:sldId id="263" r:id="rId4"/>
+    <p:sldId id="258" r:id="rId5"/>
+    <p:sldId id="259" r:id="rId6"/>
+    <p:sldId id="262" r:id="rId7"/>
+    <p:sldId id="260" r:id="rId8"/>
+    <p:sldId id="261" r:id="rId9"/>
   </p:sldIdLst>
   <p:sldSz cx="12192000" cy="6858000"/>
   <p:notesSz cx="6858000" cy="9144000"/>
@@ -243,7 +250,7 @@
           <a:p>
             <a:fld id="{EBF2BB3E-5D50-4F04-8F1B-6C2E8367B5FD}" type="datetimeFigureOut">
               <a:rPr lang="fr-FR" smtClean="0"/>
-              <a:t>30/05/2018</a:t>
+              <a:t>16/06/2018</a:t>
             </a:fld>
             <a:endParaRPr lang="fr-FR"/>
           </a:p>
@@ -413,7 +420,7 @@
           <a:p>
             <a:fld id="{EBF2BB3E-5D50-4F04-8F1B-6C2E8367B5FD}" type="datetimeFigureOut">
               <a:rPr lang="fr-FR" smtClean="0"/>
-              <a:t>30/05/2018</a:t>
+              <a:t>16/06/2018</a:t>
             </a:fld>
             <a:endParaRPr lang="fr-FR"/>
           </a:p>
@@ -593,7 +600,7 @@
           <a:p>
             <a:fld id="{EBF2BB3E-5D50-4F04-8F1B-6C2E8367B5FD}" type="datetimeFigureOut">
               <a:rPr lang="fr-FR" smtClean="0"/>
-              <a:t>30/05/2018</a:t>
+              <a:t>16/06/2018</a:t>
             </a:fld>
             <a:endParaRPr lang="fr-FR"/>
           </a:p>
@@ -763,7 +770,7 @@
           <a:p>
             <a:fld id="{EBF2BB3E-5D50-4F04-8F1B-6C2E8367B5FD}" type="datetimeFigureOut">
               <a:rPr lang="fr-FR" smtClean="0"/>
-              <a:t>30/05/2018</a:t>
+              <a:t>16/06/2018</a:t>
             </a:fld>
             <a:endParaRPr lang="fr-FR"/>
           </a:p>
@@ -1009,7 +1016,7 @@
           <a:p>
             <a:fld id="{EBF2BB3E-5D50-4F04-8F1B-6C2E8367B5FD}" type="datetimeFigureOut">
               <a:rPr lang="fr-FR" smtClean="0"/>
-              <a:t>30/05/2018</a:t>
+              <a:t>16/06/2018</a:t>
             </a:fld>
             <a:endParaRPr lang="fr-FR"/>
           </a:p>
@@ -1241,7 +1248,7 @@
           <a:p>
             <a:fld id="{EBF2BB3E-5D50-4F04-8F1B-6C2E8367B5FD}" type="datetimeFigureOut">
               <a:rPr lang="fr-FR" smtClean="0"/>
-              <a:t>30/05/2018</a:t>
+              <a:t>16/06/2018</a:t>
             </a:fld>
             <a:endParaRPr lang="fr-FR"/>
           </a:p>
@@ -1608,7 +1615,7 @@
           <a:p>
             <a:fld id="{EBF2BB3E-5D50-4F04-8F1B-6C2E8367B5FD}" type="datetimeFigureOut">
               <a:rPr lang="fr-FR" smtClean="0"/>
-              <a:t>30/05/2018</a:t>
+              <a:t>16/06/2018</a:t>
             </a:fld>
             <a:endParaRPr lang="fr-FR"/>
           </a:p>
@@ -1726,7 +1733,7 @@
           <a:p>
             <a:fld id="{EBF2BB3E-5D50-4F04-8F1B-6C2E8367B5FD}" type="datetimeFigureOut">
               <a:rPr lang="fr-FR" smtClean="0"/>
-              <a:t>30/05/2018</a:t>
+              <a:t>16/06/2018</a:t>
             </a:fld>
             <a:endParaRPr lang="fr-FR"/>
           </a:p>
@@ -1821,7 +1828,7 @@
           <a:p>
             <a:fld id="{EBF2BB3E-5D50-4F04-8F1B-6C2E8367B5FD}" type="datetimeFigureOut">
               <a:rPr lang="fr-FR" smtClean="0"/>
-              <a:t>30/05/2018</a:t>
+              <a:t>16/06/2018</a:t>
             </a:fld>
             <a:endParaRPr lang="fr-FR"/>
           </a:p>
@@ -2098,7 +2105,7 @@
           <a:p>
             <a:fld id="{EBF2BB3E-5D50-4F04-8F1B-6C2E8367B5FD}" type="datetimeFigureOut">
               <a:rPr lang="fr-FR" smtClean="0"/>
-              <a:t>30/05/2018</a:t>
+              <a:t>16/06/2018</a:t>
             </a:fld>
             <a:endParaRPr lang="fr-FR"/>
           </a:p>
@@ -2351,7 +2358,7 @@
           <a:p>
             <a:fld id="{EBF2BB3E-5D50-4F04-8F1B-6C2E8367B5FD}" type="datetimeFigureOut">
               <a:rPr lang="fr-FR" smtClean="0"/>
-              <a:t>30/05/2018</a:t>
+              <a:t>16/06/2018</a:t>
             </a:fld>
             <a:endParaRPr lang="fr-FR"/>
           </a:p>
@@ -2564,7 +2571,7 @@
           <a:p>
             <a:fld id="{EBF2BB3E-5D50-4F04-8F1B-6C2E8367B5FD}" type="datetimeFigureOut">
               <a:rPr lang="fr-FR" smtClean="0"/>
-              <a:t>30/05/2018</a:t>
+              <a:t>16/06/2018</a:t>
             </a:fld>
             <a:endParaRPr lang="fr-FR"/>
           </a:p>
@@ -3048,6 +3055,602 @@
 </p:sld>
 </file>
 
+<file path=ppt/slides/slide2.xml><?xml version="1.0" encoding="utf-8"?>
+<p:sld xmlns:a="http://schemas.openxmlformats.org/drawingml/2006/main" xmlns:r="http://schemas.openxmlformats.org/officeDocument/2006/relationships" xmlns:p="http://schemas.openxmlformats.org/presentationml/2006/main">
+  <p:cSld>
+    <p:spTree>
+      <p:nvGrpSpPr>
+        <p:cNvPr id="1" name=""/>
+        <p:cNvGrpSpPr/>
+        <p:nvPr/>
+      </p:nvGrpSpPr>
+      <p:grpSpPr>
+        <a:xfrm>
+          <a:off x="0" y="0"/>
+          <a:ext cx="0" cy="0"/>
+          <a:chOff x="0" y="0"/>
+          <a:chExt cx="0" cy="0"/>
+        </a:xfrm>
+      </p:grpSpPr>
+      <p:sp>
+        <p:nvSpPr>
+          <p:cNvPr id="2" name="Titre 1"/>
+          <p:cNvSpPr>
+            <a:spLocks noGrp="1"/>
+          </p:cNvSpPr>
+          <p:nvPr>
+            <p:ph type="title"/>
+          </p:nvPr>
+        </p:nvSpPr>
+        <p:spPr/>
+        <p:txBody>
+          <a:bodyPr/>
+          <a:lstStyle/>
+          <a:p>
+            <a:r>
+              <a:rPr lang="fr-FR" dirty="0" err="1" smtClean="0"/>
+              <a:t>Different</a:t>
+            </a:r>
+            <a:r>
+              <a:rPr lang="fr-FR" dirty="0" smtClean="0"/>
+              <a:t> </a:t>
+            </a:r>
+            <a:r>
+              <a:rPr lang="fr-FR" dirty="0" smtClean="0"/>
+              <a:t>approches</a:t>
+            </a:r>
+            <a:endParaRPr lang="fr-FR" dirty="0"/>
+          </a:p>
+        </p:txBody>
+      </p:sp>
+      <p:sp>
+        <p:nvSpPr>
+          <p:cNvPr id="3" name="Espace réservé du contenu 2"/>
+          <p:cNvSpPr>
+            <a:spLocks noGrp="1"/>
+          </p:cNvSpPr>
+          <p:nvPr>
+            <p:ph idx="1"/>
+          </p:nvPr>
+        </p:nvSpPr>
+        <p:spPr/>
+        <p:txBody>
+          <a:bodyPr/>
+          <a:lstStyle/>
+          <a:p>
+            <a:endParaRPr lang="fr-FR"/>
+          </a:p>
+        </p:txBody>
+      </p:sp>
+    </p:spTree>
+    <p:extLst>
+      <p:ext uri="{BB962C8B-B14F-4D97-AF65-F5344CB8AC3E}">
+        <p14:creationId xmlns:p14="http://schemas.microsoft.com/office/powerpoint/2010/main" val="3315149806"/>
+      </p:ext>
+    </p:extLst>
+  </p:cSld>
+  <p:clrMapOvr>
+    <a:masterClrMapping/>
+  </p:clrMapOvr>
+</p:sld>
+</file>
+
+<file path=ppt/slides/slide3.xml><?xml version="1.0" encoding="utf-8"?>
+<p:sld xmlns:a="http://schemas.openxmlformats.org/drawingml/2006/main" xmlns:r="http://schemas.openxmlformats.org/officeDocument/2006/relationships" xmlns:p="http://schemas.openxmlformats.org/presentationml/2006/main">
+  <p:cSld>
+    <p:spTree>
+      <p:nvGrpSpPr>
+        <p:cNvPr id="1" name=""/>
+        <p:cNvGrpSpPr/>
+        <p:nvPr/>
+      </p:nvGrpSpPr>
+      <p:grpSpPr>
+        <a:xfrm>
+          <a:off x="0" y="0"/>
+          <a:ext cx="0" cy="0"/>
+          <a:chOff x="0" y="0"/>
+          <a:chExt cx="0" cy="0"/>
+        </a:xfrm>
+      </p:grpSpPr>
+      <p:sp>
+        <p:nvSpPr>
+          <p:cNvPr id="2" name="Titre 1"/>
+          <p:cNvSpPr>
+            <a:spLocks noGrp="1"/>
+          </p:cNvSpPr>
+          <p:nvPr>
+            <p:ph type="title"/>
+          </p:nvPr>
+        </p:nvSpPr>
+        <p:spPr/>
+        <p:txBody>
+          <a:bodyPr/>
+          <a:lstStyle/>
+          <a:p>
+            <a:r>
+              <a:rPr lang="fr-FR" dirty="0" err="1" smtClean="0"/>
+              <a:t>Counterexample</a:t>
+            </a:r>
+            <a:r>
+              <a:rPr lang="fr-FR" dirty="0" smtClean="0"/>
+              <a:t> </a:t>
+            </a:r>
+            <a:r>
+              <a:rPr lang="fr-FR" dirty="0" err="1" smtClean="0"/>
+              <a:t>generalization</a:t>
+            </a:r>
+            <a:endParaRPr lang="fr-FR" dirty="0"/>
+          </a:p>
+        </p:txBody>
+      </p:sp>
+      <p:sp>
+        <p:nvSpPr>
+          <p:cNvPr id="3" name="Espace réservé du contenu 2"/>
+          <p:cNvSpPr>
+            <a:spLocks noGrp="1"/>
+          </p:cNvSpPr>
+          <p:nvPr>
+            <p:ph idx="1"/>
+          </p:nvPr>
+        </p:nvSpPr>
+        <p:spPr/>
+        <p:txBody>
+          <a:bodyPr/>
+          <a:lstStyle/>
+          <a:p>
+            <a:endParaRPr lang="fr-FR"/>
+          </a:p>
+        </p:txBody>
+      </p:sp>
+    </p:spTree>
+    <p:extLst>
+      <p:ext uri="{BB962C8B-B14F-4D97-AF65-F5344CB8AC3E}">
+        <p14:creationId xmlns:p14="http://schemas.microsoft.com/office/powerpoint/2010/main" val="2238074015"/>
+      </p:ext>
+    </p:extLst>
+  </p:cSld>
+  <p:clrMapOvr>
+    <a:masterClrMapping/>
+  </p:clrMapOvr>
+</p:sld>
+</file>
+
+<file path=ppt/slides/slide4.xml><?xml version="1.0" encoding="utf-8"?>
+<p:sld xmlns:a="http://schemas.openxmlformats.org/drawingml/2006/main" xmlns:r="http://schemas.openxmlformats.org/officeDocument/2006/relationships" xmlns:p="http://schemas.openxmlformats.org/presentationml/2006/main">
+  <p:cSld>
+    <p:spTree>
+      <p:nvGrpSpPr>
+        <p:cNvPr id="1" name=""/>
+        <p:cNvGrpSpPr/>
+        <p:nvPr/>
+      </p:nvGrpSpPr>
+      <p:grpSpPr>
+        <a:xfrm>
+          <a:off x="0" y="0"/>
+          <a:ext cx="0" cy="0"/>
+          <a:chOff x="0" y="0"/>
+          <a:chExt cx="0" cy="0"/>
+        </a:xfrm>
+      </p:grpSpPr>
+      <p:sp>
+        <p:nvSpPr>
+          <p:cNvPr id="2" name="Titre 1"/>
+          <p:cNvSpPr>
+            <a:spLocks noGrp="1"/>
+          </p:cNvSpPr>
+          <p:nvPr>
+            <p:ph type="title"/>
+          </p:nvPr>
+        </p:nvSpPr>
+        <p:spPr/>
+        <p:txBody>
+          <a:bodyPr/>
+          <a:lstStyle/>
+          <a:p>
+            <a:r>
+              <a:rPr lang="fr-FR" dirty="0" err="1" smtClean="0"/>
+              <a:t>Comparison</a:t>
+            </a:r>
+            <a:r>
+              <a:rPr lang="fr-FR" dirty="0" smtClean="0"/>
+              <a:t> of </a:t>
+            </a:r>
+            <a:r>
+              <a:rPr lang="fr-FR" dirty="0" err="1" smtClean="0"/>
+              <a:t>different</a:t>
+            </a:r>
+            <a:r>
+              <a:rPr lang="fr-FR" dirty="0" smtClean="0"/>
+              <a:t> </a:t>
+            </a:r>
+            <a:r>
+              <a:rPr lang="fr-FR" dirty="0" err="1" smtClean="0"/>
+              <a:t>methods</a:t>
+            </a:r>
+            <a:endParaRPr lang="fr-FR" dirty="0"/>
+          </a:p>
+        </p:txBody>
+      </p:sp>
+      <p:sp>
+        <p:nvSpPr>
+          <p:cNvPr id="3" name="Espace réservé du contenu 2"/>
+          <p:cNvSpPr>
+            <a:spLocks noGrp="1"/>
+          </p:cNvSpPr>
+          <p:nvPr>
+            <p:ph idx="1"/>
+          </p:nvPr>
+        </p:nvSpPr>
+        <p:spPr/>
+        <p:txBody>
+          <a:bodyPr/>
+          <a:lstStyle/>
+          <a:p>
+            <a:endParaRPr lang="fr-FR"/>
+          </a:p>
+        </p:txBody>
+      </p:sp>
+    </p:spTree>
+    <p:extLst>
+      <p:ext uri="{BB962C8B-B14F-4D97-AF65-F5344CB8AC3E}">
+        <p14:creationId xmlns:p14="http://schemas.microsoft.com/office/powerpoint/2010/main" val="1930229194"/>
+      </p:ext>
+    </p:extLst>
+  </p:cSld>
+  <p:clrMapOvr>
+    <a:masterClrMapping/>
+  </p:clrMapOvr>
+</p:sld>
+</file>
+
+<file path=ppt/slides/slide5.xml><?xml version="1.0" encoding="utf-8"?>
+<p:sld xmlns:a="http://schemas.openxmlformats.org/drawingml/2006/main" xmlns:r="http://schemas.openxmlformats.org/officeDocument/2006/relationships" xmlns:p="http://schemas.openxmlformats.org/presentationml/2006/main">
+  <p:cSld>
+    <p:spTree>
+      <p:nvGrpSpPr>
+        <p:cNvPr id="1" name=""/>
+        <p:cNvGrpSpPr/>
+        <p:nvPr/>
+      </p:nvGrpSpPr>
+      <p:grpSpPr>
+        <a:xfrm>
+          <a:off x="0" y="0"/>
+          <a:ext cx="0" cy="0"/>
+          <a:chOff x="0" y="0"/>
+          <a:chExt cx="0" cy="0"/>
+        </a:xfrm>
+      </p:grpSpPr>
+      <p:sp>
+        <p:nvSpPr>
+          <p:cNvPr id="2" name="Titre 1"/>
+          <p:cNvSpPr>
+            <a:spLocks noGrp="1"/>
+          </p:cNvSpPr>
+          <p:nvPr>
+            <p:ph type="title"/>
+          </p:nvPr>
+        </p:nvSpPr>
+        <p:spPr/>
+        <p:txBody>
+          <a:bodyPr/>
+          <a:lstStyle/>
+          <a:p>
+            <a:r>
+              <a:rPr lang="fr-FR" dirty="0" err="1" smtClean="0"/>
+              <a:t>Examples</a:t>
+            </a:r>
+            <a:endParaRPr lang="fr-FR" dirty="0"/>
+          </a:p>
+        </p:txBody>
+      </p:sp>
+      <p:sp>
+        <p:nvSpPr>
+          <p:cNvPr id="3" name="Espace réservé du contenu 2"/>
+          <p:cNvSpPr>
+            <a:spLocks noGrp="1"/>
+          </p:cNvSpPr>
+          <p:nvPr>
+            <p:ph idx="1"/>
+          </p:nvPr>
+        </p:nvSpPr>
+        <p:spPr/>
+        <p:txBody>
+          <a:bodyPr/>
+          <a:lstStyle/>
+          <a:p>
+            <a:endParaRPr lang="fr-FR"/>
+          </a:p>
+        </p:txBody>
+      </p:sp>
+    </p:spTree>
+    <p:extLst>
+      <p:ext uri="{BB962C8B-B14F-4D97-AF65-F5344CB8AC3E}">
+        <p14:creationId xmlns:p14="http://schemas.microsoft.com/office/powerpoint/2010/main" val="3540206418"/>
+      </p:ext>
+    </p:extLst>
+  </p:cSld>
+  <p:clrMapOvr>
+    <a:masterClrMapping/>
+  </p:clrMapOvr>
+</p:sld>
+</file>
+
+<file path=ppt/slides/slide6.xml><?xml version="1.0" encoding="utf-8"?>
+<p:sld xmlns:a="http://schemas.openxmlformats.org/drawingml/2006/main" xmlns:r="http://schemas.openxmlformats.org/officeDocument/2006/relationships" xmlns:p="http://schemas.openxmlformats.org/presentationml/2006/main">
+  <p:cSld>
+    <p:spTree>
+      <p:nvGrpSpPr>
+        <p:cNvPr id="1" name=""/>
+        <p:cNvGrpSpPr/>
+        <p:nvPr/>
+      </p:nvGrpSpPr>
+      <p:grpSpPr>
+        <a:xfrm>
+          <a:off x="0" y="0"/>
+          <a:ext cx="0" cy="0"/>
+          <a:chOff x="0" y="0"/>
+          <a:chExt cx="0" cy="0"/>
+        </a:xfrm>
+      </p:grpSpPr>
+      <p:sp>
+        <p:nvSpPr>
+          <p:cNvPr id="2" name="Titre 1"/>
+          <p:cNvSpPr>
+            <a:spLocks noGrp="1"/>
+          </p:cNvSpPr>
+          <p:nvPr>
+            <p:ph type="title"/>
+          </p:nvPr>
+        </p:nvSpPr>
+        <p:spPr/>
+        <p:txBody>
+          <a:bodyPr/>
+          <a:lstStyle/>
+          <a:p>
+            <a:r>
+              <a:rPr lang="fr-FR" dirty="0" smtClean="0"/>
+              <a:t>How </a:t>
+            </a:r>
+            <a:r>
+              <a:rPr lang="fr-FR" dirty="0" err="1" smtClean="0"/>
+              <a:t>does</a:t>
+            </a:r>
+            <a:r>
+              <a:rPr lang="fr-FR" dirty="0" smtClean="0"/>
+              <a:t> </a:t>
+            </a:r>
+            <a:r>
+              <a:rPr lang="fr-FR" dirty="0" err="1" smtClean="0"/>
+              <a:t>it</a:t>
+            </a:r>
+            <a:r>
+              <a:rPr lang="fr-FR" dirty="0" smtClean="0"/>
+              <a:t> </a:t>
+            </a:r>
+            <a:r>
+              <a:rPr lang="fr-FR" dirty="0" err="1" smtClean="0"/>
+              <a:t>work</a:t>
+            </a:r>
+            <a:r>
+              <a:rPr lang="fr-FR" dirty="0" smtClean="0"/>
+              <a:t>?</a:t>
+            </a:r>
+            <a:endParaRPr lang="fr-FR" dirty="0"/>
+          </a:p>
+        </p:txBody>
+      </p:sp>
+      <p:sp>
+        <p:nvSpPr>
+          <p:cNvPr id="3" name="Espace réservé du contenu 2"/>
+          <p:cNvSpPr>
+            <a:spLocks noGrp="1"/>
+          </p:cNvSpPr>
+          <p:nvPr>
+            <p:ph idx="1"/>
+          </p:nvPr>
+        </p:nvSpPr>
+        <p:spPr/>
+        <p:txBody>
+          <a:bodyPr/>
+          <a:lstStyle/>
+          <a:p>
+            <a:endParaRPr lang="fr-FR"/>
+          </a:p>
+        </p:txBody>
+      </p:sp>
+    </p:spTree>
+    <p:extLst>
+      <p:ext uri="{BB962C8B-B14F-4D97-AF65-F5344CB8AC3E}">
+        <p14:creationId xmlns:p14="http://schemas.microsoft.com/office/powerpoint/2010/main" val="1314692541"/>
+      </p:ext>
+    </p:extLst>
+  </p:cSld>
+  <p:clrMapOvr>
+    <a:masterClrMapping/>
+  </p:clrMapOvr>
+</p:sld>
+</file>
+
+<file path=ppt/slides/slide7.xml><?xml version="1.0" encoding="utf-8"?>
+<p:sld xmlns:a="http://schemas.openxmlformats.org/drawingml/2006/main" xmlns:r="http://schemas.openxmlformats.org/officeDocument/2006/relationships" xmlns:p="http://schemas.openxmlformats.org/presentationml/2006/main">
+  <p:cSld>
+    <p:spTree>
+      <p:nvGrpSpPr>
+        <p:cNvPr id="1" name=""/>
+        <p:cNvGrpSpPr/>
+        <p:nvPr/>
+      </p:nvGrpSpPr>
+      <p:grpSpPr>
+        <a:xfrm>
+          <a:off x="0" y="0"/>
+          <a:ext cx="0" cy="0"/>
+          <a:chOff x="0" y="0"/>
+          <a:chExt cx="0" cy="0"/>
+        </a:xfrm>
+      </p:grpSpPr>
+      <p:sp>
+        <p:nvSpPr>
+          <p:cNvPr id="2" name="Titre 1"/>
+          <p:cNvSpPr>
+            <a:spLocks noGrp="1"/>
+          </p:cNvSpPr>
+          <p:nvPr>
+            <p:ph type="title"/>
+          </p:nvPr>
+        </p:nvSpPr>
+        <p:spPr/>
+        <p:txBody>
+          <a:bodyPr/>
+          <a:lstStyle/>
+          <a:p>
+            <a:r>
+              <a:rPr lang="fr-FR" dirty="0" err="1" smtClean="0"/>
+              <a:t>Guarantees</a:t>
+            </a:r>
+            <a:endParaRPr lang="fr-FR" dirty="0"/>
+          </a:p>
+        </p:txBody>
+      </p:sp>
+      <p:sp>
+        <p:nvSpPr>
+          <p:cNvPr id="3" name="Espace réservé du contenu 2"/>
+          <p:cNvSpPr>
+            <a:spLocks noGrp="1"/>
+          </p:cNvSpPr>
+          <p:nvPr>
+            <p:ph idx="1"/>
+          </p:nvPr>
+        </p:nvSpPr>
+        <p:spPr/>
+        <p:txBody>
+          <a:bodyPr/>
+          <a:lstStyle/>
+          <a:p>
+            <a:endParaRPr lang="fr-FR"/>
+          </a:p>
+        </p:txBody>
+      </p:sp>
+    </p:spTree>
+    <p:extLst>
+      <p:ext uri="{BB962C8B-B14F-4D97-AF65-F5344CB8AC3E}">
+        <p14:creationId xmlns:p14="http://schemas.microsoft.com/office/powerpoint/2010/main" val="1234709914"/>
+      </p:ext>
+    </p:extLst>
+  </p:cSld>
+  <p:clrMapOvr>
+    <a:masterClrMapping/>
+  </p:clrMapOvr>
+</p:sld>
+</file>
+
+<file path=ppt/slides/slide8.xml><?xml version="1.0" encoding="utf-8"?>
+<p:sld xmlns:a="http://schemas.openxmlformats.org/drawingml/2006/main" xmlns:r="http://schemas.openxmlformats.org/officeDocument/2006/relationships" xmlns:p="http://schemas.openxmlformats.org/presentationml/2006/main">
+  <p:cSld>
+    <p:spTree>
+      <p:nvGrpSpPr>
+        <p:cNvPr id="1" name=""/>
+        <p:cNvGrpSpPr/>
+        <p:nvPr/>
+      </p:nvGrpSpPr>
+      <p:grpSpPr>
+        <a:xfrm>
+          <a:off x="0" y="0"/>
+          <a:ext cx="0" cy="0"/>
+          <a:chOff x="0" y="0"/>
+          <a:chExt cx="0" cy="0"/>
+        </a:xfrm>
+      </p:grpSpPr>
+      <p:sp>
+        <p:nvSpPr>
+          <p:cNvPr id="2" name="Titre 1"/>
+          <p:cNvSpPr>
+            <a:spLocks noGrp="1"/>
+          </p:cNvSpPr>
+          <p:nvPr>
+            <p:ph type="title"/>
+          </p:nvPr>
+        </p:nvSpPr>
+        <p:spPr/>
+        <p:txBody>
+          <a:bodyPr/>
+          <a:lstStyle/>
+          <a:p>
+            <a:r>
+              <a:rPr lang="fr-FR" dirty="0" err="1" smtClean="0"/>
+              <a:t>Limits</a:t>
+            </a:r>
+            <a:r>
+              <a:rPr lang="fr-FR" dirty="0" smtClean="0"/>
+              <a:t> (</a:t>
+            </a:r>
+            <a:r>
+              <a:rPr lang="fr-FR" dirty="0" err="1" smtClean="0"/>
+              <a:t>when</a:t>
+            </a:r>
+            <a:r>
+              <a:rPr lang="fr-FR" dirty="0" smtClean="0"/>
+              <a:t> </a:t>
+            </a:r>
+            <a:r>
+              <a:rPr lang="fr-FR" dirty="0" err="1" smtClean="0"/>
+              <a:t>does</a:t>
+            </a:r>
+            <a:r>
+              <a:rPr lang="fr-FR" dirty="0" smtClean="0"/>
+              <a:t> </a:t>
+            </a:r>
+            <a:r>
+              <a:rPr lang="fr-FR" dirty="0" err="1" smtClean="0"/>
+              <a:t>it</a:t>
+            </a:r>
+            <a:r>
+              <a:rPr lang="fr-FR" dirty="0" smtClean="0"/>
+              <a:t> </a:t>
+            </a:r>
+            <a:r>
+              <a:rPr lang="fr-FR" dirty="0" err="1" smtClean="0"/>
+              <a:t>fail</a:t>
+            </a:r>
+            <a:r>
+              <a:rPr lang="fr-FR" dirty="0" smtClean="0"/>
+              <a:t>?)</a:t>
+            </a:r>
+            <a:endParaRPr lang="fr-FR" dirty="0"/>
+          </a:p>
+        </p:txBody>
+      </p:sp>
+      <p:sp>
+        <p:nvSpPr>
+          <p:cNvPr id="3" name="Espace réservé du contenu 2"/>
+          <p:cNvSpPr>
+            <a:spLocks noGrp="1"/>
+          </p:cNvSpPr>
+          <p:nvPr>
+            <p:ph idx="1"/>
+          </p:nvPr>
+        </p:nvSpPr>
+        <p:spPr/>
+        <p:txBody>
+          <a:bodyPr/>
+          <a:lstStyle/>
+          <a:p>
+            <a:endParaRPr lang="fr-FR"/>
+          </a:p>
+        </p:txBody>
+      </p:sp>
+    </p:spTree>
+    <p:extLst>
+      <p:ext uri="{BB962C8B-B14F-4D97-AF65-F5344CB8AC3E}">
+        <p14:creationId xmlns:p14="http://schemas.microsoft.com/office/powerpoint/2010/main" val="847859215"/>
+      </p:ext>
+    </p:extLst>
+  </p:cSld>
+  <p:clrMapOvr>
+    <a:masterClrMapping/>
+  </p:clrMapOvr>
+</p:sld>
+</file>
+
 <file path=ppt/theme/theme1.xml><?xml version="1.0" encoding="utf-8"?>
 <a:theme xmlns:a="http://schemas.openxmlformats.org/drawingml/2006/main" name="Thème Office">
   <a:themeElements>

--- a/invariant_synthesis/Invariant Synthesis.pptx
+++ b/invariant_synthesis/Invariant Synthesis.pptx
@@ -9,10 +9,11 @@
     <p:sldId id="257" r:id="rId3"/>
     <p:sldId id="263" r:id="rId4"/>
     <p:sldId id="258" r:id="rId5"/>
-    <p:sldId id="259" r:id="rId6"/>
-    <p:sldId id="262" r:id="rId7"/>
-    <p:sldId id="260" r:id="rId8"/>
-    <p:sldId id="261" r:id="rId9"/>
+    <p:sldId id="264" r:id="rId6"/>
+    <p:sldId id="259" r:id="rId7"/>
+    <p:sldId id="262" r:id="rId8"/>
+    <p:sldId id="260" r:id="rId9"/>
+    <p:sldId id="261" r:id="rId10"/>
   </p:sldIdLst>
   <p:sldSz cx="12192000" cy="6858000"/>
   <p:notesSz cx="6858000" cy="9144000"/>
@@ -3089,15 +3090,15 @@
           <a:p>
             <a:r>
               <a:rPr lang="fr-FR" dirty="0" err="1" smtClean="0"/>
-              <a:t>Different</a:t>
+              <a:t>Two</a:t>
             </a:r>
             <a:r>
               <a:rPr lang="fr-FR" dirty="0" smtClean="0"/>
               <a:t> </a:t>
             </a:r>
             <a:r>
-              <a:rPr lang="fr-FR" dirty="0" smtClean="0"/>
-              <a:t>approches</a:t>
+              <a:rPr lang="fr-FR" dirty="0" err="1" smtClean="0"/>
+              <a:t>approaches</a:t>
             </a:r>
             <a:endParaRPr lang="fr-FR" dirty="0"/>
           </a:p>
@@ -3115,10 +3116,260 @@
         </p:nvSpPr>
         <p:spPr/>
         <p:txBody>
-          <a:bodyPr/>
-          <a:lstStyle/>
-          <a:p>
-            <a:endParaRPr lang="fr-FR"/>
+          <a:bodyPr>
+            <a:normAutofit/>
+          </a:bodyPr>
+          <a:lstStyle/>
+          <a:p>
+            <a:pPr marL="0" indent="0">
+              <a:buNone/>
+            </a:pPr>
+            <a:r>
+              <a:rPr lang="fr-FR" dirty="0" smtClean="0"/>
+              <a:t>In </a:t>
+            </a:r>
+            <a:r>
+              <a:rPr lang="fr-FR" dirty="0" err="1" smtClean="0"/>
+              <a:t>order</a:t>
+            </a:r>
+            <a:r>
+              <a:rPr lang="fr-FR" dirty="0" smtClean="0"/>
+              <a:t> to </a:t>
+            </a:r>
+            <a:r>
+              <a:rPr lang="fr-FR" dirty="0" err="1" smtClean="0"/>
+              <a:t>strengthen</a:t>
+            </a:r>
+            <a:r>
+              <a:rPr lang="fr-FR" dirty="0" smtClean="0"/>
+              <a:t> the set of invariants (and </a:t>
+            </a:r>
+            <a:r>
+              <a:rPr lang="fr-FR" dirty="0" err="1" smtClean="0"/>
+              <a:t>make</a:t>
+            </a:r>
+            <a:r>
+              <a:rPr lang="fr-FR" dirty="0" smtClean="0"/>
+              <a:t> </a:t>
+            </a:r>
+            <a:r>
+              <a:rPr lang="fr-FR" dirty="0" err="1" smtClean="0"/>
+              <a:t>it</a:t>
+            </a:r>
+            <a:r>
+              <a:rPr lang="fr-FR" dirty="0" smtClean="0"/>
+              <a:t> inductive),</a:t>
+            </a:r>
+            <a:br>
+              <a:rPr lang="fr-FR" dirty="0" smtClean="0"/>
+            </a:br>
+            <a:r>
+              <a:rPr lang="fr-FR" dirty="0" err="1" smtClean="0"/>
+              <a:t>we</a:t>
+            </a:r>
+            <a:r>
+              <a:rPr lang="fr-FR" dirty="0" smtClean="0"/>
+              <a:t> </a:t>
+            </a:r>
+            <a:r>
+              <a:rPr lang="fr-FR" dirty="0" err="1" smtClean="0"/>
+              <a:t>can</a:t>
+            </a:r>
+            <a:r>
+              <a:rPr lang="fr-FR" dirty="0" smtClean="0"/>
+              <a:t> do the </a:t>
+            </a:r>
+            <a:r>
+              <a:rPr lang="fr-FR" dirty="0" err="1" smtClean="0"/>
+              <a:t>following</a:t>
+            </a:r>
+            <a:r>
+              <a:rPr lang="fr-FR" dirty="0" smtClean="0"/>
+              <a:t>:</a:t>
+            </a:r>
+          </a:p>
+          <a:p>
+            <a:endParaRPr lang="fr-FR" dirty="0"/>
+          </a:p>
+          <a:p>
+            <a:r>
+              <a:rPr lang="fr-FR" dirty="0" err="1" smtClean="0"/>
+              <a:t>Stay</a:t>
+            </a:r>
+            <a:r>
+              <a:rPr lang="fr-FR" dirty="0" smtClean="0"/>
+              <a:t> in a </a:t>
+            </a:r>
+            <a:r>
+              <a:rPr lang="fr-FR" b="1" dirty="0" err="1" smtClean="0"/>
+              <a:t>general</a:t>
+            </a:r>
+            <a:r>
+              <a:rPr lang="fr-FR" dirty="0" smtClean="0"/>
+              <a:t> </a:t>
+            </a:r>
+            <a:r>
+              <a:rPr lang="fr-FR" b="1" dirty="0" smtClean="0"/>
+              <a:t>abstract </a:t>
+            </a:r>
+            <a:r>
+              <a:rPr lang="fr-FR" b="1" dirty="0" err="1" smtClean="0"/>
+              <a:t>domain</a:t>
+            </a:r>
+            <a:r>
+              <a:rPr lang="fr-FR" b="1" dirty="0" smtClean="0"/>
+              <a:t> </a:t>
+            </a:r>
+            <a:r>
+              <a:rPr lang="fr-FR" dirty="0" smtClean="0"/>
+              <a:t>and </a:t>
+            </a:r>
+            <a:r>
+              <a:rPr lang="fr-FR" dirty="0" err="1" smtClean="0"/>
+              <a:t>directly</a:t>
+            </a:r>
+            <a:r>
+              <a:rPr lang="fr-FR" dirty="0" smtClean="0"/>
+              <a:t> </a:t>
+            </a:r>
+            <a:r>
+              <a:rPr lang="fr-FR" dirty="0" err="1" smtClean="0"/>
+              <a:t>compute</a:t>
+            </a:r>
+            <a:r>
+              <a:rPr lang="fr-FR" dirty="0" smtClean="0"/>
+              <a:t> the </a:t>
+            </a:r>
+            <a:r>
+              <a:rPr lang="fr-FR" b="1" dirty="0" err="1" smtClean="0"/>
+              <a:t>weakest</a:t>
+            </a:r>
+            <a:r>
+              <a:rPr lang="fr-FR" b="1" dirty="0" smtClean="0"/>
+              <a:t> </a:t>
+            </a:r>
+            <a:r>
+              <a:rPr lang="fr-FR" b="1" dirty="0" err="1" smtClean="0"/>
+              <a:t>precondition</a:t>
+            </a:r>
+            <a:r>
+              <a:rPr lang="fr-FR" b="1" dirty="0" smtClean="0"/>
+              <a:t> </a:t>
+            </a:r>
+            <a:r>
+              <a:rPr lang="fr-FR" dirty="0" smtClean="0"/>
+              <a:t>of the set of invariants.</a:t>
+            </a:r>
+          </a:p>
+          <a:p>
+            <a:endParaRPr lang="fr-FR" dirty="0"/>
+          </a:p>
+          <a:p>
+            <a:r>
+              <a:rPr lang="fr-FR" dirty="0" err="1" smtClean="0"/>
+              <a:t>Find</a:t>
+            </a:r>
+            <a:r>
+              <a:rPr lang="fr-FR" dirty="0" smtClean="0"/>
+              <a:t> a </a:t>
+            </a:r>
+            <a:r>
+              <a:rPr lang="fr-FR" b="1" dirty="0" err="1" smtClean="0"/>
+              <a:t>finite</a:t>
+            </a:r>
+            <a:r>
+              <a:rPr lang="fr-FR" b="1" dirty="0" smtClean="0"/>
+              <a:t> </a:t>
+            </a:r>
+            <a:r>
+              <a:rPr lang="fr-FR" b="1" dirty="0" err="1" smtClean="0"/>
+              <a:t>counterexample</a:t>
+            </a:r>
+            <a:r>
+              <a:rPr lang="fr-FR" b="1" dirty="0" smtClean="0"/>
+              <a:t> </a:t>
+            </a:r>
+            <a:r>
+              <a:rPr lang="fr-FR" dirty="0" err="1" smtClean="0"/>
+              <a:t>using</a:t>
+            </a:r>
+            <a:r>
+              <a:rPr lang="fr-FR" dirty="0" smtClean="0"/>
+              <a:t> the </a:t>
+            </a:r>
+            <a:r>
+              <a:rPr lang="fr-FR" dirty="0" err="1" smtClean="0"/>
+              <a:t>finite</a:t>
+            </a:r>
+            <a:r>
+              <a:rPr lang="fr-FR" dirty="0" smtClean="0"/>
+              <a:t> model </a:t>
+            </a:r>
+            <a:r>
+              <a:rPr lang="fr-FR" dirty="0" err="1" smtClean="0"/>
+              <a:t>property</a:t>
+            </a:r>
+            <a:r>
+              <a:rPr lang="fr-FR" dirty="0" smtClean="0"/>
+              <a:t> and the </a:t>
+            </a:r>
+            <a:r>
+              <a:rPr lang="fr-FR" dirty="0" err="1" smtClean="0"/>
+              <a:t>decidability</a:t>
+            </a:r>
+            <a:r>
+              <a:rPr lang="fr-FR" dirty="0" smtClean="0"/>
+              <a:t> of EPR. </a:t>
+            </a:r>
+            <a:r>
+              <a:rPr lang="fr-FR" dirty="0" err="1" smtClean="0"/>
+              <a:t>Then</a:t>
+            </a:r>
+            <a:r>
+              <a:rPr lang="fr-FR" dirty="0" smtClean="0"/>
+              <a:t>, </a:t>
+            </a:r>
+            <a:r>
+              <a:rPr lang="fr-FR" dirty="0" err="1" smtClean="0"/>
+              <a:t>generate</a:t>
+            </a:r>
+            <a:r>
+              <a:rPr lang="fr-FR" dirty="0" smtClean="0"/>
+              <a:t> an invariant of a </a:t>
+            </a:r>
+            <a:r>
+              <a:rPr lang="fr-FR" dirty="0" err="1" smtClean="0"/>
+              <a:t>specific</a:t>
+            </a:r>
+            <a:r>
+              <a:rPr lang="fr-FR" dirty="0" smtClean="0"/>
+              <a:t> </a:t>
+            </a:r>
+            <a:r>
+              <a:rPr lang="fr-FR" dirty="0" err="1" smtClean="0"/>
+              <a:t>form</a:t>
+            </a:r>
+            <a:r>
+              <a:rPr lang="fr-FR" dirty="0" smtClean="0"/>
+              <a:t> by </a:t>
+            </a:r>
+            <a:r>
+              <a:rPr lang="fr-FR" b="1" dirty="0" err="1" smtClean="0"/>
+              <a:t>generalizing</a:t>
+            </a:r>
+            <a:r>
+              <a:rPr lang="fr-FR" b="1" dirty="0" smtClean="0"/>
+              <a:t> the </a:t>
+            </a:r>
+            <a:r>
+              <a:rPr lang="fr-FR" b="1" dirty="0" err="1" smtClean="0"/>
+              <a:t>counterexample</a:t>
+            </a:r>
+            <a:r>
+              <a:rPr lang="fr-FR" dirty="0" smtClean="0"/>
+              <a:t>.</a:t>
+            </a:r>
+            <a:endParaRPr lang="fr-FR" dirty="0"/>
           </a:p>
         </p:txBody>
       </p:sp>
@@ -3193,12 +3444,581 @@
             <p:ph idx="1"/>
           </p:nvPr>
         </p:nvSpPr>
-        <p:spPr/>
+        <p:spPr>
+          <a:xfrm>
+            <a:off x="838200" y="3854824"/>
+            <a:ext cx="10515600" cy="2617694"/>
+          </a:xfrm>
+        </p:spPr>
         <p:txBody>
           <a:bodyPr/>
           <a:lstStyle/>
           <a:p>
-            <a:endParaRPr lang="fr-FR"/>
+            <a:pPr marL="0" indent="0">
+              <a:buNone/>
+            </a:pPr>
+            <a:r>
+              <a:rPr lang="fr-FR" dirty="0" err="1" smtClean="0"/>
+              <a:t>We</a:t>
+            </a:r>
+            <a:r>
+              <a:rPr lang="fr-FR" dirty="0" smtClean="0"/>
+              <a:t> </a:t>
+            </a:r>
+            <a:r>
+              <a:rPr lang="fr-FR" dirty="0" err="1" smtClean="0"/>
+              <a:t>will</a:t>
+            </a:r>
+            <a:r>
+              <a:rPr lang="fr-FR" dirty="0" smtClean="0"/>
+              <a:t> compare 3 </a:t>
+            </a:r>
+            <a:r>
+              <a:rPr lang="fr-FR" dirty="0" err="1" smtClean="0"/>
+              <a:t>ways</a:t>
+            </a:r>
+            <a:r>
+              <a:rPr lang="fr-FR" dirty="0" smtClean="0"/>
+              <a:t> of </a:t>
+            </a:r>
+            <a:r>
+              <a:rPr lang="fr-FR" dirty="0" err="1" smtClean="0"/>
+              <a:t>generalizing</a:t>
+            </a:r>
+            <a:r>
+              <a:rPr lang="fr-FR" dirty="0" smtClean="0"/>
+              <a:t> a </a:t>
+            </a:r>
+            <a:r>
+              <a:rPr lang="fr-FR" dirty="0" err="1" smtClean="0"/>
+              <a:t>counterexample</a:t>
+            </a:r>
+            <a:r>
+              <a:rPr lang="fr-FR" dirty="0" smtClean="0"/>
+              <a:t>:</a:t>
+            </a:r>
+          </a:p>
+          <a:p>
+            <a:r>
+              <a:rPr lang="fr-FR" dirty="0" smtClean="0"/>
+              <a:t>Naïve </a:t>
+            </a:r>
+            <a:r>
+              <a:rPr lang="fr-FR" dirty="0" err="1" smtClean="0"/>
+              <a:t>generalization</a:t>
+            </a:r>
+            <a:endParaRPr lang="fr-FR" dirty="0" smtClean="0"/>
+          </a:p>
+          <a:p>
+            <a:r>
+              <a:rPr lang="fr-FR" dirty="0" err="1" smtClean="0"/>
+              <a:t>Generalization</a:t>
+            </a:r>
+            <a:r>
+              <a:rPr lang="fr-FR" dirty="0" smtClean="0"/>
+              <a:t> </a:t>
+            </a:r>
+            <a:r>
+              <a:rPr lang="fr-FR" dirty="0" err="1" smtClean="0"/>
+              <a:t>with</a:t>
+            </a:r>
+            <a:r>
+              <a:rPr lang="fr-FR" dirty="0" smtClean="0"/>
+              <a:t> </a:t>
+            </a:r>
+            <a:r>
+              <a:rPr lang="fr-FR" dirty="0" err="1" smtClean="0"/>
+              <a:t>minimiz</a:t>
+            </a:r>
+            <a:r>
+              <a:rPr lang="fr-FR" dirty="0" err="1" smtClean="0"/>
+              <a:t>ation</a:t>
+            </a:r>
+            <a:r>
+              <a:rPr lang="fr-FR" dirty="0" smtClean="0"/>
+              <a:t> of the </a:t>
+            </a:r>
+            <a:r>
+              <a:rPr lang="fr-FR" dirty="0" err="1" smtClean="0"/>
+              <a:t>constraints</a:t>
+            </a:r>
+            <a:r>
+              <a:rPr lang="fr-FR" dirty="0"/>
+              <a:t/>
+            </a:r>
+            <a:br>
+              <a:rPr lang="fr-FR" dirty="0"/>
+            </a:br>
+            <a:r>
+              <a:rPr lang="fr-FR" dirty="0" smtClean="0"/>
+              <a:t>(</a:t>
+            </a:r>
+            <a:r>
+              <a:rPr lang="fr-FR" dirty="0" err="1" smtClean="0"/>
+              <a:t>using</a:t>
+            </a:r>
+            <a:r>
+              <a:rPr lang="fr-FR" dirty="0" smtClean="0"/>
+              <a:t> </a:t>
+            </a:r>
+            <a:r>
+              <a:rPr lang="fr-FR" dirty="0" err="1" smtClean="0"/>
+              <a:t>minSAT</a:t>
+            </a:r>
+            <a:r>
+              <a:rPr lang="fr-FR" dirty="0" smtClean="0"/>
+              <a:t> and model </a:t>
+            </a:r>
+            <a:r>
+              <a:rPr lang="fr-FR" dirty="0" err="1" smtClean="0"/>
+              <a:t>checking</a:t>
+            </a:r>
+            <a:r>
+              <a:rPr lang="fr-FR" dirty="0" smtClean="0"/>
+              <a:t>)</a:t>
+            </a:r>
+          </a:p>
+          <a:p>
+            <a:r>
+              <a:rPr lang="fr-FR" dirty="0" err="1" smtClean="0"/>
+              <a:t>Generalization</a:t>
+            </a:r>
+            <a:r>
+              <a:rPr lang="fr-FR" dirty="0" smtClean="0"/>
+              <a:t> </a:t>
+            </a:r>
+            <a:r>
+              <a:rPr lang="fr-FR" dirty="0" err="1" smtClean="0"/>
+              <a:t>using</a:t>
+            </a:r>
+            <a:r>
+              <a:rPr lang="fr-FR" dirty="0" smtClean="0"/>
+              <a:t> code </a:t>
+            </a:r>
+            <a:r>
+              <a:rPr lang="fr-FR" dirty="0" err="1" smtClean="0"/>
+              <a:t>analysis</a:t>
+            </a:r>
+            <a:endParaRPr lang="fr-FR" dirty="0"/>
+          </a:p>
+        </p:txBody>
+      </p:sp>
+      <p:sp>
+        <p:nvSpPr>
+          <p:cNvPr id="4" name="Rectangle 3"/>
+          <p:cNvSpPr/>
+          <p:nvPr/>
+        </p:nvSpPr>
+        <p:spPr>
+          <a:xfrm>
+            <a:off x="838200" y="1678080"/>
+            <a:ext cx="2868707" cy="1317811"/>
+          </a:xfrm>
+          <a:prstGeom prst="rect">
+            <a:avLst/>
+          </a:prstGeom>
+        </p:spPr>
+        <p:style>
+          <a:lnRef idx="2">
+            <a:schemeClr val="accent1">
+              <a:shade val="50000"/>
+            </a:schemeClr>
+          </a:lnRef>
+          <a:fillRef idx="1">
+            <a:schemeClr val="accent1"/>
+          </a:fillRef>
+          <a:effectRef idx="0">
+            <a:schemeClr val="accent1"/>
+          </a:effectRef>
+          <a:fontRef idx="minor">
+            <a:schemeClr val="lt1"/>
+          </a:fontRef>
+        </p:style>
+        <p:txBody>
+          <a:bodyPr rtlCol="0" anchor="ctr"/>
+          <a:lstStyle/>
+          <a:p>
+            <a:pPr algn="ctr"/>
+            <a:r>
+              <a:rPr lang="fr-FR" dirty="0" smtClean="0"/>
+              <a:t>General abstract </a:t>
+            </a:r>
+            <a:r>
+              <a:rPr lang="fr-FR" dirty="0" err="1" smtClean="0"/>
+              <a:t>domain</a:t>
+            </a:r>
+            <a:r>
+              <a:rPr lang="fr-FR" dirty="0" smtClean="0"/>
+              <a:t/>
+            </a:r>
+            <a:br>
+              <a:rPr lang="fr-FR" dirty="0" smtClean="0"/>
+            </a:br>
+            <a:r>
+              <a:rPr lang="fr-FR" dirty="0" smtClean="0"/>
+              <a:t>(no </a:t>
+            </a:r>
+            <a:r>
+              <a:rPr lang="fr-FR" dirty="0" err="1" smtClean="0"/>
+              <a:t>fixed</a:t>
+            </a:r>
+            <a:r>
+              <a:rPr lang="fr-FR" dirty="0" smtClean="0"/>
+              <a:t> model, no </a:t>
+            </a:r>
+            <a:r>
+              <a:rPr lang="fr-FR" dirty="0" err="1" smtClean="0"/>
+              <a:t>concrete</a:t>
+            </a:r>
+            <a:r>
+              <a:rPr lang="fr-FR" dirty="0" smtClean="0"/>
+              <a:t> value, no </a:t>
+            </a:r>
+            <a:r>
+              <a:rPr lang="fr-FR" dirty="0" err="1" smtClean="0"/>
+              <a:t>environment</a:t>
+            </a:r>
+            <a:r>
+              <a:rPr lang="fr-FR" dirty="0" smtClean="0"/>
+              <a:t>)</a:t>
+            </a:r>
+            <a:endParaRPr lang="fr-FR" dirty="0"/>
+          </a:p>
+        </p:txBody>
+      </p:sp>
+      <p:sp>
+        <p:nvSpPr>
+          <p:cNvPr id="5" name="Rectangle 4"/>
+          <p:cNvSpPr/>
+          <p:nvPr/>
+        </p:nvSpPr>
+        <p:spPr>
+          <a:xfrm>
+            <a:off x="4437529" y="1690688"/>
+            <a:ext cx="3316942" cy="1317811"/>
+          </a:xfrm>
+          <a:prstGeom prst="rect">
+            <a:avLst/>
+          </a:prstGeom>
+        </p:spPr>
+        <p:style>
+          <a:lnRef idx="2">
+            <a:schemeClr val="accent3">
+              <a:shade val="50000"/>
+            </a:schemeClr>
+          </a:lnRef>
+          <a:fillRef idx="1">
+            <a:schemeClr val="accent3"/>
+          </a:fillRef>
+          <a:effectRef idx="0">
+            <a:schemeClr val="accent3"/>
+          </a:effectRef>
+          <a:fontRef idx="minor">
+            <a:schemeClr val="lt1"/>
+          </a:fontRef>
+        </p:style>
+        <p:txBody>
+          <a:bodyPr rtlCol="0" anchor="ctr"/>
+          <a:lstStyle/>
+          <a:p>
+            <a:pPr algn="ctr"/>
+            <a:r>
+              <a:rPr lang="fr-FR" dirty="0" err="1" smtClean="0"/>
+              <a:t>Concrete</a:t>
+            </a:r>
+            <a:r>
+              <a:rPr lang="fr-FR" dirty="0" smtClean="0"/>
+              <a:t> </a:t>
+            </a:r>
+            <a:r>
+              <a:rPr lang="fr-FR" dirty="0" err="1" smtClean="0"/>
+              <a:t>domain</a:t>
+            </a:r>
+            <a:r>
+              <a:rPr lang="fr-FR" dirty="0" smtClean="0"/>
+              <a:t/>
+            </a:r>
+            <a:br>
+              <a:rPr lang="fr-FR" dirty="0" smtClean="0"/>
+            </a:br>
+            <a:r>
+              <a:rPr lang="fr-FR" dirty="0" smtClean="0"/>
+              <a:t>(types, variables, </a:t>
+            </a:r>
+            <a:r>
+              <a:rPr lang="fr-FR" dirty="0" err="1" smtClean="0"/>
+              <a:t>functions</a:t>
+            </a:r>
+            <a:r>
+              <a:rPr lang="fr-FR" dirty="0" smtClean="0"/>
+              <a:t> and relations are </a:t>
+            </a:r>
+            <a:r>
+              <a:rPr lang="fr-FR" dirty="0" err="1" smtClean="0"/>
+              <a:t>fully</a:t>
+            </a:r>
+            <a:r>
+              <a:rPr lang="fr-FR" dirty="0" smtClean="0"/>
+              <a:t> </a:t>
+            </a:r>
+            <a:r>
+              <a:rPr lang="fr-FR" dirty="0" err="1" smtClean="0"/>
+              <a:t>specified</a:t>
+            </a:r>
+            <a:r>
+              <a:rPr lang="fr-FR" dirty="0" smtClean="0"/>
+              <a:t> </a:t>
+            </a:r>
+            <a:r>
+              <a:rPr lang="fr-FR" dirty="0" err="1" smtClean="0"/>
+              <a:t>with</a:t>
+            </a:r>
+            <a:r>
+              <a:rPr lang="fr-FR" dirty="0" smtClean="0"/>
+              <a:t> </a:t>
+            </a:r>
+            <a:r>
+              <a:rPr lang="fr-FR" dirty="0" err="1" smtClean="0"/>
+              <a:t>concrete</a:t>
+            </a:r>
+            <a:r>
+              <a:rPr lang="fr-FR" dirty="0" smtClean="0"/>
+              <a:t> values)</a:t>
+            </a:r>
+            <a:endParaRPr lang="fr-FR" dirty="0"/>
+          </a:p>
+        </p:txBody>
+      </p:sp>
+      <p:sp>
+        <p:nvSpPr>
+          <p:cNvPr id="6" name="Rectangle 5"/>
+          <p:cNvSpPr/>
+          <p:nvPr/>
+        </p:nvSpPr>
+        <p:spPr>
+          <a:xfrm>
+            <a:off x="8485093" y="1678079"/>
+            <a:ext cx="2868707" cy="1317811"/>
+          </a:xfrm>
+          <a:prstGeom prst="rect">
+            <a:avLst/>
+          </a:prstGeom>
+        </p:spPr>
+        <p:style>
+          <a:lnRef idx="2">
+            <a:schemeClr val="accent1">
+              <a:shade val="50000"/>
+            </a:schemeClr>
+          </a:lnRef>
+          <a:fillRef idx="1">
+            <a:schemeClr val="accent1"/>
+          </a:fillRef>
+          <a:effectRef idx="0">
+            <a:schemeClr val="accent1"/>
+          </a:effectRef>
+          <a:fontRef idx="minor">
+            <a:schemeClr val="lt1"/>
+          </a:fontRef>
+        </p:style>
+        <p:txBody>
+          <a:bodyPr rtlCol="0" anchor="ctr"/>
+          <a:lstStyle/>
+          <a:p>
+            <a:pPr algn="ctr"/>
+            <a:r>
+              <a:rPr lang="fr-FR" dirty="0" smtClean="0"/>
+              <a:t>General abstract </a:t>
+            </a:r>
+            <a:r>
+              <a:rPr lang="fr-FR" dirty="0" err="1" smtClean="0"/>
+              <a:t>domain</a:t>
+            </a:r>
+            <a:r>
+              <a:rPr lang="fr-FR" dirty="0" smtClean="0"/>
+              <a:t/>
+            </a:r>
+            <a:br>
+              <a:rPr lang="fr-FR" dirty="0" smtClean="0"/>
+            </a:br>
+            <a:r>
+              <a:rPr lang="fr-FR" dirty="0" smtClean="0"/>
+              <a:t>(no </a:t>
+            </a:r>
+            <a:r>
+              <a:rPr lang="fr-FR" dirty="0" err="1" smtClean="0"/>
+              <a:t>fixed</a:t>
+            </a:r>
+            <a:r>
+              <a:rPr lang="fr-FR" dirty="0" smtClean="0"/>
+              <a:t> model, no </a:t>
+            </a:r>
+            <a:r>
+              <a:rPr lang="fr-FR" dirty="0" err="1" smtClean="0"/>
+              <a:t>concrete</a:t>
+            </a:r>
+            <a:r>
+              <a:rPr lang="fr-FR" dirty="0" smtClean="0"/>
+              <a:t> value, no </a:t>
+            </a:r>
+            <a:r>
+              <a:rPr lang="fr-FR" dirty="0" err="1" smtClean="0"/>
+              <a:t>environment</a:t>
+            </a:r>
+            <a:r>
+              <a:rPr lang="fr-FR" dirty="0" smtClean="0"/>
+              <a:t>)</a:t>
+            </a:r>
+            <a:endParaRPr lang="fr-FR" dirty="0"/>
+          </a:p>
+        </p:txBody>
+      </p:sp>
+      <p:cxnSp>
+        <p:nvCxnSpPr>
+          <p:cNvPr id="8" name="Connecteur droit avec flèche 7"/>
+          <p:cNvCxnSpPr>
+            <a:stCxn id="4" idx="3"/>
+            <a:endCxn id="5" idx="1"/>
+          </p:cNvCxnSpPr>
+          <p:nvPr/>
+        </p:nvCxnSpPr>
+        <p:spPr>
+          <a:xfrm>
+            <a:off x="3706907" y="2336986"/>
+            <a:ext cx="730622" cy="12608"/>
+          </a:xfrm>
+          <a:prstGeom prst="straightConnector1">
+            <a:avLst/>
+          </a:prstGeom>
+          <a:ln w="38100">
+            <a:tailEnd type="triangle"/>
+          </a:ln>
+        </p:spPr>
+        <p:style>
+          <a:lnRef idx="1">
+            <a:schemeClr val="accent1"/>
+          </a:lnRef>
+          <a:fillRef idx="0">
+            <a:schemeClr val="accent1"/>
+          </a:fillRef>
+          <a:effectRef idx="0">
+            <a:schemeClr val="accent1"/>
+          </a:effectRef>
+          <a:fontRef idx="minor">
+            <a:schemeClr val="tx1"/>
+          </a:fontRef>
+        </p:style>
+      </p:cxnSp>
+      <p:cxnSp>
+        <p:nvCxnSpPr>
+          <p:cNvPr id="10" name="Connecteur droit avec flèche 9"/>
+          <p:cNvCxnSpPr>
+            <a:stCxn id="5" idx="3"/>
+            <a:endCxn id="6" idx="1"/>
+          </p:cNvCxnSpPr>
+          <p:nvPr/>
+        </p:nvCxnSpPr>
+        <p:spPr>
+          <a:xfrm flipV="1">
+            <a:off x="7754471" y="2336985"/>
+            <a:ext cx="730622" cy="12609"/>
+          </a:xfrm>
+          <a:prstGeom prst="straightConnector1">
+            <a:avLst/>
+          </a:prstGeom>
+          <a:ln w="38100">
+            <a:tailEnd type="triangle"/>
+          </a:ln>
+        </p:spPr>
+        <p:style>
+          <a:lnRef idx="1">
+            <a:schemeClr val="accent1"/>
+          </a:lnRef>
+          <a:fillRef idx="0">
+            <a:schemeClr val="accent1"/>
+          </a:fillRef>
+          <a:effectRef idx="0">
+            <a:schemeClr val="accent1"/>
+          </a:effectRef>
+          <a:fontRef idx="minor">
+            <a:schemeClr val="tx1"/>
+          </a:fontRef>
+        </p:style>
+      </p:cxnSp>
+      <p:sp>
+        <p:nvSpPr>
+          <p:cNvPr id="12" name="ZoneTexte 11"/>
+          <p:cNvSpPr txBox="1"/>
+          <p:nvPr/>
+        </p:nvSpPr>
+        <p:spPr>
+          <a:xfrm>
+            <a:off x="3200401" y="3003643"/>
+            <a:ext cx="1743634" cy="646331"/>
+          </a:xfrm>
+          <a:prstGeom prst="rect">
+            <a:avLst/>
+          </a:prstGeom>
+          <a:noFill/>
+        </p:spPr>
+        <p:txBody>
+          <a:bodyPr wrap="square" rtlCol="0">
+            <a:spAutoFit/>
+          </a:bodyPr>
+          <a:lstStyle/>
+          <a:p>
+            <a:pPr algn="ctr"/>
+            <a:r>
+              <a:rPr lang="fr-FR" dirty="0" err="1" smtClean="0"/>
+              <a:t>Finding</a:t>
+            </a:r>
+            <a:r>
+              <a:rPr lang="fr-FR" dirty="0" smtClean="0"/>
+              <a:t> a </a:t>
+            </a:r>
+            <a:r>
+              <a:rPr lang="fr-FR" dirty="0" err="1" smtClean="0"/>
+              <a:t>counterexample</a:t>
+            </a:r>
+            <a:endParaRPr lang="fr-FR" dirty="0"/>
+          </a:p>
+        </p:txBody>
+      </p:sp>
+      <p:sp>
+        <p:nvSpPr>
+          <p:cNvPr id="13" name="ZoneTexte 12"/>
+          <p:cNvSpPr txBox="1"/>
+          <p:nvPr/>
+        </p:nvSpPr>
+        <p:spPr>
+          <a:xfrm>
+            <a:off x="7247965" y="3014786"/>
+            <a:ext cx="1743634" cy="646331"/>
+          </a:xfrm>
+          <a:prstGeom prst="rect">
+            <a:avLst/>
+          </a:prstGeom>
+          <a:noFill/>
+        </p:spPr>
+        <p:txBody>
+          <a:bodyPr wrap="square" rtlCol="0">
+            <a:spAutoFit/>
+          </a:bodyPr>
+          <a:lstStyle/>
+          <a:p>
+            <a:pPr algn="ctr"/>
+            <a:r>
+              <a:rPr lang="fr-FR" dirty="0" err="1" smtClean="0"/>
+              <a:t>Generalizing</a:t>
+            </a:r>
+            <a:r>
+              <a:rPr lang="fr-FR" dirty="0" smtClean="0"/>
+              <a:t> the </a:t>
+            </a:r>
+            <a:r>
+              <a:rPr lang="fr-FR" dirty="0" err="1" smtClean="0"/>
+              <a:t>counterexample</a:t>
+            </a:r>
+            <a:endParaRPr lang="fr-FR" dirty="0"/>
           </a:p>
         </p:txBody>
       </p:sp>
@@ -3271,25 +4091,1189 @@
           </a:p>
         </p:txBody>
       </p:sp>
-      <p:sp>
-        <p:nvSpPr>
-          <p:cNvPr id="3" name="Espace réservé du contenu 2"/>
-          <p:cNvSpPr>
-            <a:spLocks noGrp="1"/>
-          </p:cNvSpPr>
-          <p:nvPr>
-            <p:ph idx="1"/>
-          </p:nvPr>
-        </p:nvSpPr>
-        <p:spPr/>
-        <p:txBody>
-          <a:bodyPr/>
-          <a:lstStyle/>
-          <a:p>
-            <a:endParaRPr lang="fr-FR"/>
-          </a:p>
-        </p:txBody>
-      </p:sp>
+      <p:graphicFrame>
+        <p:nvGraphicFramePr>
+          <p:cNvPr id="4" name="Tableau 3"/>
+          <p:cNvGraphicFramePr>
+            <a:graphicFrameLocks noGrp="1"/>
+          </p:cNvGraphicFramePr>
+          <p:nvPr>
+            <p:extLst>
+              <p:ext uri="{D42A27DB-BD31-4B8C-83A1-F6EECF244321}">
+                <p14:modId xmlns:p14="http://schemas.microsoft.com/office/powerpoint/2010/main" val="793766594"/>
+              </p:ext>
+            </p:extLst>
+          </p:nvPr>
+        </p:nvGraphicFramePr>
+        <p:xfrm>
+          <a:off x="838200" y="1430711"/>
+          <a:ext cx="10515600" cy="5207892"/>
+        </p:xfrm>
+        <a:graphic>
+          <a:graphicData uri="http://schemas.openxmlformats.org/drawingml/2006/table">
+            <a:tbl>
+              <a:tblPr firstRow="1" bandRow="1">
+                <a:tableStyleId>{5C22544A-7EE6-4342-B048-85BDC9FD1C3A}</a:tableStyleId>
+              </a:tblPr>
+              <a:tblGrid>
+                <a:gridCol w="1444753">
+                  <a:extLst>
+                    <a:ext uri="{9D8B030D-6E8A-4147-A177-3AD203B41FA5}">
+                      <a16:colId xmlns:a16="http://schemas.microsoft.com/office/drawing/2014/main" val="2121716064"/>
+                    </a:ext>
+                  </a:extLst>
+                </a:gridCol>
+                <a:gridCol w="2011141">
+                  <a:extLst>
+                    <a:ext uri="{9D8B030D-6E8A-4147-A177-3AD203B41FA5}">
+                      <a16:colId xmlns:a16="http://schemas.microsoft.com/office/drawing/2014/main" val="3083496510"/>
+                    </a:ext>
+                  </a:extLst>
+                </a:gridCol>
+                <a:gridCol w="2133600">
+                  <a:extLst>
+                    <a:ext uri="{9D8B030D-6E8A-4147-A177-3AD203B41FA5}">
+                      <a16:colId xmlns:a16="http://schemas.microsoft.com/office/drawing/2014/main" val="2767587835"/>
+                    </a:ext>
+                  </a:extLst>
+                </a:gridCol>
+                <a:gridCol w="2530380">
+                  <a:extLst>
+                    <a:ext uri="{9D8B030D-6E8A-4147-A177-3AD203B41FA5}">
+                      <a16:colId xmlns:a16="http://schemas.microsoft.com/office/drawing/2014/main" val="834355560"/>
+                    </a:ext>
+                  </a:extLst>
+                </a:gridCol>
+                <a:gridCol w="2395726">
+                  <a:extLst>
+                    <a:ext uri="{9D8B030D-6E8A-4147-A177-3AD203B41FA5}">
+                      <a16:colId xmlns:a16="http://schemas.microsoft.com/office/drawing/2014/main" val="125178498"/>
+                    </a:ext>
+                  </a:extLst>
+                </a:gridCol>
+              </a:tblGrid>
+              <a:tr h="634207">
+                <a:tc>
+                  <a:txBody>
+                    <a:bodyPr/>
+                    <a:lstStyle/>
+                    <a:p>
+                      <a:endParaRPr lang="fr-FR" dirty="0"/>
+                    </a:p>
+                  </a:txBody>
+                  <a:tcPr/>
+                </a:tc>
+                <a:tc>
+                  <a:txBody>
+                    <a:bodyPr/>
+                    <a:lstStyle/>
+                    <a:p>
+                      <a:r>
+                        <a:rPr lang="fr-FR" dirty="0" err="1" smtClean="0"/>
+                        <a:t>Weakest</a:t>
+                      </a:r>
+                      <a:r>
+                        <a:rPr lang="fr-FR" baseline="0" dirty="0" smtClean="0"/>
+                        <a:t> </a:t>
+                      </a:r>
+                      <a:r>
+                        <a:rPr lang="fr-FR" baseline="0" dirty="0" err="1" smtClean="0"/>
+                        <a:t>precondition</a:t>
+                      </a:r>
+                      <a:endParaRPr lang="fr-FR" dirty="0"/>
+                    </a:p>
+                  </a:txBody>
+                  <a:tcPr/>
+                </a:tc>
+                <a:tc>
+                  <a:txBody>
+                    <a:bodyPr/>
+                    <a:lstStyle/>
+                    <a:p>
+                      <a:r>
+                        <a:rPr lang="fr-FR" dirty="0" smtClean="0"/>
+                        <a:t>Naïve CG</a:t>
+                      </a:r>
+                      <a:endParaRPr lang="fr-FR" dirty="0"/>
+                    </a:p>
+                  </a:txBody>
+                  <a:tcPr/>
+                </a:tc>
+                <a:tc>
+                  <a:txBody>
+                    <a:bodyPr/>
+                    <a:lstStyle/>
+                    <a:p>
+                      <a:r>
+                        <a:rPr lang="fr-FR" dirty="0" smtClean="0"/>
+                        <a:t>CG </a:t>
+                      </a:r>
+                      <a:r>
+                        <a:rPr lang="fr-FR" dirty="0" err="1" smtClean="0"/>
+                        <a:t>with</a:t>
+                      </a:r>
+                      <a:r>
+                        <a:rPr lang="fr-FR" dirty="0" smtClean="0"/>
+                        <a:t> </a:t>
+                      </a:r>
+                      <a:r>
+                        <a:rPr lang="fr-FR" dirty="0" err="1" smtClean="0"/>
+                        <a:t>minSAT</a:t>
+                      </a:r>
+                      <a:endParaRPr lang="fr-FR" dirty="0"/>
+                    </a:p>
+                  </a:txBody>
+                  <a:tcPr/>
+                </a:tc>
+                <a:tc>
+                  <a:txBody>
+                    <a:bodyPr/>
+                    <a:lstStyle/>
+                    <a:p>
+                      <a:r>
+                        <a:rPr lang="fr-FR" dirty="0" smtClean="0"/>
+                        <a:t>CG </a:t>
+                      </a:r>
+                      <a:r>
+                        <a:rPr lang="fr-FR" dirty="0" err="1" smtClean="0"/>
+                        <a:t>with</a:t>
+                      </a:r>
+                      <a:r>
+                        <a:rPr lang="fr-FR" dirty="0" smtClean="0"/>
+                        <a:t> code </a:t>
+                      </a:r>
+                      <a:r>
+                        <a:rPr lang="fr-FR" dirty="0" err="1" smtClean="0"/>
+                        <a:t>analysis</a:t>
+                      </a:r>
+                      <a:endParaRPr lang="fr-FR" dirty="0"/>
+                    </a:p>
+                  </a:txBody>
+                  <a:tcPr/>
+                </a:tc>
+                <a:extLst>
+                  <a:ext uri="{0D108BD9-81ED-4DB2-BD59-A6C34878D82A}">
+                    <a16:rowId xmlns:a16="http://schemas.microsoft.com/office/drawing/2014/main" val="94714022"/>
+                  </a:ext>
+                </a:extLst>
+              </a:tr>
+              <a:tr h="912846">
+                <a:tc>
+                  <a:txBody>
+                    <a:bodyPr/>
+                    <a:lstStyle/>
+                    <a:p>
+                      <a:r>
+                        <a:rPr lang="fr-FR" dirty="0" err="1" smtClean="0"/>
+                        <a:t>Form</a:t>
+                      </a:r>
+                      <a:r>
+                        <a:rPr lang="fr-FR" baseline="0" dirty="0" smtClean="0"/>
+                        <a:t> of the formulas</a:t>
+                      </a:r>
+                      <a:endParaRPr lang="fr-FR" dirty="0"/>
+                    </a:p>
+                  </a:txBody>
+                  <a:tcPr/>
+                </a:tc>
+                <a:tc>
+                  <a:txBody>
+                    <a:bodyPr/>
+                    <a:lstStyle/>
+                    <a:p>
+                      <a:r>
+                        <a:rPr lang="fr-FR" sz="1800" b="0" i="0" kern="1200" dirty="0" smtClean="0">
+                          <a:solidFill>
+                            <a:schemeClr val="dk1"/>
+                          </a:solidFill>
+                          <a:effectLst/>
+                          <a:latin typeface="+mn-lt"/>
+                          <a:ea typeface="+mn-ea"/>
+                          <a:cs typeface="+mn-cs"/>
+                        </a:rPr>
+                        <a:t>∃∀</a:t>
+                      </a:r>
+                    </a:p>
+                    <a:p>
+                      <a:pPr marL="0" marR="0" indent="0" algn="l" defTabSz="914400" rtl="0" eaLnBrk="1" fontAlgn="auto" latinLnBrk="0" hangingPunct="1">
+                        <a:lnSpc>
+                          <a:spcPct val="100000"/>
+                        </a:lnSpc>
+                        <a:spcBef>
+                          <a:spcPts val="0"/>
+                        </a:spcBef>
+                        <a:spcAft>
+                          <a:spcPts val="0"/>
+                        </a:spcAft>
+                        <a:buClrTx/>
+                        <a:buSzTx/>
+                        <a:buFontTx/>
+                        <a:buNone/>
+                        <a:tabLst/>
+                        <a:defRPr/>
+                      </a:pPr>
+                      <a:r>
+                        <a:rPr lang="fr-FR" sz="1800" b="0" i="0" kern="1200" dirty="0" smtClean="0">
+                          <a:solidFill>
+                            <a:schemeClr val="dk1"/>
+                          </a:solidFill>
+                          <a:effectLst/>
+                          <a:latin typeface="+mn-lt"/>
+                          <a:ea typeface="+mn-ea"/>
+                          <a:cs typeface="+mn-cs"/>
+                        </a:rPr>
+                        <a:t>(</a:t>
+                      </a:r>
+                      <a:r>
+                        <a:rPr lang="fr-FR" sz="1800" b="0" i="0" kern="1200" dirty="0" err="1" smtClean="0">
+                          <a:solidFill>
+                            <a:schemeClr val="dk1"/>
+                          </a:solidFill>
+                          <a:effectLst/>
+                          <a:latin typeface="+mn-lt"/>
+                          <a:ea typeface="+mn-ea"/>
+                          <a:cs typeface="+mn-cs"/>
+                        </a:rPr>
+                        <a:t>wp</a:t>
+                      </a:r>
+                      <a:r>
+                        <a:rPr lang="fr-FR" sz="1800" b="0" i="0" kern="1200" dirty="0" smtClean="0">
+                          <a:solidFill>
+                            <a:schemeClr val="dk1"/>
+                          </a:solidFill>
+                          <a:effectLst/>
+                          <a:latin typeface="+mn-lt"/>
+                          <a:ea typeface="+mn-ea"/>
+                          <a:cs typeface="+mn-cs"/>
+                        </a:rPr>
+                        <a:t> </a:t>
+                      </a:r>
+                      <a:r>
+                        <a:rPr lang="fr-FR" sz="1800" b="0" i="0" kern="1200" dirty="0" err="1" smtClean="0">
+                          <a:solidFill>
+                            <a:schemeClr val="dk1"/>
+                          </a:solidFill>
+                          <a:effectLst/>
+                          <a:latin typeface="+mn-lt"/>
+                          <a:ea typeface="+mn-ea"/>
+                          <a:cs typeface="+mn-cs"/>
+                        </a:rPr>
+                        <a:t>is</a:t>
+                      </a:r>
+                      <a:r>
+                        <a:rPr lang="fr-FR" sz="1800" b="0" i="0" kern="1200" dirty="0" smtClean="0">
+                          <a:solidFill>
+                            <a:schemeClr val="dk1"/>
+                          </a:solidFill>
+                          <a:effectLst/>
+                          <a:latin typeface="+mn-lt"/>
+                          <a:ea typeface="+mn-ea"/>
+                          <a:cs typeface="+mn-cs"/>
+                        </a:rPr>
+                        <a:t> stable for ∃∀</a:t>
+                      </a:r>
+                      <a:r>
+                        <a:rPr lang="fr-FR" sz="1800" b="0" i="0" kern="1200" baseline="0" dirty="0" smtClean="0">
+                          <a:solidFill>
+                            <a:schemeClr val="dk1"/>
+                          </a:solidFill>
+                          <a:effectLst/>
+                          <a:latin typeface="+mn-lt"/>
+                          <a:ea typeface="+mn-ea"/>
+                          <a:cs typeface="+mn-cs"/>
+                        </a:rPr>
+                        <a:t> f</a:t>
+                      </a:r>
+                      <a:r>
+                        <a:rPr lang="fr-FR" dirty="0" smtClean="0"/>
+                        <a:t>ormulas)</a:t>
+                      </a:r>
+                      <a:endParaRPr lang="fr-FR" dirty="0"/>
+                    </a:p>
+                  </a:txBody>
+                  <a:tcPr/>
+                </a:tc>
+                <a:tc>
+                  <a:txBody>
+                    <a:bodyPr/>
+                    <a:lstStyle/>
+                    <a:p>
+                      <a:pPr marL="0" marR="0" indent="0" algn="l" defTabSz="914400" rtl="0" eaLnBrk="1" fontAlgn="auto" latinLnBrk="0" hangingPunct="1">
+                        <a:lnSpc>
+                          <a:spcPct val="100000"/>
+                        </a:lnSpc>
+                        <a:spcBef>
+                          <a:spcPts val="0"/>
+                        </a:spcBef>
+                        <a:spcAft>
+                          <a:spcPts val="0"/>
+                        </a:spcAft>
+                        <a:buClrTx/>
+                        <a:buSzTx/>
+                        <a:buFontTx/>
+                        <a:buNone/>
+                        <a:tabLst/>
+                        <a:defRPr/>
+                      </a:pPr>
+                      <a:r>
+                        <a:rPr lang="fr-FR" sz="1800" b="0" i="0" kern="1200" dirty="0" smtClean="0">
+                          <a:solidFill>
+                            <a:schemeClr val="dk1"/>
+                          </a:solidFill>
+                          <a:effectLst/>
+                          <a:latin typeface="+mn-lt"/>
+                          <a:ea typeface="+mn-ea"/>
+                          <a:cs typeface="+mn-cs"/>
+                        </a:rPr>
+                        <a:t>∀</a:t>
+                      </a:r>
+                    </a:p>
+                  </a:txBody>
+                  <a:tcPr/>
+                </a:tc>
+                <a:tc>
+                  <a:txBody>
+                    <a:bodyPr/>
+                    <a:lstStyle/>
+                    <a:p>
+                      <a:pPr marL="0" marR="0" indent="0" algn="l" defTabSz="914400" rtl="0" eaLnBrk="1" fontAlgn="auto" latinLnBrk="0" hangingPunct="1">
+                        <a:lnSpc>
+                          <a:spcPct val="100000"/>
+                        </a:lnSpc>
+                        <a:spcBef>
+                          <a:spcPts val="0"/>
+                        </a:spcBef>
+                        <a:spcAft>
+                          <a:spcPts val="0"/>
+                        </a:spcAft>
+                        <a:buClrTx/>
+                        <a:buSzTx/>
+                        <a:buFontTx/>
+                        <a:buNone/>
+                        <a:tabLst/>
+                        <a:defRPr/>
+                      </a:pPr>
+                      <a:r>
+                        <a:rPr lang="fr-FR" sz="1800" b="0" i="0" kern="1200" dirty="0" smtClean="0">
+                          <a:solidFill>
+                            <a:schemeClr val="dk1"/>
+                          </a:solidFill>
+                          <a:effectLst/>
+                          <a:latin typeface="+mn-lt"/>
+                          <a:ea typeface="+mn-ea"/>
+                          <a:cs typeface="+mn-cs"/>
+                        </a:rPr>
+                        <a:t>∀</a:t>
+                      </a:r>
+                    </a:p>
+                  </a:txBody>
+                  <a:tcPr/>
+                </a:tc>
+                <a:tc>
+                  <a:txBody>
+                    <a:bodyPr/>
+                    <a:lstStyle/>
+                    <a:p>
+                      <a:pPr marL="0" marR="0" indent="0" algn="l" defTabSz="914400" rtl="0" eaLnBrk="1" fontAlgn="auto" latinLnBrk="0" hangingPunct="1">
+                        <a:lnSpc>
+                          <a:spcPct val="100000"/>
+                        </a:lnSpc>
+                        <a:spcBef>
+                          <a:spcPts val="0"/>
+                        </a:spcBef>
+                        <a:spcAft>
+                          <a:spcPts val="0"/>
+                        </a:spcAft>
+                        <a:buClrTx/>
+                        <a:buSzTx/>
+                        <a:buFontTx/>
+                        <a:buNone/>
+                        <a:tabLst/>
+                        <a:defRPr/>
+                      </a:pPr>
+                      <a:r>
+                        <a:rPr lang="fr-FR" sz="1800" b="0" i="0" kern="1200" dirty="0" smtClean="0">
+                          <a:solidFill>
+                            <a:schemeClr val="dk1"/>
+                          </a:solidFill>
+                          <a:effectLst/>
+                          <a:latin typeface="+mn-lt"/>
+                          <a:ea typeface="+mn-ea"/>
+                          <a:cs typeface="+mn-cs"/>
+                        </a:rPr>
+                        <a:t>∀ </a:t>
+                      </a:r>
+                      <a:r>
+                        <a:rPr lang="fr-FR" sz="1800" b="0" i="0" kern="1200" dirty="0" err="1" smtClean="0">
+                          <a:solidFill>
+                            <a:schemeClr val="dk1"/>
+                          </a:solidFill>
+                          <a:effectLst/>
+                          <a:latin typeface="+mn-lt"/>
+                          <a:ea typeface="+mn-ea"/>
+                          <a:cs typeface="+mn-cs"/>
+                        </a:rPr>
+                        <a:t>when</a:t>
+                      </a:r>
+                      <a:r>
+                        <a:rPr lang="fr-FR" sz="1800" b="0" i="0" kern="1200" dirty="0" smtClean="0">
+                          <a:solidFill>
+                            <a:schemeClr val="dk1"/>
+                          </a:solidFill>
+                          <a:effectLst/>
+                          <a:latin typeface="+mn-lt"/>
+                          <a:ea typeface="+mn-ea"/>
+                          <a:cs typeface="+mn-cs"/>
+                        </a:rPr>
+                        <a:t> possible</a:t>
+                      </a:r>
+                    </a:p>
+                    <a:p>
+                      <a:r>
+                        <a:rPr lang="fr-FR" sz="1800" b="0" i="0" kern="1200" dirty="0" smtClean="0">
+                          <a:solidFill>
+                            <a:schemeClr val="dk1"/>
+                          </a:solidFill>
+                          <a:effectLst/>
+                          <a:latin typeface="+mn-lt"/>
+                          <a:ea typeface="+mn-ea"/>
+                          <a:cs typeface="+mn-cs"/>
+                        </a:rPr>
+                        <a:t>∃∀ </a:t>
+                      </a:r>
+                      <a:r>
+                        <a:rPr lang="fr-FR" sz="1800" b="0" i="0" kern="1200" dirty="0" err="1" smtClean="0">
+                          <a:solidFill>
+                            <a:schemeClr val="dk1"/>
+                          </a:solidFill>
+                          <a:effectLst/>
+                          <a:latin typeface="+mn-lt"/>
+                          <a:ea typeface="+mn-ea"/>
+                          <a:cs typeface="+mn-cs"/>
+                        </a:rPr>
+                        <a:t>otherwise</a:t>
+                      </a:r>
+                      <a:endParaRPr lang="fr-FR" sz="1800" b="0" i="0" kern="1200" dirty="0" smtClean="0">
+                        <a:solidFill>
+                          <a:schemeClr val="dk1"/>
+                        </a:solidFill>
+                        <a:effectLst/>
+                        <a:latin typeface="+mn-lt"/>
+                        <a:ea typeface="+mn-ea"/>
+                        <a:cs typeface="+mn-cs"/>
+                      </a:endParaRPr>
+                    </a:p>
+                  </a:txBody>
+                  <a:tcPr/>
+                </a:tc>
+                <a:extLst>
+                  <a:ext uri="{0D108BD9-81ED-4DB2-BD59-A6C34878D82A}">
+                    <a16:rowId xmlns:a16="http://schemas.microsoft.com/office/drawing/2014/main" val="399870264"/>
+                  </a:ext>
+                </a:extLst>
+              </a:tr>
+              <a:tr h="1001652">
+                <a:tc>
+                  <a:txBody>
+                    <a:bodyPr/>
+                    <a:lstStyle/>
+                    <a:p>
+                      <a:r>
+                        <a:rPr lang="fr-FR" dirty="0" err="1" smtClean="0"/>
+                        <a:t>Simplicity</a:t>
+                      </a:r>
+                      <a:r>
+                        <a:rPr lang="fr-FR" dirty="0" smtClean="0"/>
+                        <a:t> of</a:t>
+                      </a:r>
+                      <a:r>
+                        <a:rPr lang="fr-FR" baseline="0" dirty="0" smtClean="0"/>
+                        <a:t> the formula</a:t>
+                      </a:r>
+                      <a:endParaRPr lang="fr-FR" dirty="0"/>
+                    </a:p>
+                  </a:txBody>
+                  <a:tcPr/>
+                </a:tc>
+                <a:tc>
+                  <a:txBody>
+                    <a:bodyPr/>
+                    <a:lstStyle/>
+                    <a:p>
+                      <a:r>
+                        <a:rPr lang="fr-FR" dirty="0" smtClean="0"/>
+                        <a:t>Long</a:t>
+                      </a:r>
+                      <a:r>
+                        <a:rPr lang="fr-FR" baseline="0" dirty="0" smtClean="0"/>
+                        <a:t> and not intuitive </a:t>
+                      </a:r>
+                      <a:r>
+                        <a:rPr lang="fr-FR" baseline="0" dirty="0" smtClean="0">
+                          <a:sym typeface="Wingdings" panose="05000000000000000000" pitchFamily="2" charset="2"/>
+                        </a:rPr>
+                        <a:t></a:t>
+                      </a:r>
+                      <a:endParaRPr lang="fr-FR" dirty="0"/>
+                    </a:p>
+                  </a:txBody>
+                  <a:tcPr/>
+                </a:tc>
+                <a:tc>
+                  <a:txBody>
+                    <a:bodyPr/>
+                    <a:lstStyle/>
+                    <a:p>
+                      <a:r>
+                        <a:rPr lang="fr-FR" dirty="0" smtClean="0"/>
+                        <a:t>Long and</a:t>
+                      </a:r>
+                      <a:r>
+                        <a:rPr lang="fr-FR" baseline="0" dirty="0" smtClean="0"/>
+                        <a:t> </a:t>
+                      </a:r>
+                      <a:r>
+                        <a:rPr lang="fr-FR" baseline="0" dirty="0" err="1" smtClean="0"/>
+                        <a:t>often</a:t>
+                      </a:r>
+                      <a:r>
+                        <a:rPr lang="fr-FR" baseline="0" dirty="0" smtClean="0"/>
+                        <a:t> </a:t>
+                      </a:r>
+                      <a:r>
+                        <a:rPr lang="fr-FR" baseline="0" dirty="0" err="1" smtClean="0"/>
+                        <a:t>too</a:t>
+                      </a:r>
+                      <a:r>
+                        <a:rPr lang="fr-FR" baseline="0" dirty="0" smtClean="0"/>
+                        <a:t> </a:t>
+                      </a:r>
+                      <a:r>
+                        <a:rPr lang="fr-FR" baseline="0" dirty="0" err="1" smtClean="0"/>
+                        <a:t>specific</a:t>
+                      </a:r>
+                      <a:endParaRPr lang="fr-FR" baseline="0" dirty="0" smtClean="0"/>
+                    </a:p>
+                  </a:txBody>
+                  <a:tcPr/>
+                </a:tc>
+                <a:tc>
+                  <a:txBody>
+                    <a:bodyPr/>
+                    <a:lstStyle/>
+                    <a:p>
+                      <a:r>
+                        <a:rPr lang="fr-FR" dirty="0" smtClean="0"/>
+                        <a:t>Short and </a:t>
+                      </a:r>
+                      <a:r>
+                        <a:rPr lang="fr-FR" dirty="0" err="1" smtClean="0"/>
+                        <a:t>quite</a:t>
+                      </a:r>
+                      <a:r>
+                        <a:rPr lang="fr-FR" dirty="0" smtClean="0"/>
+                        <a:t> intuitive,</a:t>
+                      </a:r>
+                      <a:r>
+                        <a:rPr lang="fr-FR" baseline="0" dirty="0" smtClean="0"/>
+                        <a:t> </a:t>
+                      </a:r>
+                      <a:r>
+                        <a:rPr lang="fr-FR" baseline="0" dirty="0" err="1" smtClean="0"/>
+                        <a:t>sometimes</a:t>
+                      </a:r>
+                      <a:r>
+                        <a:rPr lang="fr-FR" baseline="0" dirty="0" smtClean="0"/>
+                        <a:t> </a:t>
+                      </a:r>
+                      <a:r>
+                        <a:rPr lang="fr-FR" baseline="0" dirty="0" err="1" smtClean="0"/>
+                        <a:t>too</a:t>
+                      </a:r>
+                      <a:r>
+                        <a:rPr lang="fr-FR" baseline="0" dirty="0" smtClean="0"/>
+                        <a:t> </a:t>
+                      </a:r>
+                      <a:r>
+                        <a:rPr lang="fr-FR" baseline="0" dirty="0" err="1" smtClean="0"/>
+                        <a:t>specific</a:t>
+                      </a:r>
+                      <a:endParaRPr lang="fr-FR" dirty="0"/>
+                    </a:p>
+                  </a:txBody>
+                  <a:tcPr/>
+                </a:tc>
+                <a:tc>
+                  <a:txBody>
+                    <a:bodyPr/>
+                    <a:lstStyle/>
+                    <a:p>
+                      <a:r>
+                        <a:rPr lang="fr-FR" dirty="0" smtClean="0"/>
+                        <a:t>Short and </a:t>
+                      </a:r>
+                      <a:r>
+                        <a:rPr lang="fr-FR" dirty="0" err="1" smtClean="0"/>
+                        <a:t>quite</a:t>
+                      </a:r>
+                      <a:r>
+                        <a:rPr lang="fr-FR" dirty="0" smtClean="0"/>
+                        <a:t> intuitive, </a:t>
+                      </a:r>
+                      <a:r>
+                        <a:rPr lang="fr-FR" dirty="0" err="1" smtClean="0"/>
+                        <a:t>sometimes</a:t>
+                      </a:r>
+                      <a:r>
+                        <a:rPr lang="fr-FR" baseline="0" dirty="0" smtClean="0"/>
+                        <a:t> </a:t>
+                      </a:r>
+                      <a:r>
+                        <a:rPr lang="fr-FR" baseline="0" dirty="0" err="1" smtClean="0"/>
+                        <a:t>too</a:t>
+                      </a:r>
+                      <a:r>
+                        <a:rPr lang="fr-FR" baseline="0" dirty="0" smtClean="0"/>
+                        <a:t> </a:t>
+                      </a:r>
+                      <a:r>
+                        <a:rPr lang="fr-FR" baseline="0" dirty="0" err="1" smtClean="0"/>
+                        <a:t>specific</a:t>
+                      </a:r>
+                      <a:endParaRPr lang="fr-FR" dirty="0"/>
+                    </a:p>
+                  </a:txBody>
+                  <a:tcPr/>
+                </a:tc>
+                <a:extLst>
+                  <a:ext uri="{0D108BD9-81ED-4DB2-BD59-A6C34878D82A}">
+                    <a16:rowId xmlns:a16="http://schemas.microsoft.com/office/drawing/2014/main" val="930254587"/>
+                  </a:ext>
+                </a:extLst>
+              </a:tr>
+              <a:tr h="936824">
+                <a:tc>
+                  <a:txBody>
+                    <a:bodyPr/>
+                    <a:lstStyle/>
+                    <a:p>
+                      <a:r>
+                        <a:rPr lang="fr-FR" dirty="0" err="1" smtClean="0"/>
+                        <a:t>Level</a:t>
+                      </a:r>
+                      <a:r>
+                        <a:rPr lang="fr-FR" dirty="0" smtClean="0"/>
+                        <a:t> of automation</a:t>
+                      </a:r>
+                      <a:endParaRPr lang="fr-FR" dirty="0"/>
+                    </a:p>
+                  </a:txBody>
+                  <a:tcPr/>
+                </a:tc>
+                <a:tc>
+                  <a:txBody>
+                    <a:bodyPr/>
+                    <a:lstStyle/>
+                    <a:p>
+                      <a:r>
+                        <a:rPr lang="fr-FR" dirty="0" err="1" smtClean="0"/>
+                        <a:t>Fully</a:t>
+                      </a:r>
+                      <a:r>
+                        <a:rPr lang="fr-FR" dirty="0" smtClean="0"/>
+                        <a:t> </a:t>
+                      </a:r>
+                      <a:r>
+                        <a:rPr lang="fr-FR" dirty="0" err="1" smtClean="0"/>
+                        <a:t>automated</a:t>
+                      </a:r>
+                      <a:r>
+                        <a:rPr lang="fr-FR" dirty="0" smtClean="0"/>
+                        <a:t>.</a:t>
+                      </a:r>
+                      <a:endParaRPr lang="fr-FR" dirty="0"/>
+                    </a:p>
+                  </a:txBody>
+                  <a:tcPr/>
+                </a:tc>
+                <a:tc>
+                  <a:txBody>
+                    <a:bodyPr/>
+                    <a:lstStyle/>
+                    <a:p>
+                      <a:r>
+                        <a:rPr lang="fr-FR" dirty="0" err="1" smtClean="0"/>
+                        <a:t>Fully</a:t>
+                      </a:r>
+                      <a:r>
+                        <a:rPr lang="fr-FR" dirty="0" smtClean="0"/>
+                        <a:t> </a:t>
+                      </a:r>
+                      <a:r>
+                        <a:rPr lang="fr-FR" dirty="0" err="1" smtClean="0"/>
+                        <a:t>automated</a:t>
+                      </a:r>
+                      <a:r>
+                        <a:rPr lang="fr-FR" dirty="0" smtClean="0"/>
+                        <a:t>.</a:t>
+                      </a:r>
+                      <a:endParaRPr lang="fr-FR" dirty="0"/>
+                    </a:p>
+                  </a:txBody>
+                  <a:tcPr/>
+                </a:tc>
+                <a:tc>
+                  <a:txBody>
+                    <a:bodyPr/>
+                    <a:lstStyle/>
+                    <a:p>
+                      <a:r>
+                        <a:rPr lang="fr-FR" dirty="0" smtClean="0"/>
+                        <a:t>User </a:t>
+                      </a:r>
+                      <a:r>
+                        <a:rPr lang="fr-FR" dirty="0" err="1" smtClean="0"/>
+                        <a:t>need</a:t>
+                      </a:r>
+                      <a:r>
+                        <a:rPr lang="fr-FR" dirty="0" smtClean="0"/>
+                        <a:t> to </a:t>
+                      </a:r>
+                      <a:r>
+                        <a:rPr lang="fr-FR" dirty="0" err="1" smtClean="0"/>
+                        <a:t>specify</a:t>
+                      </a:r>
+                      <a:r>
+                        <a:rPr lang="fr-FR" dirty="0" smtClean="0"/>
+                        <a:t> a</a:t>
+                      </a:r>
+                      <a:r>
+                        <a:rPr lang="fr-FR" baseline="0" dirty="0" smtClean="0"/>
+                        <a:t> maximum </a:t>
+                      </a:r>
+                      <a:r>
+                        <a:rPr lang="fr-FR" baseline="0" dirty="0" err="1" smtClean="0"/>
+                        <a:t>number</a:t>
+                      </a:r>
+                      <a:r>
+                        <a:rPr lang="fr-FR" baseline="0" dirty="0" smtClean="0"/>
+                        <a:t> of </a:t>
+                      </a:r>
+                      <a:r>
+                        <a:rPr lang="fr-FR" baseline="0" dirty="0" err="1" smtClean="0"/>
+                        <a:t>steps</a:t>
+                      </a:r>
+                      <a:r>
+                        <a:rPr lang="fr-FR" baseline="0" dirty="0" smtClean="0"/>
+                        <a:t> for the model </a:t>
+                      </a:r>
+                      <a:r>
+                        <a:rPr lang="fr-FR" baseline="0" dirty="0" err="1" smtClean="0"/>
+                        <a:t>checking</a:t>
+                      </a:r>
+                      <a:r>
+                        <a:rPr lang="fr-FR" baseline="0" dirty="0" smtClean="0"/>
+                        <a:t>.</a:t>
+                      </a:r>
+                      <a:endParaRPr lang="fr-FR" dirty="0"/>
+                    </a:p>
+                  </a:txBody>
+                  <a:tcPr/>
+                </a:tc>
+                <a:tc>
+                  <a:txBody>
+                    <a:bodyPr/>
+                    <a:lstStyle/>
+                    <a:p>
+                      <a:r>
+                        <a:rPr lang="fr-FR" dirty="0" smtClean="0"/>
+                        <a:t>Can</a:t>
+                      </a:r>
+                      <a:r>
+                        <a:rPr lang="fr-FR" baseline="0" dirty="0" smtClean="0"/>
+                        <a:t> </a:t>
+                      </a:r>
+                      <a:r>
+                        <a:rPr lang="fr-FR" baseline="0" dirty="0" err="1" smtClean="0"/>
+                        <a:t>be</a:t>
+                      </a:r>
+                      <a:r>
+                        <a:rPr lang="fr-FR" baseline="0" dirty="0" smtClean="0"/>
+                        <a:t> </a:t>
+                      </a:r>
+                      <a:r>
+                        <a:rPr lang="fr-FR" baseline="0" dirty="0" err="1" smtClean="0"/>
+                        <a:t>fully</a:t>
+                      </a:r>
+                      <a:r>
+                        <a:rPr lang="fr-FR" baseline="0" dirty="0" smtClean="0"/>
+                        <a:t> </a:t>
+                      </a:r>
+                      <a:r>
+                        <a:rPr lang="fr-FR" baseline="0" dirty="0" err="1" smtClean="0"/>
+                        <a:t>automated</a:t>
+                      </a:r>
+                      <a:r>
+                        <a:rPr lang="fr-FR" baseline="0" dirty="0" smtClean="0"/>
+                        <a:t>.</a:t>
+                      </a:r>
+                    </a:p>
+                    <a:p>
+                      <a:r>
+                        <a:rPr lang="fr-FR" baseline="0" dirty="0" smtClean="0"/>
+                        <a:t>(</a:t>
+                      </a:r>
+                      <a:r>
+                        <a:rPr lang="fr-FR" baseline="0" dirty="0" err="1" smtClean="0"/>
+                        <a:t>currently</a:t>
+                      </a:r>
+                      <a:r>
+                        <a:rPr lang="fr-FR" baseline="0" dirty="0" smtClean="0"/>
+                        <a:t>, </a:t>
+                      </a:r>
+                      <a:r>
+                        <a:rPr lang="fr-FR" baseline="0" dirty="0" err="1" smtClean="0"/>
+                        <a:t>need</a:t>
+                      </a:r>
+                      <a:r>
+                        <a:rPr lang="fr-FR" baseline="0" dirty="0" smtClean="0"/>
+                        <a:t> help for </a:t>
+                      </a:r>
+                      <a:r>
+                        <a:rPr lang="fr-FR" sz="1800" b="0" i="0" kern="1200" dirty="0" smtClean="0">
+                          <a:solidFill>
+                            <a:schemeClr val="dk1"/>
+                          </a:solidFill>
+                          <a:effectLst/>
+                          <a:latin typeface="+mn-lt"/>
+                          <a:ea typeface="+mn-ea"/>
+                          <a:cs typeface="+mn-cs"/>
+                        </a:rPr>
+                        <a:t>∃∀ formulas)</a:t>
+                      </a:r>
+                      <a:endParaRPr lang="fr-FR" dirty="0"/>
+                    </a:p>
+                  </a:txBody>
+                  <a:tcPr/>
+                </a:tc>
+                <a:extLst>
+                  <a:ext uri="{0D108BD9-81ED-4DB2-BD59-A6C34878D82A}">
+                    <a16:rowId xmlns:a16="http://schemas.microsoft.com/office/drawing/2014/main" val="2875856587"/>
+                  </a:ext>
+                </a:extLst>
+              </a:tr>
+              <a:tr h="1350092">
+                <a:tc>
+                  <a:txBody>
+                    <a:bodyPr/>
+                    <a:lstStyle/>
+                    <a:p>
+                      <a:r>
+                        <a:rPr lang="fr-FR" dirty="0" err="1" smtClean="0"/>
+                        <a:t>Correctness</a:t>
+                      </a:r>
+                      <a:endParaRPr lang="fr-FR" dirty="0"/>
+                    </a:p>
+                  </a:txBody>
+                  <a:tcPr/>
+                </a:tc>
+                <a:tc>
+                  <a:txBody>
+                    <a:bodyPr/>
+                    <a:lstStyle/>
+                    <a:p>
+                      <a:r>
+                        <a:rPr lang="fr-FR" dirty="0" err="1" smtClean="0"/>
+                        <a:t>Always</a:t>
+                      </a:r>
+                      <a:r>
+                        <a:rPr lang="fr-FR" dirty="0" smtClean="0"/>
+                        <a:t> propose</a:t>
+                      </a:r>
+                      <a:r>
+                        <a:rPr lang="fr-FR" baseline="0" dirty="0" smtClean="0"/>
+                        <a:t> a </a:t>
+                      </a:r>
+                      <a:r>
+                        <a:rPr lang="fr-FR" baseline="0" dirty="0" err="1" smtClean="0"/>
+                        <a:t>valid</a:t>
+                      </a:r>
+                      <a:r>
+                        <a:rPr lang="fr-FR" baseline="0" dirty="0" smtClean="0"/>
+                        <a:t> invariant (</a:t>
+                      </a:r>
+                      <a:r>
+                        <a:rPr lang="fr-FR" baseline="0" dirty="0" err="1" smtClean="0"/>
+                        <a:t>under</a:t>
+                      </a:r>
+                      <a:r>
+                        <a:rPr lang="fr-FR" baseline="0" dirty="0" smtClean="0"/>
+                        <a:t> </a:t>
+                      </a:r>
+                      <a:r>
+                        <a:rPr lang="fr-FR" baseline="0" dirty="0" err="1" smtClean="0"/>
+                        <a:t>some</a:t>
+                      </a:r>
+                      <a:r>
+                        <a:rPr lang="fr-FR" baseline="0" dirty="0" smtClean="0"/>
+                        <a:t> </a:t>
+                      </a:r>
+                      <a:r>
+                        <a:rPr lang="fr-FR" baseline="0" dirty="0" err="1" smtClean="0"/>
+                        <a:t>constraints</a:t>
+                      </a:r>
+                      <a:r>
+                        <a:rPr lang="fr-FR" baseline="0" dirty="0" smtClean="0"/>
+                        <a:t> on the code) </a:t>
+                      </a:r>
+                      <a:r>
+                        <a:rPr lang="fr-FR" baseline="0" dirty="0" smtClean="0">
+                          <a:sym typeface="Wingdings" panose="05000000000000000000" pitchFamily="2" charset="2"/>
+                        </a:rPr>
+                        <a:t></a:t>
+                      </a:r>
+                      <a:endParaRPr lang="fr-FR" dirty="0"/>
+                    </a:p>
+                  </a:txBody>
+                  <a:tcPr/>
+                </a:tc>
+                <a:tc>
+                  <a:txBody>
+                    <a:bodyPr/>
+                    <a:lstStyle/>
+                    <a:p>
+                      <a:r>
+                        <a:rPr lang="fr-FR" dirty="0" smtClean="0"/>
+                        <a:t>Propose a</a:t>
+                      </a:r>
+                      <a:r>
+                        <a:rPr lang="fr-FR" baseline="0" dirty="0" smtClean="0"/>
+                        <a:t> </a:t>
+                      </a:r>
+                      <a:r>
+                        <a:rPr lang="fr-FR" baseline="0" dirty="0" err="1" smtClean="0"/>
+                        <a:t>wrong</a:t>
+                      </a:r>
+                      <a:r>
+                        <a:rPr lang="fr-FR" baseline="0" dirty="0" smtClean="0"/>
+                        <a:t> invariant </a:t>
+                      </a:r>
+                      <a:r>
+                        <a:rPr lang="fr-FR" baseline="0" dirty="0" err="1" smtClean="0"/>
+                        <a:t>when</a:t>
+                      </a:r>
+                      <a:r>
+                        <a:rPr lang="fr-FR" baseline="0" dirty="0" smtClean="0"/>
+                        <a:t> no </a:t>
+                      </a:r>
+                      <a:r>
+                        <a:rPr lang="fr-FR" baseline="0" dirty="0" err="1" smtClean="0"/>
+                        <a:t>universal</a:t>
+                      </a:r>
+                      <a:r>
+                        <a:rPr lang="fr-FR" baseline="0" dirty="0" smtClean="0"/>
+                        <a:t> invariant </a:t>
+                      </a:r>
+                      <a:r>
+                        <a:rPr lang="fr-FR" baseline="0" dirty="0" err="1" smtClean="0"/>
+                        <a:t>exists</a:t>
+                      </a:r>
+                      <a:r>
+                        <a:rPr lang="fr-FR" baseline="0" dirty="0" smtClean="0"/>
+                        <a:t> </a:t>
+                      </a:r>
+                      <a:r>
+                        <a:rPr lang="fr-FR" baseline="0" dirty="0" smtClean="0">
+                          <a:sym typeface="Wingdings" panose="05000000000000000000" pitchFamily="2" charset="2"/>
+                        </a:rPr>
+                        <a:t></a:t>
+                      </a:r>
+                      <a:endParaRPr lang="fr-FR" dirty="0"/>
+                    </a:p>
+                  </a:txBody>
+                  <a:tcPr/>
+                </a:tc>
+                <a:tc>
+                  <a:txBody>
+                    <a:bodyPr/>
+                    <a:lstStyle/>
+                    <a:p>
+                      <a:pPr marL="0" marR="0" indent="0" algn="l" defTabSz="914400" rtl="0" eaLnBrk="1" fontAlgn="auto" latinLnBrk="0" hangingPunct="1">
+                        <a:lnSpc>
+                          <a:spcPct val="100000"/>
+                        </a:lnSpc>
+                        <a:spcBef>
+                          <a:spcPts val="0"/>
+                        </a:spcBef>
+                        <a:spcAft>
+                          <a:spcPts val="0"/>
+                        </a:spcAft>
+                        <a:buClrTx/>
+                        <a:buSzTx/>
+                        <a:buFontTx/>
+                        <a:buNone/>
+                        <a:tabLst/>
+                        <a:defRPr/>
+                      </a:pPr>
+                      <a:r>
+                        <a:rPr lang="fr-FR" dirty="0" smtClean="0"/>
+                        <a:t>Idem.</a:t>
+                      </a:r>
+                    </a:p>
+                    <a:p>
+                      <a:pPr marL="0" marR="0" indent="0" algn="l" defTabSz="914400" rtl="0" eaLnBrk="1" fontAlgn="auto" latinLnBrk="0" hangingPunct="1">
+                        <a:lnSpc>
+                          <a:spcPct val="100000"/>
+                        </a:lnSpc>
+                        <a:spcBef>
+                          <a:spcPts val="0"/>
+                        </a:spcBef>
+                        <a:spcAft>
+                          <a:spcPts val="0"/>
+                        </a:spcAft>
+                        <a:buClrTx/>
+                        <a:buSzTx/>
+                        <a:buFontTx/>
+                        <a:buNone/>
+                        <a:tabLst/>
+                        <a:defRPr/>
+                      </a:pPr>
+                      <a:r>
+                        <a:rPr lang="fr-FR" dirty="0" err="1" smtClean="0"/>
+                        <a:t>Correctness</a:t>
+                      </a:r>
+                      <a:r>
+                        <a:rPr lang="fr-FR" dirty="0" smtClean="0"/>
+                        <a:t> </a:t>
+                      </a:r>
+                      <a:r>
+                        <a:rPr lang="fr-FR" dirty="0" err="1" smtClean="0"/>
+                        <a:t>can</a:t>
+                      </a:r>
+                      <a:r>
+                        <a:rPr lang="fr-FR" dirty="0" smtClean="0"/>
+                        <a:t> </a:t>
+                      </a:r>
+                      <a:r>
+                        <a:rPr lang="fr-FR" dirty="0" err="1" smtClean="0"/>
+                        <a:t>be</a:t>
+                      </a:r>
+                      <a:r>
+                        <a:rPr lang="fr-FR" dirty="0" smtClean="0"/>
+                        <a:t> </a:t>
+                      </a:r>
+                      <a:r>
+                        <a:rPr lang="fr-FR" dirty="0" err="1" smtClean="0"/>
+                        <a:t>checked</a:t>
+                      </a:r>
+                      <a:r>
+                        <a:rPr lang="fr-FR" dirty="0" smtClean="0"/>
+                        <a:t> </a:t>
+                      </a:r>
+                      <a:r>
+                        <a:rPr lang="fr-FR" dirty="0" err="1" smtClean="0"/>
+                        <a:t>using</a:t>
+                      </a:r>
+                      <a:r>
+                        <a:rPr lang="fr-FR" dirty="0" smtClean="0"/>
+                        <a:t> model </a:t>
+                      </a:r>
+                      <a:r>
+                        <a:rPr lang="fr-FR" dirty="0" err="1" smtClean="0"/>
+                        <a:t>checking</a:t>
+                      </a:r>
+                      <a:r>
+                        <a:rPr lang="fr-FR" dirty="0" smtClean="0"/>
+                        <a:t>.</a:t>
+                      </a:r>
+                    </a:p>
+                  </a:txBody>
+                  <a:tcPr/>
+                </a:tc>
+                <a:tc>
+                  <a:txBody>
+                    <a:bodyPr/>
+                    <a:lstStyle/>
+                    <a:p>
+                      <a:r>
+                        <a:rPr lang="fr-FR" dirty="0" smtClean="0"/>
+                        <a:t>Can </a:t>
+                      </a:r>
+                      <a:r>
+                        <a:rPr lang="fr-FR" dirty="0" err="1" smtClean="0"/>
+                        <a:t>fail</a:t>
+                      </a:r>
+                      <a:r>
+                        <a:rPr lang="fr-FR" dirty="0" smtClean="0"/>
+                        <a:t> in</a:t>
+                      </a:r>
+                      <a:r>
+                        <a:rPr lang="fr-FR" baseline="0" dirty="0" smtClean="0"/>
+                        <a:t> </a:t>
+                      </a:r>
+                      <a:r>
+                        <a:rPr lang="fr-FR" baseline="0" dirty="0" err="1" smtClean="0"/>
+                        <a:t>some</a:t>
+                      </a:r>
+                      <a:r>
+                        <a:rPr lang="fr-FR" baseline="0" dirty="0" smtClean="0"/>
+                        <a:t> cases </a:t>
+                      </a:r>
+                      <a:r>
+                        <a:rPr lang="fr-FR" baseline="0" dirty="0" err="1" smtClean="0"/>
+                        <a:t>when</a:t>
+                      </a:r>
+                      <a:r>
+                        <a:rPr lang="fr-FR" baseline="0" dirty="0" smtClean="0"/>
+                        <a:t> no </a:t>
+                      </a:r>
+                      <a:r>
+                        <a:rPr lang="fr-FR" baseline="0" dirty="0" err="1" smtClean="0"/>
+                        <a:t>universal</a:t>
+                      </a:r>
+                      <a:r>
+                        <a:rPr lang="fr-FR" baseline="0" dirty="0" smtClean="0"/>
+                        <a:t> invariant </a:t>
+                      </a:r>
+                      <a:r>
+                        <a:rPr lang="fr-FR" baseline="0" dirty="0" err="1" smtClean="0"/>
+                        <a:t>exists</a:t>
+                      </a:r>
+                      <a:r>
+                        <a:rPr lang="fr-FR" baseline="0" dirty="0" smtClean="0"/>
+                        <a:t> (not </a:t>
+                      </a:r>
+                      <a:r>
+                        <a:rPr lang="fr-FR" baseline="0" dirty="0" err="1" smtClean="0"/>
+                        <a:t>characterized</a:t>
+                      </a:r>
+                      <a:r>
+                        <a:rPr lang="fr-FR" baseline="0" dirty="0" smtClean="0"/>
+                        <a:t> </a:t>
+                      </a:r>
+                      <a:r>
+                        <a:rPr lang="fr-FR" baseline="0" dirty="0" err="1" smtClean="0"/>
+                        <a:t>yet</a:t>
+                      </a:r>
+                      <a:r>
+                        <a:rPr lang="fr-FR" baseline="0" dirty="0" smtClean="0"/>
+                        <a:t>).</a:t>
+                      </a:r>
+                      <a:endParaRPr lang="fr-FR" dirty="0"/>
+                    </a:p>
+                  </a:txBody>
+                  <a:tcPr/>
+                </a:tc>
+                <a:extLst>
+                  <a:ext uri="{0D108BD9-81ED-4DB2-BD59-A6C34878D82A}">
+                    <a16:rowId xmlns:a16="http://schemas.microsoft.com/office/drawing/2014/main" val="4032554186"/>
+                  </a:ext>
+                </a:extLst>
+              </a:tr>
+            </a:tbl>
+          </a:graphicData>
+        </a:graphic>
+      </p:graphicFrame>
     </p:spTree>
     <p:extLst>
       <p:ext uri="{BB962C8B-B14F-4D97-AF65-F5344CB8AC3E}">
@@ -3337,7 +5321,23 @@
           <a:p>
             <a:r>
               <a:rPr lang="fr-FR" dirty="0" err="1" smtClean="0"/>
-              <a:t>Examples</a:t>
+              <a:t>Limits</a:t>
+            </a:r>
+            <a:r>
+              <a:rPr lang="fr-FR" dirty="0" smtClean="0"/>
+              <a:t> of </a:t>
+            </a:r>
+            <a:r>
+              <a:rPr lang="fr-FR" dirty="0" err="1" smtClean="0"/>
+              <a:t>automated</a:t>
+            </a:r>
+            <a:r>
+              <a:rPr lang="fr-FR" dirty="0" smtClean="0"/>
+              <a:t> invariant </a:t>
+            </a:r>
+            <a:r>
+              <a:rPr lang="fr-FR" dirty="0" err="1" smtClean="0"/>
+              <a:t>synthesis</a:t>
             </a:r>
             <a:endParaRPr lang="fr-FR" dirty="0"/>
           </a:p>
@@ -3355,17 +5355,371 @@
         </p:nvSpPr>
         <p:spPr/>
         <p:txBody>
-          <a:bodyPr/>
-          <a:lstStyle/>
-          <a:p>
-            <a:endParaRPr lang="fr-FR"/>
+          <a:bodyPr>
+            <a:normAutofit lnSpcReduction="10000"/>
+          </a:bodyPr>
+          <a:lstStyle/>
+          <a:p>
+            <a:r>
+              <a:rPr lang="fr-FR" dirty="0" smtClean="0"/>
+              <a:t>In </a:t>
+            </a:r>
+            <a:r>
+              <a:rPr lang="fr-FR" dirty="0" err="1" smtClean="0"/>
+              <a:t>order</a:t>
+            </a:r>
+            <a:r>
+              <a:rPr lang="fr-FR" dirty="0" smtClean="0"/>
+              <a:t> to </a:t>
+            </a:r>
+            <a:r>
+              <a:rPr lang="fr-FR" dirty="0" err="1" smtClean="0"/>
+              <a:t>find</a:t>
+            </a:r>
+            <a:r>
+              <a:rPr lang="fr-FR" dirty="0" smtClean="0"/>
+              <a:t> an inductive invariant, </a:t>
+            </a:r>
+            <a:r>
+              <a:rPr lang="fr-FR" dirty="0" err="1" smtClean="0"/>
+              <a:t>we</a:t>
+            </a:r>
+            <a:r>
+              <a:rPr lang="fr-FR" dirty="0" smtClean="0"/>
+              <a:t> must continue </a:t>
+            </a:r>
+            <a:r>
+              <a:rPr lang="fr-FR" dirty="0" err="1" smtClean="0"/>
+              <a:t>strenghtening</a:t>
+            </a:r>
+            <a:r>
+              <a:rPr lang="fr-FR" dirty="0" smtClean="0"/>
+              <a:t> the initial set of invariants </a:t>
+            </a:r>
+            <a:r>
+              <a:rPr lang="fr-FR" dirty="0" err="1" smtClean="0"/>
+              <a:t>until</a:t>
+            </a:r>
+            <a:r>
+              <a:rPr lang="fr-FR" dirty="0" smtClean="0"/>
+              <a:t> a </a:t>
+            </a:r>
+            <a:r>
+              <a:rPr lang="fr-FR" dirty="0" err="1" smtClean="0"/>
+              <a:t>fixpoint</a:t>
+            </a:r>
+            <a:r>
+              <a:rPr lang="fr-FR" dirty="0" smtClean="0"/>
+              <a:t> </a:t>
+            </a:r>
+            <a:r>
+              <a:rPr lang="fr-FR" dirty="0" err="1" smtClean="0"/>
+              <a:t>is</a:t>
+            </a:r>
+            <a:r>
+              <a:rPr lang="fr-FR" dirty="0" smtClean="0"/>
+              <a:t> </a:t>
+            </a:r>
+            <a:r>
+              <a:rPr lang="fr-FR" dirty="0" err="1" smtClean="0"/>
+              <a:t>reached</a:t>
+            </a:r>
+            <a:r>
+              <a:rPr lang="fr-FR" dirty="0" smtClean="0"/>
+              <a:t> (=</a:t>
+            </a:r>
+            <a:r>
+              <a:rPr lang="fr-FR" dirty="0" err="1" smtClean="0"/>
+              <a:t>until</a:t>
+            </a:r>
+            <a:r>
+              <a:rPr lang="fr-FR" dirty="0" smtClean="0"/>
+              <a:t> a </a:t>
+            </a:r>
+            <a:r>
+              <a:rPr lang="fr-FR" dirty="0" err="1" smtClean="0"/>
+              <a:t>strenghtened</a:t>
+            </a:r>
+            <a:r>
+              <a:rPr lang="fr-FR" dirty="0" smtClean="0"/>
+              <a:t> set </a:t>
+            </a:r>
+            <a:r>
+              <a:rPr lang="fr-FR" dirty="0" err="1" smtClean="0"/>
+              <a:t>is</a:t>
+            </a:r>
+            <a:r>
+              <a:rPr lang="fr-FR" dirty="0" smtClean="0"/>
+              <a:t> </a:t>
+            </a:r>
+            <a:r>
+              <a:rPr lang="fr-FR" dirty="0" err="1" smtClean="0"/>
+              <a:t>implied</a:t>
+            </a:r>
+            <a:r>
+              <a:rPr lang="fr-FR" dirty="0" smtClean="0"/>
+              <a:t> by the </a:t>
+            </a:r>
+            <a:r>
+              <a:rPr lang="fr-FR" dirty="0" err="1" smtClean="0"/>
+              <a:t>previous</a:t>
+            </a:r>
+            <a:r>
+              <a:rPr lang="fr-FR" dirty="0" smtClean="0"/>
+              <a:t> set).</a:t>
+            </a:r>
+          </a:p>
+          <a:p>
+            <a:endParaRPr lang="fr-FR" dirty="0"/>
+          </a:p>
+          <a:p>
+            <a:r>
+              <a:rPr lang="fr-FR" dirty="0" smtClean="0"/>
+              <a:t>This </a:t>
+            </a:r>
+            <a:r>
+              <a:rPr lang="fr-FR" dirty="0" err="1" smtClean="0"/>
+              <a:t>fixpoint</a:t>
+            </a:r>
+            <a:r>
+              <a:rPr lang="fr-FR" dirty="0" smtClean="0"/>
+              <a:t> </a:t>
+            </a:r>
+            <a:r>
+              <a:rPr lang="fr-FR" dirty="0" err="1" smtClean="0"/>
+              <a:t>can</a:t>
+            </a:r>
+            <a:r>
+              <a:rPr lang="fr-FR" dirty="0" smtClean="0"/>
+              <a:t> </a:t>
+            </a:r>
+            <a:r>
+              <a:rPr lang="fr-FR" dirty="0" err="1" smtClean="0"/>
+              <a:t>never</a:t>
+            </a:r>
+            <a:r>
+              <a:rPr lang="fr-FR" dirty="0" smtClean="0"/>
+              <a:t> </a:t>
+            </a:r>
+            <a:r>
+              <a:rPr lang="fr-FR" dirty="0" err="1" smtClean="0"/>
+              <a:t>be</a:t>
+            </a:r>
+            <a:r>
+              <a:rPr lang="fr-FR" dirty="0" smtClean="0"/>
+              <a:t> </a:t>
+            </a:r>
+            <a:r>
+              <a:rPr lang="fr-FR" dirty="0" err="1" smtClean="0"/>
+              <a:t>reached</a:t>
+            </a:r>
+            <a:r>
+              <a:rPr lang="fr-FR" dirty="0" smtClean="0"/>
+              <a:t> in a </a:t>
+            </a:r>
+            <a:r>
+              <a:rPr lang="fr-FR" dirty="0" err="1" smtClean="0"/>
+              <a:t>finite</a:t>
+            </a:r>
+            <a:r>
+              <a:rPr lang="fr-FR" dirty="0" smtClean="0"/>
+              <a:t> </a:t>
+            </a:r>
+            <a:r>
+              <a:rPr lang="fr-FR" dirty="0" err="1" smtClean="0"/>
+              <a:t>number</a:t>
+            </a:r>
+            <a:r>
+              <a:rPr lang="fr-FR" dirty="0" smtClean="0"/>
+              <a:t> of </a:t>
+            </a:r>
+            <a:r>
+              <a:rPr lang="fr-FR" dirty="0" err="1" smtClean="0"/>
+              <a:t>steps</a:t>
+            </a:r>
+            <a:r>
+              <a:rPr lang="fr-FR" dirty="0" smtClean="0"/>
+              <a:t>.</a:t>
+            </a:r>
+            <a:br>
+              <a:rPr lang="fr-FR" dirty="0" smtClean="0"/>
+            </a:br>
+            <a:r>
+              <a:rPr lang="fr-FR" dirty="0" smtClean="0"/>
+              <a:t>As a </a:t>
+            </a:r>
+            <a:r>
+              <a:rPr lang="fr-FR" dirty="0" err="1" smtClean="0"/>
+              <a:t>result</a:t>
+            </a:r>
+            <a:r>
+              <a:rPr lang="fr-FR" dirty="0" smtClean="0"/>
+              <a:t>, none of </a:t>
+            </a:r>
+            <a:r>
+              <a:rPr lang="fr-FR" dirty="0" err="1" smtClean="0"/>
+              <a:t>methods</a:t>
+            </a:r>
+            <a:r>
+              <a:rPr lang="fr-FR" dirty="0" smtClean="0"/>
+              <a:t> </a:t>
+            </a:r>
+            <a:r>
+              <a:rPr lang="fr-FR" dirty="0" err="1" smtClean="0"/>
+              <a:t>we</a:t>
+            </a:r>
+            <a:r>
+              <a:rPr lang="fr-FR" dirty="0" smtClean="0"/>
+              <a:t> have </a:t>
+            </a:r>
+            <a:r>
+              <a:rPr lang="fr-FR" dirty="0" err="1" smtClean="0"/>
+              <a:t>seen</a:t>
+            </a:r>
+            <a:r>
+              <a:rPr lang="fr-FR" dirty="0" smtClean="0"/>
+              <a:t> </a:t>
+            </a:r>
+            <a:r>
+              <a:rPr lang="fr-FR" dirty="0" err="1" smtClean="0"/>
+              <a:t>guarantee</a:t>
+            </a:r>
+            <a:r>
+              <a:rPr lang="fr-FR" dirty="0" smtClean="0"/>
+              <a:t> to </a:t>
+            </a:r>
+            <a:r>
+              <a:rPr lang="fr-FR" dirty="0" err="1" smtClean="0"/>
+              <a:t>find</a:t>
+            </a:r>
+            <a:r>
+              <a:rPr lang="fr-FR" dirty="0" smtClean="0"/>
+              <a:t> an inductive invariant </a:t>
+            </a:r>
+            <a:r>
+              <a:rPr lang="fr-FR" dirty="0" err="1" smtClean="0"/>
+              <a:t>automatically</a:t>
+            </a:r>
+            <a:r>
+              <a:rPr lang="fr-FR" dirty="0" smtClean="0"/>
+              <a:t>.</a:t>
+            </a:r>
+          </a:p>
+          <a:p>
+            <a:endParaRPr lang="fr-FR" dirty="0"/>
+          </a:p>
+          <a:p>
+            <a:r>
+              <a:rPr lang="fr-FR" dirty="0" err="1" smtClean="0"/>
+              <a:t>Synthetizing</a:t>
+            </a:r>
+            <a:r>
+              <a:rPr lang="fr-FR" dirty="0" smtClean="0"/>
+              <a:t> an inductive invariant </a:t>
+            </a:r>
+            <a:r>
+              <a:rPr lang="fr-FR" dirty="0" err="1" smtClean="0"/>
+              <a:t>is</a:t>
+            </a:r>
+            <a:r>
+              <a:rPr lang="fr-FR" dirty="0" smtClean="0"/>
+              <a:t> </a:t>
+            </a:r>
+            <a:r>
+              <a:rPr lang="fr-FR" dirty="0" err="1" smtClean="0"/>
+              <a:t>undecidable</a:t>
+            </a:r>
+            <a:r>
+              <a:rPr lang="fr-FR" dirty="0" smtClean="0"/>
+              <a:t>, </a:t>
+            </a:r>
+            <a:r>
+              <a:rPr lang="fr-FR" dirty="0" err="1" smtClean="0"/>
+              <a:t>so</a:t>
+            </a:r>
+            <a:r>
+              <a:rPr lang="fr-FR" dirty="0" smtClean="0"/>
+              <a:t> </a:t>
+            </a:r>
+            <a:r>
+              <a:rPr lang="fr-FR" dirty="0" err="1" smtClean="0"/>
+              <a:t>we</a:t>
+            </a:r>
+            <a:r>
+              <a:rPr lang="fr-FR" dirty="0" smtClean="0"/>
+              <a:t> </a:t>
+            </a:r>
+            <a:r>
+              <a:rPr lang="fr-FR" dirty="0" err="1" smtClean="0"/>
+              <a:t>can’t</a:t>
+            </a:r>
+            <a:r>
+              <a:rPr lang="fr-FR" dirty="0" smtClean="0"/>
+              <a:t> </a:t>
+            </a:r>
+            <a:r>
+              <a:rPr lang="fr-FR" dirty="0" err="1" smtClean="0"/>
+              <a:t>expect</a:t>
+            </a:r>
+            <a:r>
+              <a:rPr lang="fr-FR" dirty="0" smtClean="0"/>
+              <a:t> a </a:t>
+            </a:r>
+            <a:r>
+              <a:rPr lang="fr-FR" dirty="0" err="1" smtClean="0"/>
+              <a:t>fully</a:t>
+            </a:r>
+            <a:r>
+              <a:rPr lang="fr-FR" dirty="0" smtClean="0"/>
+              <a:t> </a:t>
+            </a:r>
+            <a:r>
+              <a:rPr lang="fr-FR" dirty="0" err="1" smtClean="0"/>
+              <a:t>automated</a:t>
+            </a:r>
+            <a:r>
+              <a:rPr lang="fr-FR" dirty="0" smtClean="0"/>
+              <a:t> </a:t>
+            </a:r>
+            <a:r>
+              <a:rPr lang="fr-FR" dirty="0" err="1" smtClean="0"/>
+              <a:t>method</a:t>
+            </a:r>
+            <a:r>
+              <a:rPr lang="fr-FR" dirty="0" smtClean="0"/>
+              <a:t> </a:t>
+            </a:r>
+            <a:r>
+              <a:rPr lang="fr-FR" dirty="0" err="1" smtClean="0"/>
+              <a:t>that</a:t>
+            </a:r>
+            <a:r>
+              <a:rPr lang="fr-FR" dirty="0" smtClean="0"/>
+              <a:t> </a:t>
+            </a:r>
+            <a:r>
+              <a:rPr lang="fr-FR" dirty="0" err="1" smtClean="0"/>
+              <a:t>always</a:t>
+            </a:r>
+            <a:r>
+              <a:rPr lang="fr-FR" dirty="0" smtClean="0"/>
+              <a:t> </a:t>
+            </a:r>
+            <a:r>
+              <a:rPr lang="fr-FR" dirty="0" err="1" smtClean="0"/>
+              <a:t>terminates</a:t>
+            </a:r>
+            <a:r>
+              <a:rPr lang="fr-FR" dirty="0" smtClean="0"/>
+              <a:t>.</a:t>
+            </a:r>
           </a:p>
         </p:txBody>
       </p:sp>
     </p:spTree>
     <p:extLst>
       <p:ext uri="{BB962C8B-B14F-4D97-AF65-F5344CB8AC3E}">
-        <p14:creationId xmlns:p14="http://schemas.microsoft.com/office/powerpoint/2010/main" val="3540206418"/>
+        <p14:creationId xmlns:p14="http://schemas.microsoft.com/office/powerpoint/2010/main" val="1388709786"/>
       </p:ext>
     </p:extLst>
   </p:cSld>
@@ -3408,32 +5762,8 @@
           <a:lstStyle/>
           <a:p>
             <a:r>
-              <a:rPr lang="fr-FR" dirty="0" smtClean="0"/>
-              <a:t>How </a:t>
-            </a:r>
-            <a:r>
-              <a:rPr lang="fr-FR" dirty="0" err="1" smtClean="0"/>
-              <a:t>does</a:t>
-            </a:r>
-            <a:r>
-              <a:rPr lang="fr-FR" dirty="0" smtClean="0"/>
-              <a:t> </a:t>
-            </a:r>
-            <a:r>
-              <a:rPr lang="fr-FR" dirty="0" err="1" smtClean="0"/>
-              <a:t>it</a:t>
-            </a:r>
-            <a:r>
-              <a:rPr lang="fr-FR" dirty="0" smtClean="0"/>
-              <a:t> </a:t>
-            </a:r>
-            <a:r>
-              <a:rPr lang="fr-FR" dirty="0" err="1" smtClean="0"/>
-              <a:t>work</a:t>
-            </a:r>
-            <a:r>
-              <a:rPr lang="fr-FR" dirty="0" smtClean="0"/>
-              <a:t>?</a:t>
+              <a:rPr lang="fr-FR" dirty="0" err="1" smtClean="0"/>
+              <a:t>Examples</a:t>
             </a:r>
             <a:endParaRPr lang="fr-FR" dirty="0"/>
           </a:p>
@@ -3461,7 +5791,7 @@
     </p:spTree>
     <p:extLst>
       <p:ext uri="{BB962C8B-B14F-4D97-AF65-F5344CB8AC3E}">
-        <p14:creationId xmlns:p14="http://schemas.microsoft.com/office/powerpoint/2010/main" val="1314692541"/>
+        <p14:creationId xmlns:p14="http://schemas.microsoft.com/office/powerpoint/2010/main" val="3540206418"/>
       </p:ext>
     </p:extLst>
   </p:cSld>
@@ -3504,6 +5834,102 @@
           <a:lstStyle/>
           <a:p>
             <a:r>
+              <a:rPr lang="fr-FR" dirty="0" smtClean="0"/>
+              <a:t>How </a:t>
+            </a:r>
+            <a:r>
+              <a:rPr lang="fr-FR" dirty="0" err="1" smtClean="0"/>
+              <a:t>does</a:t>
+            </a:r>
+            <a:r>
+              <a:rPr lang="fr-FR" dirty="0" smtClean="0"/>
+              <a:t> </a:t>
+            </a:r>
+            <a:r>
+              <a:rPr lang="fr-FR" dirty="0" err="1" smtClean="0"/>
+              <a:t>it</a:t>
+            </a:r>
+            <a:r>
+              <a:rPr lang="fr-FR" dirty="0" smtClean="0"/>
+              <a:t> </a:t>
+            </a:r>
+            <a:r>
+              <a:rPr lang="fr-FR" dirty="0" err="1" smtClean="0"/>
+              <a:t>work</a:t>
+            </a:r>
+            <a:r>
+              <a:rPr lang="fr-FR" dirty="0" smtClean="0"/>
+              <a:t>?</a:t>
+            </a:r>
+            <a:endParaRPr lang="fr-FR" dirty="0"/>
+          </a:p>
+        </p:txBody>
+      </p:sp>
+      <p:sp>
+        <p:nvSpPr>
+          <p:cNvPr id="3" name="Espace réservé du contenu 2"/>
+          <p:cNvSpPr>
+            <a:spLocks noGrp="1"/>
+          </p:cNvSpPr>
+          <p:nvPr>
+            <p:ph idx="1"/>
+          </p:nvPr>
+        </p:nvSpPr>
+        <p:spPr/>
+        <p:txBody>
+          <a:bodyPr/>
+          <a:lstStyle/>
+          <a:p>
+            <a:endParaRPr lang="fr-FR"/>
+          </a:p>
+        </p:txBody>
+      </p:sp>
+    </p:spTree>
+    <p:extLst>
+      <p:ext uri="{BB962C8B-B14F-4D97-AF65-F5344CB8AC3E}">
+        <p14:creationId xmlns:p14="http://schemas.microsoft.com/office/powerpoint/2010/main" val="1314692541"/>
+      </p:ext>
+    </p:extLst>
+  </p:cSld>
+  <p:clrMapOvr>
+    <a:masterClrMapping/>
+  </p:clrMapOvr>
+</p:sld>
+</file>
+
+<file path=ppt/slides/slide8.xml><?xml version="1.0" encoding="utf-8"?>
+<p:sld xmlns:a="http://schemas.openxmlformats.org/drawingml/2006/main" xmlns:r="http://schemas.openxmlformats.org/officeDocument/2006/relationships" xmlns:p="http://schemas.openxmlformats.org/presentationml/2006/main">
+  <p:cSld>
+    <p:spTree>
+      <p:nvGrpSpPr>
+        <p:cNvPr id="1" name=""/>
+        <p:cNvGrpSpPr/>
+        <p:nvPr/>
+      </p:nvGrpSpPr>
+      <p:grpSpPr>
+        <a:xfrm>
+          <a:off x="0" y="0"/>
+          <a:ext cx="0" cy="0"/>
+          <a:chOff x="0" y="0"/>
+          <a:chExt cx="0" cy="0"/>
+        </a:xfrm>
+      </p:grpSpPr>
+      <p:sp>
+        <p:nvSpPr>
+          <p:cNvPr id="2" name="Titre 1"/>
+          <p:cNvSpPr>
+            <a:spLocks noGrp="1"/>
+          </p:cNvSpPr>
+          <p:nvPr>
+            <p:ph type="title"/>
+          </p:nvPr>
+        </p:nvSpPr>
+        <p:spPr/>
+        <p:txBody>
+          <a:bodyPr/>
+          <a:lstStyle/>
+          <a:p>
+            <a:r>
               <a:rPr lang="fr-FR" dirty="0" err="1" smtClean="0"/>
               <a:t>Guarantees</a:t>
             </a:r>
@@ -3543,7 +5969,7 @@
 </p:sld>
 </file>
 
-<file path=ppt/slides/slide8.xml><?xml version="1.0" encoding="utf-8"?>
+<file path=ppt/slides/slide9.xml><?xml version="1.0" encoding="utf-8"?>
 <p:sld xmlns:a="http://schemas.openxmlformats.org/drawingml/2006/main" xmlns:r="http://schemas.openxmlformats.org/officeDocument/2006/relationships" xmlns:p="http://schemas.openxmlformats.org/presentationml/2006/main">
   <p:cSld>
     <p:spTree>

--- a/invariant_synthesis/Invariant Synthesis.pptx
+++ b/invariant_synthesis/Invariant Synthesis.pptx
@@ -4,16 +4,28 @@
   <p:sldMasterIdLst>
     <p:sldMasterId id="2147483648" r:id="rId1"/>
   </p:sldMasterIdLst>
+  <p:notesMasterIdLst>
+    <p:notesMasterId r:id="rId20"/>
+  </p:notesMasterIdLst>
   <p:sldIdLst>
     <p:sldId id="256" r:id="rId2"/>
     <p:sldId id="257" r:id="rId3"/>
     <p:sldId id="263" r:id="rId4"/>
     <p:sldId id="258" r:id="rId5"/>
     <p:sldId id="264" r:id="rId6"/>
-    <p:sldId id="259" r:id="rId7"/>
-    <p:sldId id="262" r:id="rId8"/>
-    <p:sldId id="260" r:id="rId9"/>
-    <p:sldId id="261" r:id="rId10"/>
+    <p:sldId id="265" r:id="rId7"/>
+    <p:sldId id="270" r:id="rId8"/>
+    <p:sldId id="271" r:id="rId9"/>
+    <p:sldId id="259" r:id="rId10"/>
+    <p:sldId id="272" r:id="rId11"/>
+    <p:sldId id="273" r:id="rId12"/>
+    <p:sldId id="274" r:id="rId13"/>
+    <p:sldId id="266" r:id="rId14"/>
+    <p:sldId id="275" r:id="rId15"/>
+    <p:sldId id="267" r:id="rId16"/>
+    <p:sldId id="268" r:id="rId17"/>
+    <p:sldId id="269" r:id="rId18"/>
+    <p:sldId id="260" r:id="rId19"/>
   </p:sldIdLst>
   <p:sldSz cx="12192000" cy="6858000"/>
   <p:notesSz cx="6858000" cy="9144000"/>
@@ -120,6 +132,440 @@
 </p:presentation>
 </file>
 
+<file path=ppt/notesMasters/notesMaster1.xml><?xml version="1.0" encoding="utf-8"?>
+<p:notesMaster xmlns:a="http://schemas.openxmlformats.org/drawingml/2006/main" xmlns:r="http://schemas.openxmlformats.org/officeDocument/2006/relationships" xmlns:p="http://schemas.openxmlformats.org/presentationml/2006/main">
+  <p:cSld>
+    <p:bg>
+      <p:bgRef idx="1001">
+        <a:schemeClr val="bg1"/>
+      </p:bgRef>
+    </p:bg>
+    <p:spTree>
+      <p:nvGrpSpPr>
+        <p:cNvPr id="1" name=""/>
+        <p:cNvGrpSpPr/>
+        <p:nvPr/>
+      </p:nvGrpSpPr>
+      <p:grpSpPr>
+        <a:xfrm>
+          <a:off x="0" y="0"/>
+          <a:ext cx="0" cy="0"/>
+          <a:chOff x="0" y="0"/>
+          <a:chExt cx="0" cy="0"/>
+        </a:xfrm>
+      </p:grpSpPr>
+      <p:sp>
+        <p:nvSpPr>
+          <p:cNvPr id="2" name="Espace réservé de l'en-tête 1"/>
+          <p:cNvSpPr>
+            <a:spLocks noGrp="1"/>
+          </p:cNvSpPr>
+          <p:nvPr>
+            <p:ph type="hdr" sz="quarter"/>
+          </p:nvPr>
+        </p:nvSpPr>
+        <p:spPr>
+          <a:xfrm>
+            <a:off x="0" y="0"/>
+            <a:ext cx="2971800" cy="458788"/>
+          </a:xfrm>
+          <a:prstGeom prst="rect">
+            <a:avLst/>
+          </a:prstGeom>
+        </p:spPr>
+        <p:txBody>
+          <a:bodyPr vert="horz" lIns="91440" tIns="45720" rIns="91440" bIns="45720" rtlCol="0"/>
+          <a:lstStyle>
+            <a:lvl1pPr algn="l">
+              <a:defRPr sz="1200"/>
+            </a:lvl1pPr>
+          </a:lstStyle>
+          <a:p>
+            <a:endParaRPr lang="fr-FR"/>
+          </a:p>
+        </p:txBody>
+      </p:sp>
+      <p:sp>
+        <p:nvSpPr>
+          <p:cNvPr id="3" name="Espace réservé de la date 2"/>
+          <p:cNvSpPr>
+            <a:spLocks noGrp="1"/>
+          </p:cNvSpPr>
+          <p:nvPr>
+            <p:ph type="dt" idx="1"/>
+          </p:nvPr>
+        </p:nvSpPr>
+        <p:spPr>
+          <a:xfrm>
+            <a:off x="3884613" y="0"/>
+            <a:ext cx="2971800" cy="458788"/>
+          </a:xfrm>
+          <a:prstGeom prst="rect">
+            <a:avLst/>
+          </a:prstGeom>
+        </p:spPr>
+        <p:txBody>
+          <a:bodyPr vert="horz" lIns="91440" tIns="45720" rIns="91440" bIns="45720" rtlCol="0"/>
+          <a:lstStyle>
+            <a:lvl1pPr algn="r">
+              <a:defRPr sz="1200"/>
+            </a:lvl1pPr>
+          </a:lstStyle>
+          <a:p>
+            <a:fld id="{EBD9B397-7B1E-493E-A9A5-08430B316BBA}" type="datetimeFigureOut">
+              <a:rPr lang="fr-FR" smtClean="0"/>
+              <a:t>17/06/2018</a:t>
+            </a:fld>
+            <a:endParaRPr lang="fr-FR"/>
+          </a:p>
+        </p:txBody>
+      </p:sp>
+      <p:sp>
+        <p:nvSpPr>
+          <p:cNvPr id="4" name="Espace réservé de l'image des diapositives 3"/>
+          <p:cNvSpPr>
+            <a:spLocks noGrp="1" noRot="1" noChangeAspect="1"/>
+          </p:cNvSpPr>
+          <p:nvPr>
+            <p:ph type="sldImg" idx="2"/>
+          </p:nvPr>
+        </p:nvSpPr>
+        <p:spPr>
+          <a:xfrm>
+            <a:off x="685800" y="1143000"/>
+            <a:ext cx="5486400" cy="3086100"/>
+          </a:xfrm>
+          <a:prstGeom prst="rect">
+            <a:avLst/>
+          </a:prstGeom>
+          <a:noFill/>
+          <a:ln w="12700">
+            <a:solidFill>
+              <a:prstClr val="black"/>
+            </a:solidFill>
+          </a:ln>
+        </p:spPr>
+        <p:txBody>
+          <a:bodyPr vert="horz" lIns="91440" tIns="45720" rIns="91440" bIns="45720" rtlCol="0" anchor="ctr"/>
+          <a:lstStyle/>
+          <a:p>
+            <a:endParaRPr lang="fr-FR"/>
+          </a:p>
+        </p:txBody>
+      </p:sp>
+      <p:sp>
+        <p:nvSpPr>
+          <p:cNvPr id="5" name="Espace réservé des notes 4"/>
+          <p:cNvSpPr>
+            <a:spLocks noGrp="1"/>
+          </p:cNvSpPr>
+          <p:nvPr>
+            <p:ph type="body" sz="quarter" idx="3"/>
+          </p:nvPr>
+        </p:nvSpPr>
+        <p:spPr>
+          <a:xfrm>
+            <a:off x="685800" y="4400550"/>
+            <a:ext cx="5486400" cy="3600450"/>
+          </a:xfrm>
+          <a:prstGeom prst="rect">
+            <a:avLst/>
+          </a:prstGeom>
+        </p:spPr>
+        <p:txBody>
+          <a:bodyPr vert="horz" lIns="91440" tIns="45720" rIns="91440" bIns="45720" rtlCol="0"/>
+          <a:lstStyle/>
+          <a:p>
+            <a:pPr lvl="0"/>
+            <a:r>
+              <a:rPr lang="fr-FR" smtClean="0"/>
+              <a:t>Modifier les styles du texte du masque</a:t>
+            </a:r>
+          </a:p>
+          <a:p>
+            <a:pPr lvl="1"/>
+            <a:r>
+              <a:rPr lang="fr-FR" smtClean="0"/>
+              <a:t>Deuxième niveau</a:t>
+            </a:r>
+          </a:p>
+          <a:p>
+            <a:pPr lvl="2"/>
+            <a:r>
+              <a:rPr lang="fr-FR" smtClean="0"/>
+              <a:t>Troisième niveau</a:t>
+            </a:r>
+          </a:p>
+          <a:p>
+            <a:pPr lvl="3"/>
+            <a:r>
+              <a:rPr lang="fr-FR" smtClean="0"/>
+              <a:t>Quatrième niveau</a:t>
+            </a:r>
+          </a:p>
+          <a:p>
+            <a:pPr lvl="4"/>
+            <a:r>
+              <a:rPr lang="fr-FR" smtClean="0"/>
+              <a:t>Cinquième niveau</a:t>
+            </a:r>
+            <a:endParaRPr lang="fr-FR"/>
+          </a:p>
+        </p:txBody>
+      </p:sp>
+      <p:sp>
+        <p:nvSpPr>
+          <p:cNvPr id="6" name="Espace réservé du pied de page 5"/>
+          <p:cNvSpPr>
+            <a:spLocks noGrp="1"/>
+          </p:cNvSpPr>
+          <p:nvPr>
+            <p:ph type="ftr" sz="quarter" idx="4"/>
+          </p:nvPr>
+        </p:nvSpPr>
+        <p:spPr>
+          <a:xfrm>
+            <a:off x="0" y="8685213"/>
+            <a:ext cx="2971800" cy="458787"/>
+          </a:xfrm>
+          <a:prstGeom prst="rect">
+            <a:avLst/>
+          </a:prstGeom>
+        </p:spPr>
+        <p:txBody>
+          <a:bodyPr vert="horz" lIns="91440" tIns="45720" rIns="91440" bIns="45720" rtlCol="0" anchor="b"/>
+          <a:lstStyle>
+            <a:lvl1pPr algn="l">
+              <a:defRPr sz="1200"/>
+            </a:lvl1pPr>
+          </a:lstStyle>
+          <a:p>
+            <a:endParaRPr lang="fr-FR"/>
+          </a:p>
+        </p:txBody>
+      </p:sp>
+      <p:sp>
+        <p:nvSpPr>
+          <p:cNvPr id="7" name="Espace réservé du numéro de diapositive 6"/>
+          <p:cNvSpPr>
+            <a:spLocks noGrp="1"/>
+          </p:cNvSpPr>
+          <p:nvPr>
+            <p:ph type="sldNum" sz="quarter" idx="5"/>
+          </p:nvPr>
+        </p:nvSpPr>
+        <p:spPr>
+          <a:xfrm>
+            <a:off x="3884613" y="8685213"/>
+            <a:ext cx="2971800" cy="458787"/>
+          </a:xfrm>
+          <a:prstGeom prst="rect">
+            <a:avLst/>
+          </a:prstGeom>
+        </p:spPr>
+        <p:txBody>
+          <a:bodyPr vert="horz" lIns="91440" tIns="45720" rIns="91440" bIns="45720" rtlCol="0" anchor="b"/>
+          <a:lstStyle>
+            <a:lvl1pPr algn="r">
+              <a:defRPr sz="1200"/>
+            </a:lvl1pPr>
+          </a:lstStyle>
+          <a:p>
+            <a:fld id="{92D32172-770D-47A7-82FE-47F9C903DCBE}" type="slidenum">
+              <a:rPr lang="fr-FR" smtClean="0"/>
+              <a:t>‹N°›</a:t>
+            </a:fld>
+            <a:endParaRPr lang="fr-FR"/>
+          </a:p>
+        </p:txBody>
+      </p:sp>
+    </p:spTree>
+    <p:extLst>
+      <p:ext uri="{BB962C8B-B14F-4D97-AF65-F5344CB8AC3E}">
+        <p14:creationId xmlns:p14="http://schemas.microsoft.com/office/powerpoint/2010/main" val="4215649661"/>
+      </p:ext>
+    </p:extLst>
+  </p:cSld>
+  <p:clrMap bg1="lt1" tx1="dk1" bg2="lt2" tx2="dk2" accent1="accent1" accent2="accent2" accent3="accent3" accent4="accent4" accent5="accent5" accent6="accent6" hlink="hlink" folHlink="folHlink"/>
+  <p:notesStyle>
+    <a:lvl1pPr marL="0" algn="l" defTabSz="914400" rtl="0" eaLnBrk="1" latinLnBrk="0" hangingPunct="1">
+      <a:defRPr sz="1200" kern="1200">
+        <a:solidFill>
+          <a:schemeClr val="tx1"/>
+        </a:solidFill>
+        <a:latin typeface="+mn-lt"/>
+        <a:ea typeface="+mn-ea"/>
+        <a:cs typeface="+mn-cs"/>
+      </a:defRPr>
+    </a:lvl1pPr>
+    <a:lvl2pPr marL="457200" algn="l" defTabSz="914400" rtl="0" eaLnBrk="1" latinLnBrk="0" hangingPunct="1">
+      <a:defRPr sz="1200" kern="1200">
+        <a:solidFill>
+          <a:schemeClr val="tx1"/>
+        </a:solidFill>
+        <a:latin typeface="+mn-lt"/>
+        <a:ea typeface="+mn-ea"/>
+        <a:cs typeface="+mn-cs"/>
+      </a:defRPr>
+    </a:lvl2pPr>
+    <a:lvl3pPr marL="914400" algn="l" defTabSz="914400" rtl="0" eaLnBrk="1" latinLnBrk="0" hangingPunct="1">
+      <a:defRPr sz="1200" kern="1200">
+        <a:solidFill>
+          <a:schemeClr val="tx1"/>
+        </a:solidFill>
+        <a:latin typeface="+mn-lt"/>
+        <a:ea typeface="+mn-ea"/>
+        <a:cs typeface="+mn-cs"/>
+      </a:defRPr>
+    </a:lvl3pPr>
+    <a:lvl4pPr marL="1371600" algn="l" defTabSz="914400" rtl="0" eaLnBrk="1" latinLnBrk="0" hangingPunct="1">
+      <a:defRPr sz="1200" kern="1200">
+        <a:solidFill>
+          <a:schemeClr val="tx1"/>
+        </a:solidFill>
+        <a:latin typeface="+mn-lt"/>
+        <a:ea typeface="+mn-ea"/>
+        <a:cs typeface="+mn-cs"/>
+      </a:defRPr>
+    </a:lvl4pPr>
+    <a:lvl5pPr marL="1828800" algn="l" defTabSz="914400" rtl="0" eaLnBrk="1" latinLnBrk="0" hangingPunct="1">
+      <a:defRPr sz="1200" kern="1200">
+        <a:solidFill>
+          <a:schemeClr val="tx1"/>
+        </a:solidFill>
+        <a:latin typeface="+mn-lt"/>
+        <a:ea typeface="+mn-ea"/>
+        <a:cs typeface="+mn-cs"/>
+      </a:defRPr>
+    </a:lvl5pPr>
+    <a:lvl6pPr marL="2286000" algn="l" defTabSz="914400" rtl="0" eaLnBrk="1" latinLnBrk="0" hangingPunct="1">
+      <a:defRPr sz="1200" kern="1200">
+        <a:solidFill>
+          <a:schemeClr val="tx1"/>
+        </a:solidFill>
+        <a:latin typeface="+mn-lt"/>
+        <a:ea typeface="+mn-ea"/>
+        <a:cs typeface="+mn-cs"/>
+      </a:defRPr>
+    </a:lvl6pPr>
+    <a:lvl7pPr marL="2743200" algn="l" defTabSz="914400" rtl="0" eaLnBrk="1" latinLnBrk="0" hangingPunct="1">
+      <a:defRPr sz="1200" kern="1200">
+        <a:solidFill>
+          <a:schemeClr val="tx1"/>
+        </a:solidFill>
+        <a:latin typeface="+mn-lt"/>
+        <a:ea typeface="+mn-ea"/>
+        <a:cs typeface="+mn-cs"/>
+      </a:defRPr>
+    </a:lvl7pPr>
+    <a:lvl8pPr marL="3200400" algn="l" defTabSz="914400" rtl="0" eaLnBrk="1" latinLnBrk="0" hangingPunct="1">
+      <a:defRPr sz="1200" kern="1200">
+        <a:solidFill>
+          <a:schemeClr val="tx1"/>
+        </a:solidFill>
+        <a:latin typeface="+mn-lt"/>
+        <a:ea typeface="+mn-ea"/>
+        <a:cs typeface="+mn-cs"/>
+      </a:defRPr>
+    </a:lvl8pPr>
+    <a:lvl9pPr marL="3657600" algn="l" defTabSz="914400" rtl="0" eaLnBrk="1" latinLnBrk="0" hangingPunct="1">
+      <a:defRPr sz="1200" kern="1200">
+        <a:solidFill>
+          <a:schemeClr val="tx1"/>
+        </a:solidFill>
+        <a:latin typeface="+mn-lt"/>
+        <a:ea typeface="+mn-ea"/>
+        <a:cs typeface="+mn-cs"/>
+      </a:defRPr>
+    </a:lvl9pPr>
+  </p:notesStyle>
+</p:notesMaster>
+</file>
+
+<file path=ppt/notesSlides/notesSlide1.xml><?xml version="1.0" encoding="utf-8"?>
+<p:notes xmlns:a="http://schemas.openxmlformats.org/drawingml/2006/main" xmlns:r="http://schemas.openxmlformats.org/officeDocument/2006/relationships" xmlns:p="http://schemas.openxmlformats.org/presentationml/2006/main">
+  <p:cSld>
+    <p:spTree>
+      <p:nvGrpSpPr>
+        <p:cNvPr id="1" name=""/>
+        <p:cNvGrpSpPr/>
+        <p:nvPr/>
+      </p:nvGrpSpPr>
+      <p:grpSpPr>
+        <a:xfrm>
+          <a:off x="0" y="0"/>
+          <a:ext cx="0" cy="0"/>
+          <a:chOff x="0" y="0"/>
+          <a:chExt cx="0" cy="0"/>
+        </a:xfrm>
+      </p:grpSpPr>
+      <p:sp>
+        <p:nvSpPr>
+          <p:cNvPr id="2" name="Espace réservé de l'image des diapositives 1"/>
+          <p:cNvSpPr>
+            <a:spLocks noGrp="1" noRot="1" noChangeAspect="1"/>
+          </p:cNvSpPr>
+          <p:nvPr>
+            <p:ph type="sldImg"/>
+          </p:nvPr>
+        </p:nvSpPr>
+        <p:spPr/>
+      </p:sp>
+      <p:sp>
+        <p:nvSpPr>
+          <p:cNvPr id="3" name="Espace réservé des notes 2"/>
+          <p:cNvSpPr>
+            <a:spLocks noGrp="1"/>
+          </p:cNvSpPr>
+          <p:nvPr>
+            <p:ph type="body" idx="1"/>
+          </p:nvPr>
+        </p:nvSpPr>
+        <p:spPr/>
+        <p:txBody>
+          <a:bodyPr/>
+          <a:lstStyle/>
+          <a:p>
+            <a:endParaRPr lang="fr-FR" dirty="0"/>
+          </a:p>
+        </p:txBody>
+      </p:sp>
+      <p:sp>
+        <p:nvSpPr>
+          <p:cNvPr id="4" name="Espace réservé du numéro de diapositive 3"/>
+          <p:cNvSpPr>
+            <a:spLocks noGrp="1"/>
+          </p:cNvSpPr>
+          <p:nvPr>
+            <p:ph type="sldNum" sz="quarter" idx="10"/>
+          </p:nvPr>
+        </p:nvSpPr>
+        <p:spPr/>
+        <p:txBody>
+          <a:bodyPr/>
+          <a:lstStyle/>
+          <a:p>
+            <a:fld id="{92D32172-770D-47A7-82FE-47F9C903DCBE}" type="slidenum">
+              <a:rPr lang="fr-FR" smtClean="0"/>
+              <a:t>14</a:t>
+            </a:fld>
+            <a:endParaRPr lang="fr-FR"/>
+          </a:p>
+        </p:txBody>
+      </p:sp>
+    </p:spTree>
+    <p:extLst>
+      <p:ext uri="{BB962C8B-B14F-4D97-AF65-F5344CB8AC3E}">
+        <p14:creationId xmlns:p14="http://schemas.microsoft.com/office/powerpoint/2010/main" val="243779363"/>
+      </p:ext>
+    </p:extLst>
+  </p:cSld>
+  <p:clrMapOvr>
+    <a:masterClrMapping/>
+  </p:clrMapOvr>
+</p:notes>
+</file>
+
 <file path=ppt/slideLayouts/slideLayout1.xml><?xml version="1.0" encoding="utf-8"?>
 <p:sldLayout xmlns:a="http://schemas.openxmlformats.org/drawingml/2006/main" xmlns:r="http://schemas.openxmlformats.org/officeDocument/2006/relationships" xmlns:p="http://schemas.openxmlformats.org/presentationml/2006/main" type="title" preserve="1">
   <p:cSld name="Diapositive de titre">
@@ -251,7 +697,7 @@
           <a:p>
             <a:fld id="{EBF2BB3E-5D50-4F04-8F1B-6C2E8367B5FD}" type="datetimeFigureOut">
               <a:rPr lang="fr-FR" smtClean="0"/>
-              <a:t>16/06/2018</a:t>
+              <a:t>17/06/2018</a:t>
             </a:fld>
             <a:endParaRPr lang="fr-FR"/>
           </a:p>
@@ -421,7 +867,7 @@
           <a:p>
             <a:fld id="{EBF2BB3E-5D50-4F04-8F1B-6C2E8367B5FD}" type="datetimeFigureOut">
               <a:rPr lang="fr-FR" smtClean="0"/>
-              <a:t>16/06/2018</a:t>
+              <a:t>17/06/2018</a:t>
             </a:fld>
             <a:endParaRPr lang="fr-FR"/>
           </a:p>
@@ -601,7 +1047,7 @@
           <a:p>
             <a:fld id="{EBF2BB3E-5D50-4F04-8F1B-6C2E8367B5FD}" type="datetimeFigureOut">
               <a:rPr lang="fr-FR" smtClean="0"/>
-              <a:t>16/06/2018</a:t>
+              <a:t>17/06/2018</a:t>
             </a:fld>
             <a:endParaRPr lang="fr-FR"/>
           </a:p>
@@ -771,7 +1217,7 @@
           <a:p>
             <a:fld id="{EBF2BB3E-5D50-4F04-8F1B-6C2E8367B5FD}" type="datetimeFigureOut">
               <a:rPr lang="fr-FR" smtClean="0"/>
-              <a:t>16/06/2018</a:t>
+              <a:t>17/06/2018</a:t>
             </a:fld>
             <a:endParaRPr lang="fr-FR"/>
           </a:p>
@@ -1017,7 +1463,7 @@
           <a:p>
             <a:fld id="{EBF2BB3E-5D50-4F04-8F1B-6C2E8367B5FD}" type="datetimeFigureOut">
               <a:rPr lang="fr-FR" smtClean="0"/>
-              <a:t>16/06/2018</a:t>
+              <a:t>17/06/2018</a:t>
             </a:fld>
             <a:endParaRPr lang="fr-FR"/>
           </a:p>
@@ -1249,7 +1695,7 @@
           <a:p>
             <a:fld id="{EBF2BB3E-5D50-4F04-8F1B-6C2E8367B5FD}" type="datetimeFigureOut">
               <a:rPr lang="fr-FR" smtClean="0"/>
-              <a:t>16/06/2018</a:t>
+              <a:t>17/06/2018</a:t>
             </a:fld>
             <a:endParaRPr lang="fr-FR"/>
           </a:p>
@@ -1616,7 +2062,7 @@
           <a:p>
             <a:fld id="{EBF2BB3E-5D50-4F04-8F1B-6C2E8367B5FD}" type="datetimeFigureOut">
               <a:rPr lang="fr-FR" smtClean="0"/>
-              <a:t>16/06/2018</a:t>
+              <a:t>17/06/2018</a:t>
             </a:fld>
             <a:endParaRPr lang="fr-FR"/>
           </a:p>
@@ -1734,7 +2180,7 @@
           <a:p>
             <a:fld id="{EBF2BB3E-5D50-4F04-8F1B-6C2E8367B5FD}" type="datetimeFigureOut">
               <a:rPr lang="fr-FR" smtClean="0"/>
-              <a:t>16/06/2018</a:t>
+              <a:t>17/06/2018</a:t>
             </a:fld>
             <a:endParaRPr lang="fr-FR"/>
           </a:p>
@@ -1829,7 +2275,7 @@
           <a:p>
             <a:fld id="{EBF2BB3E-5D50-4F04-8F1B-6C2E8367B5FD}" type="datetimeFigureOut">
               <a:rPr lang="fr-FR" smtClean="0"/>
-              <a:t>16/06/2018</a:t>
+              <a:t>17/06/2018</a:t>
             </a:fld>
             <a:endParaRPr lang="fr-FR"/>
           </a:p>
@@ -2106,7 +2552,7 @@
           <a:p>
             <a:fld id="{EBF2BB3E-5D50-4F04-8F1B-6C2E8367B5FD}" type="datetimeFigureOut">
               <a:rPr lang="fr-FR" smtClean="0"/>
-              <a:t>16/06/2018</a:t>
+              <a:t>17/06/2018</a:t>
             </a:fld>
             <a:endParaRPr lang="fr-FR"/>
           </a:p>
@@ -2359,7 +2805,7 @@
           <a:p>
             <a:fld id="{EBF2BB3E-5D50-4F04-8F1B-6C2E8367B5FD}" type="datetimeFigureOut">
               <a:rPr lang="fr-FR" smtClean="0"/>
-              <a:t>16/06/2018</a:t>
+              <a:t>17/06/2018</a:t>
             </a:fld>
             <a:endParaRPr lang="fr-FR"/>
           </a:p>
@@ -2572,7 +3018,7 @@
           <a:p>
             <a:fld id="{EBF2BB3E-5D50-4F04-8F1B-6C2E8367B5FD}" type="datetimeFigureOut">
               <a:rPr lang="fr-FR" smtClean="0"/>
-              <a:t>16/06/2018</a:t>
+              <a:t>17/06/2018</a:t>
             </a:fld>
             <a:endParaRPr lang="fr-FR"/>
           </a:p>
@@ -3053,6 +3499,3100 @@
   <p:clrMapOvr>
     <a:masterClrMapping/>
   </p:clrMapOvr>
+  <p:timing>
+    <p:tnLst>
+      <p:par>
+        <p:cTn id="1" dur="indefinite" restart="never" nodeType="tmRoot"/>
+      </p:par>
+    </p:tnLst>
+  </p:timing>
+</p:sld>
+</file>
+
+<file path=ppt/slides/slide10.xml><?xml version="1.0" encoding="utf-8"?>
+<p:sld xmlns:a="http://schemas.openxmlformats.org/drawingml/2006/main" xmlns:r="http://schemas.openxmlformats.org/officeDocument/2006/relationships" xmlns:p="http://schemas.openxmlformats.org/presentationml/2006/main">
+  <p:cSld>
+    <p:spTree>
+      <p:nvGrpSpPr>
+        <p:cNvPr id="1" name=""/>
+        <p:cNvGrpSpPr/>
+        <p:nvPr/>
+      </p:nvGrpSpPr>
+      <p:grpSpPr>
+        <a:xfrm>
+          <a:off x="0" y="0"/>
+          <a:ext cx="0" cy="0"/>
+          <a:chOff x="0" y="0"/>
+          <a:chExt cx="0" cy="0"/>
+        </a:xfrm>
+      </p:grpSpPr>
+      <p:sp>
+        <p:nvSpPr>
+          <p:cNvPr id="2" name="Titre 1"/>
+          <p:cNvSpPr>
+            <a:spLocks noGrp="1"/>
+          </p:cNvSpPr>
+          <p:nvPr>
+            <p:ph type="title"/>
+          </p:nvPr>
+        </p:nvSpPr>
+        <p:spPr/>
+        <p:txBody>
+          <a:bodyPr/>
+          <a:lstStyle/>
+          <a:p>
+            <a:r>
+              <a:rPr lang="fr-FR" dirty="0" err="1" smtClean="0"/>
+              <a:t>Example</a:t>
+            </a:r>
+            <a:r>
+              <a:rPr lang="fr-FR" dirty="0" smtClean="0"/>
+              <a:t> 1</a:t>
+            </a:r>
+            <a:endParaRPr lang="fr-FR" dirty="0"/>
+          </a:p>
+        </p:txBody>
+      </p:sp>
+      <p:pic>
+        <p:nvPicPr>
+          <p:cNvPr id="7" name="Espace réservé du contenu 3"/>
+          <p:cNvPicPr>
+            <a:picLocks noChangeAspect="1"/>
+          </p:cNvPicPr>
+          <p:nvPr/>
+        </p:nvPicPr>
+        <p:blipFill rotWithShape="1">
+          <a:blip r:embed="rId2"/>
+          <a:srcRect r="43905" b="8304"/>
+          <a:stretch/>
+        </p:blipFill>
+        <p:spPr>
+          <a:xfrm>
+            <a:off x="8036859" y="365125"/>
+            <a:ext cx="3316941" cy="6215977"/>
+          </a:xfrm>
+          <a:prstGeom prst="rect">
+            <a:avLst/>
+          </a:prstGeom>
+        </p:spPr>
+      </p:pic>
+      <p:sp>
+        <p:nvSpPr>
+          <p:cNvPr id="8" name="ZoneTexte 7"/>
+          <p:cNvSpPr txBox="1"/>
+          <p:nvPr/>
+        </p:nvSpPr>
+        <p:spPr>
+          <a:xfrm>
+            <a:off x="838199" y="1542472"/>
+            <a:ext cx="6190673" cy="646331"/>
+          </a:xfrm>
+          <a:prstGeom prst="rect">
+            <a:avLst/>
+          </a:prstGeom>
+          <a:noFill/>
+        </p:spPr>
+        <p:txBody>
+          <a:bodyPr wrap="square" rtlCol="0">
+            <a:spAutoFit/>
+          </a:bodyPr>
+          <a:lstStyle/>
+          <a:p>
+            <a:r>
+              <a:rPr lang="fr-FR" dirty="0" err="1" smtClean="0"/>
+              <a:t>Let’s</a:t>
+            </a:r>
+            <a:r>
+              <a:rPr lang="fr-FR" dirty="0" smtClean="0"/>
+              <a:t> </a:t>
+            </a:r>
+            <a:r>
+              <a:rPr lang="fr-FR" dirty="0" err="1" smtClean="0"/>
+              <a:t>see</a:t>
+            </a:r>
+            <a:r>
+              <a:rPr lang="fr-FR" dirty="0" smtClean="0"/>
+              <a:t> if </a:t>
+            </a:r>
+            <a:r>
+              <a:rPr lang="fr-FR" dirty="0" err="1" smtClean="0"/>
+              <a:t>we</a:t>
+            </a:r>
+            <a:r>
+              <a:rPr lang="fr-FR" dirty="0" smtClean="0"/>
+              <a:t> </a:t>
+            </a:r>
+            <a:r>
+              <a:rPr lang="fr-FR" dirty="0" err="1" smtClean="0"/>
+              <a:t>can</a:t>
+            </a:r>
+            <a:r>
+              <a:rPr lang="fr-FR" dirty="0" smtClean="0"/>
+              <a:t> </a:t>
+            </a:r>
+            <a:r>
+              <a:rPr lang="fr-FR" dirty="0" err="1" smtClean="0"/>
+              <a:t>find</a:t>
+            </a:r>
+            <a:r>
+              <a:rPr lang="fr-FR" dirty="0" smtClean="0"/>
+              <a:t> </a:t>
+            </a:r>
+            <a:r>
+              <a:rPr lang="fr-FR" dirty="0" err="1" smtClean="0"/>
+              <a:t>this</a:t>
+            </a:r>
+            <a:r>
+              <a:rPr lang="fr-FR" dirty="0" smtClean="0"/>
+              <a:t> </a:t>
+            </a:r>
+            <a:r>
+              <a:rPr lang="fr-FR" dirty="0" err="1" smtClean="0"/>
+              <a:t>strengthened</a:t>
+            </a:r>
+            <a:r>
+              <a:rPr lang="fr-FR" dirty="0" smtClean="0"/>
+              <a:t> invariant </a:t>
+            </a:r>
+            <a:r>
+              <a:rPr lang="fr-FR" dirty="0" err="1" smtClean="0"/>
+              <a:t>with</a:t>
+            </a:r>
+            <a:r>
+              <a:rPr lang="fr-FR" dirty="0" smtClean="0"/>
+              <a:t> naïve </a:t>
+            </a:r>
+            <a:r>
+              <a:rPr lang="fr-FR" dirty="0" err="1" smtClean="0"/>
+              <a:t>counterexample</a:t>
+            </a:r>
+            <a:r>
+              <a:rPr lang="fr-FR" dirty="0" smtClean="0"/>
+              <a:t> </a:t>
+            </a:r>
+            <a:r>
+              <a:rPr lang="fr-FR" dirty="0" err="1" smtClean="0"/>
+              <a:t>generalization</a:t>
+            </a:r>
+            <a:r>
+              <a:rPr lang="fr-FR" dirty="0" smtClean="0"/>
+              <a:t>.</a:t>
+            </a:r>
+            <a:endParaRPr lang="fr-FR" dirty="0"/>
+          </a:p>
+        </p:txBody>
+      </p:sp>
+      <p:sp>
+        <p:nvSpPr>
+          <p:cNvPr id="9" name="ZoneTexte 8"/>
+          <p:cNvSpPr txBox="1"/>
+          <p:nvPr/>
+        </p:nvSpPr>
+        <p:spPr>
+          <a:xfrm>
+            <a:off x="838199" y="2590129"/>
+            <a:ext cx="6079837" cy="3693319"/>
+          </a:xfrm>
+          <a:prstGeom prst="rect">
+            <a:avLst/>
+          </a:prstGeom>
+          <a:noFill/>
+        </p:spPr>
+        <p:txBody>
+          <a:bodyPr wrap="square" rtlCol="0">
+            <a:spAutoFit/>
+          </a:bodyPr>
+          <a:lstStyle/>
+          <a:p>
+            <a:r>
+              <a:rPr lang="fr-FR" dirty="0" smtClean="0"/>
+              <a:t>A first </a:t>
+            </a:r>
+            <a:r>
+              <a:rPr lang="fr-FR" dirty="0" err="1" smtClean="0"/>
+              <a:t>counterexample</a:t>
+            </a:r>
+            <a:r>
+              <a:rPr lang="fr-FR" dirty="0" smtClean="0"/>
+              <a:t> </a:t>
+            </a:r>
+            <a:r>
+              <a:rPr lang="fr-FR" dirty="0" err="1" smtClean="0"/>
+              <a:t>can</a:t>
+            </a:r>
+            <a:r>
+              <a:rPr lang="fr-FR" dirty="0" smtClean="0"/>
+              <a:t> </a:t>
+            </a:r>
+            <a:r>
+              <a:rPr lang="fr-FR" dirty="0" err="1" smtClean="0"/>
+              <a:t>be</a:t>
+            </a:r>
+            <a:r>
+              <a:rPr lang="fr-FR" dirty="0" smtClean="0"/>
+              <a:t> </a:t>
+            </a:r>
+            <a:r>
+              <a:rPr lang="fr-FR" dirty="0" err="1" smtClean="0"/>
+              <a:t>automatically</a:t>
+            </a:r>
+            <a:r>
+              <a:rPr lang="fr-FR" dirty="0" smtClean="0"/>
+              <a:t> </a:t>
+            </a:r>
+            <a:r>
+              <a:rPr lang="fr-FR" dirty="0" err="1" smtClean="0"/>
+              <a:t>found</a:t>
+            </a:r>
+            <a:r>
+              <a:rPr lang="fr-FR" dirty="0" smtClean="0"/>
+              <a:t>:</a:t>
+            </a:r>
+          </a:p>
+          <a:p>
+            <a:endParaRPr lang="fr-FR" dirty="0" smtClean="0"/>
+          </a:p>
+          <a:p>
+            <a:r>
+              <a:rPr lang="fr-FR" dirty="0" smtClean="0"/>
+              <a:t>Initial </a:t>
+            </a:r>
+            <a:r>
+              <a:rPr lang="fr-FR" dirty="0" err="1" smtClean="0"/>
+              <a:t>environment</a:t>
+            </a:r>
+            <a:r>
+              <a:rPr lang="fr-FR" dirty="0" smtClean="0"/>
+              <a:t>:</a:t>
+            </a:r>
+            <a:r>
+              <a:rPr lang="fr-FR" dirty="0"/>
+              <a:t/>
+            </a:r>
+            <a:br>
+              <a:rPr lang="fr-FR" dirty="0"/>
+            </a:br>
+            <a:r>
+              <a:rPr lang="fr-FR" dirty="0" smtClean="0"/>
+              <a:t>(</a:t>
+            </a:r>
+            <a:r>
+              <a:rPr lang="fr-FR" dirty="0" err="1" smtClean="0"/>
+              <a:t>inequalities</a:t>
+            </a:r>
+            <a:r>
+              <a:rPr lang="fr-FR" dirty="0" smtClean="0"/>
+              <a:t> over </a:t>
+            </a:r>
+            <a:r>
+              <a:rPr lang="fr-FR" dirty="0" err="1" smtClean="0"/>
+              <a:t>concrete</a:t>
+            </a:r>
+            <a:r>
+              <a:rPr lang="fr-FR" dirty="0" smtClean="0"/>
+              <a:t> values are not </a:t>
+            </a:r>
+            <a:r>
+              <a:rPr lang="fr-FR" dirty="0" err="1" smtClean="0"/>
+              <a:t>shown</a:t>
+            </a:r>
+            <a:r>
+              <a:rPr lang="fr-FR" dirty="0" smtClean="0"/>
+              <a:t>)</a:t>
+            </a:r>
+          </a:p>
+          <a:p>
+            <a:endParaRPr lang="fr-FR" dirty="0"/>
+          </a:p>
+          <a:p>
+            <a:r>
+              <a:rPr lang="fr-FR" dirty="0" smtClean="0"/>
+              <a:t>elt1=2</a:t>
+            </a:r>
+          </a:p>
+          <a:p>
+            <a:r>
+              <a:rPr lang="fr-FR" dirty="0" smtClean="0"/>
+              <a:t>elt2=1</a:t>
+            </a:r>
+          </a:p>
+          <a:p>
+            <a:r>
+              <a:rPr lang="fr-FR" dirty="0"/>
+              <a:t>f</a:t>
+            </a:r>
+            <a:r>
+              <a:rPr lang="fr-FR" dirty="0" smtClean="0"/>
+              <a:t>(0)=1</a:t>
+            </a:r>
+            <a:br>
+              <a:rPr lang="fr-FR" dirty="0" smtClean="0"/>
+            </a:br>
+            <a:r>
+              <a:rPr lang="fr-FR" dirty="0" smtClean="0"/>
+              <a:t>f(1)=1</a:t>
+            </a:r>
+            <a:br>
+              <a:rPr lang="fr-FR" dirty="0" smtClean="0"/>
+            </a:br>
+            <a:r>
+              <a:rPr lang="fr-FR" dirty="0" smtClean="0"/>
+              <a:t>f(2)=0</a:t>
+            </a:r>
+          </a:p>
+          <a:p>
+            <a:endParaRPr lang="fr-FR" dirty="0" smtClean="0"/>
+          </a:p>
+          <a:p>
+            <a:r>
+              <a:rPr lang="fr-FR" dirty="0" err="1" smtClean="0"/>
+              <a:t>After</a:t>
+            </a:r>
+            <a:r>
+              <a:rPr lang="fr-FR" dirty="0" smtClean="0"/>
+              <a:t> </a:t>
+            </a:r>
+            <a:r>
+              <a:rPr lang="fr-FR" dirty="0" err="1" smtClean="0"/>
+              <a:t>executing</a:t>
+            </a:r>
+            <a:r>
+              <a:rPr lang="fr-FR" dirty="0" smtClean="0"/>
+              <a:t> change_elt1(0),</a:t>
+            </a:r>
+            <a:br>
+              <a:rPr lang="fr-FR" dirty="0" smtClean="0"/>
+            </a:br>
+            <a:r>
+              <a:rPr lang="fr-FR" dirty="0" smtClean="0"/>
+              <a:t>f(elt1)=f(0)=1=f(1)=f(elt2)                   (the invariant </a:t>
+            </a:r>
+            <a:r>
+              <a:rPr lang="fr-FR" dirty="0" err="1" smtClean="0"/>
+              <a:t>is</a:t>
+            </a:r>
+            <a:r>
+              <a:rPr lang="fr-FR" dirty="0" smtClean="0"/>
+              <a:t> </a:t>
+            </a:r>
+            <a:r>
+              <a:rPr lang="fr-FR" dirty="0" err="1" smtClean="0"/>
+              <a:t>broken</a:t>
+            </a:r>
+            <a:r>
+              <a:rPr lang="fr-FR" dirty="0" smtClean="0"/>
+              <a:t>)</a:t>
+            </a:r>
+          </a:p>
+        </p:txBody>
+      </p:sp>
+    </p:spTree>
+    <p:extLst>
+      <p:ext uri="{BB962C8B-B14F-4D97-AF65-F5344CB8AC3E}">
+        <p14:creationId xmlns:p14="http://schemas.microsoft.com/office/powerpoint/2010/main" val="3665634295"/>
+      </p:ext>
+    </p:extLst>
+  </p:cSld>
+  <p:clrMapOvr>
+    <a:masterClrMapping/>
+  </p:clrMapOvr>
+  <p:timing>
+    <p:tnLst>
+      <p:par>
+        <p:cTn id="1" dur="indefinite" restart="never" nodeType="tmRoot"/>
+      </p:par>
+    </p:tnLst>
+  </p:timing>
+</p:sld>
+</file>
+
+<file path=ppt/slides/slide11.xml><?xml version="1.0" encoding="utf-8"?>
+<p:sld xmlns:a="http://schemas.openxmlformats.org/drawingml/2006/main" xmlns:r="http://schemas.openxmlformats.org/officeDocument/2006/relationships" xmlns:p="http://schemas.openxmlformats.org/presentationml/2006/main">
+  <p:cSld>
+    <p:spTree>
+      <p:nvGrpSpPr>
+        <p:cNvPr id="1" name=""/>
+        <p:cNvGrpSpPr/>
+        <p:nvPr/>
+      </p:nvGrpSpPr>
+      <p:grpSpPr>
+        <a:xfrm>
+          <a:off x="0" y="0"/>
+          <a:ext cx="0" cy="0"/>
+          <a:chOff x="0" y="0"/>
+          <a:chExt cx="0" cy="0"/>
+        </a:xfrm>
+      </p:grpSpPr>
+      <p:sp>
+        <p:nvSpPr>
+          <p:cNvPr id="2" name="Titre 1"/>
+          <p:cNvSpPr>
+            <a:spLocks noGrp="1"/>
+          </p:cNvSpPr>
+          <p:nvPr>
+            <p:ph type="title"/>
+          </p:nvPr>
+        </p:nvSpPr>
+        <p:spPr/>
+        <p:txBody>
+          <a:bodyPr/>
+          <a:lstStyle/>
+          <a:p>
+            <a:r>
+              <a:rPr lang="fr-FR" dirty="0" err="1" smtClean="0"/>
+              <a:t>Example</a:t>
+            </a:r>
+            <a:r>
+              <a:rPr lang="fr-FR" dirty="0" smtClean="0"/>
+              <a:t> 1</a:t>
+            </a:r>
+            <a:endParaRPr lang="fr-FR" dirty="0"/>
+          </a:p>
+        </p:txBody>
+      </p:sp>
+      <p:pic>
+        <p:nvPicPr>
+          <p:cNvPr id="7" name="Espace réservé du contenu 3"/>
+          <p:cNvPicPr>
+            <a:picLocks noChangeAspect="1"/>
+          </p:cNvPicPr>
+          <p:nvPr/>
+        </p:nvPicPr>
+        <p:blipFill rotWithShape="1">
+          <a:blip r:embed="rId2"/>
+          <a:srcRect r="43905" b="8304"/>
+          <a:stretch/>
+        </p:blipFill>
+        <p:spPr>
+          <a:xfrm>
+            <a:off x="8036859" y="365125"/>
+            <a:ext cx="3316941" cy="6215977"/>
+          </a:xfrm>
+          <a:prstGeom prst="rect">
+            <a:avLst/>
+          </a:prstGeom>
+        </p:spPr>
+      </p:pic>
+      <p:sp>
+        <p:nvSpPr>
+          <p:cNvPr id="9" name="ZoneTexte 8"/>
+          <p:cNvSpPr txBox="1"/>
+          <p:nvPr/>
+        </p:nvSpPr>
+        <p:spPr>
+          <a:xfrm>
+            <a:off x="1259542" y="2405363"/>
+            <a:ext cx="1376082" cy="1477328"/>
+          </a:xfrm>
+          <a:prstGeom prst="rect">
+            <a:avLst/>
+          </a:prstGeom>
+          <a:noFill/>
+        </p:spPr>
+        <p:txBody>
+          <a:bodyPr wrap="square" rtlCol="0">
+            <a:spAutoFit/>
+          </a:bodyPr>
+          <a:lstStyle/>
+          <a:p>
+            <a:r>
+              <a:rPr lang="fr-FR" dirty="0" smtClean="0"/>
+              <a:t>elt1=2</a:t>
+            </a:r>
+          </a:p>
+          <a:p>
+            <a:r>
+              <a:rPr lang="fr-FR" dirty="0" smtClean="0"/>
+              <a:t>elt2=1</a:t>
+            </a:r>
+          </a:p>
+          <a:p>
+            <a:r>
+              <a:rPr lang="fr-FR" dirty="0"/>
+              <a:t>f</a:t>
+            </a:r>
+            <a:r>
+              <a:rPr lang="fr-FR" dirty="0" smtClean="0"/>
+              <a:t>(0)=1</a:t>
+            </a:r>
+            <a:br>
+              <a:rPr lang="fr-FR" dirty="0" smtClean="0"/>
+            </a:br>
+            <a:r>
+              <a:rPr lang="fr-FR" dirty="0" smtClean="0"/>
+              <a:t>f(1)=1</a:t>
+            </a:r>
+            <a:br>
+              <a:rPr lang="fr-FR" dirty="0" smtClean="0"/>
+            </a:br>
+            <a:r>
+              <a:rPr lang="fr-FR" dirty="0" smtClean="0"/>
+              <a:t>f(2)=0</a:t>
+            </a:r>
+          </a:p>
+        </p:txBody>
+      </p:sp>
+      <p:cxnSp>
+        <p:nvCxnSpPr>
+          <p:cNvPr id="4" name="Connecteur droit avec flèche 3"/>
+          <p:cNvCxnSpPr/>
+          <p:nvPr/>
+        </p:nvCxnSpPr>
+        <p:spPr>
+          <a:xfrm>
+            <a:off x="2335306" y="3122756"/>
+            <a:ext cx="600635" cy="3299"/>
+          </a:xfrm>
+          <a:prstGeom prst="straightConnector1">
+            <a:avLst/>
+          </a:prstGeom>
+          <a:ln>
+            <a:tailEnd type="triangle"/>
+          </a:ln>
+        </p:spPr>
+        <p:style>
+          <a:lnRef idx="1">
+            <a:schemeClr val="accent1"/>
+          </a:lnRef>
+          <a:fillRef idx="0">
+            <a:schemeClr val="accent1"/>
+          </a:fillRef>
+          <a:effectRef idx="0">
+            <a:schemeClr val="accent1"/>
+          </a:effectRef>
+          <a:fontRef idx="minor">
+            <a:schemeClr val="tx1"/>
+          </a:fontRef>
+        </p:style>
+      </p:cxnSp>
+      <p:sp>
+        <p:nvSpPr>
+          <p:cNvPr id="10" name="ZoneTexte 9"/>
+          <p:cNvSpPr txBox="1"/>
+          <p:nvPr/>
+        </p:nvSpPr>
+        <p:spPr>
+          <a:xfrm>
+            <a:off x="3236259" y="2405363"/>
+            <a:ext cx="905435" cy="1477328"/>
+          </a:xfrm>
+          <a:prstGeom prst="rect">
+            <a:avLst/>
+          </a:prstGeom>
+          <a:noFill/>
+        </p:spPr>
+        <p:txBody>
+          <a:bodyPr wrap="square" rtlCol="0">
+            <a:spAutoFit/>
+          </a:bodyPr>
+          <a:lstStyle/>
+          <a:p>
+            <a:r>
+              <a:rPr lang="fr-FR" dirty="0" smtClean="0"/>
+              <a:t>elt1=C</a:t>
+            </a:r>
+          </a:p>
+          <a:p>
+            <a:r>
+              <a:rPr lang="fr-FR" dirty="0" smtClean="0"/>
+              <a:t>elt2=B</a:t>
+            </a:r>
+          </a:p>
+          <a:p>
+            <a:r>
+              <a:rPr lang="fr-FR" dirty="0" smtClean="0"/>
+              <a:t>f(A)=E</a:t>
+            </a:r>
+            <a:br>
+              <a:rPr lang="fr-FR" dirty="0" smtClean="0"/>
+            </a:br>
+            <a:r>
+              <a:rPr lang="fr-FR" dirty="0" smtClean="0"/>
+              <a:t>f(B)=</a:t>
+            </a:r>
+            <a:r>
+              <a:rPr lang="fr-FR" dirty="0"/>
+              <a:t>E</a:t>
+            </a:r>
+            <a:r>
+              <a:rPr lang="fr-FR" dirty="0" smtClean="0"/>
+              <a:t/>
+            </a:r>
+            <a:br>
+              <a:rPr lang="fr-FR" dirty="0" smtClean="0"/>
+            </a:br>
+            <a:r>
+              <a:rPr lang="fr-FR" dirty="0" smtClean="0"/>
+              <a:t>f(C)=</a:t>
+            </a:r>
+            <a:r>
+              <a:rPr lang="fr-FR" dirty="0"/>
+              <a:t>D</a:t>
+            </a:r>
+            <a:endParaRPr lang="fr-FR" dirty="0" smtClean="0"/>
+          </a:p>
+        </p:txBody>
+      </p:sp>
+      <p:cxnSp>
+        <p:nvCxnSpPr>
+          <p:cNvPr id="11" name="Connecteur droit avec flèche 10"/>
+          <p:cNvCxnSpPr/>
+          <p:nvPr/>
+        </p:nvCxnSpPr>
+        <p:spPr>
+          <a:xfrm>
+            <a:off x="4141694" y="3122756"/>
+            <a:ext cx="600635" cy="3299"/>
+          </a:xfrm>
+          <a:prstGeom prst="straightConnector1">
+            <a:avLst/>
+          </a:prstGeom>
+          <a:ln>
+            <a:tailEnd type="triangle"/>
+          </a:ln>
+        </p:spPr>
+        <p:style>
+          <a:lnRef idx="1">
+            <a:schemeClr val="accent1"/>
+          </a:lnRef>
+          <a:fillRef idx="0">
+            <a:schemeClr val="accent1"/>
+          </a:fillRef>
+          <a:effectRef idx="0">
+            <a:schemeClr val="accent1"/>
+          </a:effectRef>
+          <a:fontRef idx="minor">
+            <a:schemeClr val="tx1"/>
+          </a:fontRef>
+        </p:style>
+      </p:cxnSp>
+      <p:sp>
+        <p:nvSpPr>
+          <p:cNvPr id="12" name="ZoneTexte 11"/>
+          <p:cNvSpPr txBox="1"/>
+          <p:nvPr/>
+        </p:nvSpPr>
+        <p:spPr>
+          <a:xfrm>
+            <a:off x="4987621" y="2423335"/>
+            <a:ext cx="1570062" cy="1477328"/>
+          </a:xfrm>
+          <a:prstGeom prst="rect">
+            <a:avLst/>
+          </a:prstGeom>
+          <a:noFill/>
+        </p:spPr>
+        <p:txBody>
+          <a:bodyPr wrap="square" rtlCol="0">
+            <a:spAutoFit/>
+          </a:bodyPr>
+          <a:lstStyle/>
+          <a:p>
+            <a:r>
+              <a:rPr lang="fr-FR" dirty="0" smtClean="0"/>
+              <a:t>A~=elt1</a:t>
+            </a:r>
+          </a:p>
+          <a:p>
+            <a:r>
+              <a:rPr lang="fr-FR" dirty="0" smtClean="0"/>
+              <a:t>A~=elt2</a:t>
+            </a:r>
+          </a:p>
+          <a:p>
+            <a:r>
+              <a:rPr lang="fr-FR" dirty="0" smtClean="0"/>
+              <a:t>elt1~=elt2</a:t>
+            </a:r>
+          </a:p>
+          <a:p>
+            <a:r>
+              <a:rPr lang="fr-FR" dirty="0" smtClean="0"/>
+              <a:t>f(elt2)=f(A)</a:t>
+            </a:r>
+          </a:p>
+          <a:p>
+            <a:r>
+              <a:rPr lang="fr-FR" dirty="0" smtClean="0"/>
+              <a:t>f(elt1)~=f(A)</a:t>
+            </a:r>
+          </a:p>
+        </p:txBody>
+      </p:sp>
+      <p:sp>
+        <p:nvSpPr>
+          <p:cNvPr id="6" name="ZoneTexte 5"/>
+          <p:cNvSpPr txBox="1"/>
+          <p:nvPr/>
+        </p:nvSpPr>
+        <p:spPr>
+          <a:xfrm>
+            <a:off x="1190344" y="4196344"/>
+            <a:ext cx="5902700" cy="1200329"/>
+          </a:xfrm>
+          <a:prstGeom prst="rect">
+            <a:avLst/>
+          </a:prstGeom>
+          <a:noFill/>
+        </p:spPr>
+        <p:txBody>
+          <a:bodyPr wrap="square" rtlCol="0">
+            <a:spAutoFit/>
+          </a:bodyPr>
+          <a:lstStyle/>
+          <a:p>
+            <a:r>
+              <a:rPr lang="fr-FR" dirty="0" smtClean="0">
+                <a:solidFill>
+                  <a:schemeClr val="dk1"/>
+                </a:solidFill>
+              </a:rPr>
+              <a:t>∃</a:t>
+            </a:r>
+            <a:r>
+              <a:rPr lang="fr-FR" dirty="0" err="1" smtClean="0">
+                <a:solidFill>
+                  <a:schemeClr val="dk1"/>
+                </a:solidFill>
+              </a:rPr>
+              <a:t>A:a</a:t>
+            </a:r>
+            <a:r>
+              <a:rPr lang="fr-FR" dirty="0" smtClean="0">
+                <a:solidFill>
+                  <a:schemeClr val="dk1"/>
+                </a:solidFill>
+              </a:rPr>
+              <a:t>. A~=elt1 &amp; A ~= elt2 &amp; elt1 ~= elt2 &amp; f(elt1)~=f(A)</a:t>
+            </a:r>
+          </a:p>
+          <a:p>
+            <a:r>
+              <a:rPr lang="fr-FR" dirty="0" smtClean="0">
+                <a:solidFill>
+                  <a:schemeClr val="dk1"/>
+                </a:solidFill>
+              </a:rPr>
+              <a:t>&amp; f(elt2)=f(A)</a:t>
+            </a:r>
+          </a:p>
+          <a:p>
+            <a:endParaRPr lang="fr-FR" dirty="0">
+              <a:solidFill>
+                <a:schemeClr val="dk1"/>
+              </a:solidFill>
+            </a:endParaRPr>
+          </a:p>
+          <a:p>
+            <a:r>
+              <a:rPr lang="fr-FR" dirty="0" smtClean="0">
+                <a:solidFill>
+                  <a:schemeClr val="dk1"/>
+                </a:solidFill>
+              </a:rPr>
+              <a:t>That </a:t>
+            </a:r>
+            <a:r>
+              <a:rPr lang="fr-FR" dirty="0" err="1" smtClean="0">
+                <a:solidFill>
+                  <a:schemeClr val="dk1"/>
+                </a:solidFill>
+              </a:rPr>
+              <a:t>gives</a:t>
+            </a:r>
+            <a:r>
+              <a:rPr lang="fr-FR" dirty="0" smtClean="0">
+                <a:solidFill>
+                  <a:schemeClr val="dk1"/>
+                </a:solidFill>
+              </a:rPr>
+              <a:t> us the </a:t>
+            </a:r>
+            <a:r>
+              <a:rPr lang="fr-FR" dirty="0" err="1" smtClean="0">
+                <a:solidFill>
+                  <a:schemeClr val="dk1"/>
+                </a:solidFill>
+              </a:rPr>
+              <a:t>following</a:t>
+            </a:r>
+            <a:r>
+              <a:rPr lang="fr-FR" dirty="0" smtClean="0">
+                <a:solidFill>
+                  <a:schemeClr val="dk1"/>
+                </a:solidFill>
+              </a:rPr>
+              <a:t> invariant:</a:t>
+            </a:r>
+          </a:p>
+        </p:txBody>
+      </p:sp>
+      <p:sp>
+        <p:nvSpPr>
+          <p:cNvPr id="13" name="Rectangle 12"/>
+          <p:cNvSpPr/>
+          <p:nvPr/>
+        </p:nvSpPr>
+        <p:spPr>
+          <a:xfrm>
+            <a:off x="1295961" y="1712511"/>
+            <a:ext cx="4915576" cy="369332"/>
+          </a:xfrm>
+          <a:prstGeom prst="rect">
+            <a:avLst/>
+          </a:prstGeom>
+        </p:spPr>
+        <p:txBody>
+          <a:bodyPr wrap="none">
+            <a:spAutoFit/>
+          </a:bodyPr>
+          <a:lstStyle/>
+          <a:p>
+            <a:r>
+              <a:rPr lang="fr-FR" dirty="0"/>
+              <a:t>(</a:t>
+            </a:r>
+            <a:r>
+              <a:rPr lang="fr-FR" dirty="0" err="1"/>
+              <a:t>inequalities</a:t>
+            </a:r>
+            <a:r>
+              <a:rPr lang="fr-FR" dirty="0"/>
+              <a:t> over </a:t>
+            </a:r>
+            <a:r>
+              <a:rPr lang="fr-FR" dirty="0" smtClean="0"/>
+              <a:t>values/variables </a:t>
+            </a:r>
+            <a:r>
+              <a:rPr lang="fr-FR" dirty="0"/>
+              <a:t>are not </a:t>
+            </a:r>
+            <a:r>
+              <a:rPr lang="fr-FR" dirty="0" err="1"/>
+              <a:t>shown</a:t>
+            </a:r>
+            <a:r>
+              <a:rPr lang="fr-FR" dirty="0" smtClean="0"/>
+              <a:t>)</a:t>
+            </a:r>
+            <a:endParaRPr lang="fr-FR" dirty="0"/>
+          </a:p>
+        </p:txBody>
+      </p:sp>
+      <p:pic>
+        <p:nvPicPr>
+          <p:cNvPr id="15" name="Image 14"/>
+          <p:cNvPicPr>
+            <a:picLocks noChangeAspect="1"/>
+          </p:cNvPicPr>
+          <p:nvPr/>
+        </p:nvPicPr>
+        <p:blipFill rotWithShape="1">
+          <a:blip r:embed="rId3"/>
+          <a:srcRect l="11730" t="-28571"/>
+          <a:stretch/>
+        </p:blipFill>
+        <p:spPr>
+          <a:xfrm>
+            <a:off x="666749" y="5538876"/>
+            <a:ext cx="7096125" cy="342900"/>
+          </a:xfrm>
+          <a:prstGeom prst="rect">
+            <a:avLst/>
+          </a:prstGeom>
+        </p:spPr>
+      </p:pic>
+    </p:spTree>
+    <p:extLst>
+      <p:ext uri="{BB962C8B-B14F-4D97-AF65-F5344CB8AC3E}">
+        <p14:creationId xmlns:p14="http://schemas.microsoft.com/office/powerpoint/2010/main" val="543683613"/>
+      </p:ext>
+    </p:extLst>
+  </p:cSld>
+  <p:clrMapOvr>
+    <a:masterClrMapping/>
+  </p:clrMapOvr>
+  <p:timing>
+    <p:tnLst>
+      <p:par>
+        <p:cTn id="1" dur="indefinite" restart="never" nodeType="tmRoot"/>
+      </p:par>
+    </p:tnLst>
+  </p:timing>
+</p:sld>
+</file>
+
+<file path=ppt/slides/slide12.xml><?xml version="1.0" encoding="utf-8"?>
+<p:sld xmlns:a="http://schemas.openxmlformats.org/drawingml/2006/main" xmlns:r="http://schemas.openxmlformats.org/officeDocument/2006/relationships" xmlns:p="http://schemas.openxmlformats.org/presentationml/2006/main">
+  <p:cSld>
+    <p:spTree>
+      <p:nvGrpSpPr>
+        <p:cNvPr id="1" name=""/>
+        <p:cNvGrpSpPr/>
+        <p:nvPr/>
+      </p:nvGrpSpPr>
+      <p:grpSpPr>
+        <a:xfrm>
+          <a:off x="0" y="0"/>
+          <a:ext cx="0" cy="0"/>
+          <a:chOff x="0" y="0"/>
+          <a:chExt cx="0" cy="0"/>
+        </a:xfrm>
+      </p:grpSpPr>
+      <p:sp>
+        <p:nvSpPr>
+          <p:cNvPr id="2" name="Titre 1"/>
+          <p:cNvSpPr>
+            <a:spLocks noGrp="1"/>
+          </p:cNvSpPr>
+          <p:nvPr>
+            <p:ph type="title"/>
+          </p:nvPr>
+        </p:nvSpPr>
+        <p:spPr/>
+        <p:txBody>
+          <a:bodyPr/>
+          <a:lstStyle/>
+          <a:p>
+            <a:r>
+              <a:rPr lang="fr-FR" dirty="0" err="1" smtClean="0"/>
+              <a:t>Example</a:t>
+            </a:r>
+            <a:r>
+              <a:rPr lang="fr-FR" dirty="0" smtClean="0"/>
+              <a:t> 1</a:t>
+            </a:r>
+            <a:endParaRPr lang="fr-FR" dirty="0"/>
+          </a:p>
+        </p:txBody>
+      </p:sp>
+      <p:pic>
+        <p:nvPicPr>
+          <p:cNvPr id="7" name="Espace réservé du contenu 3"/>
+          <p:cNvPicPr>
+            <a:picLocks noChangeAspect="1"/>
+          </p:cNvPicPr>
+          <p:nvPr/>
+        </p:nvPicPr>
+        <p:blipFill rotWithShape="1">
+          <a:blip r:embed="rId2"/>
+          <a:srcRect r="43905" b="8304"/>
+          <a:stretch/>
+        </p:blipFill>
+        <p:spPr>
+          <a:xfrm>
+            <a:off x="8036859" y="365125"/>
+            <a:ext cx="3316941" cy="6215977"/>
+          </a:xfrm>
+          <a:prstGeom prst="rect">
+            <a:avLst/>
+          </a:prstGeom>
+        </p:spPr>
+      </p:pic>
+      <p:sp>
+        <p:nvSpPr>
+          <p:cNvPr id="13" name="Rectangle 12"/>
+          <p:cNvSpPr/>
+          <p:nvPr/>
+        </p:nvSpPr>
+        <p:spPr>
+          <a:xfrm>
+            <a:off x="838200" y="1690688"/>
+            <a:ext cx="6943164" cy="923330"/>
+          </a:xfrm>
+          <a:prstGeom prst="rect">
+            <a:avLst/>
+          </a:prstGeom>
+        </p:spPr>
+        <p:txBody>
+          <a:bodyPr wrap="square">
+            <a:spAutoFit/>
+          </a:bodyPr>
+          <a:lstStyle/>
+          <a:p>
+            <a:r>
+              <a:rPr lang="fr-FR" dirty="0" smtClean="0"/>
+              <a:t>By </a:t>
+            </a:r>
+            <a:r>
+              <a:rPr lang="fr-FR" dirty="0" err="1" smtClean="0"/>
+              <a:t>continuing</a:t>
+            </a:r>
+            <a:r>
+              <a:rPr lang="fr-FR" dirty="0" smtClean="0"/>
+              <a:t> </a:t>
+            </a:r>
+            <a:r>
+              <a:rPr lang="fr-FR" dirty="0" err="1" smtClean="0"/>
+              <a:t>this</a:t>
+            </a:r>
+            <a:r>
+              <a:rPr lang="fr-FR" dirty="0" smtClean="0"/>
+              <a:t> </a:t>
+            </a:r>
+            <a:r>
+              <a:rPr lang="fr-FR" dirty="0" err="1" smtClean="0"/>
+              <a:t>process</a:t>
+            </a:r>
+            <a:r>
+              <a:rPr lang="fr-FR" dirty="0"/>
+              <a:t/>
+            </a:r>
+            <a:br>
+              <a:rPr lang="fr-FR" dirty="0"/>
+            </a:br>
+            <a:r>
+              <a:rPr lang="fr-FR" dirty="0" smtClean="0"/>
+              <a:t>(</a:t>
+            </a:r>
+            <a:r>
+              <a:rPr lang="fr-FR" dirty="0" err="1" smtClean="0"/>
+              <a:t>computing</a:t>
+            </a:r>
+            <a:r>
+              <a:rPr lang="fr-FR" dirty="0" smtClean="0"/>
+              <a:t> </a:t>
+            </a:r>
+            <a:r>
+              <a:rPr lang="fr-FR" dirty="0" err="1" smtClean="0"/>
+              <a:t>counterexample</a:t>
+            </a:r>
+            <a:r>
+              <a:rPr lang="fr-FR" dirty="0" smtClean="0"/>
+              <a:t>, </a:t>
+            </a:r>
+            <a:r>
+              <a:rPr lang="fr-FR" dirty="0" err="1" smtClean="0"/>
+              <a:t>generalizing</a:t>
+            </a:r>
+            <a:r>
+              <a:rPr lang="fr-FR" dirty="0" smtClean="0"/>
+              <a:t>, </a:t>
+            </a:r>
+            <a:r>
+              <a:rPr lang="fr-FR" dirty="0" err="1" smtClean="0"/>
+              <a:t>sthrenghtening</a:t>
+            </a:r>
+            <a:r>
+              <a:rPr lang="fr-FR" dirty="0" smtClean="0"/>
+              <a:t> invariants),</a:t>
+            </a:r>
+          </a:p>
+          <a:p>
+            <a:r>
+              <a:rPr lang="fr-FR" dirty="0" err="1" smtClean="0"/>
+              <a:t>we</a:t>
+            </a:r>
+            <a:r>
+              <a:rPr lang="fr-FR" dirty="0" smtClean="0"/>
+              <a:t> </a:t>
+            </a:r>
+            <a:r>
+              <a:rPr lang="fr-FR" dirty="0" err="1" smtClean="0"/>
+              <a:t>finally</a:t>
+            </a:r>
+            <a:r>
+              <a:rPr lang="fr-FR" dirty="0" smtClean="0"/>
+              <a:t> </a:t>
+            </a:r>
+            <a:r>
+              <a:rPr lang="fr-FR" dirty="0" err="1" smtClean="0"/>
+              <a:t>reach</a:t>
+            </a:r>
+            <a:r>
+              <a:rPr lang="fr-FR" dirty="0" smtClean="0"/>
+              <a:t> a </a:t>
+            </a:r>
+            <a:r>
+              <a:rPr lang="fr-FR" dirty="0" err="1" smtClean="0"/>
+              <a:t>fixpoint</a:t>
+            </a:r>
+            <a:r>
+              <a:rPr lang="fr-FR" dirty="0" smtClean="0"/>
+              <a:t>:</a:t>
+            </a:r>
+            <a:endParaRPr lang="fr-FR" dirty="0"/>
+          </a:p>
+        </p:txBody>
+      </p:sp>
+      <p:pic>
+        <p:nvPicPr>
+          <p:cNvPr id="3" name="Image 2"/>
+          <p:cNvPicPr>
+            <a:picLocks noChangeAspect="1"/>
+          </p:cNvPicPr>
+          <p:nvPr/>
+        </p:nvPicPr>
+        <p:blipFill rotWithShape="1">
+          <a:blip r:embed="rId3"/>
+          <a:srcRect l="12262"/>
+          <a:stretch/>
+        </p:blipFill>
+        <p:spPr>
+          <a:xfrm>
+            <a:off x="778948" y="3225463"/>
+            <a:ext cx="7061667" cy="495300"/>
+          </a:xfrm>
+          <a:prstGeom prst="rect">
+            <a:avLst/>
+          </a:prstGeom>
+        </p:spPr>
+      </p:pic>
+      <p:sp>
+        <p:nvSpPr>
+          <p:cNvPr id="4" name="ZoneTexte 3"/>
+          <p:cNvSpPr txBox="1"/>
+          <p:nvPr/>
+        </p:nvSpPr>
+        <p:spPr>
+          <a:xfrm>
+            <a:off x="838199" y="4061012"/>
+            <a:ext cx="6763871" cy="646331"/>
+          </a:xfrm>
+          <a:prstGeom prst="rect">
+            <a:avLst/>
+          </a:prstGeom>
+          <a:noFill/>
+        </p:spPr>
+        <p:txBody>
+          <a:bodyPr wrap="square" rtlCol="0">
+            <a:spAutoFit/>
+          </a:bodyPr>
+          <a:lstStyle/>
+          <a:p>
+            <a:r>
+              <a:rPr lang="fr-FR" dirty="0" smtClean="0"/>
+              <a:t>All </a:t>
+            </a:r>
+            <a:r>
+              <a:rPr lang="fr-FR" dirty="0" err="1" smtClean="0"/>
+              <a:t>these</a:t>
+            </a:r>
+            <a:r>
+              <a:rPr lang="fr-FR" dirty="0" smtClean="0"/>
+              <a:t> invariants </a:t>
+            </a:r>
+            <a:r>
+              <a:rPr lang="fr-FR" dirty="0" err="1" smtClean="0"/>
+              <a:t>together</a:t>
+            </a:r>
+            <a:r>
+              <a:rPr lang="fr-FR" dirty="0" smtClean="0"/>
+              <a:t> are </a:t>
+            </a:r>
+            <a:r>
+              <a:rPr lang="fr-FR" dirty="0" err="1" smtClean="0"/>
+              <a:t>equivalent</a:t>
+            </a:r>
+            <a:r>
+              <a:rPr lang="fr-FR" dirty="0" smtClean="0"/>
+              <a:t> to the invariant </a:t>
+            </a:r>
+            <a:r>
+              <a:rPr lang="fr-FR" dirty="0" err="1" smtClean="0"/>
+              <a:t>needed</a:t>
+            </a:r>
+            <a:r>
+              <a:rPr lang="fr-FR" dirty="0" smtClean="0"/>
+              <a:t>, but are more </a:t>
+            </a:r>
+            <a:r>
+              <a:rPr lang="fr-FR" dirty="0" err="1" smtClean="0"/>
+              <a:t>complicated</a:t>
+            </a:r>
+            <a:r>
+              <a:rPr lang="fr-FR" dirty="0" smtClean="0"/>
+              <a:t>.</a:t>
+            </a:r>
+            <a:endParaRPr lang="fr-FR" dirty="0"/>
+          </a:p>
+        </p:txBody>
+      </p:sp>
+      <p:pic>
+        <p:nvPicPr>
+          <p:cNvPr id="8" name="Image 7"/>
+          <p:cNvPicPr>
+            <a:picLocks noChangeAspect="1"/>
+          </p:cNvPicPr>
+          <p:nvPr/>
+        </p:nvPicPr>
+        <p:blipFill>
+          <a:blip r:embed="rId4"/>
+          <a:stretch>
+            <a:fillRect/>
+          </a:stretch>
+        </p:blipFill>
+        <p:spPr>
+          <a:xfrm>
+            <a:off x="1702995" y="5047592"/>
+            <a:ext cx="4590228" cy="192328"/>
+          </a:xfrm>
+          <a:prstGeom prst="rect">
+            <a:avLst/>
+          </a:prstGeom>
+        </p:spPr>
+      </p:pic>
+      <p:pic>
+        <p:nvPicPr>
+          <p:cNvPr id="9" name="Espace réservé du contenu 3"/>
+          <p:cNvPicPr>
+            <a:picLocks noChangeAspect="1"/>
+          </p:cNvPicPr>
+          <p:nvPr/>
+        </p:nvPicPr>
+        <p:blipFill rotWithShape="1">
+          <a:blip r:embed="rId2"/>
+          <a:srcRect t="87543" r="41773" b="8441"/>
+          <a:stretch/>
+        </p:blipFill>
+        <p:spPr>
+          <a:xfrm>
+            <a:off x="703728" y="2766618"/>
+            <a:ext cx="3000040" cy="237192"/>
+          </a:xfrm>
+          <a:prstGeom prst="rect">
+            <a:avLst/>
+          </a:prstGeom>
+        </p:spPr>
+      </p:pic>
+    </p:spTree>
+    <p:extLst>
+      <p:ext uri="{BB962C8B-B14F-4D97-AF65-F5344CB8AC3E}">
+        <p14:creationId xmlns:p14="http://schemas.microsoft.com/office/powerpoint/2010/main" val="3942543224"/>
+      </p:ext>
+    </p:extLst>
+  </p:cSld>
+  <p:clrMapOvr>
+    <a:masterClrMapping/>
+  </p:clrMapOvr>
+  <p:timing>
+    <p:tnLst>
+      <p:par>
+        <p:cTn id="1" dur="indefinite" restart="never" nodeType="tmRoot"/>
+      </p:par>
+    </p:tnLst>
+  </p:timing>
+</p:sld>
+</file>
+
+<file path=ppt/slides/slide13.xml><?xml version="1.0" encoding="utf-8"?>
+<p:sld xmlns:a="http://schemas.openxmlformats.org/drawingml/2006/main" xmlns:r="http://schemas.openxmlformats.org/officeDocument/2006/relationships" xmlns:p="http://schemas.openxmlformats.org/presentationml/2006/main">
+  <p:cSld>
+    <p:spTree>
+      <p:nvGrpSpPr>
+        <p:cNvPr id="1" name=""/>
+        <p:cNvGrpSpPr/>
+        <p:nvPr/>
+      </p:nvGrpSpPr>
+      <p:grpSpPr>
+        <a:xfrm>
+          <a:off x="0" y="0"/>
+          <a:ext cx="0" cy="0"/>
+          <a:chOff x="0" y="0"/>
+          <a:chExt cx="0" cy="0"/>
+        </a:xfrm>
+      </p:grpSpPr>
+      <p:sp>
+        <p:nvSpPr>
+          <p:cNvPr id="2" name="Titre 1"/>
+          <p:cNvSpPr>
+            <a:spLocks noGrp="1"/>
+          </p:cNvSpPr>
+          <p:nvPr>
+            <p:ph type="title"/>
+          </p:nvPr>
+        </p:nvSpPr>
+        <p:spPr/>
+        <p:txBody>
+          <a:bodyPr/>
+          <a:lstStyle/>
+          <a:p>
+            <a:r>
+              <a:rPr lang="fr-FR" dirty="0" err="1" smtClean="0"/>
+              <a:t>Example</a:t>
+            </a:r>
+            <a:r>
+              <a:rPr lang="fr-FR" dirty="0" smtClean="0"/>
+              <a:t> 2</a:t>
+            </a:r>
+            <a:endParaRPr lang="fr-FR" dirty="0"/>
+          </a:p>
+        </p:txBody>
+      </p:sp>
+      <p:sp>
+        <p:nvSpPr>
+          <p:cNvPr id="3" name="Espace réservé du contenu 2"/>
+          <p:cNvSpPr>
+            <a:spLocks noGrp="1"/>
+          </p:cNvSpPr>
+          <p:nvPr>
+            <p:ph idx="1"/>
+          </p:nvPr>
+        </p:nvSpPr>
+        <p:spPr>
+          <a:xfrm>
+            <a:off x="838199" y="1532078"/>
+            <a:ext cx="5652247" cy="4351338"/>
+          </a:xfrm>
+        </p:spPr>
+        <p:txBody>
+          <a:bodyPr/>
+          <a:lstStyle/>
+          <a:p>
+            <a:pPr marL="0" indent="0">
+              <a:buNone/>
+            </a:pPr>
+            <a:r>
+              <a:rPr lang="fr-FR" dirty="0" err="1" smtClean="0"/>
+              <a:t>We</a:t>
+            </a:r>
+            <a:r>
+              <a:rPr lang="fr-FR" dirty="0" smtClean="0"/>
+              <a:t> </a:t>
+            </a:r>
+            <a:r>
+              <a:rPr lang="fr-FR" dirty="0" err="1" smtClean="0"/>
+              <a:t>will</a:t>
+            </a:r>
+            <a:r>
+              <a:rPr lang="fr-FR" dirty="0" smtClean="0"/>
+              <a:t> </a:t>
+            </a:r>
+            <a:r>
+              <a:rPr lang="fr-FR" dirty="0" err="1" smtClean="0"/>
+              <a:t>now</a:t>
+            </a:r>
+            <a:r>
+              <a:rPr lang="fr-FR" dirty="0" smtClean="0"/>
+              <a:t> </a:t>
+            </a:r>
+            <a:r>
+              <a:rPr lang="fr-FR" dirty="0" err="1" smtClean="0"/>
+              <a:t>see</a:t>
+            </a:r>
+            <a:r>
+              <a:rPr lang="fr-FR" dirty="0" smtClean="0"/>
+              <a:t> an </a:t>
+            </a:r>
+            <a:r>
+              <a:rPr lang="fr-FR" dirty="0" err="1" smtClean="0"/>
+              <a:t>example</a:t>
+            </a:r>
+            <a:r>
+              <a:rPr lang="fr-FR" dirty="0" smtClean="0"/>
+              <a:t> for </a:t>
+            </a:r>
+            <a:r>
+              <a:rPr lang="fr-FR" dirty="0" err="1" smtClean="0"/>
+              <a:t>which</a:t>
+            </a:r>
+            <a:r>
+              <a:rPr lang="fr-FR" dirty="0"/>
+              <a:t> </a:t>
+            </a:r>
+            <a:r>
+              <a:rPr lang="fr-FR" dirty="0" smtClean="0"/>
+              <a:t>the naïve </a:t>
+            </a:r>
+            <a:r>
+              <a:rPr lang="fr-FR" dirty="0" err="1" smtClean="0"/>
+              <a:t>algorithm</a:t>
+            </a:r>
+            <a:r>
+              <a:rPr lang="fr-FR" dirty="0" smtClean="0"/>
+              <a:t> </a:t>
+            </a:r>
+            <a:r>
+              <a:rPr lang="fr-FR" dirty="0" err="1" smtClean="0"/>
+              <a:t>fails</a:t>
+            </a:r>
+            <a:r>
+              <a:rPr lang="fr-FR" dirty="0" smtClean="0"/>
+              <a:t>, </a:t>
+            </a:r>
+            <a:r>
+              <a:rPr lang="fr-FR" dirty="0" err="1" smtClean="0"/>
+              <a:t>because</a:t>
+            </a:r>
+            <a:r>
+              <a:rPr lang="fr-FR" dirty="0" smtClean="0"/>
+              <a:t> no </a:t>
+            </a:r>
+            <a:r>
+              <a:rPr lang="fr-FR" dirty="0" err="1" smtClean="0"/>
+              <a:t>universal</a:t>
+            </a:r>
+            <a:r>
+              <a:rPr lang="fr-FR" dirty="0" smtClean="0"/>
+              <a:t> invariant </a:t>
+            </a:r>
+            <a:r>
+              <a:rPr lang="fr-FR" dirty="0" err="1" smtClean="0"/>
+              <a:t>exists</a:t>
+            </a:r>
+            <a:r>
+              <a:rPr lang="fr-FR" dirty="0" smtClean="0"/>
+              <a:t>.</a:t>
+            </a:r>
+            <a:endParaRPr lang="fr-FR" dirty="0"/>
+          </a:p>
+        </p:txBody>
+      </p:sp>
+      <p:pic>
+        <p:nvPicPr>
+          <p:cNvPr id="6" name="Image 5"/>
+          <p:cNvPicPr>
+            <a:picLocks noChangeAspect="1"/>
+          </p:cNvPicPr>
+          <p:nvPr/>
+        </p:nvPicPr>
+        <p:blipFill>
+          <a:blip r:embed="rId2"/>
+          <a:stretch>
+            <a:fillRect/>
+          </a:stretch>
+        </p:blipFill>
+        <p:spPr>
+          <a:xfrm>
+            <a:off x="6490447" y="746032"/>
+            <a:ext cx="2447163" cy="5181600"/>
+          </a:xfrm>
+          <a:prstGeom prst="rect">
+            <a:avLst/>
+          </a:prstGeom>
+        </p:spPr>
+      </p:pic>
+      <p:pic>
+        <p:nvPicPr>
+          <p:cNvPr id="7" name="Image 6"/>
+          <p:cNvPicPr>
+            <a:picLocks noChangeAspect="1"/>
+          </p:cNvPicPr>
+          <p:nvPr/>
+        </p:nvPicPr>
+        <p:blipFill>
+          <a:blip r:embed="rId3"/>
+          <a:stretch>
+            <a:fillRect/>
+          </a:stretch>
+        </p:blipFill>
+        <p:spPr>
+          <a:xfrm>
+            <a:off x="8743950" y="1375523"/>
+            <a:ext cx="3272235" cy="3922618"/>
+          </a:xfrm>
+          <a:prstGeom prst="rect">
+            <a:avLst/>
+          </a:prstGeom>
+        </p:spPr>
+      </p:pic>
+      <p:sp>
+        <p:nvSpPr>
+          <p:cNvPr id="8" name="ZoneTexte 7"/>
+          <p:cNvSpPr txBox="1"/>
+          <p:nvPr/>
+        </p:nvSpPr>
+        <p:spPr>
+          <a:xfrm>
+            <a:off x="900953" y="3492594"/>
+            <a:ext cx="4612341" cy="2308324"/>
+          </a:xfrm>
+          <a:prstGeom prst="rect">
+            <a:avLst/>
+          </a:prstGeom>
+          <a:noFill/>
+        </p:spPr>
+        <p:txBody>
+          <a:bodyPr wrap="square" rtlCol="0">
+            <a:spAutoFit/>
+          </a:bodyPr>
+          <a:lstStyle/>
+          <a:p>
+            <a:pPr marL="285750" indent="-285750">
+              <a:buFont typeface="Arial" panose="020B0604020202020204" pitchFamily="34" charset="0"/>
+              <a:buChar char="•"/>
+            </a:pPr>
+            <a:r>
+              <a:rPr lang="fr-FR" dirty="0" err="1" smtClean="0"/>
+              <a:t>We</a:t>
+            </a:r>
+            <a:r>
+              <a:rPr lang="fr-FR" dirty="0" smtClean="0"/>
+              <a:t> have </a:t>
+            </a:r>
+            <a:r>
+              <a:rPr lang="fr-FR" dirty="0" smtClean="0"/>
+              <a:t>a partial </a:t>
+            </a:r>
+            <a:r>
+              <a:rPr lang="fr-FR" dirty="0" err="1" smtClean="0"/>
+              <a:t>function</a:t>
+            </a:r>
+            <a:r>
+              <a:rPr lang="fr-FR" dirty="0" smtClean="0"/>
+              <a:t> </a:t>
+            </a:r>
+            <a:r>
+              <a:rPr lang="fr-FR" i="1" dirty="0" smtClean="0"/>
+              <a:t>a</a:t>
+            </a:r>
+            <a:r>
+              <a:rPr lang="fr-FR" dirty="0" smtClean="0"/>
+              <a:t> -&gt; </a:t>
+            </a:r>
+            <a:r>
+              <a:rPr lang="fr-FR" i="1" dirty="0" smtClean="0"/>
+              <a:t>b </a:t>
+            </a:r>
+            <a:r>
+              <a:rPr lang="fr-FR" dirty="0" err="1" smtClean="0"/>
+              <a:t>represented</a:t>
+            </a:r>
+            <a:r>
+              <a:rPr lang="fr-FR" dirty="0" smtClean="0"/>
+              <a:t> by a relation </a:t>
+            </a:r>
+            <a:r>
+              <a:rPr lang="fr-FR" i="1" dirty="0" smtClean="0"/>
+              <a:t>f(</a:t>
+            </a:r>
+            <a:r>
+              <a:rPr lang="fr-FR" i="1" dirty="0" err="1" smtClean="0"/>
+              <a:t>X:a,Y:b</a:t>
+            </a:r>
+            <a:r>
+              <a:rPr lang="fr-FR" i="1" dirty="0" smtClean="0"/>
+              <a:t>)</a:t>
+            </a:r>
+            <a:endParaRPr lang="fr-FR" i="1" dirty="0" smtClean="0"/>
+          </a:p>
+          <a:p>
+            <a:pPr marL="285750" indent="-285750">
+              <a:buFont typeface="Arial" panose="020B0604020202020204" pitchFamily="34" charset="0"/>
+              <a:buChar char="•"/>
+            </a:pPr>
+            <a:r>
+              <a:rPr lang="fr-FR" dirty="0" smtClean="0"/>
+              <a:t>The </a:t>
+            </a:r>
+            <a:r>
+              <a:rPr lang="fr-FR" dirty="0" err="1" smtClean="0"/>
+              <a:t>domain</a:t>
+            </a:r>
+            <a:r>
+              <a:rPr lang="fr-FR" dirty="0" smtClean="0"/>
+              <a:t> of the </a:t>
+            </a:r>
+            <a:r>
+              <a:rPr lang="fr-FR" dirty="0" err="1" smtClean="0"/>
+              <a:t>function</a:t>
+            </a:r>
+            <a:r>
+              <a:rPr lang="fr-FR" dirty="0" smtClean="0"/>
+              <a:t> </a:t>
+            </a:r>
+            <a:r>
+              <a:rPr lang="fr-FR" dirty="0" err="1" smtClean="0"/>
+              <a:t>is</a:t>
+            </a:r>
+            <a:r>
+              <a:rPr lang="fr-FR" dirty="0" smtClean="0"/>
+              <a:t> </a:t>
+            </a:r>
+            <a:r>
+              <a:rPr lang="fr-FR" dirty="0" err="1" smtClean="0"/>
+              <a:t>represented</a:t>
+            </a:r>
+            <a:r>
+              <a:rPr lang="fr-FR" dirty="0" smtClean="0"/>
+              <a:t> by the relation </a:t>
+            </a:r>
+            <a:r>
+              <a:rPr lang="fr-FR" i="1" dirty="0" smtClean="0"/>
+              <a:t>dom(</a:t>
+            </a:r>
+            <a:r>
+              <a:rPr lang="fr-FR" i="1" dirty="0" err="1" smtClean="0"/>
+              <a:t>X:a</a:t>
+            </a:r>
+            <a:r>
+              <a:rPr lang="fr-FR" i="1" dirty="0" smtClean="0"/>
+              <a:t>)</a:t>
+            </a:r>
+            <a:endParaRPr lang="fr-FR" i="1" dirty="0" smtClean="0"/>
+          </a:p>
+          <a:p>
+            <a:pPr marL="285750" indent="-285750">
+              <a:buFont typeface="Arial" panose="020B0604020202020204" pitchFamily="34" charset="0"/>
+              <a:buChar char="•"/>
+            </a:pPr>
+            <a:r>
+              <a:rPr lang="fr-FR" dirty="0" smtClean="0"/>
+              <a:t>There </a:t>
+            </a:r>
+            <a:r>
+              <a:rPr lang="fr-FR" dirty="0" err="1" smtClean="0"/>
+              <a:t>is</a:t>
+            </a:r>
+            <a:r>
+              <a:rPr lang="fr-FR" dirty="0" smtClean="0"/>
+              <a:t> a variable </a:t>
+            </a:r>
+            <a:r>
+              <a:rPr lang="fr-FR" i="1" dirty="0" err="1" smtClean="0"/>
+              <a:t>elt</a:t>
+            </a:r>
+            <a:r>
+              <a:rPr lang="fr-FR" dirty="0" smtClean="0"/>
+              <a:t> in </a:t>
+            </a:r>
+            <a:r>
+              <a:rPr lang="fr-FR" i="1" dirty="0" smtClean="0"/>
+              <a:t>a</a:t>
+            </a:r>
+            <a:r>
+              <a:rPr lang="fr-FR" dirty="0" smtClean="0"/>
+              <a:t> and </a:t>
+            </a:r>
+            <a:r>
+              <a:rPr lang="fr-FR" i="1" dirty="0" err="1" smtClean="0"/>
+              <a:t>res</a:t>
+            </a:r>
+            <a:r>
+              <a:rPr lang="fr-FR" dirty="0" smtClean="0"/>
+              <a:t> in </a:t>
+            </a:r>
+            <a:r>
+              <a:rPr lang="fr-FR" i="1" dirty="0" smtClean="0"/>
+              <a:t>b.</a:t>
+            </a:r>
+            <a:r>
+              <a:rPr lang="fr-FR" dirty="0" smtClean="0"/>
+              <a:t> </a:t>
+            </a:r>
+            <a:endParaRPr lang="fr-FR" dirty="0" smtClean="0"/>
+          </a:p>
+          <a:p>
+            <a:endParaRPr lang="fr-FR" dirty="0"/>
+          </a:p>
+          <a:p>
+            <a:pPr marL="285750" indent="-285750">
+              <a:buFont typeface="Arial" panose="020B0604020202020204" pitchFamily="34" charset="0"/>
+              <a:buChar char="•"/>
+            </a:pPr>
+            <a:r>
+              <a:rPr lang="fr-FR" dirty="0" err="1" smtClean="0"/>
+              <a:t>We</a:t>
+            </a:r>
+            <a:r>
+              <a:rPr lang="fr-FR" dirty="0" smtClean="0"/>
+              <a:t> </a:t>
+            </a:r>
+            <a:r>
+              <a:rPr lang="fr-FR" dirty="0" err="1" smtClean="0"/>
+              <a:t>want</a:t>
+            </a:r>
+            <a:r>
+              <a:rPr lang="fr-FR" dirty="0" smtClean="0"/>
+              <a:t> to </a:t>
+            </a:r>
+            <a:r>
+              <a:rPr lang="fr-FR" dirty="0" err="1" smtClean="0"/>
+              <a:t>guarantee</a:t>
+            </a:r>
+            <a:r>
+              <a:rPr lang="fr-FR" dirty="0" smtClean="0"/>
+              <a:t> </a:t>
+            </a:r>
+            <a:r>
+              <a:rPr lang="fr-FR" dirty="0" err="1" smtClean="0"/>
+              <a:t>this</a:t>
+            </a:r>
+            <a:r>
+              <a:rPr lang="fr-FR" dirty="0" smtClean="0"/>
+              <a:t> </a:t>
+            </a:r>
+            <a:r>
+              <a:rPr lang="fr-FR" dirty="0" err="1" smtClean="0"/>
+              <a:t>property</a:t>
+            </a:r>
+            <a:r>
+              <a:rPr lang="fr-FR" dirty="0" smtClean="0"/>
+              <a:t>:</a:t>
+            </a:r>
+          </a:p>
+          <a:p>
+            <a:pPr marL="285750" indent="-285750">
+              <a:buFont typeface="Arial" panose="020B0604020202020204" pitchFamily="34" charset="0"/>
+              <a:buChar char="•"/>
+            </a:pPr>
+            <a:endParaRPr lang="fr-FR" dirty="0"/>
+          </a:p>
+        </p:txBody>
+      </p:sp>
+      <p:pic>
+        <p:nvPicPr>
+          <p:cNvPr id="9" name="Image 8"/>
+          <p:cNvPicPr>
+            <a:picLocks noChangeAspect="1"/>
+          </p:cNvPicPr>
+          <p:nvPr/>
+        </p:nvPicPr>
+        <p:blipFill rotWithShape="1">
+          <a:blip r:embed="rId3"/>
+          <a:srcRect t="92230"/>
+          <a:stretch/>
+        </p:blipFill>
+        <p:spPr>
+          <a:xfrm>
+            <a:off x="2028206" y="5619866"/>
+            <a:ext cx="3272235" cy="304799"/>
+          </a:xfrm>
+          <a:prstGeom prst="rect">
+            <a:avLst/>
+          </a:prstGeom>
+        </p:spPr>
+      </p:pic>
+    </p:spTree>
+    <p:extLst>
+      <p:ext uri="{BB962C8B-B14F-4D97-AF65-F5344CB8AC3E}">
+        <p14:creationId xmlns:p14="http://schemas.microsoft.com/office/powerpoint/2010/main" val="897305285"/>
+      </p:ext>
+    </p:extLst>
+  </p:cSld>
+  <p:clrMapOvr>
+    <a:masterClrMapping/>
+  </p:clrMapOvr>
+  <p:timing>
+    <p:tnLst>
+      <p:par>
+        <p:cTn id="1" dur="indefinite" restart="never" nodeType="tmRoot"/>
+      </p:par>
+    </p:tnLst>
+  </p:timing>
+</p:sld>
+</file>
+
+<file path=ppt/slides/slide14.xml><?xml version="1.0" encoding="utf-8"?>
+<p:sld xmlns:a="http://schemas.openxmlformats.org/drawingml/2006/main" xmlns:r="http://schemas.openxmlformats.org/officeDocument/2006/relationships" xmlns:p="http://schemas.openxmlformats.org/presentationml/2006/main">
+  <p:cSld>
+    <p:spTree>
+      <p:nvGrpSpPr>
+        <p:cNvPr id="1" name=""/>
+        <p:cNvGrpSpPr/>
+        <p:nvPr/>
+      </p:nvGrpSpPr>
+      <p:grpSpPr>
+        <a:xfrm>
+          <a:off x="0" y="0"/>
+          <a:ext cx="0" cy="0"/>
+          <a:chOff x="0" y="0"/>
+          <a:chExt cx="0" cy="0"/>
+        </a:xfrm>
+      </p:grpSpPr>
+      <p:sp>
+        <p:nvSpPr>
+          <p:cNvPr id="2" name="Titre 1"/>
+          <p:cNvSpPr>
+            <a:spLocks noGrp="1"/>
+          </p:cNvSpPr>
+          <p:nvPr>
+            <p:ph type="title"/>
+          </p:nvPr>
+        </p:nvSpPr>
+        <p:spPr/>
+        <p:txBody>
+          <a:bodyPr/>
+          <a:lstStyle/>
+          <a:p>
+            <a:r>
+              <a:rPr lang="fr-FR" dirty="0" err="1" smtClean="0"/>
+              <a:t>Example</a:t>
+            </a:r>
+            <a:r>
+              <a:rPr lang="fr-FR" dirty="0" smtClean="0"/>
+              <a:t> 2</a:t>
+            </a:r>
+            <a:endParaRPr lang="fr-FR" dirty="0"/>
+          </a:p>
+        </p:txBody>
+      </p:sp>
+      <p:pic>
+        <p:nvPicPr>
+          <p:cNvPr id="6" name="Image 5"/>
+          <p:cNvPicPr>
+            <a:picLocks noChangeAspect="1"/>
+          </p:cNvPicPr>
+          <p:nvPr/>
+        </p:nvPicPr>
+        <p:blipFill>
+          <a:blip r:embed="rId3"/>
+          <a:stretch>
+            <a:fillRect/>
+          </a:stretch>
+        </p:blipFill>
+        <p:spPr>
+          <a:xfrm>
+            <a:off x="6490447" y="746032"/>
+            <a:ext cx="2447163" cy="5181600"/>
+          </a:xfrm>
+          <a:prstGeom prst="rect">
+            <a:avLst/>
+          </a:prstGeom>
+        </p:spPr>
+      </p:pic>
+      <p:pic>
+        <p:nvPicPr>
+          <p:cNvPr id="7" name="Image 6"/>
+          <p:cNvPicPr>
+            <a:picLocks noChangeAspect="1"/>
+          </p:cNvPicPr>
+          <p:nvPr/>
+        </p:nvPicPr>
+        <p:blipFill>
+          <a:blip r:embed="rId4"/>
+          <a:stretch>
+            <a:fillRect/>
+          </a:stretch>
+        </p:blipFill>
+        <p:spPr>
+          <a:xfrm>
+            <a:off x="8743950" y="1375523"/>
+            <a:ext cx="3272235" cy="3922618"/>
+          </a:xfrm>
+          <a:prstGeom prst="rect">
+            <a:avLst/>
+          </a:prstGeom>
+        </p:spPr>
+      </p:pic>
+      <p:pic>
+        <p:nvPicPr>
+          <p:cNvPr id="9" name="Image 8"/>
+          <p:cNvPicPr>
+            <a:picLocks noChangeAspect="1"/>
+          </p:cNvPicPr>
+          <p:nvPr/>
+        </p:nvPicPr>
+        <p:blipFill rotWithShape="1">
+          <a:blip r:embed="rId4"/>
+          <a:srcRect t="92230"/>
+          <a:stretch/>
+        </p:blipFill>
+        <p:spPr>
+          <a:xfrm>
+            <a:off x="953060" y="1818814"/>
+            <a:ext cx="3272235" cy="304799"/>
+          </a:xfrm>
+          <a:prstGeom prst="rect">
+            <a:avLst/>
+          </a:prstGeom>
+        </p:spPr>
+      </p:pic>
+      <p:pic>
+        <p:nvPicPr>
+          <p:cNvPr id="4" name="Image 3"/>
+          <p:cNvPicPr>
+            <a:picLocks noChangeAspect="1"/>
+          </p:cNvPicPr>
+          <p:nvPr/>
+        </p:nvPicPr>
+        <p:blipFill>
+          <a:blip r:embed="rId5"/>
+          <a:stretch>
+            <a:fillRect/>
+          </a:stretch>
+        </p:blipFill>
+        <p:spPr>
+          <a:xfrm>
+            <a:off x="942472" y="2871503"/>
+            <a:ext cx="4114800" cy="200025"/>
+          </a:xfrm>
+          <a:prstGeom prst="rect">
+            <a:avLst/>
+          </a:prstGeom>
+        </p:spPr>
+      </p:pic>
+      <p:sp>
+        <p:nvSpPr>
+          <p:cNvPr id="5" name="ZoneTexte 4"/>
+          <p:cNvSpPr txBox="1"/>
+          <p:nvPr/>
+        </p:nvSpPr>
+        <p:spPr>
+          <a:xfrm>
+            <a:off x="953060" y="2127387"/>
+            <a:ext cx="4389905" cy="646331"/>
+          </a:xfrm>
+          <a:prstGeom prst="rect">
+            <a:avLst/>
+          </a:prstGeom>
+          <a:noFill/>
+        </p:spPr>
+        <p:txBody>
+          <a:bodyPr wrap="square" rtlCol="0">
+            <a:spAutoFit/>
+          </a:bodyPr>
+          <a:lstStyle/>
+          <a:p>
+            <a:r>
+              <a:rPr lang="fr-FR" dirty="0" smtClean="0"/>
+              <a:t>In </a:t>
+            </a:r>
+            <a:r>
+              <a:rPr lang="fr-FR" dirty="0" err="1" smtClean="0"/>
+              <a:t>order</a:t>
+            </a:r>
+            <a:r>
+              <a:rPr lang="fr-FR" dirty="0" smtClean="0"/>
+              <a:t> to have an inductive set of invariants, </a:t>
+            </a:r>
+            <a:r>
+              <a:rPr lang="fr-FR" dirty="0" err="1" smtClean="0"/>
+              <a:t>we</a:t>
+            </a:r>
+            <a:r>
+              <a:rPr lang="fr-FR" dirty="0" smtClean="0"/>
+              <a:t> </a:t>
+            </a:r>
+            <a:r>
+              <a:rPr lang="fr-FR" dirty="0" err="1" smtClean="0"/>
+              <a:t>need</a:t>
+            </a:r>
+            <a:r>
+              <a:rPr lang="fr-FR" dirty="0" smtClean="0"/>
+              <a:t> to </a:t>
+            </a:r>
+            <a:r>
+              <a:rPr lang="fr-FR" dirty="0" err="1" smtClean="0"/>
+              <a:t>add</a:t>
+            </a:r>
+            <a:r>
+              <a:rPr lang="fr-FR" dirty="0" smtClean="0"/>
+              <a:t> the </a:t>
+            </a:r>
+            <a:r>
+              <a:rPr lang="fr-FR" dirty="0" err="1" smtClean="0"/>
+              <a:t>following</a:t>
+            </a:r>
+            <a:r>
+              <a:rPr lang="fr-FR" dirty="0"/>
+              <a:t>:</a:t>
+            </a:r>
+          </a:p>
+        </p:txBody>
+      </p:sp>
+      <p:pic>
+        <p:nvPicPr>
+          <p:cNvPr id="11" name="Image 10"/>
+          <p:cNvPicPr>
+            <a:picLocks noChangeAspect="1"/>
+          </p:cNvPicPr>
+          <p:nvPr/>
+        </p:nvPicPr>
+        <p:blipFill rotWithShape="1">
+          <a:blip r:embed="rId6"/>
+          <a:srcRect l="14235" t="589"/>
+          <a:stretch/>
+        </p:blipFill>
+        <p:spPr>
+          <a:xfrm>
+            <a:off x="377638" y="4231581"/>
+            <a:ext cx="5718362" cy="189379"/>
+          </a:xfrm>
+          <a:prstGeom prst="rect">
+            <a:avLst/>
+          </a:prstGeom>
+        </p:spPr>
+      </p:pic>
+      <p:sp>
+        <p:nvSpPr>
+          <p:cNvPr id="12" name="ZoneTexte 11"/>
+          <p:cNvSpPr txBox="1"/>
+          <p:nvPr/>
+        </p:nvSpPr>
+        <p:spPr>
+          <a:xfrm>
+            <a:off x="839001" y="3485994"/>
+            <a:ext cx="5145742" cy="646331"/>
+          </a:xfrm>
+          <a:prstGeom prst="rect">
+            <a:avLst/>
+          </a:prstGeom>
+          <a:noFill/>
+        </p:spPr>
+        <p:txBody>
+          <a:bodyPr wrap="square" rtlCol="0">
+            <a:spAutoFit/>
+          </a:bodyPr>
+          <a:lstStyle/>
+          <a:p>
+            <a:r>
+              <a:rPr lang="fr-FR" dirty="0" err="1" smtClean="0"/>
+              <a:t>After</a:t>
+            </a:r>
+            <a:r>
+              <a:rPr lang="fr-FR" dirty="0" smtClean="0"/>
+              <a:t> </a:t>
+            </a:r>
+            <a:r>
+              <a:rPr lang="fr-FR" dirty="0" err="1" smtClean="0"/>
+              <a:t>finding</a:t>
+            </a:r>
+            <a:r>
+              <a:rPr lang="fr-FR" dirty="0" smtClean="0"/>
+              <a:t> a </a:t>
+            </a:r>
+            <a:r>
+              <a:rPr lang="fr-FR" dirty="0" err="1" smtClean="0"/>
+              <a:t>counterexample</a:t>
+            </a:r>
+            <a:r>
+              <a:rPr lang="fr-FR" dirty="0" smtClean="0"/>
+              <a:t> and </a:t>
+            </a:r>
+            <a:r>
+              <a:rPr lang="fr-FR" dirty="0" err="1" smtClean="0"/>
+              <a:t>naïvely</a:t>
+            </a:r>
+            <a:r>
+              <a:rPr lang="fr-FR" dirty="0" smtClean="0"/>
+              <a:t> </a:t>
+            </a:r>
+            <a:r>
+              <a:rPr lang="fr-FR" dirty="0" err="1" smtClean="0"/>
+              <a:t>generalizing</a:t>
+            </a:r>
+            <a:r>
+              <a:rPr lang="fr-FR" dirty="0" smtClean="0"/>
+              <a:t> </a:t>
+            </a:r>
+            <a:r>
+              <a:rPr lang="fr-FR" dirty="0" err="1" smtClean="0"/>
+              <a:t>it</a:t>
+            </a:r>
+            <a:r>
+              <a:rPr lang="fr-FR" dirty="0" smtClean="0"/>
+              <a:t>, </a:t>
+            </a:r>
+            <a:r>
+              <a:rPr lang="fr-FR" dirty="0" err="1" smtClean="0"/>
+              <a:t>we</a:t>
+            </a:r>
+            <a:r>
+              <a:rPr lang="fr-FR" dirty="0" smtClean="0"/>
+              <a:t> </a:t>
+            </a:r>
+            <a:r>
+              <a:rPr lang="fr-FR" dirty="0" err="1" smtClean="0"/>
+              <a:t>obtain</a:t>
+            </a:r>
+            <a:r>
+              <a:rPr lang="fr-FR" dirty="0" smtClean="0"/>
+              <a:t> the </a:t>
+            </a:r>
+            <a:r>
+              <a:rPr lang="fr-FR" dirty="0" err="1" smtClean="0"/>
+              <a:t>following</a:t>
+            </a:r>
+            <a:r>
+              <a:rPr lang="fr-FR" dirty="0" smtClean="0"/>
+              <a:t> formula:</a:t>
+            </a:r>
+            <a:endParaRPr lang="fr-FR" dirty="0"/>
+          </a:p>
+        </p:txBody>
+      </p:sp>
+      <p:sp>
+        <p:nvSpPr>
+          <p:cNvPr id="13" name="ZoneTexte 12"/>
+          <p:cNvSpPr txBox="1"/>
+          <p:nvPr/>
+        </p:nvSpPr>
+        <p:spPr>
+          <a:xfrm>
+            <a:off x="942472" y="4839296"/>
+            <a:ext cx="4894729" cy="1477328"/>
+          </a:xfrm>
+          <a:prstGeom prst="rect">
+            <a:avLst/>
+          </a:prstGeom>
+          <a:noFill/>
+        </p:spPr>
+        <p:txBody>
+          <a:bodyPr wrap="square" rtlCol="0">
+            <a:spAutoFit/>
+          </a:bodyPr>
+          <a:lstStyle/>
+          <a:p>
+            <a:r>
+              <a:rPr lang="fr-FR" dirty="0" smtClean="0"/>
+              <a:t>This formula </a:t>
+            </a:r>
+            <a:r>
+              <a:rPr lang="fr-FR" dirty="0" err="1" smtClean="0"/>
+              <a:t>is</a:t>
+            </a:r>
+            <a:r>
+              <a:rPr lang="fr-FR" dirty="0" smtClean="0"/>
+              <a:t> </a:t>
+            </a:r>
+            <a:r>
+              <a:rPr lang="fr-FR" dirty="0" err="1" smtClean="0"/>
+              <a:t>too</a:t>
+            </a:r>
+            <a:r>
+              <a:rPr lang="fr-FR" dirty="0" smtClean="0"/>
+              <a:t> </a:t>
+            </a:r>
+            <a:r>
+              <a:rPr lang="fr-FR" dirty="0" err="1" smtClean="0"/>
+              <a:t>strong</a:t>
+            </a:r>
+            <a:r>
+              <a:rPr lang="fr-FR" dirty="0" smtClean="0"/>
+              <a:t>: </a:t>
+            </a:r>
+            <a:r>
+              <a:rPr lang="fr-FR" dirty="0" err="1" smtClean="0"/>
+              <a:t>some</a:t>
+            </a:r>
+            <a:r>
+              <a:rPr lang="fr-FR" dirty="0" smtClean="0"/>
+              <a:t> </a:t>
+            </a:r>
+            <a:r>
+              <a:rPr lang="fr-FR" dirty="0" err="1" smtClean="0"/>
+              <a:t>valid</a:t>
+            </a:r>
+            <a:r>
+              <a:rPr lang="fr-FR" dirty="0" smtClean="0"/>
+              <a:t> structures do not </a:t>
+            </a:r>
+            <a:r>
+              <a:rPr lang="fr-FR" dirty="0" err="1" smtClean="0"/>
+              <a:t>satisfy</a:t>
+            </a:r>
+            <a:r>
+              <a:rPr lang="fr-FR" dirty="0" smtClean="0"/>
+              <a:t> </a:t>
+            </a:r>
+            <a:r>
+              <a:rPr lang="fr-FR" dirty="0" err="1" smtClean="0"/>
+              <a:t>it</a:t>
+            </a:r>
+            <a:r>
+              <a:rPr lang="fr-FR" dirty="0" smtClean="0"/>
+              <a:t>.</a:t>
+            </a:r>
+          </a:p>
+          <a:p>
+            <a:r>
+              <a:rPr lang="fr-FR" dirty="0" err="1" smtClean="0"/>
+              <a:t>Indeed</a:t>
+            </a:r>
+            <a:r>
+              <a:rPr lang="fr-FR" dirty="0" smtClean="0"/>
+              <a:t>, </a:t>
+            </a:r>
+            <a:r>
+              <a:rPr lang="fr-FR" dirty="0" err="1" smtClean="0"/>
+              <a:t>this</a:t>
+            </a:r>
+            <a:r>
+              <a:rPr lang="fr-FR" dirty="0" smtClean="0"/>
+              <a:t> formula </a:t>
+            </a:r>
+            <a:r>
+              <a:rPr lang="fr-FR" dirty="0" err="1" smtClean="0"/>
+              <a:t>is</a:t>
+            </a:r>
+            <a:r>
+              <a:rPr lang="fr-FR" dirty="0" smtClean="0"/>
+              <a:t> correct </a:t>
+            </a:r>
+            <a:r>
+              <a:rPr lang="fr-FR" dirty="0" err="1" smtClean="0"/>
+              <a:t>only</a:t>
+            </a:r>
+            <a:r>
+              <a:rPr lang="fr-FR" dirty="0" smtClean="0"/>
+              <a:t> if </a:t>
+            </a:r>
+            <a:r>
+              <a:rPr lang="fr-FR" i="1" dirty="0" smtClean="0"/>
+              <a:t>b </a:t>
+            </a:r>
+            <a:r>
+              <a:rPr lang="fr-FR" dirty="0" smtClean="0"/>
+              <a:t>has </a:t>
+            </a:r>
+            <a:r>
+              <a:rPr lang="fr-FR" dirty="0" err="1" smtClean="0"/>
+              <a:t>only</a:t>
+            </a:r>
+            <a:r>
+              <a:rPr lang="fr-FR" dirty="0" smtClean="0"/>
+              <a:t> one </a:t>
+            </a:r>
+            <a:r>
+              <a:rPr lang="fr-FR" dirty="0" err="1" smtClean="0"/>
+              <a:t>element</a:t>
+            </a:r>
+            <a:r>
+              <a:rPr lang="fr-FR" dirty="0" smtClean="0"/>
+              <a:t>: </a:t>
+            </a:r>
+            <a:r>
+              <a:rPr lang="fr-FR" dirty="0" err="1" smtClean="0"/>
+              <a:t>we</a:t>
+            </a:r>
+            <a:r>
+              <a:rPr lang="fr-FR" dirty="0" smtClean="0"/>
+              <a:t> </a:t>
+            </a:r>
+            <a:r>
+              <a:rPr lang="fr-FR" dirty="0" err="1" smtClean="0"/>
+              <a:t>will</a:t>
+            </a:r>
+            <a:r>
+              <a:rPr lang="fr-FR" dirty="0" smtClean="0"/>
+              <a:t> </a:t>
+            </a:r>
+            <a:r>
+              <a:rPr lang="fr-FR" dirty="0" err="1" smtClean="0"/>
+              <a:t>say</a:t>
+            </a:r>
+            <a:r>
+              <a:rPr lang="fr-FR" dirty="0" smtClean="0"/>
+              <a:t> </a:t>
+            </a:r>
+            <a:r>
+              <a:rPr lang="fr-FR" dirty="0" err="1" smtClean="0"/>
+              <a:t>that</a:t>
+            </a:r>
+            <a:r>
+              <a:rPr lang="fr-FR" dirty="0" smtClean="0"/>
+              <a:t> </a:t>
+            </a:r>
+            <a:r>
+              <a:rPr lang="fr-FR" dirty="0" err="1" smtClean="0"/>
+              <a:t>this</a:t>
+            </a:r>
+            <a:r>
+              <a:rPr lang="fr-FR" dirty="0" smtClean="0"/>
+              <a:t> formula </a:t>
+            </a:r>
+            <a:r>
+              <a:rPr lang="fr-FR" dirty="0" err="1" smtClean="0"/>
+              <a:t>is</a:t>
+            </a:r>
+            <a:r>
+              <a:rPr lang="fr-FR" dirty="0" smtClean="0"/>
+              <a:t> </a:t>
+            </a:r>
+            <a:r>
+              <a:rPr lang="fr-FR" b="1" i="1" dirty="0" smtClean="0"/>
+              <a:t>model-</a:t>
+            </a:r>
+            <a:r>
+              <a:rPr lang="fr-FR" b="1" i="1" dirty="0" err="1" smtClean="0"/>
+              <a:t>dependent</a:t>
+            </a:r>
+            <a:r>
+              <a:rPr lang="fr-FR" i="1" dirty="0" smtClean="0"/>
+              <a:t>.</a:t>
+            </a:r>
+            <a:endParaRPr lang="fr-FR" dirty="0"/>
+          </a:p>
+        </p:txBody>
+      </p:sp>
+    </p:spTree>
+    <p:extLst>
+      <p:ext uri="{BB962C8B-B14F-4D97-AF65-F5344CB8AC3E}">
+        <p14:creationId xmlns:p14="http://schemas.microsoft.com/office/powerpoint/2010/main" val="2832712977"/>
+      </p:ext>
+    </p:extLst>
+  </p:cSld>
+  <p:clrMapOvr>
+    <a:masterClrMapping/>
+  </p:clrMapOvr>
+  <p:timing>
+    <p:tnLst>
+      <p:par>
+        <p:cTn id="1" dur="indefinite" restart="never" nodeType="tmRoot"/>
+      </p:par>
+    </p:tnLst>
+  </p:timing>
+</p:sld>
+</file>
+
+<file path=ppt/slides/slide15.xml><?xml version="1.0" encoding="utf-8"?>
+<p:sld xmlns:a="http://schemas.openxmlformats.org/drawingml/2006/main" xmlns:r="http://schemas.openxmlformats.org/officeDocument/2006/relationships" xmlns:p="http://schemas.openxmlformats.org/presentationml/2006/main">
+  <p:cSld>
+    <p:spTree>
+      <p:nvGrpSpPr>
+        <p:cNvPr id="1" name=""/>
+        <p:cNvGrpSpPr/>
+        <p:nvPr/>
+      </p:nvGrpSpPr>
+      <p:grpSpPr>
+        <a:xfrm>
+          <a:off x="0" y="0"/>
+          <a:ext cx="0" cy="0"/>
+          <a:chOff x="0" y="0"/>
+          <a:chExt cx="0" cy="0"/>
+        </a:xfrm>
+      </p:grpSpPr>
+      <p:sp>
+        <p:nvSpPr>
+          <p:cNvPr id="2" name="Titre 1"/>
+          <p:cNvSpPr>
+            <a:spLocks noGrp="1"/>
+          </p:cNvSpPr>
+          <p:nvPr>
+            <p:ph type="title"/>
+          </p:nvPr>
+        </p:nvSpPr>
+        <p:spPr/>
+        <p:txBody>
+          <a:bodyPr/>
+          <a:lstStyle/>
+          <a:p>
+            <a:r>
+              <a:rPr lang="fr-FR" dirty="0" err="1" smtClean="0"/>
+              <a:t>Generalization</a:t>
+            </a:r>
+            <a:r>
+              <a:rPr lang="fr-FR" dirty="0" smtClean="0"/>
+              <a:t> </a:t>
+            </a:r>
+            <a:r>
+              <a:rPr lang="fr-FR" dirty="0" err="1" smtClean="0"/>
+              <a:t>with</a:t>
+            </a:r>
+            <a:r>
+              <a:rPr lang="fr-FR" dirty="0" smtClean="0"/>
+              <a:t> code </a:t>
+            </a:r>
+            <a:r>
+              <a:rPr lang="fr-FR" dirty="0" err="1" smtClean="0"/>
+              <a:t>analysis</a:t>
+            </a:r>
+            <a:endParaRPr lang="fr-FR" dirty="0"/>
+          </a:p>
+        </p:txBody>
+      </p:sp>
+      <p:sp>
+        <p:nvSpPr>
+          <p:cNvPr id="3" name="Espace réservé du contenu 2"/>
+          <p:cNvSpPr>
+            <a:spLocks noGrp="1"/>
+          </p:cNvSpPr>
+          <p:nvPr>
+            <p:ph idx="1"/>
+          </p:nvPr>
+        </p:nvSpPr>
+        <p:spPr/>
+        <p:txBody>
+          <a:bodyPr/>
+          <a:lstStyle/>
+          <a:p>
+            <a:endParaRPr lang="fr-FR"/>
+          </a:p>
+        </p:txBody>
+      </p:sp>
+    </p:spTree>
+    <p:extLst>
+      <p:ext uri="{BB962C8B-B14F-4D97-AF65-F5344CB8AC3E}">
+        <p14:creationId xmlns:p14="http://schemas.microsoft.com/office/powerpoint/2010/main" val="3797499633"/>
+      </p:ext>
+    </p:extLst>
+  </p:cSld>
+  <p:clrMapOvr>
+    <a:masterClrMapping/>
+  </p:clrMapOvr>
+  <p:timing>
+    <p:tnLst>
+      <p:par>
+        <p:cTn id="1" dur="indefinite" restart="never" nodeType="tmRoot"/>
+      </p:par>
+    </p:tnLst>
+  </p:timing>
+</p:sld>
+</file>
+
+<file path=ppt/slides/slide16.xml><?xml version="1.0" encoding="utf-8"?>
+<p:sld xmlns:a="http://schemas.openxmlformats.org/drawingml/2006/main" xmlns:r="http://schemas.openxmlformats.org/officeDocument/2006/relationships" xmlns:p="http://schemas.openxmlformats.org/presentationml/2006/main">
+  <p:cSld>
+    <p:spTree>
+      <p:nvGrpSpPr>
+        <p:cNvPr id="1" name=""/>
+        <p:cNvGrpSpPr/>
+        <p:nvPr/>
+      </p:nvGrpSpPr>
+      <p:grpSpPr>
+        <a:xfrm>
+          <a:off x="0" y="0"/>
+          <a:ext cx="0" cy="0"/>
+          <a:chOff x="0" y="0"/>
+          <a:chExt cx="0" cy="0"/>
+        </a:xfrm>
+      </p:grpSpPr>
+      <p:sp>
+        <p:nvSpPr>
+          <p:cNvPr id="2" name="Titre 1"/>
+          <p:cNvSpPr>
+            <a:spLocks noGrp="1"/>
+          </p:cNvSpPr>
+          <p:nvPr>
+            <p:ph type="title"/>
+          </p:nvPr>
+        </p:nvSpPr>
+        <p:spPr/>
+        <p:txBody>
+          <a:bodyPr/>
+          <a:lstStyle/>
+          <a:p>
+            <a:r>
+              <a:rPr lang="fr-FR" dirty="0" err="1" smtClean="0"/>
+              <a:t>Example</a:t>
+            </a:r>
+            <a:r>
+              <a:rPr lang="fr-FR" dirty="0" smtClean="0"/>
+              <a:t> 1</a:t>
+            </a:r>
+            <a:endParaRPr lang="fr-FR" dirty="0"/>
+          </a:p>
+        </p:txBody>
+      </p:sp>
+      <p:sp>
+        <p:nvSpPr>
+          <p:cNvPr id="3" name="Espace réservé du contenu 2"/>
+          <p:cNvSpPr>
+            <a:spLocks noGrp="1"/>
+          </p:cNvSpPr>
+          <p:nvPr>
+            <p:ph idx="1"/>
+          </p:nvPr>
+        </p:nvSpPr>
+        <p:spPr/>
+        <p:txBody>
+          <a:bodyPr/>
+          <a:lstStyle/>
+          <a:p>
+            <a:endParaRPr lang="fr-FR"/>
+          </a:p>
+        </p:txBody>
+      </p:sp>
+    </p:spTree>
+    <p:extLst>
+      <p:ext uri="{BB962C8B-B14F-4D97-AF65-F5344CB8AC3E}">
+        <p14:creationId xmlns:p14="http://schemas.microsoft.com/office/powerpoint/2010/main" val="521059531"/>
+      </p:ext>
+    </p:extLst>
+  </p:cSld>
+  <p:clrMapOvr>
+    <a:masterClrMapping/>
+  </p:clrMapOvr>
+</p:sld>
+</file>
+
+<file path=ppt/slides/slide17.xml><?xml version="1.0" encoding="utf-8"?>
+<p:sld xmlns:a="http://schemas.openxmlformats.org/drawingml/2006/main" xmlns:r="http://schemas.openxmlformats.org/officeDocument/2006/relationships" xmlns:p="http://schemas.openxmlformats.org/presentationml/2006/main">
+  <p:cSld>
+    <p:spTree>
+      <p:nvGrpSpPr>
+        <p:cNvPr id="1" name=""/>
+        <p:cNvGrpSpPr/>
+        <p:nvPr/>
+      </p:nvGrpSpPr>
+      <p:grpSpPr>
+        <a:xfrm>
+          <a:off x="0" y="0"/>
+          <a:ext cx="0" cy="0"/>
+          <a:chOff x="0" y="0"/>
+          <a:chExt cx="0" cy="0"/>
+        </a:xfrm>
+      </p:grpSpPr>
+      <p:sp>
+        <p:nvSpPr>
+          <p:cNvPr id="2" name="Titre 1"/>
+          <p:cNvSpPr>
+            <a:spLocks noGrp="1"/>
+          </p:cNvSpPr>
+          <p:nvPr>
+            <p:ph type="title"/>
+          </p:nvPr>
+        </p:nvSpPr>
+        <p:spPr/>
+        <p:txBody>
+          <a:bodyPr/>
+          <a:lstStyle/>
+          <a:p>
+            <a:r>
+              <a:rPr lang="fr-FR" dirty="0" err="1" smtClean="0"/>
+              <a:t>Example</a:t>
+            </a:r>
+            <a:r>
+              <a:rPr lang="fr-FR" dirty="0" smtClean="0"/>
+              <a:t> 2</a:t>
+            </a:r>
+            <a:endParaRPr lang="fr-FR" dirty="0"/>
+          </a:p>
+        </p:txBody>
+      </p:sp>
+      <p:sp>
+        <p:nvSpPr>
+          <p:cNvPr id="3" name="Espace réservé du contenu 2"/>
+          <p:cNvSpPr>
+            <a:spLocks noGrp="1"/>
+          </p:cNvSpPr>
+          <p:nvPr>
+            <p:ph idx="1"/>
+          </p:nvPr>
+        </p:nvSpPr>
+        <p:spPr/>
+        <p:txBody>
+          <a:bodyPr/>
+          <a:lstStyle/>
+          <a:p>
+            <a:endParaRPr lang="fr-FR"/>
+          </a:p>
+        </p:txBody>
+      </p:sp>
+    </p:spTree>
+    <p:extLst>
+      <p:ext uri="{BB962C8B-B14F-4D97-AF65-F5344CB8AC3E}">
+        <p14:creationId xmlns:p14="http://schemas.microsoft.com/office/powerpoint/2010/main" val="3956432947"/>
+      </p:ext>
+    </p:extLst>
+  </p:cSld>
+  <p:clrMapOvr>
+    <a:masterClrMapping/>
+  </p:clrMapOvr>
+</p:sld>
+</file>
+
+<file path=ppt/slides/slide18.xml><?xml version="1.0" encoding="utf-8"?>
+<p:sld xmlns:a="http://schemas.openxmlformats.org/drawingml/2006/main" xmlns:r="http://schemas.openxmlformats.org/officeDocument/2006/relationships" xmlns:p="http://schemas.openxmlformats.org/presentationml/2006/main">
+  <p:cSld>
+    <p:spTree>
+      <p:nvGrpSpPr>
+        <p:cNvPr id="1" name=""/>
+        <p:cNvGrpSpPr/>
+        <p:nvPr/>
+      </p:nvGrpSpPr>
+      <p:grpSpPr>
+        <a:xfrm>
+          <a:off x="0" y="0"/>
+          <a:ext cx="0" cy="0"/>
+          <a:chOff x="0" y="0"/>
+          <a:chExt cx="0" cy="0"/>
+        </a:xfrm>
+      </p:grpSpPr>
+      <p:sp>
+        <p:nvSpPr>
+          <p:cNvPr id="2" name="Titre 1"/>
+          <p:cNvSpPr>
+            <a:spLocks noGrp="1"/>
+          </p:cNvSpPr>
+          <p:nvPr>
+            <p:ph type="title"/>
+          </p:nvPr>
+        </p:nvSpPr>
+        <p:spPr/>
+        <p:txBody>
+          <a:bodyPr/>
+          <a:lstStyle/>
+          <a:p>
+            <a:r>
+              <a:rPr lang="fr-FR" dirty="0" err="1" smtClean="0"/>
+              <a:t>Guarantees</a:t>
+            </a:r>
+            <a:endParaRPr lang="fr-FR" dirty="0"/>
+          </a:p>
+        </p:txBody>
+      </p:sp>
+      <p:sp>
+        <p:nvSpPr>
+          <p:cNvPr id="3" name="Espace réservé du contenu 2"/>
+          <p:cNvSpPr>
+            <a:spLocks noGrp="1"/>
+          </p:cNvSpPr>
+          <p:nvPr>
+            <p:ph idx="1"/>
+          </p:nvPr>
+        </p:nvSpPr>
+        <p:spPr/>
+        <p:txBody>
+          <a:bodyPr>
+            <a:normAutofit lnSpcReduction="10000"/>
+          </a:bodyPr>
+          <a:lstStyle/>
+          <a:p>
+            <a:r>
+              <a:rPr lang="fr-FR" dirty="0" err="1" smtClean="0"/>
+              <a:t>Correctness</a:t>
+            </a:r>
+            <a:r>
+              <a:rPr lang="fr-FR" dirty="0" smtClean="0"/>
+              <a:t>:</a:t>
+            </a:r>
+            <a:r>
+              <a:rPr lang="fr-FR" dirty="0"/>
+              <a:t/>
+            </a:r>
+            <a:br>
+              <a:rPr lang="fr-FR" dirty="0"/>
+            </a:br>
+            <a:r>
+              <a:rPr lang="fr-FR" dirty="0" err="1" smtClean="0"/>
+              <a:t>any</a:t>
+            </a:r>
+            <a:r>
+              <a:rPr lang="fr-FR" dirty="0" smtClean="0"/>
+              <a:t> invariant </a:t>
+            </a:r>
+            <a:r>
+              <a:rPr lang="fr-FR" dirty="0" err="1" smtClean="0"/>
+              <a:t>generated</a:t>
+            </a:r>
+            <a:r>
+              <a:rPr lang="fr-FR" dirty="0" smtClean="0"/>
+              <a:t> </a:t>
+            </a:r>
+            <a:r>
+              <a:rPr lang="fr-FR" dirty="0" err="1" smtClean="0"/>
+              <a:t>is</a:t>
+            </a:r>
+            <a:r>
+              <a:rPr lang="fr-FR" dirty="0" smtClean="0"/>
+              <a:t> correct, in the </a:t>
+            </a:r>
+            <a:r>
+              <a:rPr lang="fr-FR" dirty="0" err="1" smtClean="0"/>
+              <a:t>sense</a:t>
+            </a:r>
+            <a:r>
+              <a:rPr lang="fr-FR" dirty="0" smtClean="0"/>
+              <a:t> </a:t>
+            </a:r>
+            <a:r>
+              <a:rPr lang="fr-FR" dirty="0" err="1" smtClean="0"/>
+              <a:t>that</a:t>
+            </a:r>
+            <a:r>
+              <a:rPr lang="fr-FR" dirty="0" smtClean="0"/>
+              <a:t> </a:t>
+            </a:r>
+            <a:r>
+              <a:rPr lang="fr-FR" dirty="0" err="1" smtClean="0"/>
+              <a:t>it</a:t>
+            </a:r>
+            <a:r>
+              <a:rPr lang="fr-FR" dirty="0" smtClean="0"/>
+              <a:t> </a:t>
+            </a:r>
+            <a:r>
+              <a:rPr lang="fr-FR" dirty="0" err="1" smtClean="0"/>
+              <a:t>will</a:t>
+            </a:r>
+            <a:r>
+              <a:rPr lang="fr-FR" dirty="0" smtClean="0"/>
+              <a:t> </a:t>
+            </a:r>
+            <a:r>
+              <a:rPr lang="fr-FR" dirty="0" err="1" smtClean="0"/>
+              <a:t>always</a:t>
+            </a:r>
+            <a:r>
+              <a:rPr lang="fr-FR" dirty="0" smtClean="0"/>
+              <a:t> </a:t>
+            </a:r>
+            <a:r>
+              <a:rPr lang="fr-FR" dirty="0" err="1" smtClean="0"/>
+              <a:t>be</a:t>
+            </a:r>
+            <a:r>
+              <a:rPr lang="fr-FR" dirty="0" smtClean="0"/>
+              <a:t> </a:t>
+            </a:r>
+            <a:r>
+              <a:rPr lang="fr-FR" dirty="0" err="1" smtClean="0"/>
+              <a:t>satisfied</a:t>
+            </a:r>
+            <a:r>
+              <a:rPr lang="fr-FR" dirty="0" smtClean="0"/>
+              <a:t> in </a:t>
+            </a:r>
+            <a:r>
+              <a:rPr lang="fr-FR" dirty="0" err="1" smtClean="0"/>
+              <a:t>any</a:t>
+            </a:r>
+            <a:r>
+              <a:rPr lang="fr-FR" dirty="0" smtClean="0"/>
+              <a:t> </a:t>
+            </a:r>
+            <a:r>
+              <a:rPr lang="fr-FR" dirty="0" err="1" smtClean="0"/>
+              <a:t>execution</a:t>
+            </a:r>
+            <a:r>
+              <a:rPr lang="fr-FR" dirty="0" smtClean="0"/>
+              <a:t> (</a:t>
+            </a:r>
+            <a:r>
+              <a:rPr lang="fr-FR" dirty="0" err="1" smtClean="0"/>
+              <a:t>assuming</a:t>
+            </a:r>
+            <a:r>
+              <a:rPr lang="fr-FR" dirty="0" smtClean="0"/>
+              <a:t> </a:t>
+            </a:r>
+            <a:r>
+              <a:rPr lang="fr-FR" dirty="0" err="1" smtClean="0"/>
+              <a:t>that</a:t>
+            </a:r>
+            <a:r>
+              <a:rPr lang="fr-FR" dirty="0" smtClean="0"/>
+              <a:t> the initial set of invariants </a:t>
+            </a:r>
+            <a:r>
+              <a:rPr lang="fr-FR" dirty="0" err="1" smtClean="0"/>
+              <a:t>is</a:t>
+            </a:r>
+            <a:r>
+              <a:rPr lang="fr-FR" dirty="0" smtClean="0"/>
+              <a:t> </a:t>
+            </a:r>
+            <a:r>
+              <a:rPr lang="fr-FR" dirty="0" err="1" smtClean="0"/>
+              <a:t>also</a:t>
+            </a:r>
+            <a:r>
+              <a:rPr lang="fr-FR" dirty="0" smtClean="0"/>
+              <a:t> correct).</a:t>
+            </a:r>
+          </a:p>
+          <a:p>
+            <a:endParaRPr lang="fr-FR" dirty="0"/>
+          </a:p>
+          <a:p>
+            <a:r>
+              <a:rPr lang="fr-FR" i="1" dirty="0" err="1" smtClean="0"/>
+              <a:t>Completeness</a:t>
+            </a:r>
+            <a:r>
+              <a:rPr lang="fr-FR" dirty="0" smtClean="0"/>
+              <a:t>:</a:t>
+            </a:r>
+            <a:br>
+              <a:rPr lang="fr-FR" dirty="0" smtClean="0"/>
+            </a:br>
+            <a:r>
+              <a:rPr lang="fr-FR" dirty="0" smtClean="0"/>
+              <a:t>If </a:t>
+            </a:r>
+            <a:r>
+              <a:rPr lang="fr-FR" dirty="0" err="1" smtClean="0"/>
+              <a:t>some</a:t>
+            </a:r>
+            <a:r>
+              <a:rPr lang="fr-FR" dirty="0" smtClean="0"/>
+              <a:t> </a:t>
+            </a:r>
+            <a:r>
+              <a:rPr lang="fr-FR" dirty="0" err="1" smtClean="0"/>
+              <a:t>valid</a:t>
+            </a:r>
+            <a:r>
+              <a:rPr lang="fr-FR" dirty="0" smtClean="0"/>
+              <a:t> </a:t>
+            </a:r>
+            <a:r>
+              <a:rPr lang="fr-FR" dirty="0" err="1" smtClean="0"/>
+              <a:t>universal</a:t>
+            </a:r>
+            <a:r>
+              <a:rPr lang="fr-FR" dirty="0" smtClean="0"/>
+              <a:t> invariant </a:t>
+            </a:r>
+            <a:r>
+              <a:rPr lang="fr-FR" dirty="0" err="1" smtClean="0"/>
+              <a:t>exist</a:t>
+            </a:r>
+            <a:r>
+              <a:rPr lang="fr-FR" dirty="0" smtClean="0"/>
+              <a:t>, one </a:t>
+            </a:r>
+            <a:r>
+              <a:rPr lang="fr-FR" dirty="0" err="1" smtClean="0"/>
+              <a:t>will</a:t>
+            </a:r>
+            <a:r>
+              <a:rPr lang="fr-FR" dirty="0" smtClean="0"/>
+              <a:t> </a:t>
+            </a:r>
+            <a:r>
+              <a:rPr lang="fr-FR" dirty="0" err="1" smtClean="0"/>
+              <a:t>always</a:t>
+            </a:r>
+            <a:r>
+              <a:rPr lang="fr-FR" dirty="0" smtClean="0"/>
+              <a:t> </a:t>
+            </a:r>
+            <a:r>
+              <a:rPr lang="fr-FR" dirty="0" err="1" smtClean="0"/>
+              <a:t>be</a:t>
+            </a:r>
+            <a:r>
+              <a:rPr lang="fr-FR" dirty="0" smtClean="0"/>
+              <a:t> </a:t>
+            </a:r>
+            <a:r>
+              <a:rPr lang="fr-FR" dirty="0" err="1" smtClean="0"/>
+              <a:t>proposed</a:t>
+            </a:r>
+            <a:r>
+              <a:rPr lang="fr-FR" dirty="0" smtClean="0"/>
+              <a:t>.</a:t>
+            </a:r>
+            <a:br>
+              <a:rPr lang="fr-FR" dirty="0" smtClean="0"/>
+            </a:br>
+            <a:r>
+              <a:rPr lang="fr-FR" dirty="0" smtClean="0"/>
+              <a:t>If a </a:t>
+            </a:r>
+            <a:r>
+              <a:rPr lang="fr-FR" dirty="0" smtClean="0">
+                <a:solidFill>
+                  <a:schemeClr val="dk1"/>
+                </a:solidFill>
+              </a:rPr>
+              <a:t>∀∃ formula </a:t>
+            </a:r>
+            <a:r>
+              <a:rPr lang="fr-FR" dirty="0" err="1" smtClean="0">
+                <a:solidFill>
+                  <a:schemeClr val="dk1"/>
+                </a:solidFill>
+              </a:rPr>
+              <a:t>is</a:t>
+            </a:r>
+            <a:r>
+              <a:rPr lang="fr-FR" dirty="0" smtClean="0">
+                <a:solidFill>
+                  <a:schemeClr val="dk1"/>
+                </a:solidFill>
+              </a:rPr>
+              <a:t> </a:t>
+            </a:r>
+            <a:r>
+              <a:rPr lang="fr-FR" dirty="0" err="1" smtClean="0">
+                <a:solidFill>
+                  <a:schemeClr val="dk1"/>
+                </a:solidFill>
+              </a:rPr>
+              <a:t>needed</a:t>
+            </a:r>
+            <a:r>
+              <a:rPr lang="fr-FR" dirty="0" smtClean="0">
+                <a:solidFill>
+                  <a:schemeClr val="dk1"/>
+                </a:solidFill>
+              </a:rPr>
+              <a:t>, one </a:t>
+            </a:r>
+            <a:r>
+              <a:rPr lang="fr-FR" dirty="0" err="1" smtClean="0">
+                <a:solidFill>
+                  <a:schemeClr val="dk1"/>
+                </a:solidFill>
+              </a:rPr>
+              <a:t>may</a:t>
+            </a:r>
+            <a:r>
+              <a:rPr lang="fr-FR" dirty="0" smtClean="0">
+                <a:solidFill>
+                  <a:schemeClr val="dk1"/>
+                </a:solidFill>
+              </a:rPr>
+              <a:t> </a:t>
+            </a:r>
+            <a:r>
+              <a:rPr lang="fr-FR" dirty="0" err="1" smtClean="0">
+                <a:solidFill>
+                  <a:schemeClr val="dk1"/>
+                </a:solidFill>
+              </a:rPr>
+              <a:t>be</a:t>
+            </a:r>
+            <a:r>
+              <a:rPr lang="fr-FR" dirty="0" smtClean="0">
+                <a:solidFill>
+                  <a:schemeClr val="dk1"/>
+                </a:solidFill>
+              </a:rPr>
+              <a:t> </a:t>
+            </a:r>
+            <a:r>
+              <a:rPr lang="fr-FR" dirty="0" err="1" smtClean="0">
+                <a:solidFill>
+                  <a:schemeClr val="dk1"/>
+                </a:solidFill>
+              </a:rPr>
+              <a:t>proposed</a:t>
+            </a:r>
+            <a:r>
+              <a:rPr lang="fr-FR" dirty="0" smtClean="0">
+                <a:solidFill>
+                  <a:schemeClr val="dk1"/>
+                </a:solidFill>
+              </a:rPr>
+              <a:t> (</a:t>
+            </a:r>
+            <a:r>
+              <a:rPr lang="fr-FR" dirty="0" err="1" smtClean="0">
+                <a:solidFill>
+                  <a:schemeClr val="dk1"/>
+                </a:solidFill>
+              </a:rPr>
+              <a:t>still</a:t>
+            </a:r>
+            <a:r>
+              <a:rPr lang="fr-FR" dirty="0" smtClean="0">
+                <a:solidFill>
+                  <a:schemeClr val="dk1"/>
+                </a:solidFill>
+              </a:rPr>
+              <a:t> </a:t>
+            </a:r>
+            <a:r>
+              <a:rPr lang="fr-FR" dirty="0" err="1" smtClean="0">
+                <a:solidFill>
+                  <a:schemeClr val="dk1"/>
+                </a:solidFill>
+              </a:rPr>
+              <a:t>need</a:t>
+            </a:r>
+            <a:r>
+              <a:rPr lang="fr-FR" dirty="0" smtClean="0">
+                <a:solidFill>
+                  <a:schemeClr val="dk1"/>
+                </a:solidFill>
+              </a:rPr>
+              <a:t> to </a:t>
+            </a:r>
+            <a:r>
+              <a:rPr lang="fr-FR" dirty="0" err="1" smtClean="0">
+                <a:solidFill>
+                  <a:schemeClr val="dk1"/>
+                </a:solidFill>
+              </a:rPr>
+              <a:t>be</a:t>
+            </a:r>
+            <a:r>
+              <a:rPr lang="fr-FR" dirty="0" smtClean="0">
+                <a:solidFill>
+                  <a:schemeClr val="dk1"/>
+                </a:solidFill>
+              </a:rPr>
+              <a:t> </a:t>
+            </a:r>
+            <a:r>
+              <a:rPr lang="fr-FR" dirty="0" err="1" smtClean="0">
+                <a:solidFill>
+                  <a:schemeClr val="dk1"/>
+                </a:solidFill>
+              </a:rPr>
+              <a:t>characterized</a:t>
+            </a:r>
+            <a:r>
+              <a:rPr lang="fr-FR" dirty="0" smtClean="0">
+                <a:solidFill>
+                  <a:schemeClr val="dk1"/>
+                </a:solidFill>
+              </a:rPr>
+              <a:t>).</a:t>
+            </a:r>
+            <a:r>
+              <a:rPr lang="fr-FR" dirty="0"/>
+              <a:t/>
+            </a:r>
+            <a:br>
+              <a:rPr lang="fr-FR" dirty="0"/>
+            </a:br>
+            <a:r>
+              <a:rPr lang="fr-FR" dirty="0" err="1" smtClean="0"/>
+              <a:t>Guarantees</a:t>
+            </a:r>
+            <a:r>
+              <a:rPr lang="fr-FR" dirty="0" smtClean="0"/>
+              <a:t> on the </a:t>
+            </a:r>
+            <a:r>
+              <a:rPr lang="fr-FR" dirty="0" err="1" smtClean="0"/>
+              <a:t>generality</a:t>
+            </a:r>
+            <a:r>
+              <a:rPr lang="fr-FR" dirty="0" smtClean="0"/>
+              <a:t> of the invariant </a:t>
+            </a:r>
+            <a:r>
+              <a:rPr lang="fr-FR" dirty="0" err="1" smtClean="0"/>
+              <a:t>generated</a:t>
+            </a:r>
+            <a:r>
+              <a:rPr lang="fr-FR" dirty="0" smtClean="0"/>
+              <a:t> </a:t>
+            </a:r>
+            <a:r>
+              <a:rPr lang="fr-FR" dirty="0" err="1" smtClean="0"/>
+              <a:t>still</a:t>
+            </a:r>
+            <a:r>
+              <a:rPr lang="fr-FR" dirty="0" smtClean="0"/>
+              <a:t> </a:t>
+            </a:r>
+            <a:r>
+              <a:rPr lang="fr-FR" dirty="0" err="1" smtClean="0"/>
+              <a:t>need</a:t>
+            </a:r>
+            <a:r>
+              <a:rPr lang="fr-FR" dirty="0" smtClean="0"/>
+              <a:t> to </a:t>
+            </a:r>
+            <a:r>
+              <a:rPr lang="fr-FR" dirty="0" err="1" smtClean="0"/>
+              <a:t>be</a:t>
+            </a:r>
+            <a:r>
+              <a:rPr lang="fr-FR" dirty="0" smtClean="0"/>
+              <a:t> </a:t>
+            </a:r>
+            <a:r>
+              <a:rPr lang="fr-FR" dirty="0" err="1" smtClean="0"/>
+              <a:t>characterized</a:t>
+            </a:r>
+            <a:r>
+              <a:rPr lang="fr-FR" dirty="0" smtClean="0"/>
+              <a:t>.</a:t>
+            </a:r>
+          </a:p>
+        </p:txBody>
+      </p:sp>
+    </p:spTree>
+    <p:extLst>
+      <p:ext uri="{BB962C8B-B14F-4D97-AF65-F5344CB8AC3E}">
+        <p14:creationId xmlns:p14="http://schemas.microsoft.com/office/powerpoint/2010/main" val="1234709914"/>
+      </p:ext>
+    </p:extLst>
+  </p:cSld>
+  <p:clrMapOvr>
+    <a:masterClrMapping/>
+  </p:clrMapOvr>
 </p:sld>
 </file>
 
@@ -3117,7 +6657,7 @@
         <p:spPr/>
         <p:txBody>
           <a:bodyPr>
-            <a:normAutofit/>
+            <a:normAutofit lnSpcReduction="10000"/>
           </a:bodyPr>
           <a:lstStyle/>
           <a:p>
@@ -3258,7 +6798,15 @@
             </a:r>
             <a:r>
               <a:rPr lang="fr-FR" dirty="0" smtClean="0"/>
-              <a:t>of the set of invariants.</a:t>
+              <a:t>(</a:t>
+            </a:r>
+            <a:r>
+              <a:rPr lang="fr-FR" dirty="0" err="1" smtClean="0"/>
+              <a:t>wpr</a:t>
+            </a:r>
+            <a:r>
+              <a:rPr lang="fr-FR" dirty="0" smtClean="0"/>
+              <a:t>) of the set of invariants.</a:t>
             </a:r>
           </a:p>
           <a:p>
@@ -3364,6 +6912,78 @@
             <a:r>
               <a:rPr lang="fr-FR" b="1" dirty="0" err="1" smtClean="0"/>
               <a:t>counterexample</a:t>
+            </a:r>
+            <a:r>
+              <a:rPr lang="fr-FR" dirty="0" smtClean="0"/>
+              <a:t>. </a:t>
+            </a:r>
+            <a:r>
+              <a:rPr lang="fr-FR" dirty="0" err="1" smtClean="0"/>
+              <a:t>Doing</a:t>
+            </a:r>
+            <a:r>
+              <a:rPr lang="fr-FR" dirty="0" smtClean="0"/>
+              <a:t> </a:t>
+            </a:r>
+            <a:r>
+              <a:rPr lang="fr-FR" dirty="0" err="1" smtClean="0"/>
+              <a:t>this</a:t>
+            </a:r>
+            <a:r>
+              <a:rPr lang="fr-FR" dirty="0" smtClean="0"/>
+              <a:t> </a:t>
+            </a:r>
+            <a:r>
+              <a:rPr lang="fr-FR" dirty="0" err="1" smtClean="0"/>
+              <a:t>will</a:t>
+            </a:r>
+            <a:r>
+              <a:rPr lang="fr-FR" dirty="0" smtClean="0"/>
+              <a:t> </a:t>
+            </a:r>
+            <a:r>
+              <a:rPr lang="fr-FR" dirty="0" err="1" smtClean="0"/>
+              <a:t>generate</a:t>
+            </a:r>
+            <a:r>
+              <a:rPr lang="fr-FR" dirty="0" smtClean="0"/>
+              <a:t> formulas </a:t>
+            </a:r>
+            <a:r>
+              <a:rPr lang="fr-FR" dirty="0" err="1" smtClean="0"/>
+              <a:t>that</a:t>
+            </a:r>
+            <a:r>
+              <a:rPr lang="fr-FR" dirty="0" smtClean="0"/>
+              <a:t> are more </a:t>
+            </a:r>
+            <a:r>
+              <a:rPr lang="fr-FR" dirty="0" err="1" smtClean="0"/>
+              <a:t>focused</a:t>
+            </a:r>
+            <a:r>
+              <a:rPr lang="fr-FR" dirty="0" smtClean="0"/>
+              <a:t>, simple and intuitive </a:t>
+            </a:r>
+            <a:r>
+              <a:rPr lang="fr-FR" dirty="0" err="1" smtClean="0"/>
+              <a:t>than</a:t>
+            </a:r>
+            <a:r>
+              <a:rPr lang="fr-FR" dirty="0" smtClean="0"/>
+              <a:t> by </a:t>
+            </a:r>
+            <a:r>
+              <a:rPr lang="fr-FR" dirty="0" err="1" smtClean="0"/>
+              <a:t>using</a:t>
+            </a:r>
+            <a:r>
+              <a:rPr lang="fr-FR" dirty="0" smtClean="0"/>
+              <a:t> </a:t>
+            </a:r>
+            <a:r>
+              <a:rPr lang="fr-FR" dirty="0" err="1" smtClean="0"/>
+              <a:t>wpr</a:t>
             </a:r>
             <a:r>
               <a:rPr lang="fr-FR" dirty="0" smtClean="0"/>
@@ -3383,6 +7003,13 @@
   <p:clrMapOvr>
     <a:masterClrMapping/>
   </p:clrMapOvr>
+  <p:timing>
+    <p:tnLst>
+      <p:par>
+        <p:cTn id="1" dur="indefinite" restart="never" nodeType="tmRoot"/>
+      </p:par>
+    </p:tnLst>
+  </p:timing>
 </p:sld>
 </file>
 
@@ -3528,11 +7155,7 @@
             </a:r>
             <a:r>
               <a:rPr lang="fr-FR" dirty="0" err="1" smtClean="0"/>
-              <a:t>minimiz</a:t>
-            </a:r>
-            <a:r>
-              <a:rPr lang="fr-FR" dirty="0" err="1" smtClean="0"/>
-              <a:t>ation</a:t>
+              <a:t>minimization</a:t>
             </a:r>
             <a:r>
               <a:rPr lang="fr-FR" dirty="0" smtClean="0"/>
@@ -4032,6 +7655,13 @@
   <p:clrMapOvr>
     <a:masterClrMapping/>
   </p:clrMapOvr>
+  <p:timing>
+    <p:tnLst>
+      <p:par>
+        <p:cTn id="1" dur="indefinite" restart="never" nodeType="tmRoot"/>
+      </p:par>
+    </p:tnLst>
+  </p:timing>
 </p:sld>
 </file>
 
@@ -4100,14 +7730,14 @@
           <p:nvPr>
             <p:extLst>
               <p:ext uri="{D42A27DB-BD31-4B8C-83A1-F6EECF244321}">
-                <p14:modId xmlns:p14="http://schemas.microsoft.com/office/powerpoint/2010/main" val="793766594"/>
+                <p14:modId xmlns:p14="http://schemas.microsoft.com/office/powerpoint/2010/main" val="2230084904"/>
               </p:ext>
             </p:extLst>
           </p:nvPr>
         </p:nvGraphicFramePr>
         <p:xfrm>
           <a:off x="838200" y="1430711"/>
-          <a:ext cx="10515600" cy="5207892"/>
+          <a:ext cx="10515600" cy="5206338"/>
         </p:xfrm>
         <a:graphic>
           <a:graphicData uri="http://schemas.openxmlformats.org/drawingml/2006/table">
@@ -4281,20 +7911,6 @@
                     <a:bodyPr/>
                     <a:lstStyle/>
                     <a:p>
-                      <a:r>
-                        <a:rPr lang="fr-FR" sz="1800" b="0" i="0" kern="1200" dirty="0" smtClean="0">
-                          <a:solidFill>
-                            <a:schemeClr val="dk1"/>
-                          </a:solidFill>
-                          <a:effectLst/>
-                          <a:latin typeface="+mn-lt"/>
-                          <a:ea typeface="+mn-ea"/>
-                          <a:cs typeface="+mn-cs"/>
-                        </a:rPr>
-                        <a:t>∃∀</a:t>
-                      </a:r>
-                    </a:p>
-                    <a:p>
                       <a:pPr marL="0" marR="0" indent="0" algn="l" defTabSz="914400" rtl="0" eaLnBrk="1" fontAlgn="auto" latinLnBrk="0" hangingPunct="1">
                         <a:lnSpc>
                           <a:spcPct val="100000"/>
@@ -4322,7 +7938,7 @@
                           <a:ea typeface="+mn-ea"/>
                           <a:cs typeface="+mn-cs"/>
                         </a:rPr>
-                        <a:t>(</a:t>
+                        <a:t>∀∃ (</a:t>
                       </a:r>
                       <a:r>
                         <a:rPr lang="fr-FR" sz="1800" b="0" i="0" kern="1200" dirty="0" err="1" smtClean="0">
@@ -4370,7 +7986,7 @@
                           <a:ea typeface="+mn-ea"/>
                           <a:cs typeface="+mn-cs"/>
                         </a:rPr>
-                        <a:t> stable for ∃∀</a:t>
+                        <a:t> stable for ∀∃</a:t>
                       </a:r>
                       <a:r>
                         <a:rPr lang="fr-FR" sz="1800" b="0" i="0" kern="1200" baseline="0" dirty="0" smtClean="0">
@@ -4539,7 +8155,7 @@
                           <a:ea typeface="+mn-ea"/>
                           <a:cs typeface="+mn-cs"/>
                         </a:rPr>
-                        <a:t>∃∀ </a:t>
+                        <a:t>∀∃ </a:t>
                       </a:r>
                       <a:r>
                         <a:rPr lang="fr-FR" sz="1800" b="0" i="0" kern="1200" dirty="0" err="1" smtClean="0">
@@ -4865,7 +8481,7 @@
                       </a:r>
                       <a:r>
                         <a:rPr lang="fr-FR" baseline="0" dirty="0" smtClean="0"/>
-                        <a:t> for the model </a:t>
+                        <a:t> (transitions) for the model </a:t>
                       </a:r>
                       <a:r>
                         <a:rPr lang="fr-FR" baseline="0" dirty="0" err="1" smtClean="0"/>
@@ -4949,7 +8565,7 @@
                           <a:ea typeface="+mn-ea"/>
                           <a:cs typeface="+mn-cs"/>
                         </a:rPr>
-                        <a:t>∃∀ formulas)</a:t>
+                        <a:t>∀∃ formulas)</a:t>
                       </a:r>
                       <a:endParaRPr lang="fr-FR" dirty="0"/>
                     </a:p>
@@ -5284,6 +8900,13 @@
   <p:clrMapOvr>
     <a:masterClrMapping/>
   </p:clrMapOvr>
+  <p:timing>
+    <p:tnLst>
+      <p:par>
+        <p:cTn id="1" dur="indefinite" restart="never" nodeType="tmRoot"/>
+      </p:par>
+    </p:tnLst>
+  </p:timing>
 </p:sld>
 </file>
 
@@ -5405,7 +9028,7 @@
               <a:t> a </a:t>
             </a:r>
             <a:r>
-              <a:rPr lang="fr-FR" dirty="0" err="1" smtClean="0"/>
+              <a:rPr lang="fr-FR" b="1" dirty="0" err="1" smtClean="0"/>
               <a:t>fixpoint</a:t>
             </a:r>
             <a:r>
@@ -5434,7 +9057,7 @@
             </a:r>
             <a:r>
               <a:rPr lang="fr-FR" dirty="0" smtClean="0"/>
-              <a:t> a </a:t>
+              <a:t> the </a:t>
             </a:r>
             <a:r>
               <a:rPr lang="fr-FR" dirty="0" err="1" smtClean="0"/>
@@ -5487,30 +9110,30 @@
             </a:r>
             <a:r>
               <a:rPr lang="fr-FR" dirty="0" err="1" smtClean="0"/>
-              <a:t>can</a:t>
-            </a:r>
-            <a:r>
-              <a:rPr lang="fr-FR" dirty="0" smtClean="0"/>
-              <a:t> </a:t>
-            </a:r>
-            <a:r>
-              <a:rPr lang="fr-FR" dirty="0" err="1" smtClean="0"/>
+              <a:t>may</a:t>
+            </a:r>
+            <a:r>
+              <a:rPr lang="fr-FR" dirty="0" smtClean="0"/>
+              <a:t> </a:t>
+            </a:r>
+            <a:r>
+              <a:rPr lang="fr-FR" b="1" dirty="0" err="1" smtClean="0"/>
               <a:t>never</a:t>
             </a:r>
             <a:r>
-              <a:rPr lang="fr-FR" dirty="0" smtClean="0"/>
-              <a:t> </a:t>
-            </a:r>
-            <a:r>
-              <a:rPr lang="fr-FR" dirty="0" err="1" smtClean="0"/>
+              <a:rPr lang="fr-FR" b="1" dirty="0" smtClean="0"/>
+              <a:t> </a:t>
+            </a:r>
+            <a:r>
+              <a:rPr lang="fr-FR" b="1" dirty="0" err="1" smtClean="0"/>
               <a:t>be</a:t>
             </a:r>
             <a:r>
-              <a:rPr lang="fr-FR" dirty="0" smtClean="0"/>
-              <a:t> </a:t>
-            </a:r>
-            <a:r>
-              <a:rPr lang="fr-FR" dirty="0" err="1" smtClean="0"/>
+              <a:rPr lang="fr-FR" b="1" dirty="0" smtClean="0"/>
+              <a:t> </a:t>
+            </a:r>
+            <a:r>
+              <a:rPr lang="fr-FR" b="1" dirty="0" err="1" smtClean="0"/>
               <a:t>reached</a:t>
             </a:r>
             <a:r>
@@ -5554,7 +9177,7 @@
             </a:r>
             <a:r>
               <a:rPr lang="fr-FR" dirty="0" smtClean="0"/>
-              <a:t>, none of </a:t>
+              <a:t>, none of the </a:t>
             </a:r>
             <a:r>
               <a:rPr lang="fr-FR" dirty="0" err="1" smtClean="0"/>
@@ -5626,7 +9249,7 @@
               <a:t> </a:t>
             </a:r>
             <a:r>
-              <a:rPr lang="fr-FR" dirty="0" err="1" smtClean="0"/>
+              <a:rPr lang="fr-FR" b="1" dirty="0" err="1" smtClean="0"/>
               <a:t>undecidable</a:t>
             </a:r>
             <a:r>
@@ -5726,6 +9349,13 @@
   <p:clrMapOvr>
     <a:masterClrMapping/>
   </p:clrMapOvr>
+  <p:timing>
+    <p:tnLst>
+      <p:par>
+        <p:cTn id="1" dur="indefinite" restart="never" nodeType="tmRoot"/>
+      </p:par>
+    </p:tnLst>
+  </p:timing>
 </p:sld>
 </file>
 
@@ -5762,8 +9392,12 @@
           <a:lstStyle/>
           <a:p>
             <a:r>
-              <a:rPr lang="fr-FR" dirty="0" err="1" smtClean="0"/>
-              <a:t>Examples</a:t>
+              <a:rPr lang="fr-FR" dirty="0" smtClean="0"/>
+              <a:t>Naïve </a:t>
+            </a:r>
+            <a:r>
+              <a:rPr lang="fr-FR" dirty="0" err="1" smtClean="0"/>
+              <a:t>generalization</a:t>
             </a:r>
             <a:endParaRPr lang="fr-FR" dirty="0"/>
           </a:p>
@@ -5779,11 +9413,578 @@
             <p:ph idx="1"/>
           </p:nvPr>
         </p:nvSpPr>
-        <p:spPr/>
+        <p:spPr>
+          <a:xfrm>
+            <a:off x="838200" y="1798730"/>
+            <a:ext cx="10515600" cy="989294"/>
+          </a:xfrm>
+        </p:spPr>
         <p:txBody>
           <a:bodyPr/>
           <a:lstStyle/>
           <a:p>
+            <a:r>
+              <a:rPr lang="fr-FR" dirty="0" smtClean="0"/>
+              <a:t>First, </a:t>
+            </a:r>
+            <a:r>
+              <a:rPr lang="fr-FR" dirty="0" err="1" smtClean="0"/>
+              <a:t>we</a:t>
+            </a:r>
+            <a:r>
+              <a:rPr lang="fr-FR" dirty="0" smtClean="0"/>
+              <a:t> </a:t>
+            </a:r>
+            <a:r>
+              <a:rPr lang="fr-FR" dirty="0" err="1" smtClean="0"/>
+              <a:t>write</a:t>
+            </a:r>
+            <a:r>
+              <a:rPr lang="fr-FR" dirty="0" smtClean="0"/>
+              <a:t> all </a:t>
+            </a:r>
+            <a:r>
+              <a:rPr lang="fr-FR" dirty="0" err="1" smtClean="0"/>
+              <a:t>constraints</a:t>
+            </a:r>
+            <a:r>
+              <a:rPr lang="fr-FR" dirty="0" smtClean="0"/>
+              <a:t> </a:t>
+            </a:r>
+            <a:r>
+              <a:rPr lang="fr-FR" dirty="0" err="1" smtClean="0"/>
+              <a:t>that</a:t>
+            </a:r>
+            <a:r>
+              <a:rPr lang="fr-FR" dirty="0" smtClean="0"/>
+              <a:t> </a:t>
+            </a:r>
+            <a:r>
+              <a:rPr lang="fr-FR" dirty="0" err="1" smtClean="0"/>
+              <a:t>characterize</a:t>
+            </a:r>
+            <a:r>
+              <a:rPr lang="fr-FR" dirty="0" smtClean="0"/>
+              <a:t> the model and the </a:t>
+            </a:r>
+            <a:r>
+              <a:rPr lang="fr-FR" dirty="0" err="1" smtClean="0"/>
+              <a:t>environment</a:t>
+            </a:r>
+            <a:r>
+              <a:rPr lang="fr-FR" dirty="0" smtClean="0"/>
+              <a:t> of the </a:t>
+            </a:r>
+            <a:r>
+              <a:rPr lang="fr-FR" dirty="0" err="1" smtClean="0"/>
+              <a:t>counterexample</a:t>
+            </a:r>
+            <a:r>
+              <a:rPr lang="fr-FR" dirty="0" smtClean="0"/>
+              <a:t>.</a:t>
+            </a:r>
+          </a:p>
+        </p:txBody>
+      </p:sp>
+      <p:grpSp>
+        <p:nvGrpSpPr>
+          <p:cNvPr id="7" name="Groupe 6"/>
+          <p:cNvGrpSpPr/>
+          <p:nvPr/>
+        </p:nvGrpSpPr>
+        <p:grpSpPr>
+          <a:xfrm>
+            <a:off x="1528482" y="3254189"/>
+            <a:ext cx="1649506" cy="2814916"/>
+            <a:chOff x="1075765" y="2796989"/>
+            <a:chExt cx="4222377" cy="2824162"/>
+          </a:xfrm>
+        </p:grpSpPr>
+        <p:sp>
+          <p:nvSpPr>
+            <p:cNvPr id="4" name="Rectangle 3"/>
+            <p:cNvSpPr/>
+            <p:nvPr/>
+          </p:nvSpPr>
+          <p:spPr>
+            <a:xfrm>
+              <a:off x="1075765" y="3164541"/>
+              <a:ext cx="4222377" cy="2456610"/>
+            </a:xfrm>
+            <a:prstGeom prst="rect">
+              <a:avLst/>
+            </a:prstGeom>
+          </p:spPr>
+          <p:style>
+            <a:lnRef idx="2">
+              <a:schemeClr val="accent3"/>
+            </a:lnRef>
+            <a:fillRef idx="1">
+              <a:schemeClr val="lt1"/>
+            </a:fillRef>
+            <a:effectRef idx="0">
+              <a:schemeClr val="accent3"/>
+            </a:effectRef>
+            <a:fontRef idx="minor">
+              <a:schemeClr val="dk1"/>
+            </a:fontRef>
+          </p:style>
+          <p:txBody>
+            <a:bodyPr rtlCol="0" anchor="ctr"/>
+            <a:lstStyle/>
+            <a:p>
+              <a:pPr algn="ctr"/>
+              <a:endParaRPr lang="fr-FR"/>
+            </a:p>
+          </p:txBody>
+        </p:sp>
+        <p:sp>
+          <p:nvSpPr>
+            <p:cNvPr id="6" name="Rectangle 5"/>
+            <p:cNvSpPr/>
+            <p:nvPr/>
+          </p:nvSpPr>
+          <p:spPr>
+            <a:xfrm>
+              <a:off x="1075765" y="2796989"/>
+              <a:ext cx="4222377" cy="367552"/>
+            </a:xfrm>
+            <a:prstGeom prst="rect">
+              <a:avLst/>
+            </a:prstGeom>
+          </p:spPr>
+          <p:style>
+            <a:lnRef idx="2">
+              <a:schemeClr val="accent3">
+                <a:shade val="50000"/>
+              </a:schemeClr>
+            </a:lnRef>
+            <a:fillRef idx="1">
+              <a:schemeClr val="accent3"/>
+            </a:fillRef>
+            <a:effectRef idx="0">
+              <a:schemeClr val="accent3"/>
+            </a:effectRef>
+            <a:fontRef idx="minor">
+              <a:schemeClr val="lt1"/>
+            </a:fontRef>
+          </p:style>
+          <p:txBody>
+            <a:bodyPr rtlCol="0" anchor="ctr"/>
+            <a:lstStyle/>
+            <a:p>
+              <a:pPr algn="ctr"/>
+              <a:r>
+                <a:rPr lang="fr-FR" dirty="0" smtClean="0"/>
+                <a:t>Type t1</a:t>
+              </a:r>
+              <a:endParaRPr lang="fr-FR" dirty="0"/>
+            </a:p>
+          </p:txBody>
+        </p:sp>
+      </p:grpSp>
+      <p:sp>
+        <p:nvSpPr>
+          <p:cNvPr id="8" name="Rectangle 7"/>
+          <p:cNvSpPr/>
+          <p:nvPr/>
+        </p:nvSpPr>
+        <p:spPr>
+          <a:xfrm>
+            <a:off x="1788452" y="4919222"/>
+            <a:ext cx="1165412" cy="977153"/>
+          </a:xfrm>
+          <a:prstGeom prst="rect">
+            <a:avLst/>
+          </a:prstGeom>
+        </p:spPr>
+        <p:style>
+          <a:lnRef idx="1">
+            <a:schemeClr val="accent2"/>
+          </a:lnRef>
+          <a:fillRef idx="2">
+            <a:schemeClr val="accent2"/>
+          </a:fillRef>
+          <a:effectRef idx="1">
+            <a:schemeClr val="accent2"/>
+          </a:effectRef>
+          <a:fontRef idx="minor">
+            <a:schemeClr val="dk1"/>
+          </a:fontRef>
+        </p:style>
+        <p:txBody>
+          <a:bodyPr rtlCol="0" anchor="ctr"/>
+          <a:lstStyle/>
+          <a:p>
+            <a:pPr algn="ctr"/>
+            <a:r>
+              <a:rPr lang="fr-FR" dirty="0" smtClean="0"/>
+              <a:t>0</a:t>
+            </a:r>
+          </a:p>
+          <a:p>
+            <a:pPr algn="ctr"/>
+            <a:r>
+              <a:rPr lang="fr-FR" dirty="0" smtClean="0"/>
+              <a:t>= var2</a:t>
+            </a:r>
+          </a:p>
+        </p:txBody>
+      </p:sp>
+      <p:sp>
+        <p:nvSpPr>
+          <p:cNvPr id="9" name="Rectangle 8"/>
+          <p:cNvSpPr/>
+          <p:nvPr/>
+        </p:nvSpPr>
+        <p:spPr>
+          <a:xfrm>
+            <a:off x="1788452" y="3772939"/>
+            <a:ext cx="1165412" cy="977153"/>
+          </a:xfrm>
+          <a:prstGeom prst="rect">
+            <a:avLst/>
+          </a:prstGeom>
+        </p:spPr>
+        <p:style>
+          <a:lnRef idx="1">
+            <a:schemeClr val="accent1"/>
+          </a:lnRef>
+          <a:fillRef idx="2">
+            <a:schemeClr val="accent1"/>
+          </a:fillRef>
+          <a:effectRef idx="1">
+            <a:schemeClr val="accent1"/>
+          </a:effectRef>
+          <a:fontRef idx="minor">
+            <a:schemeClr val="dk1"/>
+          </a:fontRef>
+        </p:style>
+        <p:txBody>
+          <a:bodyPr rtlCol="0" anchor="ctr"/>
+          <a:lstStyle/>
+          <a:p>
+            <a:pPr algn="ctr"/>
+            <a:r>
+              <a:rPr lang="fr-FR" dirty="0"/>
+              <a:t>1</a:t>
+            </a:r>
+            <a:endParaRPr lang="fr-FR" dirty="0" smtClean="0"/>
+          </a:p>
+          <a:p>
+            <a:pPr algn="ctr"/>
+            <a:r>
+              <a:rPr lang="fr-FR" dirty="0" smtClean="0"/>
+              <a:t>= var1</a:t>
+            </a:r>
+            <a:endParaRPr lang="fr-FR" dirty="0"/>
+          </a:p>
+        </p:txBody>
+      </p:sp>
+      <p:grpSp>
+        <p:nvGrpSpPr>
+          <p:cNvPr id="10" name="Groupe 9"/>
+          <p:cNvGrpSpPr/>
+          <p:nvPr/>
+        </p:nvGrpSpPr>
+        <p:grpSpPr>
+          <a:xfrm>
+            <a:off x="3850342" y="3254189"/>
+            <a:ext cx="1613639" cy="2814916"/>
+            <a:chOff x="1075765" y="2796989"/>
+            <a:chExt cx="4222377" cy="2824162"/>
+          </a:xfrm>
+        </p:grpSpPr>
+        <p:sp>
+          <p:nvSpPr>
+            <p:cNvPr id="11" name="Rectangle 10"/>
+            <p:cNvSpPr/>
+            <p:nvPr/>
+          </p:nvSpPr>
+          <p:spPr>
+            <a:xfrm>
+              <a:off x="1075765" y="3164541"/>
+              <a:ext cx="4222377" cy="2456610"/>
+            </a:xfrm>
+            <a:prstGeom prst="rect">
+              <a:avLst/>
+            </a:prstGeom>
+          </p:spPr>
+          <p:style>
+            <a:lnRef idx="2">
+              <a:schemeClr val="accent3"/>
+            </a:lnRef>
+            <a:fillRef idx="1">
+              <a:schemeClr val="lt1"/>
+            </a:fillRef>
+            <a:effectRef idx="0">
+              <a:schemeClr val="accent3"/>
+            </a:effectRef>
+            <a:fontRef idx="minor">
+              <a:schemeClr val="dk1"/>
+            </a:fontRef>
+          </p:style>
+          <p:txBody>
+            <a:bodyPr rtlCol="0" anchor="ctr"/>
+            <a:lstStyle/>
+            <a:p>
+              <a:pPr algn="ctr"/>
+              <a:endParaRPr lang="fr-FR"/>
+            </a:p>
+          </p:txBody>
+        </p:sp>
+        <p:sp>
+          <p:nvSpPr>
+            <p:cNvPr id="12" name="Rectangle 11"/>
+            <p:cNvSpPr/>
+            <p:nvPr/>
+          </p:nvSpPr>
+          <p:spPr>
+            <a:xfrm>
+              <a:off x="1075765" y="2796989"/>
+              <a:ext cx="4222377" cy="367552"/>
+            </a:xfrm>
+            <a:prstGeom prst="rect">
+              <a:avLst/>
+            </a:prstGeom>
+          </p:spPr>
+          <p:style>
+            <a:lnRef idx="2">
+              <a:schemeClr val="accent3">
+                <a:shade val="50000"/>
+              </a:schemeClr>
+            </a:lnRef>
+            <a:fillRef idx="1">
+              <a:schemeClr val="accent3"/>
+            </a:fillRef>
+            <a:effectRef idx="0">
+              <a:schemeClr val="accent3"/>
+            </a:effectRef>
+            <a:fontRef idx="minor">
+              <a:schemeClr val="lt1"/>
+            </a:fontRef>
+          </p:style>
+          <p:txBody>
+            <a:bodyPr rtlCol="0" anchor="ctr"/>
+            <a:lstStyle/>
+            <a:p>
+              <a:pPr algn="ctr"/>
+              <a:r>
+                <a:rPr lang="fr-FR" dirty="0" smtClean="0"/>
+                <a:t>Type t2</a:t>
+              </a:r>
+              <a:endParaRPr lang="fr-FR" dirty="0"/>
+            </a:p>
+          </p:txBody>
+        </p:sp>
+      </p:grpSp>
+      <p:sp>
+        <p:nvSpPr>
+          <p:cNvPr id="13" name="Rectangle 12"/>
+          <p:cNvSpPr/>
+          <p:nvPr/>
+        </p:nvSpPr>
+        <p:spPr>
+          <a:xfrm>
+            <a:off x="4056529" y="3789667"/>
+            <a:ext cx="1165412" cy="977153"/>
+          </a:xfrm>
+          <a:prstGeom prst="rect">
+            <a:avLst/>
+          </a:prstGeom>
+        </p:spPr>
+        <p:style>
+          <a:lnRef idx="1">
+            <a:schemeClr val="accent6"/>
+          </a:lnRef>
+          <a:fillRef idx="2">
+            <a:schemeClr val="accent6"/>
+          </a:fillRef>
+          <a:effectRef idx="1">
+            <a:schemeClr val="accent6"/>
+          </a:effectRef>
+          <a:fontRef idx="minor">
+            <a:schemeClr val="dk1"/>
+          </a:fontRef>
+        </p:style>
+        <p:txBody>
+          <a:bodyPr rtlCol="0" anchor="ctr"/>
+          <a:lstStyle/>
+          <a:p>
+            <a:pPr algn="ctr"/>
+            <a:r>
+              <a:rPr lang="fr-FR" dirty="0" smtClean="0"/>
+              <a:t>0</a:t>
+            </a:r>
+          </a:p>
+          <a:p>
+            <a:pPr algn="ctr"/>
+            <a:r>
+              <a:rPr lang="fr-FR" dirty="0" smtClean="0"/>
+              <a:t>~rel1</a:t>
+            </a:r>
+            <a:endParaRPr lang="fr-FR" dirty="0"/>
+          </a:p>
+        </p:txBody>
+      </p:sp>
+      <p:cxnSp>
+        <p:nvCxnSpPr>
+          <p:cNvPr id="15" name="Connecteur droit avec flèche 14"/>
+          <p:cNvCxnSpPr>
+            <a:stCxn id="13" idx="1"/>
+            <a:endCxn id="9" idx="3"/>
+          </p:cNvCxnSpPr>
+          <p:nvPr/>
+        </p:nvCxnSpPr>
+        <p:spPr>
+          <a:xfrm flipH="1" flipV="1">
+            <a:off x="2953864" y="4261516"/>
+            <a:ext cx="1102665" cy="16728"/>
+          </a:xfrm>
+          <a:prstGeom prst="straightConnector1">
+            <a:avLst/>
+          </a:prstGeom>
+          <a:ln>
+            <a:tailEnd type="triangle"/>
+          </a:ln>
+        </p:spPr>
+        <p:style>
+          <a:lnRef idx="3">
+            <a:schemeClr val="dk1"/>
+          </a:lnRef>
+          <a:fillRef idx="0">
+            <a:schemeClr val="dk1"/>
+          </a:fillRef>
+          <a:effectRef idx="2">
+            <a:schemeClr val="dk1"/>
+          </a:effectRef>
+          <a:fontRef idx="minor">
+            <a:schemeClr val="tx1"/>
+          </a:fontRef>
+        </p:style>
+      </p:cxnSp>
+      <p:sp>
+        <p:nvSpPr>
+          <p:cNvPr id="17" name="ZoneTexte 16"/>
+          <p:cNvSpPr txBox="1"/>
+          <p:nvPr/>
+        </p:nvSpPr>
+        <p:spPr>
+          <a:xfrm>
+            <a:off x="2953864" y="4261515"/>
+            <a:ext cx="1057836" cy="369332"/>
+          </a:xfrm>
+          <a:prstGeom prst="rect">
+            <a:avLst/>
+          </a:prstGeom>
+          <a:noFill/>
+        </p:spPr>
+        <p:txBody>
+          <a:bodyPr wrap="square" rtlCol="0">
+            <a:spAutoFit/>
+          </a:bodyPr>
+          <a:lstStyle/>
+          <a:p>
+            <a:pPr algn="ctr"/>
+            <a:r>
+              <a:rPr lang="fr-FR" dirty="0" smtClean="0"/>
+              <a:t>fun1</a:t>
+            </a:r>
+            <a:endParaRPr lang="fr-FR" dirty="0"/>
+          </a:p>
+        </p:txBody>
+      </p:sp>
+      <p:sp>
+        <p:nvSpPr>
+          <p:cNvPr id="21" name="ZoneTexte 20"/>
+          <p:cNvSpPr txBox="1"/>
+          <p:nvPr/>
+        </p:nvSpPr>
+        <p:spPr>
+          <a:xfrm>
+            <a:off x="7817223" y="3930470"/>
+            <a:ext cx="2169459" cy="1477328"/>
+          </a:xfrm>
+          <a:prstGeom prst="rect">
+            <a:avLst/>
+          </a:prstGeom>
+          <a:noFill/>
+        </p:spPr>
+        <p:txBody>
+          <a:bodyPr wrap="square" rtlCol="0">
+            <a:spAutoFit/>
+          </a:bodyPr>
+          <a:lstStyle/>
+          <a:p>
+            <a:r>
+              <a:rPr lang="fr-FR" dirty="0" smtClean="0"/>
+              <a:t>0:t1 ~= 1:t1</a:t>
+            </a:r>
+          </a:p>
+          <a:p>
+            <a:r>
+              <a:rPr lang="fr-FR" dirty="0" smtClean="0"/>
+              <a:t>var1 = 1:t1</a:t>
+            </a:r>
+            <a:br>
+              <a:rPr lang="fr-FR" dirty="0" smtClean="0"/>
+            </a:br>
+            <a:r>
+              <a:rPr lang="fr-FR" dirty="0" smtClean="0"/>
+              <a:t>var2 = 0:t1</a:t>
+            </a:r>
+            <a:br>
+              <a:rPr lang="fr-FR" dirty="0" smtClean="0"/>
+            </a:br>
+            <a:r>
+              <a:rPr lang="fr-FR" dirty="0" smtClean="0"/>
+              <a:t>~rel1(0:t2)</a:t>
+            </a:r>
+            <a:br>
+              <a:rPr lang="fr-FR" dirty="0" smtClean="0"/>
+            </a:br>
+            <a:r>
+              <a:rPr lang="fr-FR" dirty="0" smtClean="0"/>
+              <a:t>fun1(0:t2)=1:t1</a:t>
+            </a:r>
+            <a:endParaRPr lang="fr-FR" dirty="0"/>
+          </a:p>
+        </p:txBody>
+      </p:sp>
+      <p:sp>
+        <p:nvSpPr>
+          <p:cNvPr id="24" name="Flèche droite 23"/>
+          <p:cNvSpPr/>
+          <p:nvPr/>
+        </p:nvSpPr>
+        <p:spPr>
+          <a:xfrm>
+            <a:off x="6035484" y="4446181"/>
+            <a:ext cx="1210235" cy="434211"/>
+          </a:xfrm>
+          <a:prstGeom prst="rightArrow">
+            <a:avLst/>
+          </a:prstGeom>
+        </p:spPr>
+        <p:style>
+          <a:lnRef idx="1">
+            <a:schemeClr val="dk1"/>
+          </a:lnRef>
+          <a:fillRef idx="3">
+            <a:schemeClr val="dk1"/>
+          </a:fillRef>
+          <a:effectRef idx="2">
+            <a:schemeClr val="dk1"/>
+          </a:effectRef>
+          <a:fontRef idx="minor">
+            <a:schemeClr val="lt1"/>
+          </a:fontRef>
+        </p:style>
+        <p:txBody>
+          <a:bodyPr rtlCol="0" anchor="ctr"/>
+          <a:lstStyle/>
+          <a:p>
+            <a:pPr algn="ctr"/>
             <a:endParaRPr lang="fr-FR"/>
           </a:p>
         </p:txBody>
@@ -5791,13 +9992,20 @@
     </p:spTree>
     <p:extLst>
       <p:ext uri="{BB962C8B-B14F-4D97-AF65-F5344CB8AC3E}">
-        <p14:creationId xmlns:p14="http://schemas.microsoft.com/office/powerpoint/2010/main" val="3540206418"/>
+        <p14:creationId xmlns:p14="http://schemas.microsoft.com/office/powerpoint/2010/main" val="1905236049"/>
       </p:ext>
     </p:extLst>
   </p:cSld>
   <p:clrMapOvr>
     <a:masterClrMapping/>
   </p:clrMapOvr>
+  <p:timing>
+    <p:tnLst>
+      <p:par>
+        <p:cTn id="1" dur="indefinite" restart="never" nodeType="tmRoot"/>
+      </p:par>
+    </p:tnLst>
+  </p:timing>
 </p:sld>
 </file>
 
@@ -5835,31 +10043,11 @@
           <a:p>
             <a:r>
               <a:rPr lang="fr-FR" dirty="0" smtClean="0"/>
-              <a:t>How </a:t>
-            </a:r>
-            <a:r>
-              <a:rPr lang="fr-FR" dirty="0" err="1" smtClean="0"/>
-              <a:t>does</a:t>
-            </a:r>
-            <a:r>
-              <a:rPr lang="fr-FR" dirty="0" smtClean="0"/>
-              <a:t> </a:t>
-            </a:r>
-            <a:r>
-              <a:rPr lang="fr-FR" dirty="0" err="1" smtClean="0"/>
-              <a:t>it</a:t>
-            </a:r>
-            <a:r>
-              <a:rPr lang="fr-FR" dirty="0" smtClean="0"/>
-              <a:t> </a:t>
-            </a:r>
-            <a:r>
-              <a:rPr lang="fr-FR" dirty="0" err="1" smtClean="0"/>
-              <a:t>work</a:t>
-            </a:r>
-            <a:r>
-              <a:rPr lang="fr-FR" dirty="0" smtClean="0"/>
-              <a:t>?</a:t>
+              <a:t>Naïve </a:t>
+            </a:r>
+            <a:r>
+              <a:rPr lang="fr-FR" dirty="0" err="1" smtClean="0"/>
+              <a:t>generalization</a:t>
             </a:r>
             <a:endParaRPr lang="fr-FR" dirty="0"/>
           </a:p>
@@ -5875,25 +10063,643 @@
             <p:ph idx="1"/>
           </p:nvPr>
         </p:nvSpPr>
-        <p:spPr/>
-        <p:txBody>
-          <a:bodyPr/>
+        <p:spPr>
+          <a:xfrm>
+            <a:off x="838200" y="1798729"/>
+            <a:ext cx="10515600" cy="1670611"/>
+          </a:xfrm>
+        </p:spPr>
+        <p:txBody>
+          <a:bodyPr>
+            <a:normAutofit/>
+          </a:bodyPr>
           <a:lstStyle/>
           <a:p>
-            <a:endParaRPr lang="fr-FR"/>
+            <a:r>
+              <a:rPr lang="fr-FR" dirty="0" err="1" smtClean="0"/>
+              <a:t>Then</a:t>
+            </a:r>
+            <a:r>
+              <a:rPr lang="fr-FR" dirty="0" smtClean="0"/>
+              <a:t>, </a:t>
+            </a:r>
+            <a:r>
+              <a:rPr lang="fr-FR" dirty="0" err="1" smtClean="0"/>
+              <a:t>we</a:t>
+            </a:r>
+            <a:r>
+              <a:rPr lang="fr-FR" dirty="0" smtClean="0"/>
+              <a:t> replace </a:t>
+            </a:r>
+            <a:r>
+              <a:rPr lang="fr-FR" dirty="0" err="1" smtClean="0"/>
+              <a:t>each</a:t>
+            </a:r>
+            <a:r>
+              <a:rPr lang="fr-FR" dirty="0" smtClean="0"/>
+              <a:t> </a:t>
+            </a:r>
+            <a:r>
+              <a:rPr lang="fr-FR" dirty="0" err="1" smtClean="0"/>
+              <a:t>concrete</a:t>
+            </a:r>
+            <a:r>
+              <a:rPr lang="fr-FR" dirty="0" smtClean="0"/>
+              <a:t> value of </a:t>
+            </a:r>
+            <a:r>
+              <a:rPr lang="fr-FR" dirty="0" err="1" smtClean="0"/>
+              <a:t>these</a:t>
+            </a:r>
+            <a:r>
+              <a:rPr lang="fr-FR" dirty="0" smtClean="0"/>
+              <a:t> </a:t>
+            </a:r>
+            <a:r>
+              <a:rPr lang="fr-FR" dirty="0" err="1" smtClean="0"/>
+              <a:t>constraints</a:t>
+            </a:r>
+            <a:r>
+              <a:rPr lang="fr-FR" dirty="0" smtClean="0"/>
+              <a:t> by a variable, and </a:t>
+            </a:r>
+            <a:r>
+              <a:rPr lang="fr-FR" dirty="0" err="1" smtClean="0"/>
+              <a:t>we</a:t>
+            </a:r>
+            <a:r>
+              <a:rPr lang="fr-FR" dirty="0" smtClean="0"/>
+              <a:t> </a:t>
+            </a:r>
+            <a:r>
+              <a:rPr lang="fr-FR" dirty="0" err="1" smtClean="0"/>
+              <a:t>build</a:t>
+            </a:r>
+            <a:r>
+              <a:rPr lang="fr-FR" dirty="0" smtClean="0"/>
+              <a:t> a formula </a:t>
+            </a:r>
+            <a:r>
+              <a:rPr lang="fr-FR" dirty="0" err="1" smtClean="0"/>
+              <a:t>existentially</a:t>
+            </a:r>
+            <a:r>
+              <a:rPr lang="fr-FR" dirty="0" smtClean="0"/>
+              <a:t> </a:t>
+            </a:r>
+            <a:r>
+              <a:rPr lang="fr-FR" dirty="0" err="1" smtClean="0"/>
+              <a:t>quantified</a:t>
+            </a:r>
+            <a:r>
+              <a:rPr lang="fr-FR" dirty="0" smtClean="0"/>
+              <a:t> </a:t>
+            </a:r>
+            <a:r>
+              <a:rPr lang="fr-FR" dirty="0" err="1" smtClean="0"/>
+              <a:t>with</a:t>
+            </a:r>
+            <a:r>
+              <a:rPr lang="fr-FR" dirty="0" smtClean="0"/>
+              <a:t> </a:t>
+            </a:r>
+            <a:r>
+              <a:rPr lang="fr-FR" dirty="0" err="1" smtClean="0"/>
+              <a:t>these</a:t>
+            </a:r>
+            <a:r>
+              <a:rPr lang="fr-FR" dirty="0" smtClean="0"/>
+              <a:t> </a:t>
+            </a:r>
+            <a:r>
+              <a:rPr lang="fr-FR" dirty="0" err="1" smtClean="0"/>
+              <a:t>constraints</a:t>
+            </a:r>
+            <a:r>
+              <a:rPr lang="fr-FR" dirty="0" smtClean="0"/>
+              <a:t>.</a:t>
+            </a:r>
+            <a:r>
+              <a:rPr lang="fr-FR" dirty="0"/>
+              <a:t/>
+            </a:r>
+            <a:br>
+              <a:rPr lang="fr-FR" dirty="0"/>
+            </a:br>
+            <a:r>
+              <a:rPr lang="fr-FR" dirty="0" err="1" smtClean="0"/>
+              <a:t>We</a:t>
+            </a:r>
+            <a:r>
+              <a:rPr lang="fr-FR" dirty="0" smtClean="0"/>
+              <a:t> </a:t>
+            </a:r>
+            <a:r>
+              <a:rPr lang="fr-FR" dirty="0" err="1" smtClean="0"/>
+              <a:t>can</a:t>
+            </a:r>
+            <a:r>
+              <a:rPr lang="fr-FR" dirty="0" smtClean="0"/>
+              <a:t> </a:t>
+            </a:r>
+            <a:r>
+              <a:rPr lang="fr-FR" dirty="0" err="1" smtClean="0"/>
+              <a:t>eliminate</a:t>
+            </a:r>
+            <a:r>
+              <a:rPr lang="fr-FR" dirty="0" smtClean="0"/>
+              <a:t> </a:t>
+            </a:r>
+            <a:r>
+              <a:rPr lang="fr-FR" dirty="0" err="1" smtClean="0"/>
+              <a:t>some</a:t>
+            </a:r>
+            <a:r>
+              <a:rPr lang="fr-FR" dirty="0" smtClean="0"/>
+              <a:t> variables </a:t>
+            </a:r>
+            <a:r>
+              <a:rPr lang="fr-FR" dirty="0" err="1" smtClean="0"/>
+              <a:t>with</a:t>
+            </a:r>
+            <a:r>
+              <a:rPr lang="fr-FR" dirty="0" smtClean="0"/>
+              <a:t> simplifications.</a:t>
+            </a:r>
+          </a:p>
+        </p:txBody>
+      </p:sp>
+      <p:sp>
+        <p:nvSpPr>
+          <p:cNvPr id="21" name="ZoneTexte 20"/>
+          <p:cNvSpPr txBox="1"/>
+          <p:nvPr/>
+        </p:nvSpPr>
+        <p:spPr>
+          <a:xfrm>
+            <a:off x="1013011" y="4136659"/>
+            <a:ext cx="1649507" cy="1477328"/>
+          </a:xfrm>
+          <a:prstGeom prst="rect">
+            <a:avLst/>
+          </a:prstGeom>
+          <a:noFill/>
+        </p:spPr>
+        <p:txBody>
+          <a:bodyPr wrap="square" rtlCol="0">
+            <a:spAutoFit/>
+          </a:bodyPr>
+          <a:lstStyle/>
+          <a:p>
+            <a:r>
+              <a:rPr lang="fr-FR" dirty="0" smtClean="0"/>
+              <a:t>0:t1 ~= 1:t1</a:t>
+            </a:r>
+          </a:p>
+          <a:p>
+            <a:r>
+              <a:rPr lang="fr-FR" dirty="0" smtClean="0"/>
+              <a:t>var1 = 1:t1</a:t>
+            </a:r>
+            <a:br>
+              <a:rPr lang="fr-FR" dirty="0" smtClean="0"/>
+            </a:br>
+            <a:r>
+              <a:rPr lang="fr-FR" dirty="0" smtClean="0"/>
+              <a:t>var2 = 0:t1</a:t>
+            </a:r>
+            <a:br>
+              <a:rPr lang="fr-FR" dirty="0" smtClean="0"/>
+            </a:br>
+            <a:r>
+              <a:rPr lang="fr-FR" dirty="0" smtClean="0"/>
+              <a:t>~rel1(0:t2)</a:t>
+            </a:r>
+            <a:br>
+              <a:rPr lang="fr-FR" dirty="0" smtClean="0"/>
+            </a:br>
+            <a:r>
+              <a:rPr lang="fr-FR" dirty="0" smtClean="0"/>
+              <a:t>fun1(0:t2)=1:t1</a:t>
+            </a:r>
+            <a:endParaRPr lang="fr-FR" dirty="0"/>
+          </a:p>
+        </p:txBody>
+      </p:sp>
+      <p:sp>
+        <p:nvSpPr>
+          <p:cNvPr id="18" name="ZoneTexte 17"/>
+          <p:cNvSpPr txBox="1"/>
+          <p:nvPr/>
+        </p:nvSpPr>
+        <p:spPr>
+          <a:xfrm>
+            <a:off x="3684494" y="4136659"/>
+            <a:ext cx="1461248" cy="1477328"/>
+          </a:xfrm>
+          <a:prstGeom prst="rect">
+            <a:avLst/>
+          </a:prstGeom>
+          <a:noFill/>
+        </p:spPr>
+        <p:txBody>
+          <a:bodyPr wrap="square" rtlCol="0">
+            <a:spAutoFit/>
+          </a:bodyPr>
+          <a:lstStyle/>
+          <a:p>
+            <a:r>
+              <a:rPr lang="fr-FR" dirty="0" smtClean="0"/>
+              <a:t>A ~= B</a:t>
+            </a:r>
+          </a:p>
+          <a:p>
+            <a:r>
+              <a:rPr lang="fr-FR" dirty="0" smtClean="0"/>
+              <a:t>var1 = B</a:t>
+            </a:r>
+            <a:br>
+              <a:rPr lang="fr-FR" dirty="0" smtClean="0"/>
+            </a:br>
+            <a:r>
+              <a:rPr lang="fr-FR" dirty="0" smtClean="0"/>
+              <a:t>var2 = A</a:t>
+            </a:r>
+            <a:br>
+              <a:rPr lang="fr-FR" dirty="0" smtClean="0"/>
+            </a:br>
+            <a:r>
+              <a:rPr lang="fr-FR" dirty="0" smtClean="0"/>
+              <a:t>~rel1(C)</a:t>
+            </a:r>
+            <a:br>
+              <a:rPr lang="fr-FR" dirty="0" smtClean="0"/>
+            </a:br>
+            <a:r>
+              <a:rPr lang="fr-FR" dirty="0" smtClean="0"/>
+              <a:t>fun1(C)=B</a:t>
+            </a:r>
+            <a:endParaRPr lang="fr-FR" dirty="0"/>
+          </a:p>
+        </p:txBody>
+      </p:sp>
+      <p:sp>
+        <p:nvSpPr>
+          <p:cNvPr id="25" name="ZoneTexte 24"/>
+          <p:cNvSpPr txBox="1"/>
+          <p:nvPr/>
+        </p:nvSpPr>
+        <p:spPr>
+          <a:xfrm>
+            <a:off x="5934631" y="4382281"/>
+            <a:ext cx="1461248" cy="923330"/>
+          </a:xfrm>
+          <a:prstGeom prst="rect">
+            <a:avLst/>
+          </a:prstGeom>
+          <a:noFill/>
+        </p:spPr>
+        <p:txBody>
+          <a:bodyPr wrap="square" rtlCol="0">
+            <a:spAutoFit/>
+          </a:bodyPr>
+          <a:lstStyle/>
+          <a:p>
+            <a:r>
+              <a:rPr lang="fr-FR" dirty="0" smtClean="0"/>
+              <a:t>var2 ~= var1</a:t>
+            </a:r>
+          </a:p>
+          <a:p>
+            <a:r>
+              <a:rPr lang="fr-FR" dirty="0" smtClean="0"/>
+              <a:t>~rel1(C)</a:t>
+            </a:r>
+            <a:br>
+              <a:rPr lang="fr-FR" dirty="0" smtClean="0"/>
+            </a:br>
+            <a:r>
+              <a:rPr lang="fr-FR" dirty="0" smtClean="0"/>
+              <a:t>fun1(C)=var1</a:t>
+            </a:r>
+            <a:endParaRPr lang="fr-FR" dirty="0"/>
+          </a:p>
+        </p:txBody>
+      </p:sp>
+      <p:grpSp>
+        <p:nvGrpSpPr>
+          <p:cNvPr id="29" name="Groupe 28"/>
+          <p:cNvGrpSpPr/>
+          <p:nvPr/>
+        </p:nvGrpSpPr>
+        <p:grpSpPr>
+          <a:xfrm>
+            <a:off x="2662518" y="4812570"/>
+            <a:ext cx="1021976" cy="709084"/>
+            <a:chOff x="2662518" y="4812570"/>
+            <a:chExt cx="1021976" cy="709084"/>
+          </a:xfrm>
+        </p:grpSpPr>
+        <p:cxnSp>
+          <p:nvCxnSpPr>
+            <p:cNvPr id="14" name="Connecteur droit avec flèche 13"/>
+            <p:cNvCxnSpPr/>
+            <p:nvPr/>
+          </p:nvCxnSpPr>
+          <p:spPr>
+            <a:xfrm>
+              <a:off x="2662518" y="4812570"/>
+              <a:ext cx="1021976" cy="0"/>
+            </a:xfrm>
+            <a:prstGeom prst="straightConnector1">
+              <a:avLst/>
+            </a:prstGeom>
+            <a:ln>
+              <a:tailEnd type="triangle"/>
+            </a:ln>
+          </p:spPr>
+          <p:style>
+            <a:lnRef idx="1">
+              <a:schemeClr val="accent1"/>
+            </a:lnRef>
+            <a:fillRef idx="0">
+              <a:schemeClr val="accent1"/>
+            </a:fillRef>
+            <a:effectRef idx="0">
+              <a:schemeClr val="accent1"/>
+            </a:effectRef>
+            <a:fontRef idx="minor">
+              <a:schemeClr val="tx1"/>
+            </a:fontRef>
+          </p:style>
+        </p:cxnSp>
+        <p:sp>
+          <p:nvSpPr>
+            <p:cNvPr id="26" name="ZoneTexte 25"/>
+            <p:cNvSpPr txBox="1"/>
+            <p:nvPr/>
+          </p:nvSpPr>
+          <p:spPr>
+            <a:xfrm>
+              <a:off x="2680447" y="4875323"/>
+              <a:ext cx="932329" cy="646331"/>
+            </a:xfrm>
+            <a:prstGeom prst="rect">
+              <a:avLst/>
+            </a:prstGeom>
+            <a:noFill/>
+          </p:spPr>
+          <p:txBody>
+            <a:bodyPr wrap="square" rtlCol="0">
+              <a:spAutoFit/>
+            </a:bodyPr>
+            <a:lstStyle/>
+            <a:p>
+              <a:pPr algn="ctr"/>
+              <a:r>
+                <a:rPr lang="fr-FR" dirty="0" err="1" smtClean="0"/>
+                <a:t>Adding</a:t>
+              </a:r>
+              <a:r>
+                <a:rPr lang="fr-FR" dirty="0" smtClean="0"/>
+                <a:t> vars</a:t>
+              </a:r>
+              <a:endParaRPr lang="fr-FR" dirty="0"/>
+            </a:p>
+          </p:txBody>
+        </p:sp>
+      </p:grpSp>
+      <p:grpSp>
+        <p:nvGrpSpPr>
+          <p:cNvPr id="30" name="Groupe 29"/>
+          <p:cNvGrpSpPr/>
+          <p:nvPr/>
+        </p:nvGrpSpPr>
+        <p:grpSpPr>
+          <a:xfrm>
+            <a:off x="4831977" y="4843946"/>
+            <a:ext cx="1021976" cy="709084"/>
+            <a:chOff x="2662518" y="4812570"/>
+            <a:chExt cx="1021976" cy="709084"/>
+          </a:xfrm>
+        </p:grpSpPr>
+        <p:cxnSp>
+          <p:nvCxnSpPr>
+            <p:cNvPr id="31" name="Connecteur droit avec flèche 30"/>
+            <p:cNvCxnSpPr/>
+            <p:nvPr/>
+          </p:nvCxnSpPr>
+          <p:spPr>
+            <a:xfrm>
+              <a:off x="2662518" y="4812570"/>
+              <a:ext cx="1021976" cy="0"/>
+            </a:xfrm>
+            <a:prstGeom prst="straightConnector1">
+              <a:avLst/>
+            </a:prstGeom>
+            <a:ln>
+              <a:tailEnd type="triangle"/>
+            </a:ln>
+          </p:spPr>
+          <p:style>
+            <a:lnRef idx="1">
+              <a:schemeClr val="accent1"/>
+            </a:lnRef>
+            <a:fillRef idx="0">
+              <a:schemeClr val="accent1"/>
+            </a:fillRef>
+            <a:effectRef idx="0">
+              <a:schemeClr val="accent1"/>
+            </a:effectRef>
+            <a:fontRef idx="minor">
+              <a:schemeClr val="tx1"/>
+            </a:fontRef>
+          </p:style>
+        </p:cxnSp>
+        <p:sp>
+          <p:nvSpPr>
+            <p:cNvPr id="32" name="ZoneTexte 31"/>
+            <p:cNvSpPr txBox="1"/>
+            <p:nvPr/>
+          </p:nvSpPr>
+          <p:spPr>
+            <a:xfrm>
+              <a:off x="2680447" y="4875323"/>
+              <a:ext cx="932329" cy="646331"/>
+            </a:xfrm>
+            <a:prstGeom prst="rect">
+              <a:avLst/>
+            </a:prstGeom>
+            <a:noFill/>
+          </p:spPr>
+          <p:txBody>
+            <a:bodyPr wrap="square" rtlCol="0">
+              <a:spAutoFit/>
+            </a:bodyPr>
+            <a:lstStyle/>
+            <a:p>
+              <a:pPr algn="ctr"/>
+              <a:r>
+                <a:rPr lang="fr-FR" dirty="0" smtClean="0"/>
+                <a:t>A-&gt;var2</a:t>
+              </a:r>
+            </a:p>
+            <a:p>
+              <a:pPr algn="ctr"/>
+              <a:r>
+                <a:rPr lang="fr-FR" dirty="0" smtClean="0"/>
+                <a:t>B-&gt;var1</a:t>
+              </a:r>
+              <a:endParaRPr lang="fr-FR" dirty="0"/>
+            </a:p>
+          </p:txBody>
+        </p:sp>
+      </p:grpSp>
+      <p:grpSp>
+        <p:nvGrpSpPr>
+          <p:cNvPr id="33" name="Groupe 32"/>
+          <p:cNvGrpSpPr/>
+          <p:nvPr/>
+        </p:nvGrpSpPr>
+        <p:grpSpPr>
+          <a:xfrm>
+            <a:off x="7360025" y="4843946"/>
+            <a:ext cx="1021976" cy="432085"/>
+            <a:chOff x="2662518" y="4812570"/>
+            <a:chExt cx="1021976" cy="432085"/>
+          </a:xfrm>
+        </p:grpSpPr>
+        <p:cxnSp>
+          <p:nvCxnSpPr>
+            <p:cNvPr id="34" name="Connecteur droit avec flèche 33"/>
+            <p:cNvCxnSpPr/>
+            <p:nvPr/>
+          </p:nvCxnSpPr>
+          <p:spPr>
+            <a:xfrm>
+              <a:off x="2662518" y="4812570"/>
+              <a:ext cx="1021976" cy="0"/>
+            </a:xfrm>
+            <a:prstGeom prst="straightConnector1">
+              <a:avLst/>
+            </a:prstGeom>
+            <a:ln>
+              <a:tailEnd type="triangle"/>
+            </a:ln>
+          </p:spPr>
+          <p:style>
+            <a:lnRef idx="1">
+              <a:schemeClr val="accent1"/>
+            </a:lnRef>
+            <a:fillRef idx="0">
+              <a:schemeClr val="accent1"/>
+            </a:fillRef>
+            <a:effectRef idx="0">
+              <a:schemeClr val="accent1"/>
+            </a:effectRef>
+            <a:fontRef idx="minor">
+              <a:schemeClr val="tx1"/>
+            </a:fontRef>
+          </p:style>
+        </p:cxnSp>
+        <p:sp>
+          <p:nvSpPr>
+            <p:cNvPr id="35" name="ZoneTexte 34"/>
+            <p:cNvSpPr txBox="1"/>
+            <p:nvPr/>
+          </p:nvSpPr>
+          <p:spPr>
+            <a:xfrm>
+              <a:off x="2680447" y="4875323"/>
+              <a:ext cx="1004047" cy="369332"/>
+            </a:xfrm>
+            <a:prstGeom prst="rect">
+              <a:avLst/>
+            </a:prstGeom>
+            <a:noFill/>
+          </p:spPr>
+          <p:txBody>
+            <a:bodyPr wrap="square" rtlCol="0">
+              <a:spAutoFit/>
+            </a:bodyPr>
+            <a:lstStyle/>
+            <a:p>
+              <a:pPr algn="ctr"/>
+              <a:r>
+                <a:rPr lang="fr-FR" dirty="0" smtClean="0"/>
+                <a:t>Formula</a:t>
+              </a:r>
+              <a:endParaRPr lang="fr-FR" dirty="0"/>
+            </a:p>
+          </p:txBody>
+        </p:sp>
+      </p:grpSp>
+      <p:sp>
+        <p:nvSpPr>
+          <p:cNvPr id="37" name="ZoneTexte 36"/>
+          <p:cNvSpPr txBox="1"/>
+          <p:nvPr/>
+        </p:nvSpPr>
+        <p:spPr>
+          <a:xfrm>
+            <a:off x="8451483" y="4489404"/>
+            <a:ext cx="2747682" cy="646331"/>
+          </a:xfrm>
+          <a:prstGeom prst="rect">
+            <a:avLst/>
+          </a:prstGeom>
+          <a:noFill/>
+        </p:spPr>
+        <p:txBody>
+          <a:bodyPr wrap="square" rtlCol="0">
+            <a:spAutoFit/>
+          </a:bodyPr>
+          <a:lstStyle/>
+          <a:p>
+            <a:r>
+              <a:rPr lang="fr-FR" dirty="0" smtClean="0">
+                <a:solidFill>
+                  <a:schemeClr val="dk1"/>
+                </a:solidFill>
+              </a:rPr>
+              <a:t>∃C:t2. var2~=var1</a:t>
+            </a:r>
+            <a:br>
+              <a:rPr lang="fr-FR" dirty="0" smtClean="0">
+                <a:solidFill>
+                  <a:schemeClr val="dk1"/>
+                </a:solidFill>
+              </a:rPr>
+            </a:br>
+            <a:r>
+              <a:rPr lang="fr-FR" dirty="0" smtClean="0">
+                <a:solidFill>
+                  <a:schemeClr val="dk1"/>
+                </a:solidFill>
+              </a:rPr>
+              <a:t>&amp; ~rel1(C) &amp; fun1(C)=var1 </a:t>
+            </a:r>
+            <a:endParaRPr lang="fr-FR" dirty="0"/>
           </a:p>
         </p:txBody>
       </p:sp>
     </p:spTree>
     <p:extLst>
       <p:ext uri="{BB962C8B-B14F-4D97-AF65-F5344CB8AC3E}">
-        <p14:creationId xmlns:p14="http://schemas.microsoft.com/office/powerpoint/2010/main" val="1314692541"/>
+        <p14:creationId xmlns:p14="http://schemas.microsoft.com/office/powerpoint/2010/main" val="3070239007"/>
       </p:ext>
     </p:extLst>
   </p:cSld>
   <p:clrMapOvr>
     <a:masterClrMapping/>
   </p:clrMapOvr>
+  <p:timing>
+    <p:tnLst>
+      <p:par>
+        <p:cTn id="1" dur="indefinite" restart="never" nodeType="tmRoot"/>
+      </p:par>
+    </p:tnLst>
+  </p:timing>
 </p:sld>
 </file>
 
@@ -5930,8 +10736,12 @@
           <a:lstStyle/>
           <a:p>
             <a:r>
-              <a:rPr lang="fr-FR" dirty="0" err="1" smtClean="0"/>
-              <a:t>Guarantees</a:t>
+              <a:rPr lang="fr-FR" dirty="0" smtClean="0"/>
+              <a:t>Naïve </a:t>
+            </a:r>
+            <a:r>
+              <a:rPr lang="fr-FR" dirty="0" err="1" smtClean="0"/>
+              <a:t>generalization</a:t>
             </a:r>
             <a:endParaRPr lang="fr-FR" dirty="0"/>
           </a:p>
@@ -5947,25 +10757,308 @@
             <p:ph idx="1"/>
           </p:nvPr>
         </p:nvSpPr>
-        <p:spPr/>
-        <p:txBody>
-          <a:bodyPr/>
+        <p:spPr>
+          <a:xfrm>
+            <a:off x="838200" y="1798729"/>
+            <a:ext cx="10515600" cy="2551598"/>
+          </a:xfrm>
+        </p:spPr>
+        <p:txBody>
+          <a:bodyPr>
+            <a:normAutofit lnSpcReduction="10000"/>
+          </a:bodyPr>
           <a:lstStyle/>
           <a:p>
-            <a:endParaRPr lang="fr-FR"/>
+            <a:r>
+              <a:rPr lang="fr-FR" dirty="0" smtClean="0"/>
+              <a:t>This formula </a:t>
+            </a:r>
+            <a:r>
+              <a:rPr lang="fr-FR" dirty="0" err="1" smtClean="0"/>
+              <a:t>is</a:t>
+            </a:r>
+            <a:r>
+              <a:rPr lang="fr-FR" dirty="0" smtClean="0"/>
+              <a:t> </a:t>
+            </a:r>
+            <a:r>
+              <a:rPr lang="fr-FR" dirty="0" err="1" smtClean="0"/>
+              <a:t>true</a:t>
+            </a:r>
+            <a:r>
+              <a:rPr lang="fr-FR" dirty="0" smtClean="0"/>
+              <a:t> for </a:t>
+            </a:r>
+            <a:r>
+              <a:rPr lang="fr-FR" dirty="0" err="1" smtClean="0"/>
+              <a:t>any</a:t>
+            </a:r>
+            <a:r>
+              <a:rPr lang="fr-FR" dirty="0" smtClean="0"/>
+              <a:t> model/</a:t>
+            </a:r>
+            <a:r>
+              <a:rPr lang="fr-FR" dirty="0" err="1" smtClean="0"/>
+              <a:t>environment</a:t>
+            </a:r>
+            <a:r>
+              <a:rPr lang="fr-FR" dirty="0" smtClean="0"/>
+              <a:t> </a:t>
+            </a:r>
+            <a:r>
+              <a:rPr lang="fr-FR" dirty="0" err="1" smtClean="0"/>
+              <a:t>that</a:t>
+            </a:r>
+            <a:r>
+              <a:rPr lang="fr-FR" dirty="0" smtClean="0"/>
+              <a:t> </a:t>
+            </a:r>
+            <a:r>
+              <a:rPr lang="fr-FR" dirty="0" err="1" smtClean="0"/>
+              <a:t>contains</a:t>
+            </a:r>
+            <a:r>
+              <a:rPr lang="fr-FR" dirty="0" smtClean="0"/>
+              <a:t> a substructure </a:t>
+            </a:r>
+            <a:r>
+              <a:rPr lang="fr-FR" dirty="0" err="1" smtClean="0"/>
+              <a:t>similar</a:t>
+            </a:r>
+            <a:r>
+              <a:rPr lang="fr-FR" dirty="0" smtClean="0"/>
+              <a:t> to the structure of the </a:t>
+            </a:r>
+            <a:r>
+              <a:rPr lang="fr-FR" dirty="0" err="1" smtClean="0"/>
+              <a:t>counterexample</a:t>
+            </a:r>
+            <a:r>
+              <a:rPr lang="fr-FR" dirty="0" smtClean="0"/>
+              <a:t>, modulo </a:t>
+            </a:r>
+            <a:r>
+              <a:rPr lang="fr-FR" dirty="0" err="1" smtClean="0"/>
+              <a:t>renaming</a:t>
+            </a:r>
+            <a:r>
+              <a:rPr lang="fr-FR" dirty="0" smtClean="0"/>
+              <a:t> of </a:t>
+            </a:r>
+            <a:r>
+              <a:rPr lang="fr-FR" dirty="0" err="1" smtClean="0"/>
+              <a:t>concrete</a:t>
+            </a:r>
+            <a:r>
+              <a:rPr lang="fr-FR" dirty="0" smtClean="0"/>
+              <a:t> values.</a:t>
+            </a:r>
+          </a:p>
+          <a:p>
+            <a:endParaRPr lang="fr-FR" dirty="0"/>
+          </a:p>
+          <a:p>
+            <a:r>
+              <a:rPr lang="fr-FR" dirty="0" err="1" smtClean="0"/>
+              <a:t>We</a:t>
+            </a:r>
+            <a:r>
+              <a:rPr lang="fr-FR" dirty="0" smtClean="0"/>
+              <a:t> </a:t>
+            </a:r>
+            <a:r>
+              <a:rPr lang="fr-FR" dirty="0" err="1" smtClean="0"/>
+              <a:t>just</a:t>
+            </a:r>
+            <a:r>
+              <a:rPr lang="fr-FR" dirty="0" smtClean="0"/>
+              <a:t> have to </a:t>
+            </a:r>
+            <a:r>
+              <a:rPr lang="fr-FR" dirty="0" err="1" smtClean="0"/>
+              <a:t>negate</a:t>
+            </a:r>
+            <a:r>
+              <a:rPr lang="fr-FR" dirty="0" smtClean="0"/>
+              <a:t> </a:t>
+            </a:r>
+            <a:r>
+              <a:rPr lang="fr-FR" dirty="0" err="1" smtClean="0"/>
+              <a:t>this</a:t>
+            </a:r>
+            <a:r>
+              <a:rPr lang="fr-FR" dirty="0" smtClean="0"/>
+              <a:t> formula in </a:t>
+            </a:r>
+            <a:r>
+              <a:rPr lang="fr-FR" dirty="0" err="1" smtClean="0"/>
+              <a:t>order</a:t>
+            </a:r>
+            <a:r>
+              <a:rPr lang="fr-FR" dirty="0" smtClean="0"/>
+              <a:t> to have a new invariant </a:t>
+            </a:r>
+            <a:r>
+              <a:rPr lang="fr-FR" dirty="0" err="1" smtClean="0"/>
+              <a:t>that</a:t>
+            </a:r>
+            <a:r>
+              <a:rPr lang="fr-FR" dirty="0" smtClean="0"/>
+              <a:t> </a:t>
+            </a:r>
+            <a:r>
+              <a:rPr lang="fr-FR" dirty="0" err="1" smtClean="0"/>
+              <a:t>will</a:t>
+            </a:r>
+            <a:r>
+              <a:rPr lang="fr-FR" dirty="0" smtClean="0"/>
+              <a:t> </a:t>
+            </a:r>
+            <a:r>
+              <a:rPr lang="fr-FR" dirty="0" err="1" smtClean="0"/>
+              <a:t>be</a:t>
+            </a:r>
+            <a:r>
+              <a:rPr lang="fr-FR" dirty="0" smtClean="0"/>
+              <a:t> </a:t>
+            </a:r>
+            <a:r>
+              <a:rPr lang="fr-FR" dirty="0" err="1" smtClean="0"/>
+              <a:t>added</a:t>
+            </a:r>
+            <a:r>
+              <a:rPr lang="fr-FR" dirty="0" smtClean="0"/>
+              <a:t> to the </a:t>
+            </a:r>
+            <a:r>
+              <a:rPr lang="fr-FR" dirty="0" err="1" smtClean="0"/>
+              <a:t>previous</a:t>
+            </a:r>
+            <a:r>
+              <a:rPr lang="fr-FR" dirty="0" smtClean="0"/>
+              <a:t> set of invariants.</a:t>
+            </a:r>
+          </a:p>
+        </p:txBody>
+      </p:sp>
+      <p:sp>
+        <p:nvSpPr>
+          <p:cNvPr id="37" name="ZoneTexte 36"/>
+          <p:cNvSpPr txBox="1"/>
+          <p:nvPr/>
+        </p:nvSpPr>
+        <p:spPr>
+          <a:xfrm>
+            <a:off x="3281083" y="5634940"/>
+            <a:ext cx="5649938" cy="400110"/>
+          </a:xfrm>
+          <a:prstGeom prst="rect">
+            <a:avLst/>
+          </a:prstGeom>
+          <a:noFill/>
+        </p:spPr>
+        <p:txBody>
+          <a:bodyPr wrap="square" rtlCol="0">
+            <a:spAutoFit/>
+          </a:bodyPr>
+          <a:lstStyle/>
+          <a:p>
+            <a:r>
+              <a:rPr lang="fr-FR" sz="2000" dirty="0" smtClean="0">
+                <a:solidFill>
+                  <a:schemeClr val="dk1"/>
+                </a:solidFill>
+              </a:rPr>
+              <a:t>∀C:t2. ~( var2~=var1 &amp; ~rel1(C) &amp; fun1(C)=var1 ) </a:t>
+            </a:r>
+            <a:endParaRPr lang="fr-FR" sz="2000" dirty="0"/>
+          </a:p>
+        </p:txBody>
+      </p:sp>
+      <p:cxnSp>
+        <p:nvCxnSpPr>
+          <p:cNvPr id="5" name="Connecteur droit avec flèche 4"/>
+          <p:cNvCxnSpPr/>
+          <p:nvPr/>
+        </p:nvCxnSpPr>
+        <p:spPr>
+          <a:xfrm>
+            <a:off x="5553772" y="5114144"/>
+            <a:ext cx="7878" cy="520796"/>
+          </a:xfrm>
+          <a:prstGeom prst="straightConnector1">
+            <a:avLst/>
+          </a:prstGeom>
+          <a:ln>
+            <a:tailEnd type="triangle"/>
+          </a:ln>
+        </p:spPr>
+        <p:style>
+          <a:lnRef idx="1">
+            <a:schemeClr val="dk1"/>
+          </a:lnRef>
+          <a:fillRef idx="0">
+            <a:schemeClr val="dk1"/>
+          </a:fillRef>
+          <a:effectRef idx="0">
+            <a:schemeClr val="dk1"/>
+          </a:effectRef>
+          <a:fontRef idx="minor">
+            <a:schemeClr val="tx1"/>
+          </a:fontRef>
+        </p:style>
+      </p:cxnSp>
+      <p:sp>
+        <p:nvSpPr>
+          <p:cNvPr id="22" name="ZoneTexte 21"/>
+          <p:cNvSpPr txBox="1"/>
+          <p:nvPr/>
+        </p:nvSpPr>
+        <p:spPr>
+          <a:xfrm>
+            <a:off x="3370730" y="4736638"/>
+            <a:ext cx="5649938" cy="400110"/>
+          </a:xfrm>
+          <a:prstGeom prst="rect">
+            <a:avLst/>
+          </a:prstGeom>
+          <a:noFill/>
+        </p:spPr>
+        <p:txBody>
+          <a:bodyPr wrap="square" rtlCol="0">
+            <a:spAutoFit/>
+          </a:bodyPr>
+          <a:lstStyle/>
+          <a:p>
+            <a:r>
+              <a:rPr lang="fr-FR" sz="2000" dirty="0" smtClean="0">
+                <a:solidFill>
+                  <a:schemeClr val="dk1"/>
+                </a:solidFill>
+              </a:rPr>
+              <a:t>∃C:t2. var2~=var1 &amp; ~rel1(C) &amp; fun1(C)=var1 </a:t>
+            </a:r>
+            <a:endParaRPr lang="fr-FR" sz="2000" dirty="0"/>
           </a:p>
         </p:txBody>
       </p:sp>
     </p:spTree>
     <p:extLst>
       <p:ext uri="{BB962C8B-B14F-4D97-AF65-F5344CB8AC3E}">
-        <p14:creationId xmlns:p14="http://schemas.microsoft.com/office/powerpoint/2010/main" val="1234709914"/>
+        <p14:creationId xmlns:p14="http://schemas.microsoft.com/office/powerpoint/2010/main" val="1115668199"/>
       </p:ext>
     </p:extLst>
   </p:cSld>
   <p:clrMapOvr>
     <a:masterClrMapping/>
   </p:clrMapOvr>
+  <p:timing>
+    <p:tnLst>
+      <p:par>
+        <p:cTn id="1" dur="indefinite" restart="never" nodeType="tmRoot"/>
+      </p:par>
+    </p:tnLst>
+  </p:timing>
 </p:sld>
 </file>
 
@@ -6003,77 +11096,544 @@
           <a:p>
             <a:r>
               <a:rPr lang="fr-FR" dirty="0" err="1" smtClean="0"/>
-              <a:t>Limits</a:t>
-            </a:r>
-            <a:r>
-              <a:rPr lang="fr-FR" dirty="0" smtClean="0"/>
-              <a:t> (</a:t>
-            </a:r>
-            <a:r>
-              <a:rPr lang="fr-FR" dirty="0" err="1" smtClean="0"/>
-              <a:t>when</a:t>
-            </a:r>
-            <a:r>
-              <a:rPr lang="fr-FR" dirty="0" smtClean="0"/>
-              <a:t> </a:t>
-            </a:r>
-            <a:r>
-              <a:rPr lang="fr-FR" dirty="0" err="1" smtClean="0"/>
-              <a:t>does</a:t>
-            </a:r>
-            <a:r>
-              <a:rPr lang="fr-FR" dirty="0" smtClean="0"/>
-              <a:t> </a:t>
-            </a:r>
-            <a:r>
-              <a:rPr lang="fr-FR" dirty="0" err="1" smtClean="0"/>
-              <a:t>it</a:t>
-            </a:r>
-            <a:r>
-              <a:rPr lang="fr-FR" dirty="0" smtClean="0"/>
-              <a:t> </a:t>
-            </a:r>
-            <a:r>
-              <a:rPr lang="fr-FR" dirty="0" err="1" smtClean="0"/>
-              <a:t>fail</a:t>
-            </a:r>
-            <a:r>
-              <a:rPr lang="fr-FR" dirty="0" smtClean="0"/>
-              <a:t>?)</a:t>
+              <a:t>Example</a:t>
+            </a:r>
+            <a:r>
+              <a:rPr lang="fr-FR" dirty="0" smtClean="0"/>
+              <a:t> 1</a:t>
             </a:r>
             <a:endParaRPr lang="fr-FR" dirty="0"/>
           </a:p>
         </p:txBody>
       </p:sp>
-      <p:sp>
-        <p:nvSpPr>
-          <p:cNvPr id="3" name="Espace réservé du contenu 2"/>
-          <p:cNvSpPr>
-            <a:spLocks noGrp="1"/>
-          </p:cNvSpPr>
+      <p:pic>
+        <p:nvPicPr>
+          <p:cNvPr id="4" name="Espace réservé du contenu 3"/>
+          <p:cNvPicPr>
+            <a:picLocks noGrp="1" noChangeAspect="1"/>
+          </p:cNvPicPr>
           <p:nvPr>
             <p:ph idx="1"/>
           </p:nvPr>
-        </p:nvSpPr>
-        <p:spPr/>
-        <p:txBody>
-          <a:bodyPr/>
+        </p:nvPicPr>
+        <p:blipFill rotWithShape="1">
+          <a:blip r:embed="rId2"/>
+          <a:srcRect r="43905" b="8304"/>
+          <a:stretch/>
+        </p:blipFill>
+        <p:spPr>
+          <a:xfrm>
+            <a:off x="8036859" y="365125"/>
+            <a:ext cx="3316941" cy="6215977"/>
+          </a:xfrm>
+          <a:prstGeom prst="rect">
+            <a:avLst/>
+          </a:prstGeom>
+        </p:spPr>
+      </p:pic>
+      <p:sp>
+        <p:nvSpPr>
+          <p:cNvPr id="5" name="ZoneTexte 4"/>
+          <p:cNvSpPr txBox="1"/>
+          <p:nvPr/>
+        </p:nvSpPr>
+        <p:spPr>
+          <a:xfrm>
+            <a:off x="838200" y="1690688"/>
+            <a:ext cx="4612341" cy="2862322"/>
+          </a:xfrm>
+          <a:prstGeom prst="rect">
+            <a:avLst/>
+          </a:prstGeom>
+          <a:noFill/>
+        </p:spPr>
+        <p:txBody>
+          <a:bodyPr wrap="square" rtlCol="0">
+            <a:spAutoFit/>
+          </a:bodyPr>
           <a:lstStyle/>
           <a:p>
-            <a:endParaRPr lang="fr-FR"/>
-          </a:p>
-        </p:txBody>
-      </p:sp>
+            <a:pPr marL="285750" indent="-285750">
+              <a:buFont typeface="Arial" panose="020B0604020202020204" pitchFamily="34" charset="0"/>
+              <a:buChar char="•"/>
+            </a:pPr>
+            <a:r>
+              <a:rPr lang="fr-FR" dirty="0" err="1" smtClean="0"/>
+              <a:t>We</a:t>
+            </a:r>
+            <a:r>
+              <a:rPr lang="fr-FR" dirty="0" smtClean="0"/>
+              <a:t> have a </a:t>
+            </a:r>
+            <a:r>
+              <a:rPr lang="fr-FR" dirty="0" err="1" smtClean="0"/>
+              <a:t>function</a:t>
+            </a:r>
+            <a:r>
+              <a:rPr lang="fr-FR" dirty="0" smtClean="0"/>
+              <a:t> </a:t>
+            </a:r>
+            <a:r>
+              <a:rPr lang="fr-FR" i="1" dirty="0" smtClean="0"/>
+              <a:t>f</a:t>
+            </a:r>
+            <a:r>
+              <a:rPr lang="fr-FR" dirty="0" smtClean="0"/>
+              <a:t> : </a:t>
+            </a:r>
+            <a:r>
+              <a:rPr lang="fr-FR" i="1" dirty="0" smtClean="0"/>
+              <a:t>a</a:t>
+            </a:r>
+            <a:r>
+              <a:rPr lang="fr-FR" dirty="0" smtClean="0"/>
+              <a:t> -&gt; </a:t>
+            </a:r>
+            <a:r>
+              <a:rPr lang="fr-FR" i="1" dirty="0" smtClean="0"/>
+              <a:t>b</a:t>
+            </a:r>
+          </a:p>
+          <a:p>
+            <a:pPr marL="285750" indent="-285750">
+              <a:buFont typeface="Arial" panose="020B0604020202020204" pitchFamily="34" charset="0"/>
+              <a:buChar char="•"/>
+            </a:pPr>
+            <a:r>
+              <a:rPr lang="fr-FR" dirty="0" err="1" smtClean="0"/>
+              <a:t>We</a:t>
+            </a:r>
+            <a:r>
+              <a:rPr lang="fr-FR" dirty="0" smtClean="0"/>
+              <a:t> have </a:t>
+            </a:r>
+            <a:r>
+              <a:rPr lang="fr-FR" i="1" dirty="0" smtClean="0"/>
+              <a:t>elt1</a:t>
+            </a:r>
+            <a:r>
+              <a:rPr lang="fr-FR" dirty="0" smtClean="0"/>
+              <a:t> and </a:t>
+            </a:r>
+            <a:r>
+              <a:rPr lang="fr-FR" i="1" dirty="0" smtClean="0"/>
+              <a:t>elt2</a:t>
+            </a:r>
+            <a:r>
+              <a:rPr lang="fr-FR" dirty="0" smtClean="0"/>
+              <a:t>, </a:t>
+            </a:r>
+            <a:r>
+              <a:rPr lang="fr-FR" dirty="0" err="1" smtClean="0"/>
+              <a:t>two</a:t>
+            </a:r>
+            <a:r>
+              <a:rPr lang="fr-FR" dirty="0" smtClean="0"/>
+              <a:t> variables in </a:t>
+            </a:r>
+            <a:r>
+              <a:rPr lang="fr-FR" i="1" dirty="0" smtClean="0"/>
+              <a:t>a </a:t>
+            </a:r>
+            <a:r>
+              <a:rPr lang="fr-FR" dirty="0" err="1" smtClean="0"/>
+              <a:t>such</a:t>
+            </a:r>
+            <a:r>
+              <a:rPr lang="fr-FR" dirty="0" smtClean="0"/>
+              <a:t> </a:t>
+            </a:r>
+            <a:r>
+              <a:rPr lang="fr-FR" dirty="0" err="1" smtClean="0"/>
+              <a:t>that</a:t>
+            </a:r>
+            <a:r>
+              <a:rPr lang="fr-FR" dirty="0" smtClean="0"/>
+              <a:t> </a:t>
+            </a:r>
+            <a:r>
+              <a:rPr lang="fr-FR" i="1" dirty="0" smtClean="0"/>
+              <a:t>elt1</a:t>
+            </a:r>
+            <a:r>
+              <a:rPr lang="fr-FR" dirty="0" smtClean="0"/>
+              <a:t> ~= </a:t>
+            </a:r>
+            <a:r>
+              <a:rPr lang="fr-FR" i="1" dirty="0" smtClean="0"/>
+              <a:t>elt2</a:t>
+            </a:r>
+          </a:p>
+          <a:p>
+            <a:pPr marL="285750" indent="-285750">
+              <a:buFont typeface="Arial" panose="020B0604020202020204" pitchFamily="34" charset="0"/>
+              <a:buChar char="•"/>
+            </a:pPr>
+            <a:r>
+              <a:rPr lang="fr-FR" dirty="0" err="1" smtClean="0"/>
+              <a:t>We</a:t>
+            </a:r>
+            <a:r>
+              <a:rPr lang="fr-FR" dirty="0" smtClean="0"/>
+              <a:t> </a:t>
+            </a:r>
+            <a:r>
+              <a:rPr lang="fr-FR" dirty="0" err="1" smtClean="0"/>
+              <a:t>can</a:t>
+            </a:r>
+            <a:r>
+              <a:rPr lang="fr-FR" dirty="0" smtClean="0"/>
+              <a:t> change the value of </a:t>
+            </a:r>
+            <a:r>
+              <a:rPr lang="fr-FR" dirty="0" err="1" smtClean="0"/>
+              <a:t>these</a:t>
+            </a:r>
+            <a:r>
+              <a:rPr lang="fr-FR" dirty="0" smtClean="0"/>
+              <a:t> </a:t>
+            </a:r>
+            <a:r>
+              <a:rPr lang="fr-FR" dirty="0" err="1" smtClean="0"/>
+              <a:t>two</a:t>
+            </a:r>
+            <a:r>
+              <a:rPr lang="fr-FR" dirty="0" smtClean="0"/>
+              <a:t> variables, but </a:t>
+            </a:r>
+            <a:r>
+              <a:rPr lang="fr-FR" dirty="0" err="1" smtClean="0"/>
+              <a:t>they</a:t>
+            </a:r>
+            <a:r>
+              <a:rPr lang="fr-FR" dirty="0"/>
+              <a:t> </a:t>
+            </a:r>
+            <a:r>
+              <a:rPr lang="fr-FR" dirty="0" smtClean="0"/>
+              <a:t>must </a:t>
+            </a:r>
+            <a:r>
+              <a:rPr lang="fr-FR" dirty="0" err="1" smtClean="0"/>
+              <a:t>always</a:t>
+            </a:r>
+            <a:r>
+              <a:rPr lang="fr-FR" dirty="0" smtClean="0"/>
+              <a:t> </a:t>
+            </a:r>
+            <a:r>
+              <a:rPr lang="fr-FR" dirty="0" err="1" smtClean="0"/>
+              <a:t>be</a:t>
+            </a:r>
+            <a:r>
+              <a:rPr lang="fr-FR" dirty="0" smtClean="0"/>
+              <a:t> </a:t>
+            </a:r>
+            <a:r>
+              <a:rPr lang="fr-FR" dirty="0" err="1" smtClean="0"/>
+              <a:t>different</a:t>
+            </a:r>
+            <a:endParaRPr lang="fr-FR" dirty="0" smtClean="0"/>
+          </a:p>
+          <a:p>
+            <a:pPr marL="285750" indent="-285750">
+              <a:buFont typeface="Arial" panose="020B0604020202020204" pitchFamily="34" charset="0"/>
+              <a:buChar char="•"/>
+            </a:pPr>
+            <a:r>
+              <a:rPr lang="fr-FR" dirty="0" err="1" smtClean="0"/>
+              <a:t>We</a:t>
+            </a:r>
+            <a:r>
+              <a:rPr lang="fr-FR" dirty="0" smtClean="0"/>
+              <a:t> </a:t>
+            </a:r>
+            <a:r>
+              <a:rPr lang="fr-FR" dirty="0" err="1" smtClean="0"/>
+              <a:t>can</a:t>
+            </a:r>
+            <a:r>
+              <a:rPr lang="fr-FR" dirty="0" smtClean="0"/>
+              <a:t> </a:t>
+            </a:r>
+            <a:r>
+              <a:rPr lang="fr-FR" dirty="0" err="1" smtClean="0"/>
+              <a:t>also</a:t>
+            </a:r>
+            <a:r>
+              <a:rPr lang="fr-FR" dirty="0" smtClean="0"/>
+              <a:t> swap </a:t>
+            </a:r>
+            <a:r>
+              <a:rPr lang="fr-FR" dirty="0" err="1" smtClean="0"/>
+              <a:t>two</a:t>
+            </a:r>
+            <a:r>
+              <a:rPr lang="fr-FR" dirty="0" smtClean="0"/>
+              <a:t> values of </a:t>
+            </a:r>
+            <a:r>
+              <a:rPr lang="fr-FR" i="1" dirty="0" smtClean="0"/>
+              <a:t>f</a:t>
+            </a:r>
+          </a:p>
+          <a:p>
+            <a:pPr marL="285750" indent="-285750">
+              <a:buFont typeface="Arial" panose="020B0604020202020204" pitchFamily="34" charset="0"/>
+              <a:buChar char="•"/>
+            </a:pPr>
+            <a:endParaRPr lang="fr-FR" dirty="0" smtClean="0"/>
+          </a:p>
+          <a:p>
+            <a:endParaRPr lang="fr-FR" dirty="0"/>
+          </a:p>
+          <a:p>
+            <a:pPr marL="285750" indent="-285750">
+              <a:buFont typeface="Arial" panose="020B0604020202020204" pitchFamily="34" charset="0"/>
+              <a:buChar char="•"/>
+            </a:pPr>
+            <a:r>
+              <a:rPr lang="fr-FR" dirty="0" err="1" smtClean="0"/>
+              <a:t>We</a:t>
+            </a:r>
+            <a:r>
+              <a:rPr lang="fr-FR" dirty="0" smtClean="0"/>
+              <a:t> </a:t>
+            </a:r>
+            <a:r>
+              <a:rPr lang="fr-FR" dirty="0" err="1" smtClean="0"/>
+              <a:t>want</a:t>
+            </a:r>
+            <a:r>
+              <a:rPr lang="fr-FR" dirty="0" smtClean="0"/>
+              <a:t> to </a:t>
+            </a:r>
+            <a:r>
+              <a:rPr lang="fr-FR" dirty="0" err="1" smtClean="0"/>
+              <a:t>guarantee</a:t>
+            </a:r>
+            <a:r>
+              <a:rPr lang="fr-FR" dirty="0" smtClean="0"/>
+              <a:t> </a:t>
+            </a:r>
+            <a:r>
+              <a:rPr lang="fr-FR" dirty="0" err="1" smtClean="0"/>
+              <a:t>this</a:t>
+            </a:r>
+            <a:r>
+              <a:rPr lang="fr-FR" dirty="0" smtClean="0"/>
+              <a:t> </a:t>
+            </a:r>
+            <a:r>
+              <a:rPr lang="fr-FR" dirty="0" err="1" smtClean="0"/>
+              <a:t>property</a:t>
+            </a:r>
+            <a:r>
+              <a:rPr lang="fr-FR" dirty="0" smtClean="0"/>
+              <a:t>:</a:t>
+            </a:r>
+          </a:p>
+          <a:p>
+            <a:pPr marL="285750" indent="-285750">
+              <a:buFont typeface="Arial" panose="020B0604020202020204" pitchFamily="34" charset="0"/>
+              <a:buChar char="•"/>
+            </a:pPr>
+            <a:endParaRPr lang="fr-FR" dirty="0"/>
+          </a:p>
+        </p:txBody>
+      </p:sp>
+      <p:pic>
+        <p:nvPicPr>
+          <p:cNvPr id="6" name="Espace réservé du contenu 3"/>
+          <p:cNvPicPr>
+            <a:picLocks noChangeAspect="1"/>
+          </p:cNvPicPr>
+          <p:nvPr/>
+        </p:nvPicPr>
+        <p:blipFill rotWithShape="1">
+          <a:blip r:embed="rId2"/>
+          <a:srcRect t="87543" r="41773" b="8441"/>
+          <a:stretch/>
+        </p:blipFill>
+        <p:spPr>
+          <a:xfrm>
+            <a:off x="1160929" y="4294094"/>
+            <a:ext cx="4081938" cy="322730"/>
+          </a:xfrm>
+          <a:prstGeom prst="rect">
+            <a:avLst/>
+          </a:prstGeom>
+        </p:spPr>
+      </p:pic>
+      <p:sp>
+        <p:nvSpPr>
+          <p:cNvPr id="8" name="ZoneTexte 7"/>
+          <p:cNvSpPr txBox="1"/>
+          <p:nvPr/>
+        </p:nvSpPr>
+        <p:spPr>
+          <a:xfrm>
+            <a:off x="838199" y="4809152"/>
+            <a:ext cx="4612341" cy="1200329"/>
+          </a:xfrm>
+          <a:prstGeom prst="rect">
+            <a:avLst/>
+          </a:prstGeom>
+          <a:noFill/>
+        </p:spPr>
+        <p:txBody>
+          <a:bodyPr wrap="square" rtlCol="0">
+            <a:spAutoFit/>
+          </a:bodyPr>
+          <a:lstStyle/>
+          <a:p>
+            <a:pPr marL="285750" indent="-285750">
+              <a:buFont typeface="Arial" panose="020B0604020202020204" pitchFamily="34" charset="0"/>
+              <a:buChar char="•"/>
+            </a:pPr>
+            <a:r>
+              <a:rPr lang="fr-FR" dirty="0" smtClean="0"/>
+              <a:t>If </a:t>
+            </a:r>
+            <a:r>
+              <a:rPr lang="fr-FR" dirty="0" err="1" smtClean="0"/>
+              <a:t>we</a:t>
+            </a:r>
+            <a:r>
+              <a:rPr lang="fr-FR" dirty="0" smtClean="0"/>
+              <a:t> </a:t>
+            </a:r>
+            <a:r>
+              <a:rPr lang="fr-FR" dirty="0" err="1" smtClean="0"/>
+              <a:t>want</a:t>
+            </a:r>
+            <a:r>
+              <a:rPr lang="fr-FR" dirty="0" smtClean="0"/>
+              <a:t> </a:t>
+            </a:r>
+            <a:r>
+              <a:rPr lang="fr-FR" dirty="0" err="1" smtClean="0"/>
+              <a:t>this</a:t>
+            </a:r>
+            <a:r>
+              <a:rPr lang="fr-FR" dirty="0" smtClean="0"/>
+              <a:t> invariant to </a:t>
+            </a:r>
+            <a:r>
+              <a:rPr lang="fr-FR" dirty="0" err="1" smtClean="0"/>
+              <a:t>be</a:t>
+            </a:r>
+            <a:r>
+              <a:rPr lang="fr-FR" dirty="0" smtClean="0"/>
+              <a:t> inductive, </a:t>
+            </a:r>
+            <a:r>
+              <a:rPr lang="fr-FR" dirty="0" err="1" smtClean="0"/>
+              <a:t>we</a:t>
+            </a:r>
+            <a:r>
+              <a:rPr lang="fr-FR" dirty="0" smtClean="0"/>
+              <a:t> must </a:t>
+            </a:r>
+            <a:r>
+              <a:rPr lang="fr-FR" dirty="0" err="1" smtClean="0"/>
+              <a:t>also</a:t>
+            </a:r>
+            <a:r>
+              <a:rPr lang="fr-FR" dirty="0" smtClean="0"/>
+              <a:t> state the </a:t>
+            </a:r>
+            <a:r>
+              <a:rPr lang="fr-FR" dirty="0" err="1" smtClean="0"/>
+              <a:t>function</a:t>
+            </a:r>
+            <a:r>
+              <a:rPr lang="fr-FR" dirty="0" smtClean="0"/>
+              <a:t> </a:t>
+            </a:r>
+            <a:r>
+              <a:rPr lang="fr-FR" i="1" dirty="0" smtClean="0"/>
+              <a:t>f </a:t>
+            </a:r>
+            <a:r>
+              <a:rPr lang="fr-FR" dirty="0" smtClean="0"/>
+              <a:t>to </a:t>
+            </a:r>
+            <a:r>
+              <a:rPr lang="fr-FR" dirty="0" err="1" smtClean="0"/>
+              <a:t>be</a:t>
+            </a:r>
+            <a:r>
+              <a:rPr lang="fr-FR" dirty="0" smtClean="0"/>
+              <a:t> injective, </a:t>
+            </a:r>
+            <a:r>
+              <a:rPr lang="fr-FR" dirty="0" err="1" smtClean="0"/>
+              <a:t>that</a:t>
+            </a:r>
+            <a:r>
+              <a:rPr lang="fr-FR" dirty="0" smtClean="0"/>
+              <a:t> </a:t>
+            </a:r>
+            <a:r>
+              <a:rPr lang="fr-FR" dirty="0" err="1" smtClean="0"/>
+              <a:t>is</a:t>
+            </a:r>
+            <a:r>
+              <a:rPr lang="fr-FR" dirty="0" smtClean="0"/>
+              <a:t>:</a:t>
+            </a:r>
+          </a:p>
+          <a:p>
+            <a:pPr marL="285750" indent="-285750">
+              <a:buFont typeface="Arial" panose="020B0604020202020204" pitchFamily="34" charset="0"/>
+              <a:buChar char="•"/>
+            </a:pPr>
+            <a:endParaRPr lang="fr-FR" dirty="0"/>
+          </a:p>
+        </p:txBody>
+      </p:sp>
+      <p:pic>
+        <p:nvPicPr>
+          <p:cNvPr id="9" name="Image 8"/>
+          <p:cNvPicPr>
+            <a:picLocks noChangeAspect="1"/>
+          </p:cNvPicPr>
+          <p:nvPr/>
+        </p:nvPicPr>
+        <p:blipFill>
+          <a:blip r:embed="rId3"/>
+          <a:stretch>
+            <a:fillRect/>
+          </a:stretch>
+        </p:blipFill>
+        <p:spPr>
+          <a:xfrm>
+            <a:off x="1160929" y="5967786"/>
+            <a:ext cx="4590228" cy="192328"/>
+          </a:xfrm>
+          <a:prstGeom prst="rect">
+            <a:avLst/>
+          </a:prstGeom>
+        </p:spPr>
+      </p:pic>
     </p:spTree>
     <p:extLst>
       <p:ext uri="{BB962C8B-B14F-4D97-AF65-F5344CB8AC3E}">
-        <p14:creationId xmlns:p14="http://schemas.microsoft.com/office/powerpoint/2010/main" val="847859215"/>
+        <p14:creationId xmlns:p14="http://schemas.microsoft.com/office/powerpoint/2010/main" val="3540206418"/>
       </p:ext>
     </p:extLst>
   </p:cSld>
   <p:clrMapOvr>
     <a:masterClrMapping/>
   </p:clrMapOvr>
+  <p:timing>
+    <p:tnLst>
+      <p:par>
+        <p:cTn id="1" dur="indefinite" restart="never" nodeType="tmRoot"/>
+      </p:par>
+    </p:tnLst>
+  </p:timing>
 </p:sld>
 </file>
 
@@ -6336,4 +11896,265 @@
     </a:ext>
   </a:extLst>
 </a:theme>
+</file>
+
+<file path=ppt/theme/theme2.xml><?xml version="1.0" encoding="utf-8"?>
+<a:theme xmlns:a="http://schemas.openxmlformats.org/drawingml/2006/main" name="Thème Office">
+  <a:themeElements>
+    <a:clrScheme name="Office">
+      <a:dk1>
+        <a:sysClr val="windowText" lastClr="000000"/>
+      </a:dk1>
+      <a:lt1>
+        <a:sysClr val="window" lastClr="FFFFFF"/>
+      </a:lt1>
+      <a:dk2>
+        <a:srgbClr val="44546A"/>
+      </a:dk2>
+      <a:lt2>
+        <a:srgbClr val="E7E6E6"/>
+      </a:lt2>
+      <a:accent1>
+        <a:srgbClr val="5B9BD5"/>
+      </a:accent1>
+      <a:accent2>
+        <a:srgbClr val="ED7D31"/>
+      </a:accent2>
+      <a:accent3>
+        <a:srgbClr val="A5A5A5"/>
+      </a:accent3>
+      <a:accent4>
+        <a:srgbClr val="FFC000"/>
+      </a:accent4>
+      <a:accent5>
+        <a:srgbClr val="4472C4"/>
+      </a:accent5>
+      <a:accent6>
+        <a:srgbClr val="70AD47"/>
+      </a:accent6>
+      <a:hlink>
+        <a:srgbClr val="0563C1"/>
+      </a:hlink>
+      <a:folHlink>
+        <a:srgbClr val="954F72"/>
+      </a:folHlink>
+    </a:clrScheme>
+    <a:fontScheme name="Office">
+      <a:majorFont>
+        <a:latin typeface="Calibri Light" panose="020F0302020204030204"/>
+        <a:ea typeface=""/>
+        <a:cs typeface=""/>
+        <a:font script="Jpan" typeface="游ゴシック Light"/>
+        <a:font script="Hang" typeface="맑은 고딕"/>
+        <a:font script="Hans" typeface="等线 Light"/>
+        <a:font script="Hant" typeface="新細明體"/>
+        <a:font script="Arab" typeface="Times New Roman"/>
+        <a:font script="Hebr" typeface="Times New Roman"/>
+        <a:font script="Thai" typeface="Angsana New"/>
+        <a:font script="Ethi" typeface="Nyala"/>
+        <a:font script="Beng" typeface="Vrinda"/>
+        <a:font script="Gujr" typeface="Shruti"/>
+        <a:font script="Khmr" typeface="MoolBoran"/>
+        <a:font script="Knda" typeface="Tunga"/>
+        <a:font script="Guru" typeface="Raavi"/>
+        <a:font script="Cans" typeface="Euphemia"/>
+        <a:font script="Cher" typeface="Plantagenet Cherokee"/>
+        <a:font script="Yiii" typeface="Microsoft Yi Baiti"/>
+        <a:font script="Tibt" typeface="Microsoft Himalaya"/>
+        <a:font script="Thaa" typeface="MV Boli"/>
+        <a:font script="Deva" typeface="Mangal"/>
+        <a:font script="Telu" typeface="Gautami"/>
+        <a:font script="Taml" typeface="Latha"/>
+        <a:font script="Syrc" typeface="Estrangelo Edessa"/>
+        <a:font script="Orya" typeface="Kalinga"/>
+        <a:font script="Mlym" typeface="Kartika"/>
+        <a:font script="Laoo" typeface="DokChampa"/>
+        <a:font script="Sinh" typeface="Iskoola Pota"/>
+        <a:font script="Mong" typeface="Mongolian Baiti"/>
+        <a:font script="Viet" typeface="Times New Roman"/>
+        <a:font script="Uigh" typeface="Microsoft Uighur"/>
+        <a:font script="Geor" typeface="Sylfaen"/>
+      </a:majorFont>
+      <a:minorFont>
+        <a:latin typeface="Calibri" panose="020F0502020204030204"/>
+        <a:ea typeface=""/>
+        <a:cs typeface=""/>
+        <a:font script="Jpan" typeface="游ゴシック"/>
+        <a:font script="Hang" typeface="맑은 고딕"/>
+        <a:font script="Hans" typeface="等线"/>
+        <a:font script="Hant" typeface="新細明體"/>
+        <a:font script="Arab" typeface="Arial"/>
+        <a:font script="Hebr" typeface="Arial"/>
+        <a:font script="Thai" typeface="Cordia New"/>
+        <a:font script="Ethi" typeface="Nyala"/>
+        <a:font script="Beng" typeface="Vrinda"/>
+        <a:font script="Gujr" typeface="Shruti"/>
+        <a:font script="Khmr" typeface="DaunPenh"/>
+        <a:font script="Knda" typeface="Tunga"/>
+        <a:font script="Guru" typeface="Raavi"/>
+        <a:font script="Cans" typeface="Euphemia"/>
+        <a:font script="Cher" typeface="Plantagenet Cherokee"/>
+        <a:font script="Yiii" typeface="Microsoft Yi Baiti"/>
+        <a:font script="Tibt" typeface="Microsoft Himalaya"/>
+        <a:font script="Thaa" typeface="MV Boli"/>
+        <a:font script="Deva" typeface="Mangal"/>
+        <a:font script="Telu" typeface="Gautami"/>
+        <a:font script="Taml" typeface="Latha"/>
+        <a:font script="Syrc" typeface="Estrangelo Edessa"/>
+        <a:font script="Orya" typeface="Kalinga"/>
+        <a:font script="Mlym" typeface="Kartika"/>
+        <a:font script="Laoo" typeface="DokChampa"/>
+        <a:font script="Sinh" typeface="Iskoola Pota"/>
+        <a:font script="Mong" typeface="Mongolian Baiti"/>
+        <a:font script="Viet" typeface="Arial"/>
+        <a:font script="Uigh" typeface="Microsoft Uighur"/>
+        <a:font script="Geor" typeface="Sylfaen"/>
+      </a:minorFont>
+    </a:fontScheme>
+    <a:fmtScheme name="Office">
+      <a:fillStyleLst>
+        <a:solidFill>
+          <a:schemeClr val="phClr"/>
+        </a:solidFill>
+        <a:gradFill rotWithShape="1">
+          <a:gsLst>
+            <a:gs pos="0">
+              <a:schemeClr val="phClr">
+                <a:lumMod val="110000"/>
+                <a:satMod val="105000"/>
+                <a:tint val="67000"/>
+              </a:schemeClr>
+            </a:gs>
+            <a:gs pos="50000">
+              <a:schemeClr val="phClr">
+                <a:lumMod val="105000"/>
+                <a:satMod val="103000"/>
+                <a:tint val="73000"/>
+              </a:schemeClr>
+            </a:gs>
+            <a:gs pos="100000">
+              <a:schemeClr val="phClr">
+                <a:lumMod val="105000"/>
+                <a:satMod val="109000"/>
+                <a:tint val="81000"/>
+              </a:schemeClr>
+            </a:gs>
+          </a:gsLst>
+          <a:lin ang="5400000" scaled="0"/>
+        </a:gradFill>
+        <a:gradFill rotWithShape="1">
+          <a:gsLst>
+            <a:gs pos="0">
+              <a:schemeClr val="phClr">
+                <a:satMod val="103000"/>
+                <a:lumMod val="102000"/>
+                <a:tint val="94000"/>
+              </a:schemeClr>
+            </a:gs>
+            <a:gs pos="50000">
+              <a:schemeClr val="phClr">
+                <a:satMod val="110000"/>
+                <a:lumMod val="100000"/>
+                <a:shade val="100000"/>
+              </a:schemeClr>
+            </a:gs>
+            <a:gs pos="100000">
+              <a:schemeClr val="phClr">
+                <a:lumMod val="99000"/>
+                <a:satMod val="120000"/>
+                <a:shade val="78000"/>
+              </a:schemeClr>
+            </a:gs>
+          </a:gsLst>
+          <a:lin ang="5400000" scaled="0"/>
+        </a:gradFill>
+      </a:fillStyleLst>
+      <a:lnStyleLst>
+        <a:ln w="6350" cap="flat" cmpd="sng" algn="ctr">
+          <a:solidFill>
+            <a:schemeClr val="phClr"/>
+          </a:solidFill>
+          <a:prstDash val="solid"/>
+          <a:miter lim="800000"/>
+        </a:ln>
+        <a:ln w="12700" cap="flat" cmpd="sng" algn="ctr">
+          <a:solidFill>
+            <a:schemeClr val="phClr"/>
+          </a:solidFill>
+          <a:prstDash val="solid"/>
+          <a:miter lim="800000"/>
+        </a:ln>
+        <a:ln w="19050" cap="flat" cmpd="sng" algn="ctr">
+          <a:solidFill>
+            <a:schemeClr val="phClr"/>
+          </a:solidFill>
+          <a:prstDash val="solid"/>
+          <a:miter lim="800000"/>
+        </a:ln>
+      </a:lnStyleLst>
+      <a:effectStyleLst>
+        <a:effectStyle>
+          <a:effectLst/>
+        </a:effectStyle>
+        <a:effectStyle>
+          <a:effectLst/>
+        </a:effectStyle>
+        <a:effectStyle>
+          <a:effectLst>
+            <a:outerShdw blurRad="57150" dist="19050" dir="5400000" algn="ctr" rotWithShape="0">
+              <a:srgbClr val="000000">
+                <a:alpha val="63000"/>
+              </a:srgbClr>
+            </a:outerShdw>
+          </a:effectLst>
+        </a:effectStyle>
+      </a:effectStyleLst>
+      <a:bgFillStyleLst>
+        <a:solidFill>
+          <a:schemeClr val="phClr"/>
+        </a:solidFill>
+        <a:solidFill>
+          <a:schemeClr val="phClr">
+            <a:tint val="95000"/>
+            <a:satMod val="170000"/>
+          </a:schemeClr>
+        </a:solidFill>
+        <a:gradFill rotWithShape="1">
+          <a:gsLst>
+            <a:gs pos="0">
+              <a:schemeClr val="phClr">
+                <a:tint val="93000"/>
+                <a:satMod val="150000"/>
+                <a:shade val="98000"/>
+                <a:lumMod val="102000"/>
+              </a:schemeClr>
+            </a:gs>
+            <a:gs pos="50000">
+              <a:schemeClr val="phClr">
+                <a:tint val="98000"/>
+                <a:satMod val="130000"/>
+                <a:shade val="90000"/>
+                <a:lumMod val="103000"/>
+              </a:schemeClr>
+            </a:gs>
+            <a:gs pos="100000">
+              <a:schemeClr val="phClr">
+                <a:shade val="63000"/>
+                <a:satMod val="120000"/>
+              </a:schemeClr>
+            </a:gs>
+          </a:gsLst>
+          <a:lin ang="5400000" scaled="0"/>
+        </a:gradFill>
+      </a:bgFillStyleLst>
+    </a:fmtScheme>
+  </a:themeElements>
+  <a:objectDefaults/>
+  <a:extraClrSchemeLst/>
+  <a:extLst>
+    <a:ext uri="{05A4C25C-085E-4340-85A3-A5531E510DB2}">
+      <thm15:themeFamily xmlns:thm15="http://schemas.microsoft.com/office/thememl/2012/main" name="Office Theme" id="{62F939B6-93AF-4DB8-9C6B-D6C7DFDC589F}" vid="{4A3C46E8-61CC-4603-A589-7422A47A8E4A}"/>
+    </a:ext>
+  </a:extLst>
+</a:theme>
 </file>
--- a/invariant_synthesis/Invariant Synthesis.pptx
+++ b/invariant_synthesis/Invariant Synthesis.pptx
@@ -526,6 +526,66 @@
           <a:bodyPr/>
           <a:lstStyle/>
           <a:p>
+            <a:r>
+              <a:rPr lang="fr-FR" dirty="0" smtClean="0"/>
+              <a:t>TODO: show</a:t>
+            </a:r>
+            <a:r>
+              <a:rPr lang="fr-FR" baseline="0" dirty="0" smtClean="0"/>
+              <a:t> the </a:t>
+            </a:r>
+            <a:r>
+              <a:rPr lang="fr-FR" baseline="0" dirty="0" err="1" smtClean="0"/>
+              <a:t>counterexample</a:t>
+            </a:r>
+            <a:r>
+              <a:rPr lang="fr-FR" baseline="0" dirty="0" smtClean="0"/>
+              <a:t> and </a:t>
+            </a:r>
+            <a:r>
+              <a:rPr lang="fr-FR" baseline="0" dirty="0" err="1" smtClean="0"/>
+              <a:t>explain</a:t>
+            </a:r>
+            <a:r>
+              <a:rPr lang="fr-FR" baseline="0" dirty="0" smtClean="0"/>
+              <a:t> </a:t>
+            </a:r>
+            <a:r>
+              <a:rPr lang="fr-FR" baseline="0" dirty="0" err="1" smtClean="0"/>
+              <a:t>which</a:t>
+            </a:r>
+            <a:r>
+              <a:rPr lang="fr-FR" baseline="0" dirty="0" smtClean="0"/>
+              <a:t> </a:t>
+            </a:r>
+            <a:r>
+              <a:rPr lang="fr-FR" baseline="0" dirty="0" err="1" smtClean="0"/>
+              <a:t>constraint</a:t>
+            </a:r>
+            <a:r>
+              <a:rPr lang="fr-FR" baseline="0" dirty="0" smtClean="0"/>
+              <a:t> </a:t>
+            </a:r>
+            <a:r>
+              <a:rPr lang="fr-FR" baseline="0" dirty="0" err="1" smtClean="0"/>
+              <a:t>is</a:t>
+            </a:r>
+            <a:r>
+              <a:rPr lang="fr-FR" baseline="0" dirty="0" smtClean="0"/>
+              <a:t> model-</a:t>
+            </a:r>
+            <a:r>
+              <a:rPr lang="fr-FR" baseline="0" dirty="0" err="1" smtClean="0"/>
+              <a:t>dependent</a:t>
+            </a:r>
+            <a:r>
+              <a:rPr lang="fr-FR" baseline="0" dirty="0" smtClean="0"/>
+              <a:t> and </a:t>
+            </a:r>
+            <a:r>
+              <a:rPr lang="fr-FR" baseline="0" dirty="0" err="1" smtClean="0"/>
+              <a:t>why</a:t>
+            </a:r>
             <a:endParaRPr lang="fr-FR" dirty="0"/>
           </a:p>
         </p:txBody>
@@ -5019,11 +5079,7 @@
             </a:r>
             <a:r>
               <a:rPr lang="fr-FR" dirty="0" smtClean="0"/>
-              <a:t> have </a:t>
-            </a:r>
-            <a:r>
-              <a:rPr lang="fr-FR" dirty="0" smtClean="0"/>
-              <a:t>a partial </a:t>
+              <a:t> have a partial </a:t>
             </a:r>
             <a:r>
               <a:rPr lang="fr-FR" dirty="0" err="1" smtClean="0"/>
@@ -5065,7 +5121,6 @@
               <a:rPr lang="fr-FR" i="1" dirty="0" smtClean="0"/>
               <a:t>)</a:t>
             </a:r>
-            <a:endParaRPr lang="fr-FR" i="1" dirty="0" smtClean="0"/>
           </a:p>
           <a:p>
             <a:pPr marL="285750" indent="-285750">
@@ -5120,7 +5175,6 @@
               <a:rPr lang="fr-FR" i="1" dirty="0" smtClean="0"/>
               <a:t>)</a:t>
             </a:r>
-            <a:endParaRPr lang="fr-FR" i="1" dirty="0" smtClean="0"/>
           </a:p>
           <a:p>
             <a:pPr marL="285750" indent="-285750">
@@ -5171,7 +5225,6 @@
               <a:rPr lang="fr-FR" dirty="0" smtClean="0"/>
               <a:t> </a:t>
             </a:r>
-            <a:endParaRPr lang="fr-FR" dirty="0" smtClean="0"/>
           </a:p>
           <a:p>
             <a:endParaRPr lang="fr-FR" dirty="0"/>
@@ -5898,7 +5951,251 @@
           <a:bodyPr/>
           <a:lstStyle/>
           <a:p>
-            <a:endParaRPr lang="fr-FR"/>
+            <a:r>
+              <a:rPr lang="fr-FR" dirty="0" err="1" smtClean="0"/>
+              <a:t>Instead</a:t>
+            </a:r>
+            <a:r>
+              <a:rPr lang="fr-FR" dirty="0" smtClean="0"/>
+              <a:t> of </a:t>
+            </a:r>
+            <a:r>
+              <a:rPr lang="fr-FR" dirty="0" err="1" smtClean="0"/>
+              <a:t>keeping</a:t>
+            </a:r>
+            <a:r>
+              <a:rPr lang="fr-FR" dirty="0" smtClean="0"/>
+              <a:t> </a:t>
+            </a:r>
+            <a:r>
+              <a:rPr lang="fr-FR" dirty="0" err="1" smtClean="0"/>
+              <a:t>every</a:t>
+            </a:r>
+            <a:r>
+              <a:rPr lang="fr-FR" dirty="0" smtClean="0"/>
+              <a:t> </a:t>
+            </a:r>
+            <a:r>
+              <a:rPr lang="fr-FR" dirty="0" err="1" smtClean="0"/>
+              <a:t>constraint</a:t>
+            </a:r>
+            <a:r>
+              <a:rPr lang="fr-FR" dirty="0" smtClean="0"/>
+              <a:t> </a:t>
+            </a:r>
+            <a:r>
+              <a:rPr lang="fr-FR" dirty="0" err="1" smtClean="0"/>
+              <a:t>that</a:t>
+            </a:r>
+            <a:r>
+              <a:rPr lang="fr-FR" dirty="0" smtClean="0"/>
+              <a:t> </a:t>
+            </a:r>
+            <a:r>
+              <a:rPr lang="fr-FR" dirty="0" err="1" smtClean="0"/>
+              <a:t>characterizes</a:t>
+            </a:r>
+            <a:r>
+              <a:rPr lang="fr-FR" dirty="0" smtClean="0"/>
+              <a:t> the </a:t>
+            </a:r>
+            <a:r>
+              <a:rPr lang="fr-FR" dirty="0" err="1" smtClean="0"/>
+              <a:t>counterexample</a:t>
+            </a:r>
+            <a:r>
+              <a:rPr lang="fr-FR" dirty="0" smtClean="0"/>
+              <a:t>, </a:t>
+            </a:r>
+            <a:r>
+              <a:rPr lang="fr-FR" dirty="0" err="1" smtClean="0"/>
+              <a:t>we</a:t>
+            </a:r>
+            <a:r>
+              <a:rPr lang="fr-FR" dirty="0" smtClean="0"/>
+              <a:t> </a:t>
+            </a:r>
+            <a:r>
+              <a:rPr lang="fr-FR" dirty="0" err="1" smtClean="0"/>
+              <a:t>will</a:t>
+            </a:r>
+            <a:r>
+              <a:rPr lang="fr-FR" dirty="0" smtClean="0"/>
+              <a:t> </a:t>
+            </a:r>
+            <a:r>
+              <a:rPr lang="fr-FR" dirty="0" err="1" smtClean="0"/>
+              <a:t>analyze</a:t>
+            </a:r>
+            <a:r>
+              <a:rPr lang="fr-FR" dirty="0" smtClean="0"/>
+              <a:t> the code to </a:t>
+            </a:r>
+            <a:r>
+              <a:rPr lang="fr-FR" dirty="0" err="1" smtClean="0"/>
+              <a:t>determine</a:t>
+            </a:r>
+            <a:r>
+              <a:rPr lang="fr-FR" dirty="0" smtClean="0"/>
+              <a:t>:</a:t>
+            </a:r>
+          </a:p>
+          <a:p>
+            <a:endParaRPr lang="fr-FR" dirty="0" smtClean="0"/>
+          </a:p>
+          <a:p>
+            <a:pPr lvl="1"/>
+            <a:r>
+              <a:rPr lang="fr-FR" dirty="0" err="1" smtClean="0"/>
+              <a:t>Which</a:t>
+            </a:r>
+            <a:r>
+              <a:rPr lang="fr-FR" dirty="0" smtClean="0"/>
+              <a:t> </a:t>
+            </a:r>
+            <a:r>
+              <a:rPr lang="fr-FR" dirty="0" err="1" smtClean="0"/>
+              <a:t>constraints</a:t>
+            </a:r>
+            <a:r>
+              <a:rPr lang="fr-FR" dirty="0" smtClean="0"/>
+              <a:t> are </a:t>
+            </a:r>
+            <a:r>
+              <a:rPr lang="fr-FR" dirty="0" err="1" smtClean="0"/>
+              <a:t>needed</a:t>
+            </a:r>
+            <a:r>
+              <a:rPr lang="fr-FR" dirty="0" smtClean="0"/>
+              <a:t> in </a:t>
+            </a:r>
+            <a:r>
+              <a:rPr lang="fr-FR" dirty="0" err="1" smtClean="0"/>
+              <a:t>order</a:t>
+            </a:r>
+            <a:r>
+              <a:rPr lang="fr-FR" dirty="0" smtClean="0"/>
+              <a:t> to </a:t>
+            </a:r>
+            <a:r>
+              <a:rPr lang="fr-FR" dirty="0" err="1" smtClean="0"/>
+              <a:t>reproduce</a:t>
+            </a:r>
+            <a:r>
+              <a:rPr lang="fr-FR" dirty="0" smtClean="0"/>
+              <a:t> the </a:t>
+            </a:r>
+            <a:r>
+              <a:rPr lang="fr-FR" dirty="0" err="1" smtClean="0"/>
+              <a:t>counterexample</a:t>
+            </a:r>
+            <a:r>
+              <a:rPr lang="fr-FR" dirty="0" smtClean="0"/>
+              <a:t>,</a:t>
+            </a:r>
+            <a:br>
+              <a:rPr lang="fr-FR" dirty="0" smtClean="0"/>
+            </a:br>
+            <a:r>
+              <a:rPr lang="fr-FR" dirty="0" smtClean="0"/>
+              <a:t>and </a:t>
+            </a:r>
+            <a:r>
+              <a:rPr lang="fr-FR" dirty="0" err="1" smtClean="0"/>
+              <a:t>which</a:t>
+            </a:r>
+            <a:r>
+              <a:rPr lang="fr-FR" dirty="0" smtClean="0"/>
+              <a:t> </a:t>
+            </a:r>
+            <a:r>
+              <a:rPr lang="fr-FR" dirty="0" err="1" smtClean="0"/>
+              <a:t>constraints</a:t>
+            </a:r>
+            <a:r>
+              <a:rPr lang="fr-FR" dirty="0" smtClean="0"/>
+              <a:t> are </a:t>
+            </a:r>
+            <a:r>
+              <a:rPr lang="fr-FR" dirty="0" err="1" smtClean="0"/>
+              <a:t>unnecessary</a:t>
+            </a:r>
+            <a:r>
+              <a:rPr lang="fr-FR" dirty="0" smtClean="0"/>
+              <a:t>.</a:t>
+            </a:r>
+          </a:p>
+          <a:p>
+            <a:pPr lvl="1"/>
+            <a:endParaRPr lang="fr-FR" dirty="0" smtClean="0"/>
+          </a:p>
+          <a:p>
+            <a:pPr lvl="1"/>
+            <a:r>
+              <a:rPr lang="fr-FR" dirty="0" smtClean="0"/>
+              <a:t>If all </a:t>
+            </a:r>
+            <a:r>
+              <a:rPr lang="fr-FR" dirty="0" err="1" smtClean="0"/>
+              <a:t>constraints</a:t>
+            </a:r>
+            <a:r>
+              <a:rPr lang="fr-FR" dirty="0" smtClean="0"/>
+              <a:t> are </a:t>
+            </a:r>
+            <a:r>
+              <a:rPr lang="fr-FR" dirty="0" err="1" smtClean="0"/>
+              <a:t>independent</a:t>
+            </a:r>
+            <a:r>
+              <a:rPr lang="fr-FR" dirty="0" smtClean="0"/>
+              <a:t> of the model or if </a:t>
+            </a:r>
+            <a:r>
+              <a:rPr lang="fr-FR" dirty="0" err="1" smtClean="0"/>
+              <a:t>some</a:t>
+            </a:r>
+            <a:r>
+              <a:rPr lang="fr-FR" dirty="0" smtClean="0"/>
+              <a:t> of </a:t>
+            </a:r>
+            <a:r>
+              <a:rPr lang="fr-FR" dirty="0" err="1" smtClean="0"/>
+              <a:t>them</a:t>
+            </a:r>
+            <a:r>
+              <a:rPr lang="fr-FR" dirty="0" smtClean="0"/>
+              <a:t> are </a:t>
+            </a:r>
+            <a:r>
+              <a:rPr lang="fr-FR" i="1" dirty="0" smtClean="0"/>
+              <a:t>model-</a:t>
+            </a:r>
+            <a:r>
+              <a:rPr lang="fr-FR" i="1" dirty="0" err="1" smtClean="0"/>
+              <a:t>dependent</a:t>
+            </a:r>
+            <a:r>
+              <a:rPr lang="fr-FR" dirty="0"/>
+              <a:t> (and </a:t>
+            </a:r>
+            <a:r>
+              <a:rPr lang="fr-FR" dirty="0" err="1"/>
+              <a:t>which</a:t>
+            </a:r>
+            <a:r>
+              <a:rPr lang="fr-FR" dirty="0"/>
+              <a:t> </a:t>
+            </a:r>
+            <a:r>
+              <a:rPr lang="fr-FR" dirty="0" err="1" smtClean="0"/>
+              <a:t>ones</a:t>
+            </a:r>
+            <a:r>
+              <a:rPr lang="fr-FR" dirty="0" smtClean="0"/>
+              <a:t>).</a:t>
+            </a:r>
+            <a:endParaRPr lang="fr-FR" dirty="0"/>
           </a:p>
         </p:txBody>
       </p:sp>

--- a/invariant_synthesis/Invariant Synthesis.pptx
+++ b/invariant_synthesis/Invariant Synthesis.pptx
@@ -5,7 +5,7 @@
     <p:sldMasterId id="2147483648" r:id="rId1"/>
   </p:sldMasterIdLst>
   <p:notesMasterIdLst>
-    <p:notesMasterId r:id="rId20"/>
+    <p:notesMasterId r:id="rId25"/>
   </p:notesMasterIdLst>
   <p:sldIdLst>
     <p:sldId id="256" r:id="rId2"/>
@@ -21,11 +21,16 @@
     <p:sldId id="273" r:id="rId12"/>
     <p:sldId id="274" r:id="rId13"/>
     <p:sldId id="266" r:id="rId14"/>
-    <p:sldId id="275" r:id="rId15"/>
-    <p:sldId id="267" r:id="rId16"/>
-    <p:sldId id="268" r:id="rId17"/>
-    <p:sldId id="269" r:id="rId18"/>
-    <p:sldId id="260" r:id="rId19"/>
+    <p:sldId id="276" r:id="rId15"/>
+    <p:sldId id="275" r:id="rId16"/>
+    <p:sldId id="267" r:id="rId17"/>
+    <p:sldId id="277" r:id="rId18"/>
+    <p:sldId id="278" r:id="rId19"/>
+    <p:sldId id="279" r:id="rId20"/>
+    <p:sldId id="280" r:id="rId21"/>
+    <p:sldId id="281" r:id="rId22"/>
+    <p:sldId id="269" r:id="rId23"/>
+    <p:sldId id="260" r:id="rId24"/>
   </p:sldIdLst>
   <p:sldSz cx="12192000" cy="6858000"/>
   <p:notesSz cx="6858000" cy="9144000"/>
@@ -526,66 +531,6 @@
           <a:bodyPr/>
           <a:lstStyle/>
           <a:p>
-            <a:r>
-              <a:rPr lang="fr-FR" dirty="0" smtClean="0"/>
-              <a:t>TODO: show</a:t>
-            </a:r>
-            <a:r>
-              <a:rPr lang="fr-FR" baseline="0" dirty="0" smtClean="0"/>
-              <a:t> the </a:t>
-            </a:r>
-            <a:r>
-              <a:rPr lang="fr-FR" baseline="0" dirty="0" err="1" smtClean="0"/>
-              <a:t>counterexample</a:t>
-            </a:r>
-            <a:r>
-              <a:rPr lang="fr-FR" baseline="0" dirty="0" smtClean="0"/>
-              <a:t> and </a:t>
-            </a:r>
-            <a:r>
-              <a:rPr lang="fr-FR" baseline="0" dirty="0" err="1" smtClean="0"/>
-              <a:t>explain</a:t>
-            </a:r>
-            <a:r>
-              <a:rPr lang="fr-FR" baseline="0" dirty="0" smtClean="0"/>
-              <a:t> </a:t>
-            </a:r>
-            <a:r>
-              <a:rPr lang="fr-FR" baseline="0" dirty="0" err="1" smtClean="0"/>
-              <a:t>which</a:t>
-            </a:r>
-            <a:r>
-              <a:rPr lang="fr-FR" baseline="0" dirty="0" smtClean="0"/>
-              <a:t> </a:t>
-            </a:r>
-            <a:r>
-              <a:rPr lang="fr-FR" baseline="0" dirty="0" err="1" smtClean="0"/>
-              <a:t>constraint</a:t>
-            </a:r>
-            <a:r>
-              <a:rPr lang="fr-FR" baseline="0" dirty="0" smtClean="0"/>
-              <a:t> </a:t>
-            </a:r>
-            <a:r>
-              <a:rPr lang="fr-FR" baseline="0" dirty="0" err="1" smtClean="0"/>
-              <a:t>is</a:t>
-            </a:r>
-            <a:r>
-              <a:rPr lang="fr-FR" baseline="0" dirty="0" smtClean="0"/>
-              <a:t> model-</a:t>
-            </a:r>
-            <a:r>
-              <a:rPr lang="fr-FR" baseline="0" dirty="0" err="1" smtClean="0"/>
-              <a:t>dependent</a:t>
-            </a:r>
-            <a:r>
-              <a:rPr lang="fr-FR" baseline="0" dirty="0" smtClean="0"/>
-              <a:t> and </a:t>
-            </a:r>
-            <a:r>
-              <a:rPr lang="fr-FR" baseline="0" dirty="0" err="1" smtClean="0"/>
-              <a:t>why</a:t>
-            </a:r>
             <a:endParaRPr lang="fr-FR" dirty="0"/>
           </a:p>
         </p:txBody>
@@ -607,7 +552,295 @@
           <a:p>
             <a:fld id="{92D32172-770D-47A7-82FE-47F9C903DCBE}" type="slidenum">
               <a:rPr lang="fr-FR" smtClean="0"/>
+              <a:t>4</a:t>
+            </a:fld>
+            <a:endParaRPr lang="fr-FR"/>
+          </a:p>
+        </p:txBody>
+      </p:sp>
+    </p:spTree>
+    <p:extLst>
+      <p:ext uri="{BB962C8B-B14F-4D97-AF65-F5344CB8AC3E}">
+        <p14:creationId xmlns:p14="http://schemas.microsoft.com/office/powerpoint/2010/main" val="1974635912"/>
+      </p:ext>
+    </p:extLst>
+  </p:cSld>
+  <p:clrMapOvr>
+    <a:masterClrMapping/>
+  </p:clrMapOvr>
+</p:notes>
+</file>
+
+<file path=ppt/notesSlides/notesSlide2.xml><?xml version="1.0" encoding="utf-8"?>
+<p:notes xmlns:a="http://schemas.openxmlformats.org/drawingml/2006/main" xmlns:r="http://schemas.openxmlformats.org/officeDocument/2006/relationships" xmlns:p="http://schemas.openxmlformats.org/presentationml/2006/main">
+  <p:cSld>
+    <p:spTree>
+      <p:nvGrpSpPr>
+        <p:cNvPr id="1" name=""/>
+        <p:cNvGrpSpPr/>
+        <p:nvPr/>
+      </p:nvGrpSpPr>
+      <p:grpSpPr>
+        <a:xfrm>
+          <a:off x="0" y="0"/>
+          <a:ext cx="0" cy="0"/>
+          <a:chOff x="0" y="0"/>
+          <a:chExt cx="0" cy="0"/>
+        </a:xfrm>
+      </p:grpSpPr>
+      <p:sp>
+        <p:nvSpPr>
+          <p:cNvPr id="2" name="Espace réservé de l'image des diapositives 1"/>
+          <p:cNvSpPr>
+            <a:spLocks noGrp="1" noRot="1" noChangeAspect="1"/>
+          </p:cNvSpPr>
+          <p:nvPr>
+            <p:ph type="sldImg"/>
+          </p:nvPr>
+        </p:nvSpPr>
+        <p:spPr/>
+      </p:sp>
+      <p:sp>
+        <p:nvSpPr>
+          <p:cNvPr id="3" name="Espace réservé des notes 2"/>
+          <p:cNvSpPr>
+            <a:spLocks noGrp="1"/>
+          </p:cNvSpPr>
+          <p:nvPr>
+            <p:ph type="body" idx="1"/>
+          </p:nvPr>
+        </p:nvSpPr>
+        <p:spPr/>
+        <p:txBody>
+          <a:bodyPr/>
+          <a:lstStyle/>
+          <a:p>
+            <a:r>
+              <a:rPr lang="fr-FR" dirty="0" smtClean="0"/>
+              <a:t>TODO: show</a:t>
+            </a:r>
+            <a:r>
+              <a:rPr lang="fr-FR" baseline="0" dirty="0" smtClean="0"/>
+              <a:t> the </a:t>
+            </a:r>
+            <a:r>
+              <a:rPr lang="fr-FR" baseline="0" dirty="0" err="1" smtClean="0"/>
+              <a:t>counterexample</a:t>
+            </a:r>
+            <a:r>
+              <a:rPr lang="fr-FR" baseline="0" dirty="0" smtClean="0"/>
+              <a:t> and </a:t>
+            </a:r>
+            <a:r>
+              <a:rPr lang="fr-FR" baseline="0" dirty="0" err="1" smtClean="0"/>
+              <a:t>explain</a:t>
+            </a:r>
+            <a:r>
+              <a:rPr lang="fr-FR" baseline="0" dirty="0" smtClean="0"/>
+              <a:t> </a:t>
+            </a:r>
+            <a:r>
+              <a:rPr lang="fr-FR" baseline="0" dirty="0" err="1" smtClean="0"/>
+              <a:t>which</a:t>
+            </a:r>
+            <a:r>
+              <a:rPr lang="fr-FR" baseline="0" dirty="0" smtClean="0"/>
+              <a:t> </a:t>
+            </a:r>
+            <a:r>
+              <a:rPr lang="fr-FR" baseline="0" dirty="0" err="1" smtClean="0"/>
+              <a:t>constraint</a:t>
+            </a:r>
+            <a:r>
+              <a:rPr lang="fr-FR" baseline="0" dirty="0" smtClean="0"/>
+              <a:t> </a:t>
+            </a:r>
+            <a:r>
+              <a:rPr lang="fr-FR" baseline="0" dirty="0" err="1" smtClean="0"/>
+              <a:t>is</a:t>
+            </a:r>
+            <a:r>
+              <a:rPr lang="fr-FR" baseline="0" dirty="0" smtClean="0"/>
+              <a:t> model-</a:t>
+            </a:r>
+            <a:r>
+              <a:rPr lang="fr-FR" baseline="0" dirty="0" err="1" smtClean="0"/>
+              <a:t>dependent</a:t>
+            </a:r>
+            <a:r>
+              <a:rPr lang="fr-FR" baseline="0" dirty="0" smtClean="0"/>
+              <a:t> and </a:t>
+            </a:r>
+            <a:r>
+              <a:rPr lang="fr-FR" baseline="0" dirty="0" err="1" smtClean="0"/>
+              <a:t>why</a:t>
+            </a:r>
+            <a:endParaRPr lang="fr-FR" dirty="0"/>
+          </a:p>
+        </p:txBody>
+      </p:sp>
+      <p:sp>
+        <p:nvSpPr>
+          <p:cNvPr id="4" name="Espace réservé du numéro de diapositive 3"/>
+          <p:cNvSpPr>
+            <a:spLocks noGrp="1"/>
+          </p:cNvSpPr>
+          <p:nvPr>
+            <p:ph type="sldNum" sz="quarter" idx="10"/>
+          </p:nvPr>
+        </p:nvSpPr>
+        <p:spPr/>
+        <p:txBody>
+          <a:bodyPr/>
+          <a:lstStyle/>
+          <a:p>
+            <a:fld id="{92D32172-770D-47A7-82FE-47F9C903DCBE}" type="slidenum">
+              <a:rPr lang="fr-FR" smtClean="0"/>
               <a:t>14</a:t>
+            </a:fld>
+            <a:endParaRPr lang="fr-FR"/>
+          </a:p>
+        </p:txBody>
+      </p:sp>
+    </p:spTree>
+    <p:extLst>
+      <p:ext uri="{BB962C8B-B14F-4D97-AF65-F5344CB8AC3E}">
+        <p14:creationId xmlns:p14="http://schemas.microsoft.com/office/powerpoint/2010/main" val="1794492017"/>
+      </p:ext>
+    </p:extLst>
+  </p:cSld>
+  <p:clrMapOvr>
+    <a:masterClrMapping/>
+  </p:clrMapOvr>
+</p:notes>
+</file>
+
+<file path=ppt/notesSlides/notesSlide3.xml><?xml version="1.0" encoding="utf-8"?>
+<p:notes xmlns:a="http://schemas.openxmlformats.org/drawingml/2006/main" xmlns:r="http://schemas.openxmlformats.org/officeDocument/2006/relationships" xmlns:p="http://schemas.openxmlformats.org/presentationml/2006/main">
+  <p:cSld>
+    <p:spTree>
+      <p:nvGrpSpPr>
+        <p:cNvPr id="1" name=""/>
+        <p:cNvGrpSpPr/>
+        <p:nvPr/>
+      </p:nvGrpSpPr>
+      <p:grpSpPr>
+        <a:xfrm>
+          <a:off x="0" y="0"/>
+          <a:ext cx="0" cy="0"/>
+          <a:chOff x="0" y="0"/>
+          <a:chExt cx="0" cy="0"/>
+        </a:xfrm>
+      </p:grpSpPr>
+      <p:sp>
+        <p:nvSpPr>
+          <p:cNvPr id="2" name="Espace réservé de l'image des diapositives 1"/>
+          <p:cNvSpPr>
+            <a:spLocks noGrp="1" noRot="1" noChangeAspect="1"/>
+          </p:cNvSpPr>
+          <p:nvPr>
+            <p:ph type="sldImg"/>
+          </p:nvPr>
+        </p:nvSpPr>
+        <p:spPr/>
+      </p:sp>
+      <p:sp>
+        <p:nvSpPr>
+          <p:cNvPr id="3" name="Espace réservé des notes 2"/>
+          <p:cNvSpPr>
+            <a:spLocks noGrp="1"/>
+          </p:cNvSpPr>
+          <p:nvPr>
+            <p:ph type="body" idx="1"/>
+          </p:nvPr>
+        </p:nvSpPr>
+        <p:spPr/>
+        <p:txBody>
+          <a:bodyPr/>
+          <a:lstStyle/>
+          <a:p>
+            <a:r>
+              <a:rPr lang="fr-FR" dirty="0" smtClean="0"/>
+              <a:t>TODO: show</a:t>
+            </a:r>
+            <a:r>
+              <a:rPr lang="fr-FR" baseline="0" dirty="0" smtClean="0"/>
+              <a:t> the </a:t>
+            </a:r>
+            <a:r>
+              <a:rPr lang="fr-FR" baseline="0" dirty="0" err="1" smtClean="0"/>
+              <a:t>counterexample</a:t>
+            </a:r>
+            <a:r>
+              <a:rPr lang="fr-FR" baseline="0" dirty="0" smtClean="0"/>
+              <a:t> and </a:t>
+            </a:r>
+            <a:r>
+              <a:rPr lang="fr-FR" baseline="0" dirty="0" err="1" smtClean="0"/>
+              <a:t>explain</a:t>
+            </a:r>
+            <a:r>
+              <a:rPr lang="fr-FR" baseline="0" dirty="0" smtClean="0"/>
+              <a:t> </a:t>
+            </a:r>
+            <a:r>
+              <a:rPr lang="fr-FR" baseline="0" dirty="0" err="1" smtClean="0"/>
+              <a:t>which</a:t>
+            </a:r>
+            <a:r>
+              <a:rPr lang="fr-FR" baseline="0" dirty="0" smtClean="0"/>
+              <a:t> </a:t>
+            </a:r>
+            <a:r>
+              <a:rPr lang="fr-FR" baseline="0" dirty="0" err="1" smtClean="0"/>
+              <a:t>constraint</a:t>
+            </a:r>
+            <a:r>
+              <a:rPr lang="fr-FR" baseline="0" dirty="0" smtClean="0"/>
+              <a:t> </a:t>
+            </a:r>
+            <a:r>
+              <a:rPr lang="fr-FR" baseline="0" dirty="0" err="1" smtClean="0"/>
+              <a:t>is</a:t>
+            </a:r>
+            <a:r>
+              <a:rPr lang="fr-FR" baseline="0" dirty="0" smtClean="0"/>
+              <a:t> model-</a:t>
+            </a:r>
+            <a:r>
+              <a:rPr lang="fr-FR" baseline="0" dirty="0" err="1" smtClean="0"/>
+              <a:t>dependent</a:t>
+            </a:r>
+            <a:r>
+              <a:rPr lang="fr-FR" baseline="0" dirty="0" smtClean="0"/>
+              <a:t> and </a:t>
+            </a:r>
+            <a:r>
+              <a:rPr lang="fr-FR" baseline="0" dirty="0" err="1" smtClean="0"/>
+              <a:t>why</a:t>
+            </a:r>
+            <a:endParaRPr lang="fr-FR" dirty="0"/>
+          </a:p>
+        </p:txBody>
+      </p:sp>
+      <p:sp>
+        <p:nvSpPr>
+          <p:cNvPr id="4" name="Espace réservé du numéro de diapositive 3"/>
+          <p:cNvSpPr>
+            <a:spLocks noGrp="1"/>
+          </p:cNvSpPr>
+          <p:nvPr>
+            <p:ph type="sldNum" sz="quarter" idx="10"/>
+          </p:nvPr>
+        </p:nvSpPr>
+        <p:spPr/>
+        <p:txBody>
+          <a:bodyPr/>
+          <a:lstStyle/>
+          <a:p>
+            <a:fld id="{92D32172-770D-47A7-82FE-47F9C903DCBE}" type="slidenum">
+              <a:rPr lang="fr-FR" smtClean="0"/>
+              <a:t>15</a:t>
             </a:fld>
             <a:endParaRPr lang="fr-FR"/>
           </a:p>
@@ -3750,7 +3983,7 @@
         </p:nvSpPr>
         <p:spPr>
           <a:xfrm>
-            <a:off x="838199" y="2590129"/>
+            <a:off x="797183" y="2339588"/>
             <a:ext cx="6079837" cy="3693319"/>
           </a:xfrm>
           <a:prstGeom prst="rect">
@@ -3810,6 +4043,36 @@
             </a:r>
           </a:p>
           <a:p>
+            <a:r>
+              <a:rPr lang="fr-FR" dirty="0"/>
+              <a:t>(</a:t>
+            </a:r>
+            <a:r>
+              <a:rPr lang="fr-FR" dirty="0" err="1"/>
+              <a:t>inequalities</a:t>
+            </a:r>
+            <a:r>
+              <a:rPr lang="fr-FR" dirty="0"/>
+              <a:t> over </a:t>
+            </a:r>
+            <a:r>
+              <a:rPr lang="fr-FR" dirty="0" err="1"/>
+              <a:t>concrete</a:t>
+            </a:r>
+            <a:r>
+              <a:rPr lang="fr-FR" dirty="0"/>
+              <a:t> values are not </a:t>
+            </a:r>
+            <a:r>
+              <a:rPr lang="fr-FR" dirty="0" err="1"/>
+              <a:t>shown</a:t>
+            </a:r>
+            <a:r>
+              <a:rPr lang="fr-FR" dirty="0"/>
+              <a:t>)</a:t>
+            </a:r>
+          </a:p>
+          <a:p>
             <a:endParaRPr lang="fr-FR" dirty="0" smtClean="0"/>
           </a:p>
           <a:p>
@@ -3832,36 +4095,6 @@
             <a:br>
               <a:rPr lang="fr-FR" dirty="0"/>
             </a:br>
-            <a:r>
-              <a:rPr lang="fr-FR" dirty="0" smtClean="0"/>
-              <a:t>(</a:t>
-            </a:r>
-            <a:r>
-              <a:rPr lang="fr-FR" dirty="0" err="1" smtClean="0"/>
-              <a:t>inequalities</a:t>
-            </a:r>
-            <a:r>
-              <a:rPr lang="fr-FR" dirty="0" smtClean="0"/>
-              <a:t> over </a:t>
-            </a:r>
-            <a:r>
-              <a:rPr lang="fr-FR" dirty="0" err="1" smtClean="0"/>
-              <a:t>concrete</a:t>
-            </a:r>
-            <a:r>
-              <a:rPr lang="fr-FR" dirty="0" smtClean="0"/>
-              <a:t> values are not </a:t>
-            </a:r>
-            <a:r>
-              <a:rPr lang="fr-FR" dirty="0" err="1" smtClean="0"/>
-              <a:t>shown</a:t>
-            </a:r>
-            <a:r>
-              <a:rPr lang="fr-FR" dirty="0" smtClean="0"/>
-              <a:t>)</a:t>
-            </a:r>
-          </a:p>
-          <a:p>
             <a:endParaRPr lang="fr-FR" dirty="0"/>
           </a:p>
           <a:p>
@@ -3946,6 +4179,653 @@
           </a:p>
         </p:txBody>
       </p:sp>
+      <p:grpSp>
+        <p:nvGrpSpPr>
+          <p:cNvPr id="47" name="Groupe 46"/>
+          <p:cNvGrpSpPr/>
+          <p:nvPr/>
+        </p:nvGrpSpPr>
+        <p:grpSpPr>
+          <a:xfrm>
+            <a:off x="3283250" y="3087746"/>
+            <a:ext cx="3259290" cy="2197001"/>
+            <a:chOff x="3350534" y="2813466"/>
+            <a:chExt cx="3479956" cy="2452412"/>
+          </a:xfrm>
+        </p:grpSpPr>
+        <p:grpSp>
+          <p:nvGrpSpPr>
+            <p:cNvPr id="6" name="Groupe 5"/>
+            <p:cNvGrpSpPr/>
+            <p:nvPr/>
+          </p:nvGrpSpPr>
+          <p:grpSpPr>
+            <a:xfrm>
+              <a:off x="3350534" y="2813466"/>
+              <a:ext cx="1501929" cy="2452412"/>
+              <a:chOff x="1075765" y="2796989"/>
+              <a:chExt cx="4222377" cy="2824162"/>
+            </a:xfrm>
+          </p:grpSpPr>
+          <p:sp>
+            <p:nvSpPr>
+              <p:cNvPr id="10" name="Rectangle 9"/>
+              <p:cNvSpPr/>
+              <p:nvPr/>
+            </p:nvSpPr>
+            <p:spPr>
+              <a:xfrm>
+                <a:off x="1075765" y="3164541"/>
+                <a:ext cx="4222377" cy="2456610"/>
+              </a:xfrm>
+              <a:prstGeom prst="rect">
+                <a:avLst/>
+              </a:prstGeom>
+            </p:spPr>
+            <p:style>
+              <a:lnRef idx="2">
+                <a:schemeClr val="accent3"/>
+              </a:lnRef>
+              <a:fillRef idx="1">
+                <a:schemeClr val="lt1"/>
+              </a:fillRef>
+              <a:effectRef idx="0">
+                <a:schemeClr val="accent3"/>
+              </a:effectRef>
+              <a:fontRef idx="minor">
+                <a:schemeClr val="dk1"/>
+              </a:fontRef>
+            </p:style>
+            <p:txBody>
+              <a:bodyPr rtlCol="0" anchor="ctr"/>
+              <a:lstStyle/>
+              <a:p>
+                <a:pPr algn="ctr"/>
+                <a:endParaRPr lang="fr-FR"/>
+              </a:p>
+            </p:txBody>
+          </p:sp>
+          <p:sp>
+            <p:nvSpPr>
+              <p:cNvPr id="11" name="Rectangle 10"/>
+              <p:cNvSpPr/>
+              <p:nvPr/>
+            </p:nvSpPr>
+            <p:spPr>
+              <a:xfrm>
+                <a:off x="1075765" y="2796989"/>
+                <a:ext cx="4222377" cy="367552"/>
+              </a:xfrm>
+              <a:prstGeom prst="rect">
+                <a:avLst/>
+              </a:prstGeom>
+            </p:spPr>
+            <p:style>
+              <a:lnRef idx="2">
+                <a:schemeClr val="accent3">
+                  <a:shade val="50000"/>
+                </a:schemeClr>
+              </a:lnRef>
+              <a:fillRef idx="1">
+                <a:schemeClr val="accent3"/>
+              </a:fillRef>
+              <a:effectRef idx="0">
+                <a:schemeClr val="accent3"/>
+              </a:effectRef>
+              <a:fontRef idx="minor">
+                <a:schemeClr val="lt1"/>
+              </a:fontRef>
+            </p:style>
+            <p:txBody>
+              <a:bodyPr rtlCol="0" anchor="ctr"/>
+              <a:lstStyle/>
+              <a:p>
+                <a:pPr algn="ctr"/>
+                <a:r>
+                  <a:rPr lang="fr-FR" dirty="0" smtClean="0"/>
+                  <a:t>Type </a:t>
+                </a:r>
+                <a:r>
+                  <a:rPr lang="fr-FR" dirty="0"/>
+                  <a:t>a</a:t>
+                </a:r>
+                <a:endParaRPr lang="fr-FR" dirty="0"/>
+              </a:p>
+            </p:txBody>
+          </p:sp>
+        </p:grpSp>
+        <p:sp>
+          <p:nvSpPr>
+            <p:cNvPr id="12" name="Rectangle 11"/>
+            <p:cNvSpPr/>
+            <p:nvPr/>
+          </p:nvSpPr>
+          <p:spPr>
+            <a:xfrm>
+              <a:off x="3649825" y="3840021"/>
+              <a:ext cx="798036" cy="637226"/>
+            </a:xfrm>
+            <a:prstGeom prst="rect">
+              <a:avLst/>
+            </a:prstGeom>
+          </p:spPr>
+          <p:style>
+            <a:lnRef idx="1">
+              <a:schemeClr val="accent2"/>
+            </a:lnRef>
+            <a:fillRef idx="2">
+              <a:schemeClr val="accent2"/>
+            </a:fillRef>
+            <a:effectRef idx="1">
+              <a:schemeClr val="accent2"/>
+            </a:effectRef>
+            <a:fontRef idx="minor">
+              <a:schemeClr val="dk1"/>
+            </a:fontRef>
+          </p:style>
+          <p:txBody>
+            <a:bodyPr rtlCol="0" anchor="ctr"/>
+            <a:lstStyle/>
+            <a:p>
+              <a:pPr algn="ctr"/>
+              <a:r>
+                <a:rPr lang="fr-FR" dirty="0" smtClean="0"/>
+                <a:t>1</a:t>
+              </a:r>
+              <a:endParaRPr lang="fr-FR" dirty="0" smtClean="0"/>
+            </a:p>
+            <a:p>
+              <a:pPr algn="ctr"/>
+              <a:r>
+                <a:rPr lang="fr-FR" dirty="0" smtClean="0"/>
+                <a:t>= </a:t>
+              </a:r>
+              <a:r>
+                <a:rPr lang="fr-FR" dirty="0" smtClean="0"/>
+                <a:t>elt2</a:t>
+              </a:r>
+              <a:endParaRPr lang="fr-FR" dirty="0" smtClean="0"/>
+            </a:p>
+          </p:txBody>
+        </p:sp>
+        <p:sp>
+          <p:nvSpPr>
+            <p:cNvPr id="13" name="Rectangle 12"/>
+            <p:cNvSpPr/>
+            <p:nvPr/>
+          </p:nvSpPr>
+          <p:spPr>
+            <a:xfrm>
+              <a:off x="3659447" y="3197595"/>
+              <a:ext cx="798036" cy="555981"/>
+            </a:xfrm>
+            <a:prstGeom prst="rect">
+              <a:avLst/>
+            </a:prstGeom>
+          </p:spPr>
+          <p:style>
+            <a:lnRef idx="1">
+              <a:schemeClr val="accent1"/>
+            </a:lnRef>
+            <a:fillRef idx="2">
+              <a:schemeClr val="accent1"/>
+            </a:fillRef>
+            <a:effectRef idx="1">
+              <a:schemeClr val="accent1"/>
+            </a:effectRef>
+            <a:fontRef idx="minor">
+              <a:schemeClr val="dk1"/>
+            </a:fontRef>
+          </p:style>
+          <p:txBody>
+            <a:bodyPr rtlCol="0" anchor="ctr"/>
+            <a:lstStyle/>
+            <a:p>
+              <a:pPr algn="ctr"/>
+              <a:r>
+                <a:rPr lang="fr-FR" dirty="0" smtClean="0"/>
+                <a:t>0</a:t>
+              </a:r>
+              <a:endParaRPr lang="fr-FR" dirty="0" smtClean="0"/>
+            </a:p>
+          </p:txBody>
+        </p:sp>
+        <p:grpSp>
+          <p:nvGrpSpPr>
+            <p:cNvPr id="14" name="Groupe 13"/>
+            <p:cNvGrpSpPr/>
+            <p:nvPr/>
+          </p:nvGrpSpPr>
+          <p:grpSpPr>
+            <a:xfrm>
+              <a:off x="5425738" y="2813466"/>
+              <a:ext cx="1404752" cy="2452412"/>
+              <a:chOff x="1075765" y="2796989"/>
+              <a:chExt cx="4222377" cy="2824162"/>
+            </a:xfrm>
+          </p:grpSpPr>
+          <p:sp>
+            <p:nvSpPr>
+              <p:cNvPr id="15" name="Rectangle 14"/>
+              <p:cNvSpPr/>
+              <p:nvPr/>
+            </p:nvSpPr>
+            <p:spPr>
+              <a:xfrm>
+                <a:off x="1075765" y="3164541"/>
+                <a:ext cx="4222377" cy="2456610"/>
+              </a:xfrm>
+              <a:prstGeom prst="rect">
+                <a:avLst/>
+              </a:prstGeom>
+            </p:spPr>
+            <p:style>
+              <a:lnRef idx="2">
+                <a:schemeClr val="accent3"/>
+              </a:lnRef>
+              <a:fillRef idx="1">
+                <a:schemeClr val="lt1"/>
+              </a:fillRef>
+              <a:effectRef idx="0">
+                <a:schemeClr val="accent3"/>
+              </a:effectRef>
+              <a:fontRef idx="minor">
+                <a:schemeClr val="dk1"/>
+              </a:fontRef>
+            </p:style>
+            <p:txBody>
+              <a:bodyPr rtlCol="0" anchor="ctr"/>
+              <a:lstStyle/>
+              <a:p>
+                <a:pPr algn="ctr"/>
+                <a:endParaRPr lang="fr-FR"/>
+              </a:p>
+            </p:txBody>
+          </p:sp>
+          <p:sp>
+            <p:nvSpPr>
+              <p:cNvPr id="16" name="Rectangle 15"/>
+              <p:cNvSpPr/>
+              <p:nvPr/>
+            </p:nvSpPr>
+            <p:spPr>
+              <a:xfrm>
+                <a:off x="1075765" y="2796989"/>
+                <a:ext cx="4222377" cy="367552"/>
+              </a:xfrm>
+              <a:prstGeom prst="rect">
+                <a:avLst/>
+              </a:prstGeom>
+            </p:spPr>
+            <p:style>
+              <a:lnRef idx="2">
+                <a:schemeClr val="accent3">
+                  <a:shade val="50000"/>
+                </a:schemeClr>
+              </a:lnRef>
+              <a:fillRef idx="1">
+                <a:schemeClr val="accent3"/>
+              </a:fillRef>
+              <a:effectRef idx="0">
+                <a:schemeClr val="accent3"/>
+              </a:effectRef>
+              <a:fontRef idx="minor">
+                <a:schemeClr val="lt1"/>
+              </a:fontRef>
+            </p:style>
+            <p:txBody>
+              <a:bodyPr rtlCol="0" anchor="ctr"/>
+              <a:lstStyle/>
+              <a:p>
+                <a:pPr algn="ctr"/>
+                <a:r>
+                  <a:rPr lang="fr-FR" dirty="0" smtClean="0"/>
+                  <a:t>Type </a:t>
+                </a:r>
+                <a:r>
+                  <a:rPr lang="fr-FR" dirty="0"/>
+                  <a:t>b</a:t>
+                </a:r>
+                <a:endParaRPr lang="fr-FR" dirty="0"/>
+              </a:p>
+            </p:txBody>
+          </p:sp>
+        </p:grpSp>
+        <p:sp>
+          <p:nvSpPr>
+            <p:cNvPr id="17" name="Rectangle 16"/>
+            <p:cNvSpPr/>
+            <p:nvPr/>
+          </p:nvSpPr>
+          <p:spPr>
+            <a:xfrm>
+              <a:off x="5776198" y="4583172"/>
+              <a:ext cx="699983" cy="555981"/>
+            </a:xfrm>
+            <a:prstGeom prst="rect">
+              <a:avLst/>
+            </a:prstGeom>
+          </p:spPr>
+          <p:style>
+            <a:lnRef idx="1">
+              <a:schemeClr val="dk1"/>
+            </a:lnRef>
+            <a:fillRef idx="2">
+              <a:schemeClr val="dk1"/>
+            </a:fillRef>
+            <a:effectRef idx="1">
+              <a:schemeClr val="dk1"/>
+            </a:effectRef>
+            <a:fontRef idx="minor">
+              <a:schemeClr val="dk1"/>
+            </a:fontRef>
+          </p:style>
+          <p:txBody>
+            <a:bodyPr rtlCol="0" anchor="ctr"/>
+            <a:lstStyle/>
+            <a:p>
+              <a:pPr algn="ctr"/>
+              <a:r>
+                <a:rPr lang="fr-FR" dirty="0" smtClean="0"/>
+                <a:t>0</a:t>
+              </a:r>
+              <a:endParaRPr lang="fr-FR" dirty="0" smtClean="0"/>
+            </a:p>
+          </p:txBody>
+        </p:sp>
+        <p:cxnSp>
+          <p:nvCxnSpPr>
+            <p:cNvPr id="18" name="Connecteur droit avec flèche 17"/>
+            <p:cNvCxnSpPr>
+              <a:stCxn id="13" idx="3"/>
+            </p:cNvCxnSpPr>
+            <p:nvPr/>
+          </p:nvCxnSpPr>
+          <p:spPr>
+            <a:xfrm>
+              <a:off x="4457483" y="3475586"/>
+              <a:ext cx="1318715" cy="699201"/>
+            </a:xfrm>
+            <a:prstGeom prst="straightConnector1">
+              <a:avLst/>
+            </a:prstGeom>
+            <a:ln>
+              <a:tailEnd type="triangle"/>
+            </a:ln>
+          </p:spPr>
+          <p:style>
+            <a:lnRef idx="3">
+              <a:schemeClr val="dk1"/>
+            </a:lnRef>
+            <a:fillRef idx="0">
+              <a:schemeClr val="dk1"/>
+            </a:fillRef>
+            <a:effectRef idx="2">
+              <a:schemeClr val="dk1"/>
+            </a:effectRef>
+            <a:fontRef idx="minor">
+              <a:schemeClr val="tx1"/>
+            </a:fontRef>
+          </p:style>
+        </p:cxnSp>
+        <p:sp>
+          <p:nvSpPr>
+            <p:cNvPr id="19" name="ZoneTexte 18"/>
+            <p:cNvSpPr txBox="1"/>
+            <p:nvPr/>
+          </p:nvSpPr>
+          <p:spPr>
+            <a:xfrm>
+              <a:off x="4643534" y="3459223"/>
+              <a:ext cx="920898" cy="369332"/>
+            </a:xfrm>
+            <a:prstGeom prst="rect">
+              <a:avLst/>
+            </a:prstGeom>
+            <a:noFill/>
+          </p:spPr>
+          <p:txBody>
+            <a:bodyPr wrap="square" rtlCol="0">
+              <a:spAutoFit/>
+            </a:bodyPr>
+            <a:lstStyle/>
+            <a:p>
+              <a:pPr algn="ctr"/>
+              <a:r>
+                <a:rPr lang="fr-FR" dirty="0" smtClean="0"/>
+                <a:t>f</a:t>
+              </a:r>
+              <a:endParaRPr lang="fr-FR" dirty="0"/>
+            </a:p>
+          </p:txBody>
+        </p:sp>
+        <p:sp>
+          <p:nvSpPr>
+            <p:cNvPr id="20" name="Rectangle 19"/>
+            <p:cNvSpPr/>
+            <p:nvPr/>
+          </p:nvSpPr>
+          <p:spPr>
+            <a:xfrm>
+              <a:off x="3658231" y="4566525"/>
+              <a:ext cx="798035" cy="621226"/>
+            </a:xfrm>
+            <a:prstGeom prst="rect">
+              <a:avLst/>
+            </a:prstGeom>
+          </p:spPr>
+          <p:style>
+            <a:lnRef idx="1">
+              <a:schemeClr val="accent6"/>
+            </a:lnRef>
+            <a:fillRef idx="2">
+              <a:schemeClr val="accent6"/>
+            </a:fillRef>
+            <a:effectRef idx="1">
+              <a:schemeClr val="accent6"/>
+            </a:effectRef>
+            <a:fontRef idx="minor">
+              <a:schemeClr val="dk1"/>
+            </a:fontRef>
+          </p:style>
+          <p:txBody>
+            <a:bodyPr rtlCol="0" anchor="ctr"/>
+            <a:lstStyle/>
+            <a:p>
+              <a:pPr algn="ctr"/>
+              <a:r>
+                <a:rPr lang="fr-FR" dirty="0"/>
+                <a:t>2</a:t>
+              </a:r>
+              <a:endParaRPr lang="fr-FR" dirty="0" smtClean="0"/>
+            </a:p>
+            <a:p>
+              <a:pPr algn="ctr"/>
+              <a:r>
+                <a:rPr lang="fr-FR" dirty="0" smtClean="0"/>
+                <a:t>= elt1</a:t>
+              </a:r>
+              <a:endParaRPr lang="fr-FR" dirty="0"/>
+            </a:p>
+          </p:txBody>
+        </p:sp>
+        <p:sp>
+          <p:nvSpPr>
+            <p:cNvPr id="29" name="Rectangle 28"/>
+            <p:cNvSpPr/>
+            <p:nvPr/>
+          </p:nvSpPr>
+          <p:spPr>
+            <a:xfrm>
+              <a:off x="5776198" y="3857904"/>
+              <a:ext cx="699983" cy="555981"/>
+            </a:xfrm>
+            <a:prstGeom prst="rect">
+              <a:avLst/>
+            </a:prstGeom>
+          </p:spPr>
+          <p:style>
+            <a:lnRef idx="1">
+              <a:schemeClr val="accent3"/>
+            </a:lnRef>
+            <a:fillRef idx="2">
+              <a:schemeClr val="accent3"/>
+            </a:fillRef>
+            <a:effectRef idx="1">
+              <a:schemeClr val="accent3"/>
+            </a:effectRef>
+            <a:fontRef idx="minor">
+              <a:schemeClr val="dk1"/>
+            </a:fontRef>
+          </p:style>
+          <p:txBody>
+            <a:bodyPr rtlCol="0" anchor="ctr"/>
+            <a:lstStyle/>
+            <a:p>
+              <a:pPr algn="ctr"/>
+              <a:r>
+                <a:rPr lang="fr-FR" dirty="0" smtClean="0"/>
+                <a:t>1</a:t>
+              </a:r>
+              <a:endParaRPr lang="fr-FR" dirty="0" smtClean="0"/>
+            </a:p>
+          </p:txBody>
+        </p:sp>
+        <p:cxnSp>
+          <p:nvCxnSpPr>
+            <p:cNvPr id="32" name="Connecteur droit avec flèche 31"/>
+            <p:cNvCxnSpPr>
+              <a:stCxn id="12" idx="3"/>
+              <a:endCxn id="29" idx="1"/>
+            </p:cNvCxnSpPr>
+            <p:nvPr/>
+          </p:nvCxnSpPr>
+          <p:spPr>
+            <a:xfrm flipV="1">
+              <a:off x="4447861" y="4135895"/>
+              <a:ext cx="1328337" cy="22739"/>
+            </a:xfrm>
+            <a:prstGeom prst="straightConnector1">
+              <a:avLst/>
+            </a:prstGeom>
+            <a:ln>
+              <a:tailEnd type="triangle"/>
+            </a:ln>
+          </p:spPr>
+          <p:style>
+            <a:lnRef idx="3">
+              <a:schemeClr val="dk1"/>
+            </a:lnRef>
+            <a:fillRef idx="0">
+              <a:schemeClr val="dk1"/>
+            </a:fillRef>
+            <a:effectRef idx="2">
+              <a:schemeClr val="dk1"/>
+            </a:effectRef>
+            <a:fontRef idx="minor">
+              <a:schemeClr val="tx1"/>
+            </a:fontRef>
+          </p:style>
+        </p:cxnSp>
+        <p:cxnSp>
+          <p:nvCxnSpPr>
+            <p:cNvPr id="41" name="Connecteur droit avec flèche 40"/>
+            <p:cNvCxnSpPr>
+              <a:stCxn id="20" idx="3"/>
+              <a:endCxn id="17" idx="1"/>
+            </p:cNvCxnSpPr>
+            <p:nvPr/>
+          </p:nvCxnSpPr>
+          <p:spPr>
+            <a:xfrm flipV="1">
+              <a:off x="4456266" y="4861163"/>
+              <a:ext cx="1319932" cy="15975"/>
+            </a:xfrm>
+            <a:prstGeom prst="straightConnector1">
+              <a:avLst/>
+            </a:prstGeom>
+            <a:ln>
+              <a:tailEnd type="triangle"/>
+            </a:ln>
+          </p:spPr>
+          <p:style>
+            <a:lnRef idx="3">
+              <a:schemeClr val="dk1"/>
+            </a:lnRef>
+            <a:fillRef idx="0">
+              <a:schemeClr val="dk1"/>
+            </a:fillRef>
+            <a:effectRef idx="2">
+              <a:schemeClr val="dk1"/>
+            </a:effectRef>
+            <a:fontRef idx="minor">
+              <a:schemeClr val="tx1"/>
+            </a:fontRef>
+          </p:style>
+        </p:cxnSp>
+        <p:sp>
+          <p:nvSpPr>
+            <p:cNvPr id="45" name="ZoneTexte 44"/>
+            <p:cNvSpPr txBox="1"/>
+            <p:nvPr/>
+          </p:nvSpPr>
+          <p:spPr>
+            <a:xfrm>
+              <a:off x="4651580" y="3815159"/>
+              <a:ext cx="920898" cy="369332"/>
+            </a:xfrm>
+            <a:prstGeom prst="rect">
+              <a:avLst/>
+            </a:prstGeom>
+            <a:noFill/>
+          </p:spPr>
+          <p:txBody>
+            <a:bodyPr wrap="square" rtlCol="0">
+              <a:spAutoFit/>
+            </a:bodyPr>
+            <a:lstStyle/>
+            <a:p>
+              <a:pPr algn="ctr"/>
+              <a:r>
+                <a:rPr lang="fr-FR" dirty="0" smtClean="0"/>
+                <a:t>f</a:t>
+              </a:r>
+              <a:endParaRPr lang="fr-FR" dirty="0"/>
+            </a:p>
+          </p:txBody>
+        </p:sp>
+        <p:sp>
+          <p:nvSpPr>
+            <p:cNvPr id="46" name="ZoneTexte 45"/>
+            <p:cNvSpPr txBox="1"/>
+            <p:nvPr/>
+          </p:nvSpPr>
+          <p:spPr>
+            <a:xfrm>
+              <a:off x="4654349" y="4517962"/>
+              <a:ext cx="920898" cy="369332"/>
+            </a:xfrm>
+            <a:prstGeom prst="rect">
+              <a:avLst/>
+            </a:prstGeom>
+            <a:noFill/>
+          </p:spPr>
+          <p:txBody>
+            <a:bodyPr wrap="square" rtlCol="0">
+              <a:spAutoFit/>
+            </a:bodyPr>
+            <a:lstStyle/>
+            <a:p>
+              <a:pPr algn="ctr"/>
+              <a:r>
+                <a:rPr lang="fr-FR" dirty="0" smtClean="0"/>
+                <a:t>f</a:t>
+              </a:r>
+              <a:endParaRPr lang="fr-FR" dirty="0"/>
+            </a:p>
+          </p:txBody>
+        </p:sp>
+      </p:grpSp>
     </p:spTree>
     <p:extLst>
       <p:ext uri="{BB962C8B-B14F-4D97-AF65-F5344CB8AC3E}">
@@ -4880,125 +5760,6 @@
           </a:p>
         </p:txBody>
       </p:sp>
-      <p:sp>
-        <p:nvSpPr>
-          <p:cNvPr id="3" name="Espace réservé du contenu 2"/>
-          <p:cNvSpPr>
-            <a:spLocks noGrp="1"/>
-          </p:cNvSpPr>
-          <p:nvPr>
-            <p:ph idx="1"/>
-          </p:nvPr>
-        </p:nvSpPr>
-        <p:spPr>
-          <a:xfrm>
-            <a:off x="838199" y="1532078"/>
-            <a:ext cx="5652247" cy="4351338"/>
-          </a:xfrm>
-        </p:spPr>
-        <p:txBody>
-          <a:bodyPr/>
-          <a:lstStyle/>
-          <a:p>
-            <a:pPr marL="0" indent="0">
-              <a:buNone/>
-            </a:pPr>
-            <a:r>
-              <a:rPr lang="fr-FR" dirty="0" err="1" smtClean="0"/>
-              <a:t>We</a:t>
-            </a:r>
-            <a:r>
-              <a:rPr lang="fr-FR" dirty="0" smtClean="0"/>
-              <a:t> </a:t>
-            </a:r>
-            <a:r>
-              <a:rPr lang="fr-FR" dirty="0" err="1" smtClean="0"/>
-              <a:t>will</a:t>
-            </a:r>
-            <a:r>
-              <a:rPr lang="fr-FR" dirty="0" smtClean="0"/>
-              <a:t> </a:t>
-            </a:r>
-            <a:r>
-              <a:rPr lang="fr-FR" dirty="0" err="1" smtClean="0"/>
-              <a:t>now</a:t>
-            </a:r>
-            <a:r>
-              <a:rPr lang="fr-FR" dirty="0" smtClean="0"/>
-              <a:t> </a:t>
-            </a:r>
-            <a:r>
-              <a:rPr lang="fr-FR" dirty="0" err="1" smtClean="0"/>
-              <a:t>see</a:t>
-            </a:r>
-            <a:r>
-              <a:rPr lang="fr-FR" dirty="0" smtClean="0"/>
-              <a:t> an </a:t>
-            </a:r>
-            <a:r>
-              <a:rPr lang="fr-FR" dirty="0" err="1" smtClean="0"/>
-              <a:t>example</a:t>
-            </a:r>
-            <a:r>
-              <a:rPr lang="fr-FR" dirty="0" smtClean="0"/>
-              <a:t> for </a:t>
-            </a:r>
-            <a:r>
-              <a:rPr lang="fr-FR" dirty="0" err="1" smtClean="0"/>
-              <a:t>which</a:t>
-            </a:r>
-            <a:r>
-              <a:rPr lang="fr-FR" dirty="0"/>
-              <a:t> </a:t>
-            </a:r>
-            <a:r>
-              <a:rPr lang="fr-FR" dirty="0" smtClean="0"/>
-              <a:t>the naïve </a:t>
-            </a:r>
-            <a:r>
-              <a:rPr lang="fr-FR" dirty="0" err="1" smtClean="0"/>
-              <a:t>algorithm</a:t>
-            </a:r>
-            <a:r>
-              <a:rPr lang="fr-FR" dirty="0" smtClean="0"/>
-              <a:t> </a:t>
-            </a:r>
-            <a:r>
-              <a:rPr lang="fr-FR" dirty="0" err="1" smtClean="0"/>
-              <a:t>fails</a:t>
-            </a:r>
-            <a:r>
-              <a:rPr lang="fr-FR" dirty="0" smtClean="0"/>
-              <a:t>, </a:t>
-            </a:r>
-            <a:r>
-              <a:rPr lang="fr-FR" dirty="0" err="1" smtClean="0"/>
-              <a:t>because</a:t>
-            </a:r>
-            <a:r>
-              <a:rPr lang="fr-FR" dirty="0" smtClean="0"/>
-              <a:t> no </a:t>
-            </a:r>
-            <a:r>
-              <a:rPr lang="fr-FR" dirty="0" err="1" smtClean="0"/>
-              <a:t>universal</a:t>
-            </a:r>
-            <a:r>
-              <a:rPr lang="fr-FR" dirty="0" smtClean="0"/>
-              <a:t> invariant </a:t>
-            </a:r>
-            <a:r>
-              <a:rPr lang="fr-FR" dirty="0" err="1" smtClean="0"/>
-              <a:t>exists</a:t>
-            </a:r>
-            <a:r>
-              <a:rPr lang="fr-FR" dirty="0" smtClean="0"/>
-              <a:t>.</a:t>
-            </a:r>
-            <a:endParaRPr lang="fr-FR" dirty="0"/>
-          </a:p>
-        </p:txBody>
-      </p:sp>
       <p:pic>
         <p:nvPicPr>
           <p:cNvPr id="6" name="Image 5"/>
@@ -5055,7 +5816,7 @@
         </p:nvSpPr>
         <p:spPr>
           <a:xfrm>
-            <a:off x="900953" y="3492594"/>
+            <a:off x="838200" y="1690688"/>
             <a:ext cx="4612341" cy="2308324"/>
           </a:xfrm>
           <a:prstGeom prst="rect">
@@ -5299,7 +6060,7 @@
         </p:blipFill>
         <p:spPr>
           <a:xfrm>
-            <a:off x="2028206" y="5619866"/>
+            <a:off x="1965453" y="3817960"/>
             <a:ext cx="3272235" cy="304799"/>
           </a:xfrm>
           <a:prstGeom prst="rect">
@@ -5307,6 +6068,241 @@
           </a:prstGeom>
         </p:spPr>
       </p:pic>
+      <p:pic>
+        <p:nvPicPr>
+          <p:cNvPr id="10" name="Image 9"/>
+          <p:cNvPicPr>
+            <a:picLocks noChangeAspect="1"/>
+          </p:cNvPicPr>
+          <p:nvPr/>
+        </p:nvPicPr>
+        <p:blipFill>
+          <a:blip r:embed="rId4"/>
+          <a:stretch>
+            <a:fillRect/>
+          </a:stretch>
+        </p:blipFill>
+        <p:spPr>
+          <a:xfrm>
+            <a:off x="827612" y="5017175"/>
+            <a:ext cx="4114800" cy="200025"/>
+          </a:xfrm>
+          <a:prstGeom prst="rect">
+            <a:avLst/>
+          </a:prstGeom>
+        </p:spPr>
+      </p:pic>
+      <p:sp>
+        <p:nvSpPr>
+          <p:cNvPr id="11" name="ZoneTexte 10"/>
+          <p:cNvSpPr txBox="1"/>
+          <p:nvPr/>
+        </p:nvSpPr>
+        <p:spPr>
+          <a:xfrm>
+            <a:off x="838200" y="4273059"/>
+            <a:ext cx="4389905" cy="646331"/>
+          </a:xfrm>
+          <a:prstGeom prst="rect">
+            <a:avLst/>
+          </a:prstGeom>
+          <a:noFill/>
+        </p:spPr>
+        <p:txBody>
+          <a:bodyPr wrap="square" rtlCol="0">
+            <a:spAutoFit/>
+          </a:bodyPr>
+          <a:lstStyle/>
+          <a:p>
+            <a:r>
+              <a:rPr lang="fr-FR" dirty="0" smtClean="0"/>
+              <a:t>In </a:t>
+            </a:r>
+            <a:r>
+              <a:rPr lang="fr-FR" dirty="0" err="1" smtClean="0"/>
+              <a:t>order</a:t>
+            </a:r>
+            <a:r>
+              <a:rPr lang="fr-FR" dirty="0" smtClean="0"/>
+              <a:t> to have an inductive set of invariants, </a:t>
+            </a:r>
+            <a:r>
+              <a:rPr lang="fr-FR" dirty="0" err="1" smtClean="0"/>
+              <a:t>we</a:t>
+            </a:r>
+            <a:r>
+              <a:rPr lang="fr-FR" dirty="0" smtClean="0"/>
+              <a:t> </a:t>
+            </a:r>
+            <a:r>
+              <a:rPr lang="fr-FR" dirty="0" err="1" smtClean="0"/>
+              <a:t>need</a:t>
+            </a:r>
+            <a:r>
+              <a:rPr lang="fr-FR" dirty="0" smtClean="0"/>
+              <a:t> to </a:t>
+            </a:r>
+            <a:r>
+              <a:rPr lang="fr-FR" dirty="0" err="1" smtClean="0"/>
+              <a:t>add</a:t>
+            </a:r>
+            <a:r>
+              <a:rPr lang="fr-FR" dirty="0" smtClean="0"/>
+              <a:t> the </a:t>
+            </a:r>
+            <a:r>
+              <a:rPr lang="fr-FR" dirty="0" err="1" smtClean="0"/>
+              <a:t>following</a:t>
+            </a:r>
+            <a:r>
+              <a:rPr lang="fr-FR" dirty="0"/>
+              <a:t>:</a:t>
+            </a:r>
+          </a:p>
+        </p:txBody>
+      </p:sp>
+      <p:sp>
+        <p:nvSpPr>
+          <p:cNvPr id="12" name="ZoneTexte 11"/>
+          <p:cNvSpPr txBox="1"/>
+          <p:nvPr/>
+        </p:nvSpPr>
+        <p:spPr>
+          <a:xfrm>
+            <a:off x="827612" y="5367450"/>
+            <a:ext cx="4602758" cy="923330"/>
+          </a:xfrm>
+          <a:prstGeom prst="rect">
+            <a:avLst/>
+          </a:prstGeom>
+          <a:noFill/>
+        </p:spPr>
+        <p:txBody>
+          <a:bodyPr wrap="square" rtlCol="0">
+            <a:spAutoFit/>
+          </a:bodyPr>
+          <a:lstStyle/>
+          <a:p>
+            <a:r>
+              <a:rPr lang="fr-FR" dirty="0" smtClean="0"/>
+              <a:t>Note </a:t>
+            </a:r>
+            <a:r>
+              <a:rPr lang="fr-FR" dirty="0" err="1" smtClean="0"/>
+              <a:t>that</a:t>
+            </a:r>
+            <a:r>
+              <a:rPr lang="fr-FR" dirty="0" smtClean="0"/>
+              <a:t> </a:t>
+            </a:r>
+            <a:r>
+              <a:rPr lang="fr-FR" dirty="0" err="1" smtClean="0"/>
+              <a:t>this</a:t>
+            </a:r>
+            <a:r>
+              <a:rPr lang="fr-FR" dirty="0" smtClean="0"/>
+              <a:t> conjecture </a:t>
+            </a:r>
+            <a:r>
+              <a:rPr lang="fr-FR" dirty="0" err="1" smtClean="0"/>
+              <a:t>is</a:t>
+            </a:r>
+            <a:r>
+              <a:rPr lang="fr-FR" dirty="0" smtClean="0"/>
+              <a:t> not </a:t>
+            </a:r>
+            <a:r>
+              <a:rPr lang="fr-FR" dirty="0" err="1" smtClean="0"/>
+              <a:t>only</a:t>
+            </a:r>
+            <a:r>
+              <a:rPr lang="fr-FR" dirty="0" smtClean="0"/>
+              <a:t> </a:t>
+            </a:r>
+            <a:r>
+              <a:rPr lang="fr-FR" dirty="0" err="1" smtClean="0"/>
+              <a:t>universal</a:t>
+            </a:r>
+            <a:r>
+              <a:rPr lang="fr-FR" dirty="0" smtClean="0"/>
+              <a:t>, and </a:t>
+            </a:r>
+            <a:r>
+              <a:rPr lang="fr-FR" dirty="0" err="1" smtClean="0"/>
+              <a:t>so</a:t>
+            </a:r>
+            <a:r>
+              <a:rPr lang="fr-FR" dirty="0" smtClean="0"/>
+              <a:t> </a:t>
+            </a:r>
+            <a:r>
+              <a:rPr lang="fr-FR" dirty="0" err="1" smtClean="0"/>
+              <a:t>we</a:t>
+            </a:r>
+            <a:r>
+              <a:rPr lang="fr-FR" dirty="0" smtClean="0"/>
+              <a:t> </a:t>
+            </a:r>
+            <a:r>
+              <a:rPr lang="fr-FR" dirty="0" err="1" smtClean="0"/>
+              <a:t>will</a:t>
+            </a:r>
+            <a:r>
+              <a:rPr lang="fr-FR" dirty="0" smtClean="0"/>
+              <a:t> </a:t>
+            </a:r>
+            <a:r>
+              <a:rPr lang="fr-FR" dirty="0" err="1" smtClean="0"/>
+              <a:t>see</a:t>
+            </a:r>
+            <a:r>
+              <a:rPr lang="fr-FR" dirty="0" smtClean="0"/>
+              <a:t> </a:t>
+            </a:r>
+            <a:r>
+              <a:rPr lang="fr-FR" dirty="0" err="1" smtClean="0"/>
+              <a:t>that</a:t>
+            </a:r>
+            <a:r>
+              <a:rPr lang="fr-FR" dirty="0" smtClean="0"/>
+              <a:t> the </a:t>
+            </a:r>
+            <a:r>
+              <a:rPr lang="fr-FR" dirty="0" err="1" smtClean="0"/>
+              <a:t>naive</a:t>
+            </a:r>
+            <a:r>
+              <a:rPr lang="fr-FR" dirty="0" smtClean="0"/>
+              <a:t> </a:t>
+            </a:r>
+            <a:r>
+              <a:rPr lang="fr-FR" dirty="0" err="1" smtClean="0"/>
+              <a:t>generalization</a:t>
+            </a:r>
+            <a:r>
+              <a:rPr lang="fr-FR" dirty="0" smtClean="0"/>
+              <a:t> </a:t>
+            </a:r>
+            <a:r>
+              <a:rPr lang="fr-FR" dirty="0" err="1" smtClean="0"/>
+              <a:t>will</a:t>
+            </a:r>
+            <a:r>
+              <a:rPr lang="fr-FR" dirty="0" smtClean="0"/>
+              <a:t> </a:t>
+            </a:r>
+            <a:r>
+              <a:rPr lang="fr-FR" dirty="0" err="1" smtClean="0"/>
+              <a:t>generate</a:t>
+            </a:r>
+            <a:r>
+              <a:rPr lang="fr-FR" dirty="0" smtClean="0"/>
+              <a:t> an incorrect invariant.</a:t>
+            </a:r>
+            <a:endParaRPr lang="fr-FR" dirty="0"/>
+          </a:p>
+        </p:txBody>
+      </p:sp>
     </p:spTree>
     <p:extLst>
       <p:ext uri="{BB962C8B-B14F-4D97-AF65-F5344CB8AC3E}">
@@ -5419,63 +6415,16 @@
           </a:prstGeom>
         </p:spPr>
       </p:pic>
-      <p:pic>
-        <p:nvPicPr>
-          <p:cNvPr id="9" name="Image 8"/>
-          <p:cNvPicPr>
-            <a:picLocks noChangeAspect="1"/>
-          </p:cNvPicPr>
-          <p:nvPr/>
-        </p:nvPicPr>
-        <p:blipFill rotWithShape="1">
-          <a:blip r:embed="rId4"/>
-          <a:srcRect t="92230"/>
-          <a:stretch/>
-        </p:blipFill>
-        <p:spPr>
-          <a:xfrm>
-            <a:off x="953060" y="1818814"/>
-            <a:ext cx="3272235" cy="304799"/>
-          </a:xfrm>
-          <a:prstGeom prst="rect">
-            <a:avLst/>
-          </a:prstGeom>
-        </p:spPr>
-      </p:pic>
-      <p:pic>
-        <p:nvPicPr>
-          <p:cNvPr id="4" name="Image 3"/>
-          <p:cNvPicPr>
-            <a:picLocks noChangeAspect="1"/>
-          </p:cNvPicPr>
-          <p:nvPr/>
-        </p:nvPicPr>
-        <p:blipFill>
-          <a:blip r:embed="rId5"/>
-          <a:stretch>
-            <a:fillRect/>
-          </a:stretch>
-        </p:blipFill>
-        <p:spPr>
-          <a:xfrm>
-            <a:off x="942472" y="2871503"/>
-            <a:ext cx="4114800" cy="200025"/>
-          </a:xfrm>
-          <a:prstGeom prst="rect">
-            <a:avLst/>
-          </a:prstGeom>
-        </p:spPr>
-      </p:pic>
       <p:sp>
         <p:nvSpPr>
-          <p:cNvPr id="5" name="ZoneTexte 4"/>
+          <p:cNvPr id="14" name="ZoneTexte 13"/>
           <p:cNvSpPr txBox="1"/>
           <p:nvPr/>
         </p:nvSpPr>
         <p:spPr>
           <a:xfrm>
-            <a:off x="953060" y="2127387"/>
-            <a:ext cx="4389905" cy="646331"/>
+            <a:off x="497656" y="1481118"/>
+            <a:ext cx="6079837" cy="4247317"/>
           </a:xfrm>
           <a:prstGeom prst="rect">
             <a:avLst/>
@@ -5489,85 +6438,739 @@
           <a:lstStyle/>
           <a:p>
             <a:r>
-              <a:rPr lang="fr-FR" dirty="0" smtClean="0"/>
-              <a:t>In </a:t>
-            </a:r>
-            <a:r>
-              <a:rPr lang="fr-FR" dirty="0" err="1" smtClean="0"/>
-              <a:t>order</a:t>
-            </a:r>
-            <a:r>
-              <a:rPr lang="fr-FR" dirty="0" smtClean="0"/>
-              <a:t> to have an inductive set of invariants, </a:t>
-            </a:r>
-            <a:r>
-              <a:rPr lang="fr-FR" dirty="0" err="1" smtClean="0"/>
-              <a:t>we</a:t>
-            </a:r>
-            <a:r>
-              <a:rPr lang="fr-FR" dirty="0" smtClean="0"/>
-              <a:t> </a:t>
-            </a:r>
-            <a:r>
-              <a:rPr lang="fr-FR" dirty="0" err="1" smtClean="0"/>
-              <a:t>need</a:t>
-            </a:r>
-            <a:r>
-              <a:rPr lang="fr-FR" dirty="0" smtClean="0"/>
-              <a:t> to </a:t>
-            </a:r>
-            <a:r>
-              <a:rPr lang="fr-FR" dirty="0" err="1" smtClean="0"/>
-              <a:t>add</a:t>
-            </a:r>
-            <a:r>
-              <a:rPr lang="fr-FR" dirty="0" smtClean="0"/>
-              <a:t> the </a:t>
-            </a:r>
-            <a:r>
-              <a:rPr lang="fr-FR" dirty="0" err="1" smtClean="0"/>
-              <a:t>following</a:t>
-            </a:r>
+              <a:rPr lang="fr-FR" dirty="0" err="1" smtClean="0"/>
+              <a:t>Counterexample</a:t>
+            </a:r>
+            <a:r>
+              <a:rPr lang="fr-FR" dirty="0" smtClean="0"/>
+              <a:t> </a:t>
+            </a:r>
+            <a:r>
+              <a:rPr lang="fr-FR" dirty="0" err="1" smtClean="0"/>
+              <a:t>found</a:t>
+            </a:r>
+            <a:r>
+              <a:rPr lang="fr-FR" dirty="0" smtClean="0"/>
+              <a:t>:</a:t>
+            </a:r>
+            <a:endParaRPr lang="fr-FR" dirty="0" smtClean="0"/>
+          </a:p>
+          <a:p>
             <a:r>
               <a:rPr lang="fr-FR" dirty="0"/>
+              <a:t>(</a:t>
+            </a:r>
+            <a:r>
+              <a:rPr lang="fr-FR" dirty="0" err="1"/>
+              <a:t>inequalities</a:t>
+            </a:r>
+            <a:r>
+              <a:rPr lang="fr-FR" dirty="0"/>
+              <a:t> over </a:t>
+            </a:r>
+            <a:r>
+              <a:rPr lang="fr-FR" dirty="0" err="1"/>
+              <a:t>concrete</a:t>
+            </a:r>
+            <a:r>
+              <a:rPr lang="fr-FR" dirty="0"/>
+              <a:t> values are not </a:t>
+            </a:r>
+            <a:r>
+              <a:rPr lang="fr-FR" dirty="0" err="1"/>
+              <a:t>shown</a:t>
+            </a:r>
+            <a:r>
+              <a:rPr lang="fr-FR" dirty="0"/>
+              <a:t>)</a:t>
+            </a:r>
+          </a:p>
+          <a:p>
+            <a:endParaRPr lang="fr-FR" dirty="0" smtClean="0"/>
+          </a:p>
+          <a:p>
+            <a:r>
+              <a:rPr lang="fr-FR" dirty="0" smtClean="0"/>
+              <a:t>Initial </a:t>
+            </a:r>
+            <a:r>
+              <a:rPr lang="fr-FR" dirty="0" err="1" smtClean="0"/>
+              <a:t>environment</a:t>
+            </a:r>
+            <a:r>
+              <a:rPr lang="fr-FR" dirty="0" smtClean="0"/>
               <a:t>:</a:t>
+            </a:r>
+            <a:r>
+              <a:rPr lang="fr-FR" dirty="0"/>
+              <a:t/>
+            </a:r>
+            <a:br>
+              <a:rPr lang="fr-FR" dirty="0"/>
+            </a:br>
+            <a:endParaRPr lang="fr-FR" dirty="0"/>
+          </a:p>
+          <a:p>
+            <a:r>
+              <a:rPr lang="fr-FR" dirty="0" err="1" smtClean="0"/>
+              <a:t>elt</a:t>
+            </a:r>
+            <a:r>
+              <a:rPr lang="fr-FR" dirty="0" smtClean="0"/>
+              <a:t>=0</a:t>
+            </a:r>
+            <a:endParaRPr lang="fr-FR" dirty="0" smtClean="0"/>
+          </a:p>
+          <a:p>
+            <a:r>
+              <a:rPr lang="fr-FR" dirty="0" err="1" smtClean="0"/>
+              <a:t>res</a:t>
+            </a:r>
+            <a:r>
+              <a:rPr lang="fr-FR" dirty="0" smtClean="0"/>
+              <a:t>=0</a:t>
+            </a:r>
+          </a:p>
+          <a:p>
+            <a:r>
+              <a:rPr lang="fr-FR" dirty="0" smtClean="0"/>
+              <a:t>~dom(0)</a:t>
+            </a:r>
+          </a:p>
+          <a:p>
+            <a:r>
+              <a:rPr lang="fr-FR" dirty="0" smtClean="0"/>
+              <a:t>d</a:t>
+            </a:r>
+            <a:r>
+              <a:rPr lang="fr-FR" dirty="0" smtClean="0"/>
+              <a:t>om(1)</a:t>
+            </a:r>
+            <a:endParaRPr lang="fr-FR" dirty="0" smtClean="0"/>
+          </a:p>
+          <a:p>
+            <a:r>
+              <a:rPr lang="fr-FR" dirty="0" smtClean="0"/>
+              <a:t>~f(0,0)</a:t>
+            </a:r>
+          </a:p>
+          <a:p>
+            <a:r>
+              <a:rPr lang="fr-FR" dirty="0"/>
+              <a:t>~</a:t>
+            </a:r>
+            <a:r>
+              <a:rPr lang="fr-FR" dirty="0" smtClean="0"/>
+              <a:t>f(1,0</a:t>
+            </a:r>
+            <a:r>
+              <a:rPr lang="fr-FR" dirty="0"/>
+              <a:t>)</a:t>
+            </a:r>
+            <a:r>
+              <a:rPr lang="fr-FR" dirty="0" smtClean="0"/>
+              <a:t/>
+            </a:r>
+            <a:br>
+              <a:rPr lang="fr-FR" dirty="0" smtClean="0"/>
+            </a:br>
+            <a:endParaRPr lang="fr-FR" dirty="0" smtClean="0"/>
+          </a:p>
+          <a:p>
+            <a:r>
+              <a:rPr lang="fr-FR" dirty="0" err="1" smtClean="0"/>
+              <a:t>After</a:t>
+            </a:r>
+            <a:r>
+              <a:rPr lang="fr-FR" dirty="0" smtClean="0"/>
+              <a:t> </a:t>
+            </a:r>
+            <a:r>
+              <a:rPr lang="fr-FR" dirty="0" err="1" smtClean="0"/>
+              <a:t>executing</a:t>
+            </a:r>
+            <a:r>
+              <a:rPr lang="fr-FR" dirty="0" smtClean="0"/>
+              <a:t> </a:t>
+            </a:r>
+            <a:r>
+              <a:rPr lang="fr-FR" dirty="0" err="1" smtClean="0"/>
+              <a:t>set_elt</a:t>
+            </a:r>
+            <a:r>
+              <a:rPr lang="fr-FR" dirty="0" smtClean="0"/>
+              <a:t>(1),</a:t>
+            </a:r>
+            <a:r>
+              <a:rPr lang="fr-FR" dirty="0" smtClean="0"/>
+              <a:t/>
+            </a:r>
+            <a:br>
+              <a:rPr lang="fr-FR" dirty="0" smtClean="0"/>
+            </a:br>
+            <a:r>
+              <a:rPr lang="fr-FR" dirty="0" smtClean="0"/>
+              <a:t>dom(</a:t>
+            </a:r>
+            <a:r>
+              <a:rPr lang="fr-FR" dirty="0" err="1" smtClean="0"/>
+              <a:t>elt</a:t>
+            </a:r>
+            <a:r>
+              <a:rPr lang="fr-FR" dirty="0" smtClean="0"/>
+              <a:t>)=dom(1)=</a:t>
+            </a:r>
+            <a:r>
+              <a:rPr lang="fr-FR" dirty="0" err="1" smtClean="0"/>
+              <a:t>true</a:t>
+            </a:r>
+            <a:r>
+              <a:rPr lang="fr-FR" dirty="0" smtClean="0"/>
+              <a:t>, and</a:t>
+            </a:r>
+          </a:p>
+          <a:p>
+            <a:r>
+              <a:rPr lang="fr-FR" dirty="0"/>
+              <a:t>f</a:t>
+            </a:r>
+            <a:r>
+              <a:rPr lang="fr-FR" dirty="0" smtClean="0"/>
+              <a:t>(</a:t>
+            </a:r>
+            <a:r>
+              <a:rPr lang="fr-FR" dirty="0" err="1" smtClean="0"/>
+              <a:t>elt,res</a:t>
+            </a:r>
+            <a:r>
+              <a:rPr lang="fr-FR" dirty="0" smtClean="0"/>
+              <a:t>)=f(1,0)=false                     (the </a:t>
+            </a:r>
+            <a:r>
+              <a:rPr lang="fr-FR" dirty="0" smtClean="0"/>
+              <a:t>invariant </a:t>
+            </a:r>
+            <a:r>
+              <a:rPr lang="fr-FR" dirty="0" err="1" smtClean="0"/>
+              <a:t>is</a:t>
+            </a:r>
+            <a:r>
+              <a:rPr lang="fr-FR" dirty="0" smtClean="0"/>
+              <a:t> </a:t>
+            </a:r>
+            <a:r>
+              <a:rPr lang="fr-FR" dirty="0" err="1" smtClean="0"/>
+              <a:t>broken</a:t>
+            </a:r>
+            <a:r>
+              <a:rPr lang="fr-FR" dirty="0" smtClean="0"/>
+              <a:t>)</a:t>
             </a:r>
           </a:p>
         </p:txBody>
       </p:sp>
-      <p:pic>
-        <p:nvPicPr>
-          <p:cNvPr id="11" name="Image 10"/>
-          <p:cNvPicPr>
-            <a:picLocks noChangeAspect="1"/>
-          </p:cNvPicPr>
+      <p:grpSp>
+        <p:nvGrpSpPr>
+          <p:cNvPr id="15" name="Groupe 14"/>
+          <p:cNvGrpSpPr/>
           <p:nvPr/>
-        </p:nvPicPr>
-        <p:blipFill rotWithShape="1">
-          <a:blip r:embed="rId6"/>
-          <a:srcRect l="14235" t="589"/>
-          <a:stretch/>
-        </p:blipFill>
+        </p:nvGrpSpPr>
+        <p:grpSpPr>
+          <a:xfrm>
+            <a:off x="2771787" y="2395914"/>
+            <a:ext cx="3259290" cy="2197001"/>
+            <a:chOff x="3350534" y="2813466"/>
+            <a:chExt cx="3479956" cy="2452412"/>
+          </a:xfrm>
+        </p:grpSpPr>
+        <p:grpSp>
+          <p:nvGrpSpPr>
+            <p:cNvPr id="16" name="Groupe 15"/>
+            <p:cNvGrpSpPr/>
+            <p:nvPr/>
+          </p:nvGrpSpPr>
+          <p:grpSpPr>
+            <a:xfrm>
+              <a:off x="3350534" y="2813466"/>
+              <a:ext cx="1501929" cy="2452412"/>
+              <a:chOff x="1075765" y="2796989"/>
+              <a:chExt cx="4222377" cy="2824162"/>
+            </a:xfrm>
+          </p:grpSpPr>
+          <p:sp>
+            <p:nvSpPr>
+              <p:cNvPr id="31" name="Rectangle 30"/>
+              <p:cNvSpPr/>
+              <p:nvPr/>
+            </p:nvSpPr>
+            <p:spPr>
+              <a:xfrm>
+                <a:off x="1075765" y="3164541"/>
+                <a:ext cx="4222377" cy="2456610"/>
+              </a:xfrm>
+              <a:prstGeom prst="rect">
+                <a:avLst/>
+              </a:prstGeom>
+            </p:spPr>
+            <p:style>
+              <a:lnRef idx="2">
+                <a:schemeClr val="accent3"/>
+              </a:lnRef>
+              <a:fillRef idx="1">
+                <a:schemeClr val="lt1"/>
+              </a:fillRef>
+              <a:effectRef idx="0">
+                <a:schemeClr val="accent3"/>
+              </a:effectRef>
+              <a:fontRef idx="minor">
+                <a:schemeClr val="dk1"/>
+              </a:fontRef>
+            </p:style>
+            <p:txBody>
+              <a:bodyPr rtlCol="0" anchor="ctr"/>
+              <a:lstStyle/>
+              <a:p>
+                <a:pPr algn="ctr"/>
+                <a:endParaRPr lang="fr-FR"/>
+              </a:p>
+            </p:txBody>
+          </p:sp>
+          <p:sp>
+            <p:nvSpPr>
+              <p:cNvPr id="32" name="Rectangle 31"/>
+              <p:cNvSpPr/>
+              <p:nvPr/>
+            </p:nvSpPr>
+            <p:spPr>
+              <a:xfrm>
+                <a:off x="1075765" y="2796989"/>
+                <a:ext cx="4222377" cy="367552"/>
+              </a:xfrm>
+              <a:prstGeom prst="rect">
+                <a:avLst/>
+              </a:prstGeom>
+            </p:spPr>
+            <p:style>
+              <a:lnRef idx="2">
+                <a:schemeClr val="accent3">
+                  <a:shade val="50000"/>
+                </a:schemeClr>
+              </a:lnRef>
+              <a:fillRef idx="1">
+                <a:schemeClr val="accent3"/>
+              </a:fillRef>
+              <a:effectRef idx="0">
+                <a:schemeClr val="accent3"/>
+              </a:effectRef>
+              <a:fontRef idx="minor">
+                <a:schemeClr val="lt1"/>
+              </a:fontRef>
+            </p:style>
+            <p:txBody>
+              <a:bodyPr rtlCol="0" anchor="ctr"/>
+              <a:lstStyle/>
+              <a:p>
+                <a:pPr algn="ctr"/>
+                <a:r>
+                  <a:rPr lang="fr-FR" dirty="0" smtClean="0"/>
+                  <a:t>Type </a:t>
+                </a:r>
+                <a:r>
+                  <a:rPr lang="fr-FR" dirty="0"/>
+                  <a:t>a</a:t>
+                </a:r>
+                <a:endParaRPr lang="fr-FR" dirty="0"/>
+              </a:p>
+            </p:txBody>
+          </p:sp>
+        </p:grpSp>
+        <p:sp>
+          <p:nvSpPr>
+            <p:cNvPr id="17" name="Rectangle 16"/>
+            <p:cNvSpPr/>
+            <p:nvPr/>
+          </p:nvSpPr>
+          <p:spPr>
+            <a:xfrm>
+              <a:off x="3655361" y="4494877"/>
+              <a:ext cx="798036" cy="637226"/>
+            </a:xfrm>
+            <a:prstGeom prst="rect">
+              <a:avLst/>
+            </a:prstGeom>
+          </p:spPr>
+          <p:style>
+            <a:lnRef idx="1">
+              <a:schemeClr val="accent2"/>
+            </a:lnRef>
+            <a:fillRef idx="2">
+              <a:schemeClr val="accent2"/>
+            </a:fillRef>
+            <a:effectRef idx="1">
+              <a:schemeClr val="accent2"/>
+            </a:effectRef>
+            <a:fontRef idx="minor">
+              <a:schemeClr val="dk1"/>
+            </a:fontRef>
+          </p:style>
+          <p:txBody>
+            <a:bodyPr rtlCol="0" anchor="ctr"/>
+            <a:lstStyle/>
+            <a:p>
+              <a:pPr algn="ctr"/>
+              <a:r>
+                <a:rPr lang="fr-FR" dirty="0" smtClean="0"/>
+                <a:t>1</a:t>
+              </a:r>
+              <a:endParaRPr lang="fr-FR" dirty="0" smtClean="0"/>
+            </a:p>
+            <a:p>
+              <a:pPr algn="ctr"/>
+              <a:r>
+                <a:rPr lang="fr-FR" dirty="0" smtClean="0"/>
+                <a:t>dom</a:t>
+              </a:r>
+              <a:endParaRPr lang="fr-FR" dirty="0" smtClean="0"/>
+            </a:p>
+          </p:txBody>
+        </p:sp>
+        <p:sp>
+          <p:nvSpPr>
+            <p:cNvPr id="18" name="Rectangle 17"/>
+            <p:cNvSpPr/>
+            <p:nvPr/>
+          </p:nvSpPr>
+          <p:spPr>
+            <a:xfrm>
+              <a:off x="3659997" y="3221348"/>
+              <a:ext cx="798036" cy="1154331"/>
+            </a:xfrm>
+            <a:prstGeom prst="rect">
+              <a:avLst/>
+            </a:prstGeom>
+          </p:spPr>
+          <p:style>
+            <a:lnRef idx="1">
+              <a:schemeClr val="accent1"/>
+            </a:lnRef>
+            <a:fillRef idx="2">
+              <a:schemeClr val="accent1"/>
+            </a:fillRef>
+            <a:effectRef idx="1">
+              <a:schemeClr val="accent1"/>
+            </a:effectRef>
+            <a:fontRef idx="minor">
+              <a:schemeClr val="dk1"/>
+            </a:fontRef>
+          </p:style>
+          <p:txBody>
+            <a:bodyPr rtlCol="0" anchor="ctr"/>
+            <a:lstStyle/>
+            <a:p>
+              <a:pPr algn="ctr"/>
+              <a:r>
+                <a:rPr lang="fr-FR" dirty="0" smtClean="0"/>
+                <a:t>0</a:t>
+              </a:r>
+            </a:p>
+            <a:p>
+              <a:pPr algn="ctr"/>
+              <a:r>
+                <a:rPr lang="fr-FR" dirty="0" smtClean="0"/>
+                <a:t>= </a:t>
+              </a:r>
+              <a:r>
+                <a:rPr lang="fr-FR" dirty="0" err="1" smtClean="0"/>
+                <a:t>elt</a:t>
+              </a:r>
+              <a:endParaRPr lang="fr-FR" dirty="0" smtClean="0"/>
+            </a:p>
+            <a:p>
+              <a:pPr algn="ctr"/>
+              <a:r>
+                <a:rPr lang="fr-FR" dirty="0" smtClean="0"/>
+                <a:t>~dom</a:t>
+              </a:r>
+              <a:endParaRPr lang="fr-FR" dirty="0" smtClean="0"/>
+            </a:p>
+          </p:txBody>
+        </p:sp>
+        <p:grpSp>
+          <p:nvGrpSpPr>
+            <p:cNvPr id="19" name="Groupe 18"/>
+            <p:cNvGrpSpPr/>
+            <p:nvPr/>
+          </p:nvGrpSpPr>
+          <p:grpSpPr>
+            <a:xfrm>
+              <a:off x="5425738" y="2813466"/>
+              <a:ext cx="1404752" cy="2452412"/>
+              <a:chOff x="1075765" y="2796989"/>
+              <a:chExt cx="4222377" cy="2824162"/>
+            </a:xfrm>
+          </p:grpSpPr>
+          <p:sp>
+            <p:nvSpPr>
+              <p:cNvPr id="29" name="Rectangle 28"/>
+              <p:cNvSpPr/>
+              <p:nvPr/>
+            </p:nvSpPr>
+            <p:spPr>
+              <a:xfrm>
+                <a:off x="1075765" y="3164541"/>
+                <a:ext cx="4222377" cy="2456610"/>
+              </a:xfrm>
+              <a:prstGeom prst="rect">
+                <a:avLst/>
+              </a:prstGeom>
+            </p:spPr>
+            <p:style>
+              <a:lnRef idx="2">
+                <a:schemeClr val="accent3"/>
+              </a:lnRef>
+              <a:fillRef idx="1">
+                <a:schemeClr val="lt1"/>
+              </a:fillRef>
+              <a:effectRef idx="0">
+                <a:schemeClr val="accent3"/>
+              </a:effectRef>
+              <a:fontRef idx="minor">
+                <a:schemeClr val="dk1"/>
+              </a:fontRef>
+            </p:style>
+            <p:txBody>
+              <a:bodyPr rtlCol="0" anchor="ctr"/>
+              <a:lstStyle/>
+              <a:p>
+                <a:pPr algn="ctr"/>
+                <a:endParaRPr lang="fr-FR"/>
+              </a:p>
+            </p:txBody>
+          </p:sp>
+          <p:sp>
+            <p:nvSpPr>
+              <p:cNvPr id="30" name="Rectangle 29"/>
+              <p:cNvSpPr/>
+              <p:nvPr/>
+            </p:nvSpPr>
+            <p:spPr>
+              <a:xfrm>
+                <a:off x="1075765" y="2796989"/>
+                <a:ext cx="4222377" cy="367552"/>
+              </a:xfrm>
+              <a:prstGeom prst="rect">
+                <a:avLst/>
+              </a:prstGeom>
+            </p:spPr>
+            <p:style>
+              <a:lnRef idx="2">
+                <a:schemeClr val="accent3">
+                  <a:shade val="50000"/>
+                </a:schemeClr>
+              </a:lnRef>
+              <a:fillRef idx="1">
+                <a:schemeClr val="accent3"/>
+              </a:fillRef>
+              <a:effectRef idx="0">
+                <a:schemeClr val="accent3"/>
+              </a:effectRef>
+              <a:fontRef idx="minor">
+                <a:schemeClr val="lt1"/>
+              </a:fontRef>
+            </p:style>
+            <p:txBody>
+              <a:bodyPr rtlCol="0" anchor="ctr"/>
+              <a:lstStyle/>
+              <a:p>
+                <a:pPr algn="ctr"/>
+                <a:r>
+                  <a:rPr lang="fr-FR" dirty="0" smtClean="0"/>
+                  <a:t>Type </a:t>
+                </a:r>
+                <a:r>
+                  <a:rPr lang="fr-FR" dirty="0"/>
+                  <a:t>b</a:t>
+                </a:r>
+                <a:endParaRPr lang="fr-FR" dirty="0"/>
+              </a:p>
+            </p:txBody>
+          </p:sp>
+        </p:grpSp>
+        <p:sp>
+          <p:nvSpPr>
+            <p:cNvPr id="20" name="Rectangle 19"/>
+            <p:cNvSpPr/>
+            <p:nvPr/>
+          </p:nvSpPr>
+          <p:spPr>
+            <a:xfrm>
+              <a:off x="5762412" y="3905937"/>
+              <a:ext cx="699983" cy="555981"/>
+            </a:xfrm>
+            <a:prstGeom prst="rect">
+              <a:avLst/>
+            </a:prstGeom>
+          </p:spPr>
+          <p:style>
+            <a:lnRef idx="1">
+              <a:schemeClr val="dk1"/>
+            </a:lnRef>
+            <a:fillRef idx="2">
+              <a:schemeClr val="dk1"/>
+            </a:fillRef>
+            <a:effectRef idx="1">
+              <a:schemeClr val="dk1"/>
+            </a:effectRef>
+            <a:fontRef idx="minor">
+              <a:schemeClr val="dk1"/>
+            </a:fontRef>
+          </p:style>
+          <p:txBody>
+            <a:bodyPr rtlCol="0" anchor="ctr"/>
+            <a:lstStyle/>
+            <a:p>
+              <a:pPr algn="ctr"/>
+              <a:r>
+                <a:rPr lang="fr-FR" dirty="0" smtClean="0"/>
+                <a:t>0</a:t>
+              </a:r>
+            </a:p>
+            <a:p>
+              <a:pPr algn="ctr"/>
+              <a:r>
+                <a:rPr lang="fr-FR" dirty="0" smtClean="0"/>
+                <a:t>= </a:t>
+              </a:r>
+              <a:r>
+                <a:rPr lang="fr-FR" dirty="0" err="1" smtClean="0"/>
+                <a:t>res</a:t>
+              </a:r>
+              <a:endParaRPr lang="fr-FR" dirty="0" smtClean="0"/>
+            </a:p>
+          </p:txBody>
+        </p:sp>
+        <p:cxnSp>
+          <p:nvCxnSpPr>
+            <p:cNvPr id="26" name="Connecteur droit avec flèche 25"/>
+            <p:cNvCxnSpPr>
+              <a:stCxn id="18" idx="3"/>
+              <a:endCxn id="20" idx="1"/>
+            </p:cNvCxnSpPr>
+            <p:nvPr/>
+          </p:nvCxnSpPr>
+          <p:spPr>
+            <a:xfrm>
+              <a:off x="4458033" y="3798514"/>
+              <a:ext cx="1304378" cy="385415"/>
+            </a:xfrm>
+            <a:prstGeom prst="straightConnector1">
+              <a:avLst/>
+            </a:prstGeom>
+            <a:ln>
+              <a:solidFill>
+                <a:srgbClr val="FF0000"/>
+              </a:solidFill>
+              <a:headEnd type="none" w="med" len="med"/>
+              <a:tailEnd type="none" w="med" len="med"/>
+            </a:ln>
+          </p:spPr>
+          <p:style>
+            <a:lnRef idx="3">
+              <a:schemeClr val="accent2"/>
+            </a:lnRef>
+            <a:fillRef idx="0">
+              <a:schemeClr val="accent2"/>
+            </a:fillRef>
+            <a:effectRef idx="2">
+              <a:schemeClr val="accent2"/>
+            </a:effectRef>
+            <a:fontRef idx="minor">
+              <a:schemeClr val="tx1"/>
+            </a:fontRef>
+          </p:style>
+        </p:cxnSp>
+        <p:sp>
+          <p:nvSpPr>
+            <p:cNvPr id="28" name="ZoneTexte 27"/>
+            <p:cNvSpPr txBox="1"/>
+            <p:nvPr/>
+          </p:nvSpPr>
+          <p:spPr>
+            <a:xfrm>
+              <a:off x="4681928" y="3645260"/>
+              <a:ext cx="920898" cy="412268"/>
+            </a:xfrm>
+            <a:prstGeom prst="rect">
+              <a:avLst/>
+            </a:prstGeom>
+            <a:noFill/>
+          </p:spPr>
+          <p:txBody>
+            <a:bodyPr wrap="square" rtlCol="0">
+              <a:spAutoFit/>
+            </a:bodyPr>
+            <a:lstStyle/>
+            <a:p>
+              <a:pPr algn="ctr"/>
+              <a:r>
+                <a:rPr lang="fr-FR" dirty="0" smtClean="0"/>
+                <a:t>~f</a:t>
+              </a:r>
+              <a:endParaRPr lang="fr-FR" dirty="0"/>
+            </a:p>
+          </p:txBody>
+        </p:sp>
+      </p:grpSp>
+      <p:cxnSp>
+        <p:nvCxnSpPr>
+          <p:cNvPr id="35" name="Connecteur droit avec flèche 34"/>
+          <p:cNvCxnSpPr>
+            <a:stCxn id="17" idx="3"/>
+            <a:endCxn id="20" idx="1"/>
+          </p:cNvCxnSpPr>
+          <p:nvPr/>
+        </p:nvCxnSpPr>
         <p:spPr>
-          <a:xfrm>
-            <a:off x="377638" y="4231581"/>
-            <a:ext cx="5718362" cy="189379"/>
+          <a:xfrm flipV="1">
+            <a:off x="3804717" y="3623647"/>
+            <a:ext cx="1226009" cy="563995"/>
           </a:xfrm>
-          <a:prstGeom prst="rect">
+          <a:prstGeom prst="straightConnector1">
             <a:avLst/>
           </a:prstGeom>
+          <a:ln>
+            <a:solidFill>
+              <a:srgbClr val="FF0000"/>
+            </a:solidFill>
+            <a:headEnd type="none" w="med" len="med"/>
+            <a:tailEnd type="none" w="med" len="med"/>
+          </a:ln>
         </p:spPr>
-      </p:pic>
+        <p:style>
+          <a:lnRef idx="3">
+            <a:schemeClr val="accent2"/>
+          </a:lnRef>
+          <a:fillRef idx="0">
+            <a:schemeClr val="accent2"/>
+          </a:fillRef>
+          <a:effectRef idx="2">
+            <a:schemeClr val="accent2"/>
+          </a:effectRef>
+          <a:fontRef idx="minor">
+            <a:schemeClr val="tx1"/>
+          </a:fontRef>
+        </p:style>
+      </p:cxnSp>
       <p:sp>
         <p:nvSpPr>
-          <p:cNvPr id="12" name="ZoneTexte 11"/>
+          <p:cNvPr id="38" name="ZoneTexte 37"/>
           <p:cNvSpPr txBox="1"/>
           <p:nvPr/>
         </p:nvSpPr>
         <p:spPr>
           <a:xfrm>
-            <a:off x="839001" y="3485994"/>
-            <a:ext cx="5145742" cy="646331"/>
+            <a:off x="4032724" y="3842801"/>
+            <a:ext cx="862503" cy="369332"/>
           </a:xfrm>
           <a:prstGeom prst="rect">
             <a:avLst/>
@@ -5580,281 +7183,10 @@
           </a:bodyPr>
           <a:lstStyle/>
           <a:p>
-            <a:r>
-              <a:rPr lang="fr-FR" dirty="0" err="1" smtClean="0"/>
-              <a:t>After</a:t>
-            </a:r>
-            <a:r>
-              <a:rPr lang="fr-FR" dirty="0" smtClean="0"/>
-              <a:t> </a:t>
-            </a:r>
-            <a:r>
-              <a:rPr lang="fr-FR" dirty="0" err="1" smtClean="0"/>
-              <a:t>finding</a:t>
-            </a:r>
-            <a:r>
-              <a:rPr lang="fr-FR" dirty="0" smtClean="0"/>
-              <a:t> a </a:t>
-            </a:r>
-            <a:r>
-              <a:rPr lang="fr-FR" dirty="0" err="1" smtClean="0"/>
-              <a:t>counterexample</a:t>
-            </a:r>
-            <a:r>
-              <a:rPr lang="fr-FR" dirty="0" smtClean="0"/>
-              <a:t> and </a:t>
-            </a:r>
-            <a:r>
-              <a:rPr lang="fr-FR" dirty="0" err="1" smtClean="0"/>
-              <a:t>naïvely</a:t>
-            </a:r>
-            <a:r>
-              <a:rPr lang="fr-FR" dirty="0" smtClean="0"/>
-              <a:t> </a:t>
-            </a:r>
-            <a:r>
-              <a:rPr lang="fr-FR" dirty="0" err="1" smtClean="0"/>
-              <a:t>generalizing</a:t>
-            </a:r>
-            <a:r>
-              <a:rPr lang="fr-FR" dirty="0" smtClean="0"/>
-              <a:t> </a:t>
-            </a:r>
-            <a:r>
-              <a:rPr lang="fr-FR" dirty="0" err="1" smtClean="0"/>
-              <a:t>it</a:t>
-            </a:r>
-            <a:r>
-              <a:rPr lang="fr-FR" dirty="0" smtClean="0"/>
-              <a:t>, </a:t>
-            </a:r>
-            <a:r>
-              <a:rPr lang="fr-FR" dirty="0" err="1" smtClean="0"/>
-              <a:t>we</a:t>
-            </a:r>
-            <a:r>
-              <a:rPr lang="fr-FR" dirty="0" smtClean="0"/>
-              <a:t> </a:t>
-            </a:r>
-            <a:r>
-              <a:rPr lang="fr-FR" dirty="0" err="1" smtClean="0"/>
-              <a:t>obtain</a:t>
-            </a:r>
-            <a:r>
-              <a:rPr lang="fr-FR" dirty="0" smtClean="0"/>
-              <a:t> the </a:t>
-            </a:r>
-            <a:r>
-              <a:rPr lang="fr-FR" dirty="0" err="1" smtClean="0"/>
-              <a:t>following</a:t>
-            </a:r>
-            <a:r>
-              <a:rPr lang="fr-FR" dirty="0" smtClean="0"/>
-              <a:t> formula:</a:t>
-            </a:r>
-            <a:endParaRPr lang="fr-FR" dirty="0"/>
-          </a:p>
-        </p:txBody>
-      </p:sp>
-      <p:sp>
-        <p:nvSpPr>
-          <p:cNvPr id="13" name="ZoneTexte 12"/>
-          <p:cNvSpPr txBox="1"/>
-          <p:nvPr/>
-        </p:nvSpPr>
-        <p:spPr>
-          <a:xfrm>
-            <a:off x="942472" y="4839296"/>
-            <a:ext cx="4894729" cy="1477328"/>
-          </a:xfrm>
-          <a:prstGeom prst="rect">
-            <a:avLst/>
-          </a:prstGeom>
-          <a:noFill/>
-        </p:spPr>
-        <p:txBody>
-          <a:bodyPr wrap="square" rtlCol="0">
-            <a:spAutoFit/>
-          </a:bodyPr>
-          <a:lstStyle/>
-          <a:p>
-            <a:r>
-              <a:rPr lang="fr-FR" dirty="0" smtClean="0"/>
-              <a:t>This formula </a:t>
-            </a:r>
-            <a:r>
-              <a:rPr lang="fr-FR" dirty="0" err="1" smtClean="0"/>
-              <a:t>is</a:t>
-            </a:r>
-            <a:r>
-              <a:rPr lang="fr-FR" dirty="0" smtClean="0"/>
-              <a:t> </a:t>
-            </a:r>
-            <a:r>
-              <a:rPr lang="fr-FR" dirty="0" err="1" smtClean="0"/>
-              <a:t>too</a:t>
-            </a:r>
-            <a:r>
-              <a:rPr lang="fr-FR" dirty="0" smtClean="0"/>
-              <a:t> </a:t>
-            </a:r>
-            <a:r>
-              <a:rPr lang="fr-FR" dirty="0" err="1" smtClean="0"/>
-              <a:t>strong</a:t>
-            </a:r>
-            <a:r>
-              <a:rPr lang="fr-FR" dirty="0" smtClean="0"/>
-              <a:t>: </a:t>
-            </a:r>
-            <a:r>
-              <a:rPr lang="fr-FR" dirty="0" err="1" smtClean="0"/>
-              <a:t>some</a:t>
-            </a:r>
-            <a:r>
-              <a:rPr lang="fr-FR" dirty="0" smtClean="0"/>
-              <a:t> </a:t>
-            </a:r>
-            <a:r>
-              <a:rPr lang="fr-FR" dirty="0" err="1" smtClean="0"/>
-              <a:t>valid</a:t>
-            </a:r>
-            <a:r>
-              <a:rPr lang="fr-FR" dirty="0" smtClean="0"/>
-              <a:t> structures do not </a:t>
-            </a:r>
-            <a:r>
-              <a:rPr lang="fr-FR" dirty="0" err="1" smtClean="0"/>
-              <a:t>satisfy</a:t>
-            </a:r>
-            <a:r>
-              <a:rPr lang="fr-FR" dirty="0" smtClean="0"/>
-              <a:t> </a:t>
-            </a:r>
-            <a:r>
-              <a:rPr lang="fr-FR" dirty="0" err="1" smtClean="0"/>
-              <a:t>it</a:t>
-            </a:r>
-            <a:r>
-              <a:rPr lang="fr-FR" dirty="0" smtClean="0"/>
-              <a:t>.</a:t>
-            </a:r>
-          </a:p>
-          <a:p>
-            <a:r>
-              <a:rPr lang="fr-FR" dirty="0" err="1" smtClean="0"/>
-              <a:t>Indeed</a:t>
-            </a:r>
-            <a:r>
-              <a:rPr lang="fr-FR" dirty="0" smtClean="0"/>
-              <a:t>, </a:t>
-            </a:r>
-            <a:r>
-              <a:rPr lang="fr-FR" dirty="0" err="1" smtClean="0"/>
-              <a:t>this</a:t>
-            </a:r>
-            <a:r>
-              <a:rPr lang="fr-FR" dirty="0" smtClean="0"/>
-              <a:t> formula </a:t>
-            </a:r>
-            <a:r>
-              <a:rPr lang="fr-FR" dirty="0" err="1" smtClean="0"/>
-              <a:t>is</a:t>
-            </a:r>
-            <a:r>
-              <a:rPr lang="fr-FR" dirty="0" smtClean="0"/>
-              <a:t> correct </a:t>
-            </a:r>
-            <a:r>
-              <a:rPr lang="fr-FR" dirty="0" err="1" smtClean="0"/>
-              <a:t>only</a:t>
-            </a:r>
-            <a:r>
-              <a:rPr lang="fr-FR" dirty="0" smtClean="0"/>
-              <a:t> if </a:t>
-            </a:r>
-            <a:r>
-              <a:rPr lang="fr-FR" i="1" dirty="0" smtClean="0"/>
-              <a:t>b </a:t>
-            </a:r>
-            <a:r>
-              <a:rPr lang="fr-FR" dirty="0" smtClean="0"/>
-              <a:t>has </a:t>
-            </a:r>
-            <a:r>
-              <a:rPr lang="fr-FR" dirty="0" err="1" smtClean="0"/>
-              <a:t>only</a:t>
-            </a:r>
-            <a:r>
-              <a:rPr lang="fr-FR" dirty="0" smtClean="0"/>
-              <a:t> one </a:t>
-            </a:r>
-            <a:r>
-              <a:rPr lang="fr-FR" dirty="0" err="1" smtClean="0"/>
-              <a:t>element</a:t>
-            </a:r>
-            <a:r>
-              <a:rPr lang="fr-FR" dirty="0" smtClean="0"/>
-              <a:t>: </a:t>
-            </a:r>
-            <a:r>
-              <a:rPr lang="fr-FR" dirty="0" err="1" smtClean="0"/>
-              <a:t>we</a:t>
-            </a:r>
-            <a:r>
-              <a:rPr lang="fr-FR" dirty="0" smtClean="0"/>
-              <a:t> </a:t>
-            </a:r>
-            <a:r>
-              <a:rPr lang="fr-FR" dirty="0" err="1" smtClean="0"/>
-              <a:t>will</a:t>
-            </a:r>
-            <a:r>
-              <a:rPr lang="fr-FR" dirty="0" smtClean="0"/>
-              <a:t> </a:t>
-            </a:r>
-            <a:r>
-              <a:rPr lang="fr-FR" dirty="0" err="1" smtClean="0"/>
-              <a:t>say</a:t>
-            </a:r>
-            <a:r>
-              <a:rPr lang="fr-FR" dirty="0" smtClean="0"/>
-              <a:t> </a:t>
-            </a:r>
-            <a:r>
-              <a:rPr lang="fr-FR" dirty="0" err="1" smtClean="0"/>
-              <a:t>that</a:t>
-            </a:r>
-            <a:r>
-              <a:rPr lang="fr-FR" dirty="0" smtClean="0"/>
-              <a:t> </a:t>
-            </a:r>
-            <a:r>
-              <a:rPr lang="fr-FR" dirty="0" err="1" smtClean="0"/>
-              <a:t>this</a:t>
-            </a:r>
-            <a:r>
-              <a:rPr lang="fr-FR" dirty="0" smtClean="0"/>
-              <a:t> formula </a:t>
-            </a:r>
-            <a:r>
-              <a:rPr lang="fr-FR" dirty="0" err="1" smtClean="0"/>
-              <a:t>is</a:t>
-            </a:r>
-            <a:r>
-              <a:rPr lang="fr-FR" dirty="0" smtClean="0"/>
-              <a:t> </a:t>
-            </a:r>
-            <a:r>
-              <a:rPr lang="fr-FR" b="1" i="1" dirty="0" smtClean="0"/>
-              <a:t>model-</a:t>
-            </a:r>
-            <a:r>
-              <a:rPr lang="fr-FR" b="1" i="1" dirty="0" err="1" smtClean="0"/>
-              <a:t>dependent</a:t>
-            </a:r>
-            <a:r>
-              <a:rPr lang="fr-FR" i="1" dirty="0" smtClean="0"/>
-              <a:t>.</a:t>
+            <a:pPr algn="ctr"/>
+            <a:r>
+              <a:rPr lang="fr-FR" dirty="0" smtClean="0"/>
+              <a:t>~f</a:t>
             </a:r>
             <a:endParaRPr lang="fr-FR" dirty="0"/>
           </a:p>
@@ -5863,7 +7195,7 @@
     </p:spTree>
     <p:extLst>
       <p:ext uri="{BB962C8B-B14F-4D97-AF65-F5344CB8AC3E}">
-        <p14:creationId xmlns:p14="http://schemas.microsoft.com/office/powerpoint/2010/main" val="2832712977"/>
+        <p14:creationId xmlns:p14="http://schemas.microsoft.com/office/powerpoint/2010/main" val="1891210682"/>
       </p:ext>
     </p:extLst>
   </p:cSld>
@@ -5914,66 +7246,861 @@
           <a:p>
             <a:r>
               <a:rPr lang="fr-FR" dirty="0" err="1" smtClean="0"/>
-              <a:t>Generalization</a:t>
-            </a:r>
-            <a:r>
-              <a:rPr lang="fr-FR" dirty="0" smtClean="0"/>
-              <a:t> </a:t>
-            </a:r>
-            <a:r>
-              <a:rPr lang="fr-FR" dirty="0" err="1" smtClean="0"/>
-              <a:t>with</a:t>
-            </a:r>
-            <a:r>
-              <a:rPr lang="fr-FR" dirty="0" smtClean="0"/>
-              <a:t> code </a:t>
-            </a:r>
-            <a:r>
-              <a:rPr lang="fr-FR" dirty="0" err="1" smtClean="0"/>
-              <a:t>analysis</a:t>
+              <a:t>Example</a:t>
+            </a:r>
+            <a:r>
+              <a:rPr lang="fr-FR" dirty="0" smtClean="0"/>
+              <a:t> 2</a:t>
             </a:r>
             <a:endParaRPr lang="fr-FR" dirty="0"/>
+          </a:p>
+        </p:txBody>
+      </p:sp>
+      <p:pic>
+        <p:nvPicPr>
+          <p:cNvPr id="6" name="Image 5"/>
+          <p:cNvPicPr>
+            <a:picLocks noChangeAspect="1"/>
+          </p:cNvPicPr>
+          <p:nvPr/>
+        </p:nvPicPr>
+        <p:blipFill>
+          <a:blip r:embed="rId3"/>
+          <a:stretch>
+            <a:fillRect/>
+          </a:stretch>
+        </p:blipFill>
+        <p:spPr>
+          <a:xfrm>
+            <a:off x="6490447" y="746032"/>
+            <a:ext cx="2447163" cy="5181600"/>
+          </a:xfrm>
+          <a:prstGeom prst="rect">
+            <a:avLst/>
+          </a:prstGeom>
+        </p:spPr>
+      </p:pic>
+      <p:pic>
+        <p:nvPicPr>
+          <p:cNvPr id="7" name="Image 6"/>
+          <p:cNvPicPr>
+            <a:picLocks noChangeAspect="1"/>
+          </p:cNvPicPr>
+          <p:nvPr/>
+        </p:nvPicPr>
+        <p:blipFill>
+          <a:blip r:embed="rId4"/>
+          <a:stretch>
+            <a:fillRect/>
+          </a:stretch>
+        </p:blipFill>
+        <p:spPr>
+          <a:xfrm>
+            <a:off x="8743950" y="1375523"/>
+            <a:ext cx="3272235" cy="3922618"/>
+          </a:xfrm>
+          <a:prstGeom prst="rect">
+            <a:avLst/>
+          </a:prstGeom>
+        </p:spPr>
+      </p:pic>
+      <p:sp>
+        <p:nvSpPr>
+          <p:cNvPr id="14" name="ZoneTexte 13"/>
+          <p:cNvSpPr txBox="1"/>
+          <p:nvPr/>
+        </p:nvSpPr>
+        <p:spPr>
+          <a:xfrm>
+            <a:off x="742587" y="2188276"/>
+            <a:ext cx="1376082" cy="1754326"/>
+          </a:xfrm>
+          <a:prstGeom prst="rect">
+            <a:avLst/>
+          </a:prstGeom>
+          <a:noFill/>
+        </p:spPr>
+        <p:txBody>
+          <a:bodyPr wrap="square" rtlCol="0">
+            <a:spAutoFit/>
+          </a:bodyPr>
+          <a:lstStyle/>
+          <a:p>
+            <a:r>
+              <a:rPr lang="fr-FR" dirty="0" err="1"/>
+              <a:t>elt</a:t>
+            </a:r>
+            <a:r>
+              <a:rPr lang="fr-FR" dirty="0"/>
+              <a:t>=0</a:t>
+            </a:r>
+          </a:p>
+          <a:p>
+            <a:r>
+              <a:rPr lang="fr-FR" dirty="0" err="1"/>
+              <a:t>res</a:t>
+            </a:r>
+            <a:r>
+              <a:rPr lang="fr-FR" dirty="0"/>
+              <a:t>=0</a:t>
+            </a:r>
+          </a:p>
+          <a:p>
+            <a:r>
+              <a:rPr lang="fr-FR" dirty="0"/>
+              <a:t>~dom(0)</a:t>
+            </a:r>
+          </a:p>
+          <a:p>
+            <a:r>
+              <a:rPr lang="fr-FR" dirty="0"/>
+              <a:t>dom(1)</a:t>
+            </a:r>
+          </a:p>
+          <a:p>
+            <a:r>
+              <a:rPr lang="fr-FR" dirty="0"/>
+              <a:t>~f(0,0)</a:t>
+            </a:r>
+          </a:p>
+          <a:p>
+            <a:r>
+              <a:rPr lang="fr-FR" dirty="0"/>
+              <a:t>~f(1,0)</a:t>
+            </a:r>
+            <a:endParaRPr lang="fr-FR" dirty="0"/>
+          </a:p>
+        </p:txBody>
+      </p:sp>
+      <p:cxnSp>
+        <p:nvCxnSpPr>
+          <p:cNvPr id="15" name="Connecteur droit avec flèche 14"/>
+          <p:cNvCxnSpPr/>
+          <p:nvPr/>
+        </p:nvCxnSpPr>
+        <p:spPr>
+          <a:xfrm>
+            <a:off x="1818351" y="2990915"/>
+            <a:ext cx="600635" cy="3299"/>
+          </a:xfrm>
+          <a:prstGeom prst="straightConnector1">
+            <a:avLst/>
+          </a:prstGeom>
+          <a:ln>
+            <a:tailEnd type="triangle"/>
+          </a:ln>
+        </p:spPr>
+        <p:style>
+          <a:lnRef idx="1">
+            <a:schemeClr val="accent1"/>
+          </a:lnRef>
+          <a:fillRef idx="0">
+            <a:schemeClr val="accent1"/>
+          </a:fillRef>
+          <a:effectRef idx="0">
+            <a:schemeClr val="accent1"/>
+          </a:effectRef>
+          <a:fontRef idx="minor">
+            <a:schemeClr val="tx1"/>
+          </a:fontRef>
+        </p:style>
+      </p:cxnSp>
+      <p:sp>
+        <p:nvSpPr>
+          <p:cNvPr id="16" name="ZoneTexte 15"/>
+          <p:cNvSpPr txBox="1"/>
+          <p:nvPr/>
+        </p:nvSpPr>
+        <p:spPr>
+          <a:xfrm>
+            <a:off x="2646844" y="2188276"/>
+            <a:ext cx="1056351" cy="1754326"/>
+          </a:xfrm>
+          <a:prstGeom prst="rect">
+            <a:avLst/>
+          </a:prstGeom>
+          <a:noFill/>
+        </p:spPr>
+        <p:txBody>
+          <a:bodyPr wrap="square" rtlCol="0">
+            <a:spAutoFit/>
+          </a:bodyPr>
+          <a:lstStyle/>
+          <a:p>
+            <a:r>
+              <a:rPr lang="fr-FR" dirty="0" err="1" smtClean="0"/>
+              <a:t>e</a:t>
+            </a:r>
+            <a:r>
+              <a:rPr lang="fr-FR" dirty="0" err="1" smtClean="0"/>
+              <a:t>lt</a:t>
+            </a:r>
+            <a:r>
+              <a:rPr lang="fr-FR" dirty="0" smtClean="0"/>
+              <a:t>=A</a:t>
+            </a:r>
+            <a:endParaRPr lang="fr-FR" dirty="0" smtClean="0"/>
+          </a:p>
+          <a:p>
+            <a:r>
+              <a:rPr lang="fr-FR" dirty="0" err="1" smtClean="0"/>
+              <a:t>res</a:t>
+            </a:r>
+            <a:r>
+              <a:rPr lang="fr-FR" dirty="0" smtClean="0"/>
+              <a:t>=C</a:t>
+            </a:r>
+            <a:endParaRPr lang="fr-FR" dirty="0" smtClean="0"/>
+          </a:p>
+          <a:p>
+            <a:r>
+              <a:rPr lang="fr-FR" dirty="0" smtClean="0"/>
+              <a:t>~dom(A)</a:t>
+            </a:r>
+            <a:r>
+              <a:rPr lang="fr-FR" dirty="0" smtClean="0"/>
+              <a:t/>
+            </a:r>
+            <a:br>
+              <a:rPr lang="fr-FR" dirty="0" smtClean="0"/>
+            </a:br>
+            <a:r>
+              <a:rPr lang="fr-FR" dirty="0" smtClean="0"/>
+              <a:t>dom(B)</a:t>
+            </a:r>
+            <a:r>
+              <a:rPr lang="fr-FR" dirty="0" smtClean="0"/>
+              <a:t/>
+            </a:r>
+            <a:br>
+              <a:rPr lang="fr-FR" dirty="0" smtClean="0"/>
+            </a:br>
+            <a:r>
+              <a:rPr lang="fr-FR" dirty="0" smtClean="0"/>
+              <a:t>~f(A,C)</a:t>
+            </a:r>
+          </a:p>
+          <a:p>
+            <a:r>
+              <a:rPr lang="fr-FR" dirty="0" smtClean="0"/>
+              <a:t>~f(B,C)</a:t>
+            </a:r>
+            <a:endParaRPr lang="fr-FR" dirty="0" smtClean="0"/>
           </a:p>
         </p:txBody>
       </p:sp>
       <p:sp>
         <p:nvSpPr>
-          <p:cNvPr id="3" name="Espace réservé du contenu 2"/>
-          <p:cNvSpPr>
-            <a:spLocks noGrp="1"/>
-          </p:cNvSpPr>
-          <p:nvPr>
-            <p:ph idx="1"/>
-          </p:nvPr>
+          <p:cNvPr id="19" name="Rectangle 18"/>
+          <p:cNvSpPr/>
+          <p:nvPr/>
         </p:nvSpPr>
-        <p:spPr/>
+        <p:spPr>
+          <a:xfrm>
+            <a:off x="912486" y="1632426"/>
+            <a:ext cx="4915576" cy="369332"/>
+          </a:xfrm>
+          <a:prstGeom prst="rect">
+            <a:avLst/>
+          </a:prstGeom>
+        </p:spPr>
         <p:txBody>
-          <a:bodyPr/>
+          <a:bodyPr wrap="none">
+            <a:spAutoFit/>
+          </a:bodyPr>
           <a:lstStyle/>
           <a:p>
             <a:r>
-              <a:rPr lang="fr-FR" dirty="0" err="1" smtClean="0"/>
-              <a:t>Instead</a:t>
-            </a:r>
-            <a:r>
-              <a:rPr lang="fr-FR" dirty="0" smtClean="0"/>
-              <a:t> of </a:t>
-            </a:r>
-            <a:r>
-              <a:rPr lang="fr-FR" dirty="0" err="1" smtClean="0"/>
-              <a:t>keeping</a:t>
-            </a:r>
-            <a:r>
-              <a:rPr lang="fr-FR" dirty="0" smtClean="0"/>
-              <a:t> </a:t>
-            </a:r>
-            <a:r>
-              <a:rPr lang="fr-FR" dirty="0" err="1" smtClean="0"/>
-              <a:t>every</a:t>
-            </a:r>
-            <a:r>
-              <a:rPr lang="fr-FR" dirty="0" smtClean="0"/>
-              <a:t> </a:t>
+              <a:rPr lang="fr-FR" dirty="0"/>
+              <a:t>(</a:t>
+            </a:r>
+            <a:r>
+              <a:rPr lang="fr-FR" dirty="0" err="1"/>
+              <a:t>inequalities</a:t>
+            </a:r>
+            <a:r>
+              <a:rPr lang="fr-FR" dirty="0"/>
+              <a:t> over </a:t>
+            </a:r>
+            <a:r>
+              <a:rPr lang="fr-FR" dirty="0" smtClean="0"/>
+              <a:t>values/variables </a:t>
+            </a:r>
+            <a:r>
+              <a:rPr lang="fr-FR" dirty="0"/>
+              <a:t>are not </a:t>
+            </a:r>
+            <a:r>
+              <a:rPr lang="fr-FR" dirty="0" err="1"/>
+              <a:t>shown</a:t>
+            </a:r>
+            <a:r>
+              <a:rPr lang="fr-FR" dirty="0" smtClean="0"/>
+              <a:t>)</a:t>
+            </a:r>
+            <a:endParaRPr lang="fr-FR" dirty="0"/>
+          </a:p>
+        </p:txBody>
+      </p:sp>
+      <p:sp>
+        <p:nvSpPr>
+          <p:cNvPr id="8" name="Rectangle 7"/>
+          <p:cNvSpPr/>
+          <p:nvPr/>
+        </p:nvSpPr>
+        <p:spPr>
+          <a:xfrm>
+            <a:off x="2646843" y="3612333"/>
+            <a:ext cx="1056351" cy="330268"/>
+          </a:xfrm>
+          <a:prstGeom prst="rect">
+            <a:avLst/>
+          </a:prstGeom>
+          <a:noFill/>
+          <a:ln w="38100"/>
+        </p:spPr>
+        <p:style>
+          <a:lnRef idx="2">
+            <a:schemeClr val="accent2"/>
+          </a:lnRef>
+          <a:fillRef idx="1">
+            <a:schemeClr val="lt1"/>
+          </a:fillRef>
+          <a:effectRef idx="0">
+            <a:schemeClr val="accent2"/>
+          </a:effectRef>
+          <a:fontRef idx="minor">
+            <a:schemeClr val="dk1"/>
+          </a:fontRef>
+        </p:style>
+        <p:txBody>
+          <a:bodyPr rtlCol="0" anchor="ctr"/>
+          <a:lstStyle/>
+          <a:p>
+            <a:pPr algn="ctr"/>
+            <a:endParaRPr lang="fr-FR"/>
+          </a:p>
+        </p:txBody>
+      </p:sp>
+      <p:cxnSp>
+        <p:nvCxnSpPr>
+          <p:cNvPr id="20" name="Connecteur droit avec flèche 19"/>
+          <p:cNvCxnSpPr/>
+          <p:nvPr/>
+        </p:nvCxnSpPr>
+        <p:spPr>
+          <a:xfrm>
+            <a:off x="3703923" y="2989265"/>
+            <a:ext cx="600635" cy="3299"/>
+          </a:xfrm>
+          <a:prstGeom prst="straightConnector1">
+            <a:avLst/>
+          </a:prstGeom>
+          <a:ln>
+            <a:tailEnd type="triangle"/>
+          </a:ln>
+        </p:spPr>
+        <p:style>
+          <a:lnRef idx="1">
+            <a:schemeClr val="accent1"/>
+          </a:lnRef>
+          <a:fillRef idx="0">
+            <a:schemeClr val="accent1"/>
+          </a:fillRef>
+          <a:effectRef idx="0">
+            <a:schemeClr val="accent1"/>
+          </a:effectRef>
+          <a:fontRef idx="minor">
+            <a:schemeClr val="tx1"/>
+          </a:fontRef>
+        </p:style>
+      </p:cxnSp>
+      <p:sp>
+        <p:nvSpPr>
+          <p:cNvPr id="21" name="ZoneTexte 20"/>
+          <p:cNvSpPr txBox="1"/>
+          <p:nvPr/>
+        </p:nvSpPr>
+        <p:spPr>
+          <a:xfrm>
+            <a:off x="4568644" y="2333341"/>
+            <a:ext cx="1259418" cy="1477328"/>
+          </a:xfrm>
+          <a:prstGeom prst="rect">
+            <a:avLst/>
+          </a:prstGeom>
+          <a:noFill/>
+        </p:spPr>
+        <p:txBody>
+          <a:bodyPr wrap="square" rtlCol="0">
+            <a:spAutoFit/>
+          </a:bodyPr>
+          <a:lstStyle/>
+          <a:p>
+            <a:r>
+              <a:rPr lang="fr-FR" dirty="0" smtClean="0"/>
+              <a:t>B~=</a:t>
+            </a:r>
+            <a:r>
+              <a:rPr lang="fr-FR" dirty="0" err="1" smtClean="0"/>
+              <a:t>elt</a:t>
+            </a:r>
+            <a:endParaRPr lang="fr-FR" dirty="0" smtClean="0"/>
+          </a:p>
+          <a:p>
+            <a:r>
+              <a:rPr lang="fr-FR" dirty="0" smtClean="0"/>
+              <a:t>~dom(</a:t>
+            </a:r>
+            <a:r>
+              <a:rPr lang="fr-FR" dirty="0" err="1" smtClean="0"/>
+              <a:t>elt</a:t>
+            </a:r>
+            <a:r>
+              <a:rPr lang="fr-FR" dirty="0" smtClean="0"/>
+              <a:t>)</a:t>
+            </a:r>
+            <a:r>
+              <a:rPr lang="fr-FR" dirty="0" smtClean="0"/>
+              <a:t/>
+            </a:r>
+            <a:br>
+              <a:rPr lang="fr-FR" dirty="0" smtClean="0"/>
+            </a:br>
+            <a:r>
+              <a:rPr lang="fr-FR" dirty="0" smtClean="0"/>
+              <a:t>dom(B)</a:t>
+            </a:r>
+            <a:r>
+              <a:rPr lang="fr-FR" dirty="0" smtClean="0"/>
+              <a:t/>
+            </a:r>
+            <a:br>
+              <a:rPr lang="fr-FR" dirty="0" smtClean="0"/>
+            </a:br>
+            <a:r>
+              <a:rPr lang="fr-FR" dirty="0" smtClean="0"/>
+              <a:t>~f(</a:t>
+            </a:r>
+            <a:r>
+              <a:rPr lang="fr-FR" dirty="0" err="1" smtClean="0"/>
+              <a:t>elt,res</a:t>
+            </a:r>
+            <a:r>
+              <a:rPr lang="fr-FR" dirty="0" smtClean="0"/>
+              <a:t>)</a:t>
+            </a:r>
+          </a:p>
+          <a:p>
+            <a:r>
+              <a:rPr lang="fr-FR" dirty="0" smtClean="0"/>
+              <a:t>~f(</a:t>
+            </a:r>
+            <a:r>
+              <a:rPr lang="fr-FR" dirty="0" err="1" smtClean="0"/>
+              <a:t>B,res</a:t>
+            </a:r>
+            <a:r>
+              <a:rPr lang="fr-FR" dirty="0" smtClean="0"/>
+              <a:t>)</a:t>
+            </a:r>
+            <a:endParaRPr lang="fr-FR" dirty="0" smtClean="0"/>
+          </a:p>
+        </p:txBody>
+      </p:sp>
+      <p:sp>
+        <p:nvSpPr>
+          <p:cNvPr id="22" name="Rectangle 21"/>
+          <p:cNvSpPr/>
+          <p:nvPr/>
+        </p:nvSpPr>
+        <p:spPr>
+          <a:xfrm>
+            <a:off x="4574728" y="3510714"/>
+            <a:ext cx="1056351" cy="319573"/>
+          </a:xfrm>
+          <a:prstGeom prst="rect">
+            <a:avLst/>
+          </a:prstGeom>
+          <a:noFill/>
+          <a:ln w="38100"/>
+        </p:spPr>
+        <p:style>
+          <a:lnRef idx="2">
+            <a:schemeClr val="accent2"/>
+          </a:lnRef>
+          <a:fillRef idx="1">
+            <a:schemeClr val="lt1"/>
+          </a:fillRef>
+          <a:effectRef idx="0">
+            <a:schemeClr val="accent2"/>
+          </a:effectRef>
+          <a:fontRef idx="minor">
+            <a:schemeClr val="dk1"/>
+          </a:fontRef>
+        </p:style>
+        <p:txBody>
+          <a:bodyPr rtlCol="0" anchor="ctr"/>
+          <a:lstStyle/>
+          <a:p>
+            <a:pPr algn="ctr"/>
+            <a:endParaRPr lang="fr-FR"/>
+          </a:p>
+        </p:txBody>
+      </p:sp>
+      <p:sp>
+        <p:nvSpPr>
+          <p:cNvPr id="24" name="ZoneTexte 23"/>
+          <p:cNvSpPr txBox="1"/>
+          <p:nvPr/>
+        </p:nvSpPr>
+        <p:spPr>
+          <a:xfrm>
+            <a:off x="588476" y="5063476"/>
+            <a:ext cx="5042604" cy="1477328"/>
+          </a:xfrm>
+          <a:prstGeom prst="rect">
+            <a:avLst/>
+          </a:prstGeom>
+          <a:noFill/>
+        </p:spPr>
+        <p:txBody>
+          <a:bodyPr wrap="square" rtlCol="0">
+            <a:spAutoFit/>
+          </a:bodyPr>
+          <a:lstStyle/>
+          <a:p>
+            <a:r>
+              <a:rPr lang="fr-FR" dirty="0" smtClean="0"/>
+              <a:t>This formula </a:t>
+            </a:r>
+            <a:r>
+              <a:rPr lang="fr-FR" dirty="0" err="1" smtClean="0"/>
+              <a:t>is</a:t>
+            </a:r>
+            <a:r>
+              <a:rPr lang="fr-FR" dirty="0" smtClean="0"/>
+              <a:t> </a:t>
+            </a:r>
+            <a:r>
+              <a:rPr lang="fr-FR" dirty="0" err="1" smtClean="0"/>
+              <a:t>too</a:t>
+            </a:r>
+            <a:r>
+              <a:rPr lang="fr-FR" dirty="0" smtClean="0"/>
+              <a:t> </a:t>
+            </a:r>
+            <a:r>
+              <a:rPr lang="fr-FR" dirty="0" err="1" smtClean="0"/>
+              <a:t>strong</a:t>
+            </a:r>
+            <a:r>
+              <a:rPr lang="fr-FR" dirty="0" smtClean="0"/>
+              <a:t>: </a:t>
+            </a:r>
+            <a:r>
+              <a:rPr lang="fr-FR" dirty="0" err="1" smtClean="0"/>
+              <a:t>some</a:t>
+            </a:r>
+            <a:r>
+              <a:rPr lang="fr-FR" dirty="0" smtClean="0"/>
+              <a:t> </a:t>
+            </a:r>
+            <a:r>
+              <a:rPr lang="fr-FR" dirty="0" err="1" smtClean="0"/>
+              <a:t>valid</a:t>
+            </a:r>
+            <a:r>
+              <a:rPr lang="fr-FR" dirty="0" smtClean="0"/>
+              <a:t> structures do not </a:t>
+            </a:r>
+            <a:r>
+              <a:rPr lang="fr-FR" dirty="0" err="1" smtClean="0"/>
+              <a:t>satisfy</a:t>
+            </a:r>
+            <a:r>
+              <a:rPr lang="fr-FR" dirty="0" smtClean="0"/>
+              <a:t> </a:t>
+            </a:r>
+            <a:r>
+              <a:rPr lang="fr-FR" dirty="0" err="1" smtClean="0"/>
+              <a:t>it</a:t>
+            </a:r>
+            <a:r>
+              <a:rPr lang="fr-FR" dirty="0" smtClean="0"/>
+              <a:t>.</a:t>
+            </a:r>
+          </a:p>
+          <a:p>
+            <a:r>
+              <a:rPr lang="fr-FR" dirty="0" err="1" smtClean="0"/>
+              <a:t>Indeed</a:t>
+            </a:r>
+            <a:r>
+              <a:rPr lang="fr-FR" dirty="0" smtClean="0"/>
+              <a:t>, </a:t>
+            </a:r>
+            <a:r>
+              <a:rPr lang="fr-FR" dirty="0" err="1" smtClean="0"/>
+              <a:t>this</a:t>
+            </a:r>
+            <a:r>
+              <a:rPr lang="fr-FR" dirty="0" smtClean="0"/>
+              <a:t> formula </a:t>
+            </a:r>
+            <a:r>
+              <a:rPr lang="fr-FR" dirty="0" err="1" smtClean="0"/>
+              <a:t>is</a:t>
+            </a:r>
+            <a:r>
+              <a:rPr lang="fr-FR" dirty="0" smtClean="0"/>
+              <a:t> correct </a:t>
+            </a:r>
+            <a:r>
+              <a:rPr lang="fr-FR" dirty="0" err="1" smtClean="0"/>
+              <a:t>only</a:t>
+            </a:r>
+            <a:r>
+              <a:rPr lang="fr-FR" dirty="0" smtClean="0"/>
+              <a:t> if </a:t>
+            </a:r>
+            <a:r>
+              <a:rPr lang="fr-FR" i="1" dirty="0" smtClean="0"/>
+              <a:t>b </a:t>
+            </a:r>
+            <a:r>
+              <a:rPr lang="fr-FR" dirty="0" smtClean="0"/>
+              <a:t>has </a:t>
+            </a:r>
+            <a:r>
+              <a:rPr lang="fr-FR" dirty="0" err="1" smtClean="0"/>
+              <a:t>only</a:t>
+            </a:r>
+            <a:r>
+              <a:rPr lang="fr-FR" dirty="0" smtClean="0"/>
+              <a:t> one </a:t>
+            </a:r>
+            <a:r>
+              <a:rPr lang="fr-FR" dirty="0" err="1" smtClean="0"/>
+              <a:t>element</a:t>
+            </a:r>
+            <a:r>
+              <a:rPr lang="fr-FR" dirty="0" smtClean="0"/>
+              <a:t> (</a:t>
+            </a:r>
+            <a:r>
+              <a:rPr lang="fr-FR" dirty="0" err="1" smtClean="0"/>
+              <a:t>here</a:t>
+            </a:r>
+            <a:r>
+              <a:rPr lang="fr-FR" dirty="0" smtClean="0"/>
+              <a:t>, the value of </a:t>
+            </a:r>
+            <a:r>
+              <a:rPr lang="fr-FR" i="1" dirty="0" err="1" smtClean="0"/>
+              <a:t>res</a:t>
+            </a:r>
+            <a:r>
+              <a:rPr lang="fr-FR" dirty="0" smtClean="0"/>
+              <a:t>): </a:t>
+            </a:r>
+            <a:r>
+              <a:rPr lang="fr-FR" dirty="0" err="1" smtClean="0"/>
+              <a:t>we</a:t>
+            </a:r>
+            <a:r>
+              <a:rPr lang="fr-FR" dirty="0" smtClean="0"/>
+              <a:t> </a:t>
+            </a:r>
+            <a:r>
+              <a:rPr lang="fr-FR" dirty="0" err="1" smtClean="0"/>
+              <a:t>will</a:t>
+            </a:r>
+            <a:r>
+              <a:rPr lang="fr-FR" dirty="0" smtClean="0"/>
+              <a:t> </a:t>
+            </a:r>
+            <a:r>
+              <a:rPr lang="fr-FR" dirty="0" err="1" smtClean="0"/>
+              <a:t>say</a:t>
+            </a:r>
+            <a:r>
+              <a:rPr lang="fr-FR" dirty="0" smtClean="0"/>
+              <a:t> </a:t>
+            </a:r>
+            <a:r>
+              <a:rPr lang="fr-FR" dirty="0" err="1" smtClean="0"/>
+              <a:t>that</a:t>
+            </a:r>
+            <a:r>
+              <a:rPr lang="fr-FR" dirty="0" smtClean="0"/>
+              <a:t> </a:t>
+            </a:r>
+            <a:r>
+              <a:rPr lang="fr-FR" dirty="0" err="1" smtClean="0"/>
+              <a:t>this</a:t>
+            </a:r>
+            <a:r>
+              <a:rPr lang="fr-FR" dirty="0" smtClean="0"/>
+              <a:t> </a:t>
+            </a:r>
+            <a:r>
+              <a:rPr lang="fr-FR" dirty="0" smtClean="0"/>
+              <a:t>proposition of invariant </a:t>
+            </a:r>
+            <a:r>
+              <a:rPr lang="fr-FR" dirty="0" err="1" smtClean="0"/>
+              <a:t>is</a:t>
+            </a:r>
+            <a:r>
+              <a:rPr lang="fr-FR" dirty="0" smtClean="0"/>
+              <a:t> </a:t>
+            </a:r>
+            <a:r>
+              <a:rPr lang="fr-FR" b="1" i="1" dirty="0" smtClean="0"/>
+              <a:t>model-</a:t>
+            </a:r>
+            <a:r>
+              <a:rPr lang="fr-FR" b="1" i="1" dirty="0" err="1" smtClean="0"/>
+              <a:t>dependent</a:t>
+            </a:r>
+            <a:r>
+              <a:rPr lang="fr-FR" i="1" dirty="0" smtClean="0"/>
+              <a:t>.</a:t>
+            </a:r>
+            <a:endParaRPr lang="fr-FR" dirty="0"/>
+          </a:p>
+        </p:txBody>
+      </p:sp>
+      <p:cxnSp>
+        <p:nvCxnSpPr>
+          <p:cNvPr id="27" name="Connecteur droit 26"/>
+          <p:cNvCxnSpPr>
+            <a:stCxn id="8" idx="3"/>
+          </p:cNvCxnSpPr>
+          <p:nvPr/>
+        </p:nvCxnSpPr>
+        <p:spPr>
+          <a:xfrm>
+            <a:off x="3703194" y="3777467"/>
+            <a:ext cx="2923943" cy="2496584"/>
+          </a:xfrm>
+          <a:prstGeom prst="line">
+            <a:avLst/>
+          </a:prstGeom>
+        </p:spPr>
+        <p:style>
+          <a:lnRef idx="1">
+            <a:schemeClr val="accent2"/>
+          </a:lnRef>
+          <a:fillRef idx="0">
+            <a:schemeClr val="accent2"/>
+          </a:fillRef>
+          <a:effectRef idx="0">
+            <a:schemeClr val="accent2"/>
+          </a:effectRef>
+          <a:fontRef idx="minor">
+            <a:schemeClr val="tx1"/>
+          </a:fontRef>
+        </p:style>
+      </p:cxnSp>
+      <p:cxnSp>
+        <p:nvCxnSpPr>
+          <p:cNvPr id="29" name="Connecteur droit 28"/>
+          <p:cNvCxnSpPr>
+            <a:stCxn id="22" idx="2"/>
+          </p:cNvCxnSpPr>
+          <p:nvPr/>
+        </p:nvCxnSpPr>
+        <p:spPr>
+          <a:xfrm>
+            <a:off x="5102904" y="3830287"/>
+            <a:ext cx="1524233" cy="2443764"/>
+          </a:xfrm>
+          <a:prstGeom prst="line">
+            <a:avLst/>
+          </a:prstGeom>
+        </p:spPr>
+        <p:style>
+          <a:lnRef idx="1">
+            <a:schemeClr val="accent2"/>
+          </a:lnRef>
+          <a:fillRef idx="0">
+            <a:schemeClr val="accent2"/>
+          </a:fillRef>
+          <a:effectRef idx="0">
+            <a:schemeClr val="accent2"/>
+          </a:effectRef>
+          <a:fontRef idx="minor">
+            <a:schemeClr val="tx1"/>
+          </a:fontRef>
+        </p:style>
+      </p:cxnSp>
+      <p:sp>
+        <p:nvSpPr>
+          <p:cNvPr id="33" name="ZoneTexte 32"/>
+          <p:cNvSpPr txBox="1"/>
+          <p:nvPr/>
+        </p:nvSpPr>
+        <p:spPr>
+          <a:xfrm>
+            <a:off x="6627137" y="6003705"/>
+            <a:ext cx="4581808" cy="646331"/>
+          </a:xfrm>
+          <a:prstGeom prst="rect">
+            <a:avLst/>
+          </a:prstGeom>
+          <a:noFill/>
+        </p:spPr>
+        <p:txBody>
+          <a:bodyPr wrap="square" rtlCol="0">
+            <a:spAutoFit/>
+          </a:bodyPr>
+          <a:lstStyle/>
+          <a:p>
+            <a:r>
+              <a:rPr lang="fr-FR" dirty="0" smtClean="0"/>
+              <a:t>If </a:t>
+            </a:r>
+            <a:r>
+              <a:rPr lang="fr-FR" dirty="0" err="1" smtClean="0"/>
+              <a:t>there</a:t>
+            </a:r>
+            <a:r>
+              <a:rPr lang="fr-FR" dirty="0" smtClean="0"/>
+              <a:t> </a:t>
+            </a:r>
+            <a:r>
+              <a:rPr lang="fr-FR" dirty="0" err="1" smtClean="0"/>
+              <a:t>was</a:t>
+            </a:r>
+            <a:r>
+              <a:rPr lang="fr-FR" dirty="0" smtClean="0"/>
+              <a:t> an </a:t>
+            </a:r>
+            <a:r>
+              <a:rPr lang="fr-FR" dirty="0" err="1" smtClean="0"/>
+              <a:t>other</a:t>
+            </a:r>
+            <a:r>
+              <a:rPr lang="fr-FR" dirty="0" smtClean="0"/>
+              <a:t> value </a:t>
+            </a:r>
+            <a:r>
+              <a:rPr lang="fr-FR" i="1" dirty="0" smtClean="0"/>
+              <a:t>D</a:t>
+            </a:r>
+            <a:r>
+              <a:rPr lang="fr-FR" dirty="0" smtClean="0"/>
+              <a:t> in </a:t>
+            </a:r>
+            <a:r>
+              <a:rPr lang="fr-FR" i="1" dirty="0" smtClean="0"/>
+              <a:t>b</a:t>
+            </a:r>
+            <a:r>
+              <a:rPr lang="fr-FR" dirty="0" smtClean="0"/>
+              <a:t>, the </a:t>
             </a:r>
             <a:r>
               <a:rPr lang="fr-FR" dirty="0" err="1" smtClean="0"/>
@@ -5981,19 +8108,108 @@
             </a:r>
             <a:r>
               <a:rPr lang="fr-FR" dirty="0" smtClean="0"/>
-              <a:t> </a:t>
-            </a:r>
-            <a:r>
-              <a:rPr lang="fr-FR" dirty="0" err="1" smtClean="0"/>
-              <a:t>that</a:t>
-            </a:r>
-            <a:r>
-              <a:rPr lang="fr-FR" dirty="0" smtClean="0"/>
-              <a:t> </a:t>
-            </a:r>
-            <a:r>
-              <a:rPr lang="fr-FR" dirty="0" err="1" smtClean="0"/>
-              <a:t>characterizes</a:t>
+              <a:t> ~f(B,D) </a:t>
+            </a:r>
+            <a:r>
+              <a:rPr lang="fr-FR" dirty="0" err="1" smtClean="0"/>
+              <a:t>would</a:t>
+            </a:r>
+            <a:r>
+              <a:rPr lang="fr-FR" dirty="0" smtClean="0"/>
+              <a:t> </a:t>
+            </a:r>
+            <a:r>
+              <a:rPr lang="fr-FR" dirty="0" err="1" smtClean="0"/>
+              <a:t>need</a:t>
+            </a:r>
+            <a:r>
+              <a:rPr lang="fr-FR" dirty="0" smtClean="0"/>
+              <a:t> to </a:t>
+            </a:r>
+            <a:r>
+              <a:rPr lang="fr-FR" dirty="0" err="1" smtClean="0"/>
+              <a:t>be</a:t>
+            </a:r>
+            <a:r>
+              <a:rPr lang="fr-FR" dirty="0" smtClean="0"/>
+              <a:t> </a:t>
+            </a:r>
+            <a:r>
+              <a:rPr lang="fr-FR" dirty="0" err="1" smtClean="0"/>
+              <a:t>added</a:t>
+            </a:r>
+            <a:r>
+              <a:rPr lang="fr-FR" dirty="0" smtClean="0"/>
+              <a:t>!</a:t>
+            </a:r>
+            <a:endParaRPr lang="fr-FR" dirty="0"/>
+          </a:p>
+        </p:txBody>
+      </p:sp>
+      <p:pic>
+        <p:nvPicPr>
+          <p:cNvPr id="25" name="Image 24"/>
+          <p:cNvPicPr>
+            <a:picLocks noChangeAspect="1"/>
+          </p:cNvPicPr>
+          <p:nvPr/>
+        </p:nvPicPr>
+        <p:blipFill rotWithShape="1">
+          <a:blip r:embed="rId5"/>
+          <a:srcRect l="14091" t="-12015" b="-1"/>
+          <a:stretch/>
+        </p:blipFill>
+        <p:spPr>
+          <a:xfrm>
+            <a:off x="325925" y="4671423"/>
+            <a:ext cx="5948953" cy="234726"/>
+          </a:xfrm>
+          <a:prstGeom prst="rect">
+            <a:avLst/>
+          </a:prstGeom>
+        </p:spPr>
+      </p:pic>
+      <p:sp>
+        <p:nvSpPr>
+          <p:cNvPr id="10" name="ZoneTexte 9"/>
+          <p:cNvSpPr txBox="1"/>
+          <p:nvPr/>
+        </p:nvSpPr>
+        <p:spPr>
+          <a:xfrm>
+            <a:off x="751284" y="4140796"/>
+            <a:ext cx="4780027" cy="369332"/>
+          </a:xfrm>
+          <a:prstGeom prst="rect">
+            <a:avLst/>
+          </a:prstGeom>
+          <a:noFill/>
+        </p:spPr>
+        <p:txBody>
+          <a:bodyPr wrap="square" rtlCol="0">
+            <a:spAutoFit/>
+          </a:bodyPr>
+          <a:lstStyle/>
+          <a:p>
+            <a:r>
+              <a:rPr lang="fr-FR" dirty="0" err="1" smtClean="0"/>
+              <a:t>Finally</a:t>
+            </a:r>
+            <a:r>
+              <a:rPr lang="fr-FR" dirty="0" smtClean="0"/>
+              <a:t>, </a:t>
+            </a:r>
+            <a:r>
+              <a:rPr lang="fr-FR" dirty="0" err="1" smtClean="0"/>
+              <a:t>we</a:t>
+            </a:r>
+            <a:r>
+              <a:rPr lang="fr-FR" dirty="0" smtClean="0"/>
+              <a:t> </a:t>
+            </a:r>
+            <a:r>
+              <a:rPr lang="fr-FR" dirty="0" err="1" smtClean="0"/>
+              <a:t>obtain</a:t>
             </a:r>
             <a:r>
               <a:rPr lang="fr-FR" dirty="0" smtClean="0"/>
@@ -6001,199 +8217,11 @@
             </a:r>
             <a:r>
               <a:rPr lang="fr-FR" dirty="0" err="1" smtClean="0"/>
-              <a:t>counterexample</a:t>
-            </a:r>
-            <a:r>
-              <a:rPr lang="fr-FR" dirty="0" smtClean="0"/>
-              <a:t>, </a:t>
-            </a:r>
-            <a:r>
-              <a:rPr lang="fr-FR" dirty="0" err="1" smtClean="0"/>
-              <a:t>we</a:t>
-            </a:r>
-            <a:r>
-              <a:rPr lang="fr-FR" dirty="0" smtClean="0"/>
-              <a:t> </a:t>
-            </a:r>
-            <a:r>
-              <a:rPr lang="fr-FR" dirty="0" err="1" smtClean="0"/>
-              <a:t>will</a:t>
-            </a:r>
-            <a:r>
-              <a:rPr lang="fr-FR" dirty="0" smtClean="0"/>
-              <a:t> </a:t>
-            </a:r>
-            <a:r>
-              <a:rPr lang="fr-FR" dirty="0" err="1" smtClean="0"/>
-              <a:t>analyze</a:t>
-            </a:r>
-            <a:r>
-              <a:rPr lang="fr-FR" dirty="0" smtClean="0"/>
-              <a:t> the code to </a:t>
-            </a:r>
-            <a:r>
-              <a:rPr lang="fr-FR" dirty="0" err="1" smtClean="0"/>
-              <a:t>determine</a:t>
-            </a:r>
-            <a:r>
-              <a:rPr lang="fr-FR" dirty="0" smtClean="0"/>
-              <a:t>:</a:t>
-            </a:r>
-          </a:p>
-          <a:p>
-            <a:endParaRPr lang="fr-FR" dirty="0" smtClean="0"/>
-          </a:p>
-          <a:p>
-            <a:pPr lvl="1"/>
-            <a:r>
-              <a:rPr lang="fr-FR" dirty="0" err="1" smtClean="0"/>
-              <a:t>Which</a:t>
-            </a:r>
-            <a:r>
-              <a:rPr lang="fr-FR" dirty="0" smtClean="0"/>
-              <a:t> </a:t>
-            </a:r>
-            <a:r>
-              <a:rPr lang="fr-FR" dirty="0" err="1" smtClean="0"/>
-              <a:t>constraints</a:t>
-            </a:r>
-            <a:r>
-              <a:rPr lang="fr-FR" dirty="0" smtClean="0"/>
-              <a:t> are </a:t>
-            </a:r>
-            <a:r>
-              <a:rPr lang="fr-FR" dirty="0" err="1" smtClean="0"/>
-              <a:t>needed</a:t>
-            </a:r>
-            <a:r>
-              <a:rPr lang="fr-FR" dirty="0" smtClean="0"/>
-              <a:t> in </a:t>
-            </a:r>
-            <a:r>
-              <a:rPr lang="fr-FR" dirty="0" err="1" smtClean="0"/>
-              <a:t>order</a:t>
-            </a:r>
-            <a:r>
-              <a:rPr lang="fr-FR" dirty="0" smtClean="0"/>
-              <a:t> to </a:t>
-            </a:r>
-            <a:r>
-              <a:rPr lang="fr-FR" dirty="0" err="1" smtClean="0"/>
-              <a:t>reproduce</a:t>
-            </a:r>
-            <a:r>
-              <a:rPr lang="fr-FR" dirty="0" smtClean="0"/>
-              <a:t> the </a:t>
-            </a:r>
-            <a:r>
-              <a:rPr lang="fr-FR" dirty="0" err="1" smtClean="0"/>
-              <a:t>counterexample</a:t>
-            </a:r>
-            <a:r>
-              <a:rPr lang="fr-FR" dirty="0" smtClean="0"/>
-              <a:t>,</a:t>
-            </a:r>
-            <a:br>
-              <a:rPr lang="fr-FR" dirty="0" smtClean="0"/>
-            </a:br>
-            <a:r>
-              <a:rPr lang="fr-FR" dirty="0" smtClean="0"/>
-              <a:t>and </a:t>
-            </a:r>
-            <a:r>
-              <a:rPr lang="fr-FR" dirty="0" err="1" smtClean="0"/>
-              <a:t>which</a:t>
-            </a:r>
-            <a:r>
-              <a:rPr lang="fr-FR" dirty="0" smtClean="0"/>
-              <a:t> </a:t>
-            </a:r>
-            <a:r>
-              <a:rPr lang="fr-FR" dirty="0" err="1" smtClean="0"/>
-              <a:t>constraints</a:t>
-            </a:r>
-            <a:r>
-              <a:rPr lang="fr-FR" dirty="0" smtClean="0"/>
-              <a:t> are </a:t>
-            </a:r>
-            <a:r>
-              <a:rPr lang="fr-FR" dirty="0" err="1" smtClean="0"/>
-              <a:t>unnecessary</a:t>
-            </a:r>
-            <a:r>
-              <a:rPr lang="fr-FR" dirty="0" smtClean="0"/>
-              <a:t>.</a:t>
-            </a:r>
-          </a:p>
-          <a:p>
-            <a:pPr lvl="1"/>
-            <a:endParaRPr lang="fr-FR" dirty="0" smtClean="0"/>
-          </a:p>
-          <a:p>
-            <a:pPr lvl="1"/>
-            <a:r>
-              <a:rPr lang="fr-FR" dirty="0" smtClean="0"/>
-              <a:t>If all </a:t>
-            </a:r>
-            <a:r>
-              <a:rPr lang="fr-FR" dirty="0" err="1" smtClean="0"/>
-              <a:t>constraints</a:t>
-            </a:r>
-            <a:r>
-              <a:rPr lang="fr-FR" dirty="0" smtClean="0"/>
-              <a:t> are </a:t>
-            </a:r>
-            <a:r>
-              <a:rPr lang="fr-FR" dirty="0" err="1" smtClean="0"/>
-              <a:t>independent</a:t>
-            </a:r>
-            <a:r>
-              <a:rPr lang="fr-FR" dirty="0" smtClean="0"/>
-              <a:t> of the model or if </a:t>
-            </a:r>
-            <a:r>
-              <a:rPr lang="fr-FR" dirty="0" err="1" smtClean="0"/>
-              <a:t>some</a:t>
-            </a:r>
-            <a:r>
-              <a:rPr lang="fr-FR" dirty="0" smtClean="0"/>
-              <a:t> of </a:t>
-            </a:r>
-            <a:r>
-              <a:rPr lang="fr-FR" dirty="0" err="1" smtClean="0"/>
-              <a:t>them</a:t>
-            </a:r>
-            <a:r>
-              <a:rPr lang="fr-FR" dirty="0" smtClean="0"/>
-              <a:t> are </a:t>
-            </a:r>
-            <a:r>
-              <a:rPr lang="fr-FR" i="1" dirty="0" smtClean="0"/>
-              <a:t>model-</a:t>
-            </a:r>
-            <a:r>
-              <a:rPr lang="fr-FR" i="1" dirty="0" err="1" smtClean="0"/>
-              <a:t>dependent</a:t>
-            </a:r>
-            <a:r>
-              <a:rPr lang="fr-FR" dirty="0"/>
-              <a:t> (and </a:t>
-            </a:r>
-            <a:r>
-              <a:rPr lang="fr-FR" dirty="0" err="1"/>
-              <a:t>which</a:t>
-            </a:r>
-            <a:r>
-              <a:rPr lang="fr-FR" dirty="0"/>
-              <a:t> </a:t>
-            </a:r>
-            <a:r>
-              <a:rPr lang="fr-FR" dirty="0" err="1" smtClean="0"/>
-              <a:t>ones</a:t>
-            </a:r>
-            <a:r>
-              <a:rPr lang="fr-FR" dirty="0" smtClean="0"/>
-              <a:t>).</a:t>
+              <a:t>following</a:t>
+            </a:r>
+            <a:r>
+              <a:rPr lang="fr-FR" dirty="0" smtClean="0"/>
+              <a:t> formula:</a:t>
             </a:r>
             <a:endParaRPr lang="fr-FR" dirty="0"/>
           </a:p>
@@ -6202,7 +8230,7 @@
     </p:spTree>
     <p:extLst>
       <p:ext uri="{BB962C8B-B14F-4D97-AF65-F5344CB8AC3E}">
-        <p14:creationId xmlns:p14="http://schemas.microsoft.com/office/powerpoint/2010/main" val="3797499633"/>
+        <p14:creationId xmlns:p14="http://schemas.microsoft.com/office/powerpoint/2010/main" val="2832712977"/>
       </p:ext>
     </p:extLst>
   </p:cSld>
@@ -6253,11 +8281,23 @@
           <a:p>
             <a:r>
               <a:rPr lang="fr-FR" dirty="0" err="1" smtClean="0"/>
-              <a:t>Example</a:t>
-            </a:r>
-            <a:r>
-              <a:rPr lang="fr-FR" dirty="0" smtClean="0"/>
-              <a:t> 1</a:t>
+              <a:t>Generalization</a:t>
+            </a:r>
+            <a:r>
+              <a:rPr lang="fr-FR" dirty="0" smtClean="0"/>
+              <a:t> </a:t>
+            </a:r>
+            <a:r>
+              <a:rPr lang="fr-FR" dirty="0" err="1" smtClean="0"/>
+              <a:t>with</a:t>
+            </a:r>
+            <a:r>
+              <a:rPr lang="fr-FR" dirty="0" smtClean="0"/>
+              <a:t> code </a:t>
+            </a:r>
+            <a:r>
+              <a:rPr lang="fr-FR" dirty="0" err="1" smtClean="0"/>
+              <a:t>analysis</a:t>
             </a:r>
             <a:endParaRPr lang="fr-FR" dirty="0"/>
           </a:p>
@@ -6278,20 +8318,436 @@
           <a:bodyPr/>
           <a:lstStyle/>
           <a:p>
-            <a:endParaRPr lang="fr-FR"/>
+            <a:r>
+              <a:rPr lang="fr-FR" dirty="0" err="1" smtClean="0"/>
+              <a:t>Instead</a:t>
+            </a:r>
+            <a:r>
+              <a:rPr lang="fr-FR" dirty="0" smtClean="0"/>
+              <a:t> of </a:t>
+            </a:r>
+            <a:r>
+              <a:rPr lang="fr-FR" dirty="0" err="1" smtClean="0"/>
+              <a:t>keeping</a:t>
+            </a:r>
+            <a:r>
+              <a:rPr lang="fr-FR" dirty="0" smtClean="0"/>
+              <a:t> </a:t>
+            </a:r>
+            <a:r>
+              <a:rPr lang="fr-FR" dirty="0" err="1" smtClean="0"/>
+              <a:t>every</a:t>
+            </a:r>
+            <a:r>
+              <a:rPr lang="fr-FR" dirty="0" smtClean="0"/>
+              <a:t> </a:t>
+            </a:r>
+            <a:r>
+              <a:rPr lang="fr-FR" dirty="0" err="1" smtClean="0"/>
+              <a:t>constraint</a:t>
+            </a:r>
+            <a:r>
+              <a:rPr lang="fr-FR" dirty="0" smtClean="0"/>
+              <a:t> </a:t>
+            </a:r>
+            <a:r>
+              <a:rPr lang="fr-FR" dirty="0" err="1" smtClean="0"/>
+              <a:t>that</a:t>
+            </a:r>
+            <a:r>
+              <a:rPr lang="fr-FR" dirty="0" smtClean="0"/>
+              <a:t> </a:t>
+            </a:r>
+            <a:r>
+              <a:rPr lang="fr-FR" dirty="0" err="1" smtClean="0"/>
+              <a:t>characterizes</a:t>
+            </a:r>
+            <a:r>
+              <a:rPr lang="fr-FR" dirty="0" smtClean="0"/>
+              <a:t> the </a:t>
+            </a:r>
+            <a:r>
+              <a:rPr lang="fr-FR" dirty="0" err="1" smtClean="0"/>
+              <a:t>counterexample</a:t>
+            </a:r>
+            <a:r>
+              <a:rPr lang="fr-FR" dirty="0" smtClean="0"/>
+              <a:t>, </a:t>
+            </a:r>
+            <a:r>
+              <a:rPr lang="fr-FR" dirty="0" err="1" smtClean="0"/>
+              <a:t>we</a:t>
+            </a:r>
+            <a:r>
+              <a:rPr lang="fr-FR" dirty="0" smtClean="0"/>
+              <a:t> </a:t>
+            </a:r>
+            <a:r>
+              <a:rPr lang="fr-FR" dirty="0" err="1" smtClean="0"/>
+              <a:t>will</a:t>
+            </a:r>
+            <a:r>
+              <a:rPr lang="fr-FR" dirty="0" smtClean="0"/>
+              <a:t> </a:t>
+            </a:r>
+            <a:r>
+              <a:rPr lang="fr-FR" dirty="0" err="1" smtClean="0"/>
+              <a:t>analyze</a:t>
+            </a:r>
+            <a:r>
+              <a:rPr lang="fr-FR" dirty="0" smtClean="0"/>
+              <a:t> the code to </a:t>
+            </a:r>
+            <a:r>
+              <a:rPr lang="fr-FR" dirty="0" err="1" smtClean="0"/>
+              <a:t>determine</a:t>
+            </a:r>
+            <a:r>
+              <a:rPr lang="fr-FR" dirty="0" smtClean="0"/>
+              <a:t>:</a:t>
+            </a:r>
+          </a:p>
+          <a:p>
+            <a:endParaRPr lang="fr-FR" dirty="0" smtClean="0"/>
+          </a:p>
+          <a:p>
+            <a:pPr lvl="1"/>
+            <a:r>
+              <a:rPr lang="fr-FR" dirty="0" err="1" smtClean="0"/>
+              <a:t>Which</a:t>
+            </a:r>
+            <a:r>
+              <a:rPr lang="fr-FR" dirty="0" smtClean="0"/>
+              <a:t> </a:t>
+            </a:r>
+            <a:r>
+              <a:rPr lang="fr-FR" dirty="0" err="1" smtClean="0"/>
+              <a:t>constraints</a:t>
+            </a:r>
+            <a:r>
+              <a:rPr lang="fr-FR" dirty="0" smtClean="0"/>
+              <a:t> are </a:t>
+            </a:r>
+            <a:r>
+              <a:rPr lang="fr-FR" dirty="0" err="1" smtClean="0"/>
+              <a:t>needed</a:t>
+            </a:r>
+            <a:r>
+              <a:rPr lang="fr-FR" dirty="0" smtClean="0"/>
+              <a:t> in </a:t>
+            </a:r>
+            <a:r>
+              <a:rPr lang="fr-FR" dirty="0" err="1" smtClean="0"/>
+              <a:t>order</a:t>
+            </a:r>
+            <a:r>
+              <a:rPr lang="fr-FR" dirty="0" smtClean="0"/>
+              <a:t> to </a:t>
+            </a:r>
+            <a:r>
+              <a:rPr lang="fr-FR" dirty="0" err="1" smtClean="0"/>
+              <a:t>reproduce</a:t>
+            </a:r>
+            <a:r>
+              <a:rPr lang="fr-FR" dirty="0" smtClean="0"/>
+              <a:t> the </a:t>
+            </a:r>
+            <a:r>
+              <a:rPr lang="fr-FR" dirty="0" err="1" smtClean="0"/>
+              <a:t>counterexample</a:t>
+            </a:r>
+            <a:r>
+              <a:rPr lang="fr-FR" dirty="0" smtClean="0"/>
+              <a:t>,</a:t>
+            </a:r>
+            <a:br>
+              <a:rPr lang="fr-FR" dirty="0" smtClean="0"/>
+            </a:br>
+            <a:r>
+              <a:rPr lang="fr-FR" dirty="0" smtClean="0"/>
+              <a:t>and </a:t>
+            </a:r>
+            <a:r>
+              <a:rPr lang="fr-FR" dirty="0" err="1" smtClean="0"/>
+              <a:t>which</a:t>
+            </a:r>
+            <a:r>
+              <a:rPr lang="fr-FR" dirty="0" smtClean="0"/>
+              <a:t> </a:t>
+            </a:r>
+            <a:r>
+              <a:rPr lang="fr-FR" dirty="0" err="1" smtClean="0"/>
+              <a:t>constraints</a:t>
+            </a:r>
+            <a:r>
+              <a:rPr lang="fr-FR" dirty="0" smtClean="0"/>
+              <a:t> are </a:t>
+            </a:r>
+            <a:r>
+              <a:rPr lang="fr-FR" dirty="0" err="1" smtClean="0"/>
+              <a:t>unnecessary</a:t>
+            </a:r>
+            <a:r>
+              <a:rPr lang="fr-FR" dirty="0" smtClean="0"/>
+              <a:t>. It </a:t>
+            </a:r>
+            <a:r>
+              <a:rPr lang="fr-FR" dirty="0" err="1" smtClean="0"/>
+              <a:t>will</a:t>
+            </a:r>
+            <a:r>
+              <a:rPr lang="fr-FR" dirty="0" smtClean="0"/>
+              <a:t> permit to </a:t>
+            </a:r>
+            <a:r>
+              <a:rPr lang="fr-FR" dirty="0" err="1" smtClean="0"/>
+              <a:t>generate</a:t>
+            </a:r>
+            <a:r>
+              <a:rPr lang="fr-FR" dirty="0" smtClean="0"/>
+              <a:t> </a:t>
+            </a:r>
+            <a:r>
+              <a:rPr lang="fr-FR" dirty="0" err="1" smtClean="0"/>
+              <a:t>shorter</a:t>
+            </a:r>
+            <a:r>
+              <a:rPr lang="fr-FR" dirty="0" smtClean="0"/>
+              <a:t> and more </a:t>
+            </a:r>
+            <a:r>
+              <a:rPr lang="fr-FR" dirty="0" err="1" smtClean="0"/>
+              <a:t>general</a:t>
+            </a:r>
+            <a:r>
+              <a:rPr lang="fr-FR" dirty="0" smtClean="0"/>
+              <a:t> invariants.</a:t>
+            </a:r>
+            <a:endParaRPr lang="fr-FR" dirty="0" smtClean="0"/>
+          </a:p>
+          <a:p>
+            <a:pPr lvl="1"/>
+            <a:endParaRPr lang="fr-FR" dirty="0" smtClean="0"/>
+          </a:p>
+          <a:p>
+            <a:pPr lvl="1"/>
+            <a:r>
+              <a:rPr lang="fr-FR" dirty="0" smtClean="0"/>
+              <a:t>If the set of </a:t>
+            </a:r>
+            <a:r>
+              <a:rPr lang="fr-FR" dirty="0" err="1" smtClean="0"/>
+              <a:t>constraints</a:t>
+            </a:r>
+            <a:r>
+              <a:rPr lang="fr-FR" dirty="0" smtClean="0"/>
+              <a:t> </a:t>
+            </a:r>
+            <a:r>
+              <a:rPr lang="fr-FR" dirty="0" err="1" smtClean="0"/>
+              <a:t>obtained</a:t>
+            </a:r>
+            <a:r>
+              <a:rPr lang="fr-FR" dirty="0" smtClean="0"/>
+              <a:t> </a:t>
+            </a:r>
+            <a:r>
+              <a:rPr lang="fr-FR" dirty="0" err="1" smtClean="0"/>
+              <a:t>is</a:t>
+            </a:r>
+            <a:r>
+              <a:rPr lang="fr-FR" dirty="0" smtClean="0"/>
+              <a:t> </a:t>
+            </a:r>
+            <a:r>
+              <a:rPr lang="fr-FR" dirty="0" err="1" smtClean="0"/>
+              <a:t>independent</a:t>
+            </a:r>
+            <a:r>
+              <a:rPr lang="fr-FR" dirty="0" smtClean="0"/>
+              <a:t> of the model or if </a:t>
+            </a:r>
+            <a:r>
+              <a:rPr lang="fr-FR" dirty="0" err="1" smtClean="0"/>
+              <a:t>it</a:t>
+            </a:r>
+            <a:r>
+              <a:rPr lang="fr-FR" dirty="0" smtClean="0"/>
+              <a:t> </a:t>
+            </a:r>
+            <a:r>
+              <a:rPr lang="fr-FR" dirty="0" err="1" smtClean="0"/>
+              <a:t>is</a:t>
+            </a:r>
+            <a:r>
+              <a:rPr lang="fr-FR" dirty="0" smtClean="0"/>
+              <a:t> </a:t>
+            </a:r>
+            <a:r>
+              <a:rPr lang="fr-FR" i="1" dirty="0" smtClean="0"/>
+              <a:t>model-</a:t>
+            </a:r>
+            <a:r>
+              <a:rPr lang="fr-FR" i="1" dirty="0" err="1" smtClean="0"/>
+              <a:t>dependent</a:t>
+            </a:r>
+            <a:r>
+              <a:rPr lang="fr-FR" dirty="0" smtClean="0"/>
+              <a:t>, and in </a:t>
+            </a:r>
+            <a:r>
+              <a:rPr lang="fr-FR" dirty="0" err="1" smtClean="0"/>
+              <a:t>this</a:t>
+            </a:r>
+            <a:r>
+              <a:rPr lang="fr-FR" dirty="0" smtClean="0"/>
+              <a:t> case </a:t>
+            </a:r>
+            <a:r>
+              <a:rPr lang="fr-FR" dirty="0" err="1" smtClean="0"/>
+              <a:t>which</a:t>
+            </a:r>
+            <a:r>
+              <a:rPr lang="fr-FR" dirty="0" smtClean="0"/>
+              <a:t> </a:t>
+            </a:r>
+            <a:r>
+              <a:rPr lang="fr-FR" dirty="0" err="1" smtClean="0"/>
+              <a:t>constraints</a:t>
+            </a:r>
+            <a:r>
+              <a:rPr lang="fr-FR" dirty="0" smtClean="0"/>
+              <a:t> </a:t>
+            </a:r>
+            <a:r>
+              <a:rPr lang="fr-FR" dirty="0" err="1" smtClean="0"/>
+              <a:t>depend</a:t>
+            </a:r>
+            <a:r>
+              <a:rPr lang="fr-FR" dirty="0" smtClean="0"/>
+              <a:t> on the model. It </a:t>
+            </a:r>
+            <a:r>
+              <a:rPr lang="fr-FR" dirty="0" err="1" smtClean="0"/>
+              <a:t>will</a:t>
+            </a:r>
+            <a:r>
+              <a:rPr lang="fr-FR" dirty="0" smtClean="0"/>
+              <a:t> permit to know </a:t>
+            </a:r>
+            <a:r>
+              <a:rPr lang="fr-FR" dirty="0" err="1" smtClean="0"/>
+              <a:t>whether</a:t>
+            </a:r>
+            <a:r>
+              <a:rPr lang="fr-FR" dirty="0" smtClean="0"/>
+              <a:t> </a:t>
+            </a:r>
+            <a:r>
+              <a:rPr lang="fr-FR" dirty="0" err="1" smtClean="0"/>
+              <a:t>we</a:t>
+            </a:r>
+            <a:r>
+              <a:rPr lang="fr-FR" dirty="0" smtClean="0"/>
+              <a:t> </a:t>
+            </a:r>
+            <a:r>
+              <a:rPr lang="fr-FR" dirty="0" err="1" smtClean="0"/>
+              <a:t>need</a:t>
+            </a:r>
+            <a:r>
+              <a:rPr lang="fr-FR" dirty="0" smtClean="0"/>
+              <a:t> an invariant of the </a:t>
+            </a:r>
+            <a:r>
+              <a:rPr lang="fr-FR" dirty="0" err="1" smtClean="0"/>
+              <a:t>form</a:t>
+            </a:r>
+            <a:r>
+              <a:rPr lang="fr-FR" dirty="0" smtClean="0"/>
+              <a:t> </a:t>
+            </a:r>
+            <a:r>
+              <a:rPr lang="fr-FR" dirty="0" smtClean="0">
+                <a:solidFill>
+                  <a:schemeClr val="dk1"/>
+                </a:solidFill>
+              </a:rPr>
+              <a:t>∀∃ or not</a:t>
+            </a:r>
+            <a:r>
+              <a:rPr lang="fr-FR" dirty="0" smtClean="0"/>
+              <a:t>, and, </a:t>
+            </a:r>
+            <a:r>
+              <a:rPr lang="fr-FR" dirty="0" err="1" smtClean="0"/>
+              <a:t>with</a:t>
+            </a:r>
+            <a:r>
+              <a:rPr lang="fr-FR" dirty="0" smtClean="0"/>
+              <a:t> </a:t>
+            </a:r>
+            <a:r>
+              <a:rPr lang="fr-FR" dirty="0" err="1" smtClean="0"/>
+              <a:t>some</a:t>
+            </a:r>
+            <a:r>
+              <a:rPr lang="fr-FR" dirty="0" smtClean="0"/>
+              <a:t> </a:t>
+            </a:r>
+            <a:r>
+              <a:rPr lang="fr-FR" dirty="0" err="1" smtClean="0"/>
+              <a:t>additional</a:t>
+            </a:r>
+            <a:r>
+              <a:rPr lang="fr-FR" dirty="0" smtClean="0"/>
+              <a:t> analyses, to </a:t>
+            </a:r>
+            <a:r>
+              <a:rPr lang="fr-FR" dirty="0" err="1" smtClean="0"/>
+              <a:t>generate</a:t>
+            </a:r>
+            <a:r>
+              <a:rPr lang="fr-FR" dirty="0" smtClean="0"/>
+              <a:t> </a:t>
+            </a:r>
+            <a:r>
+              <a:rPr lang="fr-FR" dirty="0" err="1" smtClean="0"/>
+              <a:t>such</a:t>
+            </a:r>
+            <a:r>
+              <a:rPr lang="fr-FR" dirty="0" smtClean="0"/>
+              <a:t> invariant</a:t>
+            </a:r>
+            <a:r>
+              <a:rPr lang="fr-FR" dirty="0" smtClean="0">
+                <a:solidFill>
+                  <a:schemeClr val="dk1"/>
+                </a:solidFill>
+              </a:rPr>
+              <a:t>.</a:t>
+            </a:r>
+            <a:endParaRPr lang="fr-FR" dirty="0"/>
           </a:p>
         </p:txBody>
       </p:sp>
     </p:spTree>
     <p:extLst>
       <p:ext uri="{BB962C8B-B14F-4D97-AF65-F5344CB8AC3E}">
-        <p14:creationId xmlns:p14="http://schemas.microsoft.com/office/powerpoint/2010/main" val="521059531"/>
+        <p14:creationId xmlns:p14="http://schemas.microsoft.com/office/powerpoint/2010/main" val="3797499633"/>
       </p:ext>
     </p:extLst>
   </p:cSld>
   <p:clrMapOvr>
     <a:masterClrMapping/>
   </p:clrMapOvr>
+  <p:timing>
+    <p:tnLst>
+      <p:par>
+        <p:cTn id="1" dur="indefinite" restart="never" nodeType="tmRoot"/>
+      </p:par>
+    </p:tnLst>
+  </p:timing>
 </p:sld>
 </file>
 
@@ -6333,7 +8789,112 @@
             </a:r>
             <a:r>
               <a:rPr lang="fr-FR" dirty="0" smtClean="0"/>
-              <a:t> 2</a:t>
+              <a:t> 1</a:t>
+            </a:r>
+            <a:endParaRPr lang="fr-FR" dirty="0"/>
+          </a:p>
+        </p:txBody>
+      </p:sp>
+      <p:pic>
+        <p:nvPicPr>
+          <p:cNvPr id="7" name="Espace réservé du contenu 3"/>
+          <p:cNvPicPr>
+            <a:picLocks noChangeAspect="1"/>
+          </p:cNvPicPr>
+          <p:nvPr/>
+        </p:nvPicPr>
+        <p:blipFill rotWithShape="1">
+          <a:blip r:embed="rId2"/>
+          <a:srcRect r="43905" b="8304"/>
+          <a:stretch/>
+        </p:blipFill>
+        <p:spPr>
+          <a:xfrm>
+            <a:off x="8036859" y="365125"/>
+            <a:ext cx="3316941" cy="6215977"/>
+          </a:xfrm>
+          <a:prstGeom prst="rect">
+            <a:avLst/>
+          </a:prstGeom>
+        </p:spPr>
+      </p:pic>
+      <p:sp>
+        <p:nvSpPr>
+          <p:cNvPr id="8" name="ZoneTexte 7"/>
+          <p:cNvSpPr txBox="1"/>
+          <p:nvPr/>
+        </p:nvSpPr>
+        <p:spPr>
+          <a:xfrm>
+            <a:off x="838199" y="1542472"/>
+            <a:ext cx="6190673" cy="369332"/>
+          </a:xfrm>
+          <a:prstGeom prst="rect">
+            <a:avLst/>
+          </a:prstGeom>
+          <a:noFill/>
+        </p:spPr>
+        <p:txBody>
+          <a:bodyPr wrap="square" rtlCol="0">
+            <a:spAutoFit/>
+          </a:bodyPr>
+          <a:lstStyle/>
+          <a:p>
+            <a:r>
+              <a:rPr lang="fr-FR" dirty="0" err="1" smtClean="0"/>
+              <a:t>Let’s</a:t>
+            </a:r>
+            <a:r>
+              <a:rPr lang="fr-FR" dirty="0" smtClean="0"/>
+              <a:t> </a:t>
+            </a:r>
+            <a:r>
+              <a:rPr lang="fr-FR" dirty="0" err="1" smtClean="0"/>
+              <a:t>see</a:t>
+            </a:r>
+            <a:r>
+              <a:rPr lang="fr-FR" dirty="0" smtClean="0"/>
+              <a:t> how </a:t>
+            </a:r>
+            <a:r>
+              <a:rPr lang="fr-FR" dirty="0" err="1" smtClean="0"/>
+              <a:t>it</a:t>
+            </a:r>
+            <a:r>
+              <a:rPr lang="fr-FR" dirty="0" smtClean="0"/>
+              <a:t> </a:t>
+            </a:r>
+            <a:r>
+              <a:rPr lang="fr-FR" dirty="0" err="1" smtClean="0"/>
+              <a:t>would</a:t>
+            </a:r>
+            <a:r>
+              <a:rPr lang="fr-FR" dirty="0" smtClean="0"/>
+              <a:t> </a:t>
+            </a:r>
+            <a:r>
+              <a:rPr lang="fr-FR" dirty="0" err="1" smtClean="0"/>
+              <a:t>work</a:t>
+            </a:r>
+            <a:r>
+              <a:rPr lang="fr-FR" dirty="0" smtClean="0"/>
+              <a:t> </a:t>
+            </a:r>
+            <a:r>
+              <a:rPr lang="fr-FR" dirty="0" err="1" smtClean="0"/>
+              <a:t>with</a:t>
+            </a:r>
+            <a:r>
+              <a:rPr lang="fr-FR" dirty="0" smtClean="0"/>
+              <a:t> the first </a:t>
+            </a:r>
+            <a:r>
+              <a:rPr lang="fr-FR" dirty="0" err="1" smtClean="0"/>
+              <a:t>example</a:t>
+            </a:r>
+            <a:r>
+              <a:rPr lang="fr-FR" dirty="0" smtClean="0"/>
+              <a:t>.</a:t>
             </a:r>
             <a:endParaRPr lang="fr-FR" dirty="0"/>
           </a:p>
@@ -6341,33 +8902,854 @@
       </p:sp>
       <p:sp>
         <p:nvSpPr>
-          <p:cNvPr id="3" name="Espace réservé du contenu 2"/>
-          <p:cNvSpPr>
-            <a:spLocks noGrp="1"/>
-          </p:cNvSpPr>
-          <p:nvPr>
-            <p:ph idx="1"/>
-          </p:nvPr>
+          <p:cNvPr id="9" name="ZoneTexte 8"/>
+          <p:cNvSpPr txBox="1"/>
+          <p:nvPr/>
         </p:nvSpPr>
-        <p:spPr/>
+        <p:spPr>
+          <a:xfrm>
+            <a:off x="741628" y="2442389"/>
+            <a:ext cx="6079837" cy="3416320"/>
+          </a:xfrm>
+          <a:prstGeom prst="rect">
+            <a:avLst/>
+          </a:prstGeom>
+          <a:noFill/>
+        </p:spPr>
         <p:txBody>
-          <a:bodyPr/>
+          <a:bodyPr wrap="square" rtlCol="0">
+            <a:spAutoFit/>
+          </a:bodyPr>
           <a:lstStyle/>
           <a:p>
-            <a:endParaRPr lang="fr-FR"/>
+            <a:r>
+              <a:rPr lang="fr-FR" dirty="0" err="1" smtClean="0"/>
+              <a:t>Counterexample</a:t>
+            </a:r>
+            <a:r>
+              <a:rPr lang="fr-FR" dirty="0" smtClean="0"/>
+              <a:t>:</a:t>
+            </a:r>
+          </a:p>
+          <a:p>
+            <a:endParaRPr lang="fr-FR" dirty="0" smtClean="0"/>
+          </a:p>
+          <a:p>
+            <a:r>
+              <a:rPr lang="fr-FR" dirty="0" smtClean="0"/>
+              <a:t>Initial </a:t>
+            </a:r>
+            <a:r>
+              <a:rPr lang="fr-FR" dirty="0" err="1" smtClean="0"/>
+              <a:t>environment</a:t>
+            </a:r>
+            <a:r>
+              <a:rPr lang="fr-FR" dirty="0" smtClean="0"/>
+              <a:t>:</a:t>
+            </a:r>
+            <a:r>
+              <a:rPr lang="fr-FR" dirty="0"/>
+              <a:t/>
+            </a:r>
+            <a:br>
+              <a:rPr lang="fr-FR" dirty="0"/>
+            </a:br>
+            <a:endParaRPr lang="fr-FR" dirty="0"/>
+          </a:p>
+          <a:p>
+            <a:r>
+              <a:rPr lang="fr-FR" dirty="0" smtClean="0"/>
+              <a:t>elt1=2</a:t>
+            </a:r>
+          </a:p>
+          <a:p>
+            <a:r>
+              <a:rPr lang="fr-FR" dirty="0" smtClean="0"/>
+              <a:t>elt2=1</a:t>
+            </a:r>
+          </a:p>
+          <a:p>
+            <a:r>
+              <a:rPr lang="fr-FR" dirty="0"/>
+              <a:t>f</a:t>
+            </a:r>
+            <a:r>
+              <a:rPr lang="fr-FR" dirty="0" smtClean="0"/>
+              <a:t>(0)=1</a:t>
+            </a:r>
+            <a:br>
+              <a:rPr lang="fr-FR" dirty="0" smtClean="0"/>
+            </a:br>
+            <a:r>
+              <a:rPr lang="fr-FR" dirty="0" smtClean="0"/>
+              <a:t>f(1)=1</a:t>
+            </a:r>
+            <a:br>
+              <a:rPr lang="fr-FR" dirty="0" smtClean="0"/>
+            </a:br>
+            <a:r>
+              <a:rPr lang="fr-FR" dirty="0" smtClean="0"/>
+              <a:t>f(2)=0</a:t>
+            </a:r>
+          </a:p>
+          <a:p>
+            <a:endParaRPr lang="fr-FR" dirty="0" smtClean="0"/>
+          </a:p>
+          <a:p>
+            <a:r>
+              <a:rPr lang="fr-FR" dirty="0" err="1" smtClean="0"/>
+              <a:t>After</a:t>
+            </a:r>
+            <a:r>
+              <a:rPr lang="fr-FR" dirty="0" smtClean="0"/>
+              <a:t> </a:t>
+            </a:r>
+            <a:r>
+              <a:rPr lang="fr-FR" dirty="0" err="1" smtClean="0"/>
+              <a:t>executing</a:t>
+            </a:r>
+            <a:r>
+              <a:rPr lang="fr-FR" dirty="0" smtClean="0"/>
+              <a:t> change_elt1(0),</a:t>
+            </a:r>
+            <a:br>
+              <a:rPr lang="fr-FR" dirty="0" smtClean="0"/>
+            </a:br>
+            <a:r>
+              <a:rPr lang="fr-FR" dirty="0" smtClean="0"/>
+              <a:t>f(elt1)=f(0)=1=f(1)=f(elt2)                   (the invariant </a:t>
+            </a:r>
+            <a:r>
+              <a:rPr lang="fr-FR" dirty="0" err="1" smtClean="0"/>
+              <a:t>is</a:t>
+            </a:r>
+            <a:r>
+              <a:rPr lang="fr-FR" dirty="0" smtClean="0"/>
+              <a:t> </a:t>
+            </a:r>
+            <a:r>
+              <a:rPr lang="fr-FR" dirty="0" err="1" smtClean="0"/>
+              <a:t>broken</a:t>
+            </a:r>
+            <a:r>
+              <a:rPr lang="fr-FR" dirty="0" smtClean="0"/>
+              <a:t>)</a:t>
+            </a:r>
+          </a:p>
+        </p:txBody>
+      </p:sp>
+      <p:grpSp>
+        <p:nvGrpSpPr>
+          <p:cNvPr id="47" name="Groupe 46"/>
+          <p:cNvGrpSpPr/>
+          <p:nvPr/>
+        </p:nvGrpSpPr>
+        <p:grpSpPr>
+          <a:xfrm>
+            <a:off x="4169872" y="2788982"/>
+            <a:ext cx="3259290" cy="2197001"/>
+            <a:chOff x="3350534" y="2813466"/>
+            <a:chExt cx="3479956" cy="2452412"/>
+          </a:xfrm>
+        </p:grpSpPr>
+        <p:grpSp>
+          <p:nvGrpSpPr>
+            <p:cNvPr id="6" name="Groupe 5"/>
+            <p:cNvGrpSpPr/>
+            <p:nvPr/>
+          </p:nvGrpSpPr>
+          <p:grpSpPr>
+            <a:xfrm>
+              <a:off x="3350534" y="2813466"/>
+              <a:ext cx="1501929" cy="2452412"/>
+              <a:chOff x="1075765" y="2796989"/>
+              <a:chExt cx="4222377" cy="2824162"/>
+            </a:xfrm>
+          </p:grpSpPr>
+          <p:sp>
+            <p:nvSpPr>
+              <p:cNvPr id="10" name="Rectangle 9"/>
+              <p:cNvSpPr/>
+              <p:nvPr/>
+            </p:nvSpPr>
+            <p:spPr>
+              <a:xfrm>
+                <a:off x="1075765" y="3164541"/>
+                <a:ext cx="4222377" cy="2456610"/>
+              </a:xfrm>
+              <a:prstGeom prst="rect">
+                <a:avLst/>
+              </a:prstGeom>
+            </p:spPr>
+            <p:style>
+              <a:lnRef idx="2">
+                <a:schemeClr val="accent3"/>
+              </a:lnRef>
+              <a:fillRef idx="1">
+                <a:schemeClr val="lt1"/>
+              </a:fillRef>
+              <a:effectRef idx="0">
+                <a:schemeClr val="accent3"/>
+              </a:effectRef>
+              <a:fontRef idx="minor">
+                <a:schemeClr val="dk1"/>
+              </a:fontRef>
+            </p:style>
+            <p:txBody>
+              <a:bodyPr rtlCol="0" anchor="ctr"/>
+              <a:lstStyle/>
+              <a:p>
+                <a:pPr algn="ctr"/>
+                <a:endParaRPr lang="fr-FR"/>
+              </a:p>
+            </p:txBody>
+          </p:sp>
+          <p:sp>
+            <p:nvSpPr>
+              <p:cNvPr id="11" name="Rectangle 10"/>
+              <p:cNvSpPr/>
+              <p:nvPr/>
+            </p:nvSpPr>
+            <p:spPr>
+              <a:xfrm>
+                <a:off x="1075765" y="2796989"/>
+                <a:ext cx="4222377" cy="367552"/>
+              </a:xfrm>
+              <a:prstGeom prst="rect">
+                <a:avLst/>
+              </a:prstGeom>
+            </p:spPr>
+            <p:style>
+              <a:lnRef idx="2">
+                <a:schemeClr val="accent3">
+                  <a:shade val="50000"/>
+                </a:schemeClr>
+              </a:lnRef>
+              <a:fillRef idx="1">
+                <a:schemeClr val="accent3"/>
+              </a:fillRef>
+              <a:effectRef idx="0">
+                <a:schemeClr val="accent3"/>
+              </a:effectRef>
+              <a:fontRef idx="minor">
+                <a:schemeClr val="lt1"/>
+              </a:fontRef>
+            </p:style>
+            <p:txBody>
+              <a:bodyPr rtlCol="0" anchor="ctr"/>
+              <a:lstStyle/>
+              <a:p>
+                <a:pPr algn="ctr"/>
+                <a:r>
+                  <a:rPr lang="fr-FR" dirty="0" smtClean="0"/>
+                  <a:t>Type </a:t>
+                </a:r>
+                <a:r>
+                  <a:rPr lang="fr-FR" dirty="0"/>
+                  <a:t>a</a:t>
+                </a:r>
+                <a:endParaRPr lang="fr-FR" dirty="0"/>
+              </a:p>
+            </p:txBody>
+          </p:sp>
+        </p:grpSp>
+        <p:sp>
+          <p:nvSpPr>
+            <p:cNvPr id="12" name="Rectangle 11"/>
+            <p:cNvSpPr/>
+            <p:nvPr/>
+          </p:nvSpPr>
+          <p:spPr>
+            <a:xfrm>
+              <a:off x="3649825" y="3840021"/>
+              <a:ext cx="798036" cy="637226"/>
+            </a:xfrm>
+            <a:prstGeom prst="rect">
+              <a:avLst/>
+            </a:prstGeom>
+          </p:spPr>
+          <p:style>
+            <a:lnRef idx="1">
+              <a:schemeClr val="accent2"/>
+            </a:lnRef>
+            <a:fillRef idx="2">
+              <a:schemeClr val="accent2"/>
+            </a:fillRef>
+            <a:effectRef idx="1">
+              <a:schemeClr val="accent2"/>
+            </a:effectRef>
+            <a:fontRef idx="minor">
+              <a:schemeClr val="dk1"/>
+            </a:fontRef>
+          </p:style>
+          <p:txBody>
+            <a:bodyPr rtlCol="0" anchor="ctr"/>
+            <a:lstStyle/>
+            <a:p>
+              <a:pPr algn="ctr"/>
+              <a:r>
+                <a:rPr lang="fr-FR" dirty="0" smtClean="0"/>
+                <a:t>1</a:t>
+              </a:r>
+              <a:endParaRPr lang="fr-FR" dirty="0" smtClean="0"/>
+            </a:p>
+            <a:p>
+              <a:pPr algn="ctr"/>
+              <a:r>
+                <a:rPr lang="fr-FR" dirty="0" smtClean="0"/>
+                <a:t>= </a:t>
+              </a:r>
+              <a:r>
+                <a:rPr lang="fr-FR" dirty="0" smtClean="0"/>
+                <a:t>elt2</a:t>
+              </a:r>
+              <a:endParaRPr lang="fr-FR" dirty="0" smtClean="0"/>
+            </a:p>
+          </p:txBody>
+        </p:sp>
+        <p:sp>
+          <p:nvSpPr>
+            <p:cNvPr id="13" name="Rectangle 12"/>
+            <p:cNvSpPr/>
+            <p:nvPr/>
+          </p:nvSpPr>
+          <p:spPr>
+            <a:xfrm>
+              <a:off x="3659447" y="3197595"/>
+              <a:ext cx="798036" cy="555981"/>
+            </a:xfrm>
+            <a:prstGeom prst="rect">
+              <a:avLst/>
+            </a:prstGeom>
+          </p:spPr>
+          <p:style>
+            <a:lnRef idx="1">
+              <a:schemeClr val="accent1"/>
+            </a:lnRef>
+            <a:fillRef idx="2">
+              <a:schemeClr val="accent1"/>
+            </a:fillRef>
+            <a:effectRef idx="1">
+              <a:schemeClr val="accent1"/>
+            </a:effectRef>
+            <a:fontRef idx="minor">
+              <a:schemeClr val="dk1"/>
+            </a:fontRef>
+          </p:style>
+          <p:txBody>
+            <a:bodyPr rtlCol="0" anchor="ctr"/>
+            <a:lstStyle/>
+            <a:p>
+              <a:pPr algn="ctr"/>
+              <a:r>
+                <a:rPr lang="fr-FR" dirty="0" smtClean="0"/>
+                <a:t>0</a:t>
+              </a:r>
+              <a:endParaRPr lang="fr-FR" dirty="0" smtClean="0"/>
+            </a:p>
+          </p:txBody>
+        </p:sp>
+        <p:grpSp>
+          <p:nvGrpSpPr>
+            <p:cNvPr id="14" name="Groupe 13"/>
+            <p:cNvGrpSpPr/>
+            <p:nvPr/>
+          </p:nvGrpSpPr>
+          <p:grpSpPr>
+            <a:xfrm>
+              <a:off x="5425738" y="2813466"/>
+              <a:ext cx="1404752" cy="2452412"/>
+              <a:chOff x="1075765" y="2796989"/>
+              <a:chExt cx="4222377" cy="2824162"/>
+            </a:xfrm>
+          </p:grpSpPr>
+          <p:sp>
+            <p:nvSpPr>
+              <p:cNvPr id="15" name="Rectangle 14"/>
+              <p:cNvSpPr/>
+              <p:nvPr/>
+            </p:nvSpPr>
+            <p:spPr>
+              <a:xfrm>
+                <a:off x="1075765" y="3164541"/>
+                <a:ext cx="4222377" cy="2456610"/>
+              </a:xfrm>
+              <a:prstGeom prst="rect">
+                <a:avLst/>
+              </a:prstGeom>
+            </p:spPr>
+            <p:style>
+              <a:lnRef idx="2">
+                <a:schemeClr val="accent3"/>
+              </a:lnRef>
+              <a:fillRef idx="1">
+                <a:schemeClr val="lt1"/>
+              </a:fillRef>
+              <a:effectRef idx="0">
+                <a:schemeClr val="accent3"/>
+              </a:effectRef>
+              <a:fontRef idx="minor">
+                <a:schemeClr val="dk1"/>
+              </a:fontRef>
+            </p:style>
+            <p:txBody>
+              <a:bodyPr rtlCol="0" anchor="ctr"/>
+              <a:lstStyle/>
+              <a:p>
+                <a:pPr algn="ctr"/>
+                <a:endParaRPr lang="fr-FR"/>
+              </a:p>
+            </p:txBody>
+          </p:sp>
+          <p:sp>
+            <p:nvSpPr>
+              <p:cNvPr id="16" name="Rectangle 15"/>
+              <p:cNvSpPr/>
+              <p:nvPr/>
+            </p:nvSpPr>
+            <p:spPr>
+              <a:xfrm>
+                <a:off x="1075765" y="2796989"/>
+                <a:ext cx="4222377" cy="367552"/>
+              </a:xfrm>
+              <a:prstGeom prst="rect">
+                <a:avLst/>
+              </a:prstGeom>
+            </p:spPr>
+            <p:style>
+              <a:lnRef idx="2">
+                <a:schemeClr val="accent3">
+                  <a:shade val="50000"/>
+                </a:schemeClr>
+              </a:lnRef>
+              <a:fillRef idx="1">
+                <a:schemeClr val="accent3"/>
+              </a:fillRef>
+              <a:effectRef idx="0">
+                <a:schemeClr val="accent3"/>
+              </a:effectRef>
+              <a:fontRef idx="minor">
+                <a:schemeClr val="lt1"/>
+              </a:fontRef>
+            </p:style>
+            <p:txBody>
+              <a:bodyPr rtlCol="0" anchor="ctr"/>
+              <a:lstStyle/>
+              <a:p>
+                <a:pPr algn="ctr"/>
+                <a:r>
+                  <a:rPr lang="fr-FR" dirty="0" smtClean="0"/>
+                  <a:t>Type </a:t>
+                </a:r>
+                <a:r>
+                  <a:rPr lang="fr-FR" dirty="0"/>
+                  <a:t>b</a:t>
+                </a:r>
+                <a:endParaRPr lang="fr-FR" dirty="0"/>
+              </a:p>
+            </p:txBody>
+          </p:sp>
+        </p:grpSp>
+        <p:sp>
+          <p:nvSpPr>
+            <p:cNvPr id="17" name="Rectangle 16"/>
+            <p:cNvSpPr/>
+            <p:nvPr/>
+          </p:nvSpPr>
+          <p:spPr>
+            <a:xfrm>
+              <a:off x="5776198" y="4583172"/>
+              <a:ext cx="699983" cy="555981"/>
+            </a:xfrm>
+            <a:prstGeom prst="rect">
+              <a:avLst/>
+            </a:prstGeom>
+          </p:spPr>
+          <p:style>
+            <a:lnRef idx="1">
+              <a:schemeClr val="dk1"/>
+            </a:lnRef>
+            <a:fillRef idx="2">
+              <a:schemeClr val="dk1"/>
+            </a:fillRef>
+            <a:effectRef idx="1">
+              <a:schemeClr val="dk1"/>
+            </a:effectRef>
+            <a:fontRef idx="minor">
+              <a:schemeClr val="dk1"/>
+            </a:fontRef>
+          </p:style>
+          <p:txBody>
+            <a:bodyPr rtlCol="0" anchor="ctr"/>
+            <a:lstStyle/>
+            <a:p>
+              <a:pPr algn="ctr"/>
+              <a:r>
+                <a:rPr lang="fr-FR" dirty="0" smtClean="0"/>
+                <a:t>0</a:t>
+              </a:r>
+              <a:endParaRPr lang="fr-FR" dirty="0" smtClean="0"/>
+            </a:p>
+          </p:txBody>
+        </p:sp>
+        <p:cxnSp>
+          <p:nvCxnSpPr>
+            <p:cNvPr id="18" name="Connecteur droit avec flèche 17"/>
+            <p:cNvCxnSpPr>
+              <a:stCxn id="13" idx="3"/>
+            </p:cNvCxnSpPr>
+            <p:nvPr/>
+          </p:nvCxnSpPr>
+          <p:spPr>
+            <a:xfrm>
+              <a:off x="4457483" y="3475586"/>
+              <a:ext cx="1318715" cy="699201"/>
+            </a:xfrm>
+            <a:prstGeom prst="straightConnector1">
+              <a:avLst/>
+            </a:prstGeom>
+            <a:ln>
+              <a:tailEnd type="triangle"/>
+            </a:ln>
+          </p:spPr>
+          <p:style>
+            <a:lnRef idx="3">
+              <a:schemeClr val="dk1"/>
+            </a:lnRef>
+            <a:fillRef idx="0">
+              <a:schemeClr val="dk1"/>
+            </a:fillRef>
+            <a:effectRef idx="2">
+              <a:schemeClr val="dk1"/>
+            </a:effectRef>
+            <a:fontRef idx="minor">
+              <a:schemeClr val="tx1"/>
+            </a:fontRef>
+          </p:style>
+        </p:cxnSp>
+        <p:sp>
+          <p:nvSpPr>
+            <p:cNvPr id="19" name="ZoneTexte 18"/>
+            <p:cNvSpPr txBox="1"/>
+            <p:nvPr/>
+          </p:nvSpPr>
+          <p:spPr>
+            <a:xfrm>
+              <a:off x="4643534" y="3459223"/>
+              <a:ext cx="920898" cy="369332"/>
+            </a:xfrm>
+            <a:prstGeom prst="rect">
+              <a:avLst/>
+            </a:prstGeom>
+            <a:noFill/>
+          </p:spPr>
+          <p:txBody>
+            <a:bodyPr wrap="square" rtlCol="0">
+              <a:spAutoFit/>
+            </a:bodyPr>
+            <a:lstStyle/>
+            <a:p>
+              <a:pPr algn="ctr"/>
+              <a:r>
+                <a:rPr lang="fr-FR" dirty="0" smtClean="0"/>
+                <a:t>f</a:t>
+              </a:r>
+              <a:endParaRPr lang="fr-FR" dirty="0"/>
+            </a:p>
+          </p:txBody>
+        </p:sp>
+        <p:sp>
+          <p:nvSpPr>
+            <p:cNvPr id="20" name="Rectangle 19"/>
+            <p:cNvSpPr/>
+            <p:nvPr/>
+          </p:nvSpPr>
+          <p:spPr>
+            <a:xfrm>
+              <a:off x="3658231" y="4566525"/>
+              <a:ext cx="798035" cy="621226"/>
+            </a:xfrm>
+            <a:prstGeom prst="rect">
+              <a:avLst/>
+            </a:prstGeom>
+          </p:spPr>
+          <p:style>
+            <a:lnRef idx="1">
+              <a:schemeClr val="accent6"/>
+            </a:lnRef>
+            <a:fillRef idx="2">
+              <a:schemeClr val="accent6"/>
+            </a:fillRef>
+            <a:effectRef idx="1">
+              <a:schemeClr val="accent6"/>
+            </a:effectRef>
+            <a:fontRef idx="minor">
+              <a:schemeClr val="dk1"/>
+            </a:fontRef>
+          </p:style>
+          <p:txBody>
+            <a:bodyPr rtlCol="0" anchor="ctr"/>
+            <a:lstStyle/>
+            <a:p>
+              <a:pPr algn="ctr"/>
+              <a:r>
+                <a:rPr lang="fr-FR" dirty="0"/>
+                <a:t>2</a:t>
+              </a:r>
+              <a:endParaRPr lang="fr-FR" dirty="0" smtClean="0"/>
+            </a:p>
+            <a:p>
+              <a:pPr algn="ctr"/>
+              <a:r>
+                <a:rPr lang="fr-FR" dirty="0" smtClean="0"/>
+                <a:t>= elt1</a:t>
+              </a:r>
+              <a:endParaRPr lang="fr-FR" dirty="0"/>
+            </a:p>
+          </p:txBody>
+        </p:sp>
+        <p:sp>
+          <p:nvSpPr>
+            <p:cNvPr id="29" name="Rectangle 28"/>
+            <p:cNvSpPr/>
+            <p:nvPr/>
+          </p:nvSpPr>
+          <p:spPr>
+            <a:xfrm>
+              <a:off x="5776198" y="3857904"/>
+              <a:ext cx="699983" cy="555981"/>
+            </a:xfrm>
+            <a:prstGeom prst="rect">
+              <a:avLst/>
+            </a:prstGeom>
+          </p:spPr>
+          <p:style>
+            <a:lnRef idx="1">
+              <a:schemeClr val="accent3"/>
+            </a:lnRef>
+            <a:fillRef idx="2">
+              <a:schemeClr val="accent3"/>
+            </a:fillRef>
+            <a:effectRef idx="1">
+              <a:schemeClr val="accent3"/>
+            </a:effectRef>
+            <a:fontRef idx="minor">
+              <a:schemeClr val="dk1"/>
+            </a:fontRef>
+          </p:style>
+          <p:txBody>
+            <a:bodyPr rtlCol="0" anchor="ctr"/>
+            <a:lstStyle/>
+            <a:p>
+              <a:pPr algn="ctr"/>
+              <a:r>
+                <a:rPr lang="fr-FR" dirty="0" smtClean="0"/>
+                <a:t>1</a:t>
+              </a:r>
+              <a:endParaRPr lang="fr-FR" dirty="0" smtClean="0"/>
+            </a:p>
+          </p:txBody>
+        </p:sp>
+        <p:cxnSp>
+          <p:nvCxnSpPr>
+            <p:cNvPr id="32" name="Connecteur droit avec flèche 31"/>
+            <p:cNvCxnSpPr>
+              <a:stCxn id="12" idx="3"/>
+              <a:endCxn id="29" idx="1"/>
+            </p:cNvCxnSpPr>
+            <p:nvPr/>
+          </p:nvCxnSpPr>
+          <p:spPr>
+            <a:xfrm flipV="1">
+              <a:off x="4447861" y="4135895"/>
+              <a:ext cx="1328337" cy="22739"/>
+            </a:xfrm>
+            <a:prstGeom prst="straightConnector1">
+              <a:avLst/>
+            </a:prstGeom>
+            <a:ln>
+              <a:tailEnd type="triangle"/>
+            </a:ln>
+          </p:spPr>
+          <p:style>
+            <a:lnRef idx="3">
+              <a:schemeClr val="dk1"/>
+            </a:lnRef>
+            <a:fillRef idx="0">
+              <a:schemeClr val="dk1"/>
+            </a:fillRef>
+            <a:effectRef idx="2">
+              <a:schemeClr val="dk1"/>
+            </a:effectRef>
+            <a:fontRef idx="minor">
+              <a:schemeClr val="tx1"/>
+            </a:fontRef>
+          </p:style>
+        </p:cxnSp>
+        <p:cxnSp>
+          <p:nvCxnSpPr>
+            <p:cNvPr id="41" name="Connecteur droit avec flèche 40"/>
+            <p:cNvCxnSpPr>
+              <a:stCxn id="20" idx="3"/>
+              <a:endCxn id="17" idx="1"/>
+            </p:cNvCxnSpPr>
+            <p:nvPr/>
+          </p:nvCxnSpPr>
+          <p:spPr>
+            <a:xfrm flipV="1">
+              <a:off x="4456266" y="4861163"/>
+              <a:ext cx="1319932" cy="15975"/>
+            </a:xfrm>
+            <a:prstGeom prst="straightConnector1">
+              <a:avLst/>
+            </a:prstGeom>
+            <a:ln>
+              <a:tailEnd type="triangle"/>
+            </a:ln>
+          </p:spPr>
+          <p:style>
+            <a:lnRef idx="3">
+              <a:schemeClr val="dk1"/>
+            </a:lnRef>
+            <a:fillRef idx="0">
+              <a:schemeClr val="dk1"/>
+            </a:fillRef>
+            <a:effectRef idx="2">
+              <a:schemeClr val="dk1"/>
+            </a:effectRef>
+            <a:fontRef idx="minor">
+              <a:schemeClr val="tx1"/>
+            </a:fontRef>
+          </p:style>
+        </p:cxnSp>
+        <p:sp>
+          <p:nvSpPr>
+            <p:cNvPr id="45" name="ZoneTexte 44"/>
+            <p:cNvSpPr txBox="1"/>
+            <p:nvPr/>
+          </p:nvSpPr>
+          <p:spPr>
+            <a:xfrm>
+              <a:off x="4651580" y="3815159"/>
+              <a:ext cx="920898" cy="369332"/>
+            </a:xfrm>
+            <a:prstGeom prst="rect">
+              <a:avLst/>
+            </a:prstGeom>
+            <a:noFill/>
+          </p:spPr>
+          <p:txBody>
+            <a:bodyPr wrap="square" rtlCol="0">
+              <a:spAutoFit/>
+            </a:bodyPr>
+            <a:lstStyle/>
+            <a:p>
+              <a:pPr algn="ctr"/>
+              <a:r>
+                <a:rPr lang="fr-FR" dirty="0" smtClean="0"/>
+                <a:t>f</a:t>
+              </a:r>
+              <a:endParaRPr lang="fr-FR" dirty="0"/>
+            </a:p>
+          </p:txBody>
+        </p:sp>
+        <p:sp>
+          <p:nvSpPr>
+            <p:cNvPr id="46" name="ZoneTexte 45"/>
+            <p:cNvSpPr txBox="1"/>
+            <p:nvPr/>
+          </p:nvSpPr>
+          <p:spPr>
+            <a:xfrm>
+              <a:off x="4654349" y="4517962"/>
+              <a:ext cx="920898" cy="369332"/>
+            </a:xfrm>
+            <a:prstGeom prst="rect">
+              <a:avLst/>
+            </a:prstGeom>
+            <a:noFill/>
+          </p:spPr>
+          <p:txBody>
+            <a:bodyPr wrap="square" rtlCol="0">
+              <a:spAutoFit/>
+            </a:bodyPr>
+            <a:lstStyle/>
+            <a:p>
+              <a:pPr algn="ctr"/>
+              <a:r>
+                <a:rPr lang="fr-FR" dirty="0" smtClean="0"/>
+                <a:t>f</a:t>
+              </a:r>
+              <a:endParaRPr lang="fr-FR" dirty="0"/>
+            </a:p>
+          </p:txBody>
+        </p:sp>
+      </p:grpSp>
+      <p:sp>
+        <p:nvSpPr>
+          <p:cNvPr id="3" name="ZoneTexte 2"/>
+          <p:cNvSpPr txBox="1"/>
+          <p:nvPr/>
+        </p:nvSpPr>
+        <p:spPr>
+          <a:xfrm>
+            <a:off x="1723910" y="3550384"/>
+            <a:ext cx="1294646" cy="1200329"/>
+          </a:xfrm>
+          <a:prstGeom prst="rect">
+            <a:avLst/>
+          </a:prstGeom>
+          <a:noFill/>
+        </p:spPr>
+        <p:txBody>
+          <a:bodyPr wrap="square" rtlCol="0">
+            <a:spAutoFit/>
+          </a:bodyPr>
+          <a:lstStyle/>
+          <a:p>
+            <a:r>
+              <a:rPr lang="fr-FR" dirty="0" smtClean="0"/>
+              <a:t>0:a~=1:a</a:t>
+            </a:r>
+          </a:p>
+          <a:p>
+            <a:r>
+              <a:rPr lang="fr-FR" dirty="0" smtClean="0"/>
+              <a:t>0:a~=2:a</a:t>
+            </a:r>
+          </a:p>
+          <a:p>
+            <a:r>
+              <a:rPr lang="fr-FR" dirty="0" smtClean="0"/>
+              <a:t>1:a~=2:a</a:t>
+            </a:r>
+          </a:p>
+          <a:p>
+            <a:r>
+              <a:rPr lang="fr-FR" dirty="0" smtClean="0"/>
+              <a:t>0:b~=1:b</a:t>
+            </a:r>
+            <a:endParaRPr lang="fr-FR" dirty="0"/>
           </a:p>
         </p:txBody>
       </p:sp>
     </p:spTree>
     <p:extLst>
       <p:ext uri="{BB962C8B-B14F-4D97-AF65-F5344CB8AC3E}">
-        <p14:creationId xmlns:p14="http://schemas.microsoft.com/office/powerpoint/2010/main" val="3956432947"/>
+        <p14:creationId xmlns:p14="http://schemas.microsoft.com/office/powerpoint/2010/main" val="3433518502"/>
       </p:ext>
     </p:extLst>
   </p:cSld>
   <p:clrMapOvr>
     <a:masterClrMapping/>
   </p:clrMapOvr>
+  <p:timing>
+    <p:tnLst>
+      <p:par>
+        <p:cTn id="1" dur="indefinite" restart="never" nodeType="tmRoot"/>
+      </p:par>
+    </p:tnLst>
+  </p:timing>
 </p:sld>
 </file>
 
@@ -6405,491 +9787,1621 @@
           <a:p>
             <a:r>
               <a:rPr lang="fr-FR" dirty="0" err="1" smtClean="0"/>
-              <a:t>Guarantees</a:t>
+              <a:t>Example</a:t>
+            </a:r>
+            <a:r>
+              <a:rPr lang="fr-FR" dirty="0" smtClean="0"/>
+              <a:t> 1</a:t>
             </a:r>
             <a:endParaRPr lang="fr-FR" dirty="0"/>
+          </a:p>
+        </p:txBody>
+      </p:sp>
+      <p:pic>
+        <p:nvPicPr>
+          <p:cNvPr id="7" name="Espace réservé du contenu 3"/>
+          <p:cNvPicPr>
+            <a:picLocks noChangeAspect="1"/>
+          </p:cNvPicPr>
+          <p:nvPr/>
+        </p:nvPicPr>
+        <p:blipFill rotWithShape="1">
+          <a:blip r:embed="rId2"/>
+          <a:srcRect r="43905" b="8304"/>
+          <a:stretch/>
+        </p:blipFill>
+        <p:spPr>
+          <a:xfrm>
+            <a:off x="8036859" y="365125"/>
+            <a:ext cx="3316941" cy="6215977"/>
+          </a:xfrm>
+          <a:prstGeom prst="rect">
+            <a:avLst/>
+          </a:prstGeom>
+        </p:spPr>
+      </p:pic>
+      <p:sp>
+        <p:nvSpPr>
+          <p:cNvPr id="9" name="ZoneTexte 8"/>
+          <p:cNvSpPr txBox="1"/>
+          <p:nvPr/>
+        </p:nvSpPr>
+        <p:spPr>
+          <a:xfrm>
+            <a:off x="838200" y="1590566"/>
+            <a:ext cx="6431733" cy="4247317"/>
+          </a:xfrm>
+          <a:prstGeom prst="rect">
+            <a:avLst/>
+          </a:prstGeom>
+          <a:noFill/>
+        </p:spPr>
+        <p:txBody>
+          <a:bodyPr wrap="square" rtlCol="0">
+            <a:spAutoFit/>
+          </a:bodyPr>
+          <a:lstStyle/>
+          <a:p>
+            <a:r>
+              <a:rPr lang="fr-FR" dirty="0" err="1" smtClean="0"/>
+              <a:t>We</a:t>
+            </a:r>
+            <a:r>
+              <a:rPr lang="fr-FR" dirty="0" smtClean="0"/>
+              <a:t> analyse the conjecture </a:t>
+            </a:r>
+            <a:r>
+              <a:rPr lang="fr-FR" dirty="0" err="1" smtClean="0"/>
+              <a:t>after</a:t>
+            </a:r>
+            <a:r>
+              <a:rPr lang="fr-FR" dirty="0" smtClean="0"/>
+              <a:t> the </a:t>
+            </a:r>
+            <a:r>
+              <a:rPr lang="fr-FR" dirty="0" err="1" smtClean="0"/>
+              <a:t>execution</a:t>
+            </a:r>
+            <a:r>
+              <a:rPr lang="fr-FR" dirty="0" smtClean="0"/>
+              <a:t> of change_elt1(0) and </a:t>
+            </a:r>
+            <a:r>
+              <a:rPr lang="fr-FR" dirty="0" err="1" smtClean="0"/>
+              <a:t>we</a:t>
+            </a:r>
+            <a:r>
+              <a:rPr lang="fr-FR" dirty="0" smtClean="0"/>
+              <a:t> </a:t>
+            </a:r>
+            <a:r>
+              <a:rPr lang="fr-FR" dirty="0" err="1" smtClean="0"/>
+              <a:t>try</a:t>
+            </a:r>
+            <a:r>
+              <a:rPr lang="fr-FR" dirty="0" smtClean="0"/>
+              <a:t> to </a:t>
+            </a:r>
+            <a:r>
+              <a:rPr lang="fr-FR" dirty="0" err="1" smtClean="0"/>
+              <a:t>highlight</a:t>
+            </a:r>
+            <a:r>
+              <a:rPr lang="fr-FR" dirty="0" smtClean="0"/>
+              <a:t> a set of </a:t>
+            </a:r>
+            <a:r>
+              <a:rPr lang="fr-FR" dirty="0" err="1" smtClean="0"/>
+              <a:t>constraints</a:t>
+            </a:r>
+            <a:r>
+              <a:rPr lang="fr-FR" dirty="0" smtClean="0"/>
+              <a:t> </a:t>
+            </a:r>
+            <a:r>
+              <a:rPr lang="fr-FR" dirty="0" err="1" smtClean="0"/>
+              <a:t>sufficient</a:t>
+            </a:r>
+            <a:r>
+              <a:rPr lang="fr-FR" dirty="0" smtClean="0"/>
+              <a:t> to break </a:t>
+            </a:r>
+            <a:r>
+              <a:rPr lang="fr-FR" dirty="0" err="1" smtClean="0"/>
+              <a:t>it</a:t>
+            </a:r>
+            <a:r>
+              <a:rPr lang="fr-FR" dirty="0" smtClean="0"/>
+              <a:t> (</a:t>
+            </a:r>
+            <a:r>
+              <a:rPr lang="fr-FR" dirty="0" err="1" smtClean="0"/>
+              <a:t>with</a:t>
+            </a:r>
+            <a:r>
+              <a:rPr lang="fr-FR" dirty="0" smtClean="0"/>
+              <a:t> as few </a:t>
+            </a:r>
+            <a:r>
+              <a:rPr lang="fr-FR" dirty="0" err="1" smtClean="0"/>
+              <a:t>constraints</a:t>
+            </a:r>
+            <a:r>
+              <a:rPr lang="fr-FR" dirty="0" smtClean="0"/>
+              <a:t> as possible).</a:t>
+            </a:r>
+          </a:p>
+          <a:p>
+            <a:endParaRPr lang="fr-FR" dirty="0"/>
+          </a:p>
+          <a:p>
+            <a:r>
+              <a:rPr lang="fr-FR" dirty="0" err="1" smtClean="0"/>
+              <a:t>Environment</a:t>
+            </a:r>
+            <a:r>
+              <a:rPr lang="fr-FR" dirty="0" smtClean="0"/>
+              <a:t> </a:t>
+            </a:r>
+            <a:r>
+              <a:rPr lang="fr-FR" dirty="0" err="1" smtClean="0"/>
+              <a:t>after</a:t>
+            </a:r>
+            <a:r>
+              <a:rPr lang="fr-FR" dirty="0" smtClean="0"/>
+              <a:t> the </a:t>
+            </a:r>
+            <a:r>
+              <a:rPr lang="fr-FR" dirty="0" err="1" smtClean="0"/>
+              <a:t>execution</a:t>
+            </a:r>
+            <a:r>
+              <a:rPr lang="fr-FR" dirty="0" smtClean="0"/>
+              <a:t>:</a:t>
+            </a:r>
+          </a:p>
+          <a:p>
+            <a:endParaRPr lang="fr-FR" dirty="0" smtClean="0"/>
+          </a:p>
+          <a:p>
+            <a:r>
+              <a:rPr lang="fr-FR" dirty="0" smtClean="0"/>
+              <a:t>elt1=0</a:t>
+            </a:r>
+            <a:endParaRPr lang="fr-FR" dirty="0"/>
+          </a:p>
+          <a:p>
+            <a:r>
+              <a:rPr lang="fr-FR" dirty="0"/>
+              <a:t>elt2=1</a:t>
+            </a:r>
+          </a:p>
+          <a:p>
+            <a:r>
+              <a:rPr lang="fr-FR" dirty="0"/>
+              <a:t>f(0)=1</a:t>
+            </a:r>
+            <a:br>
+              <a:rPr lang="fr-FR" dirty="0"/>
+            </a:br>
+            <a:r>
+              <a:rPr lang="fr-FR" dirty="0"/>
+              <a:t>f(1)=1</a:t>
+            </a:r>
+            <a:br>
+              <a:rPr lang="fr-FR" dirty="0"/>
+            </a:br>
+            <a:r>
+              <a:rPr lang="fr-FR" dirty="0"/>
+              <a:t>f(2)=0</a:t>
+            </a:r>
+          </a:p>
+          <a:p>
+            <a:endParaRPr lang="fr-FR" dirty="0" smtClean="0"/>
+          </a:p>
+          <a:p>
+            <a:endParaRPr lang="fr-FR" dirty="0" smtClean="0"/>
+          </a:p>
+          <a:p>
+            <a:r>
+              <a:rPr lang="fr-FR" dirty="0" err="1" smtClean="0"/>
+              <a:t>Then</a:t>
+            </a:r>
+            <a:r>
+              <a:rPr lang="fr-FR" dirty="0" smtClean="0"/>
+              <a:t> </a:t>
+            </a:r>
+            <a:r>
+              <a:rPr lang="fr-FR" dirty="0" err="1" smtClean="0"/>
+              <a:t>we</a:t>
+            </a:r>
+            <a:r>
+              <a:rPr lang="fr-FR" dirty="0" smtClean="0"/>
+              <a:t> roll back </a:t>
+            </a:r>
+            <a:r>
+              <a:rPr lang="fr-FR" dirty="0" err="1" smtClean="0"/>
+              <a:t>through</a:t>
+            </a:r>
+            <a:r>
+              <a:rPr lang="fr-FR" dirty="0" smtClean="0"/>
+              <a:t> the </a:t>
+            </a:r>
+            <a:r>
+              <a:rPr lang="fr-FR" dirty="0" err="1" smtClean="0"/>
+              <a:t>execution</a:t>
+            </a:r>
+            <a:r>
+              <a:rPr lang="fr-FR" dirty="0" smtClean="0"/>
+              <a:t> of change_elt1(0) and </a:t>
+            </a:r>
+            <a:r>
+              <a:rPr lang="fr-FR" dirty="0" err="1" smtClean="0"/>
+              <a:t>we</a:t>
+            </a:r>
+            <a:r>
+              <a:rPr lang="fr-FR" dirty="0" smtClean="0"/>
+              <a:t> update </a:t>
+            </a:r>
+            <a:r>
+              <a:rPr lang="fr-FR" dirty="0" err="1" smtClean="0"/>
+              <a:t>this</a:t>
+            </a:r>
+            <a:r>
+              <a:rPr lang="fr-FR" dirty="0" smtClean="0"/>
+              <a:t> set of </a:t>
+            </a:r>
+            <a:r>
+              <a:rPr lang="fr-FR" dirty="0" err="1" smtClean="0"/>
+              <a:t>constraints</a:t>
+            </a:r>
+            <a:r>
+              <a:rPr lang="fr-FR" dirty="0" smtClean="0"/>
+              <a:t>.</a:t>
+            </a:r>
+            <a:endParaRPr lang="fr-FR" dirty="0" smtClean="0"/>
           </a:p>
         </p:txBody>
       </p:sp>
       <p:sp>
         <p:nvSpPr>
-          <p:cNvPr id="3" name="Espace réservé du contenu 2"/>
-          <p:cNvSpPr>
-            <a:spLocks noGrp="1"/>
-          </p:cNvSpPr>
-          <p:nvPr>
-            <p:ph idx="1"/>
-          </p:nvPr>
+          <p:cNvPr id="24" name="ZoneTexte 23"/>
+          <p:cNvSpPr txBox="1"/>
+          <p:nvPr/>
         </p:nvSpPr>
-        <p:spPr/>
+        <p:spPr>
+          <a:xfrm>
+            <a:off x="1943035" y="3298290"/>
+            <a:ext cx="1294646" cy="1200329"/>
+          </a:xfrm>
+          <a:prstGeom prst="rect">
+            <a:avLst/>
+          </a:prstGeom>
+          <a:noFill/>
+        </p:spPr>
         <p:txBody>
-          <a:bodyPr>
-            <a:normAutofit lnSpcReduction="10000"/>
+          <a:bodyPr wrap="square" rtlCol="0">
+            <a:spAutoFit/>
           </a:bodyPr>
           <a:lstStyle/>
           <a:p>
             <a:r>
-              <a:rPr lang="fr-FR" dirty="0" err="1" smtClean="0"/>
-              <a:t>Correctness</a:t>
-            </a:r>
-            <a:r>
-              <a:rPr lang="fr-FR" dirty="0" smtClean="0"/>
-              <a:t>:</a:t>
-            </a:r>
-            <a:r>
-              <a:rPr lang="fr-FR" dirty="0"/>
-              <a:t/>
-            </a:r>
-            <a:br>
-              <a:rPr lang="fr-FR" dirty="0"/>
-            </a:br>
-            <a:r>
-              <a:rPr lang="fr-FR" dirty="0" err="1" smtClean="0"/>
-              <a:t>any</a:t>
-            </a:r>
-            <a:r>
-              <a:rPr lang="fr-FR" dirty="0" smtClean="0"/>
-              <a:t> invariant </a:t>
-            </a:r>
-            <a:r>
-              <a:rPr lang="fr-FR" dirty="0" err="1" smtClean="0"/>
-              <a:t>generated</a:t>
-            </a:r>
-            <a:r>
-              <a:rPr lang="fr-FR" dirty="0" smtClean="0"/>
-              <a:t> </a:t>
-            </a:r>
-            <a:r>
-              <a:rPr lang="fr-FR" dirty="0" err="1" smtClean="0"/>
-              <a:t>is</a:t>
-            </a:r>
-            <a:r>
-              <a:rPr lang="fr-FR" dirty="0" smtClean="0"/>
-              <a:t> correct, in the </a:t>
-            </a:r>
-            <a:r>
-              <a:rPr lang="fr-FR" dirty="0" err="1" smtClean="0"/>
-              <a:t>sense</a:t>
-            </a:r>
-            <a:r>
-              <a:rPr lang="fr-FR" dirty="0" smtClean="0"/>
-              <a:t> </a:t>
-            </a:r>
-            <a:r>
-              <a:rPr lang="fr-FR" dirty="0" err="1" smtClean="0"/>
-              <a:t>that</a:t>
-            </a:r>
-            <a:r>
-              <a:rPr lang="fr-FR" dirty="0" smtClean="0"/>
-              <a:t> </a:t>
-            </a:r>
-            <a:r>
-              <a:rPr lang="fr-FR" dirty="0" err="1" smtClean="0"/>
-              <a:t>it</a:t>
-            </a:r>
-            <a:r>
-              <a:rPr lang="fr-FR" dirty="0" smtClean="0"/>
-              <a:t> </a:t>
-            </a:r>
-            <a:r>
-              <a:rPr lang="fr-FR" dirty="0" err="1" smtClean="0"/>
-              <a:t>will</a:t>
-            </a:r>
-            <a:r>
-              <a:rPr lang="fr-FR" dirty="0" smtClean="0"/>
-              <a:t> </a:t>
-            </a:r>
-            <a:r>
-              <a:rPr lang="fr-FR" dirty="0" err="1" smtClean="0"/>
-              <a:t>always</a:t>
-            </a:r>
-            <a:r>
-              <a:rPr lang="fr-FR" dirty="0" smtClean="0"/>
-              <a:t> </a:t>
-            </a:r>
-            <a:r>
-              <a:rPr lang="fr-FR" dirty="0" err="1" smtClean="0"/>
-              <a:t>be</a:t>
-            </a:r>
-            <a:r>
-              <a:rPr lang="fr-FR" dirty="0" smtClean="0"/>
-              <a:t> </a:t>
-            </a:r>
-            <a:r>
-              <a:rPr lang="fr-FR" dirty="0" err="1" smtClean="0"/>
-              <a:t>satisfied</a:t>
-            </a:r>
-            <a:r>
-              <a:rPr lang="fr-FR" dirty="0" smtClean="0"/>
-              <a:t> in </a:t>
-            </a:r>
-            <a:r>
-              <a:rPr lang="fr-FR" dirty="0" err="1" smtClean="0"/>
-              <a:t>any</a:t>
-            </a:r>
-            <a:r>
-              <a:rPr lang="fr-FR" dirty="0" smtClean="0"/>
-              <a:t> </a:t>
-            </a:r>
-            <a:r>
-              <a:rPr lang="fr-FR" dirty="0" err="1" smtClean="0"/>
-              <a:t>execution</a:t>
-            </a:r>
-            <a:r>
-              <a:rPr lang="fr-FR" dirty="0" smtClean="0"/>
-              <a:t> (</a:t>
-            </a:r>
-            <a:r>
-              <a:rPr lang="fr-FR" dirty="0" err="1" smtClean="0"/>
-              <a:t>assuming</a:t>
-            </a:r>
-            <a:r>
-              <a:rPr lang="fr-FR" dirty="0" smtClean="0"/>
-              <a:t> </a:t>
-            </a:r>
-            <a:r>
-              <a:rPr lang="fr-FR" dirty="0" err="1" smtClean="0"/>
-              <a:t>that</a:t>
-            </a:r>
-            <a:r>
-              <a:rPr lang="fr-FR" dirty="0" smtClean="0"/>
-              <a:t> the initial set of invariants </a:t>
-            </a:r>
-            <a:r>
-              <a:rPr lang="fr-FR" dirty="0" err="1" smtClean="0"/>
-              <a:t>is</a:t>
-            </a:r>
-            <a:r>
-              <a:rPr lang="fr-FR" dirty="0" smtClean="0"/>
-              <a:t> </a:t>
-            </a:r>
-            <a:r>
-              <a:rPr lang="fr-FR" dirty="0" err="1" smtClean="0"/>
-              <a:t>also</a:t>
-            </a:r>
-            <a:r>
-              <a:rPr lang="fr-FR" dirty="0" smtClean="0"/>
-              <a:t> correct).</a:t>
-            </a:r>
-          </a:p>
-          <a:p>
+              <a:rPr lang="fr-FR" dirty="0" smtClean="0"/>
+              <a:t>0:a~=1:a</a:t>
+            </a:r>
+          </a:p>
+          <a:p>
+            <a:r>
+              <a:rPr lang="fr-FR" dirty="0" smtClean="0"/>
+              <a:t>0:a~=2:a</a:t>
+            </a:r>
+          </a:p>
+          <a:p>
+            <a:r>
+              <a:rPr lang="fr-FR" dirty="0" smtClean="0"/>
+              <a:t>1:a~=2:a</a:t>
+            </a:r>
+          </a:p>
+          <a:p>
+            <a:r>
+              <a:rPr lang="fr-FR" dirty="0" smtClean="0"/>
+              <a:t>0:b~=1:b</a:t>
+            </a:r>
             <a:endParaRPr lang="fr-FR" dirty="0"/>
           </a:p>
-          <a:p>
-            <a:r>
-              <a:rPr lang="fr-FR" i="1" dirty="0" err="1" smtClean="0"/>
-              <a:t>Completeness</a:t>
-            </a:r>
-            <a:r>
-              <a:rPr lang="fr-FR" dirty="0" smtClean="0"/>
-              <a:t>:</a:t>
-            </a:r>
-            <a:br>
-              <a:rPr lang="fr-FR" dirty="0" smtClean="0"/>
-            </a:br>
-            <a:r>
-              <a:rPr lang="fr-FR" dirty="0" smtClean="0"/>
-              <a:t>If </a:t>
-            </a:r>
-            <a:r>
-              <a:rPr lang="fr-FR" dirty="0" err="1" smtClean="0"/>
-              <a:t>some</a:t>
-            </a:r>
-            <a:r>
-              <a:rPr lang="fr-FR" dirty="0" smtClean="0"/>
-              <a:t> </a:t>
-            </a:r>
-            <a:r>
-              <a:rPr lang="fr-FR" dirty="0" err="1" smtClean="0"/>
-              <a:t>valid</a:t>
-            </a:r>
-            <a:r>
-              <a:rPr lang="fr-FR" dirty="0" smtClean="0"/>
-              <a:t> </a:t>
-            </a:r>
-            <a:r>
-              <a:rPr lang="fr-FR" dirty="0" err="1" smtClean="0"/>
-              <a:t>universal</a:t>
-            </a:r>
-            <a:r>
-              <a:rPr lang="fr-FR" dirty="0" smtClean="0"/>
-              <a:t> invariant </a:t>
-            </a:r>
-            <a:r>
-              <a:rPr lang="fr-FR" dirty="0" err="1" smtClean="0"/>
-              <a:t>exist</a:t>
-            </a:r>
-            <a:r>
-              <a:rPr lang="fr-FR" dirty="0" smtClean="0"/>
-              <a:t>, one </a:t>
-            </a:r>
-            <a:r>
-              <a:rPr lang="fr-FR" dirty="0" err="1" smtClean="0"/>
-              <a:t>will</a:t>
-            </a:r>
-            <a:r>
-              <a:rPr lang="fr-FR" dirty="0" smtClean="0"/>
-              <a:t> </a:t>
-            </a:r>
-            <a:r>
-              <a:rPr lang="fr-FR" dirty="0" err="1" smtClean="0"/>
-              <a:t>always</a:t>
-            </a:r>
-            <a:r>
-              <a:rPr lang="fr-FR" dirty="0" smtClean="0"/>
-              <a:t> </a:t>
-            </a:r>
-            <a:r>
-              <a:rPr lang="fr-FR" dirty="0" err="1" smtClean="0"/>
-              <a:t>be</a:t>
-            </a:r>
-            <a:r>
-              <a:rPr lang="fr-FR" dirty="0" smtClean="0"/>
-              <a:t> </a:t>
-            </a:r>
-            <a:r>
-              <a:rPr lang="fr-FR" dirty="0" err="1" smtClean="0"/>
-              <a:t>proposed</a:t>
-            </a:r>
-            <a:r>
-              <a:rPr lang="fr-FR" dirty="0" smtClean="0"/>
-              <a:t>.</a:t>
-            </a:r>
-            <a:br>
-              <a:rPr lang="fr-FR" dirty="0" smtClean="0"/>
-            </a:br>
-            <a:r>
-              <a:rPr lang="fr-FR" dirty="0" smtClean="0"/>
-              <a:t>If a </a:t>
-            </a:r>
-            <a:r>
-              <a:rPr lang="fr-FR" dirty="0" smtClean="0">
-                <a:solidFill>
-                  <a:schemeClr val="dk1"/>
-                </a:solidFill>
-              </a:rPr>
-              <a:t>∀∃ formula </a:t>
-            </a:r>
-            <a:r>
-              <a:rPr lang="fr-FR" dirty="0" err="1" smtClean="0">
-                <a:solidFill>
-                  <a:schemeClr val="dk1"/>
-                </a:solidFill>
-              </a:rPr>
-              <a:t>is</a:t>
-            </a:r>
-            <a:r>
-              <a:rPr lang="fr-FR" dirty="0" smtClean="0">
-                <a:solidFill>
-                  <a:schemeClr val="dk1"/>
-                </a:solidFill>
-              </a:rPr>
-              <a:t> </a:t>
-            </a:r>
-            <a:r>
-              <a:rPr lang="fr-FR" dirty="0" err="1" smtClean="0">
-                <a:solidFill>
-                  <a:schemeClr val="dk1"/>
-                </a:solidFill>
-              </a:rPr>
-              <a:t>needed</a:t>
-            </a:r>
-            <a:r>
-              <a:rPr lang="fr-FR" dirty="0" smtClean="0">
-                <a:solidFill>
-                  <a:schemeClr val="dk1"/>
-                </a:solidFill>
-              </a:rPr>
-              <a:t>, one </a:t>
-            </a:r>
-            <a:r>
-              <a:rPr lang="fr-FR" dirty="0" err="1" smtClean="0">
-                <a:solidFill>
-                  <a:schemeClr val="dk1"/>
-                </a:solidFill>
-              </a:rPr>
-              <a:t>may</a:t>
-            </a:r>
-            <a:r>
-              <a:rPr lang="fr-FR" dirty="0" smtClean="0">
-                <a:solidFill>
-                  <a:schemeClr val="dk1"/>
-                </a:solidFill>
-              </a:rPr>
-              <a:t> </a:t>
-            </a:r>
-            <a:r>
-              <a:rPr lang="fr-FR" dirty="0" err="1" smtClean="0">
-                <a:solidFill>
-                  <a:schemeClr val="dk1"/>
-                </a:solidFill>
-              </a:rPr>
-              <a:t>be</a:t>
-            </a:r>
-            <a:r>
-              <a:rPr lang="fr-FR" dirty="0" smtClean="0">
-                <a:solidFill>
-                  <a:schemeClr val="dk1"/>
-                </a:solidFill>
-              </a:rPr>
-              <a:t> </a:t>
-            </a:r>
-            <a:r>
-              <a:rPr lang="fr-FR" dirty="0" err="1" smtClean="0">
-                <a:solidFill>
-                  <a:schemeClr val="dk1"/>
-                </a:solidFill>
-              </a:rPr>
-              <a:t>proposed</a:t>
-            </a:r>
-            <a:r>
-              <a:rPr lang="fr-FR" dirty="0" smtClean="0">
-                <a:solidFill>
-                  <a:schemeClr val="dk1"/>
-                </a:solidFill>
-              </a:rPr>
-              <a:t> (</a:t>
-            </a:r>
-            <a:r>
-              <a:rPr lang="fr-FR" dirty="0" err="1" smtClean="0">
-                <a:solidFill>
-                  <a:schemeClr val="dk1"/>
-                </a:solidFill>
-              </a:rPr>
-              <a:t>still</a:t>
-            </a:r>
-            <a:r>
-              <a:rPr lang="fr-FR" dirty="0" smtClean="0">
-                <a:solidFill>
-                  <a:schemeClr val="dk1"/>
-                </a:solidFill>
-              </a:rPr>
-              <a:t> </a:t>
-            </a:r>
-            <a:r>
-              <a:rPr lang="fr-FR" dirty="0" err="1" smtClean="0">
-                <a:solidFill>
-                  <a:schemeClr val="dk1"/>
-                </a:solidFill>
-              </a:rPr>
-              <a:t>need</a:t>
-            </a:r>
-            <a:r>
-              <a:rPr lang="fr-FR" dirty="0" smtClean="0">
-                <a:solidFill>
-                  <a:schemeClr val="dk1"/>
-                </a:solidFill>
-              </a:rPr>
-              <a:t> to </a:t>
-            </a:r>
-            <a:r>
-              <a:rPr lang="fr-FR" dirty="0" err="1" smtClean="0">
-                <a:solidFill>
-                  <a:schemeClr val="dk1"/>
-                </a:solidFill>
-              </a:rPr>
-              <a:t>be</a:t>
-            </a:r>
-            <a:r>
-              <a:rPr lang="fr-FR" dirty="0" smtClean="0">
-                <a:solidFill>
-                  <a:schemeClr val="dk1"/>
-                </a:solidFill>
-              </a:rPr>
-              <a:t> </a:t>
-            </a:r>
-            <a:r>
-              <a:rPr lang="fr-FR" dirty="0" err="1" smtClean="0">
-                <a:solidFill>
-                  <a:schemeClr val="dk1"/>
-                </a:solidFill>
-              </a:rPr>
-              <a:t>characterized</a:t>
-            </a:r>
-            <a:r>
-              <a:rPr lang="fr-FR" dirty="0" smtClean="0">
-                <a:solidFill>
-                  <a:schemeClr val="dk1"/>
-                </a:solidFill>
-              </a:rPr>
-              <a:t>).</a:t>
-            </a:r>
-            <a:r>
-              <a:rPr lang="fr-FR" dirty="0"/>
-              <a:t/>
-            </a:r>
-            <a:br>
-              <a:rPr lang="fr-FR" dirty="0"/>
-            </a:br>
-            <a:r>
-              <a:rPr lang="fr-FR" dirty="0" err="1" smtClean="0"/>
-              <a:t>Guarantees</a:t>
-            </a:r>
-            <a:r>
-              <a:rPr lang="fr-FR" dirty="0" smtClean="0"/>
-              <a:t> on the </a:t>
-            </a:r>
-            <a:r>
-              <a:rPr lang="fr-FR" dirty="0" err="1" smtClean="0"/>
-              <a:t>generality</a:t>
-            </a:r>
-            <a:r>
-              <a:rPr lang="fr-FR" dirty="0" smtClean="0"/>
-              <a:t> of the invariant </a:t>
-            </a:r>
-            <a:r>
-              <a:rPr lang="fr-FR" dirty="0" err="1" smtClean="0"/>
-              <a:t>generated</a:t>
-            </a:r>
-            <a:r>
-              <a:rPr lang="fr-FR" dirty="0" smtClean="0"/>
-              <a:t> </a:t>
-            </a:r>
-            <a:r>
-              <a:rPr lang="fr-FR" dirty="0" err="1" smtClean="0"/>
-              <a:t>still</a:t>
-            </a:r>
-            <a:r>
-              <a:rPr lang="fr-FR" dirty="0" smtClean="0"/>
-              <a:t> </a:t>
-            </a:r>
-            <a:r>
-              <a:rPr lang="fr-FR" dirty="0" err="1" smtClean="0"/>
-              <a:t>need</a:t>
-            </a:r>
-            <a:r>
-              <a:rPr lang="fr-FR" dirty="0" smtClean="0"/>
-              <a:t> to </a:t>
-            </a:r>
-            <a:r>
-              <a:rPr lang="fr-FR" dirty="0" err="1" smtClean="0"/>
-              <a:t>be</a:t>
-            </a:r>
-            <a:r>
-              <a:rPr lang="fr-FR" dirty="0" smtClean="0"/>
-              <a:t> </a:t>
-            </a:r>
-            <a:r>
-              <a:rPr lang="fr-FR" dirty="0" err="1" smtClean="0"/>
-              <a:t>characterized</a:t>
-            </a:r>
-            <a:r>
-              <a:rPr lang="fr-FR" dirty="0" smtClean="0"/>
-              <a:t>.</a:t>
-            </a:r>
+        </p:txBody>
+      </p:sp>
+      <p:pic>
+        <p:nvPicPr>
+          <p:cNvPr id="25" name="Espace réservé du contenu 3"/>
+          <p:cNvPicPr>
+            <a:picLocks noChangeAspect="1"/>
+          </p:cNvPicPr>
+          <p:nvPr/>
+        </p:nvPicPr>
+        <p:blipFill rotWithShape="1">
+          <a:blip r:embed="rId2"/>
+          <a:srcRect t="87543" r="41773" b="8441"/>
+          <a:stretch/>
+        </p:blipFill>
+        <p:spPr>
+          <a:xfrm>
+            <a:off x="3357284" y="3575725"/>
+            <a:ext cx="4081938" cy="322730"/>
+          </a:xfrm>
+          <a:prstGeom prst="rect">
+            <a:avLst/>
+          </a:prstGeom>
+        </p:spPr>
+      </p:pic>
+      <p:sp>
+        <p:nvSpPr>
+          <p:cNvPr id="27" name="Rectangle 26"/>
+          <p:cNvSpPr/>
+          <p:nvPr/>
+        </p:nvSpPr>
+        <p:spPr>
+          <a:xfrm>
+            <a:off x="847252" y="3232087"/>
+            <a:ext cx="764263" cy="1203890"/>
+          </a:xfrm>
+          <a:prstGeom prst="rect">
+            <a:avLst/>
+          </a:prstGeom>
+          <a:noFill/>
+        </p:spPr>
+        <p:style>
+          <a:lnRef idx="2">
+            <a:schemeClr val="accent6"/>
+          </a:lnRef>
+          <a:fillRef idx="1">
+            <a:schemeClr val="lt1"/>
+          </a:fillRef>
+          <a:effectRef idx="0">
+            <a:schemeClr val="accent6"/>
+          </a:effectRef>
+          <a:fontRef idx="minor">
+            <a:schemeClr val="dk1"/>
+          </a:fontRef>
+        </p:style>
+        <p:txBody>
+          <a:bodyPr rtlCol="0" anchor="ctr"/>
+          <a:lstStyle/>
+          <a:p>
+            <a:pPr algn="ctr"/>
+            <a:endParaRPr lang="fr-FR"/>
           </a:p>
         </p:txBody>
       </p:sp>
     </p:spTree>
     <p:extLst>
       <p:ext uri="{BB962C8B-B14F-4D97-AF65-F5344CB8AC3E}">
-        <p14:creationId xmlns:p14="http://schemas.microsoft.com/office/powerpoint/2010/main" val="1234709914"/>
+        <p14:creationId xmlns:p14="http://schemas.microsoft.com/office/powerpoint/2010/main" val="1004538206"/>
       </p:ext>
     </p:extLst>
   </p:cSld>
   <p:clrMapOvr>
     <a:masterClrMapping/>
   </p:clrMapOvr>
+  <p:timing>
+    <p:tnLst>
+      <p:par>
+        <p:cTn id="1" dur="indefinite" restart="never" nodeType="tmRoot"/>
+      </p:par>
+    </p:tnLst>
+  </p:timing>
+</p:sld>
+</file>
+
+<file path=ppt/slides/slide19.xml><?xml version="1.0" encoding="utf-8"?>
+<p:sld xmlns:a="http://schemas.openxmlformats.org/drawingml/2006/main" xmlns:r="http://schemas.openxmlformats.org/officeDocument/2006/relationships" xmlns:p="http://schemas.openxmlformats.org/presentationml/2006/main">
+  <p:cSld>
+    <p:spTree>
+      <p:nvGrpSpPr>
+        <p:cNvPr id="1" name=""/>
+        <p:cNvGrpSpPr/>
+        <p:nvPr/>
+      </p:nvGrpSpPr>
+      <p:grpSpPr>
+        <a:xfrm>
+          <a:off x="0" y="0"/>
+          <a:ext cx="0" cy="0"/>
+          <a:chOff x="0" y="0"/>
+          <a:chExt cx="0" cy="0"/>
+        </a:xfrm>
+      </p:grpSpPr>
+      <p:sp>
+        <p:nvSpPr>
+          <p:cNvPr id="2" name="Titre 1"/>
+          <p:cNvSpPr>
+            <a:spLocks noGrp="1"/>
+          </p:cNvSpPr>
+          <p:nvPr>
+            <p:ph type="title"/>
+          </p:nvPr>
+        </p:nvSpPr>
+        <p:spPr/>
+        <p:txBody>
+          <a:bodyPr/>
+          <a:lstStyle/>
+          <a:p>
+            <a:r>
+              <a:rPr lang="fr-FR" dirty="0" err="1" smtClean="0"/>
+              <a:t>Example</a:t>
+            </a:r>
+            <a:r>
+              <a:rPr lang="fr-FR" dirty="0" smtClean="0"/>
+              <a:t> 1</a:t>
+            </a:r>
+            <a:endParaRPr lang="fr-FR" dirty="0"/>
+          </a:p>
+        </p:txBody>
+      </p:sp>
+      <p:pic>
+        <p:nvPicPr>
+          <p:cNvPr id="7" name="Espace réservé du contenu 3"/>
+          <p:cNvPicPr>
+            <a:picLocks noChangeAspect="1"/>
+          </p:cNvPicPr>
+          <p:nvPr/>
+        </p:nvPicPr>
+        <p:blipFill rotWithShape="1">
+          <a:blip r:embed="rId2"/>
+          <a:srcRect r="43905" b="8304"/>
+          <a:stretch/>
+        </p:blipFill>
+        <p:spPr>
+          <a:xfrm>
+            <a:off x="8036859" y="365125"/>
+            <a:ext cx="3316941" cy="6215977"/>
+          </a:xfrm>
+          <a:prstGeom prst="rect">
+            <a:avLst/>
+          </a:prstGeom>
+        </p:spPr>
+      </p:pic>
+      <p:sp>
+        <p:nvSpPr>
+          <p:cNvPr id="9" name="ZoneTexte 8"/>
+          <p:cNvSpPr txBox="1"/>
+          <p:nvPr/>
+        </p:nvSpPr>
+        <p:spPr>
+          <a:xfrm>
+            <a:off x="838200" y="1533506"/>
+            <a:ext cx="909119" cy="2585323"/>
+          </a:xfrm>
+          <a:prstGeom prst="rect">
+            <a:avLst/>
+          </a:prstGeom>
+          <a:noFill/>
+        </p:spPr>
+        <p:txBody>
+          <a:bodyPr wrap="square" rtlCol="0">
+            <a:spAutoFit/>
+          </a:bodyPr>
+          <a:lstStyle/>
+          <a:p>
+            <a:endParaRPr lang="fr-FR" dirty="0" smtClean="0"/>
+          </a:p>
+          <a:p>
+            <a:r>
+              <a:rPr lang="fr-FR" dirty="0" smtClean="0"/>
+              <a:t>elt1=0</a:t>
+            </a:r>
+            <a:endParaRPr lang="fr-FR" dirty="0"/>
+          </a:p>
+          <a:p>
+            <a:r>
+              <a:rPr lang="fr-FR" dirty="0"/>
+              <a:t>elt2=1</a:t>
+            </a:r>
+          </a:p>
+          <a:p>
+            <a:r>
+              <a:rPr lang="fr-FR" dirty="0"/>
+              <a:t>f(0)=1</a:t>
+            </a:r>
+            <a:br>
+              <a:rPr lang="fr-FR" dirty="0"/>
+            </a:br>
+            <a:r>
+              <a:rPr lang="fr-FR" dirty="0"/>
+              <a:t>f(1)=1</a:t>
+            </a:r>
+            <a:br>
+              <a:rPr lang="fr-FR" dirty="0"/>
+            </a:br>
+            <a:r>
+              <a:rPr lang="fr-FR" dirty="0"/>
+              <a:t>f(2)=</a:t>
+            </a:r>
+            <a:r>
+              <a:rPr lang="fr-FR" dirty="0" smtClean="0"/>
+              <a:t>0</a:t>
+            </a:r>
+          </a:p>
+          <a:p>
+            <a:r>
+              <a:rPr lang="fr-FR" dirty="0" err="1"/>
+              <a:t>e</a:t>
+            </a:r>
+            <a:r>
+              <a:rPr lang="fr-FR" dirty="0" err="1" smtClean="0"/>
+              <a:t>lt</a:t>
+            </a:r>
+            <a:r>
+              <a:rPr lang="fr-FR" dirty="0" smtClean="0"/>
+              <a:t>=0</a:t>
+            </a:r>
+            <a:endParaRPr lang="fr-FR" dirty="0"/>
+          </a:p>
+          <a:p>
+            <a:endParaRPr lang="fr-FR" dirty="0" smtClean="0"/>
+          </a:p>
+          <a:p>
+            <a:endParaRPr lang="fr-FR" dirty="0" smtClean="0"/>
+          </a:p>
+        </p:txBody>
+      </p:sp>
+      <p:grpSp>
+        <p:nvGrpSpPr>
+          <p:cNvPr id="13" name="Groupe 12"/>
+          <p:cNvGrpSpPr/>
+          <p:nvPr/>
+        </p:nvGrpSpPr>
+        <p:grpSpPr>
+          <a:xfrm>
+            <a:off x="838201" y="1866437"/>
+            <a:ext cx="2345159" cy="1385182"/>
+            <a:chOff x="838201" y="1866437"/>
+            <a:chExt cx="2345159" cy="1385182"/>
+          </a:xfrm>
+        </p:grpSpPr>
+        <p:sp>
+          <p:nvSpPr>
+            <p:cNvPr id="24" name="ZoneTexte 23"/>
+            <p:cNvSpPr txBox="1"/>
+            <p:nvPr/>
+          </p:nvSpPr>
+          <p:spPr>
+            <a:xfrm>
+              <a:off x="1888714" y="2051290"/>
+              <a:ext cx="1294646" cy="1200329"/>
+            </a:xfrm>
+            <a:prstGeom prst="rect">
+              <a:avLst/>
+            </a:prstGeom>
+            <a:noFill/>
+          </p:spPr>
+          <p:txBody>
+            <a:bodyPr wrap="square" rtlCol="0">
+              <a:spAutoFit/>
+            </a:bodyPr>
+            <a:lstStyle/>
+            <a:p>
+              <a:r>
+                <a:rPr lang="fr-FR" dirty="0" smtClean="0"/>
+                <a:t>0:a~=1:a</a:t>
+              </a:r>
+            </a:p>
+            <a:p>
+              <a:r>
+                <a:rPr lang="fr-FR" dirty="0" smtClean="0"/>
+                <a:t>0:a~=2:a</a:t>
+              </a:r>
+            </a:p>
+            <a:p>
+              <a:r>
+                <a:rPr lang="fr-FR" dirty="0" smtClean="0"/>
+                <a:t>1:a~=2:a</a:t>
+              </a:r>
+            </a:p>
+            <a:p>
+              <a:r>
+                <a:rPr lang="fr-FR" dirty="0" smtClean="0"/>
+                <a:t>0:b~=1:b</a:t>
+              </a:r>
+              <a:endParaRPr lang="fr-FR" dirty="0"/>
+            </a:p>
+          </p:txBody>
+        </p:sp>
+        <p:sp>
+          <p:nvSpPr>
+            <p:cNvPr id="3" name="Rectangle 2"/>
+            <p:cNvSpPr/>
+            <p:nvPr/>
+          </p:nvSpPr>
+          <p:spPr>
+            <a:xfrm>
+              <a:off x="838201" y="1866437"/>
+              <a:ext cx="764263" cy="1031365"/>
+            </a:xfrm>
+            <a:prstGeom prst="rect">
+              <a:avLst/>
+            </a:prstGeom>
+            <a:noFill/>
+          </p:spPr>
+          <p:style>
+            <a:lnRef idx="2">
+              <a:schemeClr val="accent6"/>
+            </a:lnRef>
+            <a:fillRef idx="1">
+              <a:schemeClr val="lt1"/>
+            </a:fillRef>
+            <a:effectRef idx="0">
+              <a:schemeClr val="accent6"/>
+            </a:effectRef>
+            <a:fontRef idx="minor">
+              <a:schemeClr val="dk1"/>
+            </a:fontRef>
+          </p:style>
+          <p:txBody>
+            <a:bodyPr rtlCol="0" anchor="ctr"/>
+            <a:lstStyle/>
+            <a:p>
+              <a:pPr algn="ctr"/>
+              <a:endParaRPr lang="fr-FR"/>
+            </a:p>
+          </p:txBody>
+        </p:sp>
+      </p:grpSp>
+      <p:pic>
+        <p:nvPicPr>
+          <p:cNvPr id="10" name="Espace réservé du contenu 3"/>
+          <p:cNvPicPr>
+            <a:picLocks noChangeAspect="1"/>
+          </p:cNvPicPr>
+          <p:nvPr/>
+        </p:nvPicPr>
+        <p:blipFill rotWithShape="1">
+          <a:blip r:embed="rId2"/>
+          <a:srcRect l="6960" t="63341" r="68236" b="33452"/>
+          <a:stretch/>
+        </p:blipFill>
+        <p:spPr>
+          <a:xfrm>
+            <a:off x="3306074" y="2803786"/>
+            <a:ext cx="1466661" cy="217284"/>
+          </a:xfrm>
+          <a:prstGeom prst="rect">
+            <a:avLst/>
+          </a:prstGeom>
+        </p:spPr>
+      </p:pic>
+      <p:cxnSp>
+        <p:nvCxnSpPr>
+          <p:cNvPr id="5" name="Connecteur droit avec flèche 4"/>
+          <p:cNvCxnSpPr/>
+          <p:nvPr/>
+        </p:nvCxnSpPr>
+        <p:spPr>
+          <a:xfrm flipH="1" flipV="1">
+            <a:off x="1508612" y="3417513"/>
+            <a:ext cx="1135000" cy="324678"/>
+          </a:xfrm>
+          <a:prstGeom prst="straightConnector1">
+            <a:avLst/>
+          </a:prstGeom>
+          <a:ln>
+            <a:tailEnd type="triangle"/>
+          </a:ln>
+        </p:spPr>
+        <p:style>
+          <a:lnRef idx="1">
+            <a:schemeClr val="accent1"/>
+          </a:lnRef>
+          <a:fillRef idx="0">
+            <a:schemeClr val="accent1"/>
+          </a:fillRef>
+          <a:effectRef idx="0">
+            <a:schemeClr val="accent1"/>
+          </a:effectRef>
+          <a:fontRef idx="minor">
+            <a:schemeClr val="tx1"/>
+          </a:fontRef>
+        </p:style>
+      </p:cxnSp>
+      <p:sp>
+        <p:nvSpPr>
+          <p:cNvPr id="6" name="ZoneTexte 5"/>
+          <p:cNvSpPr txBox="1"/>
+          <p:nvPr/>
+        </p:nvSpPr>
+        <p:spPr>
+          <a:xfrm>
+            <a:off x="2522457" y="3591843"/>
+            <a:ext cx="2520323" cy="369332"/>
+          </a:xfrm>
+          <a:prstGeom prst="rect">
+            <a:avLst/>
+          </a:prstGeom>
+          <a:noFill/>
+        </p:spPr>
+        <p:txBody>
+          <a:bodyPr wrap="square" rtlCol="0">
+            <a:spAutoFit/>
+          </a:bodyPr>
+          <a:lstStyle/>
+          <a:p>
+            <a:pPr algn="ctr"/>
+            <a:r>
+              <a:rPr lang="fr-FR" dirty="0" smtClean="0"/>
+              <a:t>Argument of the action</a:t>
+            </a:r>
+          </a:p>
+        </p:txBody>
+      </p:sp>
+      <p:cxnSp>
+        <p:nvCxnSpPr>
+          <p:cNvPr id="11" name="Connecteur droit avec flèche 10"/>
+          <p:cNvCxnSpPr>
+            <a:endCxn id="24" idx="3"/>
+          </p:cNvCxnSpPr>
+          <p:nvPr/>
+        </p:nvCxnSpPr>
+        <p:spPr>
+          <a:xfrm flipH="1" flipV="1">
+            <a:off x="3183360" y="2651455"/>
+            <a:ext cx="1859420" cy="1210"/>
+          </a:xfrm>
+          <a:prstGeom prst="straightConnector1">
+            <a:avLst/>
+          </a:prstGeom>
+          <a:ln>
+            <a:tailEnd type="triangle"/>
+          </a:ln>
+        </p:spPr>
+        <p:style>
+          <a:lnRef idx="1">
+            <a:schemeClr val="accent1"/>
+          </a:lnRef>
+          <a:fillRef idx="0">
+            <a:schemeClr val="accent1"/>
+          </a:fillRef>
+          <a:effectRef idx="0">
+            <a:schemeClr val="accent1"/>
+          </a:effectRef>
+          <a:fontRef idx="minor">
+            <a:schemeClr val="tx1"/>
+          </a:fontRef>
+        </p:style>
+      </p:cxnSp>
+      <p:pic>
+        <p:nvPicPr>
+          <p:cNvPr id="38" name="Espace réservé du contenu 3"/>
+          <p:cNvPicPr>
+            <a:picLocks noChangeAspect="1"/>
+          </p:cNvPicPr>
+          <p:nvPr/>
+        </p:nvPicPr>
+        <p:blipFill rotWithShape="1">
+          <a:blip r:embed="rId2"/>
+          <a:srcRect l="7833" t="60070" r="50369" b="36726"/>
+          <a:stretch/>
+        </p:blipFill>
+        <p:spPr>
+          <a:xfrm>
+            <a:off x="2909025" y="5335121"/>
+            <a:ext cx="2471595" cy="217285"/>
+          </a:xfrm>
+          <a:prstGeom prst="rect">
+            <a:avLst/>
+          </a:prstGeom>
+        </p:spPr>
+      </p:pic>
+      <p:cxnSp>
+        <p:nvCxnSpPr>
+          <p:cNvPr id="64" name="Connecteur droit avec flèche 63"/>
+          <p:cNvCxnSpPr/>
+          <p:nvPr/>
+        </p:nvCxnSpPr>
+        <p:spPr>
+          <a:xfrm flipH="1" flipV="1">
+            <a:off x="2994804" y="5172103"/>
+            <a:ext cx="1859420" cy="1210"/>
+          </a:xfrm>
+          <a:prstGeom prst="straightConnector1">
+            <a:avLst/>
+          </a:prstGeom>
+          <a:ln>
+            <a:tailEnd type="triangle"/>
+          </a:ln>
+        </p:spPr>
+        <p:style>
+          <a:lnRef idx="1">
+            <a:schemeClr val="accent1"/>
+          </a:lnRef>
+          <a:fillRef idx="0">
+            <a:schemeClr val="accent1"/>
+          </a:fillRef>
+          <a:effectRef idx="0">
+            <a:schemeClr val="accent1"/>
+          </a:effectRef>
+          <a:fontRef idx="minor">
+            <a:schemeClr val="tx1"/>
+          </a:fontRef>
+        </p:style>
+      </p:cxnSp>
+      <p:grpSp>
+        <p:nvGrpSpPr>
+          <p:cNvPr id="68" name="Groupe 67"/>
+          <p:cNvGrpSpPr/>
+          <p:nvPr/>
+        </p:nvGrpSpPr>
+        <p:grpSpPr>
+          <a:xfrm>
+            <a:off x="5236164" y="1566826"/>
+            <a:ext cx="2345160" cy="2585323"/>
+            <a:chOff x="5236164" y="1566826"/>
+            <a:chExt cx="2345160" cy="2585323"/>
+          </a:xfrm>
+        </p:grpSpPr>
+        <p:grpSp>
+          <p:nvGrpSpPr>
+            <p:cNvPr id="44" name="Groupe 43"/>
+            <p:cNvGrpSpPr/>
+            <p:nvPr/>
+          </p:nvGrpSpPr>
+          <p:grpSpPr>
+            <a:xfrm>
+              <a:off x="5236164" y="1566826"/>
+              <a:ext cx="2345160" cy="2585323"/>
+              <a:chOff x="813723" y="4193611"/>
+              <a:chExt cx="2345160" cy="2585323"/>
+            </a:xfrm>
+          </p:grpSpPr>
+          <p:sp>
+            <p:nvSpPr>
+              <p:cNvPr id="45" name="ZoneTexte 44"/>
+              <p:cNvSpPr txBox="1"/>
+              <p:nvPr/>
+            </p:nvSpPr>
+            <p:spPr>
+              <a:xfrm>
+                <a:off x="813723" y="4193611"/>
+                <a:ext cx="909119" cy="2585323"/>
+              </a:xfrm>
+              <a:prstGeom prst="rect">
+                <a:avLst/>
+              </a:prstGeom>
+              <a:noFill/>
+            </p:spPr>
+            <p:txBody>
+              <a:bodyPr wrap="square" rtlCol="0">
+                <a:spAutoFit/>
+              </a:bodyPr>
+              <a:lstStyle/>
+              <a:p>
+                <a:endParaRPr lang="fr-FR" dirty="0" smtClean="0"/>
+              </a:p>
+              <a:p>
+                <a:r>
+                  <a:rPr lang="fr-FR" dirty="0" smtClean="0"/>
+                  <a:t>elt1=2</a:t>
+                </a:r>
+                <a:endParaRPr lang="fr-FR" dirty="0"/>
+              </a:p>
+              <a:p>
+                <a:r>
+                  <a:rPr lang="fr-FR" dirty="0"/>
+                  <a:t>elt2=1</a:t>
+                </a:r>
+              </a:p>
+              <a:p>
+                <a:r>
+                  <a:rPr lang="fr-FR" dirty="0"/>
+                  <a:t>f(0)=1</a:t>
+                </a:r>
+                <a:br>
+                  <a:rPr lang="fr-FR" dirty="0"/>
+                </a:br>
+                <a:r>
+                  <a:rPr lang="fr-FR" dirty="0"/>
+                  <a:t>f(1)=1</a:t>
+                </a:r>
+                <a:br>
+                  <a:rPr lang="fr-FR" dirty="0"/>
+                </a:br>
+                <a:r>
+                  <a:rPr lang="fr-FR" dirty="0"/>
+                  <a:t>f(2)=</a:t>
+                </a:r>
+                <a:r>
+                  <a:rPr lang="fr-FR" dirty="0" smtClean="0"/>
+                  <a:t>0</a:t>
+                </a:r>
+              </a:p>
+              <a:p>
+                <a:r>
+                  <a:rPr lang="fr-FR" dirty="0" err="1" smtClean="0"/>
+                  <a:t>elt</a:t>
+                </a:r>
+                <a:r>
+                  <a:rPr lang="fr-FR" dirty="0" smtClean="0"/>
+                  <a:t>=0</a:t>
+                </a:r>
+                <a:endParaRPr lang="fr-FR" dirty="0"/>
+              </a:p>
+              <a:p>
+                <a:endParaRPr lang="fr-FR" dirty="0" smtClean="0"/>
+              </a:p>
+              <a:p>
+                <a:endParaRPr lang="fr-FR" dirty="0" smtClean="0"/>
+              </a:p>
+            </p:txBody>
+          </p:sp>
+          <p:sp>
+            <p:nvSpPr>
+              <p:cNvPr id="46" name="ZoneTexte 45"/>
+              <p:cNvSpPr txBox="1"/>
+              <p:nvPr/>
+            </p:nvSpPr>
+            <p:spPr>
+              <a:xfrm>
+                <a:off x="1864237" y="4711395"/>
+                <a:ext cx="1294646" cy="1200329"/>
+              </a:xfrm>
+              <a:prstGeom prst="rect">
+                <a:avLst/>
+              </a:prstGeom>
+              <a:noFill/>
+            </p:spPr>
+            <p:txBody>
+              <a:bodyPr wrap="square" rtlCol="0">
+                <a:spAutoFit/>
+              </a:bodyPr>
+              <a:lstStyle/>
+              <a:p>
+                <a:r>
+                  <a:rPr lang="fr-FR" dirty="0" smtClean="0"/>
+                  <a:t>0:a~=1:a</a:t>
+                </a:r>
+              </a:p>
+              <a:p>
+                <a:r>
+                  <a:rPr lang="fr-FR" dirty="0" smtClean="0"/>
+                  <a:t>0:a~=2:a</a:t>
+                </a:r>
+              </a:p>
+              <a:p>
+                <a:r>
+                  <a:rPr lang="fr-FR" dirty="0" smtClean="0"/>
+                  <a:t>1:a~=2:a</a:t>
+                </a:r>
+              </a:p>
+              <a:p>
+                <a:r>
+                  <a:rPr lang="fr-FR" dirty="0" smtClean="0"/>
+                  <a:t>0:b~=1:b</a:t>
+                </a:r>
+                <a:endParaRPr lang="fr-FR" dirty="0"/>
+              </a:p>
+            </p:txBody>
+          </p:sp>
+          <p:sp>
+            <p:nvSpPr>
+              <p:cNvPr id="47" name="Rectangle 46"/>
+              <p:cNvSpPr/>
+              <p:nvPr/>
+            </p:nvSpPr>
+            <p:spPr>
+              <a:xfrm>
+                <a:off x="813723" y="4811607"/>
+                <a:ext cx="764263" cy="821230"/>
+              </a:xfrm>
+              <a:prstGeom prst="rect">
+                <a:avLst/>
+              </a:prstGeom>
+              <a:noFill/>
+            </p:spPr>
+            <p:style>
+              <a:lnRef idx="2">
+                <a:schemeClr val="accent6"/>
+              </a:lnRef>
+              <a:fillRef idx="1">
+                <a:schemeClr val="lt1"/>
+              </a:fillRef>
+              <a:effectRef idx="0">
+                <a:schemeClr val="accent6"/>
+              </a:effectRef>
+              <a:fontRef idx="minor">
+                <a:schemeClr val="dk1"/>
+              </a:fontRef>
+            </p:style>
+            <p:txBody>
+              <a:bodyPr rtlCol="0" anchor="ctr"/>
+              <a:lstStyle/>
+              <a:p>
+                <a:pPr algn="ctr"/>
+                <a:endParaRPr lang="fr-FR"/>
+              </a:p>
+            </p:txBody>
+          </p:sp>
+        </p:grpSp>
+        <p:sp>
+          <p:nvSpPr>
+            <p:cNvPr id="65" name="Rectangle 64"/>
+            <p:cNvSpPr/>
+            <p:nvPr/>
+          </p:nvSpPr>
+          <p:spPr>
+            <a:xfrm>
+              <a:off x="5236164" y="3244082"/>
+              <a:ext cx="764263" cy="337223"/>
+            </a:xfrm>
+            <a:prstGeom prst="rect">
+              <a:avLst/>
+            </a:prstGeom>
+            <a:noFill/>
+          </p:spPr>
+          <p:style>
+            <a:lnRef idx="2">
+              <a:schemeClr val="accent6"/>
+            </a:lnRef>
+            <a:fillRef idx="1">
+              <a:schemeClr val="lt1"/>
+            </a:fillRef>
+            <a:effectRef idx="0">
+              <a:schemeClr val="accent6"/>
+            </a:effectRef>
+            <a:fontRef idx="minor">
+              <a:schemeClr val="dk1"/>
+            </a:fontRef>
+          </p:style>
+          <p:txBody>
+            <a:bodyPr rtlCol="0" anchor="ctr"/>
+            <a:lstStyle/>
+            <a:p>
+              <a:pPr algn="ctr"/>
+              <a:endParaRPr lang="fr-FR"/>
+            </a:p>
+          </p:txBody>
+        </p:sp>
+      </p:grpSp>
+      <p:grpSp>
+        <p:nvGrpSpPr>
+          <p:cNvPr id="69" name="Groupe 68"/>
+          <p:cNvGrpSpPr/>
+          <p:nvPr/>
+        </p:nvGrpSpPr>
+        <p:grpSpPr>
+          <a:xfrm>
+            <a:off x="692022" y="4005526"/>
+            <a:ext cx="2345160" cy="2585323"/>
+            <a:chOff x="5236164" y="1566826"/>
+            <a:chExt cx="2345160" cy="2585323"/>
+          </a:xfrm>
+        </p:grpSpPr>
+        <p:grpSp>
+          <p:nvGrpSpPr>
+            <p:cNvPr id="70" name="Groupe 69"/>
+            <p:cNvGrpSpPr/>
+            <p:nvPr/>
+          </p:nvGrpSpPr>
+          <p:grpSpPr>
+            <a:xfrm>
+              <a:off x="5236164" y="1566826"/>
+              <a:ext cx="2345160" cy="2585323"/>
+              <a:chOff x="813723" y="4193611"/>
+              <a:chExt cx="2345160" cy="2585323"/>
+            </a:xfrm>
+          </p:grpSpPr>
+          <p:sp>
+            <p:nvSpPr>
+              <p:cNvPr id="72" name="ZoneTexte 71"/>
+              <p:cNvSpPr txBox="1"/>
+              <p:nvPr/>
+            </p:nvSpPr>
+            <p:spPr>
+              <a:xfrm>
+                <a:off x="813723" y="4193611"/>
+                <a:ext cx="909119" cy="2585323"/>
+              </a:xfrm>
+              <a:prstGeom prst="rect">
+                <a:avLst/>
+              </a:prstGeom>
+              <a:noFill/>
+            </p:spPr>
+            <p:txBody>
+              <a:bodyPr wrap="square" rtlCol="0">
+                <a:spAutoFit/>
+              </a:bodyPr>
+              <a:lstStyle/>
+              <a:p>
+                <a:endParaRPr lang="fr-FR" dirty="0" smtClean="0"/>
+              </a:p>
+              <a:p>
+                <a:r>
+                  <a:rPr lang="fr-FR" dirty="0" smtClean="0"/>
+                  <a:t>elt1=2</a:t>
+                </a:r>
+                <a:endParaRPr lang="fr-FR" dirty="0"/>
+              </a:p>
+              <a:p>
+                <a:r>
+                  <a:rPr lang="fr-FR" dirty="0"/>
+                  <a:t>elt2=1</a:t>
+                </a:r>
+              </a:p>
+              <a:p>
+                <a:r>
+                  <a:rPr lang="fr-FR" dirty="0"/>
+                  <a:t>f(0)=1</a:t>
+                </a:r>
+                <a:br>
+                  <a:rPr lang="fr-FR" dirty="0"/>
+                </a:br>
+                <a:r>
+                  <a:rPr lang="fr-FR" dirty="0"/>
+                  <a:t>f(1)=1</a:t>
+                </a:r>
+                <a:br>
+                  <a:rPr lang="fr-FR" dirty="0"/>
+                </a:br>
+                <a:r>
+                  <a:rPr lang="fr-FR" dirty="0"/>
+                  <a:t>f(2)=</a:t>
+                </a:r>
+                <a:r>
+                  <a:rPr lang="fr-FR" dirty="0" smtClean="0"/>
+                  <a:t>0</a:t>
+                </a:r>
+              </a:p>
+              <a:p>
+                <a:r>
+                  <a:rPr lang="fr-FR" dirty="0" err="1" smtClean="0"/>
+                  <a:t>elt</a:t>
+                </a:r>
+                <a:r>
+                  <a:rPr lang="fr-FR" dirty="0" smtClean="0"/>
+                  <a:t>=0</a:t>
+                </a:r>
+                <a:endParaRPr lang="fr-FR" dirty="0"/>
+              </a:p>
+              <a:p>
+                <a:endParaRPr lang="fr-FR" dirty="0" smtClean="0"/>
+              </a:p>
+              <a:p>
+                <a:endParaRPr lang="fr-FR" dirty="0" smtClean="0"/>
+              </a:p>
+            </p:txBody>
+          </p:sp>
+          <p:sp>
+            <p:nvSpPr>
+              <p:cNvPr id="73" name="ZoneTexte 72"/>
+              <p:cNvSpPr txBox="1"/>
+              <p:nvPr/>
+            </p:nvSpPr>
+            <p:spPr>
+              <a:xfrm>
+                <a:off x="1864237" y="4711395"/>
+                <a:ext cx="1294646" cy="1200329"/>
+              </a:xfrm>
+              <a:prstGeom prst="rect">
+                <a:avLst/>
+              </a:prstGeom>
+              <a:noFill/>
+            </p:spPr>
+            <p:txBody>
+              <a:bodyPr wrap="square" rtlCol="0">
+                <a:spAutoFit/>
+              </a:bodyPr>
+              <a:lstStyle/>
+              <a:p>
+                <a:r>
+                  <a:rPr lang="fr-FR" dirty="0" smtClean="0"/>
+                  <a:t>0:a~=1:a</a:t>
+                </a:r>
+              </a:p>
+              <a:p>
+                <a:r>
+                  <a:rPr lang="fr-FR" dirty="0" smtClean="0"/>
+                  <a:t>0:a~=2:a</a:t>
+                </a:r>
+              </a:p>
+              <a:p>
+                <a:r>
+                  <a:rPr lang="fr-FR" dirty="0" smtClean="0"/>
+                  <a:t>1:a~=2:a</a:t>
+                </a:r>
+              </a:p>
+              <a:p>
+                <a:r>
+                  <a:rPr lang="fr-FR" dirty="0" smtClean="0"/>
+                  <a:t>0:b~=1:b</a:t>
+                </a:r>
+                <a:endParaRPr lang="fr-FR" dirty="0"/>
+              </a:p>
+            </p:txBody>
+          </p:sp>
+          <p:sp>
+            <p:nvSpPr>
+              <p:cNvPr id="74" name="Rectangle 73"/>
+              <p:cNvSpPr/>
+              <p:nvPr/>
+            </p:nvSpPr>
+            <p:spPr>
+              <a:xfrm>
+                <a:off x="813723" y="4811607"/>
+                <a:ext cx="764263" cy="821230"/>
+              </a:xfrm>
+              <a:prstGeom prst="rect">
+                <a:avLst/>
+              </a:prstGeom>
+              <a:noFill/>
+            </p:spPr>
+            <p:style>
+              <a:lnRef idx="2">
+                <a:schemeClr val="accent6"/>
+              </a:lnRef>
+              <a:fillRef idx="1">
+                <a:schemeClr val="lt1"/>
+              </a:fillRef>
+              <a:effectRef idx="0">
+                <a:schemeClr val="accent6"/>
+              </a:effectRef>
+              <a:fontRef idx="minor">
+                <a:schemeClr val="dk1"/>
+              </a:fontRef>
+            </p:style>
+            <p:txBody>
+              <a:bodyPr rtlCol="0" anchor="ctr"/>
+              <a:lstStyle/>
+              <a:p>
+                <a:pPr algn="ctr"/>
+                <a:endParaRPr lang="fr-FR"/>
+              </a:p>
+            </p:txBody>
+          </p:sp>
+        </p:grpSp>
+        <p:sp>
+          <p:nvSpPr>
+            <p:cNvPr id="71" name="Rectangle 70"/>
+            <p:cNvSpPr/>
+            <p:nvPr/>
+          </p:nvSpPr>
+          <p:spPr>
+            <a:xfrm>
+              <a:off x="5236164" y="3244082"/>
+              <a:ext cx="764263" cy="337223"/>
+            </a:xfrm>
+            <a:prstGeom prst="rect">
+              <a:avLst/>
+            </a:prstGeom>
+            <a:noFill/>
+          </p:spPr>
+          <p:style>
+            <a:lnRef idx="2">
+              <a:schemeClr val="accent6"/>
+            </a:lnRef>
+            <a:fillRef idx="1">
+              <a:schemeClr val="lt1"/>
+            </a:fillRef>
+            <a:effectRef idx="0">
+              <a:schemeClr val="accent6"/>
+            </a:effectRef>
+            <a:fontRef idx="minor">
+              <a:schemeClr val="dk1"/>
+            </a:fontRef>
+          </p:style>
+          <p:txBody>
+            <a:bodyPr rtlCol="0" anchor="ctr"/>
+            <a:lstStyle/>
+            <a:p>
+              <a:pPr algn="ctr"/>
+              <a:endParaRPr lang="fr-FR"/>
+            </a:p>
+          </p:txBody>
+        </p:sp>
+      </p:grpSp>
+      <p:grpSp>
+        <p:nvGrpSpPr>
+          <p:cNvPr id="82" name="Groupe 81"/>
+          <p:cNvGrpSpPr/>
+          <p:nvPr/>
+        </p:nvGrpSpPr>
+        <p:grpSpPr>
+          <a:xfrm>
+            <a:off x="5252805" y="4042459"/>
+            <a:ext cx="2345160" cy="2585323"/>
+            <a:chOff x="5252805" y="4042459"/>
+            <a:chExt cx="2345160" cy="2585323"/>
+          </a:xfrm>
+        </p:grpSpPr>
+        <p:grpSp>
+          <p:nvGrpSpPr>
+            <p:cNvPr id="75" name="Groupe 74"/>
+            <p:cNvGrpSpPr/>
+            <p:nvPr/>
+          </p:nvGrpSpPr>
+          <p:grpSpPr>
+            <a:xfrm>
+              <a:off x="5252805" y="4042459"/>
+              <a:ext cx="2345160" cy="2585323"/>
+              <a:chOff x="5236164" y="1566826"/>
+              <a:chExt cx="2345160" cy="2585323"/>
+            </a:xfrm>
+          </p:grpSpPr>
+          <p:grpSp>
+            <p:nvGrpSpPr>
+              <p:cNvPr id="76" name="Groupe 75"/>
+              <p:cNvGrpSpPr/>
+              <p:nvPr/>
+            </p:nvGrpSpPr>
+            <p:grpSpPr>
+              <a:xfrm>
+                <a:off x="5236164" y="1566826"/>
+                <a:ext cx="2345160" cy="2585323"/>
+                <a:chOff x="813723" y="4193611"/>
+                <a:chExt cx="2345160" cy="2585323"/>
+              </a:xfrm>
+            </p:grpSpPr>
+            <p:sp>
+              <p:nvSpPr>
+                <p:cNvPr id="78" name="ZoneTexte 77"/>
+                <p:cNvSpPr txBox="1"/>
+                <p:nvPr/>
+              </p:nvSpPr>
+              <p:spPr>
+                <a:xfrm>
+                  <a:off x="813723" y="4193611"/>
+                  <a:ext cx="909119" cy="2585323"/>
+                </a:xfrm>
+                <a:prstGeom prst="rect">
+                  <a:avLst/>
+                </a:prstGeom>
+                <a:noFill/>
+              </p:spPr>
+              <p:txBody>
+                <a:bodyPr wrap="square" rtlCol="0">
+                  <a:spAutoFit/>
+                </a:bodyPr>
+                <a:lstStyle/>
+                <a:p>
+                  <a:endParaRPr lang="fr-FR" dirty="0" smtClean="0"/>
+                </a:p>
+                <a:p>
+                  <a:r>
+                    <a:rPr lang="fr-FR" dirty="0" smtClean="0"/>
+                    <a:t>elt1=2</a:t>
+                  </a:r>
+                  <a:endParaRPr lang="fr-FR" dirty="0"/>
+                </a:p>
+                <a:p>
+                  <a:r>
+                    <a:rPr lang="fr-FR" dirty="0"/>
+                    <a:t>elt2=1</a:t>
+                  </a:r>
+                </a:p>
+                <a:p>
+                  <a:r>
+                    <a:rPr lang="fr-FR" dirty="0"/>
+                    <a:t>f(0)=1</a:t>
+                  </a:r>
+                  <a:br>
+                    <a:rPr lang="fr-FR" dirty="0"/>
+                  </a:br>
+                  <a:r>
+                    <a:rPr lang="fr-FR" dirty="0"/>
+                    <a:t>f(1)=1</a:t>
+                  </a:r>
+                  <a:br>
+                    <a:rPr lang="fr-FR" dirty="0"/>
+                  </a:br>
+                  <a:r>
+                    <a:rPr lang="fr-FR" dirty="0"/>
+                    <a:t>f(2)=</a:t>
+                  </a:r>
+                  <a:r>
+                    <a:rPr lang="fr-FR" dirty="0" smtClean="0"/>
+                    <a:t>0</a:t>
+                  </a:r>
+                </a:p>
+                <a:p>
+                  <a:r>
+                    <a:rPr lang="fr-FR" dirty="0" err="1" smtClean="0"/>
+                    <a:t>elt</a:t>
+                  </a:r>
+                  <a:r>
+                    <a:rPr lang="fr-FR" dirty="0" smtClean="0"/>
+                    <a:t>=0</a:t>
+                  </a:r>
+                  <a:endParaRPr lang="fr-FR" dirty="0"/>
+                </a:p>
+                <a:p>
+                  <a:endParaRPr lang="fr-FR" dirty="0" smtClean="0"/>
+                </a:p>
+                <a:p>
+                  <a:endParaRPr lang="fr-FR" dirty="0" smtClean="0"/>
+                </a:p>
+              </p:txBody>
+            </p:sp>
+            <p:sp>
+              <p:nvSpPr>
+                <p:cNvPr id="79" name="ZoneTexte 78"/>
+                <p:cNvSpPr txBox="1"/>
+                <p:nvPr/>
+              </p:nvSpPr>
+              <p:spPr>
+                <a:xfrm>
+                  <a:off x="1864237" y="4711395"/>
+                  <a:ext cx="1294646" cy="1200329"/>
+                </a:xfrm>
+                <a:prstGeom prst="rect">
+                  <a:avLst/>
+                </a:prstGeom>
+                <a:noFill/>
+              </p:spPr>
+              <p:txBody>
+                <a:bodyPr wrap="square" rtlCol="0">
+                  <a:spAutoFit/>
+                </a:bodyPr>
+                <a:lstStyle/>
+                <a:p>
+                  <a:r>
+                    <a:rPr lang="fr-FR" dirty="0" smtClean="0"/>
+                    <a:t>0:a~=1:a</a:t>
+                  </a:r>
+                </a:p>
+                <a:p>
+                  <a:r>
+                    <a:rPr lang="fr-FR" dirty="0" smtClean="0"/>
+                    <a:t>0:a~=2:a</a:t>
+                  </a:r>
+                </a:p>
+                <a:p>
+                  <a:r>
+                    <a:rPr lang="fr-FR" dirty="0" smtClean="0"/>
+                    <a:t>1:a~=2:a</a:t>
+                  </a:r>
+                </a:p>
+                <a:p>
+                  <a:r>
+                    <a:rPr lang="fr-FR" dirty="0" smtClean="0"/>
+                    <a:t>0:b~=1:b</a:t>
+                  </a:r>
+                  <a:endParaRPr lang="fr-FR" dirty="0"/>
+                </a:p>
+              </p:txBody>
+            </p:sp>
+            <p:sp>
+              <p:nvSpPr>
+                <p:cNvPr id="80" name="Rectangle 79"/>
+                <p:cNvSpPr/>
+                <p:nvPr/>
+              </p:nvSpPr>
+              <p:spPr>
+                <a:xfrm>
+                  <a:off x="813723" y="4811607"/>
+                  <a:ext cx="764263" cy="821230"/>
+                </a:xfrm>
+                <a:prstGeom prst="rect">
+                  <a:avLst/>
+                </a:prstGeom>
+                <a:noFill/>
+              </p:spPr>
+              <p:style>
+                <a:lnRef idx="2">
+                  <a:schemeClr val="accent6"/>
+                </a:lnRef>
+                <a:fillRef idx="1">
+                  <a:schemeClr val="lt1"/>
+                </a:fillRef>
+                <a:effectRef idx="0">
+                  <a:schemeClr val="accent6"/>
+                </a:effectRef>
+                <a:fontRef idx="minor">
+                  <a:schemeClr val="dk1"/>
+                </a:fontRef>
+              </p:style>
+              <p:txBody>
+                <a:bodyPr rtlCol="0" anchor="ctr"/>
+                <a:lstStyle/>
+                <a:p>
+                  <a:pPr algn="ctr"/>
+                  <a:endParaRPr lang="fr-FR"/>
+                </a:p>
+              </p:txBody>
+            </p:sp>
+          </p:grpSp>
+          <p:sp>
+            <p:nvSpPr>
+              <p:cNvPr id="77" name="Rectangle 76"/>
+              <p:cNvSpPr/>
+              <p:nvPr/>
+            </p:nvSpPr>
+            <p:spPr>
+              <a:xfrm>
+                <a:off x="5236164" y="3244082"/>
+                <a:ext cx="764263" cy="337223"/>
+              </a:xfrm>
+              <a:prstGeom prst="rect">
+                <a:avLst/>
+              </a:prstGeom>
+              <a:noFill/>
+            </p:spPr>
+            <p:style>
+              <a:lnRef idx="2">
+                <a:schemeClr val="accent6"/>
+              </a:lnRef>
+              <a:fillRef idx="1">
+                <a:schemeClr val="lt1"/>
+              </a:fillRef>
+              <a:effectRef idx="0">
+                <a:schemeClr val="accent6"/>
+              </a:effectRef>
+              <a:fontRef idx="minor">
+                <a:schemeClr val="dk1"/>
+              </a:fontRef>
+            </p:style>
+            <p:txBody>
+              <a:bodyPr rtlCol="0" anchor="ctr"/>
+              <a:lstStyle/>
+              <a:p>
+                <a:pPr algn="ctr"/>
+                <a:endParaRPr lang="fr-FR"/>
+              </a:p>
+            </p:txBody>
+          </p:sp>
+        </p:grpSp>
+        <p:sp>
+          <p:nvSpPr>
+            <p:cNvPr id="81" name="Rectangle 80"/>
+            <p:cNvSpPr/>
+            <p:nvPr/>
+          </p:nvSpPr>
+          <p:spPr>
+            <a:xfrm>
+              <a:off x="6326808" y="4560243"/>
+              <a:ext cx="970285" cy="337223"/>
+            </a:xfrm>
+            <a:prstGeom prst="rect">
+              <a:avLst/>
+            </a:prstGeom>
+            <a:noFill/>
+          </p:spPr>
+          <p:style>
+            <a:lnRef idx="2">
+              <a:schemeClr val="accent6"/>
+            </a:lnRef>
+            <a:fillRef idx="1">
+              <a:schemeClr val="lt1"/>
+            </a:fillRef>
+            <a:effectRef idx="0">
+              <a:schemeClr val="accent6"/>
+            </a:effectRef>
+            <a:fontRef idx="minor">
+              <a:schemeClr val="dk1"/>
+            </a:fontRef>
+          </p:style>
+          <p:txBody>
+            <a:bodyPr rtlCol="0" anchor="ctr"/>
+            <a:lstStyle/>
+            <a:p>
+              <a:pPr algn="ctr"/>
+              <a:endParaRPr lang="fr-FR"/>
+            </a:p>
+          </p:txBody>
+        </p:sp>
+      </p:grpSp>
+    </p:spTree>
+    <p:extLst>
+      <p:ext uri="{BB962C8B-B14F-4D97-AF65-F5344CB8AC3E}">
+        <p14:creationId xmlns:p14="http://schemas.microsoft.com/office/powerpoint/2010/main" val="253389838"/>
+      </p:ext>
+    </p:extLst>
+  </p:cSld>
+  <p:clrMapOvr>
+    <a:masterClrMapping/>
+  </p:clrMapOvr>
+  <p:timing>
+    <p:tnLst>
+      <p:par>
+        <p:cTn id="1" dur="indefinite" restart="never" nodeType="tmRoot"/>
+      </p:par>
+    </p:tnLst>
+  </p:timing>
 </p:sld>
 </file>
 
@@ -7307,6 +11819,1549 @@
       </p:par>
     </p:tnLst>
   </p:timing>
+</p:sld>
+</file>
+
+<file path=ppt/slides/slide20.xml><?xml version="1.0" encoding="utf-8"?>
+<p:sld xmlns:a="http://schemas.openxmlformats.org/drawingml/2006/main" xmlns:r="http://schemas.openxmlformats.org/officeDocument/2006/relationships" xmlns:p="http://schemas.openxmlformats.org/presentationml/2006/main">
+  <p:cSld>
+    <p:spTree>
+      <p:nvGrpSpPr>
+        <p:cNvPr id="1" name=""/>
+        <p:cNvGrpSpPr/>
+        <p:nvPr/>
+      </p:nvGrpSpPr>
+      <p:grpSpPr>
+        <a:xfrm>
+          <a:off x="0" y="0"/>
+          <a:ext cx="0" cy="0"/>
+          <a:chOff x="0" y="0"/>
+          <a:chExt cx="0" cy="0"/>
+        </a:xfrm>
+      </p:grpSpPr>
+      <p:sp>
+        <p:nvSpPr>
+          <p:cNvPr id="2" name="Titre 1"/>
+          <p:cNvSpPr>
+            <a:spLocks noGrp="1"/>
+          </p:cNvSpPr>
+          <p:nvPr>
+            <p:ph type="title"/>
+          </p:nvPr>
+        </p:nvSpPr>
+        <p:spPr/>
+        <p:txBody>
+          <a:bodyPr/>
+          <a:lstStyle/>
+          <a:p>
+            <a:r>
+              <a:rPr lang="fr-FR" dirty="0" err="1" smtClean="0"/>
+              <a:t>Example</a:t>
+            </a:r>
+            <a:r>
+              <a:rPr lang="fr-FR" dirty="0" smtClean="0"/>
+              <a:t> 1</a:t>
+            </a:r>
+            <a:endParaRPr lang="fr-FR" dirty="0"/>
+          </a:p>
+        </p:txBody>
+      </p:sp>
+      <p:pic>
+        <p:nvPicPr>
+          <p:cNvPr id="7" name="Espace réservé du contenu 3"/>
+          <p:cNvPicPr>
+            <a:picLocks noChangeAspect="1"/>
+          </p:cNvPicPr>
+          <p:nvPr/>
+        </p:nvPicPr>
+        <p:blipFill rotWithShape="1">
+          <a:blip r:embed="rId2"/>
+          <a:srcRect r="43905" b="8304"/>
+          <a:stretch/>
+        </p:blipFill>
+        <p:spPr>
+          <a:xfrm>
+            <a:off x="8036859" y="365125"/>
+            <a:ext cx="3316941" cy="6215977"/>
+          </a:xfrm>
+          <a:prstGeom prst="rect">
+            <a:avLst/>
+          </a:prstGeom>
+        </p:spPr>
+      </p:pic>
+      <p:grpSp>
+        <p:nvGrpSpPr>
+          <p:cNvPr id="34" name="Groupe 33"/>
+          <p:cNvGrpSpPr/>
+          <p:nvPr/>
+        </p:nvGrpSpPr>
+        <p:grpSpPr>
+          <a:xfrm>
+            <a:off x="2986862" y="1344527"/>
+            <a:ext cx="2345160" cy="2308324"/>
+            <a:chOff x="5252805" y="4042459"/>
+            <a:chExt cx="2345160" cy="2308324"/>
+          </a:xfrm>
+        </p:grpSpPr>
+        <p:grpSp>
+          <p:nvGrpSpPr>
+            <p:cNvPr id="37" name="Groupe 36"/>
+            <p:cNvGrpSpPr/>
+            <p:nvPr/>
+          </p:nvGrpSpPr>
+          <p:grpSpPr>
+            <a:xfrm>
+              <a:off x="5252805" y="4042459"/>
+              <a:ext cx="2345160" cy="2308324"/>
+              <a:chOff x="813723" y="4193611"/>
+              <a:chExt cx="2345160" cy="2308324"/>
+            </a:xfrm>
+          </p:grpSpPr>
+          <p:sp>
+            <p:nvSpPr>
+              <p:cNvPr id="40" name="ZoneTexte 39"/>
+              <p:cNvSpPr txBox="1"/>
+              <p:nvPr/>
+            </p:nvSpPr>
+            <p:spPr>
+              <a:xfrm>
+                <a:off x="813723" y="4193611"/>
+                <a:ext cx="909119" cy="2308324"/>
+              </a:xfrm>
+              <a:prstGeom prst="rect">
+                <a:avLst/>
+              </a:prstGeom>
+              <a:noFill/>
+            </p:spPr>
+            <p:txBody>
+              <a:bodyPr wrap="square" rtlCol="0">
+                <a:spAutoFit/>
+              </a:bodyPr>
+              <a:lstStyle/>
+              <a:p>
+                <a:endParaRPr lang="fr-FR" dirty="0" smtClean="0"/>
+              </a:p>
+              <a:p>
+                <a:r>
+                  <a:rPr lang="fr-FR" dirty="0" smtClean="0"/>
+                  <a:t>elt1=2</a:t>
+                </a:r>
+                <a:endParaRPr lang="fr-FR" dirty="0"/>
+              </a:p>
+              <a:p>
+                <a:r>
+                  <a:rPr lang="fr-FR" dirty="0"/>
+                  <a:t>elt2=1</a:t>
+                </a:r>
+              </a:p>
+              <a:p>
+                <a:r>
+                  <a:rPr lang="fr-FR" dirty="0"/>
+                  <a:t>f(0)=1</a:t>
+                </a:r>
+                <a:br>
+                  <a:rPr lang="fr-FR" dirty="0"/>
+                </a:br>
+                <a:r>
+                  <a:rPr lang="fr-FR" dirty="0"/>
+                  <a:t>f(1)=1</a:t>
+                </a:r>
+                <a:br>
+                  <a:rPr lang="fr-FR" dirty="0"/>
+                </a:br>
+                <a:r>
+                  <a:rPr lang="fr-FR" dirty="0"/>
+                  <a:t>f(2)=</a:t>
+                </a:r>
+                <a:r>
+                  <a:rPr lang="fr-FR" dirty="0" smtClean="0"/>
+                  <a:t>0</a:t>
+                </a:r>
+                <a:endParaRPr lang="fr-FR" dirty="0"/>
+              </a:p>
+              <a:p>
+                <a:endParaRPr lang="fr-FR" dirty="0" smtClean="0"/>
+              </a:p>
+              <a:p>
+                <a:endParaRPr lang="fr-FR" dirty="0" smtClean="0"/>
+              </a:p>
+            </p:txBody>
+          </p:sp>
+          <p:sp>
+            <p:nvSpPr>
+              <p:cNvPr id="41" name="ZoneTexte 40"/>
+              <p:cNvSpPr txBox="1"/>
+              <p:nvPr/>
+            </p:nvSpPr>
+            <p:spPr>
+              <a:xfrm>
+                <a:off x="1864237" y="4711395"/>
+                <a:ext cx="1294646" cy="1200329"/>
+              </a:xfrm>
+              <a:prstGeom prst="rect">
+                <a:avLst/>
+              </a:prstGeom>
+              <a:noFill/>
+            </p:spPr>
+            <p:txBody>
+              <a:bodyPr wrap="square" rtlCol="0">
+                <a:spAutoFit/>
+              </a:bodyPr>
+              <a:lstStyle/>
+              <a:p>
+                <a:r>
+                  <a:rPr lang="fr-FR" dirty="0" smtClean="0"/>
+                  <a:t>0:a~=1:a</a:t>
+                </a:r>
+              </a:p>
+              <a:p>
+                <a:r>
+                  <a:rPr lang="fr-FR" dirty="0" smtClean="0"/>
+                  <a:t>0:a~=2:a</a:t>
+                </a:r>
+              </a:p>
+              <a:p>
+                <a:r>
+                  <a:rPr lang="fr-FR" dirty="0" smtClean="0"/>
+                  <a:t>1:a~=2:a</a:t>
+                </a:r>
+              </a:p>
+              <a:p>
+                <a:r>
+                  <a:rPr lang="fr-FR" dirty="0" smtClean="0"/>
+                  <a:t>0:b~=1:b</a:t>
+                </a:r>
+                <a:endParaRPr lang="fr-FR" dirty="0"/>
+              </a:p>
+            </p:txBody>
+          </p:sp>
+          <p:sp>
+            <p:nvSpPr>
+              <p:cNvPr id="42" name="Rectangle 41"/>
+              <p:cNvSpPr/>
+              <p:nvPr/>
+            </p:nvSpPr>
+            <p:spPr>
+              <a:xfrm>
+                <a:off x="813723" y="4811607"/>
+                <a:ext cx="764263" cy="821230"/>
+              </a:xfrm>
+              <a:prstGeom prst="rect">
+                <a:avLst/>
+              </a:prstGeom>
+              <a:noFill/>
+            </p:spPr>
+            <p:style>
+              <a:lnRef idx="2">
+                <a:schemeClr val="accent6"/>
+              </a:lnRef>
+              <a:fillRef idx="1">
+                <a:schemeClr val="lt1"/>
+              </a:fillRef>
+              <a:effectRef idx="0">
+                <a:schemeClr val="accent6"/>
+              </a:effectRef>
+              <a:fontRef idx="minor">
+                <a:schemeClr val="dk1"/>
+              </a:fontRef>
+            </p:style>
+            <p:txBody>
+              <a:bodyPr rtlCol="0" anchor="ctr"/>
+              <a:lstStyle/>
+              <a:p>
+                <a:pPr algn="ctr"/>
+                <a:endParaRPr lang="fr-FR"/>
+              </a:p>
+            </p:txBody>
+          </p:sp>
+        </p:grpSp>
+        <p:sp>
+          <p:nvSpPr>
+            <p:cNvPr id="36" name="Rectangle 35"/>
+            <p:cNvSpPr/>
+            <p:nvPr/>
+          </p:nvSpPr>
+          <p:spPr>
+            <a:xfrm>
+              <a:off x="6326808" y="4560243"/>
+              <a:ext cx="970285" cy="337223"/>
+            </a:xfrm>
+            <a:prstGeom prst="rect">
+              <a:avLst/>
+            </a:prstGeom>
+            <a:noFill/>
+          </p:spPr>
+          <p:style>
+            <a:lnRef idx="2">
+              <a:schemeClr val="accent6"/>
+            </a:lnRef>
+            <a:fillRef idx="1">
+              <a:schemeClr val="lt1"/>
+            </a:fillRef>
+            <a:effectRef idx="0">
+              <a:schemeClr val="accent6"/>
+            </a:effectRef>
+            <a:fontRef idx="minor">
+              <a:schemeClr val="dk1"/>
+            </a:fontRef>
+          </p:style>
+          <p:txBody>
+            <a:bodyPr rtlCol="0" anchor="ctr"/>
+            <a:lstStyle/>
+            <a:p>
+              <a:pPr algn="ctr"/>
+              <a:endParaRPr lang="fr-FR"/>
+            </a:p>
+          </p:txBody>
+        </p:sp>
+      </p:grpSp>
+      <p:sp>
+        <p:nvSpPr>
+          <p:cNvPr id="4" name="ZoneTexte 3"/>
+          <p:cNvSpPr txBox="1"/>
+          <p:nvPr/>
+        </p:nvSpPr>
+        <p:spPr>
+          <a:xfrm>
+            <a:off x="802902" y="1744397"/>
+            <a:ext cx="2033679" cy="369332"/>
+          </a:xfrm>
+          <a:prstGeom prst="rect">
+            <a:avLst/>
+          </a:prstGeom>
+          <a:noFill/>
+        </p:spPr>
+        <p:txBody>
+          <a:bodyPr wrap="square" rtlCol="0">
+            <a:spAutoFit/>
+          </a:bodyPr>
+          <a:lstStyle/>
+          <a:p>
+            <a:r>
+              <a:rPr lang="fr-FR" dirty="0" err="1" smtClean="0"/>
+              <a:t>Finally</a:t>
+            </a:r>
+            <a:r>
+              <a:rPr lang="fr-FR" dirty="0" smtClean="0"/>
+              <a:t>, </a:t>
+            </a:r>
+            <a:r>
+              <a:rPr lang="fr-FR" dirty="0" err="1" smtClean="0"/>
+              <a:t>we</a:t>
+            </a:r>
+            <a:r>
+              <a:rPr lang="fr-FR" dirty="0" smtClean="0"/>
+              <a:t> have:</a:t>
+            </a:r>
+            <a:endParaRPr lang="fr-FR" dirty="0"/>
+          </a:p>
+        </p:txBody>
+      </p:sp>
+      <p:sp>
+        <p:nvSpPr>
+          <p:cNvPr id="8" name="ZoneTexte 7"/>
+          <p:cNvSpPr txBox="1"/>
+          <p:nvPr/>
+        </p:nvSpPr>
+        <p:spPr>
+          <a:xfrm>
+            <a:off x="838200" y="3802455"/>
+            <a:ext cx="4476184" cy="923330"/>
+          </a:xfrm>
+          <a:prstGeom prst="rect">
+            <a:avLst/>
+          </a:prstGeom>
+          <a:noFill/>
+        </p:spPr>
+        <p:txBody>
+          <a:bodyPr wrap="square" rtlCol="0">
+            <a:spAutoFit/>
+          </a:bodyPr>
+          <a:lstStyle/>
+          <a:p>
+            <a:r>
+              <a:rPr lang="fr-FR" dirty="0" smtClean="0"/>
+              <a:t>By </a:t>
+            </a:r>
+            <a:r>
+              <a:rPr lang="fr-FR" dirty="0" err="1" smtClean="0"/>
+              <a:t>generalizing</a:t>
+            </a:r>
+            <a:r>
+              <a:rPr lang="fr-FR" dirty="0" smtClean="0"/>
+              <a:t> </a:t>
+            </a:r>
+            <a:r>
+              <a:rPr lang="fr-FR" dirty="0" err="1" smtClean="0"/>
+              <a:t>these</a:t>
+            </a:r>
+            <a:r>
+              <a:rPr lang="fr-FR" dirty="0" smtClean="0"/>
+              <a:t> </a:t>
+            </a:r>
+            <a:r>
+              <a:rPr lang="fr-FR" dirty="0" err="1" smtClean="0"/>
+              <a:t>constraints</a:t>
+            </a:r>
+            <a:r>
+              <a:rPr lang="fr-FR" dirty="0" smtClean="0"/>
+              <a:t> </a:t>
+            </a:r>
+            <a:r>
+              <a:rPr lang="fr-FR" dirty="0" err="1" smtClean="0"/>
+              <a:t>like</a:t>
+            </a:r>
+            <a:r>
+              <a:rPr lang="fr-FR" dirty="0" smtClean="0"/>
+              <a:t> for the </a:t>
+            </a:r>
+            <a:r>
+              <a:rPr lang="fr-FR" dirty="0" err="1" smtClean="0"/>
+              <a:t>naive</a:t>
+            </a:r>
+            <a:r>
+              <a:rPr lang="fr-FR" dirty="0" smtClean="0"/>
+              <a:t> </a:t>
+            </a:r>
+            <a:r>
+              <a:rPr lang="fr-FR" dirty="0" err="1" smtClean="0"/>
+              <a:t>method</a:t>
+            </a:r>
+            <a:r>
+              <a:rPr lang="fr-FR" dirty="0" smtClean="0"/>
+              <a:t>, </a:t>
+            </a:r>
+            <a:r>
+              <a:rPr lang="fr-FR" dirty="0" err="1" smtClean="0"/>
+              <a:t>we</a:t>
+            </a:r>
+            <a:r>
+              <a:rPr lang="fr-FR" dirty="0" smtClean="0"/>
+              <a:t> </a:t>
+            </a:r>
+            <a:r>
+              <a:rPr lang="fr-FR" dirty="0" err="1" smtClean="0"/>
+              <a:t>obtain</a:t>
+            </a:r>
+            <a:r>
+              <a:rPr lang="fr-FR" dirty="0" smtClean="0"/>
+              <a:t> the </a:t>
+            </a:r>
+            <a:r>
+              <a:rPr lang="fr-FR" dirty="0" err="1" smtClean="0"/>
+              <a:t>following</a:t>
+            </a:r>
+            <a:r>
+              <a:rPr lang="fr-FR" dirty="0" smtClean="0"/>
+              <a:t> invariant:</a:t>
+            </a:r>
+            <a:endParaRPr lang="fr-FR" dirty="0"/>
+          </a:p>
+        </p:txBody>
+      </p:sp>
+      <p:pic>
+        <p:nvPicPr>
+          <p:cNvPr id="12" name="Image 11"/>
+          <p:cNvPicPr>
+            <a:picLocks noChangeAspect="1"/>
+          </p:cNvPicPr>
+          <p:nvPr/>
+        </p:nvPicPr>
+        <p:blipFill rotWithShape="1">
+          <a:blip r:embed="rId3">
+            <a:extLst>
+              <a:ext uri="{28A0092B-C50C-407E-A947-70E740481C1C}">
+                <a14:useLocalDpi xmlns:a14="http://schemas.microsoft.com/office/drawing/2010/main" val="0"/>
+              </a:ext>
+            </a:extLst>
+          </a:blip>
+          <a:srcRect t="88283"/>
+          <a:stretch/>
+        </p:blipFill>
+        <p:spPr>
+          <a:xfrm>
+            <a:off x="838200" y="5465600"/>
+            <a:ext cx="6258798" cy="651860"/>
+          </a:xfrm>
+          <a:prstGeom prst="rect">
+            <a:avLst/>
+          </a:prstGeom>
+        </p:spPr>
+      </p:pic>
+      <p:pic>
+        <p:nvPicPr>
+          <p:cNvPr id="14" name="Image 13"/>
+          <p:cNvPicPr>
+            <a:picLocks noChangeAspect="1"/>
+          </p:cNvPicPr>
+          <p:nvPr/>
+        </p:nvPicPr>
+        <p:blipFill rotWithShape="1">
+          <a:blip r:embed="rId4"/>
+          <a:srcRect t="36846" r="30694" b="34300"/>
+          <a:stretch/>
+        </p:blipFill>
+        <p:spPr>
+          <a:xfrm>
+            <a:off x="2147324" y="4848594"/>
+            <a:ext cx="3780103" cy="164732"/>
+          </a:xfrm>
+          <a:prstGeom prst="rect">
+            <a:avLst/>
+          </a:prstGeom>
+        </p:spPr>
+      </p:pic>
+    </p:spTree>
+    <p:extLst>
+      <p:ext uri="{BB962C8B-B14F-4D97-AF65-F5344CB8AC3E}">
+        <p14:creationId xmlns:p14="http://schemas.microsoft.com/office/powerpoint/2010/main" val="2773468645"/>
+      </p:ext>
+    </p:extLst>
+  </p:cSld>
+  <p:clrMapOvr>
+    <a:masterClrMapping/>
+  </p:clrMapOvr>
+  <p:timing>
+    <p:tnLst>
+      <p:par>
+        <p:cTn id="1" dur="indefinite" restart="never" nodeType="tmRoot"/>
+      </p:par>
+    </p:tnLst>
+  </p:timing>
+</p:sld>
+</file>
+
+<file path=ppt/slides/slide21.xml><?xml version="1.0" encoding="utf-8"?>
+<p:sld xmlns:a="http://schemas.openxmlformats.org/drawingml/2006/main" xmlns:r="http://schemas.openxmlformats.org/officeDocument/2006/relationships" xmlns:p="http://schemas.openxmlformats.org/presentationml/2006/main">
+  <p:cSld>
+    <p:spTree>
+      <p:nvGrpSpPr>
+        <p:cNvPr id="1" name=""/>
+        <p:cNvGrpSpPr/>
+        <p:nvPr/>
+      </p:nvGrpSpPr>
+      <p:grpSpPr>
+        <a:xfrm>
+          <a:off x="0" y="0"/>
+          <a:ext cx="0" cy="0"/>
+          <a:chOff x="0" y="0"/>
+          <a:chExt cx="0" cy="0"/>
+        </a:xfrm>
+      </p:grpSpPr>
+      <p:sp>
+        <p:nvSpPr>
+          <p:cNvPr id="2" name="Titre 1"/>
+          <p:cNvSpPr>
+            <a:spLocks noGrp="1"/>
+          </p:cNvSpPr>
+          <p:nvPr>
+            <p:ph type="title"/>
+          </p:nvPr>
+        </p:nvSpPr>
+        <p:spPr/>
+        <p:txBody>
+          <a:bodyPr/>
+          <a:lstStyle/>
+          <a:p>
+            <a:r>
+              <a:rPr lang="fr-FR" dirty="0" err="1" smtClean="0"/>
+              <a:t>Example</a:t>
+            </a:r>
+            <a:r>
+              <a:rPr lang="fr-FR" dirty="0" smtClean="0"/>
+              <a:t> 1</a:t>
+            </a:r>
+            <a:endParaRPr lang="fr-FR" dirty="0"/>
+          </a:p>
+        </p:txBody>
+      </p:sp>
+      <p:pic>
+        <p:nvPicPr>
+          <p:cNvPr id="7" name="Espace réservé du contenu 3"/>
+          <p:cNvPicPr>
+            <a:picLocks noChangeAspect="1"/>
+          </p:cNvPicPr>
+          <p:nvPr/>
+        </p:nvPicPr>
+        <p:blipFill rotWithShape="1">
+          <a:blip r:embed="rId2"/>
+          <a:srcRect r="43905" b="8304"/>
+          <a:stretch/>
+        </p:blipFill>
+        <p:spPr>
+          <a:xfrm>
+            <a:off x="8036859" y="365125"/>
+            <a:ext cx="3316941" cy="6215977"/>
+          </a:xfrm>
+          <a:prstGeom prst="rect">
+            <a:avLst/>
+          </a:prstGeom>
+        </p:spPr>
+      </p:pic>
+      <p:sp>
+        <p:nvSpPr>
+          <p:cNvPr id="4" name="ZoneTexte 3"/>
+          <p:cNvSpPr txBox="1"/>
+          <p:nvPr/>
+        </p:nvSpPr>
+        <p:spPr>
+          <a:xfrm>
+            <a:off x="802902" y="1744397"/>
+            <a:ext cx="4602017" cy="369332"/>
+          </a:xfrm>
+          <a:prstGeom prst="rect">
+            <a:avLst/>
+          </a:prstGeom>
+          <a:noFill/>
+        </p:spPr>
+        <p:txBody>
+          <a:bodyPr wrap="square" rtlCol="0">
+            <a:spAutoFit/>
+          </a:bodyPr>
+          <a:lstStyle/>
+          <a:p>
+            <a:r>
+              <a:rPr lang="fr-FR" dirty="0" smtClean="0"/>
+              <a:t>By </a:t>
+            </a:r>
+            <a:r>
+              <a:rPr lang="fr-FR" dirty="0" err="1" smtClean="0"/>
+              <a:t>continuing</a:t>
+            </a:r>
+            <a:r>
+              <a:rPr lang="fr-FR" dirty="0" smtClean="0"/>
+              <a:t> </a:t>
+            </a:r>
+            <a:r>
+              <a:rPr lang="fr-FR" dirty="0" err="1" smtClean="0"/>
+              <a:t>this</a:t>
+            </a:r>
+            <a:r>
+              <a:rPr lang="fr-FR" dirty="0" smtClean="0"/>
+              <a:t> </a:t>
+            </a:r>
+            <a:r>
+              <a:rPr lang="fr-FR" dirty="0" err="1" smtClean="0"/>
+              <a:t>process</a:t>
+            </a:r>
+            <a:r>
+              <a:rPr lang="fr-FR" dirty="0" smtClean="0"/>
+              <a:t>, </a:t>
+            </a:r>
+            <a:r>
+              <a:rPr lang="fr-FR" dirty="0" err="1" smtClean="0"/>
+              <a:t>we</a:t>
+            </a:r>
+            <a:r>
+              <a:rPr lang="fr-FR" dirty="0" smtClean="0"/>
+              <a:t> </a:t>
+            </a:r>
+            <a:r>
+              <a:rPr lang="fr-FR" dirty="0" err="1" smtClean="0"/>
+              <a:t>reach</a:t>
+            </a:r>
+            <a:r>
+              <a:rPr lang="fr-FR" dirty="0" smtClean="0"/>
+              <a:t> a </a:t>
+            </a:r>
+            <a:r>
+              <a:rPr lang="fr-FR" dirty="0" err="1" smtClean="0"/>
+              <a:t>fixpoint</a:t>
+            </a:r>
+            <a:r>
+              <a:rPr lang="fr-FR" dirty="0" smtClean="0"/>
+              <a:t>:</a:t>
+            </a:r>
+            <a:endParaRPr lang="fr-FR" dirty="0"/>
+          </a:p>
+        </p:txBody>
+      </p:sp>
+      <p:pic>
+        <p:nvPicPr>
+          <p:cNvPr id="15" name="Image 14"/>
+          <p:cNvPicPr>
+            <a:picLocks noChangeAspect="1"/>
+          </p:cNvPicPr>
+          <p:nvPr/>
+        </p:nvPicPr>
+        <p:blipFill rotWithShape="1">
+          <a:blip r:embed="rId3"/>
+          <a:srcRect l="-1" t="1084" r="171" b="2183"/>
+          <a:stretch/>
+        </p:blipFill>
+        <p:spPr>
+          <a:xfrm>
+            <a:off x="838200" y="2236206"/>
+            <a:ext cx="5444905" cy="552261"/>
+          </a:xfrm>
+          <a:prstGeom prst="rect">
+            <a:avLst/>
+          </a:prstGeom>
+        </p:spPr>
+      </p:pic>
+      <p:pic>
+        <p:nvPicPr>
+          <p:cNvPr id="16" name="Image 15"/>
+          <p:cNvPicPr>
+            <a:picLocks noChangeAspect="1"/>
+          </p:cNvPicPr>
+          <p:nvPr/>
+        </p:nvPicPr>
+        <p:blipFill rotWithShape="1">
+          <a:blip r:embed="rId4"/>
+          <a:srcRect l="12262"/>
+          <a:stretch/>
+        </p:blipFill>
+        <p:spPr>
+          <a:xfrm>
+            <a:off x="652199" y="4104616"/>
+            <a:ext cx="7061667" cy="495300"/>
+          </a:xfrm>
+          <a:prstGeom prst="rect">
+            <a:avLst/>
+          </a:prstGeom>
+        </p:spPr>
+      </p:pic>
+      <p:pic>
+        <p:nvPicPr>
+          <p:cNvPr id="17" name="Espace réservé du contenu 3"/>
+          <p:cNvPicPr>
+            <a:picLocks noChangeAspect="1"/>
+          </p:cNvPicPr>
+          <p:nvPr/>
+        </p:nvPicPr>
+        <p:blipFill rotWithShape="1">
+          <a:blip r:embed="rId2"/>
+          <a:srcRect t="87543" r="41773" b="8441"/>
+          <a:stretch/>
+        </p:blipFill>
+        <p:spPr>
+          <a:xfrm>
+            <a:off x="596826" y="3835395"/>
+            <a:ext cx="3000040" cy="237192"/>
+          </a:xfrm>
+          <a:prstGeom prst="rect">
+            <a:avLst/>
+          </a:prstGeom>
+        </p:spPr>
+      </p:pic>
+      <p:sp>
+        <p:nvSpPr>
+          <p:cNvPr id="3" name="ZoneTexte 2"/>
+          <p:cNvSpPr txBox="1"/>
+          <p:nvPr/>
+        </p:nvSpPr>
+        <p:spPr>
+          <a:xfrm>
+            <a:off x="596826" y="3103781"/>
+            <a:ext cx="7261193" cy="369332"/>
+          </a:xfrm>
+          <a:prstGeom prst="rect">
+            <a:avLst/>
+          </a:prstGeom>
+          <a:noFill/>
+        </p:spPr>
+        <p:txBody>
+          <a:bodyPr wrap="square" rtlCol="0">
+            <a:spAutoFit/>
+          </a:bodyPr>
+          <a:lstStyle/>
+          <a:p>
+            <a:r>
+              <a:rPr lang="fr-FR" dirty="0" smtClean="0"/>
+              <a:t>This </a:t>
+            </a:r>
+            <a:r>
+              <a:rPr lang="fr-FR" dirty="0" err="1" smtClean="0"/>
+              <a:t>is</a:t>
+            </a:r>
+            <a:r>
+              <a:rPr lang="fr-FR" dirty="0" smtClean="0"/>
+              <a:t> </a:t>
+            </a:r>
+            <a:r>
+              <a:rPr lang="fr-FR" dirty="0" err="1" smtClean="0"/>
+              <a:t>much</a:t>
+            </a:r>
+            <a:r>
+              <a:rPr lang="fr-FR" dirty="0" smtClean="0"/>
+              <a:t> </a:t>
+            </a:r>
+            <a:r>
+              <a:rPr lang="fr-FR" dirty="0" err="1" smtClean="0"/>
+              <a:t>simpler</a:t>
+            </a:r>
+            <a:r>
+              <a:rPr lang="fr-FR" dirty="0" smtClean="0"/>
+              <a:t> </a:t>
+            </a:r>
+            <a:r>
+              <a:rPr lang="fr-FR" dirty="0" err="1" smtClean="0"/>
+              <a:t>that</a:t>
+            </a:r>
+            <a:r>
+              <a:rPr lang="fr-FR" dirty="0" smtClean="0"/>
+              <a:t> the one </a:t>
+            </a:r>
+            <a:r>
+              <a:rPr lang="fr-FR" dirty="0" err="1" smtClean="0"/>
+              <a:t>obtained</a:t>
+            </a:r>
+            <a:r>
+              <a:rPr lang="fr-FR" dirty="0" smtClean="0"/>
+              <a:t> </a:t>
+            </a:r>
+            <a:r>
+              <a:rPr lang="fr-FR" dirty="0" err="1" smtClean="0"/>
+              <a:t>with</a:t>
+            </a:r>
+            <a:r>
+              <a:rPr lang="fr-FR" dirty="0" smtClean="0"/>
+              <a:t> the </a:t>
+            </a:r>
+            <a:r>
+              <a:rPr lang="fr-FR" dirty="0" err="1" smtClean="0"/>
+              <a:t>naive</a:t>
+            </a:r>
+            <a:r>
+              <a:rPr lang="fr-FR" dirty="0" smtClean="0"/>
+              <a:t> </a:t>
+            </a:r>
+            <a:r>
+              <a:rPr lang="fr-FR" dirty="0" err="1" smtClean="0"/>
+              <a:t>generalization</a:t>
+            </a:r>
+            <a:r>
+              <a:rPr lang="fr-FR" dirty="0" smtClean="0"/>
+              <a:t>:</a:t>
+            </a:r>
+            <a:endParaRPr lang="fr-FR" dirty="0"/>
+          </a:p>
+        </p:txBody>
+      </p:sp>
+      <p:pic>
+        <p:nvPicPr>
+          <p:cNvPr id="18" name="Espace réservé du contenu 3"/>
+          <p:cNvPicPr>
+            <a:picLocks noChangeAspect="1"/>
+          </p:cNvPicPr>
+          <p:nvPr/>
+        </p:nvPicPr>
+        <p:blipFill rotWithShape="1">
+          <a:blip r:embed="rId2"/>
+          <a:srcRect t="87543" r="41773" b="8441"/>
+          <a:stretch/>
+        </p:blipFill>
+        <p:spPr>
+          <a:xfrm>
+            <a:off x="652199" y="5566397"/>
+            <a:ext cx="3000040" cy="237192"/>
+          </a:xfrm>
+          <a:prstGeom prst="rect">
+            <a:avLst/>
+          </a:prstGeom>
+        </p:spPr>
+      </p:pic>
+      <p:pic>
+        <p:nvPicPr>
+          <p:cNvPr id="5" name="Image 4"/>
+          <p:cNvPicPr>
+            <a:picLocks noChangeAspect="1"/>
+          </p:cNvPicPr>
+          <p:nvPr/>
+        </p:nvPicPr>
+        <p:blipFill rotWithShape="1">
+          <a:blip r:embed="rId5"/>
+          <a:srcRect l="28269" t="1" b="450"/>
+          <a:stretch/>
+        </p:blipFill>
+        <p:spPr>
+          <a:xfrm>
+            <a:off x="652199" y="5803589"/>
+            <a:ext cx="2480150" cy="161194"/>
+          </a:xfrm>
+          <a:prstGeom prst="rect">
+            <a:avLst/>
+          </a:prstGeom>
+        </p:spPr>
+      </p:pic>
+      <p:sp>
+        <p:nvSpPr>
+          <p:cNvPr id="20" name="ZoneTexte 19"/>
+          <p:cNvSpPr txBox="1"/>
+          <p:nvPr/>
+        </p:nvSpPr>
+        <p:spPr>
+          <a:xfrm>
+            <a:off x="552435" y="4976896"/>
+            <a:ext cx="7261193" cy="369332"/>
+          </a:xfrm>
+          <a:prstGeom prst="rect">
+            <a:avLst/>
+          </a:prstGeom>
+          <a:noFill/>
+        </p:spPr>
+        <p:txBody>
+          <a:bodyPr wrap="square" rtlCol="0">
+            <a:spAutoFit/>
+          </a:bodyPr>
+          <a:lstStyle/>
+          <a:p>
+            <a:r>
+              <a:rPr lang="fr-FR" dirty="0" smtClean="0"/>
+              <a:t>But </a:t>
+            </a:r>
+            <a:r>
+              <a:rPr lang="fr-FR" dirty="0" err="1" smtClean="0"/>
+              <a:t>still</a:t>
+            </a:r>
+            <a:r>
+              <a:rPr lang="fr-FR" dirty="0" smtClean="0"/>
+              <a:t> more </a:t>
+            </a:r>
+            <a:r>
+              <a:rPr lang="fr-FR" dirty="0" err="1" smtClean="0"/>
+              <a:t>complicated</a:t>
+            </a:r>
+            <a:r>
+              <a:rPr lang="fr-FR" dirty="0" smtClean="0"/>
+              <a:t> </a:t>
+            </a:r>
+            <a:r>
+              <a:rPr lang="fr-FR" dirty="0" err="1" smtClean="0"/>
+              <a:t>than</a:t>
+            </a:r>
+            <a:r>
+              <a:rPr lang="fr-FR" dirty="0" smtClean="0"/>
+              <a:t> the </a:t>
+            </a:r>
+            <a:r>
+              <a:rPr lang="fr-FR" dirty="0" err="1" smtClean="0"/>
+              <a:t>expected</a:t>
+            </a:r>
+            <a:r>
+              <a:rPr lang="fr-FR" dirty="0" smtClean="0"/>
+              <a:t> invariant:</a:t>
+            </a:r>
+            <a:endParaRPr lang="fr-FR" dirty="0"/>
+          </a:p>
+        </p:txBody>
+      </p:sp>
+    </p:spTree>
+    <p:extLst>
+      <p:ext uri="{BB962C8B-B14F-4D97-AF65-F5344CB8AC3E}">
+        <p14:creationId xmlns:p14="http://schemas.microsoft.com/office/powerpoint/2010/main" val="2827125614"/>
+      </p:ext>
+    </p:extLst>
+  </p:cSld>
+  <p:clrMapOvr>
+    <a:masterClrMapping/>
+  </p:clrMapOvr>
+  <p:timing>
+    <p:tnLst>
+      <p:par>
+        <p:cTn id="1" dur="indefinite" restart="never" nodeType="tmRoot"/>
+      </p:par>
+    </p:tnLst>
+  </p:timing>
+</p:sld>
+</file>
+
+<file path=ppt/slides/slide22.xml><?xml version="1.0" encoding="utf-8"?>
+<p:sld xmlns:a="http://schemas.openxmlformats.org/drawingml/2006/main" xmlns:r="http://schemas.openxmlformats.org/officeDocument/2006/relationships" xmlns:p="http://schemas.openxmlformats.org/presentationml/2006/main">
+  <p:cSld>
+    <p:spTree>
+      <p:nvGrpSpPr>
+        <p:cNvPr id="1" name=""/>
+        <p:cNvGrpSpPr/>
+        <p:nvPr/>
+      </p:nvGrpSpPr>
+      <p:grpSpPr>
+        <a:xfrm>
+          <a:off x="0" y="0"/>
+          <a:ext cx="0" cy="0"/>
+          <a:chOff x="0" y="0"/>
+          <a:chExt cx="0" cy="0"/>
+        </a:xfrm>
+      </p:grpSpPr>
+      <p:sp>
+        <p:nvSpPr>
+          <p:cNvPr id="2" name="Titre 1"/>
+          <p:cNvSpPr>
+            <a:spLocks noGrp="1"/>
+          </p:cNvSpPr>
+          <p:nvPr>
+            <p:ph type="title"/>
+          </p:nvPr>
+        </p:nvSpPr>
+        <p:spPr/>
+        <p:txBody>
+          <a:bodyPr/>
+          <a:lstStyle/>
+          <a:p>
+            <a:r>
+              <a:rPr lang="fr-FR" dirty="0" err="1" smtClean="0"/>
+              <a:t>Example</a:t>
+            </a:r>
+            <a:r>
+              <a:rPr lang="fr-FR" dirty="0" smtClean="0"/>
+              <a:t> 2</a:t>
+            </a:r>
+            <a:endParaRPr lang="fr-FR" dirty="0"/>
+          </a:p>
+        </p:txBody>
+      </p:sp>
+      <p:sp>
+        <p:nvSpPr>
+          <p:cNvPr id="3" name="Espace réservé du contenu 2"/>
+          <p:cNvSpPr>
+            <a:spLocks noGrp="1"/>
+          </p:cNvSpPr>
+          <p:nvPr>
+            <p:ph idx="1"/>
+          </p:nvPr>
+        </p:nvSpPr>
+        <p:spPr/>
+        <p:txBody>
+          <a:bodyPr/>
+          <a:lstStyle/>
+          <a:p>
+            <a:endParaRPr lang="fr-FR"/>
+          </a:p>
+        </p:txBody>
+      </p:sp>
+    </p:spTree>
+    <p:extLst>
+      <p:ext uri="{BB962C8B-B14F-4D97-AF65-F5344CB8AC3E}">
+        <p14:creationId xmlns:p14="http://schemas.microsoft.com/office/powerpoint/2010/main" val="3956432947"/>
+      </p:ext>
+    </p:extLst>
+  </p:cSld>
+  <p:clrMapOvr>
+    <a:masterClrMapping/>
+  </p:clrMapOvr>
+</p:sld>
+</file>
+
+<file path=ppt/slides/slide23.xml><?xml version="1.0" encoding="utf-8"?>
+<p:sld xmlns:a="http://schemas.openxmlformats.org/drawingml/2006/main" xmlns:r="http://schemas.openxmlformats.org/officeDocument/2006/relationships" xmlns:p="http://schemas.openxmlformats.org/presentationml/2006/main">
+  <p:cSld>
+    <p:spTree>
+      <p:nvGrpSpPr>
+        <p:cNvPr id="1" name=""/>
+        <p:cNvGrpSpPr/>
+        <p:nvPr/>
+      </p:nvGrpSpPr>
+      <p:grpSpPr>
+        <a:xfrm>
+          <a:off x="0" y="0"/>
+          <a:ext cx="0" cy="0"/>
+          <a:chOff x="0" y="0"/>
+          <a:chExt cx="0" cy="0"/>
+        </a:xfrm>
+      </p:grpSpPr>
+      <p:sp>
+        <p:nvSpPr>
+          <p:cNvPr id="2" name="Titre 1"/>
+          <p:cNvSpPr>
+            <a:spLocks noGrp="1"/>
+          </p:cNvSpPr>
+          <p:nvPr>
+            <p:ph type="title"/>
+          </p:nvPr>
+        </p:nvSpPr>
+        <p:spPr/>
+        <p:txBody>
+          <a:bodyPr/>
+          <a:lstStyle/>
+          <a:p>
+            <a:r>
+              <a:rPr lang="fr-FR" dirty="0" err="1" smtClean="0"/>
+              <a:t>Guarantees</a:t>
+            </a:r>
+            <a:endParaRPr lang="fr-FR" dirty="0"/>
+          </a:p>
+        </p:txBody>
+      </p:sp>
+      <p:sp>
+        <p:nvSpPr>
+          <p:cNvPr id="3" name="Espace réservé du contenu 2"/>
+          <p:cNvSpPr>
+            <a:spLocks noGrp="1"/>
+          </p:cNvSpPr>
+          <p:nvPr>
+            <p:ph idx="1"/>
+          </p:nvPr>
+        </p:nvSpPr>
+        <p:spPr/>
+        <p:txBody>
+          <a:bodyPr>
+            <a:normAutofit lnSpcReduction="10000"/>
+          </a:bodyPr>
+          <a:lstStyle/>
+          <a:p>
+            <a:r>
+              <a:rPr lang="fr-FR" dirty="0" err="1" smtClean="0"/>
+              <a:t>Correctness</a:t>
+            </a:r>
+            <a:r>
+              <a:rPr lang="fr-FR" dirty="0" smtClean="0"/>
+              <a:t>:</a:t>
+            </a:r>
+            <a:r>
+              <a:rPr lang="fr-FR" dirty="0"/>
+              <a:t/>
+            </a:r>
+            <a:br>
+              <a:rPr lang="fr-FR" dirty="0"/>
+            </a:br>
+            <a:r>
+              <a:rPr lang="fr-FR" dirty="0" err="1" smtClean="0"/>
+              <a:t>any</a:t>
+            </a:r>
+            <a:r>
+              <a:rPr lang="fr-FR" dirty="0" smtClean="0"/>
+              <a:t> invariant </a:t>
+            </a:r>
+            <a:r>
+              <a:rPr lang="fr-FR" dirty="0" err="1" smtClean="0"/>
+              <a:t>generated</a:t>
+            </a:r>
+            <a:r>
+              <a:rPr lang="fr-FR" dirty="0" smtClean="0"/>
+              <a:t> </a:t>
+            </a:r>
+            <a:r>
+              <a:rPr lang="fr-FR" dirty="0" err="1" smtClean="0"/>
+              <a:t>is</a:t>
+            </a:r>
+            <a:r>
+              <a:rPr lang="fr-FR" dirty="0" smtClean="0"/>
+              <a:t> correct, in the </a:t>
+            </a:r>
+            <a:r>
+              <a:rPr lang="fr-FR" dirty="0" err="1" smtClean="0"/>
+              <a:t>sense</a:t>
+            </a:r>
+            <a:r>
+              <a:rPr lang="fr-FR" dirty="0" smtClean="0"/>
+              <a:t> </a:t>
+            </a:r>
+            <a:r>
+              <a:rPr lang="fr-FR" dirty="0" err="1" smtClean="0"/>
+              <a:t>that</a:t>
+            </a:r>
+            <a:r>
+              <a:rPr lang="fr-FR" dirty="0" smtClean="0"/>
+              <a:t> </a:t>
+            </a:r>
+            <a:r>
+              <a:rPr lang="fr-FR" dirty="0" err="1" smtClean="0"/>
+              <a:t>it</a:t>
+            </a:r>
+            <a:r>
+              <a:rPr lang="fr-FR" dirty="0" smtClean="0"/>
+              <a:t> </a:t>
+            </a:r>
+            <a:r>
+              <a:rPr lang="fr-FR" dirty="0" err="1" smtClean="0"/>
+              <a:t>will</a:t>
+            </a:r>
+            <a:r>
+              <a:rPr lang="fr-FR" dirty="0" smtClean="0"/>
+              <a:t> </a:t>
+            </a:r>
+            <a:r>
+              <a:rPr lang="fr-FR" dirty="0" err="1" smtClean="0"/>
+              <a:t>always</a:t>
+            </a:r>
+            <a:r>
+              <a:rPr lang="fr-FR" dirty="0" smtClean="0"/>
+              <a:t> </a:t>
+            </a:r>
+            <a:r>
+              <a:rPr lang="fr-FR" dirty="0" err="1" smtClean="0"/>
+              <a:t>be</a:t>
+            </a:r>
+            <a:r>
+              <a:rPr lang="fr-FR" dirty="0" smtClean="0"/>
+              <a:t> </a:t>
+            </a:r>
+            <a:r>
+              <a:rPr lang="fr-FR" dirty="0" err="1" smtClean="0"/>
+              <a:t>satisfied</a:t>
+            </a:r>
+            <a:r>
+              <a:rPr lang="fr-FR" dirty="0" smtClean="0"/>
+              <a:t> in </a:t>
+            </a:r>
+            <a:r>
+              <a:rPr lang="fr-FR" dirty="0" err="1" smtClean="0"/>
+              <a:t>any</a:t>
+            </a:r>
+            <a:r>
+              <a:rPr lang="fr-FR" dirty="0" smtClean="0"/>
+              <a:t> </a:t>
+            </a:r>
+            <a:r>
+              <a:rPr lang="fr-FR" dirty="0" err="1" smtClean="0"/>
+              <a:t>execution</a:t>
+            </a:r>
+            <a:r>
+              <a:rPr lang="fr-FR" dirty="0" smtClean="0"/>
+              <a:t> (</a:t>
+            </a:r>
+            <a:r>
+              <a:rPr lang="fr-FR" dirty="0" err="1" smtClean="0"/>
+              <a:t>assuming</a:t>
+            </a:r>
+            <a:r>
+              <a:rPr lang="fr-FR" dirty="0" smtClean="0"/>
+              <a:t> </a:t>
+            </a:r>
+            <a:r>
+              <a:rPr lang="fr-FR" dirty="0" err="1" smtClean="0"/>
+              <a:t>that</a:t>
+            </a:r>
+            <a:r>
+              <a:rPr lang="fr-FR" dirty="0" smtClean="0"/>
+              <a:t> the initial set of invariants </a:t>
+            </a:r>
+            <a:r>
+              <a:rPr lang="fr-FR" dirty="0" err="1" smtClean="0"/>
+              <a:t>is</a:t>
+            </a:r>
+            <a:r>
+              <a:rPr lang="fr-FR" dirty="0" smtClean="0"/>
+              <a:t> </a:t>
+            </a:r>
+            <a:r>
+              <a:rPr lang="fr-FR" dirty="0" err="1" smtClean="0"/>
+              <a:t>also</a:t>
+            </a:r>
+            <a:r>
+              <a:rPr lang="fr-FR" dirty="0" smtClean="0"/>
+              <a:t> correct).</a:t>
+            </a:r>
+          </a:p>
+          <a:p>
+            <a:endParaRPr lang="fr-FR" dirty="0"/>
+          </a:p>
+          <a:p>
+            <a:r>
+              <a:rPr lang="fr-FR" i="1" dirty="0" err="1" smtClean="0"/>
+              <a:t>Completeness</a:t>
+            </a:r>
+            <a:r>
+              <a:rPr lang="fr-FR" dirty="0" smtClean="0"/>
+              <a:t>:</a:t>
+            </a:r>
+            <a:br>
+              <a:rPr lang="fr-FR" dirty="0" smtClean="0"/>
+            </a:br>
+            <a:r>
+              <a:rPr lang="fr-FR" dirty="0" smtClean="0"/>
+              <a:t>If </a:t>
+            </a:r>
+            <a:r>
+              <a:rPr lang="fr-FR" dirty="0" err="1" smtClean="0"/>
+              <a:t>some</a:t>
+            </a:r>
+            <a:r>
+              <a:rPr lang="fr-FR" dirty="0" smtClean="0"/>
+              <a:t> </a:t>
+            </a:r>
+            <a:r>
+              <a:rPr lang="fr-FR" dirty="0" err="1" smtClean="0"/>
+              <a:t>valid</a:t>
+            </a:r>
+            <a:r>
+              <a:rPr lang="fr-FR" dirty="0" smtClean="0"/>
+              <a:t> </a:t>
+            </a:r>
+            <a:r>
+              <a:rPr lang="fr-FR" dirty="0" err="1" smtClean="0"/>
+              <a:t>universal</a:t>
+            </a:r>
+            <a:r>
+              <a:rPr lang="fr-FR" dirty="0" smtClean="0"/>
+              <a:t> invariant </a:t>
+            </a:r>
+            <a:r>
+              <a:rPr lang="fr-FR" dirty="0" err="1" smtClean="0"/>
+              <a:t>exist</a:t>
+            </a:r>
+            <a:r>
+              <a:rPr lang="fr-FR" dirty="0" smtClean="0"/>
+              <a:t>, one </a:t>
+            </a:r>
+            <a:r>
+              <a:rPr lang="fr-FR" dirty="0" err="1" smtClean="0"/>
+              <a:t>will</a:t>
+            </a:r>
+            <a:r>
+              <a:rPr lang="fr-FR" dirty="0" smtClean="0"/>
+              <a:t> </a:t>
+            </a:r>
+            <a:r>
+              <a:rPr lang="fr-FR" dirty="0" err="1" smtClean="0"/>
+              <a:t>always</a:t>
+            </a:r>
+            <a:r>
+              <a:rPr lang="fr-FR" dirty="0" smtClean="0"/>
+              <a:t> </a:t>
+            </a:r>
+            <a:r>
+              <a:rPr lang="fr-FR" dirty="0" err="1" smtClean="0"/>
+              <a:t>be</a:t>
+            </a:r>
+            <a:r>
+              <a:rPr lang="fr-FR" dirty="0" smtClean="0"/>
+              <a:t> </a:t>
+            </a:r>
+            <a:r>
+              <a:rPr lang="fr-FR" dirty="0" err="1" smtClean="0"/>
+              <a:t>proposed</a:t>
+            </a:r>
+            <a:r>
+              <a:rPr lang="fr-FR" dirty="0" smtClean="0"/>
+              <a:t>.</a:t>
+            </a:r>
+            <a:br>
+              <a:rPr lang="fr-FR" dirty="0" smtClean="0"/>
+            </a:br>
+            <a:r>
+              <a:rPr lang="fr-FR" dirty="0" smtClean="0"/>
+              <a:t>If a </a:t>
+            </a:r>
+            <a:r>
+              <a:rPr lang="fr-FR" dirty="0" smtClean="0">
+                <a:solidFill>
+                  <a:schemeClr val="dk1"/>
+                </a:solidFill>
+              </a:rPr>
+              <a:t>∀∃ formula </a:t>
+            </a:r>
+            <a:r>
+              <a:rPr lang="fr-FR" dirty="0" err="1" smtClean="0">
+                <a:solidFill>
+                  <a:schemeClr val="dk1"/>
+                </a:solidFill>
+              </a:rPr>
+              <a:t>is</a:t>
+            </a:r>
+            <a:r>
+              <a:rPr lang="fr-FR" dirty="0" smtClean="0">
+                <a:solidFill>
+                  <a:schemeClr val="dk1"/>
+                </a:solidFill>
+              </a:rPr>
+              <a:t> </a:t>
+            </a:r>
+            <a:r>
+              <a:rPr lang="fr-FR" dirty="0" err="1" smtClean="0">
+                <a:solidFill>
+                  <a:schemeClr val="dk1"/>
+                </a:solidFill>
+              </a:rPr>
+              <a:t>needed</a:t>
+            </a:r>
+            <a:r>
+              <a:rPr lang="fr-FR" dirty="0" smtClean="0">
+                <a:solidFill>
+                  <a:schemeClr val="dk1"/>
+                </a:solidFill>
+              </a:rPr>
+              <a:t>, one </a:t>
+            </a:r>
+            <a:r>
+              <a:rPr lang="fr-FR" dirty="0" err="1" smtClean="0">
+                <a:solidFill>
+                  <a:schemeClr val="dk1"/>
+                </a:solidFill>
+              </a:rPr>
+              <a:t>may</a:t>
+            </a:r>
+            <a:r>
+              <a:rPr lang="fr-FR" dirty="0" smtClean="0">
+                <a:solidFill>
+                  <a:schemeClr val="dk1"/>
+                </a:solidFill>
+              </a:rPr>
+              <a:t> </a:t>
+            </a:r>
+            <a:r>
+              <a:rPr lang="fr-FR" dirty="0" err="1" smtClean="0">
+                <a:solidFill>
+                  <a:schemeClr val="dk1"/>
+                </a:solidFill>
+              </a:rPr>
+              <a:t>be</a:t>
+            </a:r>
+            <a:r>
+              <a:rPr lang="fr-FR" dirty="0" smtClean="0">
+                <a:solidFill>
+                  <a:schemeClr val="dk1"/>
+                </a:solidFill>
+              </a:rPr>
+              <a:t> </a:t>
+            </a:r>
+            <a:r>
+              <a:rPr lang="fr-FR" dirty="0" err="1" smtClean="0">
+                <a:solidFill>
+                  <a:schemeClr val="dk1"/>
+                </a:solidFill>
+              </a:rPr>
+              <a:t>proposed</a:t>
+            </a:r>
+            <a:r>
+              <a:rPr lang="fr-FR" dirty="0" smtClean="0">
+                <a:solidFill>
+                  <a:schemeClr val="dk1"/>
+                </a:solidFill>
+              </a:rPr>
+              <a:t> (</a:t>
+            </a:r>
+            <a:r>
+              <a:rPr lang="fr-FR" dirty="0" err="1" smtClean="0">
+                <a:solidFill>
+                  <a:schemeClr val="dk1"/>
+                </a:solidFill>
+              </a:rPr>
+              <a:t>still</a:t>
+            </a:r>
+            <a:r>
+              <a:rPr lang="fr-FR" dirty="0" smtClean="0">
+                <a:solidFill>
+                  <a:schemeClr val="dk1"/>
+                </a:solidFill>
+              </a:rPr>
+              <a:t> </a:t>
+            </a:r>
+            <a:r>
+              <a:rPr lang="fr-FR" dirty="0" err="1" smtClean="0">
+                <a:solidFill>
+                  <a:schemeClr val="dk1"/>
+                </a:solidFill>
+              </a:rPr>
+              <a:t>need</a:t>
+            </a:r>
+            <a:r>
+              <a:rPr lang="fr-FR" dirty="0" smtClean="0">
+                <a:solidFill>
+                  <a:schemeClr val="dk1"/>
+                </a:solidFill>
+              </a:rPr>
+              <a:t> to </a:t>
+            </a:r>
+            <a:r>
+              <a:rPr lang="fr-FR" dirty="0" err="1" smtClean="0">
+                <a:solidFill>
+                  <a:schemeClr val="dk1"/>
+                </a:solidFill>
+              </a:rPr>
+              <a:t>be</a:t>
+            </a:r>
+            <a:r>
+              <a:rPr lang="fr-FR" dirty="0" smtClean="0">
+                <a:solidFill>
+                  <a:schemeClr val="dk1"/>
+                </a:solidFill>
+              </a:rPr>
+              <a:t> </a:t>
+            </a:r>
+            <a:r>
+              <a:rPr lang="fr-FR" dirty="0" err="1" smtClean="0">
+                <a:solidFill>
+                  <a:schemeClr val="dk1"/>
+                </a:solidFill>
+              </a:rPr>
+              <a:t>characterized</a:t>
+            </a:r>
+            <a:r>
+              <a:rPr lang="fr-FR" dirty="0" smtClean="0">
+                <a:solidFill>
+                  <a:schemeClr val="dk1"/>
+                </a:solidFill>
+              </a:rPr>
+              <a:t>).</a:t>
+            </a:r>
+            <a:r>
+              <a:rPr lang="fr-FR" dirty="0"/>
+              <a:t/>
+            </a:r>
+            <a:br>
+              <a:rPr lang="fr-FR" dirty="0"/>
+            </a:br>
+            <a:r>
+              <a:rPr lang="fr-FR" dirty="0" err="1" smtClean="0"/>
+              <a:t>Guarantees</a:t>
+            </a:r>
+            <a:r>
+              <a:rPr lang="fr-FR" dirty="0" smtClean="0"/>
+              <a:t> on the </a:t>
+            </a:r>
+            <a:r>
+              <a:rPr lang="fr-FR" dirty="0" err="1" smtClean="0"/>
+              <a:t>generality</a:t>
+            </a:r>
+            <a:r>
+              <a:rPr lang="fr-FR" dirty="0" smtClean="0"/>
+              <a:t> of the invariant </a:t>
+            </a:r>
+            <a:r>
+              <a:rPr lang="fr-FR" dirty="0" err="1" smtClean="0"/>
+              <a:t>generated</a:t>
+            </a:r>
+            <a:r>
+              <a:rPr lang="fr-FR" dirty="0" smtClean="0"/>
+              <a:t> </a:t>
+            </a:r>
+            <a:r>
+              <a:rPr lang="fr-FR" dirty="0" err="1" smtClean="0"/>
+              <a:t>still</a:t>
+            </a:r>
+            <a:r>
+              <a:rPr lang="fr-FR" dirty="0" smtClean="0"/>
+              <a:t> </a:t>
+            </a:r>
+            <a:r>
+              <a:rPr lang="fr-FR" dirty="0" err="1" smtClean="0"/>
+              <a:t>need</a:t>
+            </a:r>
+            <a:r>
+              <a:rPr lang="fr-FR" dirty="0" smtClean="0"/>
+              <a:t> to </a:t>
+            </a:r>
+            <a:r>
+              <a:rPr lang="fr-FR" dirty="0" err="1" smtClean="0"/>
+              <a:t>be</a:t>
+            </a:r>
+            <a:r>
+              <a:rPr lang="fr-FR" dirty="0" smtClean="0"/>
+              <a:t> </a:t>
+            </a:r>
+            <a:r>
+              <a:rPr lang="fr-FR" dirty="0" err="1" smtClean="0"/>
+              <a:t>characterized</a:t>
+            </a:r>
+            <a:r>
+              <a:rPr lang="fr-FR" dirty="0" smtClean="0"/>
+              <a:t>.</a:t>
+            </a:r>
+          </a:p>
+        </p:txBody>
+      </p:sp>
+    </p:spTree>
+    <p:extLst>
+      <p:ext uri="{BB962C8B-B14F-4D97-AF65-F5344CB8AC3E}">
+        <p14:creationId xmlns:p14="http://schemas.microsoft.com/office/powerpoint/2010/main" val="1234709914"/>
+      </p:ext>
+    </p:extLst>
+  </p:cSld>
+  <p:clrMapOvr>
+    <a:masterClrMapping/>
+  </p:clrMapOvr>
 </p:sld>
 </file>
 
@@ -8027,7 +14082,7 @@
           <p:nvPr>
             <p:extLst>
               <p:ext uri="{D42A27DB-BD31-4B8C-83A1-F6EECF244321}">
-                <p14:modId xmlns:p14="http://schemas.microsoft.com/office/powerpoint/2010/main" val="2230084904"/>
+                <p14:modId xmlns:p14="http://schemas.microsoft.com/office/powerpoint/2010/main" val="3096676319"/>
               </p:ext>
             </p:extLst>
           </p:nvPr>
@@ -9030,75 +15085,77 @@
                       </a:pPr>
                       <a:r>
                         <a:rPr lang="fr-FR" dirty="0" smtClean="0"/>
-                        <a:t>Idem.</a:t>
+                        <a:t>Fail </a:t>
                       </a:r>
-                    </a:p>
-                    <a:p>
-                      <a:pPr marL="0" marR="0" indent="0" algn="l" defTabSz="914400" rtl="0" eaLnBrk="1" fontAlgn="auto" latinLnBrk="0" hangingPunct="1">
-                        <a:lnSpc>
-                          <a:spcPct val="100000"/>
-                        </a:lnSpc>
-                        <a:spcBef>
-                          <a:spcPts val="0"/>
-                        </a:spcBef>
-                        <a:spcAft>
-                          <a:spcPts val="0"/>
-                        </a:spcAft>
-                        <a:buClrTx/>
-                        <a:buSzTx/>
-                        <a:buFontTx/>
-                        <a:buNone/>
-                        <a:tabLst/>
-                        <a:defRPr/>
-                      </a:pPr>
                       <a:r>
                         <a:rPr lang="fr-FR" dirty="0" err="1" smtClean="0"/>
-                        <a:t>Correctness</a:t>
+                        <a:t>when</a:t>
                       </a:r>
                       <a:r>
                         <a:rPr lang="fr-FR" dirty="0" smtClean="0"/>
-                        <a:t> </a:t>
+                        <a:t> no </a:t>
                       </a:r>
                       <a:r>
                         <a:rPr lang="fr-FR" dirty="0" err="1" smtClean="0"/>
-                        <a:t>can</a:t>
+                        <a:t>universal</a:t>
                       </a:r>
                       <a:r>
                         <a:rPr lang="fr-FR" dirty="0" smtClean="0"/>
-                        <a:t> </a:t>
+                        <a:t> invariant </a:t>
                       </a:r>
                       <a:r>
                         <a:rPr lang="fr-FR" dirty="0" err="1" smtClean="0"/>
-                        <a:t>be</a:t>
-                      </a:r>
-                      <a:r>
-                        <a:rPr lang="fr-FR" dirty="0" smtClean="0"/>
-                        <a:t> </a:t>
-                      </a:r>
-                      <a:r>
-                        <a:rPr lang="fr-FR" dirty="0" err="1" smtClean="0"/>
-                        <a:t>checked</a:t>
-                      </a:r>
-                      <a:r>
-                        <a:rPr lang="fr-FR" dirty="0" smtClean="0"/>
-                        <a:t> </a:t>
-                      </a:r>
-                      <a:r>
-                        <a:rPr lang="fr-FR" dirty="0" err="1" smtClean="0"/>
-                        <a:t>using</a:t>
-                      </a:r>
-                      <a:r>
-                        <a:rPr lang="fr-FR" dirty="0" smtClean="0"/>
-                        <a:t> model </a:t>
-                      </a:r>
-                      <a:r>
-                        <a:rPr lang="fr-FR" dirty="0" err="1" smtClean="0"/>
-                        <a:t>checking</a:t>
+                        <a:t>exists</a:t>
                       </a:r>
                       <a:r>
                         <a:rPr lang="fr-FR" dirty="0" smtClean="0"/>
                         <a:t>.</a:t>
                       </a:r>
+                      <a:r>
+                        <a:rPr lang="fr-FR" baseline="0" dirty="0" smtClean="0"/>
+                        <a:t> The </a:t>
+                      </a:r>
+                      <a:r>
+                        <a:rPr lang="fr-FR" baseline="0" dirty="0" err="1" smtClean="0"/>
+                        <a:t>generated</a:t>
+                      </a:r>
+                      <a:r>
+                        <a:rPr lang="fr-FR" baseline="0" dirty="0" smtClean="0"/>
+                        <a:t> invariant </a:t>
+                      </a:r>
+                      <a:r>
+                        <a:rPr lang="fr-FR" baseline="0" dirty="0" err="1" smtClean="0"/>
+                        <a:t>is</a:t>
+                      </a:r>
+                      <a:r>
+                        <a:rPr lang="fr-FR" baseline="0" dirty="0" smtClean="0"/>
+                        <a:t> </a:t>
+                      </a:r>
+                      <a:r>
+                        <a:rPr lang="fr-FR" baseline="0" dirty="0" err="1" smtClean="0"/>
+                        <a:t>checked</a:t>
+                      </a:r>
+                      <a:r>
+                        <a:rPr lang="fr-FR" baseline="0" dirty="0" smtClean="0"/>
+                        <a:t> </a:t>
+                      </a:r>
+                      <a:r>
+                        <a:rPr lang="fr-FR" baseline="0" dirty="0" err="1" smtClean="0"/>
+                        <a:t>with</a:t>
+                      </a:r>
+                      <a:r>
+                        <a:rPr lang="fr-FR" baseline="0" dirty="0" smtClean="0"/>
+                        <a:t> model </a:t>
+                      </a:r>
+                      <a:r>
+                        <a:rPr lang="fr-FR" baseline="0" dirty="0" err="1" smtClean="0"/>
+                        <a:t>checking</a:t>
+                      </a:r>
+                      <a:r>
+                        <a:rPr lang="fr-FR" baseline="0" dirty="0" smtClean="0"/>
+                        <a:t>.</a:t>
+                      </a:r>
+                      <a:endParaRPr lang="fr-FR" dirty="0" smtClean="0"/>
                     </a:p>
                   </a:txBody>
                   <a:tcPr/>

--- a/invariant_synthesis/Invariant Synthesis.pptx
+++ b/invariant_synthesis/Invariant Synthesis.pptx
@@ -219,7 +219,7 @@
           <a:p>
             <a:fld id="{EBD9B397-7B1E-493E-A9A5-08430B316BBA}" type="datetimeFigureOut">
               <a:rPr lang="fr-FR" smtClean="0"/>
-              <a:t>17/06/2018</a:t>
+              <a:t>18/06/2018</a:t>
             </a:fld>
             <a:endParaRPr lang="fr-FR"/>
           </a:p>
@@ -990,7 +990,7 @@
           <a:p>
             <a:fld id="{EBF2BB3E-5D50-4F04-8F1B-6C2E8367B5FD}" type="datetimeFigureOut">
               <a:rPr lang="fr-FR" smtClean="0"/>
-              <a:t>17/06/2018</a:t>
+              <a:t>18/06/2018</a:t>
             </a:fld>
             <a:endParaRPr lang="fr-FR"/>
           </a:p>
@@ -1160,7 +1160,7 @@
           <a:p>
             <a:fld id="{EBF2BB3E-5D50-4F04-8F1B-6C2E8367B5FD}" type="datetimeFigureOut">
               <a:rPr lang="fr-FR" smtClean="0"/>
-              <a:t>17/06/2018</a:t>
+              <a:t>18/06/2018</a:t>
             </a:fld>
             <a:endParaRPr lang="fr-FR"/>
           </a:p>
@@ -1340,7 +1340,7 @@
           <a:p>
             <a:fld id="{EBF2BB3E-5D50-4F04-8F1B-6C2E8367B5FD}" type="datetimeFigureOut">
               <a:rPr lang="fr-FR" smtClean="0"/>
-              <a:t>17/06/2018</a:t>
+              <a:t>18/06/2018</a:t>
             </a:fld>
             <a:endParaRPr lang="fr-FR"/>
           </a:p>
@@ -1510,7 +1510,7 @@
           <a:p>
             <a:fld id="{EBF2BB3E-5D50-4F04-8F1B-6C2E8367B5FD}" type="datetimeFigureOut">
               <a:rPr lang="fr-FR" smtClean="0"/>
-              <a:t>17/06/2018</a:t>
+              <a:t>18/06/2018</a:t>
             </a:fld>
             <a:endParaRPr lang="fr-FR"/>
           </a:p>
@@ -1756,7 +1756,7 @@
           <a:p>
             <a:fld id="{EBF2BB3E-5D50-4F04-8F1B-6C2E8367B5FD}" type="datetimeFigureOut">
               <a:rPr lang="fr-FR" smtClean="0"/>
-              <a:t>17/06/2018</a:t>
+              <a:t>18/06/2018</a:t>
             </a:fld>
             <a:endParaRPr lang="fr-FR"/>
           </a:p>
@@ -1988,7 +1988,7 @@
           <a:p>
             <a:fld id="{EBF2BB3E-5D50-4F04-8F1B-6C2E8367B5FD}" type="datetimeFigureOut">
               <a:rPr lang="fr-FR" smtClean="0"/>
-              <a:t>17/06/2018</a:t>
+              <a:t>18/06/2018</a:t>
             </a:fld>
             <a:endParaRPr lang="fr-FR"/>
           </a:p>
@@ -2355,7 +2355,7 @@
           <a:p>
             <a:fld id="{EBF2BB3E-5D50-4F04-8F1B-6C2E8367B5FD}" type="datetimeFigureOut">
               <a:rPr lang="fr-FR" smtClean="0"/>
-              <a:t>17/06/2018</a:t>
+              <a:t>18/06/2018</a:t>
             </a:fld>
             <a:endParaRPr lang="fr-FR"/>
           </a:p>
@@ -2473,7 +2473,7 @@
           <a:p>
             <a:fld id="{EBF2BB3E-5D50-4F04-8F1B-6C2E8367B5FD}" type="datetimeFigureOut">
               <a:rPr lang="fr-FR" smtClean="0"/>
-              <a:t>17/06/2018</a:t>
+              <a:t>18/06/2018</a:t>
             </a:fld>
             <a:endParaRPr lang="fr-FR"/>
           </a:p>
@@ -2568,7 +2568,7 @@
           <a:p>
             <a:fld id="{EBF2BB3E-5D50-4F04-8F1B-6C2E8367B5FD}" type="datetimeFigureOut">
               <a:rPr lang="fr-FR" smtClean="0"/>
-              <a:t>17/06/2018</a:t>
+              <a:t>18/06/2018</a:t>
             </a:fld>
             <a:endParaRPr lang="fr-FR"/>
           </a:p>
@@ -2845,7 +2845,7 @@
           <a:p>
             <a:fld id="{EBF2BB3E-5D50-4F04-8F1B-6C2E8367B5FD}" type="datetimeFigureOut">
               <a:rPr lang="fr-FR" smtClean="0"/>
-              <a:t>17/06/2018</a:t>
+              <a:t>18/06/2018</a:t>
             </a:fld>
             <a:endParaRPr lang="fr-FR"/>
           </a:p>
@@ -3098,7 +3098,7 @@
           <a:p>
             <a:fld id="{EBF2BB3E-5D50-4F04-8F1B-6C2E8367B5FD}" type="datetimeFigureOut">
               <a:rPr lang="fr-FR" smtClean="0"/>
-              <a:t>17/06/2018</a:t>
+              <a:t>18/06/2018</a:t>
             </a:fld>
             <a:endParaRPr lang="fr-FR"/>
           </a:p>
@@ -3311,7 +3311,7 @@
           <a:p>
             <a:fld id="{EBF2BB3E-5D50-4F04-8F1B-6C2E8367B5FD}" type="datetimeFigureOut">
               <a:rPr lang="fr-FR" smtClean="0"/>
-              <a:t>17/06/2018</a:t>
+              <a:t>18/06/2018</a:t>
             </a:fld>
             <a:endParaRPr lang="fr-FR"/>
           </a:p>
@@ -4289,7 +4289,6 @@
                   <a:rPr lang="fr-FR" dirty="0"/>
                   <a:t>a</a:t>
                 </a:r>
-                <a:endParaRPr lang="fr-FR" dirty="0"/>
               </a:p>
             </p:txBody>
           </p:sp>
@@ -4332,19 +4331,13 @@
                 <a:rPr lang="fr-FR" dirty="0" smtClean="0"/>
                 <a:t>1</a:t>
               </a:r>
-              <a:endParaRPr lang="fr-FR" dirty="0" smtClean="0"/>
             </a:p>
             <a:p>
               <a:pPr algn="ctr"/>
               <a:r>
                 <a:rPr lang="fr-FR" dirty="0" smtClean="0"/>
-                <a:t>= </a:t>
+                <a:t>= elt2</a:t>
               </a:r>
-              <a:r>
-                <a:rPr lang="fr-FR" dirty="0" smtClean="0"/>
-                <a:t>elt2</a:t>
-              </a:r>
-              <a:endParaRPr lang="fr-FR" dirty="0" smtClean="0"/>
             </a:p>
           </p:txBody>
         </p:sp>
@@ -4386,7 +4379,6 @@
                 <a:rPr lang="fr-FR" dirty="0" smtClean="0"/>
                 <a:t>0</a:t>
               </a:r>
-              <a:endParaRPr lang="fr-FR" dirty="0" smtClean="0"/>
             </a:p>
           </p:txBody>
         </p:sp>
@@ -4486,7 +4478,6 @@
                   <a:rPr lang="fr-FR" dirty="0"/>
                   <a:t>b</a:t>
                 </a:r>
-                <a:endParaRPr lang="fr-FR" dirty="0"/>
               </a:p>
             </p:txBody>
           </p:sp>
@@ -4529,7 +4520,6 @@
                 <a:rPr lang="fr-FR" dirty="0" smtClean="0"/>
                 <a:t>0</a:t>
               </a:r>
-              <a:endParaRPr lang="fr-FR" dirty="0" smtClean="0"/>
             </a:p>
           </p:txBody>
         </p:sp>
@@ -4687,7 +4677,6 @@
                 <a:rPr lang="fr-FR" dirty="0" smtClean="0"/>
                 <a:t>1</a:t>
               </a:r>
-              <a:endParaRPr lang="fr-FR" dirty="0" smtClean="0"/>
             </a:p>
           </p:txBody>
         </p:sp>
@@ -6453,7 +6442,6 @@
               <a:rPr lang="fr-FR" dirty="0" smtClean="0"/>
               <a:t>:</a:t>
             </a:r>
-            <a:endParaRPr lang="fr-FR" dirty="0" smtClean="0"/>
           </a:p>
           <a:p>
             <a:r>
@@ -6519,7 +6507,6 @@
               <a:rPr lang="fr-FR" dirty="0" smtClean="0"/>
               <a:t>=0</a:t>
             </a:r>
-            <a:endParaRPr lang="fr-FR" dirty="0" smtClean="0"/>
           </a:p>
           <a:p>
             <a:r>
@@ -6540,13 +6527,8 @@
           <a:p>
             <a:r>
               <a:rPr lang="fr-FR" dirty="0" smtClean="0"/>
-              <a:t>d</a:t>
-            </a:r>
-            <a:r>
-              <a:rPr lang="fr-FR" dirty="0" smtClean="0"/>
-              <a:t>om(1)</a:t>
-            </a:r>
-            <a:endParaRPr lang="fr-FR" dirty="0" smtClean="0"/>
+              <a:t>dom(1)</a:t>
+            </a:r>
           </a:p>
           <a:p>
             <a:r>
@@ -6601,10 +6583,6 @@
               <a:rPr lang="fr-FR" dirty="0" smtClean="0"/>
               <a:t>(1),</a:t>
             </a:r>
-            <a:r>
-              <a:rPr lang="fr-FR" dirty="0" smtClean="0"/>
-              <a:t/>
-            </a:r>
             <a:br>
               <a:rPr lang="fr-FR" dirty="0" smtClean="0"/>
             </a:br>
@@ -6644,11 +6622,7 @@
             </a:r>
             <a:r>
               <a:rPr lang="fr-FR" dirty="0" smtClean="0"/>
-              <a:t>)=f(1,0)=false                     (the </a:t>
-            </a:r>
-            <a:r>
-              <a:rPr lang="fr-FR" dirty="0" smtClean="0"/>
-              <a:t>invariant </a:t>
+              <a:t>)=f(1,0)=false                     (the invariant </a:t>
             </a:r>
             <a:r>
               <a:rPr lang="fr-FR" dirty="0" err="1" smtClean="0"/>
@@ -6779,7 +6753,6 @@
                   <a:rPr lang="fr-FR" dirty="0"/>
                   <a:t>a</a:t>
                 </a:r>
-                <a:endParaRPr lang="fr-FR" dirty="0"/>
               </a:p>
             </p:txBody>
           </p:sp>
@@ -6822,7 +6795,6 @@
                 <a:rPr lang="fr-FR" dirty="0" smtClean="0"/>
                 <a:t>1</a:t>
               </a:r>
-              <a:endParaRPr lang="fr-FR" dirty="0" smtClean="0"/>
             </a:p>
             <a:p>
               <a:pPr algn="ctr"/>
@@ -6830,7 +6802,6 @@
                 <a:rPr lang="fr-FR" dirty="0" smtClean="0"/>
                 <a:t>dom</a:t>
               </a:r>
-              <a:endParaRPr lang="fr-FR" dirty="0" smtClean="0"/>
             </a:p>
           </p:txBody>
         </p:sp>
@@ -6891,7 +6862,6 @@
                 <a:rPr lang="fr-FR" dirty="0" smtClean="0"/>
                 <a:t>~dom</a:t>
               </a:r>
-              <a:endParaRPr lang="fr-FR" dirty="0" smtClean="0"/>
             </a:p>
           </p:txBody>
         </p:sp>
@@ -6991,7 +6961,6 @@
                   <a:rPr lang="fr-FR" dirty="0"/>
                   <a:t>b</a:t>
                 </a:r>
-                <a:endParaRPr lang="fr-FR" dirty="0"/>
               </a:p>
             </p:txBody>
           </p:sp>
@@ -7368,7 +7337,6 @@
               <a:rPr lang="fr-FR" dirty="0"/>
               <a:t>~f(1,0)</a:t>
             </a:r>
-            <a:endParaRPr lang="fr-FR" dirty="0"/>
           </a:p>
         </p:txBody>
       </p:sp>
@@ -7429,17 +7397,12 @@
           <a:p>
             <a:r>
               <a:rPr lang="fr-FR" dirty="0" err="1" smtClean="0"/>
-              <a:t>e</a:t>
-            </a:r>
-            <a:r>
-              <a:rPr lang="fr-FR" dirty="0" err="1" smtClean="0"/>
-              <a:t>lt</a:t>
+              <a:t>elt</a:t>
             </a:r>
             <a:r>
               <a:rPr lang="fr-FR" dirty="0" smtClean="0"/>
               <a:t>=A</a:t>
             </a:r>
-            <a:endParaRPr lang="fr-FR" dirty="0" smtClean="0"/>
           </a:p>
           <a:p>
             <a:r>
@@ -7450,17 +7413,12 @@
               <a:rPr lang="fr-FR" dirty="0" smtClean="0"/>
               <a:t>=C</a:t>
             </a:r>
-            <a:endParaRPr lang="fr-FR" dirty="0" smtClean="0"/>
           </a:p>
           <a:p>
             <a:r>
               <a:rPr lang="fr-FR" dirty="0" smtClean="0"/>
               <a:t>~dom(A)</a:t>
             </a:r>
-            <a:r>
-              <a:rPr lang="fr-FR" dirty="0" smtClean="0"/>
-              <a:t/>
-            </a:r>
             <a:br>
               <a:rPr lang="fr-FR" dirty="0" smtClean="0"/>
             </a:br>
@@ -7468,10 +7426,6 @@
               <a:rPr lang="fr-FR" dirty="0" smtClean="0"/>
               <a:t>dom(B)</a:t>
             </a:r>
-            <a:r>
-              <a:rPr lang="fr-FR" dirty="0" smtClean="0"/>
-              <a:t/>
-            </a:r>
             <a:br>
               <a:rPr lang="fr-FR" dirty="0" smtClean="0"/>
             </a:br>
@@ -7485,7 +7439,6 @@
               <a:rPr lang="fr-FR" dirty="0" smtClean="0"/>
               <a:t>~f(B,C)</a:t>
             </a:r>
-            <a:endParaRPr lang="fr-FR" dirty="0" smtClean="0"/>
           </a:p>
         </p:txBody>
       </p:sp>
@@ -7660,10 +7613,6 @@
               <a:rPr lang="fr-FR" dirty="0" smtClean="0"/>
               <a:t>)</a:t>
             </a:r>
-            <a:r>
-              <a:rPr lang="fr-FR" dirty="0" smtClean="0"/>
-              <a:t/>
-            </a:r>
             <a:br>
               <a:rPr lang="fr-FR" dirty="0" smtClean="0"/>
             </a:br>
@@ -7671,10 +7620,6 @@
               <a:rPr lang="fr-FR" dirty="0" smtClean="0"/>
               <a:t>dom(B)</a:t>
             </a:r>
-            <a:r>
-              <a:rPr lang="fr-FR" dirty="0" smtClean="0"/>
-              <a:t/>
-            </a:r>
             <a:br>
               <a:rPr lang="fr-FR" dirty="0" smtClean="0"/>
             </a:br>
@@ -7704,7 +7649,6 @@
               <a:rPr lang="fr-FR" dirty="0" smtClean="0"/>
               <a:t>)</a:t>
             </a:r>
-            <a:endParaRPr lang="fr-FR" dirty="0" smtClean="0"/>
           </a:p>
         </p:txBody>
       </p:sp>
@@ -7942,11 +7886,7 @@
             </a:r>
             <a:r>
               <a:rPr lang="fr-FR" dirty="0" smtClean="0"/>
-              <a:t> </a:t>
-            </a:r>
-            <a:r>
-              <a:rPr lang="fr-FR" dirty="0" smtClean="0"/>
-              <a:t>proposition of invariant </a:t>
+              <a:t> proposition of invariant </a:t>
             </a:r>
             <a:r>
               <a:rPr lang="fr-FR" dirty="0" err="1" smtClean="0"/>
@@ -8523,7 +8463,6 @@
               <a:rPr lang="fr-FR" dirty="0" smtClean="0"/>
               <a:t> invariants.</a:t>
             </a:r>
-            <a:endParaRPr lang="fr-FR" dirty="0" smtClean="0"/>
           </a:p>
           <a:p>
             <a:pPr lvl="1"/>
@@ -9148,7 +9087,6 @@
                   <a:rPr lang="fr-FR" dirty="0"/>
                   <a:t>a</a:t>
                 </a:r>
-                <a:endParaRPr lang="fr-FR" dirty="0"/>
               </a:p>
             </p:txBody>
           </p:sp>
@@ -9191,19 +9129,13 @@
                 <a:rPr lang="fr-FR" dirty="0" smtClean="0"/>
                 <a:t>1</a:t>
               </a:r>
-              <a:endParaRPr lang="fr-FR" dirty="0" smtClean="0"/>
             </a:p>
             <a:p>
               <a:pPr algn="ctr"/>
               <a:r>
                 <a:rPr lang="fr-FR" dirty="0" smtClean="0"/>
-                <a:t>= </a:t>
+                <a:t>= elt2</a:t>
               </a:r>
-              <a:r>
-                <a:rPr lang="fr-FR" dirty="0" smtClean="0"/>
-                <a:t>elt2</a:t>
-              </a:r>
-              <a:endParaRPr lang="fr-FR" dirty="0" smtClean="0"/>
             </a:p>
           </p:txBody>
         </p:sp>
@@ -9245,7 +9177,6 @@
                 <a:rPr lang="fr-FR" dirty="0" smtClean="0"/>
                 <a:t>0</a:t>
               </a:r>
-              <a:endParaRPr lang="fr-FR" dirty="0" smtClean="0"/>
             </a:p>
           </p:txBody>
         </p:sp>
@@ -9345,7 +9276,6 @@
                   <a:rPr lang="fr-FR" dirty="0"/>
                   <a:t>b</a:t>
                 </a:r>
-                <a:endParaRPr lang="fr-FR" dirty="0"/>
               </a:p>
             </p:txBody>
           </p:sp>
@@ -9388,7 +9318,6 @@
                 <a:rPr lang="fr-FR" dirty="0" smtClean="0"/>
                 <a:t>0</a:t>
               </a:r>
-              <a:endParaRPr lang="fr-FR" dirty="0" smtClean="0"/>
             </a:p>
           </p:txBody>
         </p:sp>
@@ -9546,7 +9475,6 @@
                 <a:rPr lang="fr-FR" dirty="0" smtClean="0"/>
                 <a:t>1</a:t>
               </a:r>
-              <a:endParaRPr lang="fr-FR" dirty="0" smtClean="0"/>
             </a:p>
           </p:txBody>
         </p:sp>
@@ -10059,7 +9987,6 @@
               <a:rPr lang="fr-FR" dirty="0" smtClean="0"/>
               <a:t>.</a:t>
             </a:r>
-            <a:endParaRPr lang="fr-FR" dirty="0" smtClean="0"/>
           </a:p>
         </p:txBody>
       </p:sp>
@@ -12165,7 +12092,7 @@
         </p:nvSpPr>
         <p:spPr>
           <a:xfrm>
-            <a:off x="838200" y="3802455"/>
+            <a:off x="838200" y="3388184"/>
             <a:ext cx="4476184" cy="923330"/>
           </a:xfrm>
           <a:prstGeom prst="rect">
@@ -12280,7 +12207,7 @@
         </p:blipFill>
         <p:spPr>
           <a:xfrm>
-            <a:off x="838200" y="5465600"/>
+            <a:off x="838200" y="5024417"/>
             <a:ext cx="6258798" cy="651860"/>
           </a:xfrm>
           <a:prstGeom prst="rect">
@@ -12303,8 +12230,37 @@
         </p:blipFill>
         <p:spPr>
           <a:xfrm>
-            <a:off x="2147324" y="4848594"/>
+            <a:off x="2147324" y="4434323"/>
             <a:ext cx="3780103" cy="164732"/>
+          </a:xfrm>
+          <a:prstGeom prst="rect">
+            <a:avLst/>
+          </a:prstGeom>
+        </p:spPr>
+      </p:pic>
+      <p:pic>
+        <p:nvPicPr>
+          <p:cNvPr id="15" name="Image 14"/>
+          <p:cNvPicPr>
+            <a:picLocks noChangeAspect="1"/>
+          </p:cNvPicPr>
+          <p:nvPr/>
+        </p:nvPicPr>
+        <p:blipFill rotWithShape="1">
+          <a:blip r:embed="rId5">
+            <a:extLst>
+              <a:ext uri="{28A0092B-C50C-407E-A947-70E740481C1C}">
+                <a14:useLocalDpi xmlns:a14="http://schemas.microsoft.com/office/drawing/2010/main" val="0"/>
+              </a:ext>
+            </a:extLst>
+          </a:blip>
+          <a:srcRect t="88229" r="4990" b="3185"/>
+          <a:stretch/>
+        </p:blipFill>
+        <p:spPr>
+          <a:xfrm>
+            <a:off x="191681" y="6009010"/>
+            <a:ext cx="7738367" cy="477099"/>
           </a:xfrm>
           <a:prstGeom prst="rect">
             <a:avLst/>

--- a/invariant_synthesis/Invariant Synthesis.pptx
+++ b/invariant_synthesis/Invariant Synthesis.pptx
@@ -5,7 +5,7 @@
     <p:sldMasterId id="2147483648" r:id="rId1"/>
   </p:sldMasterIdLst>
   <p:notesMasterIdLst>
-    <p:notesMasterId r:id="rId37"/>
+    <p:notesMasterId r:id="rId40"/>
   </p:notesMasterIdLst>
   <p:sldIdLst>
     <p:sldId id="256" r:id="rId2"/>
@@ -42,7 +42,10 @@
     <p:sldId id="293" r:id="rId33"/>
     <p:sldId id="295" r:id="rId34"/>
     <p:sldId id="294" r:id="rId35"/>
-    <p:sldId id="260" r:id="rId36"/>
+    <p:sldId id="296" r:id="rId36"/>
+    <p:sldId id="297" r:id="rId37"/>
+    <p:sldId id="298" r:id="rId38"/>
+    <p:sldId id="260" r:id="rId39"/>
   </p:sldIdLst>
   <p:sldSz cx="12192000" cy="6858000"/>
   <p:notesSz cx="6858000" cy="9144000"/>
@@ -742,6 +745,258 @@
     <p:extLst>
       <p:ext uri="{BB962C8B-B14F-4D97-AF65-F5344CB8AC3E}">
         <p14:creationId xmlns:p14="http://schemas.microsoft.com/office/powerpoint/2010/main" val="3177329924"/>
+      </p:ext>
+    </p:extLst>
+  </p:cSld>
+  <p:clrMapOvr>
+    <a:masterClrMapping/>
+  </p:clrMapOvr>
+</p:notes>
+</file>
+
+<file path=ppt/notesSlides/notesSlide12.xml><?xml version="1.0" encoding="utf-8"?>
+<p:notes xmlns:a="http://schemas.openxmlformats.org/drawingml/2006/main" xmlns:r="http://schemas.openxmlformats.org/officeDocument/2006/relationships" xmlns:p="http://schemas.openxmlformats.org/presentationml/2006/main">
+  <p:cSld>
+    <p:spTree>
+      <p:nvGrpSpPr>
+        <p:cNvPr id="1" name=""/>
+        <p:cNvGrpSpPr/>
+        <p:nvPr/>
+      </p:nvGrpSpPr>
+      <p:grpSpPr>
+        <a:xfrm>
+          <a:off x="0" y="0"/>
+          <a:ext cx="0" cy="0"/>
+          <a:chOff x="0" y="0"/>
+          <a:chExt cx="0" cy="0"/>
+        </a:xfrm>
+      </p:grpSpPr>
+      <p:sp>
+        <p:nvSpPr>
+          <p:cNvPr id="2" name="Espace réservé de l'image des diapositives 1"/>
+          <p:cNvSpPr>
+            <a:spLocks noGrp="1" noRot="1" noChangeAspect="1"/>
+          </p:cNvSpPr>
+          <p:nvPr>
+            <p:ph type="sldImg"/>
+          </p:nvPr>
+        </p:nvSpPr>
+        <p:spPr/>
+      </p:sp>
+      <p:sp>
+        <p:nvSpPr>
+          <p:cNvPr id="3" name="Espace réservé des notes 2"/>
+          <p:cNvSpPr>
+            <a:spLocks noGrp="1"/>
+          </p:cNvSpPr>
+          <p:nvPr>
+            <p:ph type="body" idx="1"/>
+          </p:nvPr>
+        </p:nvSpPr>
+        <p:spPr/>
+        <p:txBody>
+          <a:bodyPr/>
+          <a:lstStyle/>
+          <a:p>
+            <a:endParaRPr lang="fr-FR" dirty="0"/>
+          </a:p>
+        </p:txBody>
+      </p:sp>
+      <p:sp>
+        <p:nvSpPr>
+          <p:cNvPr id="4" name="Espace réservé du numéro de diapositive 3"/>
+          <p:cNvSpPr>
+            <a:spLocks noGrp="1"/>
+          </p:cNvSpPr>
+          <p:nvPr>
+            <p:ph type="sldNum" sz="quarter" idx="10"/>
+          </p:nvPr>
+        </p:nvSpPr>
+        <p:spPr/>
+        <p:txBody>
+          <a:bodyPr/>
+          <a:lstStyle/>
+          <a:p>
+            <a:fld id="{92D32172-770D-47A7-82FE-47F9C903DCBE}" type="slidenum">
+              <a:rPr lang="fr-FR" smtClean="0"/>
+              <a:t>35</a:t>
+            </a:fld>
+            <a:endParaRPr lang="fr-FR"/>
+          </a:p>
+        </p:txBody>
+      </p:sp>
+    </p:spTree>
+    <p:extLst>
+      <p:ext uri="{BB962C8B-B14F-4D97-AF65-F5344CB8AC3E}">
+        <p14:creationId xmlns:p14="http://schemas.microsoft.com/office/powerpoint/2010/main" val="4209790499"/>
+      </p:ext>
+    </p:extLst>
+  </p:cSld>
+  <p:clrMapOvr>
+    <a:masterClrMapping/>
+  </p:clrMapOvr>
+</p:notes>
+</file>
+
+<file path=ppt/notesSlides/notesSlide13.xml><?xml version="1.0" encoding="utf-8"?>
+<p:notes xmlns:a="http://schemas.openxmlformats.org/drawingml/2006/main" xmlns:r="http://schemas.openxmlformats.org/officeDocument/2006/relationships" xmlns:p="http://schemas.openxmlformats.org/presentationml/2006/main">
+  <p:cSld>
+    <p:spTree>
+      <p:nvGrpSpPr>
+        <p:cNvPr id="1" name=""/>
+        <p:cNvGrpSpPr/>
+        <p:nvPr/>
+      </p:nvGrpSpPr>
+      <p:grpSpPr>
+        <a:xfrm>
+          <a:off x="0" y="0"/>
+          <a:ext cx="0" cy="0"/>
+          <a:chOff x="0" y="0"/>
+          <a:chExt cx="0" cy="0"/>
+        </a:xfrm>
+      </p:grpSpPr>
+      <p:sp>
+        <p:nvSpPr>
+          <p:cNvPr id="2" name="Espace réservé de l'image des diapositives 1"/>
+          <p:cNvSpPr>
+            <a:spLocks noGrp="1" noRot="1" noChangeAspect="1"/>
+          </p:cNvSpPr>
+          <p:nvPr>
+            <p:ph type="sldImg"/>
+          </p:nvPr>
+        </p:nvSpPr>
+        <p:spPr/>
+      </p:sp>
+      <p:sp>
+        <p:nvSpPr>
+          <p:cNvPr id="3" name="Espace réservé des notes 2"/>
+          <p:cNvSpPr>
+            <a:spLocks noGrp="1"/>
+          </p:cNvSpPr>
+          <p:nvPr>
+            <p:ph type="body" idx="1"/>
+          </p:nvPr>
+        </p:nvSpPr>
+        <p:spPr/>
+        <p:txBody>
+          <a:bodyPr/>
+          <a:lstStyle/>
+          <a:p>
+            <a:endParaRPr lang="fr-FR" dirty="0"/>
+          </a:p>
+        </p:txBody>
+      </p:sp>
+      <p:sp>
+        <p:nvSpPr>
+          <p:cNvPr id="4" name="Espace réservé du numéro de diapositive 3"/>
+          <p:cNvSpPr>
+            <a:spLocks noGrp="1"/>
+          </p:cNvSpPr>
+          <p:nvPr>
+            <p:ph type="sldNum" sz="quarter" idx="10"/>
+          </p:nvPr>
+        </p:nvSpPr>
+        <p:spPr/>
+        <p:txBody>
+          <a:bodyPr/>
+          <a:lstStyle/>
+          <a:p>
+            <a:fld id="{92D32172-770D-47A7-82FE-47F9C903DCBE}" type="slidenum">
+              <a:rPr lang="fr-FR" smtClean="0"/>
+              <a:t>36</a:t>
+            </a:fld>
+            <a:endParaRPr lang="fr-FR"/>
+          </a:p>
+        </p:txBody>
+      </p:sp>
+    </p:spTree>
+    <p:extLst>
+      <p:ext uri="{BB962C8B-B14F-4D97-AF65-F5344CB8AC3E}">
+        <p14:creationId xmlns:p14="http://schemas.microsoft.com/office/powerpoint/2010/main" val="1242096345"/>
+      </p:ext>
+    </p:extLst>
+  </p:cSld>
+  <p:clrMapOvr>
+    <a:masterClrMapping/>
+  </p:clrMapOvr>
+</p:notes>
+</file>
+
+<file path=ppt/notesSlides/notesSlide14.xml><?xml version="1.0" encoding="utf-8"?>
+<p:notes xmlns:a="http://schemas.openxmlformats.org/drawingml/2006/main" xmlns:r="http://schemas.openxmlformats.org/officeDocument/2006/relationships" xmlns:p="http://schemas.openxmlformats.org/presentationml/2006/main">
+  <p:cSld>
+    <p:spTree>
+      <p:nvGrpSpPr>
+        <p:cNvPr id="1" name=""/>
+        <p:cNvGrpSpPr/>
+        <p:nvPr/>
+      </p:nvGrpSpPr>
+      <p:grpSpPr>
+        <a:xfrm>
+          <a:off x="0" y="0"/>
+          <a:ext cx="0" cy="0"/>
+          <a:chOff x="0" y="0"/>
+          <a:chExt cx="0" cy="0"/>
+        </a:xfrm>
+      </p:grpSpPr>
+      <p:sp>
+        <p:nvSpPr>
+          <p:cNvPr id="2" name="Espace réservé de l'image des diapositives 1"/>
+          <p:cNvSpPr>
+            <a:spLocks noGrp="1" noRot="1" noChangeAspect="1"/>
+          </p:cNvSpPr>
+          <p:nvPr>
+            <p:ph type="sldImg"/>
+          </p:nvPr>
+        </p:nvSpPr>
+        <p:spPr/>
+      </p:sp>
+      <p:sp>
+        <p:nvSpPr>
+          <p:cNvPr id="3" name="Espace réservé des notes 2"/>
+          <p:cNvSpPr>
+            <a:spLocks noGrp="1"/>
+          </p:cNvSpPr>
+          <p:nvPr>
+            <p:ph type="body" idx="1"/>
+          </p:nvPr>
+        </p:nvSpPr>
+        <p:spPr/>
+        <p:txBody>
+          <a:bodyPr/>
+          <a:lstStyle/>
+          <a:p>
+            <a:endParaRPr lang="fr-FR" dirty="0"/>
+          </a:p>
+        </p:txBody>
+      </p:sp>
+      <p:sp>
+        <p:nvSpPr>
+          <p:cNvPr id="4" name="Espace réservé du numéro de diapositive 3"/>
+          <p:cNvSpPr>
+            <a:spLocks noGrp="1"/>
+          </p:cNvSpPr>
+          <p:nvPr>
+            <p:ph type="sldNum" sz="quarter" idx="10"/>
+          </p:nvPr>
+        </p:nvSpPr>
+        <p:spPr/>
+        <p:txBody>
+          <a:bodyPr/>
+          <a:lstStyle/>
+          <a:p>
+            <a:fld id="{92D32172-770D-47A7-82FE-47F9C903DCBE}" type="slidenum">
+              <a:rPr lang="fr-FR" smtClean="0"/>
+              <a:t>37</a:t>
+            </a:fld>
+            <a:endParaRPr lang="fr-FR"/>
+          </a:p>
+        </p:txBody>
+      </p:sp>
+    </p:spTree>
+    <p:extLst>
+      <p:ext uri="{BB962C8B-B14F-4D97-AF65-F5344CB8AC3E}">
+        <p14:creationId xmlns:p14="http://schemas.microsoft.com/office/powerpoint/2010/main" val="1163485650"/>
       </p:ext>
     </p:extLst>
   </p:cSld>
@@ -4793,11 +5048,7 @@
             </a:r>
             <a:r>
               <a:rPr lang="fr-FR" dirty="0" err="1" smtClean="0"/>
-              <a:t>dis</a:t>
-            </a:r>
-            <a:r>
-              <a:rPr lang="fr-FR" dirty="0" err="1" smtClean="0"/>
-              <a:t>equalities</a:t>
+              <a:t>disequalities</a:t>
             </a:r>
             <a:r>
               <a:rPr lang="fr-FR" dirty="0" smtClean="0"/>
@@ -6035,11 +6286,7 @@
             </a:r>
             <a:r>
               <a:rPr lang="fr-FR" dirty="0" err="1" smtClean="0"/>
-              <a:t>dis</a:t>
-            </a:r>
-            <a:r>
-              <a:rPr lang="fr-FR" dirty="0" err="1" smtClean="0"/>
-              <a:t>equalities</a:t>
+              <a:t>disequalities</a:t>
             </a:r>
             <a:r>
               <a:rPr lang="fr-FR" dirty="0" smtClean="0"/>
@@ -7175,11 +7422,7 @@
             </a:r>
             <a:r>
               <a:rPr lang="fr-FR" dirty="0" err="1" smtClean="0"/>
-              <a:t>dis</a:t>
-            </a:r>
-            <a:r>
-              <a:rPr lang="fr-FR" dirty="0" err="1" smtClean="0"/>
-              <a:t>equalities</a:t>
+              <a:t>disequalities</a:t>
             </a:r>
             <a:r>
               <a:rPr lang="fr-FR" dirty="0" smtClean="0"/>
@@ -7276,11 +7519,7 @@
             </a:r>
             <a:r>
               <a:rPr lang="fr-FR" dirty="0" smtClean="0"/>
-              <a:t>f(1,0</a:t>
-            </a:r>
-            <a:r>
-              <a:rPr lang="fr-FR" dirty="0" smtClean="0"/>
-              <a:t>)</a:t>
+              <a:t>f(1,0)</a:t>
             </a:r>
           </a:p>
           <a:p>
@@ -7316,11 +7555,7 @@
             </a:r>
             <a:r>
               <a:rPr lang="fr-FR" dirty="0" smtClean="0"/>
-              <a:t>(1</a:t>
-            </a:r>
-            <a:r>
-              <a:rPr lang="fr-FR" dirty="0" smtClean="0"/>
-              <a:t>),</a:t>
+              <a:t>(1),</a:t>
             </a:r>
           </a:p>
           <a:p>
@@ -8229,11 +8464,7 @@
             </a:r>
             <a:r>
               <a:rPr lang="fr-FR" dirty="0" err="1" smtClean="0"/>
-              <a:t>dis</a:t>
-            </a:r>
-            <a:r>
-              <a:rPr lang="fr-FR" dirty="0" err="1" smtClean="0"/>
-              <a:t>equalities</a:t>
+              <a:t>disequalities</a:t>
             </a:r>
             <a:r>
               <a:rPr lang="fr-FR" dirty="0" smtClean="0"/>
@@ -8502,7 +8733,6 @@
               <a:rPr lang="fr-FR" dirty="0" smtClean="0"/>
               <a:t>.</a:t>
             </a:r>
-            <a:endParaRPr lang="fr-FR" dirty="0" smtClean="0"/>
           </a:p>
           <a:p>
             <a:r>
@@ -8734,11 +8964,7 @@
             </a:r>
             <a:r>
               <a:rPr lang="fr-FR" dirty="0" smtClean="0"/>
-              <a:t> </a:t>
-            </a:r>
-            <a:r>
-              <a:rPr lang="fr-FR" dirty="0" smtClean="0"/>
-              <a:t>value </a:t>
+              <a:t> value </a:t>
             </a:r>
             <a:r>
               <a:rPr lang="fr-FR" i="1" dirty="0" smtClean="0"/>
@@ -8746,11 +8972,7 @@
             </a:r>
             <a:r>
               <a:rPr lang="fr-FR" dirty="0" smtClean="0"/>
-              <a:t> </a:t>
-            </a:r>
-            <a:r>
-              <a:rPr lang="fr-FR" dirty="0" smtClean="0"/>
-              <a:t>in </a:t>
+              <a:t> in </a:t>
             </a:r>
             <a:r>
               <a:rPr lang="fr-FR" i="1" dirty="0" smtClean="0"/>
@@ -13655,21 +13877,13 @@
             </a:r>
             <a:r>
               <a:rPr lang="fr-FR" dirty="0" smtClean="0"/>
-              <a:t>f(1,0</a:t>
-            </a:r>
-            <a:r>
-              <a:rPr lang="fr-FR" dirty="0" smtClean="0"/>
-              <a:t>)</a:t>
+              <a:t>f(1,0)</a:t>
             </a:r>
           </a:p>
           <a:p>
             <a:r>
               <a:rPr lang="fr-FR" dirty="0" smtClean="0"/>
               <a:t>0 ~= 1</a:t>
-            </a:r>
-            <a:r>
-              <a:rPr lang="fr-FR" dirty="0" smtClean="0"/>
-              <a:t/>
             </a:r>
             <a:br>
               <a:rPr lang="fr-FR" dirty="0" smtClean="0"/>
@@ -13699,11 +13913,7 @@
             </a:r>
             <a:r>
               <a:rPr lang="fr-FR" dirty="0" smtClean="0"/>
-              <a:t>(1</a:t>
-            </a:r>
-            <a:r>
-              <a:rPr lang="fr-FR" dirty="0" smtClean="0"/>
-              <a:t>),</a:t>
+              <a:t>(1),</a:t>
             </a:r>
           </a:p>
           <a:p>
@@ -17997,12 +18207,12 @@
               <a:t> to </a:t>
             </a:r>
             <a:r>
-              <a:rPr lang="fr-FR" sz="2000" dirty="0" err="1" smtClean="0"/>
-              <a:t>share</a:t>
-            </a:r>
-            <a:r>
               <a:rPr lang="fr-FR" sz="2000" dirty="0" smtClean="0"/>
-              <a:t> the </a:t>
+              <a:t>have </a:t>
+            </a:r>
+            <a:r>
+              <a:rPr lang="fr-FR" sz="2000" dirty="0" smtClean="0"/>
+              <a:t>the </a:t>
             </a:r>
             <a:r>
               <a:rPr lang="fr-FR" sz="2000" dirty="0" err="1" smtClean="0"/>
@@ -20687,11 +20897,7 @@
             </a:r>
             <a:r>
               <a:rPr lang="fr-FR" dirty="0" smtClean="0"/>
-              <a:t> compare </a:t>
-            </a:r>
-            <a:r>
-              <a:rPr lang="fr-FR" dirty="0" smtClean="0"/>
-              <a:t>3 </a:t>
+              <a:t> compare 3 </a:t>
             </a:r>
             <a:r>
               <a:rPr lang="fr-FR" dirty="0" err="1" smtClean="0"/>
@@ -20888,15 +21094,7 @@
             </a:r>
             <a:r>
               <a:rPr lang="fr-FR" dirty="0" smtClean="0"/>
-              <a:t> </a:t>
-            </a:r>
-            <a:r>
-              <a:rPr lang="fr-FR" dirty="0" smtClean="0"/>
-              <a:t>values, </a:t>
-            </a:r>
-            <a:r>
-              <a:rPr lang="fr-FR" dirty="0" smtClean="0"/>
-              <a:t>no </a:t>
+              <a:t> values, no </a:t>
             </a:r>
             <a:r>
               <a:rPr lang="fr-FR" dirty="0" err="1" smtClean="0"/>
@@ -21082,15 +21280,7 @@
             </a:r>
             <a:r>
               <a:rPr lang="fr-FR" dirty="0" smtClean="0"/>
-              <a:t> </a:t>
-            </a:r>
-            <a:r>
-              <a:rPr lang="fr-FR" dirty="0" smtClean="0"/>
-              <a:t>values, </a:t>
-            </a:r>
-            <a:r>
-              <a:rPr lang="fr-FR" dirty="0" smtClean="0"/>
-              <a:t>no </a:t>
+              <a:t> values, no </a:t>
             </a:r>
             <a:r>
               <a:rPr lang="fr-FR" dirty="0" err="1" smtClean="0"/>
@@ -25203,8 +25393,8 @@
         </p:nvSpPr>
         <p:spPr>
           <a:xfrm>
-            <a:off x="838200" y="5802565"/>
-            <a:ext cx="9216428" cy="369332"/>
+            <a:off x="838200" y="5664065"/>
+            <a:ext cx="9216428" cy="646331"/>
           </a:xfrm>
           <a:prstGeom prst="rect">
             <a:avLst/>
@@ -25216,6 +25406,85 @@
             <a:spAutoFit/>
           </a:bodyPr>
           <a:lstStyle/>
+          <a:p>
+            <a:r>
+              <a:rPr lang="fr-FR" dirty="0">
+                <a:solidFill>
+                  <a:schemeClr val="dk1"/>
+                </a:solidFill>
+              </a:rPr>
+              <a:t>N</a:t>
+            </a:r>
+            <a:r>
+              <a:rPr lang="fr-FR" dirty="0" smtClean="0"/>
+              <a:t>ote </a:t>
+            </a:r>
+            <a:r>
+              <a:rPr lang="fr-FR" dirty="0" err="1" smtClean="0"/>
+              <a:t>that</a:t>
+            </a:r>
+            <a:r>
+              <a:rPr lang="fr-FR" dirty="0" smtClean="0"/>
+              <a:t> </a:t>
+            </a:r>
+            <a:r>
+              <a:rPr lang="fr-FR" dirty="0" err="1" smtClean="0"/>
+              <a:t>when</a:t>
+            </a:r>
+            <a:r>
+              <a:rPr lang="fr-FR" dirty="0" smtClean="0"/>
+              <a:t> </a:t>
+            </a:r>
+            <a:r>
+              <a:rPr lang="fr-FR" dirty="0" err="1" smtClean="0"/>
+              <a:t>using</a:t>
+            </a:r>
+            <a:r>
+              <a:rPr lang="fr-FR" dirty="0" smtClean="0"/>
+              <a:t> </a:t>
+            </a:r>
+            <a:r>
+              <a:rPr lang="fr-FR" dirty="0" err="1" smtClean="0"/>
+              <a:t>this</a:t>
+            </a:r>
+            <a:r>
+              <a:rPr lang="fr-FR" dirty="0" smtClean="0"/>
+              <a:t> </a:t>
+            </a:r>
+            <a:r>
+              <a:rPr lang="fr-FR" dirty="0" err="1" smtClean="0"/>
+              <a:t>method</a:t>
+            </a:r>
+            <a:r>
+              <a:rPr lang="fr-FR" dirty="0" smtClean="0"/>
+              <a:t>, the </a:t>
+            </a:r>
+            <a:r>
+              <a:rPr lang="fr-FR" dirty="0" err="1" smtClean="0"/>
+              <a:t>generated</a:t>
+            </a:r>
+            <a:r>
+              <a:rPr lang="fr-FR" dirty="0" smtClean="0"/>
+              <a:t> invariant have the </a:t>
+            </a:r>
+            <a:r>
+              <a:rPr lang="fr-FR" dirty="0" err="1" smtClean="0"/>
+              <a:t>form</a:t>
+            </a:r>
+            <a:r>
+              <a:rPr lang="fr-FR" dirty="0" smtClean="0"/>
+              <a:t> </a:t>
+            </a:r>
+            <a:r>
+              <a:rPr lang="fr-FR" dirty="0" smtClean="0">
+                <a:solidFill>
+                  <a:schemeClr val="dk1"/>
+                </a:solidFill>
+              </a:rPr>
+              <a:t>∀∃.</a:t>
+            </a:r>
+            <a:endParaRPr lang="fr-FR" dirty="0" smtClean="0"/>
+          </a:p>
           <a:p>
             <a:r>
               <a:rPr lang="fr-FR" dirty="0" smtClean="0"/>
@@ -25796,7 +26065,2520 @@
           <a:p>
             <a:r>
               <a:rPr lang="fr-FR" dirty="0" err="1" smtClean="0"/>
+              <a:t>Finding</a:t>
+            </a:r>
+            <a:r>
+              <a:rPr lang="fr-FR" dirty="0" smtClean="0"/>
+              <a:t> </a:t>
+            </a:r>
+            <a:r>
+              <a:rPr lang="fr-FR" dirty="0" err="1" smtClean="0"/>
+              <a:t>valid</a:t>
+            </a:r>
+            <a:r>
+              <a:rPr lang="fr-FR" dirty="0" smtClean="0"/>
+              <a:t> </a:t>
+            </a:r>
+            <a:r>
+              <a:rPr lang="fr-FR" dirty="0" err="1" smtClean="0"/>
+              <a:t>examples</a:t>
+            </a:r>
+            <a:r>
+              <a:rPr lang="fr-FR" dirty="0" smtClean="0"/>
+              <a:t> (</a:t>
+            </a:r>
+            <a:r>
+              <a:rPr lang="fr-FR" dirty="0" err="1" smtClean="0"/>
+              <a:t>step</a:t>
+            </a:r>
+            <a:r>
+              <a:rPr lang="fr-FR" dirty="0" smtClean="0"/>
+              <a:t> 1 of the </a:t>
+            </a:r>
+            <a:r>
+              <a:rPr lang="fr-FR" dirty="0" err="1" smtClean="0"/>
+              <a:t>method</a:t>
+            </a:r>
+            <a:r>
+              <a:rPr lang="fr-FR" dirty="0" smtClean="0"/>
+              <a:t>)</a:t>
+            </a:r>
+            <a:endParaRPr lang="fr-FR" dirty="0"/>
+          </a:p>
+        </p:txBody>
+      </p:sp>
+      <p:sp>
+        <p:nvSpPr>
+          <p:cNvPr id="3" name="Espace réservé du contenu 2"/>
+          <p:cNvSpPr>
+            <a:spLocks noGrp="1"/>
+          </p:cNvSpPr>
+          <p:nvPr>
+            <p:ph idx="1"/>
+          </p:nvPr>
+        </p:nvSpPr>
+        <p:spPr>
+          <a:xfrm>
+            <a:off x="838200" y="1825624"/>
+            <a:ext cx="10515600" cy="4774351"/>
+          </a:xfrm>
+        </p:spPr>
+        <p:txBody>
+          <a:bodyPr>
+            <a:normAutofit/>
+          </a:bodyPr>
+          <a:lstStyle/>
+          <a:p>
+            <a:pPr marL="0" indent="0">
+              <a:buNone/>
+            </a:pPr>
+            <a:r>
+              <a:rPr lang="fr-FR" sz="2400" dirty="0" err="1" smtClean="0"/>
+              <a:t>We</a:t>
+            </a:r>
+            <a:r>
+              <a:rPr lang="fr-FR" sz="2400" dirty="0" smtClean="0"/>
+              <a:t> </a:t>
+            </a:r>
+            <a:r>
+              <a:rPr lang="fr-FR" sz="2400" dirty="0" err="1" smtClean="0"/>
+              <a:t>want</a:t>
+            </a:r>
+            <a:r>
+              <a:rPr lang="fr-FR" sz="2400" dirty="0" smtClean="0"/>
+              <a:t> to </a:t>
+            </a:r>
+            <a:r>
+              <a:rPr lang="fr-FR" sz="2400" dirty="0" err="1"/>
+              <a:t>find</a:t>
+            </a:r>
+            <a:r>
+              <a:rPr lang="fr-FR" sz="2400" dirty="0"/>
+              <a:t> an </a:t>
+            </a:r>
+            <a:r>
+              <a:rPr lang="fr-FR" sz="2400" dirty="0" err="1"/>
+              <a:t>example</a:t>
+            </a:r>
+            <a:r>
+              <a:rPr lang="fr-FR" sz="2400" dirty="0"/>
+              <a:t> </a:t>
+            </a:r>
+            <a:r>
+              <a:rPr lang="fr-FR" sz="2400" dirty="0" err="1" smtClean="0"/>
+              <a:t>such</a:t>
+            </a:r>
+            <a:r>
+              <a:rPr lang="fr-FR" sz="2400" dirty="0" smtClean="0"/>
+              <a:t> </a:t>
+            </a:r>
+            <a:r>
+              <a:rPr lang="fr-FR" sz="2400" dirty="0" err="1"/>
+              <a:t>that</a:t>
+            </a:r>
+            <a:r>
+              <a:rPr lang="fr-FR" sz="2400" dirty="0" smtClean="0"/>
+              <a:t>:</a:t>
+            </a:r>
+            <a:endParaRPr lang="fr-FR" sz="2400" dirty="0"/>
+          </a:p>
+          <a:p>
+            <a:pPr marL="457200" indent="-457200">
+              <a:buFont typeface="+mj-lt"/>
+              <a:buAutoNum type="arabicPeriod"/>
+            </a:pPr>
+            <a:r>
+              <a:rPr lang="fr-FR" sz="2000" dirty="0" smtClean="0"/>
+              <a:t>It has the </a:t>
+            </a:r>
+            <a:r>
+              <a:rPr lang="fr-FR" sz="2000" dirty="0" err="1"/>
+              <a:t>same</a:t>
+            </a:r>
+            <a:r>
+              <a:rPr lang="fr-FR" sz="2000" dirty="0"/>
+              <a:t> </a:t>
+            </a:r>
+            <a:r>
+              <a:rPr lang="fr-FR" sz="2000" dirty="0" err="1"/>
+              <a:t>concrete</a:t>
+            </a:r>
+            <a:r>
+              <a:rPr lang="fr-FR" sz="2000" dirty="0"/>
+              <a:t> </a:t>
+            </a:r>
+            <a:r>
+              <a:rPr lang="fr-FR" sz="2000" dirty="0" err="1"/>
+              <a:t>constraints</a:t>
+            </a:r>
+            <a:r>
+              <a:rPr lang="fr-FR" sz="2000" dirty="0"/>
+              <a:t> </a:t>
+            </a:r>
+            <a:r>
+              <a:rPr lang="fr-FR" sz="2000" dirty="0" err="1"/>
+              <a:t>than</a:t>
+            </a:r>
+            <a:r>
+              <a:rPr lang="fr-FR" sz="2000" dirty="0"/>
+              <a:t> </a:t>
+            </a:r>
+            <a:r>
+              <a:rPr lang="fr-FR" sz="2000" dirty="0" err="1"/>
+              <a:t>those</a:t>
+            </a:r>
+            <a:r>
+              <a:rPr lang="fr-FR" sz="2000" dirty="0"/>
+              <a:t> </a:t>
+            </a:r>
+            <a:r>
+              <a:rPr lang="fr-FR" sz="2000" dirty="0" err="1"/>
+              <a:t>that</a:t>
+            </a:r>
+            <a:r>
+              <a:rPr lang="fr-FR" sz="2000" dirty="0"/>
+              <a:t> </a:t>
+            </a:r>
+            <a:r>
+              <a:rPr lang="fr-FR" sz="2000" dirty="0" err="1"/>
+              <a:t>we</a:t>
+            </a:r>
+            <a:r>
+              <a:rPr lang="fr-FR" sz="2000" dirty="0"/>
+              <a:t> have </a:t>
+            </a:r>
+            <a:r>
+              <a:rPr lang="fr-FR" sz="2000" dirty="0" err="1"/>
+              <a:t>highlighted</a:t>
+            </a:r>
+            <a:r>
+              <a:rPr lang="fr-FR" sz="2000" dirty="0"/>
+              <a:t> in </a:t>
+            </a:r>
+            <a:r>
+              <a:rPr lang="fr-FR" sz="2000" dirty="0" smtClean="0"/>
+              <a:t>the</a:t>
+            </a:r>
+            <a:br>
+              <a:rPr lang="fr-FR" sz="2000" dirty="0" smtClean="0"/>
+            </a:br>
+            <a:r>
+              <a:rPr lang="fr-FR" sz="2000" dirty="0" smtClean="0"/>
+              <a:t>initial </a:t>
+            </a:r>
+            <a:r>
+              <a:rPr lang="fr-FR" sz="2000" dirty="0" err="1"/>
+              <a:t>counterexample</a:t>
+            </a:r>
+            <a:endParaRPr lang="fr-FR" sz="2000" dirty="0"/>
+          </a:p>
+          <a:p>
+            <a:pPr marL="457200" indent="-457200">
+              <a:buFont typeface="+mj-lt"/>
+              <a:buAutoNum type="arabicPeriod"/>
+            </a:pPr>
+            <a:r>
+              <a:rPr lang="fr-FR" sz="2000" dirty="0"/>
+              <a:t>It </a:t>
+            </a:r>
+            <a:r>
+              <a:rPr lang="fr-FR" sz="2000" dirty="0" err="1" smtClean="0"/>
+              <a:t>doesn’t</a:t>
+            </a:r>
+            <a:r>
+              <a:rPr lang="fr-FR" sz="2000" dirty="0" smtClean="0"/>
+              <a:t> </a:t>
+            </a:r>
+            <a:r>
+              <a:rPr lang="fr-FR" sz="2000" dirty="0"/>
+              <a:t>break the initial set of invariants </a:t>
+            </a:r>
+            <a:r>
+              <a:rPr lang="fr-FR" sz="2000" dirty="0" err="1"/>
+              <a:t>after</a:t>
+            </a:r>
+            <a:r>
+              <a:rPr lang="fr-FR" sz="2000" dirty="0"/>
+              <a:t> the </a:t>
+            </a:r>
+            <a:r>
+              <a:rPr lang="fr-FR" sz="2000" dirty="0" err="1"/>
+              <a:t>execution</a:t>
+            </a:r>
+            <a:r>
+              <a:rPr lang="fr-FR" sz="2000" dirty="0"/>
+              <a:t> of the action of </a:t>
+            </a:r>
+            <a:r>
+              <a:rPr lang="fr-FR" sz="2000" dirty="0" err="1" smtClean="0"/>
+              <a:t>interest</a:t>
+            </a:r>
+            <a:r>
+              <a:rPr lang="fr-FR" sz="2000" dirty="0" smtClean="0"/>
+              <a:t/>
+            </a:r>
+            <a:br>
+              <a:rPr lang="fr-FR" sz="2000" dirty="0" smtClean="0"/>
+            </a:br>
+            <a:r>
+              <a:rPr lang="fr-FR" sz="2000" dirty="0" smtClean="0"/>
+              <a:t>(</a:t>
+            </a:r>
+            <a:r>
+              <a:rPr lang="fr-FR" sz="2000" dirty="0" err="1" smtClean="0"/>
+              <a:t>with</a:t>
+            </a:r>
+            <a:r>
+              <a:rPr lang="fr-FR" sz="2000" dirty="0" smtClean="0"/>
+              <a:t> </a:t>
+            </a:r>
+            <a:r>
+              <a:rPr lang="fr-FR" sz="2000" dirty="0" err="1"/>
+              <a:t>any</a:t>
+            </a:r>
+            <a:r>
+              <a:rPr lang="fr-FR" sz="2000" dirty="0"/>
+              <a:t> </a:t>
+            </a:r>
+            <a:r>
+              <a:rPr lang="fr-FR" sz="2000" dirty="0" smtClean="0"/>
+              <a:t>argument)</a:t>
+            </a:r>
+          </a:p>
+          <a:p>
+            <a:pPr marL="457200" indent="-457200">
+              <a:buFont typeface="+mj-lt"/>
+              <a:buAutoNum type="arabicPeriod"/>
+            </a:pPr>
+            <a:r>
+              <a:rPr lang="fr-FR" sz="2000" dirty="0" smtClean="0"/>
+              <a:t>It </a:t>
+            </a:r>
+            <a:r>
+              <a:rPr lang="fr-FR" sz="2000" dirty="0" err="1" smtClean="0"/>
+              <a:t>was</a:t>
+            </a:r>
+            <a:r>
+              <a:rPr lang="fr-FR" sz="2000" dirty="0" smtClean="0"/>
+              <a:t> not </a:t>
+            </a:r>
+            <a:r>
+              <a:rPr lang="fr-FR" sz="2000" dirty="0" err="1" smtClean="0"/>
+              <a:t>already</a:t>
+            </a:r>
+            <a:r>
+              <a:rPr lang="fr-FR" sz="2000" dirty="0" smtClean="0"/>
+              <a:t> </a:t>
+            </a:r>
+            <a:r>
+              <a:rPr lang="fr-FR" sz="2000" dirty="0" err="1" smtClean="0"/>
+              <a:t>treated</a:t>
+            </a:r>
+            <a:r>
+              <a:rPr lang="fr-FR" sz="2000" dirty="0" smtClean="0"/>
+              <a:t> </a:t>
+            </a:r>
+            <a:r>
+              <a:rPr lang="fr-FR" sz="2000" dirty="0" err="1" smtClean="0"/>
+              <a:t>before</a:t>
+            </a:r>
+            <a:r>
+              <a:rPr lang="fr-FR" sz="2000" dirty="0"/>
+              <a:t> </a:t>
+            </a:r>
+            <a:r>
+              <a:rPr lang="fr-FR" sz="2000" dirty="0" smtClean="0"/>
+              <a:t>(more </a:t>
+            </a:r>
+            <a:r>
+              <a:rPr lang="fr-FR" sz="2000" dirty="0" err="1" smtClean="0"/>
+              <a:t>precisely</a:t>
+            </a:r>
+            <a:r>
+              <a:rPr lang="fr-FR" sz="2000" dirty="0" smtClean="0"/>
+              <a:t>, </a:t>
+            </a:r>
+            <a:r>
+              <a:rPr lang="fr-FR" sz="2000" dirty="0" err="1" smtClean="0"/>
+              <a:t>it</a:t>
+            </a:r>
+            <a:r>
+              <a:rPr lang="fr-FR" sz="2000" dirty="0" smtClean="0"/>
+              <a:t> </a:t>
+            </a:r>
+            <a:r>
+              <a:rPr lang="fr-FR" sz="2000" dirty="0" err="1" smtClean="0"/>
+              <a:t>doesn’t</a:t>
+            </a:r>
+            <a:r>
+              <a:rPr lang="fr-FR" sz="2000" dirty="0" smtClean="0"/>
+              <a:t> </a:t>
+            </a:r>
+            <a:r>
+              <a:rPr lang="fr-FR" sz="2000" dirty="0" err="1" smtClean="0"/>
+              <a:t>satisfy</a:t>
+            </a:r>
+            <a:r>
+              <a:rPr lang="fr-FR" sz="2000" dirty="0" smtClean="0"/>
+              <a:t> the semi-</a:t>
+            </a:r>
+            <a:r>
+              <a:rPr lang="fr-FR" sz="2000" dirty="0" err="1" smtClean="0"/>
+              <a:t>generalized</a:t>
+            </a:r>
+            <a:r>
+              <a:rPr lang="fr-FR" sz="2000" dirty="0" smtClean="0"/>
+              <a:t> </a:t>
+            </a:r>
+            <a:r>
+              <a:rPr lang="fr-FR" sz="2000" dirty="0" err="1" smtClean="0"/>
+              <a:t>highlighted</a:t>
+            </a:r>
+            <a:r>
+              <a:rPr lang="fr-FR" sz="2000" dirty="0" smtClean="0"/>
+              <a:t> </a:t>
+            </a:r>
+            <a:r>
+              <a:rPr lang="fr-FR" sz="2000" dirty="0" err="1" smtClean="0"/>
+              <a:t>constraints</a:t>
+            </a:r>
+            <a:r>
+              <a:rPr lang="fr-FR" sz="2000" dirty="0" smtClean="0"/>
+              <a:t> of the </a:t>
+            </a:r>
+            <a:r>
+              <a:rPr lang="fr-FR" sz="2000" dirty="0" err="1" smtClean="0"/>
+              <a:t>previous</a:t>
+            </a:r>
+            <a:r>
+              <a:rPr lang="fr-FR" sz="2000" dirty="0" smtClean="0"/>
+              <a:t> </a:t>
+            </a:r>
+            <a:r>
+              <a:rPr lang="fr-FR" sz="2000" dirty="0" err="1" smtClean="0"/>
+              <a:t>examples</a:t>
+            </a:r>
+            <a:r>
+              <a:rPr lang="fr-FR" sz="2000" dirty="0" smtClean="0"/>
+              <a:t> </a:t>
+            </a:r>
+            <a:r>
+              <a:rPr lang="fr-FR" sz="2000" dirty="0" err="1" smtClean="0"/>
+              <a:t>found</a:t>
+            </a:r>
+            <a:r>
+              <a:rPr lang="fr-FR" sz="2000" dirty="0" smtClean="0"/>
+              <a:t>)</a:t>
+            </a:r>
+            <a:endParaRPr lang="fr-FR" sz="2000" dirty="0"/>
+          </a:p>
+          <a:p>
+            <a:pPr marL="0" indent="0">
+              <a:buNone/>
+            </a:pPr>
+            <a:endParaRPr lang="fr-FR" sz="1100" dirty="0" smtClean="0"/>
+          </a:p>
+          <a:p>
+            <a:pPr marL="0" indent="0">
+              <a:buNone/>
+            </a:pPr>
+            <a:r>
+              <a:rPr lang="fr-FR" sz="1800" dirty="0" err="1" smtClean="0"/>
+              <a:t>We</a:t>
+            </a:r>
+            <a:r>
+              <a:rPr lang="fr-FR" sz="1800" dirty="0" smtClean="0"/>
+              <a:t> </a:t>
+            </a:r>
+            <a:r>
+              <a:rPr lang="fr-FR" sz="1800" dirty="0" err="1" smtClean="0"/>
+              <a:t>can</a:t>
+            </a:r>
+            <a:r>
+              <a:rPr lang="fr-FR" sz="1800" dirty="0" smtClean="0"/>
+              <a:t> express </a:t>
+            </a:r>
+            <a:r>
+              <a:rPr lang="fr-FR" sz="1800" dirty="0" err="1" smtClean="0"/>
+              <a:t>these</a:t>
+            </a:r>
+            <a:r>
+              <a:rPr lang="fr-FR" sz="1800" dirty="0" smtClean="0"/>
+              <a:t> </a:t>
+            </a:r>
+            <a:r>
+              <a:rPr lang="fr-FR" sz="1800" dirty="0" err="1" smtClean="0"/>
+              <a:t>constraints</a:t>
+            </a:r>
+            <a:r>
+              <a:rPr lang="fr-FR" sz="1800" dirty="0" smtClean="0"/>
+              <a:t> as a formula:</a:t>
+            </a:r>
+          </a:p>
+          <a:p>
+            <a:pPr marL="342900" indent="-342900">
+              <a:buFont typeface="+mj-lt"/>
+              <a:buAutoNum type="arabicPeriod"/>
+            </a:pPr>
+            <a:r>
+              <a:rPr lang="fr-FR" sz="1800" dirty="0" smtClean="0"/>
+              <a:t>Trivial: </a:t>
+            </a:r>
+            <a:r>
+              <a:rPr lang="fr-FR" sz="1800" dirty="0" err="1" smtClean="0"/>
+              <a:t>just</a:t>
+            </a:r>
+            <a:r>
+              <a:rPr lang="fr-FR" sz="1800" dirty="0" smtClean="0"/>
+              <a:t> a conjonction of </a:t>
+            </a:r>
+            <a:r>
+              <a:rPr lang="fr-FR" sz="1800" dirty="0" err="1" smtClean="0"/>
+              <a:t>constraints</a:t>
+            </a:r>
+            <a:r>
+              <a:rPr lang="fr-FR" sz="1800" dirty="0" smtClean="0"/>
+              <a:t> </a:t>
+            </a:r>
+            <a:r>
+              <a:rPr lang="fr-FR" sz="1800" dirty="0" err="1" smtClean="0"/>
+              <a:t>without</a:t>
+            </a:r>
+            <a:r>
+              <a:rPr lang="fr-FR" sz="1800" dirty="0" smtClean="0"/>
+              <a:t> variable, (no quantification)</a:t>
+            </a:r>
+          </a:p>
+          <a:p>
+            <a:pPr marL="342900" indent="-342900">
+              <a:buFont typeface="+mj-lt"/>
+              <a:buAutoNum type="arabicPeriod"/>
+            </a:pPr>
+            <a:r>
+              <a:rPr lang="fr-FR" sz="1800" dirty="0" err="1" smtClean="0"/>
+              <a:t>See</a:t>
+            </a:r>
+            <a:r>
+              <a:rPr lang="fr-FR" sz="1800" dirty="0" smtClean="0"/>
+              <a:t> </a:t>
+            </a:r>
+            <a:r>
+              <a:rPr lang="fr-FR" sz="1800" dirty="0" err="1" smtClean="0"/>
+              <a:t>next</a:t>
+            </a:r>
+            <a:r>
+              <a:rPr lang="fr-FR" sz="1800" dirty="0" smtClean="0"/>
+              <a:t> slide.</a:t>
+            </a:r>
+          </a:p>
+          <a:p>
+            <a:pPr marL="342900" indent="-342900">
+              <a:buFont typeface="+mj-lt"/>
+              <a:buAutoNum type="arabicPeriod"/>
+            </a:pPr>
+            <a:r>
+              <a:rPr lang="fr-FR" sz="1800" dirty="0" smtClean="0"/>
+              <a:t>The semi-</a:t>
+            </a:r>
+            <a:r>
+              <a:rPr lang="fr-FR" sz="1800" dirty="0" err="1" smtClean="0"/>
+              <a:t>generalized</a:t>
+            </a:r>
+            <a:r>
+              <a:rPr lang="fr-FR" sz="1800" dirty="0" smtClean="0"/>
+              <a:t> </a:t>
+            </a:r>
+            <a:r>
+              <a:rPr lang="fr-FR" sz="1800" dirty="0" err="1" smtClean="0"/>
+              <a:t>constraints</a:t>
+            </a:r>
+            <a:r>
+              <a:rPr lang="fr-FR" sz="1800" dirty="0" smtClean="0"/>
+              <a:t> of the </a:t>
+            </a:r>
+            <a:r>
+              <a:rPr lang="fr-FR" sz="1800" dirty="0" err="1" smtClean="0"/>
+              <a:t>previous</a:t>
+            </a:r>
+            <a:r>
+              <a:rPr lang="fr-FR" sz="1800" dirty="0" smtClean="0"/>
+              <a:t> </a:t>
+            </a:r>
+            <a:r>
+              <a:rPr lang="fr-FR" sz="1800" dirty="0" err="1" smtClean="0"/>
+              <a:t>examples</a:t>
+            </a:r>
+            <a:r>
+              <a:rPr lang="fr-FR" sz="1800" dirty="0" smtClean="0"/>
+              <a:t> are </a:t>
+            </a:r>
+            <a:r>
+              <a:rPr lang="fr-FR" sz="1800" dirty="0" err="1" smtClean="0"/>
+              <a:t>existentially</a:t>
+            </a:r>
+            <a:r>
+              <a:rPr lang="fr-FR" sz="1800" dirty="0" smtClean="0"/>
+              <a:t> </a:t>
+            </a:r>
+            <a:r>
+              <a:rPr lang="fr-FR" sz="1800" dirty="0" err="1" smtClean="0"/>
+              <a:t>quantified</a:t>
+            </a:r>
+            <a:r>
+              <a:rPr lang="fr-FR" sz="1800" dirty="0" smtClean="0"/>
+              <a:t> formulas. </a:t>
+            </a:r>
+            <a:r>
+              <a:rPr lang="fr-FR" sz="1800" dirty="0" err="1" smtClean="0"/>
+              <a:t>We</a:t>
+            </a:r>
+            <a:r>
+              <a:rPr lang="fr-FR" sz="1800" dirty="0" smtClean="0"/>
+              <a:t> </a:t>
+            </a:r>
+            <a:r>
+              <a:rPr lang="fr-FR" sz="1800" dirty="0" err="1" smtClean="0"/>
+              <a:t>can</a:t>
+            </a:r>
+            <a:r>
+              <a:rPr lang="fr-FR" sz="1800" dirty="0" smtClean="0"/>
+              <a:t> </a:t>
+            </a:r>
+            <a:r>
+              <a:rPr lang="fr-FR" sz="1800" dirty="0" err="1" smtClean="0"/>
+              <a:t>construct</a:t>
+            </a:r>
+            <a:r>
+              <a:rPr lang="fr-FR" sz="1800" dirty="0" smtClean="0"/>
+              <a:t> the </a:t>
+            </a:r>
+            <a:r>
+              <a:rPr lang="fr-FR" sz="1800" dirty="0" err="1" smtClean="0"/>
+              <a:t>disjunction</a:t>
+            </a:r>
+            <a:r>
+              <a:rPr lang="fr-FR" sz="1800" dirty="0" smtClean="0"/>
+              <a:t> of all </a:t>
+            </a:r>
+            <a:r>
+              <a:rPr lang="fr-FR" sz="1800" dirty="0" err="1" smtClean="0"/>
+              <a:t>these</a:t>
+            </a:r>
+            <a:r>
+              <a:rPr lang="fr-FR" sz="1800" dirty="0" smtClean="0"/>
+              <a:t> formulas and </a:t>
+            </a:r>
+            <a:r>
+              <a:rPr lang="fr-FR" sz="1800" dirty="0" err="1" smtClean="0"/>
+              <a:t>negate</a:t>
+            </a:r>
+            <a:r>
+              <a:rPr lang="fr-FR" sz="1800" dirty="0" smtClean="0"/>
+              <a:t> the </a:t>
+            </a:r>
+            <a:r>
+              <a:rPr lang="fr-FR" sz="1800" dirty="0" err="1" smtClean="0"/>
+              <a:t>whole</a:t>
+            </a:r>
+            <a:r>
+              <a:rPr lang="fr-FR" sz="1800" dirty="0" smtClean="0"/>
+              <a:t> </a:t>
+            </a:r>
+            <a:r>
+              <a:rPr lang="fr-FR" sz="1800" dirty="0" err="1" smtClean="0"/>
+              <a:t>thing</a:t>
+            </a:r>
+            <a:r>
+              <a:rPr lang="fr-FR" sz="1800" dirty="0" smtClean="0"/>
+              <a:t>: </a:t>
+            </a:r>
+            <a:r>
+              <a:rPr lang="fr-FR" sz="1800" dirty="0" err="1" smtClean="0"/>
+              <a:t>we</a:t>
+            </a:r>
+            <a:r>
+              <a:rPr lang="fr-FR" sz="1800" dirty="0" smtClean="0"/>
+              <a:t> </a:t>
+            </a:r>
+            <a:r>
+              <a:rPr lang="fr-FR" sz="1800" dirty="0" err="1" smtClean="0"/>
+              <a:t>will</a:t>
+            </a:r>
+            <a:r>
+              <a:rPr lang="fr-FR" sz="1800" dirty="0" smtClean="0"/>
+              <a:t> </a:t>
+            </a:r>
+            <a:r>
+              <a:rPr lang="fr-FR" sz="1800" dirty="0" err="1" smtClean="0"/>
+              <a:t>get</a:t>
+            </a:r>
+            <a:r>
+              <a:rPr lang="fr-FR" sz="1800" dirty="0" smtClean="0"/>
+              <a:t> an </a:t>
+            </a:r>
+            <a:r>
+              <a:rPr lang="fr-FR" sz="1800" dirty="0" err="1" smtClean="0"/>
+              <a:t>universally</a:t>
+            </a:r>
+            <a:r>
+              <a:rPr lang="fr-FR" sz="1800" dirty="0" smtClean="0"/>
+              <a:t> </a:t>
+            </a:r>
+            <a:r>
+              <a:rPr lang="fr-FR" sz="1800" dirty="0" err="1" smtClean="0"/>
+              <a:t>quantified</a:t>
+            </a:r>
+            <a:r>
+              <a:rPr lang="fr-FR" sz="1800" dirty="0" smtClean="0"/>
+              <a:t> formula.</a:t>
+            </a:r>
+            <a:endParaRPr lang="fr-FR" sz="1800" dirty="0"/>
+          </a:p>
+        </p:txBody>
+      </p:sp>
+    </p:spTree>
+    <p:extLst>
+      <p:ext uri="{BB962C8B-B14F-4D97-AF65-F5344CB8AC3E}">
+        <p14:creationId xmlns:p14="http://schemas.microsoft.com/office/powerpoint/2010/main" val="1926664050"/>
+      </p:ext>
+    </p:extLst>
+  </p:cSld>
+  <p:clrMapOvr>
+    <a:masterClrMapping/>
+  </p:clrMapOvr>
+</p:sld>
+</file>
+
+<file path=ppt/slides/slide36.xml><?xml version="1.0" encoding="utf-8"?>
+<p:sld xmlns:a="http://schemas.openxmlformats.org/drawingml/2006/main" xmlns:r="http://schemas.openxmlformats.org/officeDocument/2006/relationships" xmlns:p="http://schemas.openxmlformats.org/presentationml/2006/main">
+  <p:cSld>
+    <p:spTree>
+      <p:nvGrpSpPr>
+        <p:cNvPr id="1" name=""/>
+        <p:cNvGrpSpPr/>
+        <p:nvPr/>
+      </p:nvGrpSpPr>
+      <p:grpSpPr>
+        <a:xfrm>
+          <a:off x="0" y="0"/>
+          <a:ext cx="0" cy="0"/>
+          <a:chOff x="0" y="0"/>
+          <a:chExt cx="0" cy="0"/>
+        </a:xfrm>
+      </p:grpSpPr>
+      <p:sp>
+        <p:nvSpPr>
+          <p:cNvPr id="2" name="Titre 1"/>
+          <p:cNvSpPr>
+            <a:spLocks noGrp="1"/>
+          </p:cNvSpPr>
+          <p:nvPr>
+            <p:ph type="title"/>
+          </p:nvPr>
+        </p:nvSpPr>
+        <p:spPr/>
+        <p:txBody>
+          <a:bodyPr/>
+          <a:lstStyle/>
+          <a:p>
+            <a:r>
+              <a:rPr lang="fr-FR" dirty="0" err="1" smtClean="0"/>
+              <a:t>Finding</a:t>
+            </a:r>
+            <a:r>
+              <a:rPr lang="fr-FR" dirty="0" smtClean="0"/>
+              <a:t> </a:t>
+            </a:r>
+            <a:r>
+              <a:rPr lang="fr-FR" dirty="0" err="1" smtClean="0"/>
+              <a:t>valid</a:t>
+            </a:r>
+            <a:r>
+              <a:rPr lang="fr-FR" dirty="0" smtClean="0"/>
+              <a:t> </a:t>
+            </a:r>
+            <a:r>
+              <a:rPr lang="fr-FR" dirty="0" err="1" smtClean="0"/>
+              <a:t>examples</a:t>
+            </a:r>
+            <a:r>
+              <a:rPr lang="fr-FR" dirty="0" smtClean="0"/>
+              <a:t> (</a:t>
+            </a:r>
+            <a:r>
+              <a:rPr lang="fr-FR" dirty="0" err="1" smtClean="0"/>
+              <a:t>step</a:t>
+            </a:r>
+            <a:r>
+              <a:rPr lang="fr-FR" dirty="0" smtClean="0"/>
+              <a:t> 1 of the </a:t>
+            </a:r>
+            <a:r>
+              <a:rPr lang="fr-FR" dirty="0" err="1" smtClean="0"/>
+              <a:t>method</a:t>
+            </a:r>
+            <a:r>
+              <a:rPr lang="fr-FR" dirty="0" smtClean="0"/>
+              <a:t>)</a:t>
+            </a:r>
+            <a:endParaRPr lang="fr-FR" dirty="0"/>
+          </a:p>
+        </p:txBody>
+      </p:sp>
+      <p:sp>
+        <p:nvSpPr>
+          <p:cNvPr id="3" name="Espace réservé du contenu 2"/>
+          <p:cNvSpPr>
+            <a:spLocks noGrp="1"/>
+          </p:cNvSpPr>
+          <p:nvPr>
+            <p:ph idx="1"/>
+          </p:nvPr>
+        </p:nvSpPr>
+        <p:spPr>
+          <a:xfrm>
+            <a:off x="838200" y="1825624"/>
+            <a:ext cx="10515600" cy="4774351"/>
+          </a:xfrm>
+        </p:spPr>
+        <p:txBody>
+          <a:bodyPr>
+            <a:normAutofit/>
+          </a:bodyPr>
+          <a:lstStyle/>
+          <a:p>
+            <a:pPr marL="0" indent="0">
+              <a:buNone/>
+            </a:pPr>
+            <a:r>
+              <a:rPr lang="fr-FR" sz="2400" dirty="0" err="1" smtClean="0"/>
+              <a:t>We</a:t>
+            </a:r>
+            <a:r>
+              <a:rPr lang="fr-FR" sz="2400" dirty="0" smtClean="0"/>
+              <a:t> </a:t>
+            </a:r>
+            <a:r>
+              <a:rPr lang="fr-FR" sz="2400" dirty="0" err="1" smtClean="0"/>
+              <a:t>want</a:t>
+            </a:r>
+            <a:r>
+              <a:rPr lang="fr-FR" sz="2400" dirty="0" smtClean="0"/>
+              <a:t> to </a:t>
+            </a:r>
+            <a:r>
+              <a:rPr lang="fr-FR" sz="2400" dirty="0" err="1"/>
+              <a:t>find</a:t>
+            </a:r>
+            <a:r>
+              <a:rPr lang="fr-FR" sz="2400" dirty="0"/>
+              <a:t> an </a:t>
+            </a:r>
+            <a:r>
+              <a:rPr lang="fr-FR" sz="2400" dirty="0" err="1"/>
+              <a:t>example</a:t>
+            </a:r>
+            <a:r>
+              <a:rPr lang="fr-FR" sz="2400" dirty="0"/>
+              <a:t> </a:t>
+            </a:r>
+            <a:r>
+              <a:rPr lang="fr-FR" sz="2400" dirty="0" err="1" smtClean="0"/>
+              <a:t>such</a:t>
+            </a:r>
+            <a:r>
+              <a:rPr lang="fr-FR" sz="2400" dirty="0" smtClean="0"/>
+              <a:t> </a:t>
+            </a:r>
+            <a:r>
+              <a:rPr lang="fr-FR" sz="2400" dirty="0" err="1"/>
+              <a:t>that</a:t>
+            </a:r>
+            <a:r>
+              <a:rPr lang="fr-FR" sz="2400" dirty="0" smtClean="0"/>
+              <a:t>:</a:t>
+            </a:r>
+            <a:endParaRPr lang="fr-FR" sz="2400" dirty="0"/>
+          </a:p>
+          <a:p>
+            <a:pPr marL="457200" indent="-457200">
+              <a:buFont typeface="+mj-lt"/>
+              <a:buAutoNum type="arabicPeriod"/>
+            </a:pPr>
+            <a:r>
+              <a:rPr lang="fr-FR" sz="2000" dirty="0" smtClean="0"/>
+              <a:t>It has the </a:t>
+            </a:r>
+            <a:r>
+              <a:rPr lang="fr-FR" sz="2000" dirty="0" err="1"/>
+              <a:t>same</a:t>
+            </a:r>
+            <a:r>
+              <a:rPr lang="fr-FR" sz="2000" dirty="0"/>
+              <a:t> </a:t>
+            </a:r>
+            <a:r>
+              <a:rPr lang="fr-FR" sz="2000" dirty="0" err="1"/>
+              <a:t>concrete</a:t>
+            </a:r>
+            <a:r>
+              <a:rPr lang="fr-FR" sz="2000" dirty="0"/>
+              <a:t> </a:t>
+            </a:r>
+            <a:r>
+              <a:rPr lang="fr-FR" sz="2000" dirty="0" err="1"/>
+              <a:t>constraints</a:t>
+            </a:r>
+            <a:r>
+              <a:rPr lang="fr-FR" sz="2000" dirty="0"/>
+              <a:t> </a:t>
+            </a:r>
+            <a:r>
+              <a:rPr lang="fr-FR" sz="2000" dirty="0" err="1"/>
+              <a:t>than</a:t>
+            </a:r>
+            <a:r>
+              <a:rPr lang="fr-FR" sz="2000" dirty="0"/>
+              <a:t> </a:t>
+            </a:r>
+            <a:r>
+              <a:rPr lang="fr-FR" sz="2000" dirty="0" err="1"/>
+              <a:t>those</a:t>
+            </a:r>
+            <a:r>
+              <a:rPr lang="fr-FR" sz="2000" dirty="0"/>
+              <a:t> </a:t>
+            </a:r>
+            <a:r>
+              <a:rPr lang="fr-FR" sz="2000" dirty="0" err="1"/>
+              <a:t>that</a:t>
+            </a:r>
+            <a:r>
+              <a:rPr lang="fr-FR" sz="2000" dirty="0"/>
+              <a:t> </a:t>
+            </a:r>
+            <a:r>
+              <a:rPr lang="fr-FR" sz="2000" dirty="0" err="1"/>
+              <a:t>we</a:t>
+            </a:r>
+            <a:r>
+              <a:rPr lang="fr-FR" sz="2000" dirty="0"/>
+              <a:t> have </a:t>
+            </a:r>
+            <a:r>
+              <a:rPr lang="fr-FR" sz="2000" dirty="0" err="1"/>
+              <a:t>highlighted</a:t>
+            </a:r>
+            <a:r>
+              <a:rPr lang="fr-FR" sz="2000" dirty="0"/>
+              <a:t> in </a:t>
+            </a:r>
+            <a:r>
+              <a:rPr lang="fr-FR" sz="2000" dirty="0" smtClean="0"/>
+              <a:t>the</a:t>
+            </a:r>
+            <a:br>
+              <a:rPr lang="fr-FR" sz="2000" dirty="0" smtClean="0"/>
+            </a:br>
+            <a:r>
+              <a:rPr lang="fr-FR" sz="2000" dirty="0" smtClean="0"/>
+              <a:t>initial </a:t>
+            </a:r>
+            <a:r>
+              <a:rPr lang="fr-FR" sz="2000" dirty="0" err="1"/>
+              <a:t>counterexample</a:t>
+            </a:r>
+            <a:endParaRPr lang="fr-FR" sz="2000" dirty="0"/>
+          </a:p>
+          <a:p>
+            <a:pPr marL="457200" indent="-457200">
+              <a:buFont typeface="+mj-lt"/>
+              <a:buAutoNum type="arabicPeriod"/>
+            </a:pPr>
+            <a:r>
+              <a:rPr lang="fr-FR" sz="2000" dirty="0"/>
+              <a:t>It </a:t>
+            </a:r>
+            <a:r>
+              <a:rPr lang="fr-FR" sz="2000" dirty="0" err="1" smtClean="0"/>
+              <a:t>doesn’t</a:t>
+            </a:r>
+            <a:r>
+              <a:rPr lang="fr-FR" sz="2000" dirty="0" smtClean="0"/>
+              <a:t> </a:t>
+            </a:r>
+            <a:r>
+              <a:rPr lang="fr-FR" sz="2000" dirty="0"/>
+              <a:t>break the initial set of invariants </a:t>
+            </a:r>
+            <a:r>
+              <a:rPr lang="fr-FR" sz="2000" dirty="0" err="1"/>
+              <a:t>after</a:t>
+            </a:r>
+            <a:r>
+              <a:rPr lang="fr-FR" sz="2000" dirty="0"/>
+              <a:t> the </a:t>
+            </a:r>
+            <a:r>
+              <a:rPr lang="fr-FR" sz="2000" dirty="0" err="1"/>
+              <a:t>execution</a:t>
+            </a:r>
+            <a:r>
+              <a:rPr lang="fr-FR" sz="2000" dirty="0"/>
+              <a:t> of the action of </a:t>
+            </a:r>
+            <a:r>
+              <a:rPr lang="fr-FR" sz="2000" dirty="0" err="1" smtClean="0"/>
+              <a:t>interest</a:t>
+            </a:r>
+            <a:r>
+              <a:rPr lang="fr-FR" sz="2000" dirty="0" smtClean="0"/>
+              <a:t/>
+            </a:r>
+            <a:br>
+              <a:rPr lang="fr-FR" sz="2000" dirty="0" smtClean="0"/>
+            </a:br>
+            <a:r>
+              <a:rPr lang="fr-FR" sz="2000" dirty="0" smtClean="0"/>
+              <a:t>(</a:t>
+            </a:r>
+            <a:r>
+              <a:rPr lang="fr-FR" sz="2000" dirty="0" err="1" smtClean="0"/>
+              <a:t>with</a:t>
+            </a:r>
+            <a:r>
+              <a:rPr lang="fr-FR" sz="2000" dirty="0" smtClean="0"/>
+              <a:t> </a:t>
+            </a:r>
+            <a:r>
+              <a:rPr lang="fr-FR" sz="2000" dirty="0" err="1"/>
+              <a:t>any</a:t>
+            </a:r>
+            <a:r>
+              <a:rPr lang="fr-FR" sz="2000" dirty="0"/>
+              <a:t> </a:t>
+            </a:r>
+            <a:r>
+              <a:rPr lang="fr-FR" sz="2000" dirty="0" smtClean="0"/>
+              <a:t>argument)</a:t>
+            </a:r>
+          </a:p>
+          <a:p>
+            <a:pPr marL="457200" indent="-457200">
+              <a:buFont typeface="+mj-lt"/>
+              <a:buAutoNum type="arabicPeriod"/>
+            </a:pPr>
+            <a:r>
+              <a:rPr lang="fr-FR" sz="2000" dirty="0" smtClean="0"/>
+              <a:t>It </a:t>
+            </a:r>
+            <a:r>
+              <a:rPr lang="fr-FR" sz="2000" dirty="0" err="1" smtClean="0"/>
+              <a:t>was</a:t>
+            </a:r>
+            <a:r>
+              <a:rPr lang="fr-FR" sz="2000" dirty="0" smtClean="0"/>
+              <a:t> not </a:t>
+            </a:r>
+            <a:r>
+              <a:rPr lang="fr-FR" sz="2000" dirty="0" err="1" smtClean="0"/>
+              <a:t>already</a:t>
+            </a:r>
+            <a:r>
+              <a:rPr lang="fr-FR" sz="2000" dirty="0" smtClean="0"/>
+              <a:t> </a:t>
+            </a:r>
+            <a:r>
+              <a:rPr lang="fr-FR" sz="2000" dirty="0" err="1" smtClean="0"/>
+              <a:t>treated</a:t>
+            </a:r>
+            <a:r>
+              <a:rPr lang="fr-FR" sz="2000" dirty="0" smtClean="0"/>
+              <a:t> </a:t>
+            </a:r>
+            <a:r>
+              <a:rPr lang="fr-FR" sz="2000" dirty="0" err="1" smtClean="0"/>
+              <a:t>before</a:t>
+            </a:r>
+            <a:r>
+              <a:rPr lang="fr-FR" sz="2000" dirty="0"/>
+              <a:t> </a:t>
+            </a:r>
+            <a:r>
+              <a:rPr lang="fr-FR" sz="2000" dirty="0" smtClean="0"/>
+              <a:t>(more </a:t>
+            </a:r>
+            <a:r>
+              <a:rPr lang="fr-FR" sz="2000" dirty="0" err="1" smtClean="0"/>
+              <a:t>precisely</a:t>
+            </a:r>
+            <a:r>
+              <a:rPr lang="fr-FR" sz="2000" dirty="0" smtClean="0"/>
+              <a:t>, </a:t>
+            </a:r>
+            <a:r>
+              <a:rPr lang="fr-FR" sz="2000" dirty="0" err="1" smtClean="0"/>
+              <a:t>it</a:t>
+            </a:r>
+            <a:r>
+              <a:rPr lang="fr-FR" sz="2000" dirty="0" smtClean="0"/>
+              <a:t> </a:t>
+            </a:r>
+            <a:r>
+              <a:rPr lang="fr-FR" sz="2000" dirty="0" err="1" smtClean="0"/>
+              <a:t>doesn’t</a:t>
+            </a:r>
+            <a:r>
+              <a:rPr lang="fr-FR" sz="2000" dirty="0" smtClean="0"/>
+              <a:t> </a:t>
+            </a:r>
+            <a:r>
+              <a:rPr lang="fr-FR" sz="2000" dirty="0" err="1" smtClean="0"/>
+              <a:t>satisfy</a:t>
+            </a:r>
+            <a:r>
+              <a:rPr lang="fr-FR" sz="2000" dirty="0" smtClean="0"/>
+              <a:t> the semi-</a:t>
+            </a:r>
+            <a:r>
+              <a:rPr lang="fr-FR" sz="2000" dirty="0" err="1" smtClean="0"/>
+              <a:t>generalized</a:t>
+            </a:r>
+            <a:r>
+              <a:rPr lang="fr-FR" sz="2000" dirty="0" smtClean="0"/>
+              <a:t> </a:t>
+            </a:r>
+            <a:r>
+              <a:rPr lang="fr-FR" sz="2000" dirty="0" err="1" smtClean="0"/>
+              <a:t>highlighted</a:t>
+            </a:r>
+            <a:r>
+              <a:rPr lang="fr-FR" sz="2000" dirty="0" smtClean="0"/>
+              <a:t> </a:t>
+            </a:r>
+            <a:r>
+              <a:rPr lang="fr-FR" sz="2000" dirty="0" err="1" smtClean="0"/>
+              <a:t>constraints</a:t>
+            </a:r>
+            <a:r>
+              <a:rPr lang="fr-FR" sz="2000" dirty="0" smtClean="0"/>
+              <a:t> of the </a:t>
+            </a:r>
+            <a:r>
+              <a:rPr lang="fr-FR" sz="2000" dirty="0" err="1" smtClean="0"/>
+              <a:t>previous</a:t>
+            </a:r>
+            <a:r>
+              <a:rPr lang="fr-FR" sz="2000" dirty="0" smtClean="0"/>
+              <a:t> </a:t>
+            </a:r>
+            <a:r>
+              <a:rPr lang="fr-FR" sz="2000" dirty="0" err="1" smtClean="0"/>
+              <a:t>examples</a:t>
+            </a:r>
+            <a:r>
+              <a:rPr lang="fr-FR" sz="2000" dirty="0" smtClean="0"/>
+              <a:t> </a:t>
+            </a:r>
+            <a:r>
+              <a:rPr lang="fr-FR" sz="2000" dirty="0" err="1" smtClean="0"/>
+              <a:t>found</a:t>
+            </a:r>
+            <a:r>
+              <a:rPr lang="fr-FR" sz="2000" dirty="0" smtClean="0"/>
+              <a:t>)</a:t>
+            </a:r>
+            <a:endParaRPr lang="fr-FR" sz="2000" dirty="0"/>
+          </a:p>
+          <a:p>
+            <a:pPr marL="0" indent="0">
+              <a:buNone/>
+            </a:pPr>
+            <a:endParaRPr lang="fr-FR" dirty="0" smtClean="0"/>
+          </a:p>
+          <a:p>
+            <a:pPr marL="0" indent="0">
+              <a:buNone/>
+            </a:pPr>
+            <a:r>
+              <a:rPr lang="fr-FR" sz="1800" dirty="0" smtClean="0"/>
+              <a:t>For the second point, the </a:t>
+            </a:r>
+            <a:r>
+              <a:rPr lang="fr-FR" sz="1800" dirty="0" err="1" smtClean="0"/>
+              <a:t>paper</a:t>
+            </a:r>
+            <a:r>
+              <a:rPr lang="fr-FR" sz="1800" dirty="0" smtClean="0"/>
+              <a:t> « </a:t>
+            </a:r>
+            <a:r>
+              <a:rPr lang="en-US" sz="1800" b="1" dirty="0"/>
+              <a:t> Ivy: Safety Verification by Interactive Generalization </a:t>
+            </a:r>
+            <a:r>
+              <a:rPr lang="fr-FR" sz="1800" dirty="0" smtClean="0"/>
+              <a:t> »</a:t>
+            </a:r>
+            <a:r>
+              <a:rPr lang="en-US" sz="1800" dirty="0" smtClean="0"/>
+              <a:t> gives us a method to compute the weakest precondition of the initial set of invariants (for the action of interest). Under some restrictions on the code, this process is stable for </a:t>
+            </a:r>
+            <a:r>
+              <a:rPr lang="fr-FR" sz="1800" dirty="0" smtClean="0">
+                <a:solidFill>
+                  <a:schemeClr val="dk1"/>
+                </a:solidFill>
+              </a:rPr>
+              <a:t>∀∃-formulas, </a:t>
+            </a:r>
+            <a:r>
+              <a:rPr lang="fr-FR" sz="1800" dirty="0" err="1" smtClean="0">
+                <a:solidFill>
+                  <a:schemeClr val="dk1"/>
+                </a:solidFill>
+              </a:rPr>
+              <a:t>so</a:t>
+            </a:r>
+            <a:r>
+              <a:rPr lang="fr-FR" sz="1800" dirty="0" smtClean="0">
+                <a:solidFill>
+                  <a:schemeClr val="dk1"/>
+                </a:solidFill>
+              </a:rPr>
+              <a:t> </a:t>
+            </a:r>
+            <a:r>
+              <a:rPr lang="fr-FR" sz="1800" dirty="0" err="1" smtClean="0">
+                <a:solidFill>
+                  <a:schemeClr val="dk1"/>
+                </a:solidFill>
+              </a:rPr>
+              <a:t>we</a:t>
+            </a:r>
+            <a:r>
+              <a:rPr lang="fr-FR" sz="1800" dirty="0" smtClean="0">
+                <a:solidFill>
+                  <a:schemeClr val="dk1"/>
+                </a:solidFill>
+              </a:rPr>
+              <a:t> </a:t>
+            </a:r>
+            <a:r>
+              <a:rPr lang="fr-FR" sz="1800" dirty="0" err="1" smtClean="0">
+                <a:solidFill>
+                  <a:schemeClr val="dk1"/>
+                </a:solidFill>
+              </a:rPr>
+              <a:t>will</a:t>
+            </a:r>
+            <a:r>
+              <a:rPr lang="fr-FR" sz="1800" dirty="0" smtClean="0">
+                <a:solidFill>
+                  <a:schemeClr val="dk1"/>
+                </a:solidFill>
+              </a:rPr>
+              <a:t> </a:t>
+            </a:r>
+            <a:r>
+              <a:rPr lang="fr-FR" sz="1800" dirty="0" err="1" smtClean="0">
+                <a:solidFill>
+                  <a:schemeClr val="dk1"/>
+                </a:solidFill>
+              </a:rPr>
+              <a:t>get</a:t>
+            </a:r>
+            <a:r>
+              <a:rPr lang="fr-FR" sz="1800" dirty="0" smtClean="0">
+                <a:solidFill>
+                  <a:schemeClr val="dk1"/>
+                </a:solidFill>
+              </a:rPr>
+              <a:t> a </a:t>
+            </a:r>
+            <a:r>
+              <a:rPr lang="fr-FR" sz="1800" dirty="0" err="1" smtClean="0">
+                <a:solidFill>
+                  <a:schemeClr val="dk1"/>
+                </a:solidFill>
+              </a:rPr>
+              <a:t>weakest</a:t>
+            </a:r>
+            <a:r>
+              <a:rPr lang="fr-FR" sz="1800" dirty="0" smtClean="0">
+                <a:solidFill>
+                  <a:schemeClr val="dk1"/>
+                </a:solidFill>
+              </a:rPr>
+              <a:t> </a:t>
+            </a:r>
+            <a:r>
+              <a:rPr lang="fr-FR" sz="1800" dirty="0" err="1" smtClean="0">
+                <a:solidFill>
+                  <a:schemeClr val="dk1"/>
+                </a:solidFill>
+              </a:rPr>
+              <a:t>precondition</a:t>
+            </a:r>
+            <a:r>
+              <a:rPr lang="fr-FR" sz="1800" dirty="0" smtClean="0">
+                <a:solidFill>
+                  <a:schemeClr val="dk1"/>
+                </a:solidFill>
+              </a:rPr>
+              <a:t> (</a:t>
+            </a:r>
+            <a:r>
+              <a:rPr lang="fr-FR" sz="1800" dirty="0" err="1" smtClean="0">
+                <a:solidFill>
+                  <a:schemeClr val="dk1"/>
+                </a:solidFill>
+              </a:rPr>
+              <a:t>wpr</a:t>
+            </a:r>
+            <a:r>
+              <a:rPr lang="fr-FR" sz="1800" dirty="0" smtClean="0">
+                <a:solidFill>
+                  <a:schemeClr val="dk1"/>
+                </a:solidFill>
+              </a:rPr>
+              <a:t>) of the </a:t>
+            </a:r>
+            <a:r>
+              <a:rPr lang="fr-FR" sz="1800" dirty="0" err="1" smtClean="0">
+                <a:solidFill>
+                  <a:schemeClr val="dk1"/>
+                </a:solidFill>
+              </a:rPr>
+              <a:t>form</a:t>
+            </a:r>
+            <a:r>
+              <a:rPr lang="fr-FR" sz="1800" dirty="0" smtClean="0">
+                <a:solidFill>
+                  <a:schemeClr val="dk1"/>
+                </a:solidFill>
+              </a:rPr>
+              <a:t> ∀∃. As </a:t>
+            </a:r>
+            <a:r>
+              <a:rPr lang="fr-FR" sz="1800" dirty="0" err="1" smtClean="0">
+                <a:solidFill>
+                  <a:schemeClr val="dk1"/>
+                </a:solidFill>
+              </a:rPr>
+              <a:t>it</a:t>
+            </a:r>
+            <a:r>
+              <a:rPr lang="fr-FR" sz="1800" dirty="0" smtClean="0">
+                <a:solidFill>
+                  <a:schemeClr val="dk1"/>
+                </a:solidFill>
+              </a:rPr>
+              <a:t> </a:t>
+            </a:r>
+            <a:r>
+              <a:rPr lang="fr-FR" sz="1800" dirty="0" err="1" smtClean="0">
+                <a:solidFill>
+                  <a:schemeClr val="dk1"/>
+                </a:solidFill>
+              </a:rPr>
+              <a:t>is</a:t>
+            </a:r>
+            <a:r>
+              <a:rPr lang="fr-FR" sz="1800" dirty="0" smtClean="0">
+                <a:solidFill>
+                  <a:schemeClr val="dk1"/>
+                </a:solidFill>
+              </a:rPr>
+              <a:t> a </a:t>
+            </a:r>
+            <a:r>
+              <a:rPr lang="fr-FR" sz="1800" b="1" dirty="0" err="1" smtClean="0">
+                <a:solidFill>
+                  <a:schemeClr val="dk1"/>
+                </a:solidFill>
+              </a:rPr>
+              <a:t>weakest</a:t>
+            </a:r>
+            <a:r>
+              <a:rPr lang="fr-FR" sz="1800" dirty="0" smtClean="0">
+                <a:solidFill>
+                  <a:schemeClr val="dk1"/>
+                </a:solidFill>
+              </a:rPr>
+              <a:t> </a:t>
+            </a:r>
+            <a:r>
+              <a:rPr lang="fr-FR" sz="1800" dirty="0" err="1" smtClean="0">
+                <a:solidFill>
+                  <a:schemeClr val="dk1"/>
+                </a:solidFill>
+              </a:rPr>
+              <a:t>precondition</a:t>
+            </a:r>
+            <a:r>
+              <a:rPr lang="fr-FR" sz="1800" dirty="0" smtClean="0">
+                <a:solidFill>
+                  <a:schemeClr val="dk1"/>
+                </a:solidFill>
+              </a:rPr>
+              <a:t>, an </a:t>
+            </a:r>
+            <a:r>
+              <a:rPr lang="fr-FR" sz="1800" dirty="0" err="1" smtClean="0">
+                <a:solidFill>
+                  <a:schemeClr val="dk1"/>
+                </a:solidFill>
+              </a:rPr>
+              <a:t>example</a:t>
+            </a:r>
+            <a:r>
+              <a:rPr lang="fr-FR" sz="1800" dirty="0" smtClean="0">
+                <a:solidFill>
+                  <a:schemeClr val="dk1"/>
+                </a:solidFill>
+              </a:rPr>
+              <a:t> </a:t>
+            </a:r>
+            <a:r>
+              <a:rPr lang="fr-FR" sz="1800" dirty="0" err="1" smtClean="0">
+                <a:solidFill>
+                  <a:schemeClr val="dk1"/>
+                </a:solidFill>
+              </a:rPr>
+              <a:t>will</a:t>
+            </a:r>
+            <a:r>
+              <a:rPr lang="fr-FR" sz="1800" dirty="0" smtClean="0">
+                <a:solidFill>
+                  <a:schemeClr val="dk1"/>
+                </a:solidFill>
+              </a:rPr>
+              <a:t> not break the initial set of invariants iff </a:t>
+            </a:r>
+            <a:r>
+              <a:rPr lang="fr-FR" sz="1800" dirty="0" err="1" smtClean="0">
+                <a:solidFill>
+                  <a:schemeClr val="dk1"/>
+                </a:solidFill>
+              </a:rPr>
+              <a:t>it</a:t>
+            </a:r>
+            <a:r>
+              <a:rPr lang="fr-FR" sz="1800" dirty="0" smtClean="0">
+                <a:solidFill>
+                  <a:schemeClr val="dk1"/>
+                </a:solidFill>
+              </a:rPr>
+              <a:t> </a:t>
+            </a:r>
+            <a:r>
+              <a:rPr lang="fr-FR" sz="1800" dirty="0" err="1" smtClean="0">
+                <a:solidFill>
+                  <a:schemeClr val="dk1"/>
+                </a:solidFill>
+              </a:rPr>
+              <a:t>satisfies</a:t>
+            </a:r>
+            <a:r>
+              <a:rPr lang="fr-FR" sz="1800" dirty="0" smtClean="0">
+                <a:solidFill>
+                  <a:schemeClr val="dk1"/>
+                </a:solidFill>
+              </a:rPr>
+              <a:t> </a:t>
+            </a:r>
+            <a:r>
+              <a:rPr lang="fr-FR" sz="1800" dirty="0" err="1" smtClean="0">
+                <a:solidFill>
+                  <a:schemeClr val="dk1"/>
+                </a:solidFill>
+              </a:rPr>
+              <a:t>this</a:t>
+            </a:r>
+            <a:r>
+              <a:rPr lang="fr-FR" sz="1800" dirty="0" smtClean="0">
+                <a:solidFill>
+                  <a:schemeClr val="dk1"/>
+                </a:solidFill>
+              </a:rPr>
+              <a:t> </a:t>
+            </a:r>
+            <a:r>
+              <a:rPr lang="fr-FR" sz="1800" dirty="0" err="1" smtClean="0">
+                <a:solidFill>
+                  <a:schemeClr val="dk1"/>
+                </a:solidFill>
+              </a:rPr>
+              <a:t>wpr</a:t>
+            </a:r>
+            <a:r>
+              <a:rPr lang="fr-FR" sz="1800" dirty="0" smtClean="0">
+                <a:solidFill>
+                  <a:schemeClr val="dk1"/>
+                </a:solidFill>
+              </a:rPr>
+              <a:t>.</a:t>
+            </a:r>
+          </a:p>
+          <a:p>
+            <a:pPr marL="0" indent="0">
+              <a:buNone/>
+            </a:pPr>
+            <a:r>
+              <a:rPr lang="fr-FR" sz="1800" dirty="0" err="1" smtClean="0">
+                <a:solidFill>
+                  <a:schemeClr val="dk1"/>
+                </a:solidFill>
+              </a:rPr>
+              <a:t>Consequently</a:t>
+            </a:r>
+            <a:r>
+              <a:rPr lang="fr-FR" sz="1800" dirty="0" smtClean="0">
+                <a:solidFill>
+                  <a:schemeClr val="dk1"/>
+                </a:solidFill>
+              </a:rPr>
+              <a:t>, </a:t>
+            </a:r>
+            <a:r>
+              <a:rPr lang="fr-FR" sz="1800" dirty="0" err="1" smtClean="0">
+                <a:solidFill>
+                  <a:schemeClr val="dk1"/>
+                </a:solidFill>
+              </a:rPr>
+              <a:t>we</a:t>
+            </a:r>
+            <a:r>
+              <a:rPr lang="fr-FR" sz="1800" dirty="0" smtClean="0">
+                <a:solidFill>
+                  <a:schemeClr val="dk1"/>
+                </a:solidFill>
+              </a:rPr>
+              <a:t> </a:t>
+            </a:r>
+            <a:r>
+              <a:rPr lang="fr-FR" sz="1800" dirty="0" err="1" smtClean="0">
+                <a:solidFill>
+                  <a:schemeClr val="dk1"/>
+                </a:solidFill>
+              </a:rPr>
+              <a:t>can</a:t>
+            </a:r>
+            <a:r>
+              <a:rPr lang="fr-FR" sz="1800" dirty="0" smtClean="0">
+                <a:solidFill>
+                  <a:schemeClr val="dk1"/>
+                </a:solidFill>
+              </a:rPr>
+              <a:t> </a:t>
+            </a:r>
+            <a:r>
+              <a:rPr lang="fr-FR" sz="1800" dirty="0" err="1" smtClean="0">
+                <a:solidFill>
+                  <a:schemeClr val="dk1"/>
+                </a:solidFill>
+              </a:rPr>
+              <a:t>just</a:t>
+            </a:r>
+            <a:r>
+              <a:rPr lang="fr-FR" sz="1800" dirty="0" smtClean="0">
+                <a:solidFill>
+                  <a:schemeClr val="dk1"/>
+                </a:solidFill>
+              </a:rPr>
+              <a:t> </a:t>
+            </a:r>
+            <a:r>
+              <a:rPr lang="fr-FR" sz="1800" dirty="0" err="1" smtClean="0">
+                <a:solidFill>
+                  <a:schemeClr val="dk1"/>
+                </a:solidFill>
+              </a:rPr>
+              <a:t>take</a:t>
+            </a:r>
+            <a:r>
+              <a:rPr lang="fr-FR" sz="1800" dirty="0" smtClean="0">
+                <a:solidFill>
+                  <a:schemeClr val="dk1"/>
+                </a:solidFill>
+              </a:rPr>
+              <a:t> </a:t>
+            </a:r>
+            <a:r>
+              <a:rPr lang="fr-FR" sz="1800" dirty="0" err="1" smtClean="0">
+                <a:solidFill>
+                  <a:schemeClr val="dk1"/>
+                </a:solidFill>
+              </a:rPr>
+              <a:t>this</a:t>
+            </a:r>
+            <a:r>
+              <a:rPr lang="fr-FR" sz="1800" dirty="0" smtClean="0">
+                <a:solidFill>
+                  <a:schemeClr val="dk1"/>
+                </a:solidFill>
+              </a:rPr>
+              <a:t> </a:t>
+            </a:r>
+            <a:r>
+              <a:rPr lang="fr-FR" sz="1800" dirty="0" err="1" smtClean="0">
+                <a:solidFill>
+                  <a:schemeClr val="dk1"/>
+                </a:solidFill>
+              </a:rPr>
+              <a:t>weakest</a:t>
+            </a:r>
+            <a:r>
+              <a:rPr lang="fr-FR" sz="1800" dirty="0" smtClean="0">
+                <a:solidFill>
+                  <a:schemeClr val="dk1"/>
+                </a:solidFill>
+              </a:rPr>
+              <a:t> </a:t>
+            </a:r>
+            <a:r>
+              <a:rPr lang="fr-FR" sz="1800" dirty="0" err="1" smtClean="0">
+                <a:solidFill>
+                  <a:schemeClr val="dk1"/>
+                </a:solidFill>
+              </a:rPr>
+              <a:t>precondition</a:t>
+            </a:r>
+            <a:r>
+              <a:rPr lang="fr-FR" sz="1800" dirty="0" smtClean="0">
+                <a:solidFill>
+                  <a:schemeClr val="dk1"/>
+                </a:solidFill>
+              </a:rPr>
+              <a:t> as formula for the second point.</a:t>
+            </a:r>
+          </a:p>
+          <a:p>
+            <a:pPr marL="0" indent="0">
+              <a:buNone/>
+            </a:pPr>
+            <a:endParaRPr lang="fr-FR" sz="1800" dirty="0"/>
+          </a:p>
+        </p:txBody>
+      </p:sp>
+    </p:spTree>
+    <p:extLst>
+      <p:ext uri="{BB962C8B-B14F-4D97-AF65-F5344CB8AC3E}">
+        <p14:creationId xmlns:p14="http://schemas.microsoft.com/office/powerpoint/2010/main" val="279428882"/>
+      </p:ext>
+    </p:extLst>
+  </p:cSld>
+  <p:clrMapOvr>
+    <a:masterClrMapping/>
+  </p:clrMapOvr>
+</p:sld>
+</file>
+
+<file path=ppt/slides/slide37.xml><?xml version="1.0" encoding="utf-8"?>
+<p:sld xmlns:a="http://schemas.openxmlformats.org/drawingml/2006/main" xmlns:r="http://schemas.openxmlformats.org/officeDocument/2006/relationships" xmlns:p="http://schemas.openxmlformats.org/presentationml/2006/main">
+  <p:cSld>
+    <p:spTree>
+      <p:nvGrpSpPr>
+        <p:cNvPr id="1" name=""/>
+        <p:cNvGrpSpPr/>
+        <p:nvPr/>
+      </p:nvGrpSpPr>
+      <p:grpSpPr>
+        <a:xfrm>
+          <a:off x="0" y="0"/>
+          <a:ext cx="0" cy="0"/>
+          <a:chOff x="0" y="0"/>
+          <a:chExt cx="0" cy="0"/>
+        </a:xfrm>
+      </p:grpSpPr>
+      <p:sp>
+        <p:nvSpPr>
+          <p:cNvPr id="2" name="Titre 1"/>
+          <p:cNvSpPr>
+            <a:spLocks noGrp="1"/>
+          </p:cNvSpPr>
+          <p:nvPr>
+            <p:ph type="title"/>
+          </p:nvPr>
+        </p:nvSpPr>
+        <p:spPr/>
+        <p:txBody>
+          <a:bodyPr/>
+          <a:lstStyle/>
+          <a:p>
+            <a:r>
+              <a:rPr lang="fr-FR" dirty="0" err="1" smtClean="0"/>
+              <a:t>Finding</a:t>
+            </a:r>
+            <a:r>
+              <a:rPr lang="fr-FR" dirty="0" smtClean="0"/>
+              <a:t> </a:t>
+            </a:r>
+            <a:r>
+              <a:rPr lang="fr-FR" dirty="0" err="1" smtClean="0"/>
+              <a:t>valid</a:t>
+            </a:r>
+            <a:r>
+              <a:rPr lang="fr-FR" dirty="0" smtClean="0"/>
+              <a:t> </a:t>
+            </a:r>
+            <a:r>
+              <a:rPr lang="fr-FR" dirty="0" err="1" smtClean="0"/>
+              <a:t>examples</a:t>
+            </a:r>
+            <a:r>
+              <a:rPr lang="fr-FR" dirty="0" smtClean="0"/>
+              <a:t> (</a:t>
+            </a:r>
+            <a:r>
+              <a:rPr lang="fr-FR" dirty="0" err="1" smtClean="0"/>
+              <a:t>step</a:t>
+            </a:r>
+            <a:r>
+              <a:rPr lang="fr-FR" dirty="0" smtClean="0"/>
+              <a:t> 1 of the </a:t>
+            </a:r>
+            <a:r>
+              <a:rPr lang="fr-FR" dirty="0" err="1" smtClean="0"/>
+              <a:t>method</a:t>
+            </a:r>
+            <a:r>
+              <a:rPr lang="fr-FR" dirty="0" smtClean="0"/>
+              <a:t>)</a:t>
+            </a:r>
+            <a:endParaRPr lang="fr-FR" dirty="0"/>
+          </a:p>
+        </p:txBody>
+      </p:sp>
+      <p:sp>
+        <p:nvSpPr>
+          <p:cNvPr id="3" name="Espace réservé du contenu 2"/>
+          <p:cNvSpPr>
+            <a:spLocks noGrp="1"/>
+          </p:cNvSpPr>
+          <p:nvPr>
+            <p:ph idx="1"/>
+          </p:nvPr>
+        </p:nvSpPr>
+        <p:spPr>
+          <a:xfrm>
+            <a:off x="838200" y="1825624"/>
+            <a:ext cx="10515600" cy="4774351"/>
+          </a:xfrm>
+        </p:spPr>
+        <p:txBody>
+          <a:bodyPr>
+            <a:normAutofit/>
+          </a:bodyPr>
+          <a:lstStyle/>
+          <a:p>
+            <a:pPr marL="0" indent="0">
+              <a:buNone/>
+            </a:pPr>
+            <a:r>
+              <a:rPr lang="fr-FR" sz="2400" dirty="0" err="1" smtClean="0"/>
+              <a:t>We</a:t>
+            </a:r>
+            <a:r>
+              <a:rPr lang="fr-FR" sz="2400" dirty="0" smtClean="0"/>
+              <a:t> </a:t>
+            </a:r>
+            <a:r>
+              <a:rPr lang="fr-FR" sz="2400" dirty="0" err="1" smtClean="0"/>
+              <a:t>want</a:t>
+            </a:r>
+            <a:r>
+              <a:rPr lang="fr-FR" sz="2400" dirty="0" smtClean="0"/>
+              <a:t> to </a:t>
+            </a:r>
+            <a:r>
+              <a:rPr lang="fr-FR" sz="2400" dirty="0" err="1"/>
+              <a:t>find</a:t>
+            </a:r>
+            <a:r>
+              <a:rPr lang="fr-FR" sz="2400" dirty="0"/>
+              <a:t> an </a:t>
+            </a:r>
+            <a:r>
+              <a:rPr lang="fr-FR" sz="2400" dirty="0" err="1"/>
+              <a:t>example</a:t>
+            </a:r>
+            <a:r>
+              <a:rPr lang="fr-FR" sz="2400" dirty="0"/>
+              <a:t> </a:t>
+            </a:r>
+            <a:r>
+              <a:rPr lang="fr-FR" sz="2400" dirty="0" err="1" smtClean="0"/>
+              <a:t>such</a:t>
+            </a:r>
+            <a:r>
+              <a:rPr lang="fr-FR" sz="2400" dirty="0" smtClean="0"/>
+              <a:t> </a:t>
+            </a:r>
+            <a:r>
+              <a:rPr lang="fr-FR" sz="2400" dirty="0" err="1"/>
+              <a:t>that</a:t>
+            </a:r>
+            <a:r>
+              <a:rPr lang="fr-FR" sz="2400" dirty="0" smtClean="0"/>
+              <a:t>:</a:t>
+            </a:r>
+            <a:endParaRPr lang="fr-FR" sz="2400" dirty="0"/>
+          </a:p>
+          <a:p>
+            <a:pPr marL="457200" indent="-457200">
+              <a:buFont typeface="+mj-lt"/>
+              <a:buAutoNum type="arabicPeriod"/>
+            </a:pPr>
+            <a:r>
+              <a:rPr lang="fr-FR" sz="2000" dirty="0" smtClean="0"/>
+              <a:t>It has the </a:t>
+            </a:r>
+            <a:r>
+              <a:rPr lang="fr-FR" sz="2000" dirty="0" err="1"/>
+              <a:t>same</a:t>
+            </a:r>
+            <a:r>
+              <a:rPr lang="fr-FR" sz="2000" dirty="0"/>
+              <a:t> </a:t>
+            </a:r>
+            <a:r>
+              <a:rPr lang="fr-FR" sz="2000" dirty="0" err="1"/>
+              <a:t>concrete</a:t>
+            </a:r>
+            <a:r>
+              <a:rPr lang="fr-FR" sz="2000" dirty="0"/>
+              <a:t> </a:t>
+            </a:r>
+            <a:r>
+              <a:rPr lang="fr-FR" sz="2000" dirty="0" err="1"/>
+              <a:t>constraints</a:t>
+            </a:r>
+            <a:r>
+              <a:rPr lang="fr-FR" sz="2000" dirty="0"/>
+              <a:t> </a:t>
+            </a:r>
+            <a:r>
+              <a:rPr lang="fr-FR" sz="2000" dirty="0" err="1"/>
+              <a:t>than</a:t>
+            </a:r>
+            <a:r>
+              <a:rPr lang="fr-FR" sz="2000" dirty="0"/>
+              <a:t> </a:t>
+            </a:r>
+            <a:r>
+              <a:rPr lang="fr-FR" sz="2000" dirty="0" err="1"/>
+              <a:t>those</a:t>
+            </a:r>
+            <a:r>
+              <a:rPr lang="fr-FR" sz="2000" dirty="0"/>
+              <a:t> </a:t>
+            </a:r>
+            <a:r>
+              <a:rPr lang="fr-FR" sz="2000" dirty="0" err="1"/>
+              <a:t>that</a:t>
+            </a:r>
+            <a:r>
+              <a:rPr lang="fr-FR" sz="2000" dirty="0"/>
+              <a:t> </a:t>
+            </a:r>
+            <a:r>
+              <a:rPr lang="fr-FR" sz="2000" dirty="0" err="1"/>
+              <a:t>we</a:t>
+            </a:r>
+            <a:r>
+              <a:rPr lang="fr-FR" sz="2000" dirty="0"/>
+              <a:t> have </a:t>
+            </a:r>
+            <a:r>
+              <a:rPr lang="fr-FR" sz="2000" dirty="0" err="1"/>
+              <a:t>highlighted</a:t>
+            </a:r>
+            <a:r>
+              <a:rPr lang="fr-FR" sz="2000" dirty="0"/>
+              <a:t> in </a:t>
+            </a:r>
+            <a:r>
+              <a:rPr lang="fr-FR" sz="2000" dirty="0" smtClean="0"/>
+              <a:t>the</a:t>
+            </a:r>
+            <a:br>
+              <a:rPr lang="fr-FR" sz="2000" dirty="0" smtClean="0"/>
+            </a:br>
+            <a:r>
+              <a:rPr lang="fr-FR" sz="2000" dirty="0" smtClean="0"/>
+              <a:t>initial </a:t>
+            </a:r>
+            <a:r>
+              <a:rPr lang="fr-FR" sz="2000" dirty="0" err="1"/>
+              <a:t>counterexample</a:t>
+            </a:r>
+            <a:endParaRPr lang="fr-FR" sz="2000" dirty="0"/>
+          </a:p>
+          <a:p>
+            <a:pPr marL="457200" indent="-457200">
+              <a:buFont typeface="+mj-lt"/>
+              <a:buAutoNum type="arabicPeriod"/>
+            </a:pPr>
+            <a:r>
+              <a:rPr lang="fr-FR" sz="2000" dirty="0"/>
+              <a:t>It </a:t>
+            </a:r>
+            <a:r>
+              <a:rPr lang="fr-FR" sz="2000" dirty="0" err="1" smtClean="0"/>
+              <a:t>doesn’t</a:t>
+            </a:r>
+            <a:r>
+              <a:rPr lang="fr-FR" sz="2000" dirty="0" smtClean="0"/>
+              <a:t> </a:t>
+            </a:r>
+            <a:r>
+              <a:rPr lang="fr-FR" sz="2000" dirty="0"/>
+              <a:t>break the initial set of invariants </a:t>
+            </a:r>
+            <a:r>
+              <a:rPr lang="fr-FR" sz="2000" dirty="0" err="1"/>
+              <a:t>after</a:t>
+            </a:r>
+            <a:r>
+              <a:rPr lang="fr-FR" sz="2000" dirty="0"/>
+              <a:t> the </a:t>
+            </a:r>
+            <a:r>
+              <a:rPr lang="fr-FR" sz="2000" dirty="0" err="1"/>
+              <a:t>execution</a:t>
+            </a:r>
+            <a:r>
+              <a:rPr lang="fr-FR" sz="2000" dirty="0"/>
+              <a:t> of the action of </a:t>
+            </a:r>
+            <a:r>
+              <a:rPr lang="fr-FR" sz="2000" dirty="0" err="1" smtClean="0"/>
+              <a:t>interest</a:t>
+            </a:r>
+            <a:r>
+              <a:rPr lang="fr-FR" sz="2000" dirty="0" smtClean="0"/>
+              <a:t/>
+            </a:r>
+            <a:br>
+              <a:rPr lang="fr-FR" sz="2000" dirty="0" smtClean="0"/>
+            </a:br>
+            <a:r>
+              <a:rPr lang="fr-FR" sz="2000" dirty="0" smtClean="0"/>
+              <a:t>(</a:t>
+            </a:r>
+            <a:r>
+              <a:rPr lang="fr-FR" sz="2000" dirty="0" err="1" smtClean="0"/>
+              <a:t>with</a:t>
+            </a:r>
+            <a:r>
+              <a:rPr lang="fr-FR" sz="2000" dirty="0" smtClean="0"/>
+              <a:t> </a:t>
+            </a:r>
+            <a:r>
+              <a:rPr lang="fr-FR" sz="2000" dirty="0" err="1"/>
+              <a:t>any</a:t>
+            </a:r>
+            <a:r>
+              <a:rPr lang="fr-FR" sz="2000" dirty="0"/>
+              <a:t> </a:t>
+            </a:r>
+            <a:r>
+              <a:rPr lang="fr-FR" sz="2000" dirty="0" smtClean="0"/>
+              <a:t>argument)</a:t>
+            </a:r>
+          </a:p>
+          <a:p>
+            <a:pPr marL="457200" indent="-457200">
+              <a:buFont typeface="+mj-lt"/>
+              <a:buAutoNum type="arabicPeriod"/>
+            </a:pPr>
+            <a:r>
+              <a:rPr lang="fr-FR" sz="2000" dirty="0" smtClean="0"/>
+              <a:t>It </a:t>
+            </a:r>
+            <a:r>
+              <a:rPr lang="fr-FR" sz="2000" dirty="0" err="1" smtClean="0"/>
+              <a:t>was</a:t>
+            </a:r>
+            <a:r>
+              <a:rPr lang="fr-FR" sz="2000" dirty="0" smtClean="0"/>
+              <a:t> not </a:t>
+            </a:r>
+            <a:r>
+              <a:rPr lang="fr-FR" sz="2000" dirty="0" err="1" smtClean="0"/>
+              <a:t>already</a:t>
+            </a:r>
+            <a:r>
+              <a:rPr lang="fr-FR" sz="2000" dirty="0" smtClean="0"/>
+              <a:t> </a:t>
+            </a:r>
+            <a:r>
+              <a:rPr lang="fr-FR" sz="2000" dirty="0" err="1" smtClean="0"/>
+              <a:t>treated</a:t>
+            </a:r>
+            <a:r>
+              <a:rPr lang="fr-FR" sz="2000" dirty="0" smtClean="0"/>
+              <a:t> </a:t>
+            </a:r>
+            <a:r>
+              <a:rPr lang="fr-FR" sz="2000" dirty="0" err="1" smtClean="0"/>
+              <a:t>before</a:t>
+            </a:r>
+            <a:r>
+              <a:rPr lang="fr-FR" sz="2000" dirty="0"/>
+              <a:t> </a:t>
+            </a:r>
+            <a:r>
+              <a:rPr lang="fr-FR" sz="2000" dirty="0" smtClean="0"/>
+              <a:t>(more </a:t>
+            </a:r>
+            <a:r>
+              <a:rPr lang="fr-FR" sz="2000" dirty="0" err="1" smtClean="0"/>
+              <a:t>precisely</a:t>
+            </a:r>
+            <a:r>
+              <a:rPr lang="fr-FR" sz="2000" dirty="0" smtClean="0"/>
+              <a:t>, </a:t>
+            </a:r>
+            <a:r>
+              <a:rPr lang="fr-FR" sz="2000" dirty="0" err="1" smtClean="0"/>
+              <a:t>it</a:t>
+            </a:r>
+            <a:r>
+              <a:rPr lang="fr-FR" sz="2000" dirty="0" smtClean="0"/>
+              <a:t> </a:t>
+            </a:r>
+            <a:r>
+              <a:rPr lang="fr-FR" sz="2000" dirty="0" err="1" smtClean="0"/>
+              <a:t>doesn’t</a:t>
+            </a:r>
+            <a:r>
+              <a:rPr lang="fr-FR" sz="2000" dirty="0" smtClean="0"/>
+              <a:t> </a:t>
+            </a:r>
+            <a:r>
+              <a:rPr lang="fr-FR" sz="2000" dirty="0" err="1" smtClean="0"/>
+              <a:t>satisfy</a:t>
+            </a:r>
+            <a:r>
+              <a:rPr lang="fr-FR" sz="2000" dirty="0" smtClean="0"/>
+              <a:t> the semi-</a:t>
+            </a:r>
+            <a:r>
+              <a:rPr lang="fr-FR" sz="2000" dirty="0" err="1" smtClean="0"/>
+              <a:t>generalized</a:t>
+            </a:r>
+            <a:r>
+              <a:rPr lang="fr-FR" sz="2000" dirty="0" smtClean="0"/>
+              <a:t> </a:t>
+            </a:r>
+            <a:r>
+              <a:rPr lang="fr-FR" sz="2000" dirty="0" err="1" smtClean="0"/>
+              <a:t>highlighted</a:t>
+            </a:r>
+            <a:r>
+              <a:rPr lang="fr-FR" sz="2000" dirty="0" smtClean="0"/>
+              <a:t> </a:t>
+            </a:r>
+            <a:r>
+              <a:rPr lang="fr-FR" sz="2000" dirty="0" err="1" smtClean="0"/>
+              <a:t>constraints</a:t>
+            </a:r>
+            <a:r>
+              <a:rPr lang="fr-FR" sz="2000" dirty="0" smtClean="0"/>
+              <a:t> of the </a:t>
+            </a:r>
+            <a:r>
+              <a:rPr lang="fr-FR" sz="2000" dirty="0" err="1" smtClean="0"/>
+              <a:t>previous</a:t>
+            </a:r>
+            <a:r>
+              <a:rPr lang="fr-FR" sz="2000" dirty="0" smtClean="0"/>
+              <a:t> </a:t>
+            </a:r>
+            <a:r>
+              <a:rPr lang="fr-FR" sz="2000" dirty="0" err="1" smtClean="0"/>
+              <a:t>examples</a:t>
+            </a:r>
+            <a:r>
+              <a:rPr lang="fr-FR" sz="2000" dirty="0" smtClean="0"/>
+              <a:t> </a:t>
+            </a:r>
+            <a:r>
+              <a:rPr lang="fr-FR" sz="2000" dirty="0" err="1" smtClean="0"/>
+              <a:t>found</a:t>
+            </a:r>
+            <a:r>
+              <a:rPr lang="fr-FR" sz="2000" dirty="0" smtClean="0"/>
+              <a:t>)</a:t>
+            </a:r>
+            <a:endParaRPr lang="fr-FR" sz="2000" dirty="0"/>
+          </a:p>
+          <a:p>
+            <a:pPr marL="0" indent="0">
+              <a:buNone/>
+            </a:pPr>
+            <a:endParaRPr lang="fr-FR" sz="1200" dirty="0" smtClean="0"/>
+          </a:p>
+          <a:p>
+            <a:pPr marL="0" indent="0">
+              <a:buNone/>
+            </a:pPr>
+            <a:r>
+              <a:rPr lang="fr-FR" sz="1800" dirty="0" err="1" smtClean="0"/>
+              <a:t>Finally</a:t>
+            </a:r>
+            <a:r>
+              <a:rPr lang="fr-FR" sz="1800" dirty="0" smtClean="0"/>
+              <a:t>, </a:t>
+            </a:r>
+            <a:r>
+              <a:rPr lang="fr-FR" sz="1800" dirty="0" err="1" smtClean="0"/>
+              <a:t>our</a:t>
+            </a:r>
+            <a:r>
+              <a:rPr lang="fr-FR" sz="1800" dirty="0" smtClean="0"/>
+              <a:t> formula </a:t>
+            </a:r>
+            <a:r>
+              <a:rPr lang="fr-FR" sz="1800" dirty="0" err="1" smtClean="0"/>
+              <a:t>will</a:t>
+            </a:r>
+            <a:r>
+              <a:rPr lang="fr-FR" sz="1800" dirty="0" smtClean="0"/>
+              <a:t> </a:t>
+            </a:r>
+            <a:r>
+              <a:rPr lang="fr-FR" sz="1800" dirty="0" err="1" smtClean="0"/>
+              <a:t>be</a:t>
+            </a:r>
+            <a:r>
+              <a:rPr lang="fr-FR" sz="1800" dirty="0" smtClean="0"/>
+              <a:t> the conjonction of:</a:t>
+            </a:r>
+          </a:p>
+          <a:p>
+            <a:pPr marL="342900" indent="-342900">
+              <a:buFont typeface="+mj-lt"/>
+              <a:buAutoNum type="arabicPeriod"/>
+            </a:pPr>
+            <a:r>
+              <a:rPr lang="fr-FR" sz="1800" dirty="0" smtClean="0">
+                <a:solidFill>
+                  <a:schemeClr val="dk1"/>
+                </a:solidFill>
+              </a:rPr>
+              <a:t>A formula </a:t>
+            </a:r>
+            <a:r>
+              <a:rPr lang="fr-FR" sz="1800" dirty="0" err="1" smtClean="0">
+                <a:solidFill>
+                  <a:schemeClr val="dk1"/>
+                </a:solidFill>
+              </a:rPr>
+              <a:t>without</a:t>
+            </a:r>
+            <a:r>
+              <a:rPr lang="fr-FR" sz="1800" dirty="0" smtClean="0">
+                <a:solidFill>
+                  <a:schemeClr val="dk1"/>
+                </a:solidFill>
+              </a:rPr>
+              <a:t> quantifier</a:t>
+            </a:r>
+          </a:p>
+          <a:p>
+            <a:pPr marL="342900" indent="-342900">
+              <a:buFont typeface="+mj-lt"/>
+              <a:buAutoNum type="arabicPeriod"/>
+            </a:pPr>
+            <a:r>
+              <a:rPr lang="fr-FR" sz="1800" dirty="0" smtClean="0">
+                <a:solidFill>
+                  <a:schemeClr val="dk1"/>
+                </a:solidFill>
+              </a:rPr>
+              <a:t>A formula of the </a:t>
+            </a:r>
+            <a:r>
+              <a:rPr lang="fr-FR" sz="1800" dirty="0" err="1" smtClean="0">
+                <a:solidFill>
+                  <a:schemeClr val="dk1"/>
+                </a:solidFill>
+              </a:rPr>
+              <a:t>form</a:t>
+            </a:r>
+            <a:r>
+              <a:rPr lang="fr-FR" sz="1800" dirty="0" smtClean="0">
+                <a:solidFill>
+                  <a:schemeClr val="dk1"/>
+                </a:solidFill>
+              </a:rPr>
+              <a:t> ∀∃ (</a:t>
+            </a:r>
+            <a:r>
+              <a:rPr lang="fr-FR" sz="1800" dirty="0" err="1" smtClean="0">
+                <a:solidFill>
+                  <a:schemeClr val="dk1"/>
+                </a:solidFill>
+              </a:rPr>
+              <a:t>that</a:t>
+            </a:r>
+            <a:r>
+              <a:rPr lang="fr-FR" sz="1800" dirty="0" smtClean="0">
+                <a:solidFill>
+                  <a:schemeClr val="dk1"/>
+                </a:solidFill>
+              </a:rPr>
+              <a:t> </a:t>
+            </a:r>
+            <a:r>
+              <a:rPr lang="fr-FR" sz="1800" dirty="0" err="1" smtClean="0">
+                <a:solidFill>
+                  <a:schemeClr val="dk1"/>
+                </a:solidFill>
+              </a:rPr>
+              <a:t>should</a:t>
+            </a:r>
+            <a:r>
+              <a:rPr lang="fr-FR" sz="1800" dirty="0" smtClean="0">
+                <a:solidFill>
+                  <a:schemeClr val="dk1"/>
+                </a:solidFill>
+              </a:rPr>
+              <a:t> </a:t>
+            </a:r>
+            <a:r>
+              <a:rPr lang="fr-FR" sz="1800" dirty="0" err="1" smtClean="0">
+                <a:solidFill>
+                  <a:schemeClr val="dk1"/>
+                </a:solidFill>
+              </a:rPr>
+              <a:t>be</a:t>
+            </a:r>
+            <a:r>
+              <a:rPr lang="fr-FR" sz="1800" dirty="0" smtClean="0">
+                <a:solidFill>
+                  <a:schemeClr val="dk1"/>
+                </a:solidFill>
+              </a:rPr>
+              <a:t> in EPR)</a:t>
+            </a:r>
+          </a:p>
+          <a:p>
+            <a:pPr marL="342900" indent="-342900">
+              <a:buFont typeface="+mj-lt"/>
+              <a:buAutoNum type="arabicPeriod"/>
+            </a:pPr>
+            <a:r>
+              <a:rPr lang="fr-FR" sz="1800" dirty="0" smtClean="0">
+                <a:solidFill>
+                  <a:schemeClr val="dk1"/>
+                </a:solidFill>
+              </a:rPr>
+              <a:t>A formula of the </a:t>
+            </a:r>
+            <a:r>
+              <a:rPr lang="fr-FR" sz="1800" dirty="0" err="1" smtClean="0">
+                <a:solidFill>
+                  <a:schemeClr val="dk1"/>
+                </a:solidFill>
+              </a:rPr>
+              <a:t>form</a:t>
+            </a:r>
+            <a:r>
+              <a:rPr lang="fr-FR" sz="1800" dirty="0" smtClean="0">
+                <a:solidFill>
+                  <a:schemeClr val="dk1"/>
+                </a:solidFill>
+              </a:rPr>
+              <a:t> ∀</a:t>
+            </a:r>
+          </a:p>
+          <a:p>
+            <a:pPr marL="0" indent="0">
+              <a:buNone/>
+            </a:pPr>
+            <a:r>
+              <a:rPr lang="fr-FR" sz="1800" dirty="0" smtClean="0">
+                <a:solidFill>
+                  <a:schemeClr val="dk1"/>
+                </a:solidFill>
+              </a:rPr>
+              <a:t>It </a:t>
+            </a:r>
+            <a:r>
+              <a:rPr lang="fr-FR" sz="1800" dirty="0" err="1" smtClean="0">
+                <a:solidFill>
+                  <a:schemeClr val="dk1"/>
+                </a:solidFill>
+              </a:rPr>
+              <a:t>gives</a:t>
+            </a:r>
+            <a:r>
+              <a:rPr lang="fr-FR" sz="1800" dirty="0" smtClean="0">
+                <a:solidFill>
+                  <a:schemeClr val="dk1"/>
+                </a:solidFill>
+              </a:rPr>
+              <a:t> us a ∀∃ formula </a:t>
+            </a:r>
+            <a:r>
+              <a:rPr lang="fr-FR" sz="1800" dirty="0" err="1" smtClean="0">
+                <a:solidFill>
+                  <a:schemeClr val="dk1"/>
+                </a:solidFill>
+              </a:rPr>
+              <a:t>that</a:t>
+            </a:r>
+            <a:r>
+              <a:rPr lang="fr-FR" sz="1800" dirty="0" smtClean="0">
+                <a:solidFill>
+                  <a:schemeClr val="dk1"/>
+                </a:solidFill>
+              </a:rPr>
+              <a:t> </a:t>
+            </a:r>
+            <a:r>
+              <a:rPr lang="fr-FR" sz="1800" dirty="0" err="1" smtClean="0">
+                <a:solidFill>
+                  <a:schemeClr val="dk1"/>
+                </a:solidFill>
+              </a:rPr>
+              <a:t>should</a:t>
+            </a:r>
+            <a:r>
+              <a:rPr lang="fr-FR" sz="1800" dirty="0" smtClean="0">
+                <a:solidFill>
+                  <a:schemeClr val="dk1"/>
+                </a:solidFill>
+              </a:rPr>
+              <a:t> </a:t>
+            </a:r>
+            <a:r>
+              <a:rPr lang="fr-FR" sz="1800" dirty="0" err="1" smtClean="0">
+                <a:solidFill>
+                  <a:schemeClr val="dk1"/>
+                </a:solidFill>
+              </a:rPr>
+              <a:t>be</a:t>
+            </a:r>
+            <a:r>
+              <a:rPr lang="fr-FR" sz="1800" dirty="0" smtClean="0">
+                <a:solidFill>
+                  <a:schemeClr val="dk1"/>
+                </a:solidFill>
+              </a:rPr>
+              <a:t> in EPR, </a:t>
+            </a:r>
+            <a:r>
+              <a:rPr lang="fr-FR" sz="1800" dirty="0" err="1" smtClean="0">
+                <a:solidFill>
+                  <a:schemeClr val="dk1"/>
+                </a:solidFill>
+              </a:rPr>
+              <a:t>so</a:t>
+            </a:r>
+            <a:r>
+              <a:rPr lang="fr-FR" sz="1800" dirty="0" smtClean="0">
+                <a:solidFill>
+                  <a:schemeClr val="dk1"/>
+                </a:solidFill>
+              </a:rPr>
+              <a:t> </a:t>
+            </a:r>
+            <a:r>
+              <a:rPr lang="fr-FR" sz="1800" dirty="0" err="1" smtClean="0">
+                <a:solidFill>
+                  <a:schemeClr val="dk1"/>
+                </a:solidFill>
+              </a:rPr>
+              <a:t>we</a:t>
+            </a:r>
+            <a:r>
+              <a:rPr lang="fr-FR" sz="1800" dirty="0" smtClean="0">
+                <a:solidFill>
+                  <a:schemeClr val="dk1"/>
+                </a:solidFill>
+              </a:rPr>
+              <a:t> </a:t>
+            </a:r>
+            <a:r>
+              <a:rPr lang="fr-FR" sz="1800" dirty="0" err="1" smtClean="0">
+                <a:solidFill>
+                  <a:schemeClr val="dk1"/>
+                </a:solidFill>
+              </a:rPr>
+              <a:t>can</a:t>
+            </a:r>
+            <a:r>
+              <a:rPr lang="fr-FR" sz="1800" dirty="0" smtClean="0">
+                <a:solidFill>
+                  <a:schemeClr val="dk1"/>
+                </a:solidFill>
+              </a:rPr>
+              <a:t> </a:t>
+            </a:r>
+            <a:r>
+              <a:rPr lang="fr-FR" sz="1800" dirty="0" err="1" smtClean="0">
+                <a:solidFill>
+                  <a:schemeClr val="dk1"/>
+                </a:solidFill>
+              </a:rPr>
+              <a:t>decide</a:t>
+            </a:r>
+            <a:r>
+              <a:rPr lang="fr-FR" sz="1800" dirty="0" smtClean="0">
+                <a:solidFill>
+                  <a:schemeClr val="dk1"/>
+                </a:solidFill>
+              </a:rPr>
+              <a:t> </a:t>
+            </a:r>
+            <a:r>
+              <a:rPr lang="fr-FR" sz="1800" dirty="0" err="1" smtClean="0">
+                <a:solidFill>
+                  <a:schemeClr val="dk1"/>
+                </a:solidFill>
+              </a:rPr>
+              <a:t>it</a:t>
+            </a:r>
+            <a:r>
+              <a:rPr lang="fr-FR" sz="1800" dirty="0" smtClean="0">
+                <a:solidFill>
+                  <a:schemeClr val="dk1"/>
+                </a:solidFill>
+              </a:rPr>
+              <a:t> and </a:t>
+            </a:r>
+            <a:r>
+              <a:rPr lang="fr-FR" sz="1800" dirty="0" err="1" smtClean="0">
+                <a:solidFill>
+                  <a:schemeClr val="dk1"/>
+                </a:solidFill>
+              </a:rPr>
+              <a:t>find</a:t>
+            </a:r>
+            <a:r>
+              <a:rPr lang="fr-FR" sz="1800" dirty="0" smtClean="0">
+                <a:solidFill>
+                  <a:schemeClr val="dk1"/>
+                </a:solidFill>
+              </a:rPr>
+              <a:t> a minimal model </a:t>
+            </a:r>
+            <a:r>
+              <a:rPr lang="fr-FR" sz="1800" dirty="0" err="1" smtClean="0">
+                <a:solidFill>
+                  <a:schemeClr val="dk1"/>
+                </a:solidFill>
+              </a:rPr>
+              <a:t>satisfying</a:t>
+            </a:r>
+            <a:r>
+              <a:rPr lang="fr-FR" sz="1800" dirty="0" smtClean="0">
+                <a:solidFill>
+                  <a:schemeClr val="dk1"/>
+                </a:solidFill>
+              </a:rPr>
+              <a:t> </a:t>
+            </a:r>
+            <a:r>
+              <a:rPr lang="fr-FR" sz="1800" dirty="0" err="1" smtClean="0">
+                <a:solidFill>
+                  <a:schemeClr val="dk1"/>
+                </a:solidFill>
+              </a:rPr>
+              <a:t>it</a:t>
+            </a:r>
+            <a:r>
+              <a:rPr lang="fr-FR" sz="1800" dirty="0">
+                <a:solidFill>
+                  <a:schemeClr val="dk1"/>
+                </a:solidFill>
+              </a:rPr>
+              <a:t>.</a:t>
+            </a:r>
+            <a:endParaRPr lang="fr-FR" sz="1800" dirty="0" smtClean="0">
+              <a:solidFill>
+                <a:schemeClr val="dk1"/>
+              </a:solidFill>
+            </a:endParaRPr>
+          </a:p>
+          <a:p>
+            <a:pPr marL="0" indent="0">
+              <a:buNone/>
+            </a:pPr>
+            <a:endParaRPr lang="fr-FR" sz="1800" dirty="0"/>
+          </a:p>
+        </p:txBody>
+      </p:sp>
+    </p:spTree>
+    <p:extLst>
+      <p:ext uri="{BB962C8B-B14F-4D97-AF65-F5344CB8AC3E}">
+        <p14:creationId xmlns:p14="http://schemas.microsoft.com/office/powerpoint/2010/main" val="2617178898"/>
+      </p:ext>
+    </p:extLst>
+  </p:cSld>
+  <p:clrMapOvr>
+    <a:masterClrMapping/>
+  </p:clrMapOvr>
+</p:sld>
+</file>
+
+<file path=ppt/slides/slide38.xml><?xml version="1.0" encoding="utf-8"?>
+<p:sld xmlns:a="http://schemas.openxmlformats.org/drawingml/2006/main" xmlns:r="http://schemas.openxmlformats.org/officeDocument/2006/relationships" xmlns:p="http://schemas.openxmlformats.org/presentationml/2006/main">
+  <p:cSld>
+    <p:spTree>
+      <p:nvGrpSpPr>
+        <p:cNvPr id="1" name=""/>
+        <p:cNvGrpSpPr/>
+        <p:nvPr/>
+      </p:nvGrpSpPr>
+      <p:grpSpPr>
+        <a:xfrm>
+          <a:off x="0" y="0"/>
+          <a:ext cx="0" cy="0"/>
+          <a:chOff x="0" y="0"/>
+          <a:chExt cx="0" cy="0"/>
+        </a:xfrm>
+      </p:grpSpPr>
+      <p:sp>
+        <p:nvSpPr>
+          <p:cNvPr id="2" name="Titre 1"/>
+          <p:cNvSpPr>
+            <a:spLocks noGrp="1"/>
+          </p:cNvSpPr>
+          <p:nvPr>
+            <p:ph type="title"/>
+          </p:nvPr>
+        </p:nvSpPr>
+        <p:spPr/>
+        <p:txBody>
+          <a:bodyPr/>
+          <a:lstStyle/>
+          <a:p>
+            <a:r>
+              <a:rPr lang="fr-FR" dirty="0" err="1" smtClean="0"/>
               <a:t>Guarantees</a:t>
+            </a:r>
+            <a:r>
+              <a:rPr lang="fr-FR" dirty="0" smtClean="0"/>
+              <a:t> of </a:t>
+            </a:r>
+            <a:r>
+              <a:rPr lang="fr-FR" dirty="0" err="1" smtClean="0"/>
+              <a:t>this</a:t>
+            </a:r>
+            <a:r>
+              <a:rPr lang="fr-FR" dirty="0" smtClean="0"/>
+              <a:t> </a:t>
+            </a:r>
+            <a:r>
+              <a:rPr lang="fr-FR" dirty="0" err="1" smtClean="0"/>
+              <a:t>method</a:t>
             </a:r>
             <a:endParaRPr lang="fr-FR" dirty="0"/>
           </a:p>
@@ -28142,11 +30924,7 @@
             </a:r>
             <a:r>
               <a:rPr lang="fr-FR" sz="1600" dirty="0" err="1" smtClean="0"/>
-              <a:t>oncrete</a:t>
-            </a:r>
-            <a:r>
-              <a:rPr lang="fr-FR" sz="1600" dirty="0" err="1" smtClean="0"/>
-              <a:t>_value</a:t>
+              <a:t>oncrete_value</a:t>
             </a:r>
             <a:r>
               <a:rPr lang="fr-FR" sz="1600" dirty="0" smtClean="0"/>
@@ -28174,11 +30952,7 @@
             <a:pPr lvl="1"/>
             <a:r>
               <a:rPr lang="fr-FR" sz="1600" dirty="0" err="1" smtClean="0"/>
-              <a:t>f</a:t>
-            </a:r>
-            <a:r>
-              <a:rPr lang="fr-FR" sz="1600" dirty="0" err="1" smtClean="0"/>
-              <a:t>unction_or_relation</a:t>
+              <a:t>function_or_relation</a:t>
             </a:r>
             <a:r>
               <a:rPr lang="fr-FR" sz="1600" dirty="0" smtClean="0"/>
@@ -28186,11 +30960,7 @@
             </a:r>
             <a:r>
               <a:rPr lang="fr-FR" sz="1600" dirty="0" err="1" smtClean="0"/>
-              <a:t>concrete_value</a:t>
-            </a:r>
-            <a:r>
-              <a:rPr lang="fr-FR" sz="1600" dirty="0" err="1" smtClean="0"/>
-              <a:t>s</a:t>
+              <a:t>concrete_values</a:t>
             </a:r>
             <a:r>
               <a:rPr lang="fr-FR" sz="1600" dirty="0" smtClean="0"/>

--- a/invariant_synthesis/Invariant Synthesis.pptx
+++ b/invariant_synthesis/Invariant Synthesis.pptx
@@ -5,7 +5,7 @@
     <p:sldMasterId id="2147483648" r:id="rId1"/>
   </p:sldMasterIdLst>
   <p:notesMasterIdLst>
-    <p:notesMasterId r:id="rId40"/>
+    <p:notesMasterId r:id="rId42"/>
   </p:notesMasterIdLst>
   <p:sldIdLst>
     <p:sldId id="256" r:id="rId2"/>
@@ -46,6 +46,8 @@
     <p:sldId id="297" r:id="rId37"/>
     <p:sldId id="298" r:id="rId38"/>
     <p:sldId id="260" r:id="rId39"/>
+    <p:sldId id="299" r:id="rId40"/>
+    <p:sldId id="300" r:id="rId41"/>
   </p:sldIdLst>
   <p:sldSz cx="12192000" cy="6858000"/>
   <p:notesSz cx="6858000" cy="9144000"/>
@@ -7384,7 +7386,7 @@
         </p:nvSpPr>
         <p:spPr>
           <a:xfrm>
-            <a:off x="497656" y="1481118"/>
+            <a:off x="833840" y="1481118"/>
             <a:ext cx="7994494" cy="4801314"/>
           </a:xfrm>
           <a:prstGeom prst="rect">
@@ -7624,7 +7626,7 @@
         </p:nvGrpSpPr>
         <p:grpSpPr>
           <a:xfrm>
-            <a:off x="4383304" y="2395914"/>
+            <a:off x="4719488" y="2395914"/>
             <a:ext cx="3259290" cy="2197001"/>
             <a:chOff x="3350534" y="2813466"/>
             <a:chExt cx="3479956" cy="2452412"/>
@@ -8074,7 +8076,7 @@
         </p:nvCxnSpPr>
         <p:spPr>
           <a:xfrm flipV="1">
-            <a:off x="5416234" y="3623647"/>
+            <a:off x="5752418" y="3623647"/>
             <a:ext cx="1226009" cy="563995"/>
           </a:xfrm>
           <a:prstGeom prst="straightConnector1">
@@ -8111,7 +8113,7 @@
         </p:nvSpPr>
         <p:spPr>
           <a:xfrm>
-            <a:off x="5644241" y="3842801"/>
+            <a:off x="5980425" y="3842801"/>
             <a:ext cx="862503" cy="369332"/>
           </a:xfrm>
           <a:prstGeom prst="rect">
@@ -8233,7 +8235,7 @@
         </p:blipFill>
         <p:spPr>
           <a:xfrm>
-            <a:off x="592802" y="4450384"/>
+            <a:off x="728604" y="4442606"/>
             <a:ext cx="7713552" cy="304351"/>
           </a:xfrm>
           <a:prstGeom prst="rect">
@@ -8276,7 +8278,7 @@
         </p:nvSpPr>
         <p:spPr>
           <a:xfrm>
-            <a:off x="746914" y="1966747"/>
+            <a:off x="838200" y="1960326"/>
             <a:ext cx="1376082" cy="1754326"/>
           </a:xfrm>
           <a:prstGeom prst="rect">
@@ -8343,7 +8345,7 @@
         </p:nvCxnSpPr>
         <p:spPr>
           <a:xfrm>
-            <a:off x="1822678" y="2769386"/>
+            <a:off x="1913964" y="2762965"/>
             <a:ext cx="600635" cy="3299"/>
           </a:xfrm>
           <a:prstGeom prst="straightConnector1">
@@ -8376,7 +8378,7 @@
         </p:nvSpPr>
         <p:spPr>
           <a:xfrm>
-            <a:off x="2651171" y="1966747"/>
+            <a:off x="2742457" y="1960326"/>
             <a:ext cx="1056351" cy="1754326"/>
           </a:xfrm>
           <a:prstGeom prst="rect">
@@ -8502,7 +8504,7 @@
         </p:nvSpPr>
         <p:spPr>
           <a:xfrm>
-            <a:off x="2651170" y="3390804"/>
+            <a:off x="2742456" y="3384383"/>
             <a:ext cx="1056351" cy="330268"/>
           </a:xfrm>
           <a:prstGeom prst="rect">
@@ -8542,7 +8544,7 @@
         </p:nvCxnSpPr>
         <p:spPr>
           <a:xfrm>
-            <a:off x="3708250" y="2767736"/>
+            <a:off x="3799536" y="2761315"/>
             <a:ext cx="600635" cy="3299"/>
           </a:xfrm>
           <a:prstGeom prst="straightConnector1">
@@ -8575,7 +8577,7 @@
         </p:nvSpPr>
         <p:spPr>
           <a:xfrm>
-            <a:off x="4572971" y="2111812"/>
+            <a:off x="4664257" y="2105391"/>
             <a:ext cx="1259418" cy="1477328"/>
           </a:xfrm>
           <a:prstGeom prst="rect">
@@ -8882,8 +8884,8 @@
         </p:nvCxnSpPr>
         <p:spPr>
           <a:xfrm>
-            <a:off x="3707521" y="3555938"/>
-            <a:ext cx="2485013" cy="2399319"/>
+            <a:off x="3798807" y="3549517"/>
+            <a:ext cx="2393727" cy="2405740"/>
           </a:xfrm>
           <a:prstGeom prst="line">
             <a:avLst/>
@@ -9034,7 +9036,7 @@
         </p:nvSpPr>
         <p:spPr>
           <a:xfrm>
-            <a:off x="755611" y="3919267"/>
+            <a:off x="846897" y="3912846"/>
             <a:ext cx="4780027" cy="369332"/>
           </a:xfrm>
           <a:prstGeom prst="rect">
@@ -9496,7 +9498,7 @@
             </a:r>
             <a:r>
               <a:rPr lang="fr-FR" dirty="0" smtClean="0"/>
-              <a:t>, and in </a:t>
+              <a:t>. In </a:t>
             </a:r>
             <a:r>
               <a:rPr lang="fr-FR" dirty="0" err="1" smtClean="0"/>
@@ -9504,47 +9506,7 @@
             </a:r>
             <a:r>
               <a:rPr lang="fr-FR" dirty="0" smtClean="0"/>
-              <a:t> case </a:t>
-            </a:r>
-            <a:r>
-              <a:rPr lang="fr-FR" dirty="0" err="1" smtClean="0"/>
-              <a:t>which</a:t>
-            </a:r>
-            <a:r>
-              <a:rPr lang="fr-FR" dirty="0" smtClean="0"/>
-              <a:t> </a:t>
-            </a:r>
-            <a:r>
-              <a:rPr lang="fr-FR" dirty="0" err="1" smtClean="0"/>
-              <a:t>constraints</a:t>
-            </a:r>
-            <a:r>
-              <a:rPr lang="fr-FR" dirty="0" smtClean="0"/>
-              <a:t> </a:t>
-            </a:r>
-            <a:r>
-              <a:rPr lang="fr-FR" dirty="0" err="1" smtClean="0"/>
-              <a:t>depend</a:t>
-            </a:r>
-            <a:r>
-              <a:rPr lang="fr-FR" dirty="0" smtClean="0"/>
-              <a:t> on the model. It </a:t>
-            </a:r>
-            <a:r>
-              <a:rPr lang="fr-FR" dirty="0" err="1" smtClean="0"/>
-              <a:t>will</a:t>
-            </a:r>
-            <a:r>
-              <a:rPr lang="fr-FR" dirty="0" smtClean="0"/>
-              <a:t> permit to know </a:t>
-            </a:r>
-            <a:r>
-              <a:rPr lang="fr-FR" dirty="0" err="1" smtClean="0"/>
-              <a:t>whether</a:t>
-            </a:r>
-            <a:r>
-              <a:rPr lang="fr-FR" dirty="0" smtClean="0"/>
-              <a:t> </a:t>
+              <a:t> case, </a:t>
             </a:r>
             <a:r>
               <a:rPr lang="fr-FR" dirty="0" err="1" smtClean="0"/>
@@ -9560,7 +9522,15 @@
             </a:r>
             <a:r>
               <a:rPr lang="fr-FR" dirty="0" smtClean="0"/>
-              <a:t> an invariant of the </a:t>
+              <a:t> to </a:t>
+            </a:r>
+            <a:r>
+              <a:rPr lang="fr-FR" dirty="0" err="1" smtClean="0"/>
+              <a:t>generate</a:t>
+            </a:r>
+            <a:r>
+              <a:rPr lang="fr-FR" dirty="0" smtClean="0"/>
+              <a:t> a formula of the </a:t>
             </a:r>
             <a:r>
               <a:rPr lang="fr-FR" dirty="0" err="1" smtClean="0"/>
@@ -9576,51 +9546,159 @@
                   <a:schemeClr val="dk1"/>
                 </a:solidFill>
               </a:rPr>
-              <a:t>∀∃ or not</a:t>
-            </a:r>
-            <a:r>
-              <a:rPr lang="fr-FR" dirty="0" smtClean="0"/>
-              <a:t>, and, </a:t>
-            </a:r>
-            <a:r>
-              <a:rPr lang="fr-FR" dirty="0" err="1" smtClean="0"/>
-              <a:t>with</a:t>
-            </a:r>
-            <a:r>
-              <a:rPr lang="fr-FR" dirty="0" smtClean="0"/>
-              <a:t> </a:t>
-            </a:r>
-            <a:r>
-              <a:rPr lang="fr-FR" dirty="0" err="1" smtClean="0"/>
+              <a:t>∀∃ by first </a:t>
+            </a:r>
+            <a:r>
+              <a:rPr lang="fr-FR" dirty="0" err="1" smtClean="0">
+                <a:solidFill>
+                  <a:schemeClr val="dk1"/>
+                </a:solidFill>
+              </a:rPr>
+              <a:t>generating</a:t>
+            </a:r>
+            <a:r>
+              <a:rPr lang="fr-FR" dirty="0" smtClean="0">
+                <a:solidFill>
+                  <a:schemeClr val="dk1"/>
+                </a:solidFill>
+              </a:rPr>
+              <a:t> an incorrect </a:t>
+            </a:r>
+            <a:r>
+              <a:rPr lang="fr-FR" dirty="0" err="1" smtClean="0">
+                <a:solidFill>
+                  <a:schemeClr val="dk1"/>
+                </a:solidFill>
+              </a:rPr>
+              <a:t>universally</a:t>
+            </a:r>
+            <a:r>
+              <a:rPr lang="fr-FR" dirty="0" smtClean="0">
+                <a:solidFill>
+                  <a:schemeClr val="dk1"/>
+                </a:solidFill>
+              </a:rPr>
+              <a:t> </a:t>
+            </a:r>
+            <a:r>
+              <a:rPr lang="fr-FR" dirty="0" err="1" smtClean="0">
+                <a:solidFill>
+                  <a:schemeClr val="dk1"/>
+                </a:solidFill>
+              </a:rPr>
+              <a:t>quantified</a:t>
+            </a:r>
+            <a:r>
+              <a:rPr lang="fr-FR" dirty="0" smtClean="0">
+                <a:solidFill>
+                  <a:schemeClr val="dk1"/>
+                </a:solidFill>
+              </a:rPr>
+              <a:t> formula, and </a:t>
+            </a:r>
+            <a:r>
+              <a:rPr lang="fr-FR" dirty="0" err="1" smtClean="0">
+                <a:solidFill>
+                  <a:schemeClr val="dk1"/>
+                </a:solidFill>
+              </a:rPr>
+              <a:t>then</a:t>
+            </a:r>
+            <a:r>
+              <a:rPr lang="fr-FR" dirty="0" smtClean="0">
+                <a:solidFill>
+                  <a:schemeClr val="dk1"/>
+                </a:solidFill>
+              </a:rPr>
+              <a:t> </a:t>
+            </a:r>
+            <a:r>
+              <a:rPr lang="fr-FR" dirty="0" err="1" smtClean="0">
+                <a:solidFill>
+                  <a:schemeClr val="dk1"/>
+                </a:solidFill>
+              </a:rPr>
+              <a:t>weakening</a:t>
+            </a:r>
+            <a:r>
+              <a:rPr lang="fr-FR" dirty="0" smtClean="0">
+                <a:solidFill>
+                  <a:schemeClr val="dk1"/>
+                </a:solidFill>
+              </a:rPr>
+              <a:t> </a:t>
+            </a:r>
+            <a:r>
+              <a:rPr lang="fr-FR" dirty="0" err="1" smtClean="0">
+                <a:solidFill>
+                  <a:schemeClr val="dk1"/>
+                </a:solidFill>
+              </a:rPr>
+              <a:t>it</a:t>
+            </a:r>
+            <a:r>
+              <a:rPr lang="fr-FR" dirty="0" smtClean="0">
+                <a:solidFill>
+                  <a:schemeClr val="dk1"/>
+                </a:solidFill>
+              </a:rPr>
+              <a:t> by </a:t>
+            </a:r>
+            <a:r>
+              <a:rPr lang="fr-FR" dirty="0" err="1" smtClean="0">
+                <a:solidFill>
+                  <a:schemeClr val="dk1"/>
+                </a:solidFill>
+              </a:rPr>
+              <a:t>analysing</a:t>
+            </a:r>
+            <a:r>
+              <a:rPr lang="fr-FR" dirty="0" smtClean="0">
+                <a:solidFill>
+                  <a:schemeClr val="dk1"/>
+                </a:solidFill>
+              </a:rPr>
+              <a:t> </a:t>
+            </a:r>
+            <a:r>
+              <a:rPr lang="fr-FR" dirty="0" err="1" smtClean="0">
+                <a:solidFill>
+                  <a:schemeClr val="dk1"/>
+                </a:solidFill>
+              </a:rPr>
               <a:t>some</a:t>
             </a:r>
             <a:r>
-              <a:rPr lang="fr-FR" dirty="0" smtClean="0"/>
-              <a:t> </a:t>
-            </a:r>
-            <a:r>
-              <a:rPr lang="fr-FR" dirty="0" err="1" smtClean="0"/>
-              <a:t>additional</a:t>
-            </a:r>
-            <a:r>
-              <a:rPr lang="fr-FR" dirty="0" smtClean="0"/>
-              <a:t> analyses, to </a:t>
-            </a:r>
-            <a:r>
-              <a:rPr lang="fr-FR" dirty="0" err="1" smtClean="0"/>
-              <a:t>generate</a:t>
-            </a:r>
-            <a:r>
-              <a:rPr lang="fr-FR" dirty="0" smtClean="0"/>
-              <a:t> </a:t>
-            </a:r>
-            <a:r>
-              <a:rPr lang="fr-FR" dirty="0" err="1" smtClean="0"/>
-              <a:t>such</a:t>
-            </a:r>
-            <a:r>
-              <a:rPr lang="fr-FR" dirty="0" smtClean="0"/>
-              <a:t> invariant</a:t>
+              <a:rPr lang="fr-FR" dirty="0" smtClean="0">
+                <a:solidFill>
+                  <a:schemeClr val="dk1"/>
+                </a:solidFill>
+              </a:rPr>
+              <a:t> </a:t>
+            </a:r>
+            <a:r>
+              <a:rPr lang="fr-FR" dirty="0" err="1" smtClean="0">
+                <a:solidFill>
+                  <a:schemeClr val="dk1"/>
+                </a:solidFill>
+              </a:rPr>
+              <a:t>other</a:t>
+            </a:r>
+            <a:r>
+              <a:rPr lang="fr-FR" dirty="0" smtClean="0">
+                <a:solidFill>
+                  <a:schemeClr val="dk1"/>
+                </a:solidFill>
+              </a:rPr>
+              <a:t> </a:t>
+            </a:r>
+            <a:r>
+              <a:rPr lang="fr-FR" dirty="0" err="1" smtClean="0">
+                <a:solidFill>
+                  <a:schemeClr val="dk1"/>
+                </a:solidFill>
+              </a:rPr>
+              <a:t>examples</a:t>
             </a:r>
             <a:r>
               <a:rPr lang="fr-FR" dirty="0" smtClean="0">
@@ -10909,7 +10987,7 @@
             </a:r>
             <a:r>
               <a:rPr lang="fr-FR" dirty="0" smtClean="0"/>
-              <a:t> roll back </a:t>
+              <a:t> go back </a:t>
             </a:r>
             <a:r>
               <a:rPr lang="fr-FR" dirty="0" err="1" smtClean="0"/>
@@ -15305,7 +15383,7 @@
                   <a:schemeClr val="dk1"/>
                 </a:solidFill>
               </a:rPr>
-              <a:t>environment</a:t>
+              <a:t>example</a:t>
             </a:r>
             <a:r>
               <a:rPr lang="fr-FR" dirty="0" smtClean="0">
@@ -15369,7 +15447,7 @@
                   <a:schemeClr val="dk1"/>
                 </a:solidFill>
               </a:rPr>
-              <a:t>seem</a:t>
+              <a:t>seems</a:t>
             </a:r>
             <a:r>
               <a:rPr lang="fr-FR" dirty="0" smtClean="0">
@@ -17466,7 +17544,7 @@
         <p:spPr>
           <a:xfrm>
             <a:off x="741525" y="1596313"/>
-            <a:ext cx="1540117" cy="646331"/>
+            <a:ext cx="1540117" cy="923330"/>
           </a:xfrm>
           <a:prstGeom prst="rect">
             <a:avLst/>
@@ -17485,7 +17563,7 @@
             </a:r>
             <a:r>
               <a:rPr lang="fr-FR" dirty="0" smtClean="0"/>
-              <a:t> continue to roll-back:</a:t>
+              <a:t> continue to go back in the code:</a:t>
             </a:r>
             <a:endParaRPr lang="fr-FR" dirty="0"/>
           </a:p>
@@ -18204,15 +18282,7 @@
             </a:r>
             <a:r>
               <a:rPr lang="fr-FR" sz="2000" dirty="0" smtClean="0"/>
-              <a:t> to </a:t>
-            </a:r>
-            <a:r>
-              <a:rPr lang="fr-FR" sz="2000" dirty="0" smtClean="0"/>
-              <a:t>have </a:t>
-            </a:r>
-            <a:r>
-              <a:rPr lang="fr-FR" sz="2000" dirty="0" smtClean="0"/>
-              <a:t>the </a:t>
+              <a:t> to have the </a:t>
             </a:r>
             <a:r>
               <a:rPr lang="fr-FR" sz="2000" dirty="0" err="1" smtClean="0"/>
@@ -29033,6 +29103,480 @@
     <p:extLst>
       <p:ext uri="{BB962C8B-B14F-4D97-AF65-F5344CB8AC3E}">
         <p14:creationId xmlns:p14="http://schemas.microsoft.com/office/powerpoint/2010/main" val="1234709914"/>
+      </p:ext>
+    </p:extLst>
+  </p:cSld>
+  <p:clrMapOvr>
+    <a:masterClrMapping/>
+  </p:clrMapOvr>
+</p:sld>
+</file>
+
+<file path=ppt/slides/slide39.xml><?xml version="1.0" encoding="utf-8"?>
+<p:sld xmlns:a="http://schemas.openxmlformats.org/drawingml/2006/main" xmlns:r="http://schemas.openxmlformats.org/officeDocument/2006/relationships" xmlns:p="http://schemas.openxmlformats.org/presentationml/2006/main">
+  <p:cSld>
+    <p:spTree>
+      <p:nvGrpSpPr>
+        <p:cNvPr id="1" name=""/>
+        <p:cNvGrpSpPr/>
+        <p:nvPr/>
+      </p:nvGrpSpPr>
+      <p:grpSpPr>
+        <a:xfrm>
+          <a:off x="0" y="0"/>
+          <a:ext cx="0" cy="0"/>
+          <a:chOff x="0" y="0"/>
+          <a:chExt cx="0" cy="0"/>
+        </a:xfrm>
+      </p:grpSpPr>
+      <p:sp>
+        <p:nvSpPr>
+          <p:cNvPr id="2" name="Titre 1"/>
+          <p:cNvSpPr>
+            <a:spLocks noGrp="1"/>
+          </p:cNvSpPr>
+          <p:nvPr>
+            <p:ph type="title"/>
+          </p:nvPr>
+        </p:nvSpPr>
+        <p:spPr/>
+        <p:txBody>
+          <a:bodyPr/>
+          <a:lstStyle/>
+          <a:p>
+            <a:r>
+              <a:rPr lang="fr-FR" dirty="0" smtClean="0"/>
+              <a:t>Conclusion</a:t>
+            </a:r>
+            <a:endParaRPr lang="fr-FR" dirty="0"/>
+          </a:p>
+        </p:txBody>
+      </p:sp>
+      <p:sp>
+        <p:nvSpPr>
+          <p:cNvPr id="3" name="Espace réservé du contenu 2"/>
+          <p:cNvSpPr>
+            <a:spLocks noGrp="1"/>
+          </p:cNvSpPr>
+          <p:nvPr>
+            <p:ph idx="1"/>
+          </p:nvPr>
+        </p:nvSpPr>
+        <p:spPr/>
+        <p:txBody>
+          <a:bodyPr/>
+          <a:lstStyle/>
+          <a:p>
+            <a:r>
+              <a:rPr lang="fr-FR" dirty="0" smtClean="0"/>
+              <a:t>The </a:t>
+            </a:r>
+            <a:r>
+              <a:rPr lang="fr-FR" dirty="0" err="1" smtClean="0"/>
+              <a:t>naive</a:t>
+            </a:r>
+            <a:r>
+              <a:rPr lang="fr-FR" dirty="0" smtClean="0"/>
+              <a:t> </a:t>
+            </a:r>
+            <a:r>
+              <a:rPr lang="fr-FR" dirty="0" err="1" smtClean="0"/>
+              <a:t>method</a:t>
+            </a:r>
+            <a:r>
+              <a:rPr lang="fr-FR" dirty="0" smtClean="0"/>
+              <a:t> for </a:t>
+            </a:r>
+            <a:r>
+              <a:rPr lang="fr-FR" dirty="0" err="1" smtClean="0"/>
+              <a:t>generalizing</a:t>
+            </a:r>
+            <a:r>
+              <a:rPr lang="fr-FR" dirty="0" smtClean="0"/>
+              <a:t> </a:t>
+            </a:r>
+            <a:r>
+              <a:rPr lang="fr-FR" dirty="0" err="1" smtClean="0"/>
+              <a:t>counterexamples</a:t>
+            </a:r>
+            <a:r>
+              <a:rPr lang="fr-FR" dirty="0" smtClean="0"/>
+              <a:t> </a:t>
+            </a:r>
+            <a:r>
+              <a:rPr lang="fr-FR" dirty="0" err="1" smtClean="0"/>
+              <a:t>is</a:t>
+            </a:r>
+            <a:r>
+              <a:rPr lang="fr-FR" dirty="0" smtClean="0"/>
+              <a:t> </a:t>
+            </a:r>
+            <a:r>
+              <a:rPr lang="fr-FR" dirty="0" err="1" smtClean="0"/>
+              <a:t>just</a:t>
+            </a:r>
+            <a:r>
+              <a:rPr lang="fr-FR" dirty="0" smtClean="0"/>
+              <a:t> to </a:t>
+            </a:r>
+            <a:r>
+              <a:rPr lang="fr-FR" dirty="0" err="1" smtClean="0"/>
+              <a:t>collect</a:t>
+            </a:r>
+            <a:r>
+              <a:rPr lang="fr-FR" dirty="0" smtClean="0"/>
+              <a:t> all </a:t>
+            </a:r>
+            <a:r>
+              <a:rPr lang="fr-FR" dirty="0" err="1" smtClean="0"/>
+              <a:t>constraints</a:t>
+            </a:r>
+            <a:r>
+              <a:rPr lang="fr-FR" dirty="0" smtClean="0"/>
+              <a:t> on the </a:t>
+            </a:r>
+            <a:r>
+              <a:rPr lang="fr-FR" dirty="0" err="1" smtClean="0"/>
+              <a:t>environment</a:t>
+            </a:r>
+            <a:r>
+              <a:rPr lang="fr-FR" dirty="0" smtClean="0"/>
+              <a:t>, to replace </a:t>
+            </a:r>
+            <a:r>
+              <a:rPr lang="fr-FR" dirty="0" err="1" smtClean="0"/>
+              <a:t>each</a:t>
+            </a:r>
+            <a:r>
+              <a:rPr lang="fr-FR" dirty="0" smtClean="0"/>
+              <a:t> </a:t>
+            </a:r>
+            <a:r>
+              <a:rPr lang="fr-FR" dirty="0" err="1" smtClean="0"/>
+              <a:t>concrete</a:t>
+            </a:r>
+            <a:r>
+              <a:rPr lang="fr-FR" dirty="0" smtClean="0"/>
+              <a:t> value by a variable and to </a:t>
+            </a:r>
+            <a:r>
+              <a:rPr lang="fr-FR" dirty="0" err="1" smtClean="0"/>
+              <a:t>quantify</a:t>
+            </a:r>
+            <a:r>
+              <a:rPr lang="fr-FR" dirty="0" smtClean="0"/>
+              <a:t> </a:t>
+            </a:r>
+            <a:r>
+              <a:rPr lang="fr-FR" dirty="0" err="1" smtClean="0"/>
+              <a:t>universally</a:t>
+            </a:r>
+            <a:r>
+              <a:rPr lang="fr-FR" dirty="0" smtClean="0"/>
+              <a:t> on </a:t>
+            </a:r>
+            <a:r>
+              <a:rPr lang="fr-FR" dirty="0" err="1" smtClean="0"/>
+              <a:t>them</a:t>
+            </a:r>
+            <a:r>
+              <a:rPr lang="fr-FR" dirty="0" smtClean="0"/>
+              <a:t>.</a:t>
+            </a:r>
+          </a:p>
+          <a:p>
+            <a:r>
+              <a:rPr lang="fr-FR" dirty="0" smtClean="0"/>
+              <a:t>It </a:t>
+            </a:r>
+            <a:r>
+              <a:rPr lang="fr-FR" dirty="0" err="1" smtClean="0"/>
+              <a:t>generates</a:t>
+            </a:r>
+            <a:r>
+              <a:rPr lang="fr-FR" dirty="0" smtClean="0"/>
+              <a:t> long and </a:t>
+            </a:r>
+            <a:r>
+              <a:rPr lang="fr-FR" dirty="0" err="1" smtClean="0"/>
+              <a:t>specific</a:t>
+            </a:r>
+            <a:r>
+              <a:rPr lang="fr-FR" dirty="0" smtClean="0"/>
+              <a:t> invariants.</a:t>
+            </a:r>
+          </a:p>
+          <a:p>
+            <a:r>
+              <a:rPr lang="fr-FR" dirty="0" smtClean="0"/>
+              <a:t>It </a:t>
+            </a:r>
+            <a:r>
+              <a:rPr lang="fr-FR" dirty="0" err="1" smtClean="0"/>
+              <a:t>sometimes</a:t>
+            </a:r>
+            <a:r>
+              <a:rPr lang="fr-FR" dirty="0" smtClean="0"/>
+              <a:t> </a:t>
+            </a:r>
+            <a:r>
+              <a:rPr lang="fr-FR" dirty="0" err="1" smtClean="0"/>
+              <a:t>generate</a:t>
+            </a:r>
+            <a:r>
+              <a:rPr lang="fr-FR" dirty="0" smtClean="0"/>
+              <a:t> </a:t>
+            </a:r>
+            <a:r>
+              <a:rPr lang="fr-FR" dirty="0" err="1" smtClean="0"/>
+              <a:t>wrongs</a:t>
+            </a:r>
+            <a:r>
+              <a:rPr lang="fr-FR" dirty="0" smtClean="0"/>
+              <a:t> invariants (</a:t>
+            </a:r>
+            <a:r>
+              <a:rPr lang="fr-FR" dirty="0" err="1" smtClean="0"/>
+              <a:t>when</a:t>
+            </a:r>
+            <a:r>
+              <a:rPr lang="fr-FR" dirty="0" smtClean="0"/>
+              <a:t> </a:t>
+            </a:r>
+            <a:r>
+              <a:rPr lang="fr-FR" dirty="0" err="1" smtClean="0"/>
+              <a:t>it</a:t>
+            </a:r>
+            <a:r>
+              <a:rPr lang="fr-FR" dirty="0" smtClean="0"/>
+              <a:t> </a:t>
+            </a:r>
+            <a:r>
+              <a:rPr lang="fr-FR" dirty="0" err="1" smtClean="0"/>
+              <a:t>is</a:t>
+            </a:r>
+            <a:r>
+              <a:rPr lang="fr-FR" dirty="0" smtClean="0"/>
+              <a:t> not possible to </a:t>
+            </a:r>
+            <a:r>
+              <a:rPr lang="fr-FR" dirty="0" err="1" smtClean="0"/>
+              <a:t>prevent</a:t>
+            </a:r>
+            <a:r>
+              <a:rPr lang="fr-FR" dirty="0" smtClean="0"/>
+              <a:t> the </a:t>
+            </a:r>
+            <a:r>
+              <a:rPr lang="fr-FR" dirty="0" err="1" smtClean="0"/>
+              <a:t>counterexample</a:t>
+            </a:r>
+            <a:r>
+              <a:rPr lang="fr-FR" dirty="0" smtClean="0"/>
+              <a:t> </a:t>
+            </a:r>
+            <a:r>
+              <a:rPr lang="fr-FR" dirty="0" err="1" smtClean="0"/>
+              <a:t>just</a:t>
+            </a:r>
+            <a:r>
+              <a:rPr lang="fr-FR" dirty="0" smtClean="0"/>
+              <a:t> </a:t>
+            </a:r>
+            <a:r>
+              <a:rPr lang="fr-FR" dirty="0" err="1" smtClean="0"/>
+              <a:t>with</a:t>
+            </a:r>
+            <a:r>
+              <a:rPr lang="fr-FR" dirty="0" smtClean="0"/>
+              <a:t> a </a:t>
+            </a:r>
+            <a:r>
+              <a:rPr lang="fr-FR" dirty="0" err="1" smtClean="0"/>
+              <a:t>universal</a:t>
+            </a:r>
+            <a:r>
+              <a:rPr lang="fr-FR" dirty="0" smtClean="0"/>
+              <a:t> invariant).</a:t>
+            </a:r>
+          </a:p>
+          <a:p>
+            <a:r>
+              <a:rPr lang="fr-FR" dirty="0" err="1" smtClean="0"/>
+              <a:t>IVy</a:t>
+            </a:r>
+            <a:r>
+              <a:rPr lang="fr-FR" dirty="0" smtClean="0"/>
+              <a:t> combines </a:t>
+            </a:r>
+            <a:r>
+              <a:rPr lang="fr-FR" dirty="0" err="1" smtClean="0"/>
+              <a:t>it</a:t>
+            </a:r>
+            <a:r>
+              <a:rPr lang="fr-FR" dirty="0" smtClean="0"/>
+              <a:t> </a:t>
+            </a:r>
+            <a:r>
+              <a:rPr lang="fr-FR" dirty="0" err="1" smtClean="0"/>
+              <a:t>with</a:t>
+            </a:r>
+            <a:r>
+              <a:rPr lang="fr-FR" dirty="0" smtClean="0"/>
+              <a:t> model </a:t>
+            </a:r>
+            <a:r>
+              <a:rPr lang="fr-FR" dirty="0" err="1" smtClean="0"/>
+              <a:t>checking</a:t>
+            </a:r>
+            <a:r>
+              <a:rPr lang="fr-FR" dirty="0" smtClean="0"/>
+              <a:t> (</a:t>
+            </a:r>
+            <a:r>
+              <a:rPr lang="fr-FR" dirty="0" err="1" smtClean="0"/>
+              <a:t>with</a:t>
+            </a:r>
+            <a:r>
+              <a:rPr lang="fr-FR" dirty="0" smtClean="0"/>
+              <a:t> an </a:t>
+            </a:r>
+            <a:r>
+              <a:rPr lang="fr-FR" dirty="0" err="1" smtClean="0"/>
+              <a:t>arbitrary</a:t>
+            </a:r>
+            <a:r>
+              <a:rPr lang="fr-FR" dirty="0" smtClean="0"/>
+              <a:t> </a:t>
+            </a:r>
+            <a:r>
+              <a:rPr lang="fr-FR" dirty="0" err="1" smtClean="0"/>
+              <a:t>number</a:t>
+            </a:r>
+            <a:r>
+              <a:rPr lang="fr-FR" dirty="0" smtClean="0"/>
+              <a:t> of </a:t>
+            </a:r>
+            <a:r>
+              <a:rPr lang="fr-FR" dirty="0" err="1" smtClean="0"/>
+              <a:t>steps</a:t>
+            </a:r>
+            <a:r>
+              <a:rPr lang="fr-FR" dirty="0" smtClean="0"/>
+              <a:t>) in </a:t>
+            </a:r>
+            <a:r>
+              <a:rPr lang="fr-FR" dirty="0" err="1" smtClean="0"/>
+              <a:t>order</a:t>
+            </a:r>
+            <a:r>
+              <a:rPr lang="fr-FR" dirty="0" smtClean="0"/>
+              <a:t> to </a:t>
+            </a:r>
+            <a:r>
+              <a:rPr lang="fr-FR" dirty="0" err="1" smtClean="0"/>
+              <a:t>reduce</a:t>
+            </a:r>
+            <a:r>
+              <a:rPr lang="fr-FR" dirty="0" smtClean="0"/>
+              <a:t> the </a:t>
+            </a:r>
+            <a:r>
+              <a:rPr lang="fr-FR" dirty="0" err="1" smtClean="0"/>
+              <a:t>number</a:t>
+            </a:r>
+            <a:r>
+              <a:rPr lang="fr-FR" dirty="0" smtClean="0"/>
+              <a:t> of </a:t>
+            </a:r>
+            <a:r>
+              <a:rPr lang="fr-FR" dirty="0" err="1" smtClean="0"/>
+              <a:t>constraints</a:t>
+            </a:r>
+            <a:r>
+              <a:rPr lang="fr-FR" dirty="0" smtClean="0"/>
+              <a:t> to </a:t>
+            </a:r>
+            <a:r>
+              <a:rPr lang="fr-FR" dirty="0" err="1" smtClean="0"/>
+              <a:t>keep</a:t>
+            </a:r>
+            <a:r>
+              <a:rPr lang="fr-FR" dirty="0" smtClean="0"/>
+              <a:t> and to </a:t>
+            </a:r>
+            <a:r>
+              <a:rPr lang="fr-FR" dirty="0" err="1" smtClean="0"/>
+              <a:t>generate</a:t>
+            </a:r>
+            <a:r>
+              <a:rPr lang="fr-FR" dirty="0" smtClean="0"/>
+              <a:t> a </a:t>
+            </a:r>
+            <a:r>
+              <a:rPr lang="fr-FR" dirty="0" err="1" smtClean="0"/>
+              <a:t>smaller</a:t>
+            </a:r>
+            <a:r>
+              <a:rPr lang="fr-FR" dirty="0" smtClean="0"/>
+              <a:t> invariants. It </a:t>
+            </a:r>
+            <a:r>
+              <a:rPr lang="fr-FR" dirty="0" err="1" smtClean="0"/>
+              <a:t>can</a:t>
+            </a:r>
+            <a:r>
+              <a:rPr lang="fr-FR" dirty="0" smtClean="0"/>
+              <a:t> </a:t>
+            </a:r>
+            <a:r>
+              <a:rPr lang="fr-FR" dirty="0" err="1" smtClean="0"/>
+              <a:t>also</a:t>
+            </a:r>
+            <a:r>
+              <a:rPr lang="fr-FR" dirty="0" smtClean="0"/>
+              <a:t> </a:t>
+            </a:r>
+            <a:r>
+              <a:rPr lang="fr-FR" dirty="0" err="1" smtClean="0"/>
+              <a:t>detect</a:t>
+            </a:r>
+            <a:r>
+              <a:rPr lang="fr-FR" dirty="0" smtClean="0"/>
+              <a:t> </a:t>
+            </a:r>
+            <a:r>
+              <a:rPr lang="fr-FR" dirty="0" err="1" smtClean="0"/>
+              <a:t>whether</a:t>
+            </a:r>
+            <a:r>
+              <a:rPr lang="fr-FR" dirty="0" smtClean="0"/>
+              <a:t> the </a:t>
+            </a:r>
+            <a:r>
+              <a:rPr lang="fr-FR" dirty="0" err="1" smtClean="0"/>
+              <a:t>generated</a:t>
+            </a:r>
+            <a:r>
+              <a:rPr lang="fr-FR" dirty="0" smtClean="0"/>
+              <a:t> invariant </a:t>
+            </a:r>
+            <a:r>
+              <a:rPr lang="fr-FR" dirty="0" err="1" smtClean="0"/>
+              <a:t>is</a:t>
+            </a:r>
+            <a:r>
+              <a:rPr lang="fr-FR" dirty="0" smtClean="0"/>
+              <a:t> correct or not.</a:t>
+            </a:r>
+            <a:endParaRPr lang="fr-FR" dirty="0"/>
+          </a:p>
+        </p:txBody>
+      </p:sp>
+    </p:spTree>
+    <p:extLst>
+      <p:ext uri="{BB962C8B-B14F-4D97-AF65-F5344CB8AC3E}">
+        <p14:creationId xmlns:p14="http://schemas.microsoft.com/office/powerpoint/2010/main" val="3152748883"/>
       </p:ext>
     </p:extLst>
   </p:cSld>
@@ -30289,6 +30833,716 @@
 </p:sld>
 </file>
 
+<file path=ppt/slides/slide40.xml><?xml version="1.0" encoding="utf-8"?>
+<p:sld xmlns:a="http://schemas.openxmlformats.org/drawingml/2006/main" xmlns:r="http://schemas.openxmlformats.org/officeDocument/2006/relationships" xmlns:p="http://schemas.openxmlformats.org/presentationml/2006/main">
+  <p:cSld>
+    <p:spTree>
+      <p:nvGrpSpPr>
+        <p:cNvPr id="1" name=""/>
+        <p:cNvGrpSpPr/>
+        <p:nvPr/>
+      </p:nvGrpSpPr>
+      <p:grpSpPr>
+        <a:xfrm>
+          <a:off x="0" y="0"/>
+          <a:ext cx="0" cy="0"/>
+          <a:chOff x="0" y="0"/>
+          <a:chExt cx="0" cy="0"/>
+        </a:xfrm>
+      </p:grpSpPr>
+      <p:sp>
+        <p:nvSpPr>
+          <p:cNvPr id="2" name="Titre 1"/>
+          <p:cNvSpPr>
+            <a:spLocks noGrp="1"/>
+          </p:cNvSpPr>
+          <p:nvPr>
+            <p:ph type="title"/>
+          </p:nvPr>
+        </p:nvSpPr>
+        <p:spPr/>
+        <p:txBody>
+          <a:bodyPr/>
+          <a:lstStyle/>
+          <a:p>
+            <a:r>
+              <a:rPr lang="fr-FR" dirty="0" smtClean="0"/>
+              <a:t>Conclusion</a:t>
+            </a:r>
+            <a:endParaRPr lang="fr-FR" dirty="0"/>
+          </a:p>
+        </p:txBody>
+      </p:sp>
+      <p:sp>
+        <p:nvSpPr>
+          <p:cNvPr id="3" name="Espace réservé du contenu 2"/>
+          <p:cNvSpPr>
+            <a:spLocks noGrp="1"/>
+          </p:cNvSpPr>
+          <p:nvPr>
+            <p:ph idx="1"/>
+          </p:nvPr>
+        </p:nvSpPr>
+        <p:spPr/>
+        <p:txBody>
+          <a:bodyPr>
+            <a:normAutofit/>
+          </a:bodyPr>
+          <a:lstStyle/>
+          <a:p>
+            <a:r>
+              <a:rPr lang="fr-FR" dirty="0" err="1" smtClean="0"/>
+              <a:t>My</a:t>
+            </a:r>
+            <a:r>
+              <a:rPr lang="fr-FR" dirty="0" smtClean="0"/>
+              <a:t> </a:t>
+            </a:r>
+            <a:r>
+              <a:rPr lang="fr-FR" dirty="0" err="1" smtClean="0"/>
+              <a:t>method</a:t>
+            </a:r>
+            <a:r>
+              <a:rPr lang="fr-FR" dirty="0" smtClean="0"/>
+              <a:t> use code </a:t>
+            </a:r>
+            <a:r>
+              <a:rPr lang="fr-FR" dirty="0" err="1" smtClean="0"/>
+              <a:t>analysis</a:t>
+            </a:r>
+            <a:r>
+              <a:rPr lang="fr-FR" dirty="0" smtClean="0"/>
+              <a:t> to do </a:t>
+            </a:r>
+            <a:r>
+              <a:rPr lang="fr-FR" dirty="0" err="1" smtClean="0"/>
+              <a:t>that</a:t>
+            </a:r>
+            <a:r>
+              <a:rPr lang="fr-FR" dirty="0" smtClean="0"/>
+              <a:t> </a:t>
+            </a:r>
+            <a:r>
+              <a:rPr lang="fr-FR" dirty="0" err="1" smtClean="0"/>
+              <a:t>rather</a:t>
+            </a:r>
+            <a:r>
+              <a:rPr lang="fr-FR" dirty="0" smtClean="0"/>
+              <a:t> </a:t>
+            </a:r>
+            <a:r>
+              <a:rPr lang="fr-FR" dirty="0" err="1" smtClean="0"/>
+              <a:t>than</a:t>
+            </a:r>
+            <a:r>
+              <a:rPr lang="fr-FR" dirty="0" smtClean="0"/>
+              <a:t> model </a:t>
+            </a:r>
+            <a:r>
+              <a:rPr lang="fr-FR" dirty="0" err="1" smtClean="0"/>
+              <a:t>checking</a:t>
+            </a:r>
+            <a:r>
+              <a:rPr lang="fr-FR" dirty="0" smtClean="0"/>
+              <a:t>.</a:t>
+            </a:r>
+          </a:p>
+          <a:p>
+            <a:r>
+              <a:rPr lang="fr-FR" dirty="0" smtClean="0"/>
+              <a:t>In the case </a:t>
+            </a:r>
+            <a:r>
+              <a:rPr lang="fr-FR" dirty="0" err="1" smtClean="0"/>
+              <a:t>where</a:t>
+            </a:r>
+            <a:r>
+              <a:rPr lang="fr-FR" dirty="0" smtClean="0"/>
+              <a:t> an </a:t>
+            </a:r>
+            <a:r>
+              <a:rPr lang="fr-FR" dirty="0" err="1" smtClean="0"/>
+              <a:t>universally</a:t>
+            </a:r>
+            <a:r>
+              <a:rPr lang="fr-FR" dirty="0" smtClean="0"/>
+              <a:t> </a:t>
+            </a:r>
+            <a:r>
+              <a:rPr lang="fr-FR" dirty="0" err="1" smtClean="0"/>
+              <a:t>quantified</a:t>
+            </a:r>
+            <a:r>
+              <a:rPr lang="fr-FR" dirty="0" smtClean="0"/>
+              <a:t> invariant </a:t>
+            </a:r>
+            <a:r>
+              <a:rPr lang="fr-FR" dirty="0" err="1" smtClean="0"/>
+              <a:t>is</a:t>
+            </a:r>
+            <a:r>
+              <a:rPr lang="fr-FR" dirty="0" smtClean="0"/>
+              <a:t> not </a:t>
+            </a:r>
+            <a:r>
+              <a:rPr lang="fr-FR" dirty="0" err="1" smtClean="0"/>
+              <a:t>enough</a:t>
+            </a:r>
+            <a:r>
+              <a:rPr lang="fr-FR" dirty="0" smtClean="0"/>
+              <a:t>, </a:t>
+            </a:r>
+            <a:r>
+              <a:rPr lang="fr-FR" dirty="0" err="1" smtClean="0"/>
+              <a:t>my</a:t>
+            </a:r>
+            <a:r>
+              <a:rPr lang="fr-FR" dirty="0" smtClean="0"/>
+              <a:t> </a:t>
+            </a:r>
+            <a:r>
+              <a:rPr lang="fr-FR" dirty="0" err="1" smtClean="0"/>
+              <a:t>method</a:t>
+            </a:r>
+            <a:r>
+              <a:rPr lang="fr-FR" dirty="0" smtClean="0"/>
+              <a:t> </a:t>
+            </a:r>
+            <a:r>
+              <a:rPr lang="fr-FR" dirty="0" err="1" smtClean="0"/>
+              <a:t>can</a:t>
+            </a:r>
+            <a:r>
+              <a:rPr lang="fr-FR" dirty="0"/>
+              <a:t> </a:t>
+            </a:r>
+            <a:r>
+              <a:rPr lang="fr-FR" dirty="0" err="1" smtClean="0"/>
+              <a:t>be</a:t>
+            </a:r>
+            <a:r>
+              <a:rPr lang="fr-FR" dirty="0" smtClean="0"/>
+              <a:t> </a:t>
+            </a:r>
+            <a:r>
+              <a:rPr lang="fr-FR" dirty="0" err="1" smtClean="0"/>
+              <a:t>extended</a:t>
+            </a:r>
+            <a:r>
+              <a:rPr lang="fr-FR" dirty="0" smtClean="0"/>
+              <a:t> </a:t>
+            </a:r>
+            <a:r>
+              <a:rPr lang="fr-FR" dirty="0" err="1" smtClean="0"/>
+              <a:t>with</a:t>
+            </a:r>
+            <a:r>
+              <a:rPr lang="fr-FR" dirty="0" smtClean="0"/>
+              <a:t> </a:t>
+            </a:r>
+            <a:r>
+              <a:rPr lang="fr-FR" dirty="0" err="1" smtClean="0"/>
+              <a:t>some</a:t>
+            </a:r>
+            <a:r>
+              <a:rPr lang="fr-FR" dirty="0" smtClean="0"/>
+              <a:t> </a:t>
+            </a:r>
+            <a:r>
+              <a:rPr lang="fr-FR" dirty="0" err="1" smtClean="0"/>
+              <a:t>additional</a:t>
+            </a:r>
+            <a:r>
+              <a:rPr lang="fr-FR" dirty="0" smtClean="0"/>
+              <a:t> </a:t>
+            </a:r>
+            <a:r>
+              <a:rPr lang="fr-FR" dirty="0" err="1" smtClean="0"/>
+              <a:t>example</a:t>
+            </a:r>
+            <a:r>
+              <a:rPr lang="fr-FR" dirty="0" smtClean="0"/>
+              <a:t> analyses in </a:t>
+            </a:r>
+            <a:r>
+              <a:rPr lang="fr-FR" dirty="0" err="1" smtClean="0"/>
+              <a:t>order</a:t>
+            </a:r>
+            <a:r>
+              <a:rPr lang="fr-FR" dirty="0" smtClean="0"/>
+              <a:t> to </a:t>
+            </a:r>
+            <a:r>
+              <a:rPr lang="fr-FR" dirty="0" err="1" smtClean="0"/>
+              <a:t>generate</a:t>
+            </a:r>
+            <a:r>
+              <a:rPr lang="fr-FR" dirty="0" smtClean="0"/>
+              <a:t> a </a:t>
+            </a:r>
+            <a:r>
+              <a:rPr lang="fr-FR" dirty="0" err="1" smtClean="0"/>
+              <a:t>valid</a:t>
+            </a:r>
+            <a:r>
+              <a:rPr lang="fr-FR" dirty="0" smtClean="0"/>
+              <a:t> invariant of the </a:t>
+            </a:r>
+            <a:r>
+              <a:rPr lang="fr-FR" dirty="0" err="1" smtClean="0"/>
+              <a:t>form</a:t>
+            </a:r>
+            <a:r>
+              <a:rPr lang="fr-FR" dirty="0" smtClean="0"/>
+              <a:t> </a:t>
+            </a:r>
+            <a:r>
+              <a:rPr lang="fr-FR" dirty="0" smtClean="0">
+                <a:solidFill>
+                  <a:schemeClr val="dk1"/>
+                </a:solidFill>
+              </a:rPr>
+              <a:t>∀∃ (if possible).</a:t>
+            </a:r>
+            <a:br>
+              <a:rPr lang="fr-FR" dirty="0" smtClean="0">
+                <a:solidFill>
+                  <a:schemeClr val="dk1"/>
+                </a:solidFill>
+              </a:rPr>
+            </a:br>
+            <a:r>
+              <a:rPr lang="fr-FR" dirty="0" smtClean="0">
+                <a:solidFill>
+                  <a:schemeClr val="dk1"/>
+                </a:solidFill>
+              </a:rPr>
+              <a:t>The </a:t>
+            </a:r>
+            <a:r>
+              <a:rPr lang="fr-FR" dirty="0" err="1" smtClean="0">
+                <a:solidFill>
+                  <a:schemeClr val="dk1"/>
+                </a:solidFill>
+              </a:rPr>
+              <a:t>principle</a:t>
+            </a:r>
+            <a:r>
+              <a:rPr lang="fr-FR" dirty="0" smtClean="0">
+                <a:solidFill>
+                  <a:schemeClr val="dk1"/>
+                </a:solidFill>
+              </a:rPr>
+              <a:t> </a:t>
+            </a:r>
+            <a:r>
+              <a:rPr lang="fr-FR" dirty="0" err="1" smtClean="0">
+                <a:solidFill>
+                  <a:schemeClr val="dk1"/>
+                </a:solidFill>
+              </a:rPr>
+              <a:t>is</a:t>
+            </a:r>
+            <a:r>
+              <a:rPr lang="fr-FR" dirty="0" smtClean="0">
+                <a:solidFill>
+                  <a:schemeClr val="dk1"/>
+                </a:solidFill>
+              </a:rPr>
+              <a:t> the </a:t>
+            </a:r>
+            <a:r>
+              <a:rPr lang="fr-FR" dirty="0" err="1" smtClean="0">
+                <a:solidFill>
+                  <a:schemeClr val="dk1"/>
+                </a:solidFill>
+              </a:rPr>
+              <a:t>following</a:t>
+            </a:r>
+            <a:r>
+              <a:rPr lang="fr-FR" dirty="0" smtClean="0">
+                <a:solidFill>
+                  <a:schemeClr val="dk1"/>
+                </a:solidFill>
+              </a:rPr>
+              <a:t>:</a:t>
+            </a:r>
+          </a:p>
+          <a:p>
+            <a:pPr lvl="1"/>
+            <a:r>
+              <a:rPr lang="fr-FR" dirty="0" smtClean="0"/>
+              <a:t>An incorrect (</a:t>
+            </a:r>
+            <a:r>
+              <a:rPr lang="fr-FR" dirty="0" err="1" smtClean="0"/>
+              <a:t>too</a:t>
+            </a:r>
+            <a:r>
+              <a:rPr lang="fr-FR" dirty="0" smtClean="0"/>
+              <a:t> </a:t>
+            </a:r>
+            <a:r>
+              <a:rPr lang="fr-FR" dirty="0" err="1" smtClean="0"/>
+              <a:t>strong</a:t>
+            </a:r>
+            <a:r>
+              <a:rPr lang="fr-FR" dirty="0" smtClean="0"/>
+              <a:t>) </a:t>
+            </a:r>
+            <a:r>
+              <a:rPr lang="fr-FR" dirty="0" err="1" smtClean="0"/>
+              <a:t>universal</a:t>
+            </a:r>
+            <a:r>
+              <a:rPr lang="fr-FR" dirty="0" smtClean="0"/>
+              <a:t> invariant </a:t>
+            </a:r>
+            <a:r>
+              <a:rPr lang="fr-FR" dirty="0" err="1" smtClean="0"/>
+              <a:t>is</a:t>
+            </a:r>
+            <a:r>
+              <a:rPr lang="fr-FR" dirty="0" smtClean="0"/>
+              <a:t> first </a:t>
+            </a:r>
+            <a:r>
+              <a:rPr lang="fr-FR" dirty="0" err="1" smtClean="0"/>
+              <a:t>generated</a:t>
+            </a:r>
+            <a:endParaRPr lang="fr-FR" dirty="0" smtClean="0"/>
+          </a:p>
+          <a:p>
+            <a:pPr lvl="1"/>
+            <a:r>
+              <a:rPr lang="fr-FR" dirty="0" err="1" smtClean="0"/>
+              <a:t>We</a:t>
+            </a:r>
+            <a:r>
+              <a:rPr lang="fr-FR" dirty="0" smtClean="0"/>
+              <a:t> </a:t>
+            </a:r>
+            <a:r>
+              <a:rPr lang="fr-FR" dirty="0" err="1" smtClean="0"/>
+              <a:t>keep</a:t>
+            </a:r>
+            <a:r>
+              <a:rPr lang="fr-FR" dirty="0"/>
+              <a:t> </a:t>
+            </a:r>
+            <a:r>
+              <a:rPr lang="fr-FR" dirty="0" smtClean="0"/>
+              <a:t>the </a:t>
+            </a:r>
+            <a:r>
+              <a:rPr lang="fr-FR" dirty="0" err="1" smtClean="0"/>
+              <a:t>constraints</a:t>
+            </a:r>
+            <a:r>
+              <a:rPr lang="fr-FR" dirty="0" smtClean="0"/>
+              <a:t> </a:t>
+            </a:r>
+            <a:r>
+              <a:rPr lang="fr-FR" dirty="0" err="1" smtClean="0"/>
+              <a:t>imposed</a:t>
+            </a:r>
+            <a:r>
+              <a:rPr lang="fr-FR" dirty="0" smtClean="0"/>
+              <a:t> by </a:t>
+            </a:r>
+            <a:r>
+              <a:rPr lang="fr-FR" dirty="0" err="1" smtClean="0"/>
+              <a:t>this</a:t>
+            </a:r>
+            <a:r>
+              <a:rPr lang="fr-FR" dirty="0" smtClean="0"/>
+              <a:t> invariant, and </a:t>
+            </a:r>
+            <a:r>
+              <a:rPr lang="fr-FR" dirty="0" err="1" smtClean="0"/>
+              <a:t>we</a:t>
+            </a:r>
+            <a:r>
+              <a:rPr lang="fr-FR" dirty="0" smtClean="0"/>
+              <a:t> </a:t>
+            </a:r>
+            <a:r>
+              <a:rPr lang="fr-FR" dirty="0" err="1" smtClean="0"/>
+              <a:t>try</a:t>
+            </a:r>
+            <a:r>
+              <a:rPr lang="fr-FR" dirty="0" smtClean="0"/>
+              <a:t> to </a:t>
+            </a:r>
+            <a:r>
+              <a:rPr lang="fr-FR" dirty="0" err="1" smtClean="0"/>
+              <a:t>modify</a:t>
+            </a:r>
+            <a:r>
+              <a:rPr lang="fr-FR" dirty="0" smtClean="0"/>
+              <a:t> </a:t>
+            </a:r>
+            <a:r>
+              <a:rPr lang="fr-FR" dirty="0" err="1" smtClean="0"/>
+              <a:t>other</a:t>
+            </a:r>
+            <a:r>
+              <a:rPr lang="fr-FR" dirty="0" smtClean="0"/>
+              <a:t> </a:t>
+            </a:r>
+            <a:r>
+              <a:rPr lang="fr-FR" dirty="0" err="1" smtClean="0"/>
+              <a:t>constraints</a:t>
+            </a:r>
+            <a:r>
+              <a:rPr lang="fr-FR" dirty="0" smtClean="0"/>
+              <a:t> on the </a:t>
+            </a:r>
+            <a:r>
+              <a:rPr lang="fr-FR" dirty="0" err="1" smtClean="0"/>
+              <a:t>environment</a:t>
+            </a:r>
+            <a:r>
+              <a:rPr lang="fr-FR" dirty="0" smtClean="0"/>
+              <a:t> in </a:t>
+            </a:r>
+            <a:r>
+              <a:rPr lang="fr-FR" dirty="0" err="1" smtClean="0"/>
+              <a:t>order</a:t>
+            </a:r>
+            <a:r>
+              <a:rPr lang="fr-FR" dirty="0" smtClean="0"/>
+              <a:t> to </a:t>
+            </a:r>
+            <a:r>
+              <a:rPr lang="fr-FR" dirty="0" err="1" smtClean="0"/>
+              <a:t>generate</a:t>
+            </a:r>
+            <a:r>
+              <a:rPr lang="fr-FR" dirty="0" smtClean="0"/>
+              <a:t> new </a:t>
+            </a:r>
+            <a:r>
+              <a:rPr lang="fr-FR" dirty="0" err="1" smtClean="0"/>
+              <a:t>examples</a:t>
+            </a:r>
+            <a:r>
+              <a:rPr lang="fr-FR" dirty="0" smtClean="0"/>
+              <a:t> </a:t>
+            </a:r>
+            <a:r>
+              <a:rPr lang="fr-FR" dirty="0" err="1" smtClean="0"/>
+              <a:t>that</a:t>
+            </a:r>
+            <a:r>
+              <a:rPr lang="fr-FR" dirty="0" smtClean="0"/>
+              <a:t> </a:t>
+            </a:r>
+            <a:r>
+              <a:rPr lang="fr-FR" dirty="0" err="1" smtClean="0"/>
+              <a:t>don’t</a:t>
+            </a:r>
+            <a:r>
+              <a:rPr lang="fr-FR" dirty="0" smtClean="0"/>
+              <a:t> </a:t>
+            </a:r>
+            <a:r>
+              <a:rPr lang="fr-FR" dirty="0" err="1" smtClean="0"/>
+              <a:t>satisfy</a:t>
+            </a:r>
+            <a:r>
+              <a:rPr lang="fr-FR" dirty="0" smtClean="0"/>
+              <a:t> the invariant but </a:t>
+            </a:r>
+            <a:r>
+              <a:rPr lang="fr-FR" dirty="0" err="1" smtClean="0"/>
+              <a:t>that</a:t>
+            </a:r>
+            <a:r>
+              <a:rPr lang="fr-FR" dirty="0" smtClean="0"/>
+              <a:t> are </a:t>
+            </a:r>
+            <a:r>
+              <a:rPr lang="fr-FR" dirty="0" err="1" smtClean="0"/>
+              <a:t>valid</a:t>
+            </a:r>
+            <a:r>
+              <a:rPr lang="fr-FR" dirty="0" smtClean="0"/>
+              <a:t> (</a:t>
+            </a:r>
+            <a:r>
+              <a:rPr lang="fr-FR" dirty="0" err="1" smtClean="0"/>
+              <a:t>this</a:t>
+            </a:r>
+            <a:r>
+              <a:rPr lang="fr-FR" dirty="0" smtClean="0"/>
+              <a:t> </a:t>
+            </a:r>
+            <a:r>
+              <a:rPr lang="fr-FR" dirty="0" err="1" smtClean="0"/>
+              <a:t>can</a:t>
+            </a:r>
+            <a:r>
+              <a:rPr lang="fr-FR" dirty="0" smtClean="0"/>
+              <a:t> </a:t>
+            </a:r>
+            <a:r>
+              <a:rPr lang="fr-FR" dirty="0" err="1" smtClean="0"/>
+              <a:t>be</a:t>
+            </a:r>
+            <a:r>
+              <a:rPr lang="fr-FR" dirty="0" smtClean="0"/>
+              <a:t> </a:t>
+            </a:r>
+            <a:r>
+              <a:rPr lang="fr-FR" dirty="0" err="1" smtClean="0"/>
+              <a:t>done</a:t>
+            </a:r>
+            <a:r>
+              <a:rPr lang="fr-FR" dirty="0" smtClean="0"/>
+              <a:t> </a:t>
+            </a:r>
+            <a:r>
+              <a:rPr lang="fr-FR" dirty="0" err="1" smtClean="0"/>
+              <a:t>automatically</a:t>
+            </a:r>
+            <a:r>
+              <a:rPr lang="fr-FR" dirty="0" smtClean="0"/>
+              <a:t>)</a:t>
+            </a:r>
+            <a:endParaRPr lang="fr-FR" dirty="0"/>
+          </a:p>
+          <a:p>
+            <a:pPr lvl="1"/>
+            <a:r>
+              <a:rPr lang="fr-FR" dirty="0" err="1" smtClean="0"/>
+              <a:t>We</a:t>
+            </a:r>
+            <a:r>
+              <a:rPr lang="fr-FR" dirty="0" smtClean="0"/>
+              <a:t> </a:t>
+            </a:r>
+            <a:r>
+              <a:rPr lang="fr-FR" dirty="0" err="1" smtClean="0"/>
+              <a:t>generalize</a:t>
+            </a:r>
+            <a:r>
+              <a:rPr lang="fr-FR" dirty="0" smtClean="0"/>
+              <a:t> </a:t>
+            </a:r>
+            <a:r>
+              <a:rPr lang="fr-FR" dirty="0" err="1" smtClean="0"/>
+              <a:t>these</a:t>
+            </a:r>
+            <a:r>
+              <a:rPr lang="fr-FR" dirty="0" smtClean="0"/>
+              <a:t> </a:t>
+            </a:r>
+            <a:r>
+              <a:rPr lang="fr-FR" dirty="0" err="1" smtClean="0"/>
+              <a:t>examples</a:t>
+            </a:r>
+            <a:r>
+              <a:rPr lang="fr-FR" dirty="0" smtClean="0"/>
+              <a:t> and </a:t>
+            </a:r>
+            <a:r>
+              <a:rPr lang="fr-FR" dirty="0" err="1" smtClean="0"/>
+              <a:t>we</a:t>
+            </a:r>
+            <a:r>
+              <a:rPr lang="fr-FR" dirty="0" smtClean="0"/>
+              <a:t> insert </a:t>
+            </a:r>
+            <a:r>
+              <a:rPr lang="fr-FR" dirty="0" err="1" smtClean="0"/>
+              <a:t>them</a:t>
+            </a:r>
+            <a:r>
+              <a:rPr lang="fr-FR" dirty="0" smtClean="0"/>
+              <a:t> in the invariant in </a:t>
+            </a:r>
+            <a:r>
+              <a:rPr lang="fr-FR" dirty="0" err="1" smtClean="0"/>
+              <a:t>order</a:t>
+            </a:r>
+            <a:r>
+              <a:rPr lang="fr-FR" dirty="0" smtClean="0"/>
+              <a:t> to </a:t>
+            </a:r>
+            <a:r>
+              <a:rPr lang="fr-FR" dirty="0" err="1" smtClean="0"/>
+              <a:t>weaken</a:t>
+            </a:r>
+            <a:r>
+              <a:rPr lang="fr-FR" dirty="0" smtClean="0"/>
+              <a:t> </a:t>
+            </a:r>
+            <a:r>
+              <a:rPr lang="fr-FR" dirty="0" err="1" smtClean="0"/>
+              <a:t>it</a:t>
+            </a:r>
+            <a:r>
+              <a:rPr lang="fr-FR" dirty="0" smtClean="0"/>
+              <a:t>. It </a:t>
+            </a:r>
+            <a:r>
+              <a:rPr lang="fr-FR" dirty="0" err="1" smtClean="0"/>
+              <a:t>will</a:t>
+            </a:r>
+            <a:r>
+              <a:rPr lang="fr-FR" dirty="0" smtClean="0"/>
+              <a:t> </a:t>
+            </a:r>
+            <a:r>
+              <a:rPr lang="fr-FR" dirty="0" err="1" smtClean="0"/>
+              <a:t>become</a:t>
+            </a:r>
+            <a:r>
+              <a:rPr lang="fr-FR" dirty="0" smtClean="0"/>
+              <a:t> a </a:t>
+            </a:r>
+            <a:r>
+              <a:rPr lang="fr-FR" dirty="0" err="1" smtClean="0"/>
+              <a:t>valid</a:t>
+            </a:r>
+            <a:r>
+              <a:rPr lang="fr-FR" dirty="0" smtClean="0"/>
+              <a:t> invariant of the </a:t>
+            </a:r>
+            <a:r>
+              <a:rPr lang="fr-FR" dirty="0" err="1" smtClean="0"/>
+              <a:t>form</a:t>
+            </a:r>
+            <a:r>
+              <a:rPr lang="fr-FR" dirty="0" smtClean="0"/>
+              <a:t> </a:t>
+            </a:r>
+            <a:r>
+              <a:rPr lang="fr-FR" dirty="0" smtClean="0">
+                <a:solidFill>
+                  <a:schemeClr val="dk1"/>
+                </a:solidFill>
+              </a:rPr>
+              <a:t>∀∃.</a:t>
+            </a:r>
+            <a:endParaRPr lang="fr-FR" dirty="0"/>
+          </a:p>
+        </p:txBody>
+      </p:sp>
+    </p:spTree>
+    <p:extLst>
+      <p:ext uri="{BB962C8B-B14F-4D97-AF65-F5344CB8AC3E}">
+        <p14:creationId xmlns:p14="http://schemas.microsoft.com/office/powerpoint/2010/main" val="197285149"/>
+      </p:ext>
+    </p:extLst>
+  </p:cSld>
+  <p:clrMapOvr>
+    <a:masterClrMapping/>
+  </p:clrMapOvr>
+</p:sld>
+</file>
+
 <file path=ppt/slides/slide5.xml><?xml version="1.0" encoding="utf-8"?>
 <p:sld xmlns:a="http://schemas.openxmlformats.org/drawingml/2006/main" xmlns:r="http://schemas.openxmlformats.org/officeDocument/2006/relationships" xmlns:p="http://schemas.openxmlformats.org/presentationml/2006/main">
   <p:cSld>

--- a/invariant_synthesis/Invariant Synthesis.pptx
+++ b/invariant_synthesis/Invariant Synthesis.pptx
@@ -236,7 +236,7 @@
           <a:p>
             <a:fld id="{EBD9B397-7B1E-493E-A9A5-08430B316BBA}" type="datetimeFigureOut">
               <a:rPr lang="fr-FR" smtClean="0"/>
-              <a:t>19/06/2018</a:t>
+              <a:t>08/07/2018</a:t>
             </a:fld>
             <a:endParaRPr lang="fr-FR"/>
           </a:p>
@@ -1991,7 +1991,7 @@
           <a:p>
             <a:fld id="{EBF2BB3E-5D50-4F04-8F1B-6C2E8367B5FD}" type="datetimeFigureOut">
               <a:rPr lang="fr-FR" smtClean="0"/>
-              <a:t>19/06/2018</a:t>
+              <a:t>08/07/2018</a:t>
             </a:fld>
             <a:endParaRPr lang="fr-FR"/>
           </a:p>
@@ -2161,7 +2161,7 @@
           <a:p>
             <a:fld id="{EBF2BB3E-5D50-4F04-8F1B-6C2E8367B5FD}" type="datetimeFigureOut">
               <a:rPr lang="fr-FR" smtClean="0"/>
-              <a:t>19/06/2018</a:t>
+              <a:t>08/07/2018</a:t>
             </a:fld>
             <a:endParaRPr lang="fr-FR"/>
           </a:p>
@@ -2341,7 +2341,7 @@
           <a:p>
             <a:fld id="{EBF2BB3E-5D50-4F04-8F1B-6C2E8367B5FD}" type="datetimeFigureOut">
               <a:rPr lang="fr-FR" smtClean="0"/>
-              <a:t>19/06/2018</a:t>
+              <a:t>08/07/2018</a:t>
             </a:fld>
             <a:endParaRPr lang="fr-FR"/>
           </a:p>
@@ -2511,7 +2511,7 @@
           <a:p>
             <a:fld id="{EBF2BB3E-5D50-4F04-8F1B-6C2E8367B5FD}" type="datetimeFigureOut">
               <a:rPr lang="fr-FR" smtClean="0"/>
-              <a:t>19/06/2018</a:t>
+              <a:t>08/07/2018</a:t>
             </a:fld>
             <a:endParaRPr lang="fr-FR"/>
           </a:p>
@@ -2757,7 +2757,7 @@
           <a:p>
             <a:fld id="{EBF2BB3E-5D50-4F04-8F1B-6C2E8367B5FD}" type="datetimeFigureOut">
               <a:rPr lang="fr-FR" smtClean="0"/>
-              <a:t>19/06/2018</a:t>
+              <a:t>08/07/2018</a:t>
             </a:fld>
             <a:endParaRPr lang="fr-FR"/>
           </a:p>
@@ -2989,7 +2989,7 @@
           <a:p>
             <a:fld id="{EBF2BB3E-5D50-4F04-8F1B-6C2E8367B5FD}" type="datetimeFigureOut">
               <a:rPr lang="fr-FR" smtClean="0"/>
-              <a:t>19/06/2018</a:t>
+              <a:t>08/07/2018</a:t>
             </a:fld>
             <a:endParaRPr lang="fr-FR"/>
           </a:p>
@@ -3356,7 +3356,7 @@
           <a:p>
             <a:fld id="{EBF2BB3E-5D50-4F04-8F1B-6C2E8367B5FD}" type="datetimeFigureOut">
               <a:rPr lang="fr-FR" smtClean="0"/>
-              <a:t>19/06/2018</a:t>
+              <a:t>08/07/2018</a:t>
             </a:fld>
             <a:endParaRPr lang="fr-FR"/>
           </a:p>
@@ -3474,7 +3474,7 @@
           <a:p>
             <a:fld id="{EBF2BB3E-5D50-4F04-8F1B-6C2E8367B5FD}" type="datetimeFigureOut">
               <a:rPr lang="fr-FR" smtClean="0"/>
-              <a:t>19/06/2018</a:t>
+              <a:t>08/07/2018</a:t>
             </a:fld>
             <a:endParaRPr lang="fr-FR"/>
           </a:p>
@@ -3569,7 +3569,7 @@
           <a:p>
             <a:fld id="{EBF2BB3E-5D50-4F04-8F1B-6C2E8367B5FD}" type="datetimeFigureOut">
               <a:rPr lang="fr-FR" smtClean="0"/>
-              <a:t>19/06/2018</a:t>
+              <a:t>08/07/2018</a:t>
             </a:fld>
             <a:endParaRPr lang="fr-FR"/>
           </a:p>
@@ -3846,7 +3846,7 @@
           <a:p>
             <a:fld id="{EBF2BB3E-5D50-4F04-8F1B-6C2E8367B5FD}" type="datetimeFigureOut">
               <a:rPr lang="fr-FR" smtClean="0"/>
-              <a:t>19/06/2018</a:t>
+              <a:t>08/07/2018</a:t>
             </a:fld>
             <a:endParaRPr lang="fr-FR"/>
           </a:p>
@@ -4099,7 +4099,7 @@
           <a:p>
             <a:fld id="{EBF2BB3E-5D50-4F04-8F1B-6C2E8367B5FD}" type="datetimeFigureOut">
               <a:rPr lang="fr-FR" smtClean="0"/>
-              <a:t>19/06/2018</a:t>
+              <a:t>08/07/2018</a:t>
             </a:fld>
             <a:endParaRPr lang="fr-FR"/>
           </a:p>
@@ -4312,7 +4312,7 @@
           <a:p>
             <a:fld id="{EBF2BB3E-5D50-4F04-8F1B-6C2E8367B5FD}" type="datetimeFigureOut">
               <a:rPr lang="fr-FR" smtClean="0"/>
-              <a:t>19/06/2018</a:t>
+              <a:t>08/07/2018</a:t>
             </a:fld>
             <a:endParaRPr lang="fr-FR"/>
           </a:p>

--- a/invariant_synthesis/Invariant Synthesis.pptx
+++ b/invariant_synthesis/Invariant Synthesis.pptx
@@ -236,7 +236,7 @@
           <a:p>
             <a:fld id="{EBD9B397-7B1E-493E-A9A5-08430B316BBA}" type="datetimeFigureOut">
               <a:rPr lang="fr-FR" smtClean="0"/>
-              <a:t>08/07/2018</a:t>
+              <a:t>13/07/2018</a:t>
             </a:fld>
             <a:endParaRPr lang="fr-FR"/>
           </a:p>
@@ -1991,7 +1991,7 @@
           <a:p>
             <a:fld id="{EBF2BB3E-5D50-4F04-8F1B-6C2E8367B5FD}" type="datetimeFigureOut">
               <a:rPr lang="fr-FR" smtClean="0"/>
-              <a:t>08/07/2018</a:t>
+              <a:t>13/07/2018</a:t>
             </a:fld>
             <a:endParaRPr lang="fr-FR"/>
           </a:p>
@@ -2161,7 +2161,7 @@
           <a:p>
             <a:fld id="{EBF2BB3E-5D50-4F04-8F1B-6C2E8367B5FD}" type="datetimeFigureOut">
               <a:rPr lang="fr-FR" smtClean="0"/>
-              <a:t>08/07/2018</a:t>
+              <a:t>13/07/2018</a:t>
             </a:fld>
             <a:endParaRPr lang="fr-FR"/>
           </a:p>
@@ -2341,7 +2341,7 @@
           <a:p>
             <a:fld id="{EBF2BB3E-5D50-4F04-8F1B-6C2E8367B5FD}" type="datetimeFigureOut">
               <a:rPr lang="fr-FR" smtClean="0"/>
-              <a:t>08/07/2018</a:t>
+              <a:t>13/07/2018</a:t>
             </a:fld>
             <a:endParaRPr lang="fr-FR"/>
           </a:p>
@@ -2511,7 +2511,7 @@
           <a:p>
             <a:fld id="{EBF2BB3E-5D50-4F04-8F1B-6C2E8367B5FD}" type="datetimeFigureOut">
               <a:rPr lang="fr-FR" smtClean="0"/>
-              <a:t>08/07/2018</a:t>
+              <a:t>13/07/2018</a:t>
             </a:fld>
             <a:endParaRPr lang="fr-FR"/>
           </a:p>
@@ -2757,7 +2757,7 @@
           <a:p>
             <a:fld id="{EBF2BB3E-5D50-4F04-8F1B-6C2E8367B5FD}" type="datetimeFigureOut">
               <a:rPr lang="fr-FR" smtClean="0"/>
-              <a:t>08/07/2018</a:t>
+              <a:t>13/07/2018</a:t>
             </a:fld>
             <a:endParaRPr lang="fr-FR"/>
           </a:p>
@@ -2989,7 +2989,7 @@
           <a:p>
             <a:fld id="{EBF2BB3E-5D50-4F04-8F1B-6C2E8367B5FD}" type="datetimeFigureOut">
               <a:rPr lang="fr-FR" smtClean="0"/>
-              <a:t>08/07/2018</a:t>
+              <a:t>13/07/2018</a:t>
             </a:fld>
             <a:endParaRPr lang="fr-FR"/>
           </a:p>
@@ -3356,7 +3356,7 @@
           <a:p>
             <a:fld id="{EBF2BB3E-5D50-4F04-8F1B-6C2E8367B5FD}" type="datetimeFigureOut">
               <a:rPr lang="fr-FR" smtClean="0"/>
-              <a:t>08/07/2018</a:t>
+              <a:t>13/07/2018</a:t>
             </a:fld>
             <a:endParaRPr lang="fr-FR"/>
           </a:p>
@@ -3474,7 +3474,7 @@
           <a:p>
             <a:fld id="{EBF2BB3E-5D50-4F04-8F1B-6C2E8367B5FD}" type="datetimeFigureOut">
               <a:rPr lang="fr-FR" smtClean="0"/>
-              <a:t>08/07/2018</a:t>
+              <a:t>13/07/2018</a:t>
             </a:fld>
             <a:endParaRPr lang="fr-FR"/>
           </a:p>
@@ -3569,7 +3569,7 @@
           <a:p>
             <a:fld id="{EBF2BB3E-5D50-4F04-8F1B-6C2E8367B5FD}" type="datetimeFigureOut">
               <a:rPr lang="fr-FR" smtClean="0"/>
-              <a:t>08/07/2018</a:t>
+              <a:t>13/07/2018</a:t>
             </a:fld>
             <a:endParaRPr lang="fr-FR"/>
           </a:p>
@@ -3846,7 +3846,7 @@
           <a:p>
             <a:fld id="{EBF2BB3E-5D50-4F04-8F1B-6C2E8367B5FD}" type="datetimeFigureOut">
               <a:rPr lang="fr-FR" smtClean="0"/>
-              <a:t>08/07/2018</a:t>
+              <a:t>13/07/2018</a:t>
             </a:fld>
             <a:endParaRPr lang="fr-FR"/>
           </a:p>
@@ -4099,7 +4099,7 @@
           <a:p>
             <a:fld id="{EBF2BB3E-5D50-4F04-8F1B-6C2E8367B5FD}" type="datetimeFigureOut">
               <a:rPr lang="fr-FR" smtClean="0"/>
-              <a:t>08/07/2018</a:t>
+              <a:t>13/07/2018</a:t>
             </a:fld>
             <a:endParaRPr lang="fr-FR"/>
           </a:p>
@@ -4312,7 +4312,7 @@
           <a:p>
             <a:fld id="{EBF2BB3E-5D50-4F04-8F1B-6C2E8367B5FD}" type="datetimeFigureOut">
               <a:rPr lang="fr-FR" smtClean="0"/>
-              <a:t>08/07/2018</a:t>
+              <a:t>13/07/2018</a:t>
             </a:fld>
             <a:endParaRPr lang="fr-FR"/>
           </a:p>
@@ -6781,30 +6781,6 @@
           </a:p>
         </p:txBody>
       </p:sp>
-      <p:pic>
-        <p:nvPicPr>
-          <p:cNvPr id="6" name="Image 5"/>
-          <p:cNvPicPr>
-            <a:picLocks noChangeAspect="1"/>
-          </p:cNvPicPr>
-          <p:nvPr/>
-        </p:nvPicPr>
-        <p:blipFill>
-          <a:blip r:embed="rId3"/>
-          <a:stretch>
-            <a:fillRect/>
-          </a:stretch>
-        </p:blipFill>
-        <p:spPr>
-          <a:xfrm>
-            <a:off x="8864316" y="176994"/>
-            <a:ext cx="2285918" cy="4840181"/>
-          </a:xfrm>
-          <a:prstGeom prst="rect">
-            <a:avLst/>
-          </a:prstGeom>
-        </p:spPr>
-      </p:pic>
       <p:sp>
         <p:nvSpPr>
           <p:cNvPr id="8" name="ZoneTexte 7"/>
@@ -7065,7 +7041,7 @@
           <p:nvPr/>
         </p:nvPicPr>
         <p:blipFill rotWithShape="1">
-          <a:blip r:embed="rId4"/>
+          <a:blip r:embed="rId3"/>
           <a:srcRect t="92230"/>
           <a:stretch/>
         </p:blipFill>
@@ -7088,7 +7064,7 @@
           <p:nvPr/>
         </p:nvPicPr>
         <p:blipFill>
-          <a:blip r:embed="rId5"/>
+          <a:blip r:embed="rId4"/>
           <a:stretch>
             <a:fillRect/>
           </a:stretch>
@@ -7314,6 +7290,74 @@
           </a:p>
         </p:txBody>
       </p:sp>
+      <p:grpSp>
+        <p:nvGrpSpPr>
+          <p:cNvPr id="4" name="Groupe 3"/>
+          <p:cNvGrpSpPr/>
+          <p:nvPr/>
+        </p:nvGrpSpPr>
+        <p:grpSpPr>
+          <a:xfrm>
+            <a:off x="8864316" y="176994"/>
+            <a:ext cx="2285918" cy="4840181"/>
+            <a:chOff x="8864316" y="176994"/>
+            <a:chExt cx="2285918" cy="4840181"/>
+          </a:xfrm>
+        </p:grpSpPr>
+        <p:pic>
+          <p:nvPicPr>
+            <p:cNvPr id="6" name="Image 5"/>
+            <p:cNvPicPr>
+              <a:picLocks noChangeAspect="1"/>
+            </p:cNvPicPr>
+            <p:nvPr/>
+          </p:nvPicPr>
+          <p:blipFill>
+            <a:blip r:embed="rId5"/>
+            <a:stretch>
+              <a:fillRect/>
+            </a:stretch>
+          </p:blipFill>
+          <p:spPr>
+            <a:xfrm>
+              <a:off x="8864316" y="176994"/>
+              <a:ext cx="2285918" cy="4840181"/>
+            </a:xfrm>
+            <a:prstGeom prst="rect">
+              <a:avLst/>
+            </a:prstGeom>
+          </p:spPr>
+        </p:pic>
+        <p:pic>
+          <p:nvPicPr>
+            <p:cNvPr id="3" name="Image 2"/>
+            <p:cNvPicPr>
+              <a:picLocks noChangeAspect="1"/>
+            </p:cNvPicPr>
+            <p:nvPr/>
+          </p:nvPicPr>
+          <p:blipFill rotWithShape="1">
+            <a:blip r:embed="rId6">
+              <a:extLst>
+                <a:ext uri="{28A0092B-C50C-407E-A947-70E740481C1C}">
+                  <a14:useLocalDpi xmlns:a14="http://schemas.microsoft.com/office/drawing/2010/main" val="0"/>
+                </a:ext>
+              </a:extLst>
+            </a:blip>
+            <a:srcRect l="10839" t="58393" r="37799" b="39359"/>
+            <a:stretch/>
+          </p:blipFill>
+          <p:spPr>
+            <a:xfrm>
+              <a:off x="9196159" y="4095136"/>
+              <a:ext cx="1586141" cy="153013"/>
+            </a:xfrm>
+            <a:prstGeom prst="rect">
+              <a:avLst/>
+            </a:prstGeom>
+          </p:spPr>
+        </p:pic>
+      </p:grpSp>
     </p:spTree>
     <p:extLst>
       <p:ext uri="{BB962C8B-B14F-4D97-AF65-F5344CB8AC3E}">
@@ -8159,30 +8203,74 @@
           </a:prstGeom>
         </p:spPr>
       </p:pic>
-      <p:pic>
-        <p:nvPicPr>
-          <p:cNvPr id="23" name="Image 22"/>
-          <p:cNvPicPr>
-            <a:picLocks noChangeAspect="1"/>
-          </p:cNvPicPr>
+      <p:grpSp>
+        <p:nvGrpSpPr>
+          <p:cNvPr id="21" name="Groupe 20"/>
+          <p:cNvGrpSpPr/>
           <p:nvPr/>
-        </p:nvPicPr>
-        <p:blipFill>
-          <a:blip r:embed="rId4"/>
-          <a:stretch>
-            <a:fillRect/>
-          </a:stretch>
-        </p:blipFill>
-        <p:spPr>
+        </p:nvGrpSpPr>
+        <p:grpSpPr>
           <a:xfrm>
             <a:off x="8864316" y="176994"/>
             <a:ext cx="2285918" cy="4840181"/>
+            <a:chOff x="8864316" y="176994"/>
+            <a:chExt cx="2285918" cy="4840181"/>
           </a:xfrm>
-          <a:prstGeom prst="rect">
-            <a:avLst/>
-          </a:prstGeom>
-        </p:spPr>
-      </p:pic>
+        </p:grpSpPr>
+        <p:pic>
+          <p:nvPicPr>
+            <p:cNvPr id="24" name="Image 23"/>
+            <p:cNvPicPr>
+              <a:picLocks noChangeAspect="1"/>
+            </p:cNvPicPr>
+            <p:nvPr/>
+          </p:nvPicPr>
+          <p:blipFill>
+            <a:blip r:embed="rId4"/>
+            <a:stretch>
+              <a:fillRect/>
+            </a:stretch>
+          </p:blipFill>
+          <p:spPr>
+            <a:xfrm>
+              <a:off x="8864316" y="176994"/>
+              <a:ext cx="2285918" cy="4840181"/>
+            </a:xfrm>
+            <a:prstGeom prst="rect">
+              <a:avLst/>
+            </a:prstGeom>
+          </p:spPr>
+        </p:pic>
+        <p:pic>
+          <p:nvPicPr>
+            <p:cNvPr id="25" name="Image 24"/>
+            <p:cNvPicPr>
+              <a:picLocks noChangeAspect="1"/>
+            </p:cNvPicPr>
+            <p:nvPr/>
+          </p:nvPicPr>
+          <p:blipFill rotWithShape="1">
+            <a:blip r:embed="rId5">
+              <a:extLst>
+                <a:ext uri="{28A0092B-C50C-407E-A947-70E740481C1C}">
+                  <a14:useLocalDpi xmlns:a14="http://schemas.microsoft.com/office/drawing/2010/main" val="0"/>
+                </a:ext>
+              </a:extLst>
+            </a:blip>
+            <a:srcRect l="10839" t="58393" r="37799" b="39359"/>
+            <a:stretch/>
+          </p:blipFill>
+          <p:spPr>
+            <a:xfrm>
+              <a:off x="9196159" y="4095136"/>
+              <a:ext cx="1586141" cy="153013"/>
+            </a:xfrm>
+            <a:prstGeom prst="rect">
+              <a:avLst/>
+            </a:prstGeom>
+          </p:spPr>
+        </p:pic>
+      </p:grpSp>
     </p:spTree>
     <p:extLst>
       <p:ext uri="{BB962C8B-B14F-4D97-AF65-F5344CB8AC3E}">
@@ -9109,30 +9197,74 @@
           </a:prstGeom>
         </p:spPr>
       </p:pic>
-      <p:pic>
-        <p:nvPicPr>
-          <p:cNvPr id="28" name="Image 27"/>
-          <p:cNvPicPr>
-            <a:picLocks noChangeAspect="1"/>
-          </p:cNvPicPr>
+      <p:grpSp>
+        <p:nvGrpSpPr>
+          <p:cNvPr id="17" name="Groupe 16"/>
+          <p:cNvGrpSpPr/>
           <p:nvPr/>
-        </p:nvPicPr>
-        <p:blipFill>
-          <a:blip r:embed="rId5"/>
-          <a:stretch>
-            <a:fillRect/>
-          </a:stretch>
-        </p:blipFill>
-        <p:spPr>
+        </p:nvGrpSpPr>
+        <p:grpSpPr>
           <a:xfrm>
             <a:off x="8864316" y="176994"/>
             <a:ext cx="2285918" cy="4840181"/>
+            <a:chOff x="8864316" y="176994"/>
+            <a:chExt cx="2285918" cy="4840181"/>
           </a:xfrm>
-          <a:prstGeom prst="rect">
-            <a:avLst/>
-          </a:prstGeom>
-        </p:spPr>
-      </p:pic>
+        </p:grpSpPr>
+        <p:pic>
+          <p:nvPicPr>
+            <p:cNvPr id="18" name="Image 17"/>
+            <p:cNvPicPr>
+              <a:picLocks noChangeAspect="1"/>
+            </p:cNvPicPr>
+            <p:nvPr/>
+          </p:nvPicPr>
+          <p:blipFill>
+            <a:blip r:embed="rId5"/>
+            <a:stretch>
+              <a:fillRect/>
+            </a:stretch>
+          </p:blipFill>
+          <p:spPr>
+            <a:xfrm>
+              <a:off x="8864316" y="176994"/>
+              <a:ext cx="2285918" cy="4840181"/>
+            </a:xfrm>
+            <a:prstGeom prst="rect">
+              <a:avLst/>
+            </a:prstGeom>
+          </p:spPr>
+        </p:pic>
+        <p:pic>
+          <p:nvPicPr>
+            <p:cNvPr id="22" name="Image 21"/>
+            <p:cNvPicPr>
+              <a:picLocks noChangeAspect="1"/>
+            </p:cNvPicPr>
+            <p:nvPr/>
+          </p:nvPicPr>
+          <p:blipFill rotWithShape="1">
+            <a:blip r:embed="rId6">
+              <a:extLst>
+                <a:ext uri="{28A0092B-C50C-407E-A947-70E740481C1C}">
+                  <a14:useLocalDpi xmlns:a14="http://schemas.microsoft.com/office/drawing/2010/main" val="0"/>
+                </a:ext>
+              </a:extLst>
+            </a:blip>
+            <a:srcRect l="10839" t="58393" r="37799" b="39359"/>
+            <a:stretch/>
+          </p:blipFill>
+          <p:spPr>
+            <a:xfrm>
+              <a:off x="9196159" y="4095136"/>
+              <a:ext cx="1586141" cy="153013"/>
+            </a:xfrm>
+            <a:prstGeom prst="rect">
+              <a:avLst/>
+            </a:prstGeom>
+          </p:spPr>
+        </p:pic>
+      </p:grpSp>
     </p:spTree>
     <p:extLst>
       <p:ext uri="{BB962C8B-B14F-4D97-AF65-F5344CB8AC3E}">
@@ -14609,30 +14741,74 @@
           </a:prstGeom>
         </p:spPr>
       </p:pic>
-      <p:pic>
-        <p:nvPicPr>
-          <p:cNvPr id="23" name="Image 22"/>
-          <p:cNvPicPr>
-            <a:picLocks noChangeAspect="1"/>
-          </p:cNvPicPr>
+      <p:grpSp>
+        <p:nvGrpSpPr>
+          <p:cNvPr id="21" name="Groupe 20"/>
+          <p:cNvGrpSpPr/>
           <p:nvPr/>
-        </p:nvPicPr>
-        <p:blipFill>
-          <a:blip r:embed="rId4"/>
-          <a:stretch>
-            <a:fillRect/>
-          </a:stretch>
-        </p:blipFill>
-        <p:spPr>
+        </p:nvGrpSpPr>
+        <p:grpSpPr>
           <a:xfrm>
             <a:off x="8864316" y="176994"/>
             <a:ext cx="2285918" cy="4840181"/>
+            <a:chOff x="8864316" y="176994"/>
+            <a:chExt cx="2285918" cy="4840181"/>
           </a:xfrm>
-          <a:prstGeom prst="rect">
-            <a:avLst/>
-          </a:prstGeom>
-        </p:spPr>
-      </p:pic>
+        </p:grpSpPr>
+        <p:pic>
+          <p:nvPicPr>
+            <p:cNvPr id="24" name="Image 23"/>
+            <p:cNvPicPr>
+              <a:picLocks noChangeAspect="1"/>
+            </p:cNvPicPr>
+            <p:nvPr/>
+          </p:nvPicPr>
+          <p:blipFill>
+            <a:blip r:embed="rId4"/>
+            <a:stretch>
+              <a:fillRect/>
+            </a:stretch>
+          </p:blipFill>
+          <p:spPr>
+            <a:xfrm>
+              <a:off x="8864316" y="176994"/>
+              <a:ext cx="2285918" cy="4840181"/>
+            </a:xfrm>
+            <a:prstGeom prst="rect">
+              <a:avLst/>
+            </a:prstGeom>
+          </p:spPr>
+        </p:pic>
+        <p:pic>
+          <p:nvPicPr>
+            <p:cNvPr id="25" name="Image 24"/>
+            <p:cNvPicPr>
+              <a:picLocks noChangeAspect="1"/>
+            </p:cNvPicPr>
+            <p:nvPr/>
+          </p:nvPicPr>
+          <p:blipFill rotWithShape="1">
+            <a:blip r:embed="rId5">
+              <a:extLst>
+                <a:ext uri="{28A0092B-C50C-407E-A947-70E740481C1C}">
+                  <a14:useLocalDpi xmlns:a14="http://schemas.microsoft.com/office/drawing/2010/main" val="0"/>
+                </a:ext>
+              </a:extLst>
+            </a:blip>
+            <a:srcRect l="10839" t="58393" r="37799" b="39359"/>
+            <a:stretch/>
+          </p:blipFill>
+          <p:spPr>
+            <a:xfrm>
+              <a:off x="9196159" y="4095136"/>
+              <a:ext cx="1586141" cy="153013"/>
+            </a:xfrm>
+            <a:prstGeom prst="rect">
+              <a:avLst/>
+            </a:prstGeom>
+          </p:spPr>
+        </p:pic>
+      </p:grpSp>
     </p:spTree>
     <p:extLst>
       <p:ext uri="{BB962C8B-B14F-4D97-AF65-F5344CB8AC3E}">
@@ -14942,30 +15118,6 @@
       </p:pic>
       <p:pic>
         <p:nvPicPr>
-          <p:cNvPr id="47" name="Image 46"/>
-          <p:cNvPicPr>
-            <a:picLocks noChangeAspect="1"/>
-          </p:cNvPicPr>
-          <p:nvPr/>
-        </p:nvPicPr>
-        <p:blipFill>
-          <a:blip r:embed="rId4"/>
-          <a:stretch>
-            <a:fillRect/>
-          </a:stretch>
-        </p:blipFill>
-        <p:spPr>
-          <a:xfrm>
-            <a:off x="8864316" y="176994"/>
-            <a:ext cx="2285918" cy="4840181"/>
-          </a:xfrm>
-          <a:prstGeom prst="rect">
-            <a:avLst/>
-          </a:prstGeom>
-        </p:spPr>
-      </p:pic>
-      <p:pic>
-        <p:nvPicPr>
           <p:cNvPr id="51" name="Image 50"/>
           <p:cNvPicPr>
             <a:picLocks noChangeAspect="1"/>
@@ -15053,6 +15205,74 @@
           </a:p>
         </p:txBody>
       </p:sp>
+      <p:grpSp>
+        <p:nvGrpSpPr>
+          <p:cNvPr id="11" name="Groupe 10"/>
+          <p:cNvGrpSpPr/>
+          <p:nvPr/>
+        </p:nvGrpSpPr>
+        <p:grpSpPr>
+          <a:xfrm>
+            <a:off x="8864316" y="176994"/>
+            <a:ext cx="2285918" cy="4840181"/>
+            <a:chOff x="8864316" y="176994"/>
+            <a:chExt cx="2285918" cy="4840181"/>
+          </a:xfrm>
+        </p:grpSpPr>
+        <p:pic>
+          <p:nvPicPr>
+            <p:cNvPr id="12" name="Image 11"/>
+            <p:cNvPicPr>
+              <a:picLocks noChangeAspect="1"/>
+            </p:cNvPicPr>
+            <p:nvPr/>
+          </p:nvPicPr>
+          <p:blipFill>
+            <a:blip r:embed="rId4"/>
+            <a:stretch>
+              <a:fillRect/>
+            </a:stretch>
+          </p:blipFill>
+          <p:spPr>
+            <a:xfrm>
+              <a:off x="8864316" y="176994"/>
+              <a:ext cx="2285918" cy="4840181"/>
+            </a:xfrm>
+            <a:prstGeom prst="rect">
+              <a:avLst/>
+            </a:prstGeom>
+          </p:spPr>
+        </p:pic>
+        <p:pic>
+          <p:nvPicPr>
+            <p:cNvPr id="13" name="Image 12"/>
+            <p:cNvPicPr>
+              <a:picLocks noChangeAspect="1"/>
+            </p:cNvPicPr>
+            <p:nvPr/>
+          </p:nvPicPr>
+          <p:blipFill rotWithShape="1">
+            <a:blip r:embed="rId5">
+              <a:extLst>
+                <a:ext uri="{28A0092B-C50C-407E-A947-70E740481C1C}">
+                  <a14:useLocalDpi xmlns:a14="http://schemas.microsoft.com/office/drawing/2010/main" val="0"/>
+                </a:ext>
+              </a:extLst>
+            </a:blip>
+            <a:srcRect l="10839" t="58393" r="37799" b="39359"/>
+            <a:stretch/>
+          </p:blipFill>
+          <p:spPr>
+            <a:xfrm>
+              <a:off x="9196159" y="4095136"/>
+              <a:ext cx="1586141" cy="153013"/>
+            </a:xfrm>
+            <a:prstGeom prst="rect">
+              <a:avLst/>
+            </a:prstGeom>
+          </p:spPr>
+        </p:pic>
+      </p:grpSp>
     </p:spTree>
     <p:extLst>
       <p:ext uri="{BB962C8B-B14F-4D97-AF65-F5344CB8AC3E}">
@@ -15971,30 +16191,6 @@
           <a:xfrm>
             <a:off x="8844145" y="4919390"/>
             <a:ext cx="2843880" cy="1682198"/>
-          </a:xfrm>
-          <a:prstGeom prst="rect">
-            <a:avLst/>
-          </a:prstGeom>
-        </p:spPr>
-      </p:pic>
-      <p:pic>
-        <p:nvPicPr>
-          <p:cNvPr id="36" name="Image 35"/>
-          <p:cNvPicPr>
-            <a:picLocks noChangeAspect="1"/>
-          </p:cNvPicPr>
-          <p:nvPr/>
-        </p:nvPicPr>
-        <p:blipFill>
-          <a:blip r:embed="rId4"/>
-          <a:stretch>
-            <a:fillRect/>
-          </a:stretch>
-        </p:blipFill>
-        <p:spPr>
-          <a:xfrm>
-            <a:off x="8864316" y="176994"/>
-            <a:ext cx="2285918" cy="4840181"/>
           </a:xfrm>
           <a:prstGeom prst="rect">
             <a:avLst/>
@@ -16539,6 +16735,74 @@
           </a:p>
         </p:txBody>
       </p:sp>
+      <p:grpSp>
+        <p:nvGrpSpPr>
+          <p:cNvPr id="20" name="Groupe 19"/>
+          <p:cNvGrpSpPr/>
+          <p:nvPr/>
+        </p:nvGrpSpPr>
+        <p:grpSpPr>
+          <a:xfrm>
+            <a:off x="8864316" y="176994"/>
+            <a:ext cx="2285918" cy="4840181"/>
+            <a:chOff x="8864316" y="176994"/>
+            <a:chExt cx="2285918" cy="4840181"/>
+          </a:xfrm>
+        </p:grpSpPr>
+        <p:pic>
+          <p:nvPicPr>
+            <p:cNvPr id="21" name="Image 20"/>
+            <p:cNvPicPr>
+              <a:picLocks noChangeAspect="1"/>
+            </p:cNvPicPr>
+            <p:nvPr/>
+          </p:nvPicPr>
+          <p:blipFill>
+            <a:blip r:embed="rId4"/>
+            <a:stretch>
+              <a:fillRect/>
+            </a:stretch>
+          </p:blipFill>
+          <p:spPr>
+            <a:xfrm>
+              <a:off x="8864316" y="176994"/>
+              <a:ext cx="2285918" cy="4840181"/>
+            </a:xfrm>
+            <a:prstGeom prst="rect">
+              <a:avLst/>
+            </a:prstGeom>
+          </p:spPr>
+        </p:pic>
+        <p:pic>
+          <p:nvPicPr>
+            <p:cNvPr id="22" name="Image 21"/>
+            <p:cNvPicPr>
+              <a:picLocks noChangeAspect="1"/>
+            </p:cNvPicPr>
+            <p:nvPr/>
+          </p:nvPicPr>
+          <p:blipFill rotWithShape="1">
+            <a:blip r:embed="rId5">
+              <a:extLst>
+                <a:ext uri="{28A0092B-C50C-407E-A947-70E740481C1C}">
+                  <a14:useLocalDpi xmlns:a14="http://schemas.microsoft.com/office/drawing/2010/main" val="0"/>
+                </a:ext>
+              </a:extLst>
+            </a:blip>
+            <a:srcRect l="10839" t="58393" r="37799" b="39359"/>
+            <a:stretch/>
+          </p:blipFill>
+          <p:spPr>
+            <a:xfrm>
+              <a:off x="9196159" y="4095136"/>
+              <a:ext cx="1586141" cy="153013"/>
+            </a:xfrm>
+            <a:prstGeom prst="rect">
+              <a:avLst/>
+            </a:prstGeom>
+          </p:spPr>
+        </p:pic>
+      </p:grpSp>
     </p:spTree>
     <p:extLst>
       <p:ext uri="{BB962C8B-B14F-4D97-AF65-F5344CB8AC3E}">
@@ -16613,30 +16877,6 @@
           <a:xfrm>
             <a:off x="8844145" y="4919390"/>
             <a:ext cx="2843880" cy="1682198"/>
-          </a:xfrm>
-          <a:prstGeom prst="rect">
-            <a:avLst/>
-          </a:prstGeom>
-        </p:spPr>
-      </p:pic>
-      <p:pic>
-        <p:nvPicPr>
-          <p:cNvPr id="29" name="Image 28"/>
-          <p:cNvPicPr>
-            <a:picLocks noChangeAspect="1"/>
-          </p:cNvPicPr>
-          <p:nvPr/>
-        </p:nvPicPr>
-        <p:blipFill>
-          <a:blip r:embed="rId4"/>
-          <a:stretch>
-            <a:fillRect/>
-          </a:stretch>
-        </p:blipFill>
-        <p:spPr>
-          <a:xfrm>
-            <a:off x="8864316" y="176994"/>
-            <a:ext cx="2285918" cy="4840181"/>
           </a:xfrm>
           <a:prstGeom prst="rect">
             <a:avLst/>
@@ -17448,7 +17688,7 @@
           <p:nvPr/>
         </p:nvPicPr>
         <p:blipFill>
-          <a:blip r:embed="rId5"/>
+          <a:blip r:embed="rId4"/>
           <a:stretch>
             <a:fillRect/>
           </a:stretch>
@@ -17569,6 +17809,74 @@
           </a:p>
         </p:txBody>
       </p:sp>
+      <p:grpSp>
+        <p:nvGrpSpPr>
+          <p:cNvPr id="30" name="Groupe 29"/>
+          <p:cNvGrpSpPr/>
+          <p:nvPr/>
+        </p:nvGrpSpPr>
+        <p:grpSpPr>
+          <a:xfrm>
+            <a:off x="8864316" y="176994"/>
+            <a:ext cx="2285918" cy="4840181"/>
+            <a:chOff x="8864316" y="176994"/>
+            <a:chExt cx="2285918" cy="4840181"/>
+          </a:xfrm>
+        </p:grpSpPr>
+        <p:pic>
+          <p:nvPicPr>
+            <p:cNvPr id="32" name="Image 31"/>
+            <p:cNvPicPr>
+              <a:picLocks noChangeAspect="1"/>
+            </p:cNvPicPr>
+            <p:nvPr/>
+          </p:nvPicPr>
+          <p:blipFill>
+            <a:blip r:embed="rId5"/>
+            <a:stretch>
+              <a:fillRect/>
+            </a:stretch>
+          </p:blipFill>
+          <p:spPr>
+            <a:xfrm>
+              <a:off x="8864316" y="176994"/>
+              <a:ext cx="2285918" cy="4840181"/>
+            </a:xfrm>
+            <a:prstGeom prst="rect">
+              <a:avLst/>
+            </a:prstGeom>
+          </p:spPr>
+        </p:pic>
+        <p:pic>
+          <p:nvPicPr>
+            <p:cNvPr id="33" name="Image 32"/>
+            <p:cNvPicPr>
+              <a:picLocks noChangeAspect="1"/>
+            </p:cNvPicPr>
+            <p:nvPr/>
+          </p:nvPicPr>
+          <p:blipFill rotWithShape="1">
+            <a:blip r:embed="rId6">
+              <a:extLst>
+                <a:ext uri="{28A0092B-C50C-407E-A947-70E740481C1C}">
+                  <a14:useLocalDpi xmlns:a14="http://schemas.microsoft.com/office/drawing/2010/main" val="0"/>
+                </a:ext>
+              </a:extLst>
+            </a:blip>
+            <a:srcRect l="10839" t="58393" r="37799" b="39359"/>
+            <a:stretch/>
+          </p:blipFill>
+          <p:spPr>
+            <a:xfrm>
+              <a:off x="9196159" y="4095136"/>
+              <a:ext cx="1586141" cy="153013"/>
+            </a:xfrm>
+            <a:prstGeom prst="rect">
+              <a:avLst/>
+            </a:prstGeom>
+          </p:spPr>
+        </p:pic>
+      </p:grpSp>
     </p:spTree>
     <p:extLst>
       <p:ext uri="{BB962C8B-B14F-4D97-AF65-F5344CB8AC3E}">
@@ -17651,7 +17959,7 @@
       </p:pic>
       <p:pic>
         <p:nvPicPr>
-          <p:cNvPr id="29" name="Image 28"/>
+          <p:cNvPr id="30" name="Image 29"/>
           <p:cNvPicPr>
             <a:picLocks noChangeAspect="1"/>
           </p:cNvPicPr>
@@ -17659,30 +17967,6 @@
         </p:nvPicPr>
         <p:blipFill>
           <a:blip r:embed="rId4"/>
-          <a:stretch>
-            <a:fillRect/>
-          </a:stretch>
-        </p:blipFill>
-        <p:spPr>
-          <a:xfrm>
-            <a:off x="8864316" y="176994"/>
-            <a:ext cx="2285918" cy="4840181"/>
-          </a:xfrm>
-          <a:prstGeom prst="rect">
-            <a:avLst/>
-          </a:prstGeom>
-        </p:spPr>
-      </p:pic>
-      <p:pic>
-        <p:nvPicPr>
-          <p:cNvPr id="30" name="Image 29"/>
-          <p:cNvPicPr>
-            <a:picLocks noChangeAspect="1"/>
-          </p:cNvPicPr>
-          <p:nvPr/>
-        </p:nvPicPr>
-        <p:blipFill>
-          <a:blip r:embed="rId5"/>
           <a:stretch>
             <a:fillRect/>
           </a:stretch>
@@ -18031,6 +18315,74 @@
           </a:p>
         </p:txBody>
       </p:sp>
+      <p:grpSp>
+        <p:nvGrpSpPr>
+          <p:cNvPr id="8" name="Groupe 7"/>
+          <p:cNvGrpSpPr/>
+          <p:nvPr/>
+        </p:nvGrpSpPr>
+        <p:grpSpPr>
+          <a:xfrm>
+            <a:off x="8864316" y="176994"/>
+            <a:ext cx="2285918" cy="4840181"/>
+            <a:chOff x="8864316" y="176994"/>
+            <a:chExt cx="2285918" cy="4840181"/>
+          </a:xfrm>
+        </p:grpSpPr>
+        <p:pic>
+          <p:nvPicPr>
+            <p:cNvPr id="9" name="Image 8"/>
+            <p:cNvPicPr>
+              <a:picLocks noChangeAspect="1"/>
+            </p:cNvPicPr>
+            <p:nvPr/>
+          </p:nvPicPr>
+          <p:blipFill>
+            <a:blip r:embed="rId5"/>
+            <a:stretch>
+              <a:fillRect/>
+            </a:stretch>
+          </p:blipFill>
+          <p:spPr>
+            <a:xfrm>
+              <a:off x="8864316" y="176994"/>
+              <a:ext cx="2285918" cy="4840181"/>
+            </a:xfrm>
+            <a:prstGeom prst="rect">
+              <a:avLst/>
+            </a:prstGeom>
+          </p:spPr>
+        </p:pic>
+        <p:pic>
+          <p:nvPicPr>
+            <p:cNvPr id="10" name="Image 9"/>
+            <p:cNvPicPr>
+              <a:picLocks noChangeAspect="1"/>
+            </p:cNvPicPr>
+            <p:nvPr/>
+          </p:nvPicPr>
+          <p:blipFill rotWithShape="1">
+            <a:blip r:embed="rId6">
+              <a:extLst>
+                <a:ext uri="{28A0092B-C50C-407E-A947-70E740481C1C}">
+                  <a14:useLocalDpi xmlns:a14="http://schemas.microsoft.com/office/drawing/2010/main" val="0"/>
+                </a:ext>
+              </a:extLst>
+            </a:blip>
+            <a:srcRect l="10839" t="58393" r="37799" b="39359"/>
+            <a:stretch/>
+          </p:blipFill>
+          <p:spPr>
+            <a:xfrm>
+              <a:off x="9196159" y="4095136"/>
+              <a:ext cx="1586141" cy="153013"/>
+            </a:xfrm>
+            <a:prstGeom prst="rect">
+              <a:avLst/>
+            </a:prstGeom>
+          </p:spPr>
+        </p:pic>
+      </p:grpSp>
     </p:spTree>
     <p:extLst>
       <p:ext uri="{BB962C8B-B14F-4D97-AF65-F5344CB8AC3E}">
@@ -25718,7 +26070,7 @@
       </p:pic>
       <p:pic>
         <p:nvPicPr>
-          <p:cNvPr id="29" name="Image 28"/>
+          <p:cNvPr id="8" name="Image 7"/>
           <p:cNvPicPr>
             <a:picLocks noChangeAspect="1"/>
           </p:cNvPicPr>
@@ -25726,30 +26078,6 @@
         </p:nvPicPr>
         <p:blipFill>
           <a:blip r:embed="rId4"/>
-          <a:stretch>
-            <a:fillRect/>
-          </a:stretch>
-        </p:blipFill>
-        <p:spPr>
-          <a:xfrm>
-            <a:off x="8864316" y="176994"/>
-            <a:ext cx="2285918" cy="4840181"/>
-          </a:xfrm>
-          <a:prstGeom prst="rect">
-            <a:avLst/>
-          </a:prstGeom>
-        </p:spPr>
-      </p:pic>
-      <p:pic>
-        <p:nvPicPr>
-          <p:cNvPr id="8" name="Image 7"/>
-          <p:cNvPicPr>
-            <a:picLocks noChangeAspect="1"/>
-          </p:cNvPicPr>
-          <p:nvPr/>
-        </p:nvPicPr>
-        <p:blipFill>
-          <a:blip r:embed="rId5"/>
           <a:stretch>
             <a:fillRect/>
           </a:stretch>
@@ -25852,7 +26180,7 @@
           <p:nvPr/>
         </p:nvPicPr>
         <p:blipFill>
-          <a:blip r:embed="rId6"/>
+          <a:blip r:embed="rId5"/>
           <a:stretch>
             <a:fillRect/>
           </a:stretch>
@@ -26018,7 +26346,7 @@
           <p:nvPr/>
         </p:nvPicPr>
         <p:blipFill rotWithShape="1">
-          <a:blip r:embed="rId7">
+          <a:blip r:embed="rId6">
             <a:extLst>
               <a:ext uri="{28A0092B-C50C-407E-A947-70E740481C1C}">
                 <a14:useLocalDpi xmlns:a14="http://schemas.microsoft.com/office/drawing/2010/main" val="0"/>
@@ -26088,6 +26416,74 @@
           </a:p>
         </p:txBody>
       </p:sp>
+      <p:grpSp>
+        <p:nvGrpSpPr>
+          <p:cNvPr id="12" name="Groupe 11"/>
+          <p:cNvGrpSpPr/>
+          <p:nvPr/>
+        </p:nvGrpSpPr>
+        <p:grpSpPr>
+          <a:xfrm>
+            <a:off x="8864316" y="176994"/>
+            <a:ext cx="2285918" cy="4840181"/>
+            <a:chOff x="8864316" y="176994"/>
+            <a:chExt cx="2285918" cy="4840181"/>
+          </a:xfrm>
+        </p:grpSpPr>
+        <p:pic>
+          <p:nvPicPr>
+            <p:cNvPr id="13" name="Image 12"/>
+            <p:cNvPicPr>
+              <a:picLocks noChangeAspect="1"/>
+            </p:cNvPicPr>
+            <p:nvPr/>
+          </p:nvPicPr>
+          <p:blipFill>
+            <a:blip r:embed="rId7"/>
+            <a:stretch>
+              <a:fillRect/>
+            </a:stretch>
+          </p:blipFill>
+          <p:spPr>
+            <a:xfrm>
+              <a:off x="8864316" y="176994"/>
+              <a:ext cx="2285918" cy="4840181"/>
+            </a:xfrm>
+            <a:prstGeom prst="rect">
+              <a:avLst/>
+            </a:prstGeom>
+          </p:spPr>
+        </p:pic>
+        <p:pic>
+          <p:nvPicPr>
+            <p:cNvPr id="15" name="Image 14"/>
+            <p:cNvPicPr>
+              <a:picLocks noChangeAspect="1"/>
+            </p:cNvPicPr>
+            <p:nvPr/>
+          </p:nvPicPr>
+          <p:blipFill rotWithShape="1">
+            <a:blip r:embed="rId8">
+              <a:extLst>
+                <a:ext uri="{28A0092B-C50C-407E-A947-70E740481C1C}">
+                  <a14:useLocalDpi xmlns:a14="http://schemas.microsoft.com/office/drawing/2010/main" val="0"/>
+                </a:ext>
+              </a:extLst>
+            </a:blip>
+            <a:srcRect l="10839" t="58393" r="37799" b="39359"/>
+            <a:stretch/>
+          </p:blipFill>
+          <p:spPr>
+            <a:xfrm>
+              <a:off x="9196159" y="4095136"/>
+              <a:ext cx="1586141" cy="153013"/>
+            </a:xfrm>
+            <a:prstGeom prst="rect">
+              <a:avLst/>
+            </a:prstGeom>
+          </p:spPr>
+        </p:pic>
+      </p:grpSp>
     </p:spTree>
     <p:extLst>
       <p:ext uri="{BB962C8B-B14F-4D97-AF65-F5344CB8AC3E}">
